--- a/research/report/Apresentação.pptx
+++ b/research/report/Apresentação.pptx
@@ -1256,14 +1256,14 @@
                   <c:v>3.98</c:v>
                 </c:pt>
                 <c:pt idx="15">
-                  <c:v>4.82</c:v>
+                  <c:v>5.14</c:v>
                 </c:pt>
               </c:numCache>
             </c:numRef>
           </c:val>
           <c:extLst>
             <c:ext xmlns:c16="http://schemas.microsoft.com/office/drawing/2014/chart" uri="{C3380CC4-5D6E-409C-BE32-E72D297353CC}">
-              <c16:uniqueId val="{00000000-0E16-4911-A354-16B40E95136D}"/>
+              <c16:uniqueId val="{00000000-A623-47A8-81C0-1B7FCEDCF8DE}"/>
             </c:ext>
           </c:extLst>
         </c:ser>
@@ -1391,14 +1391,14 @@
                   <c:v>2.78</c:v>
                 </c:pt>
                 <c:pt idx="15">
-                  <c:v>3.17</c:v>
+                  <c:v>3.39</c:v>
                 </c:pt>
               </c:numCache>
             </c:numRef>
           </c:val>
           <c:extLst>
             <c:ext xmlns:c16="http://schemas.microsoft.com/office/drawing/2014/chart" uri="{C3380CC4-5D6E-409C-BE32-E72D297353CC}">
-              <c16:uniqueId val="{00000001-0E16-4911-A354-16B40E95136D}"/>
+              <c16:uniqueId val="{00000001-A623-47A8-81C0-1B7FCEDCF8DE}"/>
             </c:ext>
           </c:extLst>
         </c:ser>
@@ -1526,14 +1526,14 @@
                   <c:v>2.0099999999999998</c:v>
                 </c:pt>
                 <c:pt idx="15">
-                  <c:v>2.4</c:v>
+                  <c:v>2.56</c:v>
                 </c:pt>
               </c:numCache>
             </c:numRef>
           </c:val>
           <c:extLst>
             <c:ext xmlns:c16="http://schemas.microsoft.com/office/drawing/2014/chart" uri="{C3380CC4-5D6E-409C-BE32-E72D297353CC}">
-              <c16:uniqueId val="{00000002-0E16-4911-A354-16B40E95136D}"/>
+              <c16:uniqueId val="{00000002-A623-47A8-81C0-1B7FCEDCF8DE}"/>
             </c:ext>
           </c:extLst>
         </c:ser>
@@ -1661,14 +1661,14 @@
                   <c:v>4.57</c:v>
                 </c:pt>
                 <c:pt idx="15">
-                  <c:v>5.51</c:v>
+                  <c:v>5.88</c:v>
                 </c:pt>
               </c:numCache>
             </c:numRef>
           </c:val>
           <c:extLst>
             <c:ext xmlns:c16="http://schemas.microsoft.com/office/drawing/2014/chart" uri="{C3380CC4-5D6E-409C-BE32-E72D297353CC}">
-              <c16:uniqueId val="{00000003-0E16-4911-A354-16B40E95136D}"/>
+              <c16:uniqueId val="{00000003-A623-47A8-81C0-1B7FCEDCF8DE}"/>
             </c:ext>
           </c:extLst>
         </c:ser>
@@ -1800,7 +1800,7 @@
           </c:val>
           <c:extLst>
             <c:ext xmlns:c16="http://schemas.microsoft.com/office/drawing/2014/chart" uri="{C3380CC4-5D6E-409C-BE32-E72D297353CC}">
-              <c16:uniqueId val="{00000004-0E16-4911-A354-16B40E95136D}"/>
+              <c16:uniqueId val="{00000004-A623-47A8-81C0-1B7FCEDCF8DE}"/>
             </c:ext>
           </c:extLst>
         </c:ser>
@@ -2217,14 +2217,14 @@
                   <c:v>41.81</c:v>
                 </c:pt>
                 <c:pt idx="15">
-                  <c:v>27.1</c:v>
+                  <c:v>28.9</c:v>
                 </c:pt>
               </c:numCache>
             </c:numRef>
           </c:val>
           <c:extLst>
             <c:ext xmlns:c16="http://schemas.microsoft.com/office/drawing/2014/chart" uri="{C3380CC4-5D6E-409C-BE32-E72D297353CC}">
-              <c16:uniqueId val="{00000000-4011-4E86-8CBC-573FA58E31E4}"/>
+              <c16:uniqueId val="{00000000-07BC-4BBE-8ADA-F33A88460A54}"/>
             </c:ext>
           </c:extLst>
         </c:ser>
@@ -2352,14 +2352,14 @@
                   <c:v>34.17</c:v>
                 </c:pt>
                 <c:pt idx="15">
-                  <c:v>17.75</c:v>
+                  <c:v>18.93</c:v>
                 </c:pt>
               </c:numCache>
             </c:numRef>
           </c:val>
           <c:extLst>
             <c:ext xmlns:c16="http://schemas.microsoft.com/office/drawing/2014/chart" uri="{C3380CC4-5D6E-409C-BE32-E72D297353CC}">
-              <c16:uniqueId val="{00000001-4011-4E86-8CBC-573FA58E31E4}"/>
+              <c16:uniqueId val="{00000001-07BC-4BBE-8ADA-F33A88460A54}"/>
             </c:ext>
           </c:extLst>
         </c:ser>
@@ -2487,14 +2487,14 @@
                   <c:v>24.7</c:v>
                 </c:pt>
                 <c:pt idx="15">
-                  <c:v>77.38</c:v>
+                  <c:v>82.54</c:v>
                 </c:pt>
               </c:numCache>
             </c:numRef>
           </c:val>
           <c:extLst>
             <c:ext xmlns:c16="http://schemas.microsoft.com/office/drawing/2014/chart" uri="{C3380CC4-5D6E-409C-BE32-E72D297353CC}">
-              <c16:uniqueId val="{00000002-4011-4E86-8CBC-573FA58E31E4}"/>
+              <c16:uniqueId val="{00000002-07BC-4BBE-8ADA-F33A88460A54}"/>
             </c:ext>
           </c:extLst>
         </c:ser>
@@ -2622,14 +2622,14 @@
                   <c:v>43.27</c:v>
                 </c:pt>
                 <c:pt idx="15">
-                  <c:v>26.25</c:v>
+                  <c:v>28</c:v>
                 </c:pt>
               </c:numCache>
             </c:numRef>
           </c:val>
           <c:extLst>
             <c:ext xmlns:c16="http://schemas.microsoft.com/office/drawing/2014/chart" uri="{C3380CC4-5D6E-409C-BE32-E72D297353CC}">
-              <c16:uniqueId val="{00000003-4011-4E86-8CBC-573FA58E31E4}"/>
+              <c16:uniqueId val="{00000003-07BC-4BBE-8ADA-F33A88460A54}"/>
             </c:ext>
           </c:extLst>
         </c:ser>
@@ -2761,7 +2761,7 @@
           </c:val>
           <c:extLst>
             <c:ext xmlns:c16="http://schemas.microsoft.com/office/drawing/2014/chart" uri="{C3380CC4-5D6E-409C-BE32-E72D297353CC}">
-              <c16:uniqueId val="{00000004-4011-4E86-8CBC-573FA58E31E4}"/>
+              <c16:uniqueId val="{00000004-07BC-4BBE-8ADA-F33A88460A54}"/>
             </c:ext>
           </c:extLst>
         </c:ser>
@@ -2997,968 +2997,6 @@
               <a:rPr lang="pt-PT" sz="1800" b="1" i="0" cap="all" baseline="0">
                 <a:effectLst/>
               </a:rPr>
-              <a:t>Tempo de Compressão</a:t>
-            </a:r>
-            <a:endParaRPr lang="pt-PT">
-              <a:effectLst/>
-            </a:endParaRPr>
-          </a:p>
-          <a:p>
-            <a:pPr>
-              <a:defRPr/>
-            </a:pPr>
-            <a:r>
-              <a:rPr lang="pt-PT" sz="1800" b="1" i="0" cap="all" baseline="0">
-                <a:effectLst/>
-              </a:rPr>
-              <a:t>(s)</a:t>
-            </a:r>
-            <a:endParaRPr lang="pt-PT">
-              <a:effectLst/>
-            </a:endParaRPr>
-          </a:p>
-        </c:rich>
-      </c:tx>
-      <c:overlay val="0"/>
-      <c:spPr>
-        <a:noFill/>
-        <a:ln>
-          <a:noFill/>
-        </a:ln>
-        <a:effectLst/>
-      </c:spPr>
-      <c:txPr>
-        <a:bodyPr rot="0" spcFirstLastPara="1" vertOverflow="ellipsis" vert="horz" wrap="square" anchor="ctr" anchorCtr="1"/>
-        <a:lstStyle/>
-        <a:p>
-          <a:pPr>
-            <a:defRPr sz="1400" b="0" i="0" u="none" strike="noStrike" kern="1200" spc="0" baseline="0">
-              <a:solidFill>
-                <a:schemeClr val="tx1">
-                  <a:lumMod val="65000"/>
-                  <a:lumOff val="35000"/>
-                </a:schemeClr>
-              </a:solidFill>
-              <a:latin typeface="+mn-lt"/>
-              <a:ea typeface="+mn-ea"/>
-              <a:cs typeface="+mn-cs"/>
-            </a:defRPr>
-          </a:pPr>
-          <a:endParaRPr lang="pt-PT"/>
-        </a:p>
-      </c:txPr>
-    </c:title>
-    <c:autoTitleDeleted val="0"/>
-    <c:plotArea>
-      <c:layout/>
-      <c:barChart>
-        <c:barDir val="col"/>
-        <c:grouping val="clustered"/>
-        <c:varyColors val="0"/>
-        <c:ser>
-          <c:idx val="0"/>
-          <c:order val="0"/>
-          <c:tx>
-            <c:v>egg.bmp</c:v>
-          </c:tx>
-          <c:spPr>
-            <a:solidFill>
-              <a:schemeClr val="accent1"/>
-            </a:solidFill>
-            <a:ln>
-              <a:noFill/>
-            </a:ln>
-            <a:effectLst/>
-          </c:spPr>
-          <c:invertIfNegative val="0"/>
-          <c:cat>
-            <c:strRef>
-              <c:f>Folha1!$Q$32:$AF$32</c:f>
-              <c:strCache>
-                <c:ptCount val="16"/>
-                <c:pt idx="0">
-                  <c:v>0</c:v>
-                </c:pt>
-                <c:pt idx="1">
-                  <c:v>1</c:v>
-                </c:pt>
-                <c:pt idx="2">
-                  <c:v>2</c:v>
-                </c:pt>
-                <c:pt idx="3">
-                  <c:v>3</c:v>
-                </c:pt>
-                <c:pt idx="4">
-                  <c:v>4</c:v>
-                </c:pt>
-                <c:pt idx="5">
-                  <c:v>5</c:v>
-                </c:pt>
-                <c:pt idx="6">
-                  <c:v>6</c:v>
-                </c:pt>
-                <c:pt idx="7">
-                  <c:v>7</c:v>
-                </c:pt>
-                <c:pt idx="8">
-                  <c:v>8</c:v>
-                </c:pt>
-                <c:pt idx="9">
-                  <c:v>9</c:v>
-                </c:pt>
-                <c:pt idx="10">
-                  <c:v>10</c:v>
-                </c:pt>
-                <c:pt idx="11">
-                  <c:v>11</c:v>
-                </c:pt>
-                <c:pt idx="12">
-                  <c:v>12</c:v>
-                </c:pt>
-                <c:pt idx="13">
-                  <c:v>13</c:v>
-                </c:pt>
-                <c:pt idx="14">
-                  <c:v>14</c:v>
-                </c:pt>
-                <c:pt idx="15">
-                  <c:v>Média</c:v>
-                </c:pt>
-              </c:strCache>
-            </c:strRef>
-          </c:cat>
-          <c:val>
-            <c:numRef>
-              <c:f>Folha1!$Q$23:$AF$23</c:f>
-              <c:numCache>
-                <c:formatCode>General</c:formatCode>
-                <c:ptCount val="16"/>
-                <c:pt idx="0">
-                  <c:v>45.14</c:v>
-                </c:pt>
-                <c:pt idx="1">
-                  <c:v>22.09</c:v>
-                </c:pt>
-                <c:pt idx="2">
-                  <c:v>26.4</c:v>
-                </c:pt>
-                <c:pt idx="3">
-                  <c:v>24.34</c:v>
-                </c:pt>
-                <c:pt idx="4">
-                  <c:v>19.77</c:v>
-                </c:pt>
-                <c:pt idx="5">
-                  <c:v>31.51</c:v>
-                </c:pt>
-                <c:pt idx="6">
-                  <c:v>32.96</c:v>
-                </c:pt>
-                <c:pt idx="7">
-                  <c:v>27.41</c:v>
-                </c:pt>
-                <c:pt idx="8">
-                  <c:v>19.7</c:v>
-                </c:pt>
-                <c:pt idx="9">
-                  <c:v>11.18</c:v>
-                </c:pt>
-                <c:pt idx="10">
-                  <c:v>19.649999999999999</c:v>
-                </c:pt>
-                <c:pt idx="11">
-                  <c:v>44.06</c:v>
-                </c:pt>
-                <c:pt idx="12">
-                  <c:v>43.97</c:v>
-                </c:pt>
-                <c:pt idx="13">
-                  <c:v>23.57</c:v>
-                </c:pt>
-                <c:pt idx="14">
-                  <c:v>41.81</c:v>
-                </c:pt>
-                <c:pt idx="15">
-                  <c:v>27.1</c:v>
-                </c:pt>
-              </c:numCache>
-            </c:numRef>
-          </c:val>
-          <c:extLst>
-            <c:ext xmlns:c16="http://schemas.microsoft.com/office/drawing/2014/chart" uri="{C3380CC4-5D6E-409C-BE32-E72D297353CC}">
-              <c16:uniqueId val="{00000000-4011-4E86-8CBC-573FA58E31E4}"/>
-            </c:ext>
-          </c:extLst>
-        </c:ser>
-        <c:ser>
-          <c:idx val="1"/>
-          <c:order val="1"/>
-          <c:tx>
-            <c:v>landscape.bmp</c:v>
-          </c:tx>
-          <c:spPr>
-            <a:solidFill>
-              <a:schemeClr val="accent2"/>
-            </a:solidFill>
-            <a:ln>
-              <a:noFill/>
-            </a:ln>
-            <a:effectLst/>
-          </c:spPr>
-          <c:invertIfNegative val="0"/>
-          <c:cat>
-            <c:strRef>
-              <c:f>Folha1!$Q$32:$AF$32</c:f>
-              <c:strCache>
-                <c:ptCount val="16"/>
-                <c:pt idx="0">
-                  <c:v>0</c:v>
-                </c:pt>
-                <c:pt idx="1">
-                  <c:v>1</c:v>
-                </c:pt>
-                <c:pt idx="2">
-                  <c:v>2</c:v>
-                </c:pt>
-                <c:pt idx="3">
-                  <c:v>3</c:v>
-                </c:pt>
-                <c:pt idx="4">
-                  <c:v>4</c:v>
-                </c:pt>
-                <c:pt idx="5">
-                  <c:v>5</c:v>
-                </c:pt>
-                <c:pt idx="6">
-                  <c:v>6</c:v>
-                </c:pt>
-                <c:pt idx="7">
-                  <c:v>7</c:v>
-                </c:pt>
-                <c:pt idx="8">
-                  <c:v>8</c:v>
-                </c:pt>
-                <c:pt idx="9">
-                  <c:v>9</c:v>
-                </c:pt>
-                <c:pt idx="10">
-                  <c:v>10</c:v>
-                </c:pt>
-                <c:pt idx="11">
-                  <c:v>11</c:v>
-                </c:pt>
-                <c:pt idx="12">
-                  <c:v>12</c:v>
-                </c:pt>
-                <c:pt idx="13">
-                  <c:v>13</c:v>
-                </c:pt>
-                <c:pt idx="14">
-                  <c:v>14</c:v>
-                </c:pt>
-                <c:pt idx="15">
-                  <c:v>Média</c:v>
-                </c:pt>
-              </c:strCache>
-            </c:strRef>
-          </c:cat>
-          <c:val>
-            <c:numRef>
-              <c:f>Folha1!$Q$24:$AF$24</c:f>
-              <c:numCache>
-                <c:formatCode>General</c:formatCode>
-                <c:ptCount val="16"/>
-                <c:pt idx="0">
-                  <c:v>29.65</c:v>
-                </c:pt>
-                <c:pt idx="1">
-                  <c:v>16.010000000000002</c:v>
-                </c:pt>
-                <c:pt idx="2">
-                  <c:v>10.54</c:v>
-                </c:pt>
-                <c:pt idx="3">
-                  <c:v>9.77</c:v>
-                </c:pt>
-                <c:pt idx="4">
-                  <c:v>15.07</c:v>
-                </c:pt>
-                <c:pt idx="5">
-                  <c:v>11.47</c:v>
-                </c:pt>
-                <c:pt idx="6">
-                  <c:v>10.3</c:v>
-                </c:pt>
-                <c:pt idx="7">
-                  <c:v>18.41</c:v>
-                </c:pt>
-                <c:pt idx="8">
-                  <c:v>15.52</c:v>
-                </c:pt>
-                <c:pt idx="9">
-                  <c:v>7.75</c:v>
-                </c:pt>
-                <c:pt idx="10">
-                  <c:v>14.86</c:v>
-                </c:pt>
-                <c:pt idx="11">
-                  <c:v>35.630000000000003</c:v>
-                </c:pt>
-                <c:pt idx="12">
-                  <c:v>36.49</c:v>
-                </c:pt>
-                <c:pt idx="13">
-                  <c:v>18.36</c:v>
-                </c:pt>
-                <c:pt idx="14">
-                  <c:v>34.17</c:v>
-                </c:pt>
-                <c:pt idx="15">
-                  <c:v>17.75</c:v>
-                </c:pt>
-              </c:numCache>
-            </c:numRef>
-          </c:val>
-          <c:extLst>
-            <c:ext xmlns:c16="http://schemas.microsoft.com/office/drawing/2014/chart" uri="{C3380CC4-5D6E-409C-BE32-E72D297353CC}">
-              <c16:uniqueId val="{00000001-4011-4E86-8CBC-573FA58E31E4}"/>
-            </c:ext>
-          </c:extLst>
-        </c:ser>
-        <c:ser>
-          <c:idx val="2"/>
-          <c:order val="2"/>
-          <c:tx>
-            <c:v>pattern.bmp</c:v>
-          </c:tx>
-          <c:spPr>
-            <a:solidFill>
-              <a:schemeClr val="accent3"/>
-            </a:solidFill>
-            <a:ln>
-              <a:noFill/>
-            </a:ln>
-            <a:effectLst/>
-          </c:spPr>
-          <c:invertIfNegative val="0"/>
-          <c:cat>
-            <c:strRef>
-              <c:f>Folha1!$Q$32:$AF$32</c:f>
-              <c:strCache>
-                <c:ptCount val="16"/>
-                <c:pt idx="0">
-                  <c:v>0</c:v>
-                </c:pt>
-                <c:pt idx="1">
-                  <c:v>1</c:v>
-                </c:pt>
-                <c:pt idx="2">
-                  <c:v>2</c:v>
-                </c:pt>
-                <c:pt idx="3">
-                  <c:v>3</c:v>
-                </c:pt>
-                <c:pt idx="4">
-                  <c:v>4</c:v>
-                </c:pt>
-                <c:pt idx="5">
-                  <c:v>5</c:v>
-                </c:pt>
-                <c:pt idx="6">
-                  <c:v>6</c:v>
-                </c:pt>
-                <c:pt idx="7">
-                  <c:v>7</c:v>
-                </c:pt>
-                <c:pt idx="8">
-                  <c:v>8</c:v>
-                </c:pt>
-                <c:pt idx="9">
-                  <c:v>9</c:v>
-                </c:pt>
-                <c:pt idx="10">
-                  <c:v>10</c:v>
-                </c:pt>
-                <c:pt idx="11">
-                  <c:v>11</c:v>
-                </c:pt>
-                <c:pt idx="12">
-                  <c:v>12</c:v>
-                </c:pt>
-                <c:pt idx="13">
-                  <c:v>13</c:v>
-                </c:pt>
-                <c:pt idx="14">
-                  <c:v>14</c:v>
-                </c:pt>
-                <c:pt idx="15">
-                  <c:v>Média</c:v>
-                </c:pt>
-              </c:strCache>
-            </c:strRef>
-          </c:cat>
-          <c:val>
-            <c:numRef>
-              <c:f>Folha1!$Q$25:$AF$25</c:f>
-              <c:numCache>
-                <c:formatCode>General</c:formatCode>
-                <c:ptCount val="16"/>
-                <c:pt idx="0">
-                  <c:v>78.39</c:v>
-                </c:pt>
-                <c:pt idx="1">
-                  <c:v>20.29</c:v>
-                </c:pt>
-                <c:pt idx="2">
-                  <c:v>246.83</c:v>
-                </c:pt>
-                <c:pt idx="3">
-                  <c:v>150.08000000000001</c:v>
-                </c:pt>
-                <c:pt idx="4">
-                  <c:v>22.21</c:v>
-                </c:pt>
-                <c:pt idx="5">
-                  <c:v>263.63</c:v>
-                </c:pt>
-                <c:pt idx="6">
-                  <c:v>281.63</c:v>
-                </c:pt>
-                <c:pt idx="7">
-                  <c:v>29.66</c:v>
-                </c:pt>
-                <c:pt idx="8">
-                  <c:v>16.96</c:v>
-                </c:pt>
-                <c:pt idx="9">
-                  <c:v>23.26</c:v>
-                </c:pt>
-                <c:pt idx="10">
-                  <c:v>15.62</c:v>
-                </c:pt>
-                <c:pt idx="11">
-                  <c:v>25.44</c:v>
-                </c:pt>
-                <c:pt idx="12">
-                  <c:v>21.45</c:v>
-                </c:pt>
-                <c:pt idx="13">
-                  <c:v>18</c:v>
-                </c:pt>
-                <c:pt idx="14">
-                  <c:v>24.7</c:v>
-                </c:pt>
-                <c:pt idx="15">
-                  <c:v>77.38</c:v>
-                </c:pt>
-              </c:numCache>
-            </c:numRef>
-          </c:val>
-          <c:extLst>
-            <c:ext xmlns:c16="http://schemas.microsoft.com/office/drawing/2014/chart" uri="{C3380CC4-5D6E-409C-BE32-E72D297353CC}">
-              <c16:uniqueId val="{00000002-4011-4E86-8CBC-573FA58E31E4}"/>
-            </c:ext>
-          </c:extLst>
-        </c:ser>
-        <c:ser>
-          <c:idx val="3"/>
-          <c:order val="3"/>
-          <c:tx>
-            <c:v>zebra.bmp</c:v>
-          </c:tx>
-          <c:spPr>
-            <a:solidFill>
-              <a:schemeClr val="accent4"/>
-            </a:solidFill>
-            <a:ln>
-              <a:noFill/>
-            </a:ln>
-            <a:effectLst/>
-          </c:spPr>
-          <c:invertIfNegative val="0"/>
-          <c:cat>
-            <c:strRef>
-              <c:f>Folha1!$Q$32:$AF$32</c:f>
-              <c:strCache>
-                <c:ptCount val="16"/>
-                <c:pt idx="0">
-                  <c:v>0</c:v>
-                </c:pt>
-                <c:pt idx="1">
-                  <c:v>1</c:v>
-                </c:pt>
-                <c:pt idx="2">
-                  <c:v>2</c:v>
-                </c:pt>
-                <c:pt idx="3">
-                  <c:v>3</c:v>
-                </c:pt>
-                <c:pt idx="4">
-                  <c:v>4</c:v>
-                </c:pt>
-                <c:pt idx="5">
-                  <c:v>5</c:v>
-                </c:pt>
-                <c:pt idx="6">
-                  <c:v>6</c:v>
-                </c:pt>
-                <c:pt idx="7">
-                  <c:v>7</c:v>
-                </c:pt>
-                <c:pt idx="8">
-                  <c:v>8</c:v>
-                </c:pt>
-                <c:pt idx="9">
-                  <c:v>9</c:v>
-                </c:pt>
-                <c:pt idx="10">
-                  <c:v>10</c:v>
-                </c:pt>
-                <c:pt idx="11">
-                  <c:v>11</c:v>
-                </c:pt>
-                <c:pt idx="12">
-                  <c:v>12</c:v>
-                </c:pt>
-                <c:pt idx="13">
-                  <c:v>13</c:v>
-                </c:pt>
-                <c:pt idx="14">
-                  <c:v>14</c:v>
-                </c:pt>
-                <c:pt idx="15">
-                  <c:v>Média</c:v>
-                </c:pt>
-              </c:strCache>
-            </c:strRef>
-          </c:cat>
-          <c:val>
-            <c:numRef>
-              <c:f>Folha1!$Q$26:$AF$26</c:f>
-              <c:numCache>
-                <c:formatCode>General</c:formatCode>
-                <c:ptCount val="16"/>
-                <c:pt idx="0">
-                  <c:v>53.53</c:v>
-                </c:pt>
-                <c:pt idx="1">
-                  <c:v>21.77</c:v>
-                </c:pt>
-                <c:pt idx="2">
-                  <c:v>16.7</c:v>
-                </c:pt>
-                <c:pt idx="3">
-                  <c:v>18.440000000000001</c:v>
-                </c:pt>
-                <c:pt idx="4">
-                  <c:v>21.04</c:v>
-                </c:pt>
-                <c:pt idx="5">
-                  <c:v>17.940000000000001</c:v>
-                </c:pt>
-                <c:pt idx="6">
-                  <c:v>18.34</c:v>
-                </c:pt>
-                <c:pt idx="7">
-                  <c:v>27.96</c:v>
-                </c:pt>
-                <c:pt idx="8">
-                  <c:v>22.51</c:v>
-                </c:pt>
-                <c:pt idx="9">
-                  <c:v>11.5</c:v>
-                </c:pt>
-                <c:pt idx="10">
-                  <c:v>21.22</c:v>
-                </c:pt>
-                <c:pt idx="11">
-                  <c:v>46.07</c:v>
-                </c:pt>
-                <c:pt idx="12">
-                  <c:v>54.68</c:v>
-                </c:pt>
-                <c:pt idx="13">
-                  <c:v>25.06</c:v>
-                </c:pt>
-                <c:pt idx="14">
-                  <c:v>43.27</c:v>
-                </c:pt>
-                <c:pt idx="15">
-                  <c:v>26.25</c:v>
-                </c:pt>
-              </c:numCache>
-            </c:numRef>
-          </c:val>
-          <c:extLst>
-            <c:ext xmlns:c16="http://schemas.microsoft.com/office/drawing/2014/chart" uri="{C3380CC4-5D6E-409C-BE32-E72D297353CC}">
-              <c16:uniqueId val="{00000003-4011-4E86-8CBC-573FA58E31E4}"/>
-            </c:ext>
-          </c:extLst>
-        </c:ser>
-        <c:ser>
-          <c:idx val="4"/>
-          <c:order val="4"/>
-          <c:tx>
-            <c:v>Média</c:v>
-          </c:tx>
-          <c:spPr>
-            <a:solidFill>
-              <a:schemeClr val="accent5"/>
-            </a:solidFill>
-            <a:ln>
-              <a:noFill/>
-            </a:ln>
-            <a:effectLst/>
-          </c:spPr>
-          <c:invertIfNegative val="0"/>
-          <c:cat>
-            <c:strRef>
-              <c:f>Folha1!$Q$32:$AF$32</c:f>
-              <c:strCache>
-                <c:ptCount val="16"/>
-                <c:pt idx="0">
-                  <c:v>0</c:v>
-                </c:pt>
-                <c:pt idx="1">
-                  <c:v>1</c:v>
-                </c:pt>
-                <c:pt idx="2">
-                  <c:v>2</c:v>
-                </c:pt>
-                <c:pt idx="3">
-                  <c:v>3</c:v>
-                </c:pt>
-                <c:pt idx="4">
-                  <c:v>4</c:v>
-                </c:pt>
-                <c:pt idx="5">
-                  <c:v>5</c:v>
-                </c:pt>
-                <c:pt idx="6">
-                  <c:v>6</c:v>
-                </c:pt>
-                <c:pt idx="7">
-                  <c:v>7</c:v>
-                </c:pt>
-                <c:pt idx="8">
-                  <c:v>8</c:v>
-                </c:pt>
-                <c:pt idx="9">
-                  <c:v>9</c:v>
-                </c:pt>
-                <c:pt idx="10">
-                  <c:v>10</c:v>
-                </c:pt>
-                <c:pt idx="11">
-                  <c:v>11</c:v>
-                </c:pt>
-                <c:pt idx="12">
-                  <c:v>12</c:v>
-                </c:pt>
-                <c:pt idx="13">
-                  <c:v>13</c:v>
-                </c:pt>
-                <c:pt idx="14">
-                  <c:v>14</c:v>
-                </c:pt>
-                <c:pt idx="15">
-                  <c:v>Média</c:v>
-                </c:pt>
-              </c:strCache>
-            </c:strRef>
-          </c:cat>
-          <c:val>
-            <c:numRef>
-              <c:f>Folha1!$Q$58:$AE$58</c:f>
-              <c:numCache>
-                <c:formatCode>General</c:formatCode>
-                <c:ptCount val="15"/>
-                <c:pt idx="0">
-                  <c:v>51.7</c:v>
-                </c:pt>
-                <c:pt idx="1">
-                  <c:v>20</c:v>
-                </c:pt>
-                <c:pt idx="2">
-                  <c:v>75.099999999999994</c:v>
-                </c:pt>
-                <c:pt idx="3">
-                  <c:v>50.7</c:v>
-                </c:pt>
-                <c:pt idx="4">
-                  <c:v>19.5</c:v>
-                </c:pt>
-                <c:pt idx="5">
-                  <c:v>81.099999999999994</c:v>
-                </c:pt>
-                <c:pt idx="6">
-                  <c:v>85.8</c:v>
-                </c:pt>
-                <c:pt idx="7">
-                  <c:v>25.9</c:v>
-                </c:pt>
-                <c:pt idx="8">
-                  <c:v>18.7</c:v>
-                </c:pt>
-                <c:pt idx="9">
-                  <c:v>13.4</c:v>
-                </c:pt>
-                <c:pt idx="10">
-                  <c:v>17.8</c:v>
-                </c:pt>
-                <c:pt idx="11">
-                  <c:v>37.799999999999997</c:v>
-                </c:pt>
-                <c:pt idx="12">
-                  <c:v>39.1</c:v>
-                </c:pt>
-                <c:pt idx="13">
-                  <c:v>21.2</c:v>
-                </c:pt>
-                <c:pt idx="14">
-                  <c:v>36</c:v>
-                </c:pt>
-              </c:numCache>
-            </c:numRef>
-          </c:val>
-          <c:extLst>
-            <c:ext xmlns:c16="http://schemas.microsoft.com/office/drawing/2014/chart" uri="{C3380CC4-5D6E-409C-BE32-E72D297353CC}">
-              <c16:uniqueId val="{00000004-4011-4E86-8CBC-573FA58E31E4}"/>
-            </c:ext>
-          </c:extLst>
-        </c:ser>
-        <c:dLbls>
-          <c:showLegendKey val="0"/>
-          <c:showVal val="0"/>
-          <c:showCatName val="0"/>
-          <c:showSerName val="0"/>
-          <c:showPercent val="0"/>
-          <c:showBubbleSize val="0"/>
-        </c:dLbls>
-        <c:gapWidth val="219"/>
-        <c:overlap val="-27"/>
-        <c:axId val="682804104"/>
-        <c:axId val="682802464"/>
-      </c:barChart>
-      <c:catAx>
-        <c:axId val="682804104"/>
-        <c:scaling>
-          <c:orientation val="minMax"/>
-        </c:scaling>
-        <c:delete val="0"/>
-        <c:axPos val="b"/>
-        <c:numFmt formatCode="General" sourceLinked="1"/>
-        <c:majorTickMark val="none"/>
-        <c:minorTickMark val="none"/>
-        <c:tickLblPos val="nextTo"/>
-        <c:spPr>
-          <a:noFill/>
-          <a:ln w="9525" cap="flat" cmpd="sng" algn="ctr">
-            <a:solidFill>
-              <a:schemeClr val="tx1">
-                <a:lumMod val="15000"/>
-                <a:lumOff val="85000"/>
-              </a:schemeClr>
-            </a:solidFill>
-            <a:round/>
-          </a:ln>
-          <a:effectLst/>
-        </c:spPr>
-        <c:txPr>
-          <a:bodyPr rot="-60000000" spcFirstLastPara="1" vertOverflow="ellipsis" vert="horz" wrap="square" anchor="ctr" anchorCtr="1"/>
-          <a:lstStyle/>
-          <a:p>
-            <a:pPr>
-              <a:defRPr sz="900" b="0" i="0" u="none" strike="noStrike" kern="1200" baseline="0">
-                <a:solidFill>
-                  <a:schemeClr val="tx1">
-                    <a:lumMod val="65000"/>
-                    <a:lumOff val="35000"/>
-                  </a:schemeClr>
-                </a:solidFill>
-                <a:latin typeface="+mn-lt"/>
-                <a:ea typeface="+mn-ea"/>
-                <a:cs typeface="+mn-cs"/>
-              </a:defRPr>
-            </a:pPr>
-            <a:endParaRPr lang="pt-PT"/>
-          </a:p>
-        </c:txPr>
-        <c:crossAx val="682802464"/>
-        <c:crosses val="autoZero"/>
-        <c:auto val="1"/>
-        <c:lblAlgn val="ctr"/>
-        <c:lblOffset val="100"/>
-        <c:noMultiLvlLbl val="0"/>
-      </c:catAx>
-      <c:valAx>
-        <c:axId val="682802464"/>
-        <c:scaling>
-          <c:orientation val="minMax"/>
-        </c:scaling>
-        <c:delete val="0"/>
-        <c:axPos val="l"/>
-        <c:majorGridlines>
-          <c:spPr>
-            <a:ln w="9525" cap="flat" cmpd="sng" algn="ctr">
-              <a:solidFill>
-                <a:schemeClr val="tx1">
-                  <a:lumMod val="15000"/>
-                  <a:lumOff val="85000"/>
-                </a:schemeClr>
-              </a:solidFill>
-              <a:round/>
-            </a:ln>
-            <a:effectLst/>
-          </c:spPr>
-        </c:majorGridlines>
-        <c:numFmt formatCode="General" sourceLinked="1"/>
-        <c:majorTickMark val="none"/>
-        <c:minorTickMark val="none"/>
-        <c:tickLblPos val="nextTo"/>
-        <c:spPr>
-          <a:noFill/>
-          <a:ln>
-            <a:noFill/>
-          </a:ln>
-          <a:effectLst/>
-        </c:spPr>
-        <c:txPr>
-          <a:bodyPr rot="-60000000" spcFirstLastPara="1" vertOverflow="ellipsis" vert="horz" wrap="square" anchor="ctr" anchorCtr="1"/>
-          <a:lstStyle/>
-          <a:p>
-            <a:pPr>
-              <a:defRPr sz="900" b="0" i="0" u="none" strike="noStrike" kern="1200" baseline="0">
-                <a:solidFill>
-                  <a:schemeClr val="tx1">
-                    <a:lumMod val="65000"/>
-                    <a:lumOff val="35000"/>
-                  </a:schemeClr>
-                </a:solidFill>
-                <a:latin typeface="+mn-lt"/>
-                <a:ea typeface="+mn-ea"/>
-                <a:cs typeface="+mn-cs"/>
-              </a:defRPr>
-            </a:pPr>
-            <a:endParaRPr lang="pt-PT"/>
-          </a:p>
-        </c:txPr>
-        <c:crossAx val="682804104"/>
-        <c:crosses val="autoZero"/>
-        <c:crossBetween val="between"/>
-      </c:valAx>
-      <c:dTable>
-        <c:showHorzBorder val="1"/>
-        <c:showVertBorder val="1"/>
-        <c:showOutline val="1"/>
-        <c:showKeys val="1"/>
-        <c:spPr>
-          <a:noFill/>
-          <a:ln w="9525" cap="flat" cmpd="sng" algn="ctr">
-            <a:solidFill>
-              <a:schemeClr val="tx1">
-                <a:lumMod val="15000"/>
-                <a:lumOff val="85000"/>
-              </a:schemeClr>
-            </a:solidFill>
-            <a:round/>
-          </a:ln>
-          <a:effectLst/>
-        </c:spPr>
-        <c:txPr>
-          <a:bodyPr rot="0" spcFirstLastPara="1" vertOverflow="ellipsis" vert="horz" wrap="square" anchor="ctr" anchorCtr="1"/>
-          <a:lstStyle/>
-          <a:p>
-            <a:pPr rtl="0">
-              <a:defRPr sz="900" b="0" i="0" u="none" strike="noStrike" kern="1200" baseline="0">
-                <a:solidFill>
-                  <a:schemeClr val="tx1">
-                    <a:lumMod val="65000"/>
-                    <a:lumOff val="35000"/>
-                  </a:schemeClr>
-                </a:solidFill>
-                <a:latin typeface="+mn-lt"/>
-                <a:ea typeface="+mn-ea"/>
-                <a:cs typeface="+mn-cs"/>
-              </a:defRPr>
-            </a:pPr>
-            <a:endParaRPr lang="pt-PT"/>
-          </a:p>
-        </c:txPr>
-      </c:dTable>
-      <c:spPr>
-        <a:noFill/>
-        <a:ln>
-          <a:noFill/>
-        </a:ln>
-        <a:effectLst/>
-      </c:spPr>
-    </c:plotArea>
-    <c:plotVisOnly val="1"/>
-    <c:dispBlanksAs val="gap"/>
-    <c:showDLblsOverMax val="0"/>
-  </c:chart>
-  <c:spPr>
-    <a:noFill/>
-    <a:ln>
-      <a:noFill/>
-    </a:ln>
-    <a:effectLst/>
-  </c:spPr>
-  <c:txPr>
-    <a:bodyPr/>
-    <a:lstStyle/>
-    <a:p>
-      <a:pPr>
-        <a:defRPr/>
-      </a:pPr>
-      <a:endParaRPr lang="pt-PT"/>
-    </a:p>
-  </c:txPr>
-  <c:externalData r:id="rId3">
-    <c:autoUpdate val="0"/>
-  </c:externalData>
-  <c:userShapes r:id="rId4"/>
-</c:chartSpace>
-</file>
-
-<file path=ppt/charts/chart13.xml><?xml version="1.0" encoding="utf-8"?>
-<c:chartSpace xmlns:c="http://schemas.openxmlformats.org/drawingml/2006/chart" xmlns:a="http://schemas.openxmlformats.org/drawingml/2006/main" xmlns:r="http://schemas.openxmlformats.org/officeDocument/2006/relationships" xmlns:c16r2="http://schemas.microsoft.com/office/drawing/2015/06/chart">
-  <c:date1904 val="0"/>
-  <c:lang val="pt-PT"/>
-  <c:roundedCorners val="0"/>
-  <mc:AlternateContent xmlns:mc="http://schemas.openxmlformats.org/markup-compatibility/2006">
-    <mc:Choice xmlns:c14="http://schemas.microsoft.com/office/drawing/2007/8/2/chart" Requires="c14">
-      <c14:style val="102"/>
-    </mc:Choice>
-    <mc:Fallback>
-      <c:style val="2"/>
-    </mc:Fallback>
-  </mc:AlternateContent>
-  <c:chart>
-    <c:title>
-      <c:tx>
-        <c:rich>
-          <a:bodyPr rot="0" spcFirstLastPara="1" vertOverflow="ellipsis" vert="horz" wrap="square" anchor="ctr" anchorCtr="1"/>
-          <a:lstStyle/>
-          <a:p>
-            <a:pPr>
-              <a:defRPr sz="1400" b="0" i="0" u="none" strike="noStrike" kern="1200" spc="0" baseline="0">
-                <a:solidFill>
-                  <a:schemeClr val="tx1">
-                    <a:lumMod val="65000"/>
-                    <a:lumOff val="35000"/>
-                  </a:schemeClr>
-                </a:solidFill>
-                <a:latin typeface="+mn-lt"/>
-                <a:ea typeface="+mn-ea"/>
-                <a:cs typeface="+mn-cs"/>
-              </a:defRPr>
-            </a:pPr>
-            <a:r>
-              <a:rPr lang="pt-PT" sz="1800" b="1" i="0" cap="all" baseline="0">
-                <a:effectLst/>
-              </a:rPr>
               <a:t>Tempo de DESCompressão</a:t>
             </a:r>
             <a:endParaRPr lang="pt-PT">
@@ -4141,14 +3179,14 @@
                   <c:v>75.069999999999993</c:v>
                 </c:pt>
                 <c:pt idx="15">
-                  <c:v>41.57</c:v>
+                  <c:v>44.34</c:v>
                 </c:pt>
               </c:numCache>
             </c:numRef>
           </c:val>
           <c:extLst>
             <c:ext xmlns:c16="http://schemas.microsoft.com/office/drawing/2014/chart" uri="{C3380CC4-5D6E-409C-BE32-E72D297353CC}">
-              <c16:uniqueId val="{00000000-82D8-44DE-9BBF-798AEFFB30EE}"/>
+              <c16:uniqueId val="{00000000-162F-46F1-899A-85CEE97DC2E0}"/>
             </c:ext>
           </c:extLst>
         </c:ser>
@@ -4276,14 +3314,14 @@
                   <c:v>57.29</c:v>
                 </c:pt>
                 <c:pt idx="15">
-                  <c:v>29.8</c:v>
+                  <c:v>31.78</c:v>
                 </c:pt>
               </c:numCache>
             </c:numRef>
           </c:val>
           <c:extLst>
             <c:ext xmlns:c16="http://schemas.microsoft.com/office/drawing/2014/chart" uri="{C3380CC4-5D6E-409C-BE32-E72D297353CC}">
-              <c16:uniqueId val="{00000001-82D8-44DE-9BBF-798AEFFB30EE}"/>
+              <c16:uniqueId val="{00000001-162F-46F1-899A-85CEE97DC2E0}"/>
             </c:ext>
           </c:extLst>
         </c:ser>
@@ -4411,14 +3449,14 @@
                   <c:v>153.85</c:v>
                 </c:pt>
                 <c:pt idx="15">
-                  <c:v>61.48</c:v>
+                  <c:v>65.58</c:v>
                 </c:pt>
               </c:numCache>
             </c:numRef>
           </c:val>
           <c:extLst>
             <c:ext xmlns:c16="http://schemas.microsoft.com/office/drawing/2014/chart" uri="{C3380CC4-5D6E-409C-BE32-E72D297353CC}">
-              <c16:uniqueId val="{00000002-82D8-44DE-9BBF-798AEFFB30EE}"/>
+              <c16:uniqueId val="{00000002-162F-46F1-899A-85CEE97DC2E0}"/>
             </c:ext>
           </c:extLst>
         </c:ser>
@@ -4546,14 +3584,14 @@
                   <c:v>79.23</c:v>
                 </c:pt>
                 <c:pt idx="15">
-                  <c:v>44.05</c:v>
+                  <c:v>46.99</c:v>
                 </c:pt>
               </c:numCache>
             </c:numRef>
           </c:val>
           <c:extLst>
             <c:ext xmlns:c16="http://schemas.microsoft.com/office/drawing/2014/chart" uri="{C3380CC4-5D6E-409C-BE32-E72D297353CC}">
-              <c16:uniqueId val="{00000003-82D8-44DE-9BBF-798AEFFB30EE}"/>
+              <c16:uniqueId val="{00000003-162F-46F1-899A-85CEE97DC2E0}"/>
             </c:ext>
           </c:extLst>
         </c:ser>
@@ -4685,7 +3723,7 @@
           </c:val>
           <c:extLst>
             <c:ext xmlns:c16="http://schemas.microsoft.com/office/drawing/2014/chart" uri="{C3380CC4-5D6E-409C-BE32-E72D297353CC}">
-              <c16:uniqueId val="{00000004-82D8-44DE-9BBF-798AEFFB30EE}"/>
+              <c16:uniqueId val="{00000004-162F-46F1-899A-85CEE97DC2E0}"/>
             </c:ext>
           </c:extLst>
         </c:ser>
@@ -4884,969 +3922,7 @@
 </c:chartSpace>
 </file>
 
-<file path=ppt/charts/chart14.xml><?xml version="1.0" encoding="utf-8"?>
-<c:chartSpace xmlns:c="http://schemas.openxmlformats.org/drawingml/2006/chart" xmlns:a="http://schemas.openxmlformats.org/drawingml/2006/main" xmlns:r="http://schemas.openxmlformats.org/officeDocument/2006/relationships" xmlns:c16r2="http://schemas.microsoft.com/office/drawing/2015/06/chart">
-  <c:date1904 val="0"/>
-  <c:lang val="pt-PT"/>
-  <c:roundedCorners val="0"/>
-  <mc:AlternateContent xmlns:mc="http://schemas.openxmlformats.org/markup-compatibility/2006">
-    <mc:Choice xmlns:c14="http://schemas.microsoft.com/office/drawing/2007/8/2/chart" Requires="c14">
-      <c14:style val="102"/>
-    </mc:Choice>
-    <mc:Fallback>
-      <c:style val="2"/>
-    </mc:Fallback>
-  </mc:AlternateContent>
-  <c:chart>
-    <c:title>
-      <c:tx>
-        <c:rich>
-          <a:bodyPr rot="0" spcFirstLastPara="1" vertOverflow="ellipsis" vert="horz" wrap="square" anchor="ctr" anchorCtr="1"/>
-          <a:lstStyle/>
-          <a:p>
-            <a:pPr>
-              <a:defRPr sz="1400" b="0" i="0" u="none" strike="noStrike" kern="1200" spc="0" baseline="0">
-                <a:solidFill>
-                  <a:schemeClr val="tx1">
-                    <a:lumMod val="65000"/>
-                    <a:lumOff val="35000"/>
-                  </a:schemeClr>
-                </a:solidFill>
-                <a:latin typeface="+mn-lt"/>
-                <a:ea typeface="+mn-ea"/>
-                <a:cs typeface="+mn-cs"/>
-              </a:defRPr>
-            </a:pPr>
-            <a:r>
-              <a:rPr lang="pt-PT" sz="1800" b="1" i="0" cap="all" baseline="0">
-                <a:effectLst/>
-              </a:rPr>
-              <a:t>Tempo de DESCompressão</a:t>
-            </a:r>
-            <a:endParaRPr lang="pt-PT">
-              <a:effectLst/>
-            </a:endParaRPr>
-          </a:p>
-          <a:p>
-            <a:pPr>
-              <a:defRPr/>
-            </a:pPr>
-            <a:r>
-              <a:rPr lang="pt-PT" sz="1800" b="1" i="0" cap="all" baseline="0">
-                <a:effectLst/>
-              </a:rPr>
-              <a:t>(s)</a:t>
-            </a:r>
-            <a:endParaRPr lang="pt-PT">
-              <a:effectLst/>
-            </a:endParaRPr>
-          </a:p>
-        </c:rich>
-      </c:tx>
-      <c:overlay val="0"/>
-      <c:spPr>
-        <a:noFill/>
-        <a:ln>
-          <a:noFill/>
-        </a:ln>
-        <a:effectLst/>
-      </c:spPr>
-      <c:txPr>
-        <a:bodyPr rot="0" spcFirstLastPara="1" vertOverflow="ellipsis" vert="horz" wrap="square" anchor="ctr" anchorCtr="1"/>
-        <a:lstStyle/>
-        <a:p>
-          <a:pPr>
-            <a:defRPr sz="1400" b="0" i="0" u="none" strike="noStrike" kern="1200" spc="0" baseline="0">
-              <a:solidFill>
-                <a:schemeClr val="tx1">
-                  <a:lumMod val="65000"/>
-                  <a:lumOff val="35000"/>
-                </a:schemeClr>
-              </a:solidFill>
-              <a:latin typeface="+mn-lt"/>
-              <a:ea typeface="+mn-ea"/>
-              <a:cs typeface="+mn-cs"/>
-            </a:defRPr>
-          </a:pPr>
-          <a:endParaRPr lang="pt-PT"/>
-        </a:p>
-      </c:txPr>
-    </c:title>
-    <c:autoTitleDeleted val="0"/>
-    <c:plotArea>
-      <c:layout/>
-      <c:barChart>
-        <c:barDir val="col"/>
-        <c:grouping val="clustered"/>
-        <c:varyColors val="0"/>
-        <c:ser>
-          <c:idx val="0"/>
-          <c:order val="0"/>
-          <c:tx>
-            <c:v>egg.bmp</c:v>
-          </c:tx>
-          <c:spPr>
-            <a:solidFill>
-              <a:schemeClr val="accent1"/>
-            </a:solidFill>
-            <a:ln>
-              <a:noFill/>
-            </a:ln>
-            <a:effectLst/>
-          </c:spPr>
-          <c:invertIfNegative val="0"/>
-          <c:cat>
-            <c:strRef>
-              <c:f>Folha1!$Q$32:$AF$32</c:f>
-              <c:strCache>
-                <c:ptCount val="16"/>
-                <c:pt idx="0">
-                  <c:v>0</c:v>
-                </c:pt>
-                <c:pt idx="1">
-                  <c:v>1</c:v>
-                </c:pt>
-                <c:pt idx="2">
-                  <c:v>2</c:v>
-                </c:pt>
-                <c:pt idx="3">
-                  <c:v>3</c:v>
-                </c:pt>
-                <c:pt idx="4">
-                  <c:v>4</c:v>
-                </c:pt>
-                <c:pt idx="5">
-                  <c:v>5</c:v>
-                </c:pt>
-                <c:pt idx="6">
-                  <c:v>6</c:v>
-                </c:pt>
-                <c:pt idx="7">
-                  <c:v>7</c:v>
-                </c:pt>
-                <c:pt idx="8">
-                  <c:v>8</c:v>
-                </c:pt>
-                <c:pt idx="9">
-                  <c:v>9</c:v>
-                </c:pt>
-                <c:pt idx="10">
-                  <c:v>10</c:v>
-                </c:pt>
-                <c:pt idx="11">
-                  <c:v>11</c:v>
-                </c:pt>
-                <c:pt idx="12">
-                  <c:v>12</c:v>
-                </c:pt>
-                <c:pt idx="13">
-                  <c:v>13</c:v>
-                </c:pt>
-                <c:pt idx="14">
-                  <c:v>14</c:v>
-                </c:pt>
-                <c:pt idx="15">
-                  <c:v>Média</c:v>
-                </c:pt>
-              </c:strCache>
-            </c:strRef>
-          </c:cat>
-          <c:val>
-            <c:numRef>
-              <c:f>Folha1!$Q$50:$AF$50</c:f>
-              <c:numCache>
-                <c:formatCode>General</c:formatCode>
-                <c:ptCount val="16"/>
-                <c:pt idx="0">
-                  <c:v>69.28</c:v>
-                </c:pt>
-                <c:pt idx="1">
-                  <c:v>31.21</c:v>
-                </c:pt>
-                <c:pt idx="2">
-                  <c:v>31.43</c:v>
-                </c:pt>
-                <c:pt idx="3">
-                  <c:v>30.95</c:v>
-                </c:pt>
-                <c:pt idx="4">
-                  <c:v>69.599999999999994</c:v>
-                </c:pt>
-                <c:pt idx="5">
-                  <c:v>26.84</c:v>
-                </c:pt>
-                <c:pt idx="6">
-                  <c:v>25.95</c:v>
-                </c:pt>
-                <c:pt idx="7">
-                  <c:v>83.63</c:v>
-                </c:pt>
-                <c:pt idx="8">
-                  <c:v>0.75</c:v>
-                </c:pt>
-                <c:pt idx="9">
-                  <c:v>127.9</c:v>
-                </c:pt>
-                <c:pt idx="10">
-                  <c:v>0.79</c:v>
-                </c:pt>
-                <c:pt idx="11">
-                  <c:v>22.68</c:v>
-                </c:pt>
-                <c:pt idx="12">
-                  <c:v>24.24</c:v>
-                </c:pt>
-                <c:pt idx="13">
-                  <c:v>44.75</c:v>
-                </c:pt>
-                <c:pt idx="14">
-                  <c:v>75.069999999999993</c:v>
-                </c:pt>
-                <c:pt idx="15">
-                  <c:v>41.57</c:v>
-                </c:pt>
-              </c:numCache>
-            </c:numRef>
-          </c:val>
-          <c:extLst>
-            <c:ext xmlns:c16="http://schemas.microsoft.com/office/drawing/2014/chart" uri="{C3380CC4-5D6E-409C-BE32-E72D297353CC}">
-              <c16:uniqueId val="{00000000-82D8-44DE-9BBF-798AEFFB30EE}"/>
-            </c:ext>
-          </c:extLst>
-        </c:ser>
-        <c:ser>
-          <c:idx val="1"/>
-          <c:order val="1"/>
-          <c:tx>
-            <c:v>landscape.bmp</c:v>
-          </c:tx>
-          <c:spPr>
-            <a:solidFill>
-              <a:schemeClr val="accent2"/>
-            </a:solidFill>
-            <a:ln>
-              <a:noFill/>
-            </a:ln>
-            <a:effectLst/>
-          </c:spPr>
-          <c:invertIfNegative val="0"/>
-          <c:cat>
-            <c:strRef>
-              <c:f>Folha1!$Q$32:$AF$32</c:f>
-              <c:strCache>
-                <c:ptCount val="16"/>
-                <c:pt idx="0">
-                  <c:v>0</c:v>
-                </c:pt>
-                <c:pt idx="1">
-                  <c:v>1</c:v>
-                </c:pt>
-                <c:pt idx="2">
-                  <c:v>2</c:v>
-                </c:pt>
-                <c:pt idx="3">
-                  <c:v>3</c:v>
-                </c:pt>
-                <c:pt idx="4">
-                  <c:v>4</c:v>
-                </c:pt>
-                <c:pt idx="5">
-                  <c:v>5</c:v>
-                </c:pt>
-                <c:pt idx="6">
-                  <c:v>6</c:v>
-                </c:pt>
-                <c:pt idx="7">
-                  <c:v>7</c:v>
-                </c:pt>
-                <c:pt idx="8">
-                  <c:v>8</c:v>
-                </c:pt>
-                <c:pt idx="9">
-                  <c:v>9</c:v>
-                </c:pt>
-                <c:pt idx="10">
-                  <c:v>10</c:v>
-                </c:pt>
-                <c:pt idx="11">
-                  <c:v>11</c:v>
-                </c:pt>
-                <c:pt idx="12">
-                  <c:v>12</c:v>
-                </c:pt>
-                <c:pt idx="13">
-                  <c:v>13</c:v>
-                </c:pt>
-                <c:pt idx="14">
-                  <c:v>14</c:v>
-                </c:pt>
-                <c:pt idx="15">
-                  <c:v>Média</c:v>
-                </c:pt>
-              </c:strCache>
-            </c:strRef>
-          </c:cat>
-          <c:val>
-            <c:numRef>
-              <c:f>Folha1!$Q$51:$AF$51</c:f>
-              <c:numCache>
-                <c:formatCode>General</c:formatCode>
-                <c:ptCount val="16"/>
-                <c:pt idx="0">
-                  <c:v>44.36</c:v>
-                </c:pt>
-                <c:pt idx="1">
-                  <c:v>22.82</c:v>
-                </c:pt>
-                <c:pt idx="2">
-                  <c:v>23.31</c:v>
-                </c:pt>
-                <c:pt idx="3">
-                  <c:v>18.2</c:v>
-                </c:pt>
-                <c:pt idx="4">
-                  <c:v>56.28</c:v>
-                </c:pt>
-                <c:pt idx="5">
-                  <c:v>17.350000000000001</c:v>
-                </c:pt>
-                <c:pt idx="6">
-                  <c:v>15.57</c:v>
-                </c:pt>
-                <c:pt idx="7">
-                  <c:v>55.34</c:v>
-                </c:pt>
-                <c:pt idx="8">
-                  <c:v>0.45</c:v>
-                </c:pt>
-                <c:pt idx="9">
-                  <c:v>81.010000000000005</c:v>
-                </c:pt>
-                <c:pt idx="10">
-                  <c:v>0.41</c:v>
-                </c:pt>
-                <c:pt idx="11">
-                  <c:v>19.37</c:v>
-                </c:pt>
-                <c:pt idx="12">
-                  <c:v>20.37</c:v>
-                </c:pt>
-                <c:pt idx="13">
-                  <c:v>44.6</c:v>
-                </c:pt>
-                <c:pt idx="14">
-                  <c:v>57.29</c:v>
-                </c:pt>
-                <c:pt idx="15">
-                  <c:v>29.8</c:v>
-                </c:pt>
-              </c:numCache>
-            </c:numRef>
-          </c:val>
-          <c:extLst>
-            <c:ext xmlns:c16="http://schemas.microsoft.com/office/drawing/2014/chart" uri="{C3380CC4-5D6E-409C-BE32-E72D297353CC}">
-              <c16:uniqueId val="{00000001-82D8-44DE-9BBF-798AEFFB30EE}"/>
-            </c:ext>
-          </c:extLst>
-        </c:ser>
-        <c:ser>
-          <c:idx val="2"/>
-          <c:order val="2"/>
-          <c:tx>
-            <c:v>pattern.bmp</c:v>
-          </c:tx>
-          <c:spPr>
-            <a:solidFill>
-              <a:schemeClr val="accent3"/>
-            </a:solidFill>
-            <a:ln>
-              <a:noFill/>
-            </a:ln>
-            <a:effectLst/>
-          </c:spPr>
-          <c:invertIfNegative val="0"/>
-          <c:cat>
-            <c:strRef>
-              <c:f>Folha1!$Q$32:$AF$32</c:f>
-              <c:strCache>
-                <c:ptCount val="16"/>
-                <c:pt idx="0">
-                  <c:v>0</c:v>
-                </c:pt>
-                <c:pt idx="1">
-                  <c:v>1</c:v>
-                </c:pt>
-                <c:pt idx="2">
-                  <c:v>2</c:v>
-                </c:pt>
-                <c:pt idx="3">
-                  <c:v>3</c:v>
-                </c:pt>
-                <c:pt idx="4">
-                  <c:v>4</c:v>
-                </c:pt>
-                <c:pt idx="5">
-                  <c:v>5</c:v>
-                </c:pt>
-                <c:pt idx="6">
-                  <c:v>6</c:v>
-                </c:pt>
-                <c:pt idx="7">
-                  <c:v>7</c:v>
-                </c:pt>
-                <c:pt idx="8">
-                  <c:v>8</c:v>
-                </c:pt>
-                <c:pt idx="9">
-                  <c:v>9</c:v>
-                </c:pt>
-                <c:pt idx="10">
-                  <c:v>10</c:v>
-                </c:pt>
-                <c:pt idx="11">
-                  <c:v>11</c:v>
-                </c:pt>
-                <c:pt idx="12">
-                  <c:v>12</c:v>
-                </c:pt>
-                <c:pt idx="13">
-                  <c:v>13</c:v>
-                </c:pt>
-                <c:pt idx="14">
-                  <c:v>14</c:v>
-                </c:pt>
-                <c:pt idx="15">
-                  <c:v>Média</c:v>
-                </c:pt>
-              </c:strCache>
-            </c:strRef>
-          </c:cat>
-          <c:val>
-            <c:numRef>
-              <c:f>Folha1!$Q$52:$AF$52</c:f>
-              <c:numCache>
-                <c:formatCode>General</c:formatCode>
-                <c:ptCount val="16"/>
-                <c:pt idx="0">
-                  <c:v>109.8</c:v>
-                </c:pt>
-                <c:pt idx="1">
-                  <c:v>21.11</c:v>
-                </c:pt>
-                <c:pt idx="2">
-                  <c:v>21.7</c:v>
-                </c:pt>
-                <c:pt idx="3">
-                  <c:v>18.399999999999999</c:v>
-                </c:pt>
-                <c:pt idx="4">
-                  <c:v>160.34</c:v>
-                </c:pt>
-                <c:pt idx="5">
-                  <c:v>19.239999999999998</c:v>
-                </c:pt>
-                <c:pt idx="6">
-                  <c:v>20.65</c:v>
-                </c:pt>
-                <c:pt idx="7">
-                  <c:v>122.8</c:v>
-                </c:pt>
-                <c:pt idx="8">
-                  <c:v>0.96</c:v>
-                </c:pt>
-                <c:pt idx="9">
-                  <c:v>167.19</c:v>
-                </c:pt>
-                <c:pt idx="10">
-                  <c:v>0.86</c:v>
-                </c:pt>
-                <c:pt idx="11">
-                  <c:v>15.93</c:v>
-                </c:pt>
-                <c:pt idx="12">
-                  <c:v>16.77</c:v>
-                </c:pt>
-                <c:pt idx="13">
-                  <c:v>134.13999999999999</c:v>
-                </c:pt>
-                <c:pt idx="14">
-                  <c:v>153.85</c:v>
-                </c:pt>
-                <c:pt idx="15">
-                  <c:v>61.48</c:v>
-                </c:pt>
-              </c:numCache>
-            </c:numRef>
-          </c:val>
-          <c:extLst>
-            <c:ext xmlns:c16="http://schemas.microsoft.com/office/drawing/2014/chart" uri="{C3380CC4-5D6E-409C-BE32-E72D297353CC}">
-              <c16:uniqueId val="{00000002-82D8-44DE-9BBF-798AEFFB30EE}"/>
-            </c:ext>
-          </c:extLst>
-        </c:ser>
-        <c:ser>
-          <c:idx val="3"/>
-          <c:order val="3"/>
-          <c:tx>
-            <c:v>zebra.bmp</c:v>
-          </c:tx>
-          <c:spPr>
-            <a:solidFill>
-              <a:schemeClr val="accent4"/>
-            </a:solidFill>
-            <a:ln>
-              <a:noFill/>
-            </a:ln>
-            <a:effectLst/>
-          </c:spPr>
-          <c:invertIfNegative val="0"/>
-          <c:cat>
-            <c:strRef>
-              <c:f>Folha1!$Q$32:$AF$32</c:f>
-              <c:strCache>
-                <c:ptCount val="16"/>
-                <c:pt idx="0">
-                  <c:v>0</c:v>
-                </c:pt>
-                <c:pt idx="1">
-                  <c:v>1</c:v>
-                </c:pt>
-                <c:pt idx="2">
-                  <c:v>2</c:v>
-                </c:pt>
-                <c:pt idx="3">
-                  <c:v>3</c:v>
-                </c:pt>
-                <c:pt idx="4">
-                  <c:v>4</c:v>
-                </c:pt>
-                <c:pt idx="5">
-                  <c:v>5</c:v>
-                </c:pt>
-                <c:pt idx="6">
-                  <c:v>6</c:v>
-                </c:pt>
-                <c:pt idx="7">
-                  <c:v>7</c:v>
-                </c:pt>
-                <c:pt idx="8">
-                  <c:v>8</c:v>
-                </c:pt>
-                <c:pt idx="9">
-                  <c:v>9</c:v>
-                </c:pt>
-                <c:pt idx="10">
-                  <c:v>10</c:v>
-                </c:pt>
-                <c:pt idx="11">
-                  <c:v>11</c:v>
-                </c:pt>
-                <c:pt idx="12">
-                  <c:v>12</c:v>
-                </c:pt>
-                <c:pt idx="13">
-                  <c:v>13</c:v>
-                </c:pt>
-                <c:pt idx="14">
-                  <c:v>14</c:v>
-                </c:pt>
-                <c:pt idx="15">
-                  <c:v>Média</c:v>
-                </c:pt>
-              </c:strCache>
-            </c:strRef>
-          </c:cat>
-          <c:val>
-            <c:numRef>
-              <c:f>Folha1!$Q$53:$AF$53</c:f>
-              <c:numCache>
-                <c:formatCode>General</c:formatCode>
-                <c:ptCount val="16"/>
-                <c:pt idx="0">
-                  <c:v>74.95</c:v>
-                </c:pt>
-                <c:pt idx="1">
-                  <c:v>33.340000000000003</c:v>
-                </c:pt>
-                <c:pt idx="2">
-                  <c:v>31.75</c:v>
-                </c:pt>
-                <c:pt idx="3">
-                  <c:v>29.56</c:v>
-                </c:pt>
-                <c:pt idx="4">
-                  <c:v>75.349999999999994</c:v>
-                </c:pt>
-                <c:pt idx="5">
-                  <c:v>27.63</c:v>
-                </c:pt>
-                <c:pt idx="6">
-                  <c:v>26.5</c:v>
-                </c:pt>
-                <c:pt idx="7">
-                  <c:v>82.57</c:v>
-                </c:pt>
-                <c:pt idx="8">
-                  <c:v>1.03</c:v>
-                </c:pt>
-                <c:pt idx="9">
-                  <c:v>133.28</c:v>
-                </c:pt>
-                <c:pt idx="10">
-                  <c:v>0.95</c:v>
-                </c:pt>
-                <c:pt idx="11">
-                  <c:v>25.48</c:v>
-                </c:pt>
-                <c:pt idx="12">
-                  <c:v>28.39</c:v>
-                </c:pt>
-                <c:pt idx="13">
-                  <c:v>54.78</c:v>
-                </c:pt>
-                <c:pt idx="14">
-                  <c:v>79.23</c:v>
-                </c:pt>
-                <c:pt idx="15">
-                  <c:v>44.05</c:v>
-                </c:pt>
-              </c:numCache>
-            </c:numRef>
-          </c:val>
-          <c:extLst>
-            <c:ext xmlns:c16="http://schemas.microsoft.com/office/drawing/2014/chart" uri="{C3380CC4-5D6E-409C-BE32-E72D297353CC}">
-              <c16:uniqueId val="{00000003-82D8-44DE-9BBF-798AEFFB30EE}"/>
-            </c:ext>
-          </c:extLst>
-        </c:ser>
-        <c:ser>
-          <c:idx val="4"/>
-          <c:order val="4"/>
-          <c:tx>
-            <c:v>Média</c:v>
-          </c:tx>
-          <c:spPr>
-            <a:solidFill>
-              <a:schemeClr val="accent5"/>
-            </a:solidFill>
-            <a:ln>
-              <a:noFill/>
-            </a:ln>
-            <a:effectLst/>
-          </c:spPr>
-          <c:invertIfNegative val="0"/>
-          <c:cat>
-            <c:strRef>
-              <c:f>Folha1!$Q$32:$AF$32</c:f>
-              <c:strCache>
-                <c:ptCount val="16"/>
-                <c:pt idx="0">
-                  <c:v>0</c:v>
-                </c:pt>
-                <c:pt idx="1">
-                  <c:v>1</c:v>
-                </c:pt>
-                <c:pt idx="2">
-                  <c:v>2</c:v>
-                </c:pt>
-                <c:pt idx="3">
-                  <c:v>3</c:v>
-                </c:pt>
-                <c:pt idx="4">
-                  <c:v>4</c:v>
-                </c:pt>
-                <c:pt idx="5">
-                  <c:v>5</c:v>
-                </c:pt>
-                <c:pt idx="6">
-                  <c:v>6</c:v>
-                </c:pt>
-                <c:pt idx="7">
-                  <c:v>7</c:v>
-                </c:pt>
-                <c:pt idx="8">
-                  <c:v>8</c:v>
-                </c:pt>
-                <c:pt idx="9">
-                  <c:v>9</c:v>
-                </c:pt>
-                <c:pt idx="10">
-                  <c:v>10</c:v>
-                </c:pt>
-                <c:pt idx="11">
-                  <c:v>11</c:v>
-                </c:pt>
-                <c:pt idx="12">
-                  <c:v>12</c:v>
-                </c:pt>
-                <c:pt idx="13">
-                  <c:v>13</c:v>
-                </c:pt>
-                <c:pt idx="14">
-                  <c:v>14</c:v>
-                </c:pt>
-                <c:pt idx="15">
-                  <c:v>Média</c:v>
-                </c:pt>
-              </c:strCache>
-            </c:strRef>
-          </c:cat>
-          <c:val>
-            <c:numRef>
-              <c:f>Folha1!$Q$59:$AE$59</c:f>
-              <c:numCache>
-                <c:formatCode>General</c:formatCode>
-                <c:ptCount val="15"/>
-                <c:pt idx="0">
-                  <c:v>74.599999999999994</c:v>
-                </c:pt>
-                <c:pt idx="1">
-                  <c:v>27.1</c:v>
-                </c:pt>
-                <c:pt idx="2">
-                  <c:v>27</c:v>
-                </c:pt>
-                <c:pt idx="3">
-                  <c:v>24.3</c:v>
-                </c:pt>
-                <c:pt idx="4">
-                  <c:v>90.4</c:v>
-                </c:pt>
-                <c:pt idx="5">
-                  <c:v>22.8</c:v>
-                </c:pt>
-                <c:pt idx="6">
-                  <c:v>22.2</c:v>
-                </c:pt>
-                <c:pt idx="7">
-                  <c:v>86.1</c:v>
-                </c:pt>
-                <c:pt idx="8">
-                  <c:v>0.8</c:v>
-                </c:pt>
-                <c:pt idx="9">
-                  <c:v>127.3</c:v>
-                </c:pt>
-                <c:pt idx="10">
-                  <c:v>0.8</c:v>
-                </c:pt>
-                <c:pt idx="11">
-                  <c:v>20.9</c:v>
-                </c:pt>
-                <c:pt idx="12">
-                  <c:v>22.4</c:v>
-                </c:pt>
-                <c:pt idx="13">
-                  <c:v>69.599999999999994</c:v>
-                </c:pt>
-                <c:pt idx="14">
-                  <c:v>91.4</c:v>
-                </c:pt>
-              </c:numCache>
-            </c:numRef>
-          </c:val>
-          <c:extLst>
-            <c:ext xmlns:c16="http://schemas.microsoft.com/office/drawing/2014/chart" uri="{C3380CC4-5D6E-409C-BE32-E72D297353CC}">
-              <c16:uniqueId val="{00000004-82D8-44DE-9BBF-798AEFFB30EE}"/>
-            </c:ext>
-          </c:extLst>
-        </c:ser>
-        <c:dLbls>
-          <c:showLegendKey val="0"/>
-          <c:showVal val="0"/>
-          <c:showCatName val="0"/>
-          <c:showSerName val="0"/>
-          <c:showPercent val="0"/>
-          <c:showBubbleSize val="0"/>
-        </c:dLbls>
-        <c:gapWidth val="219"/>
-        <c:overlap val="-27"/>
-        <c:axId val="653456120"/>
-        <c:axId val="653452184"/>
-      </c:barChart>
-      <c:catAx>
-        <c:axId val="653456120"/>
-        <c:scaling>
-          <c:orientation val="minMax"/>
-        </c:scaling>
-        <c:delete val="0"/>
-        <c:axPos val="b"/>
-        <c:numFmt formatCode="General" sourceLinked="1"/>
-        <c:majorTickMark val="none"/>
-        <c:minorTickMark val="none"/>
-        <c:tickLblPos val="nextTo"/>
-        <c:spPr>
-          <a:noFill/>
-          <a:ln w="9525" cap="flat" cmpd="sng" algn="ctr">
-            <a:solidFill>
-              <a:schemeClr val="tx1">
-                <a:lumMod val="15000"/>
-                <a:lumOff val="85000"/>
-              </a:schemeClr>
-            </a:solidFill>
-            <a:round/>
-          </a:ln>
-          <a:effectLst/>
-        </c:spPr>
-        <c:txPr>
-          <a:bodyPr rot="-60000000" spcFirstLastPara="1" vertOverflow="ellipsis" vert="horz" wrap="square" anchor="ctr" anchorCtr="1"/>
-          <a:lstStyle/>
-          <a:p>
-            <a:pPr>
-              <a:defRPr sz="900" b="0" i="0" u="none" strike="noStrike" kern="1200" baseline="0">
-                <a:solidFill>
-                  <a:schemeClr val="tx1">
-                    <a:lumMod val="65000"/>
-                    <a:lumOff val="35000"/>
-                  </a:schemeClr>
-                </a:solidFill>
-                <a:latin typeface="+mn-lt"/>
-                <a:ea typeface="+mn-ea"/>
-                <a:cs typeface="+mn-cs"/>
-              </a:defRPr>
-            </a:pPr>
-            <a:endParaRPr lang="pt-PT"/>
-          </a:p>
-        </c:txPr>
-        <c:crossAx val="653452184"/>
-        <c:crosses val="autoZero"/>
-        <c:auto val="1"/>
-        <c:lblAlgn val="ctr"/>
-        <c:lblOffset val="100"/>
-        <c:noMultiLvlLbl val="0"/>
-      </c:catAx>
-      <c:valAx>
-        <c:axId val="653452184"/>
-        <c:scaling>
-          <c:orientation val="minMax"/>
-        </c:scaling>
-        <c:delete val="0"/>
-        <c:axPos val="l"/>
-        <c:majorGridlines>
-          <c:spPr>
-            <a:ln w="9525" cap="flat" cmpd="sng" algn="ctr">
-              <a:solidFill>
-                <a:schemeClr val="tx1">
-                  <a:lumMod val="15000"/>
-                  <a:lumOff val="85000"/>
-                </a:schemeClr>
-              </a:solidFill>
-              <a:round/>
-            </a:ln>
-            <a:effectLst/>
-          </c:spPr>
-        </c:majorGridlines>
-        <c:numFmt formatCode="General" sourceLinked="1"/>
-        <c:majorTickMark val="none"/>
-        <c:minorTickMark val="none"/>
-        <c:tickLblPos val="nextTo"/>
-        <c:spPr>
-          <a:noFill/>
-          <a:ln>
-            <a:noFill/>
-          </a:ln>
-          <a:effectLst/>
-        </c:spPr>
-        <c:txPr>
-          <a:bodyPr rot="-60000000" spcFirstLastPara="1" vertOverflow="ellipsis" vert="horz" wrap="square" anchor="ctr" anchorCtr="1"/>
-          <a:lstStyle/>
-          <a:p>
-            <a:pPr>
-              <a:defRPr sz="900" b="0" i="0" u="none" strike="noStrike" kern="1200" baseline="0">
-                <a:solidFill>
-                  <a:schemeClr val="tx1">
-                    <a:lumMod val="65000"/>
-                    <a:lumOff val="35000"/>
-                  </a:schemeClr>
-                </a:solidFill>
-                <a:latin typeface="+mn-lt"/>
-                <a:ea typeface="+mn-ea"/>
-                <a:cs typeface="+mn-cs"/>
-              </a:defRPr>
-            </a:pPr>
-            <a:endParaRPr lang="pt-PT"/>
-          </a:p>
-        </c:txPr>
-        <c:crossAx val="653456120"/>
-        <c:crosses val="autoZero"/>
-        <c:crossBetween val="between"/>
-      </c:valAx>
-      <c:dTable>
-        <c:showHorzBorder val="1"/>
-        <c:showVertBorder val="1"/>
-        <c:showOutline val="1"/>
-        <c:showKeys val="1"/>
-        <c:spPr>
-          <a:noFill/>
-          <a:ln w="9525" cap="flat" cmpd="sng" algn="ctr">
-            <a:solidFill>
-              <a:schemeClr val="tx1">
-                <a:lumMod val="15000"/>
-                <a:lumOff val="85000"/>
-              </a:schemeClr>
-            </a:solidFill>
-            <a:round/>
-          </a:ln>
-          <a:effectLst/>
-        </c:spPr>
-        <c:txPr>
-          <a:bodyPr rot="0" spcFirstLastPara="1" vertOverflow="ellipsis" vert="horz" wrap="square" anchor="ctr" anchorCtr="1"/>
-          <a:lstStyle/>
-          <a:p>
-            <a:pPr rtl="0">
-              <a:defRPr sz="900" b="0" i="0" u="none" strike="noStrike" kern="1200" baseline="0">
-                <a:solidFill>
-                  <a:schemeClr val="tx1">
-                    <a:lumMod val="65000"/>
-                    <a:lumOff val="35000"/>
-                  </a:schemeClr>
-                </a:solidFill>
-                <a:latin typeface="+mn-lt"/>
-                <a:ea typeface="+mn-ea"/>
-                <a:cs typeface="+mn-cs"/>
-              </a:defRPr>
-            </a:pPr>
-            <a:endParaRPr lang="pt-PT"/>
-          </a:p>
-        </c:txPr>
-      </c:dTable>
-      <c:spPr>
-        <a:noFill/>
-        <a:ln>
-          <a:noFill/>
-        </a:ln>
-        <a:effectLst/>
-      </c:spPr>
-    </c:plotArea>
-    <c:plotVisOnly val="1"/>
-    <c:dispBlanksAs val="gap"/>
-    <c:showDLblsOverMax val="0"/>
-  </c:chart>
-  <c:spPr>
-    <a:noFill/>
-    <a:ln>
-      <a:noFill/>
-    </a:ln>
-    <a:effectLst/>
-  </c:spPr>
-  <c:txPr>
-    <a:bodyPr/>
-    <a:lstStyle/>
-    <a:p>
-      <a:pPr>
-        <a:defRPr/>
-      </a:pPr>
-      <a:endParaRPr lang="pt-PT"/>
-    </a:p>
-  </c:txPr>
-  <c:externalData r:id="rId3">
-    <c:autoUpdate val="0"/>
-  </c:externalData>
-  <c:userShapes r:id="rId4"/>
-</c:chartSpace>
-</file>
-
-<file path=ppt/charts/chart15.xml><?xml version="1.0" encoding="utf-8"?>
+<file path=ppt/charts/chart13.xml><?xml version="1.0" encoding="utf-8"?>
 <c:chartSpace xmlns:c="http://schemas.openxmlformats.org/drawingml/2006/chart" xmlns:a="http://schemas.openxmlformats.org/drawingml/2006/main" xmlns:r="http://schemas.openxmlformats.org/officeDocument/2006/relationships" xmlns:c16r2="http://schemas.microsoft.com/office/drawing/2015/06/chart">
   <c:date1904 val="0"/>
   <c:lang val="pt-PT"/>
@@ -6065,14 +4141,14 @@
                   <c:v>116.9</c:v>
                 </c:pt>
                 <c:pt idx="15">
-                  <c:v>68.66</c:v>
+                  <c:v>73.239999999999995</c:v>
                 </c:pt>
               </c:numCache>
             </c:numRef>
           </c:val>
           <c:extLst>
             <c:ext xmlns:c16="http://schemas.microsoft.com/office/drawing/2014/chart" uri="{C3380CC4-5D6E-409C-BE32-E72D297353CC}">
-              <c16:uniqueId val="{00000000-1E31-437F-933A-9ABD3147D4F6}"/>
+              <c16:uniqueId val="{00000000-63DE-4F66-B70A-47D98AC30481}"/>
             </c:ext>
           </c:extLst>
         </c:ser>
@@ -6200,14 +4276,14 @@
                   <c:v>91.5</c:v>
                 </c:pt>
                 <c:pt idx="15">
-                  <c:v>47.57</c:v>
+                  <c:v>50.74</c:v>
                 </c:pt>
               </c:numCache>
             </c:numRef>
           </c:val>
           <c:extLst>
             <c:ext xmlns:c16="http://schemas.microsoft.com/office/drawing/2014/chart" uri="{C3380CC4-5D6E-409C-BE32-E72D297353CC}">
-              <c16:uniqueId val="{00000001-1E31-437F-933A-9ABD3147D4F6}"/>
+              <c16:uniqueId val="{00000001-63DE-4F66-B70A-47D98AC30481}"/>
             </c:ext>
           </c:extLst>
         </c:ser>
@@ -6335,14 +4411,14 @@
                   <c:v>178.6</c:v>
                 </c:pt>
                 <c:pt idx="15">
-                  <c:v>138.88</c:v>
+                  <c:v>148.13999999999999</c:v>
                 </c:pt>
               </c:numCache>
             </c:numRef>
           </c:val>
           <c:extLst>
             <c:ext xmlns:c16="http://schemas.microsoft.com/office/drawing/2014/chart" uri="{C3380CC4-5D6E-409C-BE32-E72D297353CC}">
-              <c16:uniqueId val="{00000002-1E31-437F-933A-9ABD3147D4F6}"/>
+              <c16:uniqueId val="{00000002-63DE-4F66-B70A-47D98AC30481}"/>
             </c:ext>
           </c:extLst>
         </c:ser>
@@ -6470,14 +4546,14 @@
                   <c:v>122.5</c:v>
                 </c:pt>
                 <c:pt idx="15">
-                  <c:v>70.31</c:v>
+                  <c:v>74.989999999999995</c:v>
                 </c:pt>
               </c:numCache>
             </c:numRef>
           </c:val>
           <c:extLst>
             <c:ext xmlns:c16="http://schemas.microsoft.com/office/drawing/2014/chart" uri="{C3380CC4-5D6E-409C-BE32-E72D297353CC}">
-              <c16:uniqueId val="{00000003-1E31-437F-933A-9ABD3147D4F6}"/>
+              <c16:uniqueId val="{00000003-63DE-4F66-B70A-47D98AC30481}"/>
             </c:ext>
           </c:extLst>
         </c:ser>
@@ -6609,7 +4685,7 @@
           </c:val>
           <c:extLst>
             <c:ext xmlns:c16="http://schemas.microsoft.com/office/drawing/2014/chart" uri="{C3380CC4-5D6E-409C-BE32-E72D297353CC}">
-              <c16:uniqueId val="{00000004-1E31-437F-933A-9ABD3147D4F6}"/>
+              <c16:uniqueId val="{00000004-63DE-4F66-B70A-47D98AC30481}"/>
             </c:ext>
           </c:extLst>
         </c:ser>
@@ -6807,7 +4883,7 @@
 </c:chartSpace>
 </file>
 
-<file path=ppt/charts/chart16.xml><?xml version="1.0" encoding="utf-8"?>
+<file path=ppt/charts/chart14.xml><?xml version="1.0" encoding="utf-8"?>
 <c:chartSpace xmlns:c="http://schemas.openxmlformats.org/drawingml/2006/chart" xmlns:a="http://schemas.openxmlformats.org/drawingml/2006/main" xmlns:r="http://schemas.openxmlformats.org/officeDocument/2006/relationships" xmlns:c16r2="http://schemas.microsoft.com/office/drawing/2015/06/chart">
   <c:date1904 val="0"/>
   <c:lang val="pt-PT"/>
@@ -6841,29 +4917,12 @@
               </a:defRPr>
             </a:pPr>
             <a:r>
-              <a:rPr lang="pt-PT" sz="1800" b="1" i="0" cap="all" baseline="0" dirty="0" err="1">
+              <a:rPr lang="pt-PT" sz="1800" b="1" i="0" cap="all" baseline="0">
                 <a:effectLst/>
               </a:rPr>
-              <a:t>TAxa</a:t>
+              <a:t>TAxa de compressão (%)</a:t>
             </a:r>
-            <a:r>
-              <a:rPr lang="pt-PT" sz="1800" b="1" i="0" cap="all" baseline="0" dirty="0">
-                <a:effectLst/>
-              </a:rPr>
-              <a:t> de compressão </a:t>
-            </a:r>
-          </a:p>
-          <a:p>
-            <a:pPr>
-              <a:defRPr/>
-            </a:pPr>
-            <a:r>
-              <a:rPr lang="pt-PT" sz="1800" b="1" i="0" cap="all" baseline="0" dirty="0">
-                <a:effectLst/>
-              </a:rPr>
-              <a:t>(%)</a:t>
-            </a:r>
-            <a:endParaRPr lang="pt-PT" dirty="0">
+            <a:endParaRPr lang="pt-PT">
               <a:effectLst/>
             </a:endParaRPr>
           </a:p>
@@ -7029,14 +5088,14 @@
                   <c:v>76.510000000000005</c:v>
                 </c:pt>
                 <c:pt idx="15">
-                  <c:v>65.3</c:v>
+                  <c:v>69.650000000000006</c:v>
                 </c:pt>
               </c:numCache>
             </c:numRef>
           </c:val>
           <c:extLst>
             <c:ext xmlns:c16="http://schemas.microsoft.com/office/drawing/2014/chart" uri="{C3380CC4-5D6E-409C-BE32-E72D297353CC}">
-              <c16:uniqueId val="{00000000-0667-4C51-9D37-55EFEE6E0C3D}"/>
+              <c16:uniqueId val="{00000000-7845-434D-8268-4C14A0D8F5A5}"/>
             </c:ext>
           </c:extLst>
         </c:ser>
@@ -7164,14 +5223,14 @@
                   <c:v>73.540000000000006</c:v>
                 </c:pt>
                 <c:pt idx="15">
-                  <c:v>63.51</c:v>
+                  <c:v>67.739999999999995</c:v>
                 </c:pt>
               </c:numCache>
             </c:numRef>
           </c:val>
           <c:extLst>
             <c:ext xmlns:c16="http://schemas.microsoft.com/office/drawing/2014/chart" uri="{C3380CC4-5D6E-409C-BE32-E72D297353CC}">
-              <c16:uniqueId val="{00000001-0667-4C51-9D37-55EFEE6E0C3D}"/>
+              <c16:uniqueId val="{00000001-7845-434D-8268-4C14A0D8F5A5}"/>
             </c:ext>
           </c:extLst>
         </c:ser>
@@ -7299,14 +5358,14 @@
                   <c:v>95.62</c:v>
                 </c:pt>
                 <c:pt idx="15">
-                  <c:v>88.5</c:v>
+                  <c:v>94.4</c:v>
                 </c:pt>
               </c:numCache>
             </c:numRef>
           </c:val>
           <c:extLst>
             <c:ext xmlns:c16="http://schemas.microsoft.com/office/drawing/2014/chart" uri="{C3380CC4-5D6E-409C-BE32-E72D297353CC}">
-              <c16:uniqueId val="{00000002-0667-4C51-9D37-55EFEE6E0C3D}"/>
+              <c16:uniqueId val="{00000002-7845-434D-8268-4C14A0D8F5A5}"/>
             </c:ext>
           </c:extLst>
         </c:ser>
@@ -7442,14 +5501,14 @@
                   <c:v>71.39</c:v>
                 </c:pt>
                 <c:pt idx="15">
-                  <c:v>59.23</c:v>
+                  <c:v>63.17</c:v>
                 </c:pt>
               </c:numCache>
             </c:numRef>
           </c:val>
           <c:extLst>
             <c:ext xmlns:c16="http://schemas.microsoft.com/office/drawing/2014/chart" uri="{C3380CC4-5D6E-409C-BE32-E72D297353CC}">
-              <c16:uniqueId val="{00000003-0667-4C51-9D37-55EFEE6E0C3D}"/>
+              <c16:uniqueId val="{00000003-7845-434D-8268-4C14A0D8F5A5}"/>
             </c:ext>
           </c:extLst>
         </c:ser>
@@ -7581,7 +5640,7 @@
           </c:val>
           <c:extLst>
             <c:ext xmlns:c16="http://schemas.microsoft.com/office/drawing/2014/chart" uri="{C3380CC4-5D6E-409C-BE32-E72D297353CC}">
-              <c16:uniqueId val="{00000004-0667-4C51-9D37-55EFEE6E0C3D}"/>
+              <c16:uniqueId val="{00000004-7845-434D-8268-4C14A0D8F5A5}"/>
             </c:ext>
           </c:extLst>
         </c:ser>
@@ -7779,7 +5838,7 @@
 </c:chartSpace>
 </file>
 
-<file path=ppt/charts/chart17.xml><?xml version="1.0" encoding="utf-8"?>
+<file path=ppt/charts/chart15.xml><?xml version="1.0" encoding="utf-8"?>
 <c:chartSpace xmlns:c="http://schemas.openxmlformats.org/drawingml/2006/chart" xmlns:a="http://schemas.openxmlformats.org/drawingml/2006/main" xmlns:r="http://schemas.openxmlformats.org/officeDocument/2006/relationships" xmlns:c16r2="http://schemas.microsoft.com/office/drawing/2015/06/chart">
   <c:date1904 val="0"/>
   <c:lang val="pt-PT"/>
@@ -7813,7 +5872,7 @@
               </a:defRPr>
             </a:pPr>
             <a:r>
-              <a:rPr lang="pt-PT" sz="2000" b="1" i="0" cap="all" baseline="0" dirty="0">
+              <a:rPr lang="pt-PT" sz="1800" b="1" i="0" cap="all" baseline="0">
                 <a:effectLst/>
               </a:rPr>
               <a:t>Comparação das Gerações</a:t>
@@ -7852,17 +5911,7 @@
     </c:title>
     <c:autoTitleDeleted val="0"/>
     <c:plotArea>
-      <c:layout>
-        <c:manualLayout>
-          <c:layoutTarget val="inner"/>
-          <c:xMode val="edge"/>
-          <c:yMode val="edge"/>
-          <c:x val="0.31324948964712745"/>
-          <c:y val="0.14864969068461231"/>
-          <c:w val="0.6867505103528726"/>
-          <c:h val="0.6442748206293335"/>
-        </c:manualLayout>
-      </c:layout>
+      <c:layout/>
       <c:lineChart>
         <c:grouping val="standard"/>
         <c:varyColors val="0"/>
@@ -7897,7 +5946,7 @@
           </c:marker>
           <c:cat>
             <c:numRef>
-              <c:f>[Livro1.xlsx]Folha1!$A$33:$O$33</c:f>
+              <c:f>Folha1!$A$33:$O$33</c:f>
               <c:numCache>
                 <c:formatCode>General</c:formatCode>
                 <c:ptCount val="15"/>
@@ -7951,7 +6000,7 @@
           </c:cat>
           <c:val>
             <c:numRef>
-              <c:f>[Livro1.xlsx]Folha1!$Q$60:$AE$60</c:f>
+              <c:f>Folha1!$Q$60:$AE$60</c:f>
               <c:numCache>
                 <c:formatCode>General</c:formatCode>
                 <c:ptCount val="15"/>
@@ -8006,7 +6055,7 @@
           <c:smooth val="0"/>
           <c:extLst>
             <c:ext xmlns:c16="http://schemas.microsoft.com/office/drawing/2014/chart" uri="{C3380CC4-5D6E-409C-BE32-E72D297353CC}">
-              <c16:uniqueId val="{00000000-D183-4BB5-9709-77C714AA6074}"/>
+              <c16:uniqueId val="{00000000-CA7B-44E0-A69D-70181BA88588}"/>
             </c:ext>
           </c:extLst>
         </c:ser>
@@ -8050,7 +6099,7 @@
           </c:marker>
           <c:cat>
             <c:numRef>
-              <c:f>[Livro1.xlsx]Folha1!$A$33:$O$33</c:f>
+              <c:f>Folha1!$A$33:$O$33</c:f>
               <c:numCache>
                 <c:formatCode>General</c:formatCode>
                 <c:ptCount val="15"/>
@@ -8104,54 +6153,54 @@
           </c:cat>
           <c:val>
             <c:numRef>
-              <c:f>[Livro1.xlsx]Folha1!$Q$64:$AE$64</c:f>
+              <c:f>Folha1!$Q$64:$AE$64</c:f>
               <c:numCache>
                 <c:formatCode>General</c:formatCode>
                 <c:ptCount val="15"/>
                 <c:pt idx="0">
-                  <c:v>54.2</c:v>
+                  <c:v>64.099999999999994</c:v>
                 </c:pt>
                 <c:pt idx="1">
-                  <c:v>65.400000000000006</c:v>
+                  <c:v>71.599999999999994</c:v>
                 </c:pt>
                 <c:pt idx="2">
-                  <c:v>64.2</c:v>
+                  <c:v>73.8</c:v>
                 </c:pt>
                 <c:pt idx="3">
-                  <c:v>65.400000000000006</c:v>
+                  <c:v>72.8</c:v>
                 </c:pt>
                 <c:pt idx="4">
-                  <c:v>68.599999999999994</c:v>
+                  <c:v>76.099999999999994</c:v>
                 </c:pt>
                 <c:pt idx="5">
-                  <c:v>62</c:v>
+                  <c:v>74.099999999999994</c:v>
                 </c:pt>
                 <c:pt idx="6">
-                  <c:v>58</c:v>
+                  <c:v>74.099999999999994</c:v>
                 </c:pt>
                 <c:pt idx="7">
-                  <c:v>54.1</c:v>
+                  <c:v>59.7</c:v>
                 </c:pt>
                 <c:pt idx="8">
-                  <c:v>68.400000000000006</c:v>
+                  <c:v>76.099999999999994</c:v>
                 </c:pt>
                 <c:pt idx="9">
-                  <c:v>66.7</c:v>
+                  <c:v>74.5</c:v>
                 </c:pt>
                 <c:pt idx="10">
-                  <c:v>67.7</c:v>
+                  <c:v>76.400000000000006</c:v>
                 </c:pt>
                 <c:pt idx="11">
-                  <c:v>68.099999999999994</c:v>
+                  <c:v>77</c:v>
                 </c:pt>
                 <c:pt idx="12">
-                  <c:v>68.8</c:v>
+                  <c:v>76.8</c:v>
                 </c:pt>
                 <c:pt idx="13">
-                  <c:v>71.8</c:v>
+                  <c:v>79.8</c:v>
                 </c:pt>
                 <c:pt idx="14">
-                  <c:v>70.7</c:v>
+                  <c:v>79.3</c:v>
                 </c:pt>
               </c:numCache>
             </c:numRef>
@@ -8159,7 +6208,7 @@
           <c:smooth val="0"/>
           <c:extLst>
             <c:ext xmlns:c16="http://schemas.microsoft.com/office/drawing/2014/chart" uri="{C3380CC4-5D6E-409C-BE32-E72D297353CC}">
-              <c16:uniqueId val="{00000001-D183-4BB5-9709-77C714AA6074}"/>
+              <c16:uniqueId val="{00000001-CA7B-44E0-A69D-70181BA88588}"/>
             </c:ext>
           </c:extLst>
         </c:ser>
@@ -8201,54 +6250,54 @@
           </c:marker>
           <c:val>
             <c:numRef>
-              <c:f>[Livro1.xlsx]Folha1!$Q$77:$AE$77</c:f>
+              <c:f>Folha1!$Q$77:$AE$77</c:f>
               <c:numCache>
                 <c:formatCode>General</c:formatCode>
                 <c:ptCount val="15"/>
                 <c:pt idx="0">
-                  <c:v>34.4</c:v>
+                  <c:v>39.299999999999997</c:v>
                 </c:pt>
                 <c:pt idx="1">
-                  <c:v>79.5</c:v>
+                  <c:v>82.6</c:v>
                 </c:pt>
                 <c:pt idx="2">
-                  <c:v>51.4</c:v>
+                  <c:v>56.2</c:v>
                 </c:pt>
                 <c:pt idx="3">
-                  <c:v>65.599999999999994</c:v>
+                  <c:v>69.3</c:v>
                 </c:pt>
                 <c:pt idx="4">
-                  <c:v>49.7</c:v>
+                  <c:v>53.5</c:v>
                 </c:pt>
                 <c:pt idx="5">
-                  <c:v>49.5</c:v>
+                  <c:v>55.5</c:v>
                 </c:pt>
                 <c:pt idx="6">
-                  <c:v>45.4</c:v>
+                  <c:v>53.5</c:v>
                 </c:pt>
                 <c:pt idx="7">
-                  <c:v>41.5</c:v>
+                  <c:v>44.3</c:v>
                 </c:pt>
                 <c:pt idx="8">
-                  <c:v>94.9</c:v>
+                  <c:v>98.7</c:v>
                 </c:pt>
                 <c:pt idx="9">
-                  <c:v>33.4</c:v>
+                  <c:v>37.299999999999997</c:v>
                 </c:pt>
                 <c:pt idx="10">
-                  <c:v>95</c:v>
+                  <c:v>99.3</c:v>
                 </c:pt>
                 <c:pt idx="11">
-                  <c:v>75.099999999999994</c:v>
+                  <c:v>79.599999999999994</c:v>
                 </c:pt>
                 <c:pt idx="12">
-                  <c:v>74</c:v>
+                  <c:v>78</c:v>
                 </c:pt>
                 <c:pt idx="13">
-                  <c:v>60.9</c:v>
+                  <c:v>64.900000000000006</c:v>
                 </c:pt>
                 <c:pt idx="14">
-                  <c:v>42.1</c:v>
+                  <c:v>46.4</c:v>
                 </c:pt>
               </c:numCache>
             </c:numRef>
@@ -8256,7 +6305,7 @@
           <c:smooth val="0"/>
           <c:extLst>
             <c:ext xmlns:c16="http://schemas.microsoft.com/office/drawing/2014/chart" uri="{C3380CC4-5D6E-409C-BE32-E72D297353CC}">
-              <c16:uniqueId val="{00000002-D183-4BB5-9709-77C714AA6074}"/>
+              <c16:uniqueId val="{00000002-CA7B-44E0-A69D-70181BA88588}"/>
             </c:ext>
           </c:extLst>
         </c:ser>
@@ -8295,7 +6344,7 @@
                     <c:extLst>
                       <c:ext uri="{02D57815-91ED-43cb-92C2-25804820EDAC}">
                         <c15:formulaRef>
-                          <c15:sqref>[Livro1.xlsx]Folha1!$A$33:$O$33</c15:sqref>
+                          <c15:sqref>Folha1!$A$33:$O$33</c15:sqref>
                         </c15:formulaRef>
                       </c:ext>
                     </c:extLst>
@@ -8355,7 +6404,7 @@
                     <c:extLst>
                       <c:ext uri="{02D57815-91ED-43cb-92C2-25804820EDAC}">
                         <c15:formulaRef>
-                          <c15:sqref>[Livro1.xlsx]Folha1!$Q$61:$AE$61</c15:sqref>
+                          <c15:sqref>Folha1!$Q$61:$AE$61</c15:sqref>
                         </c15:formulaRef>
                       </c:ext>
                     </c:extLst>
@@ -8368,7 +6417,7 @@
                 <c:smooth val="0"/>
                 <c:extLst>
                   <c:ext xmlns:c16="http://schemas.microsoft.com/office/drawing/2014/chart" uri="{C3380CC4-5D6E-409C-BE32-E72D297353CC}">
-                    <c16:uniqueId val="{00000003-D183-4BB5-9709-77C714AA6074}"/>
+                    <c16:uniqueId val="{00000003-CA7B-44E0-A69D-70181BA88588}"/>
                   </c:ext>
                 </c:extLst>
               </c15:ser>
@@ -8410,7 +6459,7 @@
                     <c:extLst xmlns:c15="http://schemas.microsoft.com/office/drawing/2012/chart">
                       <c:ext xmlns:c15="http://schemas.microsoft.com/office/drawing/2012/chart" uri="{02D57815-91ED-43cb-92C2-25804820EDAC}">
                         <c15:formulaRef>
-                          <c15:sqref>[Livro1.xlsx]Folha1!$A$33:$O$33</c15:sqref>
+                          <c15:sqref>Folha1!$A$33:$O$33</c15:sqref>
                         </c15:formulaRef>
                       </c:ext>
                     </c:extLst>
@@ -8470,7 +6519,7 @@
                     <c:extLst xmlns:c15="http://schemas.microsoft.com/office/drawing/2012/chart">
                       <c:ext xmlns:c15="http://schemas.microsoft.com/office/drawing/2012/chart" uri="{02D57815-91ED-43cb-92C2-25804820EDAC}">
                         <c15:formulaRef>
-                          <c15:sqref>[Livro1.xlsx]Folha1!$Q$62:$AE$62</c15:sqref>
+                          <c15:sqref>Folha1!$Q$62:$AE$62</c15:sqref>
                         </c15:formulaRef>
                       </c:ext>
                     </c:extLst>
@@ -8478,49 +6527,49 @@
                       <c:formatCode>General</c:formatCode>
                       <c:ptCount val="15"/>
                       <c:pt idx="0">
-                        <c:v>4.5999999999999996</c:v>
+                        <c:v>5.7</c:v>
                       </c:pt>
                       <c:pt idx="1">
+                        <c:v>4.5</c:v>
+                      </c:pt>
+                      <c:pt idx="2">
+                        <c:v>4.2</c:v>
+                      </c:pt>
+                      <c:pt idx="3">
+                        <c:v>4.4000000000000004</c:v>
+                      </c:pt>
+                      <c:pt idx="4">
+                        <c:v>3.8</c:v>
+                      </c:pt>
+                      <c:pt idx="5">
+                        <c:v>4.2</c:v>
+                      </c:pt>
+                      <c:pt idx="6">
+                        <c:v>4.2</c:v>
+                      </c:pt>
+                      <c:pt idx="7">
+                        <c:v>6.8</c:v>
+                      </c:pt>
+                      <c:pt idx="8">
+                        <c:v>3.9</c:v>
+                      </c:pt>
+                      <c:pt idx="9">
+                        <c:v>4.0999999999999996</c:v>
+                      </c:pt>
+                      <c:pt idx="10">
+                        <c:v>3.9</c:v>
+                      </c:pt>
+                      <c:pt idx="11">
                         <c:v>3.7</c:v>
                       </c:pt>
-                      <c:pt idx="2">
-                        <c:v>3.4</c:v>
+                      <c:pt idx="12">
+                        <c:v>3.7</c:v>
                       </c:pt>
-                      <c:pt idx="3">
-                        <c:v>3.5</c:v>
-                      </c:pt>
-                      <c:pt idx="4">
-                        <c:v>3.1</c:v>
-                      </c:pt>
-                      <c:pt idx="5">
-                        <c:v>3.4</c:v>
-                      </c:pt>
-                      <c:pt idx="6">
-                        <c:v>3.4</c:v>
-                      </c:pt>
-                      <c:pt idx="7">
-                        <c:v>5.5</c:v>
-                      </c:pt>
-                      <c:pt idx="8">
-                        <c:v>3.2</c:v>
-                      </c:pt>
-                      <c:pt idx="9">
+                      <c:pt idx="13">
                         <c:v>3.3</c:v>
                       </c:pt>
-                      <c:pt idx="10">
-                        <c:v>3.1</c:v>
-                      </c:pt>
-                      <c:pt idx="11">
-                        <c:v>3</c:v>
-                      </c:pt>
-                      <c:pt idx="12">
-                        <c:v>3</c:v>
-                      </c:pt>
-                      <c:pt idx="13">
-                        <c:v>2.7</c:v>
-                      </c:pt>
                       <c:pt idx="14">
-                        <c:v>2.7</c:v>
+                        <c:v>3.3</c:v>
                       </c:pt>
                     </c:numCache>
                   </c:numRef>
@@ -8528,7 +6577,7 @@
                 <c:smooth val="0"/>
                 <c:extLst xmlns:c15="http://schemas.microsoft.com/office/drawing/2012/chart">
                   <c:ext xmlns:c16="http://schemas.microsoft.com/office/drawing/2014/chart" uri="{C3380CC4-5D6E-409C-BE32-E72D297353CC}">
-                    <c16:uniqueId val="{00000004-D183-4BB5-9709-77C714AA6074}"/>
+                    <c16:uniqueId val="{00000004-CA7B-44E0-A69D-70181BA88588}"/>
                   </c:ext>
                 </c:extLst>
               </c15:ser>
@@ -8556,7 +6605,7 @@
                     <c:extLst xmlns:c15="http://schemas.microsoft.com/office/drawing/2012/chart">
                       <c:ext xmlns:c15="http://schemas.microsoft.com/office/drawing/2012/chart" uri="{02D57815-91ED-43cb-92C2-25804820EDAC}">
                         <c15:formulaRef>
-                          <c15:sqref>[Livro1.xlsx]Folha1!$A$33:$O$33</c15:sqref>
+                          <c15:sqref>Folha1!$A$33:$O$33</c15:sqref>
                         </c15:formulaRef>
                       </c:ext>
                     </c:extLst>
@@ -8616,7 +6665,7 @@
                     <c:extLst xmlns:c15="http://schemas.microsoft.com/office/drawing/2012/chart">
                       <c:ext xmlns:c15="http://schemas.microsoft.com/office/drawing/2012/chart" uri="{02D57815-91ED-43cb-92C2-25804820EDAC}">
                         <c15:formulaRef>
-                          <c15:sqref>[Livro1.xlsx]Folha1!$Q$63:$AE$63</c15:sqref>
+                          <c15:sqref>Folha1!$Q$63:$AE$63</c15:sqref>
                         </c15:formulaRef>
                       </c:ext>
                     </c:extLst>
@@ -8629,7 +6678,7 @@
                 <c:smooth val="0"/>
                 <c:extLst xmlns:c15="http://schemas.microsoft.com/office/drawing/2012/chart">
                   <c:ext xmlns:c16="http://schemas.microsoft.com/office/drawing/2014/chart" uri="{C3380CC4-5D6E-409C-BE32-E72D297353CC}">
-                    <c16:uniqueId val="{00000005-D183-4BB5-9709-77C714AA6074}"/>
+                    <c16:uniqueId val="{00000005-CA7B-44E0-A69D-70181BA88588}"/>
                   </c:ext>
                 </c:extLst>
               </c15:ser>
@@ -8848,7 +6897,6 @@
   <c:externalData r:id="rId3">
     <c:autoUpdate val="0"/>
   </c:externalData>
-  <c:userShapes r:id="rId4"/>
 </c:chartSpace>
 </file>
 
@@ -14581,86 +12629,6 @@
 </file>
 
 <file path=ppt/charts/colors15.xml><?xml version="1.0" encoding="utf-8"?>
-<cs:colorStyle xmlns:cs="http://schemas.microsoft.com/office/drawing/2012/chartStyle" xmlns:a="http://schemas.openxmlformats.org/drawingml/2006/main" meth="cycle" id="10">
-  <a:schemeClr val="accent1"/>
-  <a:schemeClr val="accent2"/>
-  <a:schemeClr val="accent3"/>
-  <a:schemeClr val="accent4"/>
-  <a:schemeClr val="accent5"/>
-  <a:schemeClr val="accent6"/>
-  <cs:variation/>
-  <cs:variation>
-    <a:lumMod val="60000"/>
-  </cs:variation>
-  <cs:variation>
-    <a:lumMod val="80000"/>
-    <a:lumOff val="20000"/>
-  </cs:variation>
-  <cs:variation>
-    <a:lumMod val="80000"/>
-  </cs:variation>
-  <cs:variation>
-    <a:lumMod val="60000"/>
-    <a:lumOff val="40000"/>
-  </cs:variation>
-  <cs:variation>
-    <a:lumMod val="50000"/>
-  </cs:variation>
-  <cs:variation>
-    <a:lumMod val="70000"/>
-    <a:lumOff val="30000"/>
-  </cs:variation>
-  <cs:variation>
-    <a:lumMod val="70000"/>
-  </cs:variation>
-  <cs:variation>
-    <a:lumMod val="50000"/>
-    <a:lumOff val="50000"/>
-  </cs:variation>
-</cs:colorStyle>
-</file>
-
-<file path=ppt/charts/colors16.xml><?xml version="1.0" encoding="utf-8"?>
-<cs:colorStyle xmlns:cs="http://schemas.microsoft.com/office/drawing/2012/chartStyle" xmlns:a="http://schemas.openxmlformats.org/drawingml/2006/main" meth="cycle" id="10">
-  <a:schemeClr val="accent1"/>
-  <a:schemeClr val="accent2"/>
-  <a:schemeClr val="accent3"/>
-  <a:schemeClr val="accent4"/>
-  <a:schemeClr val="accent5"/>
-  <a:schemeClr val="accent6"/>
-  <cs:variation/>
-  <cs:variation>
-    <a:lumMod val="60000"/>
-  </cs:variation>
-  <cs:variation>
-    <a:lumMod val="80000"/>
-    <a:lumOff val="20000"/>
-  </cs:variation>
-  <cs:variation>
-    <a:lumMod val="80000"/>
-  </cs:variation>
-  <cs:variation>
-    <a:lumMod val="60000"/>
-    <a:lumOff val="40000"/>
-  </cs:variation>
-  <cs:variation>
-    <a:lumMod val="50000"/>
-  </cs:variation>
-  <cs:variation>
-    <a:lumMod val="70000"/>
-    <a:lumOff val="30000"/>
-  </cs:variation>
-  <cs:variation>
-    <a:lumMod val="70000"/>
-  </cs:variation>
-  <cs:variation>
-    <a:lumMod val="50000"/>
-    <a:lumOff val="50000"/>
-  </cs:variation>
-</cs:colorStyle>
-</file>
-
-<file path=ppt/charts/colors17.xml><?xml version="1.0" encoding="utf-8"?>
 <cs:colorStyle xmlns:cs="http://schemas.microsoft.com/office/drawing/2012/chartStyle" xmlns:a="http://schemas.openxmlformats.org/drawingml/2006/main" meth="cycle" id="12">
   <a:schemeClr val="accent2"/>
   <a:schemeClr val="accent4"/>
@@ -18057,1012 +16025,6 @@
 </file>
 
 <file path=ppt/charts/style15.xml><?xml version="1.0" encoding="utf-8"?>
-<cs:chartStyle xmlns:cs="http://schemas.microsoft.com/office/drawing/2012/chartStyle" xmlns:a="http://schemas.openxmlformats.org/drawingml/2006/main" id="201">
-  <cs:axisTitle>
-    <cs:lnRef idx="0"/>
-    <cs:fillRef idx="0"/>
-    <cs:effectRef idx="0"/>
-    <cs:fontRef idx="minor">
-      <a:schemeClr val="tx1">
-        <a:lumMod val="65000"/>
-        <a:lumOff val="35000"/>
-      </a:schemeClr>
-    </cs:fontRef>
-    <cs:defRPr sz="1000" kern="1200"/>
-  </cs:axisTitle>
-  <cs:categoryAxis>
-    <cs:lnRef idx="0"/>
-    <cs:fillRef idx="0"/>
-    <cs:effectRef idx="0"/>
-    <cs:fontRef idx="minor">
-      <a:schemeClr val="tx1">
-        <a:lumMod val="65000"/>
-        <a:lumOff val="35000"/>
-      </a:schemeClr>
-    </cs:fontRef>
-    <cs:spPr>
-      <a:ln w="9525" cap="flat" cmpd="sng" algn="ctr">
-        <a:solidFill>
-          <a:schemeClr val="tx1">
-            <a:lumMod val="15000"/>
-            <a:lumOff val="85000"/>
-          </a:schemeClr>
-        </a:solidFill>
-        <a:round/>
-      </a:ln>
-    </cs:spPr>
-    <cs:defRPr sz="900" kern="1200"/>
-  </cs:categoryAxis>
-  <cs:chartArea mods="allowNoFillOverride allowNoLineOverride">
-    <cs:lnRef idx="0"/>
-    <cs:fillRef idx="0"/>
-    <cs:effectRef idx="0"/>
-    <cs:fontRef idx="minor">
-      <a:schemeClr val="tx1"/>
-    </cs:fontRef>
-    <cs:spPr>
-      <a:solidFill>
-        <a:schemeClr val="bg1"/>
-      </a:solidFill>
-      <a:ln w="9525" cap="flat" cmpd="sng" algn="ctr">
-        <a:solidFill>
-          <a:schemeClr val="tx1">
-            <a:lumMod val="15000"/>
-            <a:lumOff val="85000"/>
-          </a:schemeClr>
-        </a:solidFill>
-        <a:round/>
-      </a:ln>
-    </cs:spPr>
-    <cs:defRPr sz="1000" kern="1200"/>
-  </cs:chartArea>
-  <cs:dataLabel>
-    <cs:lnRef idx="0"/>
-    <cs:fillRef idx="0"/>
-    <cs:effectRef idx="0"/>
-    <cs:fontRef idx="minor">
-      <a:schemeClr val="tx1">
-        <a:lumMod val="75000"/>
-        <a:lumOff val="25000"/>
-      </a:schemeClr>
-    </cs:fontRef>
-    <cs:defRPr sz="900" kern="1200"/>
-  </cs:dataLabel>
-  <cs:dataLabelCallout>
-    <cs:lnRef idx="0"/>
-    <cs:fillRef idx="0"/>
-    <cs:effectRef idx="0"/>
-    <cs:fontRef idx="minor">
-      <a:schemeClr val="dk1">
-        <a:lumMod val="65000"/>
-        <a:lumOff val="35000"/>
-      </a:schemeClr>
-    </cs:fontRef>
-    <cs:spPr>
-      <a:solidFill>
-        <a:schemeClr val="lt1"/>
-      </a:solidFill>
-      <a:ln>
-        <a:solidFill>
-          <a:schemeClr val="dk1">
-            <a:lumMod val="25000"/>
-            <a:lumOff val="75000"/>
-          </a:schemeClr>
-        </a:solidFill>
-      </a:ln>
-    </cs:spPr>
-    <cs:defRPr sz="900" kern="1200"/>
-    <cs:bodyPr rot="0" spcFirstLastPara="1" vertOverflow="clip" horzOverflow="clip" vert="horz" wrap="square" lIns="36576" tIns="18288" rIns="36576" bIns="18288" anchor="ctr" anchorCtr="1">
-      <a:spAutoFit/>
-    </cs:bodyPr>
-  </cs:dataLabelCallout>
-  <cs:dataPoint>
-    <cs:lnRef idx="0"/>
-    <cs:fillRef idx="1">
-      <cs:styleClr val="auto"/>
-    </cs:fillRef>
-    <cs:effectRef idx="0"/>
-    <cs:fontRef idx="minor">
-      <a:schemeClr val="tx1"/>
-    </cs:fontRef>
-  </cs:dataPoint>
-  <cs:dataPoint3D>
-    <cs:lnRef idx="0"/>
-    <cs:fillRef idx="1">
-      <cs:styleClr val="auto"/>
-    </cs:fillRef>
-    <cs:effectRef idx="0"/>
-    <cs:fontRef idx="minor">
-      <a:schemeClr val="tx1"/>
-    </cs:fontRef>
-  </cs:dataPoint3D>
-  <cs:dataPointLine>
-    <cs:lnRef idx="0">
-      <cs:styleClr val="auto"/>
-    </cs:lnRef>
-    <cs:fillRef idx="1"/>
-    <cs:effectRef idx="0"/>
-    <cs:fontRef idx="minor">
-      <a:schemeClr val="tx1"/>
-    </cs:fontRef>
-    <cs:spPr>
-      <a:ln w="28575" cap="rnd">
-        <a:solidFill>
-          <a:schemeClr val="phClr"/>
-        </a:solidFill>
-        <a:round/>
-      </a:ln>
-    </cs:spPr>
-  </cs:dataPointLine>
-  <cs:dataPointMarker>
-    <cs:lnRef idx="0">
-      <cs:styleClr val="auto"/>
-    </cs:lnRef>
-    <cs:fillRef idx="1">
-      <cs:styleClr val="auto"/>
-    </cs:fillRef>
-    <cs:effectRef idx="0"/>
-    <cs:fontRef idx="minor">
-      <a:schemeClr val="tx1"/>
-    </cs:fontRef>
-    <cs:spPr>
-      <a:ln w="9525">
-        <a:solidFill>
-          <a:schemeClr val="phClr"/>
-        </a:solidFill>
-      </a:ln>
-    </cs:spPr>
-  </cs:dataPointMarker>
-  <cs:dataPointMarkerLayout symbol="circle" size="5"/>
-  <cs:dataPointWireframe>
-    <cs:lnRef idx="0">
-      <cs:styleClr val="auto"/>
-    </cs:lnRef>
-    <cs:fillRef idx="1"/>
-    <cs:effectRef idx="0"/>
-    <cs:fontRef idx="minor">
-      <a:schemeClr val="tx1"/>
-    </cs:fontRef>
-    <cs:spPr>
-      <a:ln w="9525" cap="rnd">
-        <a:solidFill>
-          <a:schemeClr val="phClr"/>
-        </a:solidFill>
-        <a:round/>
-      </a:ln>
-    </cs:spPr>
-  </cs:dataPointWireframe>
-  <cs:dataTable>
-    <cs:lnRef idx="0"/>
-    <cs:fillRef idx="0"/>
-    <cs:effectRef idx="0"/>
-    <cs:fontRef idx="minor">
-      <a:schemeClr val="tx1">
-        <a:lumMod val="65000"/>
-        <a:lumOff val="35000"/>
-      </a:schemeClr>
-    </cs:fontRef>
-    <cs:spPr>
-      <a:noFill/>
-      <a:ln w="9525" cap="flat" cmpd="sng" algn="ctr">
-        <a:solidFill>
-          <a:schemeClr val="tx1">
-            <a:lumMod val="15000"/>
-            <a:lumOff val="85000"/>
-          </a:schemeClr>
-        </a:solidFill>
-        <a:round/>
-      </a:ln>
-    </cs:spPr>
-    <cs:defRPr sz="900" kern="1200"/>
-  </cs:dataTable>
-  <cs:downBar>
-    <cs:lnRef idx="0"/>
-    <cs:fillRef idx="0"/>
-    <cs:effectRef idx="0"/>
-    <cs:fontRef idx="minor">
-      <a:schemeClr val="dk1"/>
-    </cs:fontRef>
-    <cs:spPr>
-      <a:solidFill>
-        <a:schemeClr val="dk1">
-          <a:lumMod val="65000"/>
-          <a:lumOff val="35000"/>
-        </a:schemeClr>
-      </a:solidFill>
-      <a:ln w="9525">
-        <a:solidFill>
-          <a:schemeClr val="tx1">
-            <a:lumMod val="65000"/>
-            <a:lumOff val="35000"/>
-          </a:schemeClr>
-        </a:solidFill>
-      </a:ln>
-    </cs:spPr>
-  </cs:downBar>
-  <cs:dropLine>
-    <cs:lnRef idx="0"/>
-    <cs:fillRef idx="0"/>
-    <cs:effectRef idx="0"/>
-    <cs:fontRef idx="minor">
-      <a:schemeClr val="tx1"/>
-    </cs:fontRef>
-    <cs:spPr>
-      <a:ln w="9525" cap="flat" cmpd="sng" algn="ctr">
-        <a:solidFill>
-          <a:schemeClr val="tx1">
-            <a:lumMod val="35000"/>
-            <a:lumOff val="65000"/>
-          </a:schemeClr>
-        </a:solidFill>
-        <a:round/>
-      </a:ln>
-    </cs:spPr>
-  </cs:dropLine>
-  <cs:errorBar>
-    <cs:lnRef idx="0"/>
-    <cs:fillRef idx="0"/>
-    <cs:effectRef idx="0"/>
-    <cs:fontRef idx="minor">
-      <a:schemeClr val="tx1"/>
-    </cs:fontRef>
-    <cs:spPr>
-      <a:ln w="9525" cap="flat" cmpd="sng" algn="ctr">
-        <a:solidFill>
-          <a:schemeClr val="tx1">
-            <a:lumMod val="65000"/>
-            <a:lumOff val="35000"/>
-          </a:schemeClr>
-        </a:solidFill>
-        <a:round/>
-      </a:ln>
-    </cs:spPr>
-  </cs:errorBar>
-  <cs:floor>
-    <cs:lnRef idx="0"/>
-    <cs:fillRef idx="0"/>
-    <cs:effectRef idx="0"/>
-    <cs:fontRef idx="minor">
-      <a:schemeClr val="tx1"/>
-    </cs:fontRef>
-    <cs:spPr>
-      <a:noFill/>
-      <a:ln>
-        <a:noFill/>
-      </a:ln>
-    </cs:spPr>
-  </cs:floor>
-  <cs:gridlineMajor>
-    <cs:lnRef idx="0"/>
-    <cs:fillRef idx="0"/>
-    <cs:effectRef idx="0"/>
-    <cs:fontRef idx="minor">
-      <a:schemeClr val="tx1"/>
-    </cs:fontRef>
-    <cs:spPr>
-      <a:ln w="9525" cap="flat" cmpd="sng" algn="ctr">
-        <a:solidFill>
-          <a:schemeClr val="tx1">
-            <a:lumMod val="15000"/>
-            <a:lumOff val="85000"/>
-          </a:schemeClr>
-        </a:solidFill>
-        <a:round/>
-      </a:ln>
-    </cs:spPr>
-  </cs:gridlineMajor>
-  <cs:gridlineMinor>
-    <cs:lnRef idx="0"/>
-    <cs:fillRef idx="0"/>
-    <cs:effectRef idx="0"/>
-    <cs:fontRef idx="minor">
-      <a:schemeClr val="tx1"/>
-    </cs:fontRef>
-    <cs:spPr>
-      <a:ln w="9525" cap="flat" cmpd="sng" algn="ctr">
-        <a:solidFill>
-          <a:schemeClr val="tx1">
-            <a:lumMod val="5000"/>
-            <a:lumOff val="95000"/>
-          </a:schemeClr>
-        </a:solidFill>
-        <a:round/>
-      </a:ln>
-    </cs:spPr>
-  </cs:gridlineMinor>
-  <cs:hiLoLine>
-    <cs:lnRef idx="0"/>
-    <cs:fillRef idx="0"/>
-    <cs:effectRef idx="0"/>
-    <cs:fontRef idx="minor">
-      <a:schemeClr val="tx1"/>
-    </cs:fontRef>
-    <cs:spPr>
-      <a:ln w="9525" cap="flat" cmpd="sng" algn="ctr">
-        <a:solidFill>
-          <a:schemeClr val="tx1">
-            <a:lumMod val="75000"/>
-            <a:lumOff val="25000"/>
-          </a:schemeClr>
-        </a:solidFill>
-        <a:round/>
-      </a:ln>
-    </cs:spPr>
-  </cs:hiLoLine>
-  <cs:leaderLine>
-    <cs:lnRef idx="0"/>
-    <cs:fillRef idx="0"/>
-    <cs:effectRef idx="0"/>
-    <cs:fontRef idx="minor">
-      <a:schemeClr val="tx1"/>
-    </cs:fontRef>
-    <cs:spPr>
-      <a:ln w="9525" cap="flat" cmpd="sng" algn="ctr">
-        <a:solidFill>
-          <a:schemeClr val="tx1">
-            <a:lumMod val="35000"/>
-            <a:lumOff val="65000"/>
-          </a:schemeClr>
-        </a:solidFill>
-        <a:round/>
-      </a:ln>
-    </cs:spPr>
-  </cs:leaderLine>
-  <cs:legend>
-    <cs:lnRef idx="0"/>
-    <cs:fillRef idx="0"/>
-    <cs:effectRef idx="0"/>
-    <cs:fontRef idx="minor">
-      <a:schemeClr val="tx1">
-        <a:lumMod val="65000"/>
-        <a:lumOff val="35000"/>
-      </a:schemeClr>
-    </cs:fontRef>
-    <cs:defRPr sz="900" kern="1200"/>
-  </cs:legend>
-  <cs:plotArea mods="allowNoFillOverride allowNoLineOverride">
-    <cs:lnRef idx="0"/>
-    <cs:fillRef idx="0"/>
-    <cs:effectRef idx="0"/>
-    <cs:fontRef idx="minor">
-      <a:schemeClr val="tx1"/>
-    </cs:fontRef>
-  </cs:plotArea>
-  <cs:plotArea3D mods="allowNoFillOverride allowNoLineOverride">
-    <cs:lnRef idx="0"/>
-    <cs:fillRef idx="0"/>
-    <cs:effectRef idx="0"/>
-    <cs:fontRef idx="minor">
-      <a:schemeClr val="tx1"/>
-    </cs:fontRef>
-  </cs:plotArea3D>
-  <cs:seriesAxis>
-    <cs:lnRef idx="0"/>
-    <cs:fillRef idx="0"/>
-    <cs:effectRef idx="0"/>
-    <cs:fontRef idx="minor">
-      <a:schemeClr val="tx1">
-        <a:lumMod val="65000"/>
-        <a:lumOff val="35000"/>
-      </a:schemeClr>
-    </cs:fontRef>
-    <cs:defRPr sz="900" kern="1200"/>
-  </cs:seriesAxis>
-  <cs:seriesLine>
-    <cs:lnRef idx="0"/>
-    <cs:fillRef idx="0"/>
-    <cs:effectRef idx="0"/>
-    <cs:fontRef idx="minor">
-      <a:schemeClr val="tx1"/>
-    </cs:fontRef>
-    <cs:spPr>
-      <a:ln w="9525" cap="flat" cmpd="sng" algn="ctr">
-        <a:solidFill>
-          <a:schemeClr val="tx1">
-            <a:lumMod val="35000"/>
-            <a:lumOff val="65000"/>
-          </a:schemeClr>
-        </a:solidFill>
-        <a:round/>
-      </a:ln>
-    </cs:spPr>
-  </cs:seriesLine>
-  <cs:title>
-    <cs:lnRef idx="0"/>
-    <cs:fillRef idx="0"/>
-    <cs:effectRef idx="0"/>
-    <cs:fontRef idx="minor">
-      <a:schemeClr val="tx1">
-        <a:lumMod val="65000"/>
-        <a:lumOff val="35000"/>
-      </a:schemeClr>
-    </cs:fontRef>
-    <cs:defRPr sz="1400" b="0" kern="1200" spc="0" baseline="0"/>
-  </cs:title>
-  <cs:trendline>
-    <cs:lnRef idx="0">
-      <cs:styleClr val="auto"/>
-    </cs:lnRef>
-    <cs:fillRef idx="0"/>
-    <cs:effectRef idx="0"/>
-    <cs:fontRef idx="minor">
-      <a:schemeClr val="tx1"/>
-    </cs:fontRef>
-    <cs:spPr>
-      <a:ln w="19050" cap="rnd">
-        <a:solidFill>
-          <a:schemeClr val="phClr"/>
-        </a:solidFill>
-        <a:prstDash val="sysDot"/>
-      </a:ln>
-    </cs:spPr>
-  </cs:trendline>
-  <cs:trendlineLabel>
-    <cs:lnRef idx="0"/>
-    <cs:fillRef idx="0"/>
-    <cs:effectRef idx="0"/>
-    <cs:fontRef idx="minor">
-      <a:schemeClr val="tx1">
-        <a:lumMod val="65000"/>
-        <a:lumOff val="35000"/>
-      </a:schemeClr>
-    </cs:fontRef>
-    <cs:defRPr sz="900" kern="1200"/>
-  </cs:trendlineLabel>
-  <cs:upBar>
-    <cs:lnRef idx="0"/>
-    <cs:fillRef idx="0"/>
-    <cs:effectRef idx="0"/>
-    <cs:fontRef idx="minor">
-      <a:schemeClr val="dk1"/>
-    </cs:fontRef>
-    <cs:spPr>
-      <a:solidFill>
-        <a:schemeClr val="lt1"/>
-      </a:solidFill>
-      <a:ln w="9525">
-        <a:solidFill>
-          <a:schemeClr val="tx1">
-            <a:lumMod val="15000"/>
-            <a:lumOff val="85000"/>
-          </a:schemeClr>
-        </a:solidFill>
-      </a:ln>
-    </cs:spPr>
-  </cs:upBar>
-  <cs:valueAxis>
-    <cs:lnRef idx="0"/>
-    <cs:fillRef idx="0"/>
-    <cs:effectRef idx="0"/>
-    <cs:fontRef idx="minor">
-      <a:schemeClr val="tx1">
-        <a:lumMod val="65000"/>
-        <a:lumOff val="35000"/>
-      </a:schemeClr>
-    </cs:fontRef>
-    <cs:defRPr sz="900" kern="1200"/>
-  </cs:valueAxis>
-  <cs:wall>
-    <cs:lnRef idx="0"/>
-    <cs:fillRef idx="0"/>
-    <cs:effectRef idx="0"/>
-    <cs:fontRef idx="minor">
-      <a:schemeClr val="tx1"/>
-    </cs:fontRef>
-    <cs:spPr>
-      <a:noFill/>
-      <a:ln>
-        <a:noFill/>
-      </a:ln>
-    </cs:spPr>
-  </cs:wall>
-</cs:chartStyle>
-</file>
-
-<file path=ppt/charts/style16.xml><?xml version="1.0" encoding="utf-8"?>
-<cs:chartStyle xmlns:cs="http://schemas.microsoft.com/office/drawing/2012/chartStyle" xmlns:a="http://schemas.openxmlformats.org/drawingml/2006/main" id="201">
-  <cs:axisTitle>
-    <cs:lnRef idx="0"/>
-    <cs:fillRef idx="0"/>
-    <cs:effectRef idx="0"/>
-    <cs:fontRef idx="minor">
-      <a:schemeClr val="tx1">
-        <a:lumMod val="65000"/>
-        <a:lumOff val="35000"/>
-      </a:schemeClr>
-    </cs:fontRef>
-    <cs:defRPr sz="1000" kern="1200"/>
-  </cs:axisTitle>
-  <cs:categoryAxis>
-    <cs:lnRef idx="0"/>
-    <cs:fillRef idx="0"/>
-    <cs:effectRef idx="0"/>
-    <cs:fontRef idx="minor">
-      <a:schemeClr val="tx1">
-        <a:lumMod val="65000"/>
-        <a:lumOff val="35000"/>
-      </a:schemeClr>
-    </cs:fontRef>
-    <cs:spPr>
-      <a:ln w="9525" cap="flat" cmpd="sng" algn="ctr">
-        <a:solidFill>
-          <a:schemeClr val="tx1">
-            <a:lumMod val="15000"/>
-            <a:lumOff val="85000"/>
-          </a:schemeClr>
-        </a:solidFill>
-        <a:round/>
-      </a:ln>
-    </cs:spPr>
-    <cs:defRPr sz="900" kern="1200"/>
-  </cs:categoryAxis>
-  <cs:chartArea mods="allowNoFillOverride allowNoLineOverride">
-    <cs:lnRef idx="0"/>
-    <cs:fillRef idx="0"/>
-    <cs:effectRef idx="0"/>
-    <cs:fontRef idx="minor">
-      <a:schemeClr val="tx1"/>
-    </cs:fontRef>
-    <cs:spPr>
-      <a:solidFill>
-        <a:schemeClr val="bg1"/>
-      </a:solidFill>
-      <a:ln w="9525" cap="flat" cmpd="sng" algn="ctr">
-        <a:solidFill>
-          <a:schemeClr val="tx1">
-            <a:lumMod val="15000"/>
-            <a:lumOff val="85000"/>
-          </a:schemeClr>
-        </a:solidFill>
-        <a:round/>
-      </a:ln>
-    </cs:spPr>
-    <cs:defRPr sz="1000" kern="1200"/>
-  </cs:chartArea>
-  <cs:dataLabel>
-    <cs:lnRef idx="0"/>
-    <cs:fillRef idx="0"/>
-    <cs:effectRef idx="0"/>
-    <cs:fontRef idx="minor">
-      <a:schemeClr val="tx1">
-        <a:lumMod val="75000"/>
-        <a:lumOff val="25000"/>
-      </a:schemeClr>
-    </cs:fontRef>
-    <cs:defRPr sz="900" kern="1200"/>
-  </cs:dataLabel>
-  <cs:dataLabelCallout>
-    <cs:lnRef idx="0"/>
-    <cs:fillRef idx="0"/>
-    <cs:effectRef idx="0"/>
-    <cs:fontRef idx="minor">
-      <a:schemeClr val="dk1">
-        <a:lumMod val="65000"/>
-        <a:lumOff val="35000"/>
-      </a:schemeClr>
-    </cs:fontRef>
-    <cs:spPr>
-      <a:solidFill>
-        <a:schemeClr val="lt1"/>
-      </a:solidFill>
-      <a:ln>
-        <a:solidFill>
-          <a:schemeClr val="dk1">
-            <a:lumMod val="25000"/>
-            <a:lumOff val="75000"/>
-          </a:schemeClr>
-        </a:solidFill>
-      </a:ln>
-    </cs:spPr>
-    <cs:defRPr sz="900" kern="1200"/>
-    <cs:bodyPr rot="0" spcFirstLastPara="1" vertOverflow="clip" horzOverflow="clip" vert="horz" wrap="square" lIns="36576" tIns="18288" rIns="36576" bIns="18288" anchor="ctr" anchorCtr="1">
-      <a:spAutoFit/>
-    </cs:bodyPr>
-  </cs:dataLabelCallout>
-  <cs:dataPoint>
-    <cs:lnRef idx="0"/>
-    <cs:fillRef idx="1">
-      <cs:styleClr val="auto"/>
-    </cs:fillRef>
-    <cs:effectRef idx="0"/>
-    <cs:fontRef idx="minor">
-      <a:schemeClr val="tx1"/>
-    </cs:fontRef>
-  </cs:dataPoint>
-  <cs:dataPoint3D>
-    <cs:lnRef idx="0"/>
-    <cs:fillRef idx="1">
-      <cs:styleClr val="auto"/>
-    </cs:fillRef>
-    <cs:effectRef idx="0"/>
-    <cs:fontRef idx="minor">
-      <a:schemeClr val="tx1"/>
-    </cs:fontRef>
-  </cs:dataPoint3D>
-  <cs:dataPointLine>
-    <cs:lnRef idx="0">
-      <cs:styleClr val="auto"/>
-    </cs:lnRef>
-    <cs:fillRef idx="1"/>
-    <cs:effectRef idx="0"/>
-    <cs:fontRef idx="minor">
-      <a:schemeClr val="tx1"/>
-    </cs:fontRef>
-    <cs:spPr>
-      <a:ln w="28575" cap="rnd">
-        <a:solidFill>
-          <a:schemeClr val="phClr"/>
-        </a:solidFill>
-        <a:round/>
-      </a:ln>
-    </cs:spPr>
-  </cs:dataPointLine>
-  <cs:dataPointMarker>
-    <cs:lnRef idx="0">
-      <cs:styleClr val="auto"/>
-    </cs:lnRef>
-    <cs:fillRef idx="1">
-      <cs:styleClr val="auto"/>
-    </cs:fillRef>
-    <cs:effectRef idx="0"/>
-    <cs:fontRef idx="minor">
-      <a:schemeClr val="tx1"/>
-    </cs:fontRef>
-    <cs:spPr>
-      <a:ln w="9525">
-        <a:solidFill>
-          <a:schemeClr val="phClr"/>
-        </a:solidFill>
-      </a:ln>
-    </cs:spPr>
-  </cs:dataPointMarker>
-  <cs:dataPointMarkerLayout symbol="circle" size="5"/>
-  <cs:dataPointWireframe>
-    <cs:lnRef idx="0">
-      <cs:styleClr val="auto"/>
-    </cs:lnRef>
-    <cs:fillRef idx="1"/>
-    <cs:effectRef idx="0"/>
-    <cs:fontRef idx="minor">
-      <a:schemeClr val="tx1"/>
-    </cs:fontRef>
-    <cs:spPr>
-      <a:ln w="9525" cap="rnd">
-        <a:solidFill>
-          <a:schemeClr val="phClr"/>
-        </a:solidFill>
-        <a:round/>
-      </a:ln>
-    </cs:spPr>
-  </cs:dataPointWireframe>
-  <cs:dataTable>
-    <cs:lnRef idx="0"/>
-    <cs:fillRef idx="0"/>
-    <cs:effectRef idx="0"/>
-    <cs:fontRef idx="minor">
-      <a:schemeClr val="tx1">
-        <a:lumMod val="65000"/>
-        <a:lumOff val="35000"/>
-      </a:schemeClr>
-    </cs:fontRef>
-    <cs:spPr>
-      <a:noFill/>
-      <a:ln w="9525" cap="flat" cmpd="sng" algn="ctr">
-        <a:solidFill>
-          <a:schemeClr val="tx1">
-            <a:lumMod val="15000"/>
-            <a:lumOff val="85000"/>
-          </a:schemeClr>
-        </a:solidFill>
-        <a:round/>
-      </a:ln>
-    </cs:spPr>
-    <cs:defRPr sz="900" kern="1200"/>
-  </cs:dataTable>
-  <cs:downBar>
-    <cs:lnRef idx="0"/>
-    <cs:fillRef idx="0"/>
-    <cs:effectRef idx="0"/>
-    <cs:fontRef idx="minor">
-      <a:schemeClr val="dk1"/>
-    </cs:fontRef>
-    <cs:spPr>
-      <a:solidFill>
-        <a:schemeClr val="dk1">
-          <a:lumMod val="65000"/>
-          <a:lumOff val="35000"/>
-        </a:schemeClr>
-      </a:solidFill>
-      <a:ln w="9525">
-        <a:solidFill>
-          <a:schemeClr val="tx1">
-            <a:lumMod val="65000"/>
-            <a:lumOff val="35000"/>
-          </a:schemeClr>
-        </a:solidFill>
-      </a:ln>
-    </cs:spPr>
-  </cs:downBar>
-  <cs:dropLine>
-    <cs:lnRef idx="0"/>
-    <cs:fillRef idx="0"/>
-    <cs:effectRef idx="0"/>
-    <cs:fontRef idx="minor">
-      <a:schemeClr val="tx1"/>
-    </cs:fontRef>
-    <cs:spPr>
-      <a:ln w="9525" cap="flat" cmpd="sng" algn="ctr">
-        <a:solidFill>
-          <a:schemeClr val="tx1">
-            <a:lumMod val="35000"/>
-            <a:lumOff val="65000"/>
-          </a:schemeClr>
-        </a:solidFill>
-        <a:round/>
-      </a:ln>
-    </cs:spPr>
-  </cs:dropLine>
-  <cs:errorBar>
-    <cs:lnRef idx="0"/>
-    <cs:fillRef idx="0"/>
-    <cs:effectRef idx="0"/>
-    <cs:fontRef idx="minor">
-      <a:schemeClr val="tx1"/>
-    </cs:fontRef>
-    <cs:spPr>
-      <a:ln w="9525" cap="flat" cmpd="sng" algn="ctr">
-        <a:solidFill>
-          <a:schemeClr val="tx1">
-            <a:lumMod val="65000"/>
-            <a:lumOff val="35000"/>
-          </a:schemeClr>
-        </a:solidFill>
-        <a:round/>
-      </a:ln>
-    </cs:spPr>
-  </cs:errorBar>
-  <cs:floor>
-    <cs:lnRef idx="0"/>
-    <cs:fillRef idx="0"/>
-    <cs:effectRef idx="0"/>
-    <cs:fontRef idx="minor">
-      <a:schemeClr val="tx1"/>
-    </cs:fontRef>
-    <cs:spPr>
-      <a:noFill/>
-      <a:ln>
-        <a:noFill/>
-      </a:ln>
-    </cs:spPr>
-  </cs:floor>
-  <cs:gridlineMajor>
-    <cs:lnRef idx="0"/>
-    <cs:fillRef idx="0"/>
-    <cs:effectRef idx="0"/>
-    <cs:fontRef idx="minor">
-      <a:schemeClr val="tx1"/>
-    </cs:fontRef>
-    <cs:spPr>
-      <a:ln w="9525" cap="flat" cmpd="sng" algn="ctr">
-        <a:solidFill>
-          <a:schemeClr val="tx1">
-            <a:lumMod val="15000"/>
-            <a:lumOff val="85000"/>
-          </a:schemeClr>
-        </a:solidFill>
-        <a:round/>
-      </a:ln>
-    </cs:spPr>
-  </cs:gridlineMajor>
-  <cs:gridlineMinor>
-    <cs:lnRef idx="0"/>
-    <cs:fillRef idx="0"/>
-    <cs:effectRef idx="0"/>
-    <cs:fontRef idx="minor">
-      <a:schemeClr val="tx1"/>
-    </cs:fontRef>
-    <cs:spPr>
-      <a:ln w="9525" cap="flat" cmpd="sng" algn="ctr">
-        <a:solidFill>
-          <a:schemeClr val="tx1">
-            <a:lumMod val="5000"/>
-            <a:lumOff val="95000"/>
-          </a:schemeClr>
-        </a:solidFill>
-        <a:round/>
-      </a:ln>
-    </cs:spPr>
-  </cs:gridlineMinor>
-  <cs:hiLoLine>
-    <cs:lnRef idx="0"/>
-    <cs:fillRef idx="0"/>
-    <cs:effectRef idx="0"/>
-    <cs:fontRef idx="minor">
-      <a:schemeClr val="tx1"/>
-    </cs:fontRef>
-    <cs:spPr>
-      <a:ln w="9525" cap="flat" cmpd="sng" algn="ctr">
-        <a:solidFill>
-          <a:schemeClr val="tx1">
-            <a:lumMod val="75000"/>
-            <a:lumOff val="25000"/>
-          </a:schemeClr>
-        </a:solidFill>
-        <a:round/>
-      </a:ln>
-    </cs:spPr>
-  </cs:hiLoLine>
-  <cs:leaderLine>
-    <cs:lnRef idx="0"/>
-    <cs:fillRef idx="0"/>
-    <cs:effectRef idx="0"/>
-    <cs:fontRef idx="minor">
-      <a:schemeClr val="tx1"/>
-    </cs:fontRef>
-    <cs:spPr>
-      <a:ln w="9525" cap="flat" cmpd="sng" algn="ctr">
-        <a:solidFill>
-          <a:schemeClr val="tx1">
-            <a:lumMod val="35000"/>
-            <a:lumOff val="65000"/>
-          </a:schemeClr>
-        </a:solidFill>
-        <a:round/>
-      </a:ln>
-    </cs:spPr>
-  </cs:leaderLine>
-  <cs:legend>
-    <cs:lnRef idx="0"/>
-    <cs:fillRef idx="0"/>
-    <cs:effectRef idx="0"/>
-    <cs:fontRef idx="minor">
-      <a:schemeClr val="tx1">
-        <a:lumMod val="65000"/>
-        <a:lumOff val="35000"/>
-      </a:schemeClr>
-    </cs:fontRef>
-    <cs:defRPr sz="900" kern="1200"/>
-  </cs:legend>
-  <cs:plotArea mods="allowNoFillOverride allowNoLineOverride">
-    <cs:lnRef idx="0"/>
-    <cs:fillRef idx="0"/>
-    <cs:effectRef idx="0"/>
-    <cs:fontRef idx="minor">
-      <a:schemeClr val="tx1"/>
-    </cs:fontRef>
-  </cs:plotArea>
-  <cs:plotArea3D mods="allowNoFillOverride allowNoLineOverride">
-    <cs:lnRef idx="0"/>
-    <cs:fillRef idx="0"/>
-    <cs:effectRef idx="0"/>
-    <cs:fontRef idx="minor">
-      <a:schemeClr val="tx1"/>
-    </cs:fontRef>
-  </cs:plotArea3D>
-  <cs:seriesAxis>
-    <cs:lnRef idx="0"/>
-    <cs:fillRef idx="0"/>
-    <cs:effectRef idx="0"/>
-    <cs:fontRef idx="minor">
-      <a:schemeClr val="tx1">
-        <a:lumMod val="65000"/>
-        <a:lumOff val="35000"/>
-      </a:schemeClr>
-    </cs:fontRef>
-    <cs:defRPr sz="900" kern="1200"/>
-  </cs:seriesAxis>
-  <cs:seriesLine>
-    <cs:lnRef idx="0"/>
-    <cs:fillRef idx="0"/>
-    <cs:effectRef idx="0"/>
-    <cs:fontRef idx="minor">
-      <a:schemeClr val="tx1"/>
-    </cs:fontRef>
-    <cs:spPr>
-      <a:ln w="9525" cap="flat" cmpd="sng" algn="ctr">
-        <a:solidFill>
-          <a:schemeClr val="tx1">
-            <a:lumMod val="35000"/>
-            <a:lumOff val="65000"/>
-          </a:schemeClr>
-        </a:solidFill>
-        <a:round/>
-      </a:ln>
-    </cs:spPr>
-  </cs:seriesLine>
-  <cs:title>
-    <cs:lnRef idx="0"/>
-    <cs:fillRef idx="0"/>
-    <cs:effectRef idx="0"/>
-    <cs:fontRef idx="minor">
-      <a:schemeClr val="tx1">
-        <a:lumMod val="65000"/>
-        <a:lumOff val="35000"/>
-      </a:schemeClr>
-    </cs:fontRef>
-    <cs:defRPr sz="1400" b="0" kern="1200" spc="0" baseline="0"/>
-  </cs:title>
-  <cs:trendline>
-    <cs:lnRef idx="0">
-      <cs:styleClr val="auto"/>
-    </cs:lnRef>
-    <cs:fillRef idx="0"/>
-    <cs:effectRef idx="0"/>
-    <cs:fontRef idx="minor">
-      <a:schemeClr val="tx1"/>
-    </cs:fontRef>
-    <cs:spPr>
-      <a:ln w="19050" cap="rnd">
-        <a:solidFill>
-          <a:schemeClr val="phClr"/>
-        </a:solidFill>
-        <a:prstDash val="sysDot"/>
-      </a:ln>
-    </cs:spPr>
-  </cs:trendline>
-  <cs:trendlineLabel>
-    <cs:lnRef idx="0"/>
-    <cs:fillRef idx="0"/>
-    <cs:effectRef idx="0"/>
-    <cs:fontRef idx="minor">
-      <a:schemeClr val="tx1">
-        <a:lumMod val="65000"/>
-        <a:lumOff val="35000"/>
-      </a:schemeClr>
-    </cs:fontRef>
-    <cs:defRPr sz="900" kern="1200"/>
-  </cs:trendlineLabel>
-  <cs:upBar>
-    <cs:lnRef idx="0"/>
-    <cs:fillRef idx="0"/>
-    <cs:effectRef idx="0"/>
-    <cs:fontRef idx="minor">
-      <a:schemeClr val="dk1"/>
-    </cs:fontRef>
-    <cs:spPr>
-      <a:solidFill>
-        <a:schemeClr val="lt1"/>
-      </a:solidFill>
-      <a:ln w="9525">
-        <a:solidFill>
-          <a:schemeClr val="tx1">
-            <a:lumMod val="15000"/>
-            <a:lumOff val="85000"/>
-          </a:schemeClr>
-        </a:solidFill>
-      </a:ln>
-    </cs:spPr>
-  </cs:upBar>
-  <cs:valueAxis>
-    <cs:lnRef idx="0"/>
-    <cs:fillRef idx="0"/>
-    <cs:effectRef idx="0"/>
-    <cs:fontRef idx="minor">
-      <a:schemeClr val="tx1">
-        <a:lumMod val="65000"/>
-        <a:lumOff val="35000"/>
-      </a:schemeClr>
-    </cs:fontRef>
-    <cs:defRPr sz="900" kern="1200"/>
-  </cs:valueAxis>
-  <cs:wall>
-    <cs:lnRef idx="0"/>
-    <cs:fillRef idx="0"/>
-    <cs:effectRef idx="0"/>
-    <cs:fontRef idx="minor">
-      <a:schemeClr val="tx1"/>
-    </cs:fontRef>
-    <cs:spPr>
-      <a:noFill/>
-      <a:ln>
-        <a:noFill/>
-      </a:ln>
-    </cs:spPr>
-  </cs:wall>
-</cs:chartStyle>
-</file>
-
-<file path=ppt/charts/style17.xml><?xml version="1.0" encoding="utf-8"?>
 <cs:chartStyle xmlns:cs="http://schemas.microsoft.com/office/drawing/2012/chartStyle" xmlns:a="http://schemas.openxmlformats.org/drawingml/2006/main" id="227">
   <cs:axisTitle>
     <cs:lnRef idx="0"/>
@@ -23760,143 +20722,11 @@
   <cdr:relSizeAnchor xmlns:cdr="http://schemas.openxmlformats.org/drawingml/2006/chartDrawing">
     <cdr:from>
       <cdr:x>0</cdr:x>
-      <cdr:y>0.76408</cdr:y>
+      <cdr:y>0.74491</cdr:y>
     </cdr:from>
     <cdr:to>
-      <cdr:x>0.15854</cdr:x>
-      <cdr:y>0.86255</cdr:y>
-    </cdr:to>
-    <mc:AlternateContent xmlns:mc="http://schemas.openxmlformats.org/markup-compatibility/2006">
-      <mc:Choice xmlns:a14="http://schemas.microsoft.com/office/drawing/2010/main" Requires="a14">
-        <cdr:sp macro="" textlink="">
-          <cdr:nvSpPr>
-            <cdr:cNvPr id="2" name="CaixaDeTexto 1">
-              <a:extLst xmlns:a="http://schemas.openxmlformats.org/drawingml/2006/main">
-                <a:ext uri="{FF2B5EF4-FFF2-40B4-BE49-F238E27FC236}">
-                  <a16:creationId xmlns:a16="http://schemas.microsoft.com/office/drawing/2014/main" id="{AF9CA311-7E51-4E99-A49C-6ED7ED9A3B34}"/>
-                </a:ext>
-              </a:extLst>
-            </cdr:cNvPr>
-            <cdr:cNvSpPr txBox="1"/>
-          </cdr:nvSpPr>
-          <cdr:spPr>
-            <a:xfrm xmlns:a="http://schemas.openxmlformats.org/drawingml/2006/main">
-              <a:off x="0" y="3731478"/>
-              <a:ext cx="1337320" cy="480889"/>
-            </a:xfrm>
-            <a:prstGeom xmlns:a="http://schemas.openxmlformats.org/drawingml/2006/main" prst="rect">
-              <a:avLst/>
-            </a:prstGeom>
-          </cdr:spPr>
-          <cdr:txBody>
-            <a:bodyPr xmlns:a="http://schemas.openxmlformats.org/drawingml/2006/main" vertOverflow="clip" wrap="square" rtlCol="0"/>
-            <a:lstStyle xmlns:a="http://schemas.openxmlformats.org/drawingml/2006/main"/>
-            <a:p xmlns:a="http://schemas.openxmlformats.org/drawingml/2006/main">
-              <a:pPr/>
-              <a14:m>
-                <m:oMathPara xmlns:m="http://schemas.openxmlformats.org/officeDocument/2006/math">
-                  <m:oMathParaPr>
-                    <m:jc m:val="centerGroup"/>
-                  </m:oMathParaPr>
-                  <m:oMath xmlns:m="http://schemas.openxmlformats.org/officeDocument/2006/math">
-                    <m:f>
-                      <m:fPr>
-                        <m:type m:val="lin"/>
-                        <m:ctrlPr>
-                          <a:rPr lang="pt-PT" sz="800" i="1">
-                            <a:latin typeface="Cambria Math" panose="02040503050406030204" pitchFamily="18" charset="0"/>
-                          </a:rPr>
-                        </m:ctrlPr>
-                      </m:fPr>
-                      <m:num>
-                        <m:r>
-                          <a:rPr lang="pt-PT" sz="800" b="0" i="1">
-                            <a:latin typeface="Cambria Math" panose="02040503050406030204" pitchFamily="18" charset="0"/>
-                          </a:rPr>
-                          <m:t>𝑁𝑜𝑚𝑒</m:t>
-                        </m:r>
-                      </m:num>
-                      <m:den>
-                        <m:r>
-                          <a:rPr lang="pt-PT" sz="800" b="0" i="1">
-                            <a:latin typeface="Cambria Math" panose="02040503050406030204" pitchFamily="18" charset="0"/>
-                          </a:rPr>
-                          <m:t>𝐺𝑒𝑟𝑎</m:t>
-                        </m:r>
-                        <m:r>
-                          <a:rPr lang="pt-PT" sz="800" b="0" i="1">
-                            <a:latin typeface="Cambria Math" panose="02040503050406030204" pitchFamily="18" charset="0"/>
-                          </a:rPr>
-                          <m:t>çã</m:t>
-                        </m:r>
-                        <m:r>
-                          <a:rPr lang="pt-PT" sz="800" b="0" i="1">
-                            <a:latin typeface="Cambria Math" panose="02040503050406030204" pitchFamily="18" charset="0"/>
-                          </a:rPr>
-                          <m:t>𝑜</m:t>
-                        </m:r>
-                      </m:den>
-                    </m:f>
-                  </m:oMath>
-                </m:oMathPara>
-              </a14:m>
-              <a:endParaRPr lang="pt-PT" sz="800" dirty="0"/>
-            </a:p>
-          </cdr:txBody>
-        </cdr:sp>
-      </mc:Choice>
-      <mc:Fallback>
-        <cdr:sp macro="" textlink="">
-          <cdr:nvSpPr>
-            <cdr:cNvPr id="2" name="CaixaDeTexto 1">
-              <a:extLst xmlns:a="http://schemas.openxmlformats.org/drawingml/2006/main">
-                <a:ext uri="{FF2B5EF4-FFF2-40B4-BE49-F238E27FC236}">
-                  <a16:creationId xmlns:a16="http://schemas.microsoft.com/office/drawing/2014/main" id="{AF9CA311-7E51-4E99-A49C-6ED7ED9A3B34}"/>
-                </a:ext>
-              </a:extLst>
-            </cdr:cNvPr>
-            <cdr:cNvSpPr txBox="1"/>
-          </cdr:nvSpPr>
-          <cdr:spPr>
-            <a:xfrm xmlns:a="http://schemas.openxmlformats.org/drawingml/2006/main">
-              <a:off x="0" y="3731478"/>
-              <a:ext cx="1337320" cy="480889"/>
-            </a:xfrm>
-            <a:prstGeom xmlns:a="http://schemas.openxmlformats.org/drawingml/2006/main" prst="rect">
-              <a:avLst/>
-            </a:prstGeom>
-          </cdr:spPr>
-          <cdr:txBody>
-            <a:bodyPr xmlns:a="http://schemas.openxmlformats.org/drawingml/2006/main" vertOverflow="clip" wrap="square" rtlCol="0"/>
-            <a:lstStyle xmlns:a="http://schemas.openxmlformats.org/drawingml/2006/main"/>
-            <a:p xmlns:a="http://schemas.openxmlformats.org/drawingml/2006/main">
-              <a:pPr/>
-              <a:r>
-                <a:rPr lang="pt-PT" sz="800" b="0" i="0">
-                  <a:latin typeface="Cambria Math" panose="02040503050406030204" pitchFamily="18" charset="0"/>
-                </a:rPr>
-                <a:t>𝑁𝑜𝑚𝑒∕𝐺𝑒𝑟𝑎çã𝑜</a:t>
-              </a:r>
-              <a:endParaRPr lang="pt-PT" sz="800" dirty="0"/>
-            </a:p>
-          </cdr:txBody>
-        </cdr:sp>
-      </mc:Fallback>
-    </mc:AlternateContent>
-  </cdr:relSizeAnchor>
-</c:userShapes>
-</file>
-
-<file path=ppt/drawings/drawing2.xml><?xml version="1.0" encoding="utf-8"?>
-<c:userShapes xmlns:c="http://schemas.openxmlformats.org/drawingml/2006/chart">
-  <cdr:relSizeAnchor xmlns:cdr="http://schemas.openxmlformats.org/drawingml/2006/chartDrawing">
-    <cdr:from>
-      <cdr:x>0</cdr:x>
-      <cdr:y>0.76408</cdr:y>
-    </cdr:from>
-    <cdr:to>
-      <cdr:x>0.15854</cdr:x>
-      <cdr:y>0.86255</cdr:y>
+      <cdr:x>0.1675</cdr:x>
+      <cdr:y>0.84338</cdr:y>
     </cdr:to>
     <cdr:sp macro="" textlink="">
       <cdr:nvSpPr>
@@ -23911,8 +20741,8 @@
       </cdr:nvSpPr>
       <cdr:spPr>
         <a:xfrm xmlns:a="http://schemas.openxmlformats.org/drawingml/2006/main">
-          <a:off x="0" y="3731478"/>
-          <a:ext cx="1337320" cy="480889"/>
+          <a:off x="0" y="3371438"/>
+          <a:ext cx="1378496" cy="445671"/>
         </a:xfrm>
         <a:prstGeom xmlns:a="http://schemas.openxmlformats.org/drawingml/2006/main" prst="rect">
           <a:avLst/>
@@ -23937,276 +20767,16 @@
 </c:userShapes>
 </file>
 
-<file path=ppt/drawings/drawing3.xml><?xml version="1.0" encoding="utf-8"?>
+<file path=ppt/drawings/drawing2.xml><?xml version="1.0" encoding="utf-8"?>
 <c:userShapes xmlns:c="http://schemas.openxmlformats.org/drawingml/2006/chart">
   <cdr:relSizeAnchor xmlns:cdr="http://schemas.openxmlformats.org/drawingml/2006/chartDrawing">
     <cdr:from>
       <cdr:x>0</cdr:x>
-      <cdr:y>0.76742</cdr:y>
+      <cdr:y>0.74478</cdr:y>
     </cdr:from>
     <cdr:to>
-      <cdr:x>0.15875</cdr:x>
-      <cdr:y>0.86546</cdr:y>
-    </cdr:to>
-    <mc:AlternateContent xmlns:mc="http://schemas.openxmlformats.org/markup-compatibility/2006">
-      <mc:Choice xmlns:a14="http://schemas.microsoft.com/office/drawing/2010/main" Requires="a14">
-        <cdr:sp macro="" textlink="">
-          <cdr:nvSpPr>
-            <cdr:cNvPr id="2" name="CaixaDeTexto 1">
-              <a:extLst xmlns:a="http://schemas.openxmlformats.org/drawingml/2006/main">
-                <a:ext uri="{FF2B5EF4-FFF2-40B4-BE49-F238E27FC236}">
-                  <a16:creationId xmlns:a16="http://schemas.microsoft.com/office/drawing/2014/main" id="{63E8B198-3C56-4B40-B4D1-F14BF473AF7D}"/>
-                </a:ext>
-              </a:extLst>
-            </cdr:cNvPr>
-            <cdr:cNvSpPr txBox="1"/>
-          </cdr:nvSpPr>
-          <cdr:spPr>
-            <a:xfrm xmlns:a="http://schemas.openxmlformats.org/drawingml/2006/main">
-              <a:off x="0" y="3801496"/>
-              <a:ext cx="1306488" cy="485653"/>
-            </a:xfrm>
-            <a:prstGeom xmlns:a="http://schemas.openxmlformats.org/drawingml/2006/main" prst="rect">
-              <a:avLst/>
-            </a:prstGeom>
-          </cdr:spPr>
-          <cdr:txBody>
-            <a:bodyPr xmlns:a="http://schemas.openxmlformats.org/drawingml/2006/main" wrap="square" rtlCol="0"/>
-            <a:lstStyle xmlns:a="http://schemas.openxmlformats.org/drawingml/2006/main">
-              <a:lvl1pPr marL="0" indent="0">
-                <a:defRPr sz="1100">
-                  <a:latin typeface="+mn-lt"/>
-                  <a:ea typeface="+mn-ea"/>
-                  <a:cs typeface="+mn-cs"/>
-                </a:defRPr>
-              </a:lvl1pPr>
-              <a:lvl2pPr marL="457200" indent="0">
-                <a:defRPr sz="1100">
-                  <a:latin typeface="+mn-lt"/>
-                  <a:ea typeface="+mn-ea"/>
-                  <a:cs typeface="+mn-cs"/>
-                </a:defRPr>
-              </a:lvl2pPr>
-              <a:lvl3pPr marL="914400" indent="0">
-                <a:defRPr sz="1100">
-                  <a:latin typeface="+mn-lt"/>
-                  <a:ea typeface="+mn-ea"/>
-                  <a:cs typeface="+mn-cs"/>
-                </a:defRPr>
-              </a:lvl3pPr>
-              <a:lvl4pPr marL="1371600" indent="0">
-                <a:defRPr sz="1100">
-                  <a:latin typeface="+mn-lt"/>
-                  <a:ea typeface="+mn-ea"/>
-                  <a:cs typeface="+mn-cs"/>
-                </a:defRPr>
-              </a:lvl4pPr>
-              <a:lvl5pPr marL="1828800" indent="0">
-                <a:defRPr sz="1100">
-                  <a:latin typeface="+mn-lt"/>
-                  <a:ea typeface="+mn-ea"/>
-                  <a:cs typeface="+mn-cs"/>
-                </a:defRPr>
-              </a:lvl5pPr>
-              <a:lvl6pPr marL="2286000" indent="0">
-                <a:defRPr sz="1100">
-                  <a:latin typeface="+mn-lt"/>
-                  <a:ea typeface="+mn-ea"/>
-                  <a:cs typeface="+mn-cs"/>
-                </a:defRPr>
-              </a:lvl6pPr>
-              <a:lvl7pPr marL="2743200" indent="0">
-                <a:defRPr sz="1100">
-                  <a:latin typeface="+mn-lt"/>
-                  <a:ea typeface="+mn-ea"/>
-                  <a:cs typeface="+mn-cs"/>
-                </a:defRPr>
-              </a:lvl7pPr>
-              <a:lvl8pPr marL="3200400" indent="0">
-                <a:defRPr sz="1100">
-                  <a:latin typeface="+mn-lt"/>
-                  <a:ea typeface="+mn-ea"/>
-                  <a:cs typeface="+mn-cs"/>
-                </a:defRPr>
-              </a:lvl8pPr>
-              <a:lvl9pPr marL="3657600" indent="0">
-                <a:defRPr sz="1100">
-                  <a:latin typeface="+mn-lt"/>
-                  <a:ea typeface="+mn-ea"/>
-                  <a:cs typeface="+mn-cs"/>
-                </a:defRPr>
-              </a:lvl9pPr>
-            </a:lstStyle>
-            <a:p xmlns:a="http://schemas.openxmlformats.org/drawingml/2006/main">
-              <a:pPr/>
-              <a14:m>
-                <m:oMathPara xmlns:m="http://schemas.openxmlformats.org/officeDocument/2006/math">
-                  <m:oMathParaPr>
-                    <m:jc m:val="centerGroup"/>
-                  </m:oMathParaPr>
-                  <m:oMath xmlns:m="http://schemas.openxmlformats.org/officeDocument/2006/math">
-                    <m:f>
-                      <m:fPr>
-                        <m:type m:val="lin"/>
-                        <m:ctrlPr>
-                          <a:rPr lang="pt-PT" sz="800" i="1">
-                            <a:latin typeface="Cambria Math" panose="02040503050406030204" pitchFamily="18" charset="0"/>
-                          </a:rPr>
-                        </m:ctrlPr>
-                      </m:fPr>
-                      <m:num>
-                        <m:r>
-                          <a:rPr lang="pt-PT" sz="800" b="0" i="1">
-                            <a:latin typeface="Cambria Math" panose="02040503050406030204" pitchFamily="18" charset="0"/>
-                          </a:rPr>
-                          <m:t>𝑁𝑜𝑚𝑒</m:t>
-                        </m:r>
-                      </m:num>
-                      <m:den>
-                        <m:r>
-                          <a:rPr lang="pt-PT" sz="800" b="0" i="1">
-                            <a:latin typeface="Cambria Math" panose="02040503050406030204" pitchFamily="18" charset="0"/>
-                          </a:rPr>
-                          <m:t>𝐺𝑒𝑟𝑎</m:t>
-                        </m:r>
-                        <m:r>
-                          <a:rPr lang="pt-PT" sz="800" b="0" i="1">
-                            <a:latin typeface="Cambria Math" panose="02040503050406030204" pitchFamily="18" charset="0"/>
-                          </a:rPr>
-                          <m:t>çã</m:t>
-                        </m:r>
-                        <m:r>
-                          <a:rPr lang="pt-PT" sz="800" b="0" i="1">
-                            <a:latin typeface="Cambria Math" panose="02040503050406030204" pitchFamily="18" charset="0"/>
-                          </a:rPr>
-                          <m:t>𝑜</m:t>
-                        </m:r>
-                      </m:den>
-                    </m:f>
-                  </m:oMath>
-                </m:oMathPara>
-              </a14:m>
-              <a:endParaRPr lang="pt-PT" sz="800" dirty="0"/>
-            </a:p>
-          </cdr:txBody>
-        </cdr:sp>
-      </mc:Choice>
-      <mc:Fallback>
-        <cdr:sp macro="" textlink="">
-          <cdr:nvSpPr>
-            <cdr:cNvPr id="2" name="CaixaDeTexto 1">
-              <a:extLst xmlns:a="http://schemas.openxmlformats.org/drawingml/2006/main">
-                <a:ext uri="{FF2B5EF4-FFF2-40B4-BE49-F238E27FC236}">
-                  <a16:creationId xmlns:a16="http://schemas.microsoft.com/office/drawing/2014/main" id="{63E8B198-3C56-4B40-B4D1-F14BF473AF7D}"/>
-                </a:ext>
-              </a:extLst>
-            </cdr:cNvPr>
-            <cdr:cNvSpPr txBox="1"/>
-          </cdr:nvSpPr>
-          <cdr:spPr>
-            <a:xfrm xmlns:a="http://schemas.openxmlformats.org/drawingml/2006/main">
-              <a:off x="0" y="3801496"/>
-              <a:ext cx="1306488" cy="485653"/>
-            </a:xfrm>
-            <a:prstGeom xmlns:a="http://schemas.openxmlformats.org/drawingml/2006/main" prst="rect">
-              <a:avLst/>
-            </a:prstGeom>
-          </cdr:spPr>
-          <cdr:txBody>
-            <a:bodyPr xmlns:a="http://schemas.openxmlformats.org/drawingml/2006/main" wrap="square" rtlCol="0"/>
-            <a:lstStyle xmlns:a="http://schemas.openxmlformats.org/drawingml/2006/main">
-              <a:lvl1pPr marL="0" indent="0">
-                <a:defRPr sz="1100">
-                  <a:latin typeface="+mn-lt"/>
-                  <a:ea typeface="+mn-ea"/>
-                  <a:cs typeface="+mn-cs"/>
-                </a:defRPr>
-              </a:lvl1pPr>
-              <a:lvl2pPr marL="457200" indent="0">
-                <a:defRPr sz="1100">
-                  <a:latin typeface="+mn-lt"/>
-                  <a:ea typeface="+mn-ea"/>
-                  <a:cs typeface="+mn-cs"/>
-                </a:defRPr>
-              </a:lvl2pPr>
-              <a:lvl3pPr marL="914400" indent="0">
-                <a:defRPr sz="1100">
-                  <a:latin typeface="+mn-lt"/>
-                  <a:ea typeface="+mn-ea"/>
-                  <a:cs typeface="+mn-cs"/>
-                </a:defRPr>
-              </a:lvl3pPr>
-              <a:lvl4pPr marL="1371600" indent="0">
-                <a:defRPr sz="1100">
-                  <a:latin typeface="+mn-lt"/>
-                  <a:ea typeface="+mn-ea"/>
-                  <a:cs typeface="+mn-cs"/>
-                </a:defRPr>
-              </a:lvl4pPr>
-              <a:lvl5pPr marL="1828800" indent="0">
-                <a:defRPr sz="1100">
-                  <a:latin typeface="+mn-lt"/>
-                  <a:ea typeface="+mn-ea"/>
-                  <a:cs typeface="+mn-cs"/>
-                </a:defRPr>
-              </a:lvl5pPr>
-              <a:lvl6pPr marL="2286000" indent="0">
-                <a:defRPr sz="1100">
-                  <a:latin typeface="+mn-lt"/>
-                  <a:ea typeface="+mn-ea"/>
-                  <a:cs typeface="+mn-cs"/>
-                </a:defRPr>
-              </a:lvl6pPr>
-              <a:lvl7pPr marL="2743200" indent="0">
-                <a:defRPr sz="1100">
-                  <a:latin typeface="+mn-lt"/>
-                  <a:ea typeface="+mn-ea"/>
-                  <a:cs typeface="+mn-cs"/>
-                </a:defRPr>
-              </a:lvl7pPr>
-              <a:lvl8pPr marL="3200400" indent="0">
-                <a:defRPr sz="1100">
-                  <a:latin typeface="+mn-lt"/>
-                  <a:ea typeface="+mn-ea"/>
-                  <a:cs typeface="+mn-cs"/>
-                </a:defRPr>
-              </a:lvl8pPr>
-              <a:lvl9pPr marL="3657600" indent="0">
-                <a:defRPr sz="1100">
-                  <a:latin typeface="+mn-lt"/>
-                  <a:ea typeface="+mn-ea"/>
-                  <a:cs typeface="+mn-cs"/>
-                </a:defRPr>
-              </a:lvl9pPr>
-            </a:lstStyle>
-            <a:p xmlns:a="http://schemas.openxmlformats.org/drawingml/2006/main">
-              <a:pPr/>
-              <a:r>
-                <a:rPr lang="pt-PT" sz="800" b="0" i="0">
-                  <a:latin typeface="Cambria Math" panose="02040503050406030204" pitchFamily="18" charset="0"/>
-                </a:rPr>
-                <a:t>𝑁𝑜𝑚𝑒∕𝐺𝑒𝑟𝑎çã𝑜</a:t>
-              </a:r>
-              <a:endParaRPr lang="pt-PT" sz="800" dirty="0"/>
-            </a:p>
-          </cdr:txBody>
-        </cdr:sp>
-      </mc:Fallback>
-    </mc:AlternateContent>
-  </cdr:relSizeAnchor>
-</c:userShapes>
-</file>
-
-<file path=ppt/drawings/drawing4.xml><?xml version="1.0" encoding="utf-8"?>
-<c:userShapes xmlns:c="http://schemas.openxmlformats.org/drawingml/2006/chart">
-  <cdr:relSizeAnchor xmlns:cdr="http://schemas.openxmlformats.org/drawingml/2006/chartDrawing">
-    <cdr:from>
-      <cdr:x>0</cdr:x>
-      <cdr:y>0.76742</cdr:y>
-    </cdr:from>
-    <cdr:to>
-      <cdr:x>0.15875</cdr:x>
-      <cdr:y>0.86546</cdr:y>
+      <cdr:x>0.1675</cdr:x>
+      <cdr:y>0.84282</cdr:y>
     </cdr:to>
     <cdr:sp macro="" textlink="">
       <cdr:nvSpPr>
@@ -24221,8 +20791,8 @@
       </cdr:nvSpPr>
       <cdr:spPr>
         <a:xfrm xmlns:a="http://schemas.openxmlformats.org/drawingml/2006/main">
-          <a:off x="0" y="3801496"/>
-          <a:ext cx="1306488" cy="485653"/>
+          <a:off x="0" y="3370868"/>
+          <a:ext cx="1378496" cy="443725"/>
         </a:xfrm>
         <a:prstGeom xmlns:a="http://schemas.openxmlformats.org/drawingml/2006/main" prst="rect">
           <a:avLst/>
@@ -24304,119 +20874,6 @@
             <a:t>𝑁𝑜𝑚𝑒∕𝐺𝑒𝑟𝑎çã𝑜</a:t>
           </a:r>
           <a:endParaRPr lang="pt-PT" sz="800" dirty="0"/>
-        </a:p>
-      </cdr:txBody>
-    </cdr:sp>
-  </cdr:relSizeAnchor>
-</c:userShapes>
-</file>
-
-<file path=ppt/drawings/drawing5.xml><?xml version="1.0" encoding="utf-8"?>
-<c:userShapes xmlns:c="http://schemas.openxmlformats.org/drawingml/2006/chart">
-  <cdr:relSizeAnchor xmlns:cdr="http://schemas.openxmlformats.org/drawingml/2006/chartDrawing">
-    <cdr:from>
-      <cdr:x>0.80062</cdr:x>
-      <cdr:y>0.22591</cdr:y>
-    </cdr:from>
-    <cdr:to>
-      <cdr:x>0.82438</cdr:x>
-      <cdr:y>0.3691</cdr:y>
-    </cdr:to>
-    <cdr:sp macro="" textlink="">
-      <cdr:nvSpPr>
-        <cdr:cNvPr id="2" name="Seta: Para Baixo 1">
-          <a:extLst xmlns:a="http://schemas.openxmlformats.org/drawingml/2006/main">
-            <a:ext uri="{FF2B5EF4-FFF2-40B4-BE49-F238E27FC236}">
-              <a16:creationId xmlns:a16="http://schemas.microsoft.com/office/drawing/2014/main" id="{7E103DEF-AB55-4261-970D-6EE602B7B5BD}"/>
-            </a:ext>
-          </a:extLst>
-        </cdr:cNvPr>
-        <cdr:cNvSpPr/>
-      </cdr:nvSpPr>
-      <cdr:spPr>
-        <a:xfrm xmlns:a="http://schemas.openxmlformats.org/drawingml/2006/main" rot="940643">
-          <a:off x="6588816" y="1022472"/>
-          <a:ext cx="195504" cy="648072"/>
-        </a:xfrm>
-        <a:prstGeom xmlns:a="http://schemas.openxmlformats.org/drawingml/2006/main" prst="downArrow">
-          <a:avLst/>
-        </a:prstGeom>
-      </cdr:spPr>
-      <cdr:style>
-        <a:lnRef xmlns:a="http://schemas.openxmlformats.org/drawingml/2006/main" idx="2">
-          <a:schemeClr val="accent1">
-            <a:shade val="50000"/>
-          </a:schemeClr>
-        </a:lnRef>
-        <a:fillRef xmlns:a="http://schemas.openxmlformats.org/drawingml/2006/main" idx="1">
-          <a:schemeClr val="accent1"/>
-        </a:fillRef>
-        <a:effectRef xmlns:a="http://schemas.openxmlformats.org/drawingml/2006/main" idx="0">
-          <a:schemeClr val="accent1"/>
-        </a:effectRef>
-        <a:fontRef xmlns:a="http://schemas.openxmlformats.org/drawingml/2006/main" idx="minor">
-          <a:schemeClr val="lt1"/>
-        </a:fontRef>
-      </cdr:style>
-      <cdr:txBody>
-        <a:bodyPr xmlns:a="http://schemas.openxmlformats.org/drawingml/2006/main" vertOverflow="clip"/>
-        <a:lstStyle xmlns:a="http://schemas.openxmlformats.org/drawingml/2006/main"/>
-        <a:p xmlns:a="http://schemas.openxmlformats.org/drawingml/2006/main">
-          <a:endParaRPr lang="pt-PT"/>
-        </a:p>
-      </cdr:txBody>
-    </cdr:sp>
-  </cdr:relSizeAnchor>
-  <cdr:relSizeAnchor xmlns:cdr="http://schemas.openxmlformats.org/drawingml/2006/chartDrawing">
-    <cdr:from>
-      <cdr:x>0.68375</cdr:x>
-      <cdr:y>0.22268</cdr:y>
-    </cdr:from>
-    <cdr:to>
-      <cdr:x>0.71079</cdr:x>
-      <cdr:y>0.36587</cdr:y>
-    </cdr:to>
-    <cdr:sp macro="" textlink="">
-      <cdr:nvSpPr>
-        <cdr:cNvPr id="3" name="Seta: Para Baixo 2">
-          <a:extLst xmlns:a="http://schemas.openxmlformats.org/drawingml/2006/main">
-            <a:ext uri="{FF2B5EF4-FFF2-40B4-BE49-F238E27FC236}">
-              <a16:creationId xmlns:a16="http://schemas.microsoft.com/office/drawing/2014/main" id="{FD948820-8BAF-4A01-A553-58240A4A8EF9}"/>
-            </a:ext>
-          </a:extLst>
-        </cdr:cNvPr>
-        <cdr:cNvSpPr/>
-      </cdr:nvSpPr>
-      <cdr:spPr>
-        <a:xfrm xmlns:a="http://schemas.openxmlformats.org/drawingml/2006/main" rot="21269480">
-          <a:off x="5626953" y="1090343"/>
-          <a:ext cx="222540" cy="701136"/>
-        </a:xfrm>
-        <a:prstGeom xmlns:a="http://schemas.openxmlformats.org/drawingml/2006/main" prst="downArrow">
-          <a:avLst/>
-        </a:prstGeom>
-      </cdr:spPr>
-      <cdr:style>
-        <a:lnRef xmlns:a="http://schemas.openxmlformats.org/drawingml/2006/main" idx="2">
-          <a:schemeClr val="accent1">
-            <a:shade val="50000"/>
-          </a:schemeClr>
-        </a:lnRef>
-        <a:fillRef xmlns:a="http://schemas.openxmlformats.org/drawingml/2006/main" idx="1">
-          <a:schemeClr val="accent1"/>
-        </a:fillRef>
-        <a:effectRef xmlns:a="http://schemas.openxmlformats.org/drawingml/2006/main" idx="0">
-          <a:schemeClr val="accent1"/>
-        </a:effectRef>
-        <a:fontRef xmlns:a="http://schemas.openxmlformats.org/drawingml/2006/main" idx="minor">
-          <a:schemeClr val="lt1"/>
-        </a:fontRef>
-      </cdr:style>
-      <cdr:txBody>
-        <a:bodyPr xmlns:a="http://schemas.openxmlformats.org/drawingml/2006/main" vertOverflow="clip"/>
-        <a:lstStyle xmlns:a="http://schemas.openxmlformats.org/drawingml/2006/main"/>
-        <a:p xmlns:a="http://schemas.openxmlformats.org/drawingml/2006/main">
-          <a:endParaRPr lang="pt-PT"/>
         </a:p>
       </cdr:txBody>
     </cdr:sp>
@@ -27513,39 +23970,8 @@
           </a:p>
         </p:txBody>
       </p:sp>
-      <p:graphicFrame>
-        <p:nvGraphicFramePr>
-          <p:cNvPr id="6" name="Marcador de Posição de Conteúdo 5">
-            <a:extLst>
-              <a:ext uri="{FF2B5EF4-FFF2-40B4-BE49-F238E27FC236}">
-                <a16:creationId xmlns:a16="http://schemas.microsoft.com/office/drawing/2014/main" id="{3251F279-45CA-49E0-8EBB-A3643B355BC6}"/>
-              </a:ext>
-            </a:extLst>
-          </p:cNvPr>
-          <p:cNvGraphicFramePr>
-            <a:graphicFrameLocks noGrp="1"/>
-          </p:cNvGraphicFramePr>
-          <p:nvPr>
-            <p:ph idx="1"/>
-            <p:extLst>
-              <p:ext uri="{D42A27DB-BD31-4B8C-83A1-F6EECF244321}">
-                <p14:modId xmlns:p14="http://schemas.microsoft.com/office/powerpoint/2010/main" val="1531969149"/>
-              </p:ext>
-            </p:extLst>
-          </p:nvPr>
-        </p:nvGraphicFramePr>
-        <p:xfrm>
-          <a:off x="457200" y="202148"/>
-          <a:ext cx="8229600" cy="4525963"/>
-        </p:xfrm>
-        <a:graphic>
-          <a:graphicData uri="http://schemas.openxmlformats.org/drawingml/2006/chart">
-            <c:chart xmlns:c="http://schemas.openxmlformats.org/drawingml/2006/chart" xmlns:r="http://schemas.openxmlformats.org/officeDocument/2006/relationships" r:id="rId2"/>
-          </a:graphicData>
-        </a:graphic>
-      </p:graphicFrame>
-      <mc:AlternateContent xmlns:mc="http://schemas.openxmlformats.org/markup-compatibility/2006">
-        <mc:Choice xmlns:a14="http://schemas.microsoft.com/office/drawing/2010/main" Requires="a14">
+      <mc:AlternateContent xmlns:mc="http://schemas.openxmlformats.org/markup-compatibility/2006" xmlns:a14="http://schemas.microsoft.com/office/drawing/2010/main">
+        <mc:Choice Requires="a14">
           <p:sp>
             <p:nvSpPr>
               <p:cNvPr id="7" name="CaixaDeTexto 1">
@@ -27688,7 +24114,7 @@
             </p:txBody>
           </p:sp>
         </mc:Choice>
-        <mc:Fallback>
+        <mc:Fallback xmlns="">
           <p:sp>
             <p:nvSpPr>
               <p:cNvPr id="7" name="CaixaDeTexto 1">
@@ -27733,6 +24159,37 @@
           </p:sp>
         </mc:Fallback>
       </mc:AlternateContent>
+      <p:graphicFrame>
+        <p:nvGraphicFramePr>
+          <p:cNvPr id="8" name="Marcador de Posição de Conteúdo 7">
+            <a:extLst>
+              <a:ext uri="{FF2B5EF4-FFF2-40B4-BE49-F238E27FC236}">
+                <a16:creationId xmlns:a16="http://schemas.microsoft.com/office/drawing/2014/main" id="{3251F279-45CA-49E0-8EBB-A3643B355BC6}"/>
+              </a:ext>
+            </a:extLst>
+          </p:cNvPr>
+          <p:cNvGraphicFramePr>
+            <a:graphicFrameLocks noGrp="1"/>
+          </p:cNvGraphicFramePr>
+          <p:nvPr>
+            <p:ph idx="1"/>
+            <p:extLst>
+              <p:ext uri="{D42A27DB-BD31-4B8C-83A1-F6EECF244321}">
+                <p14:modId xmlns:p14="http://schemas.microsoft.com/office/powerpoint/2010/main" val="176733401"/>
+              </p:ext>
+            </p:extLst>
+          </p:nvPr>
+        </p:nvGraphicFramePr>
+        <p:xfrm>
+          <a:off x="463286" y="202148"/>
+          <a:ext cx="8229600" cy="4525963"/>
+        </p:xfrm>
+        <a:graphic>
+          <a:graphicData uri="http://schemas.openxmlformats.org/drawingml/2006/chart">
+            <c:chart xmlns:c="http://schemas.openxmlformats.org/drawingml/2006/chart" xmlns:r="http://schemas.openxmlformats.org/officeDocument/2006/relationships" r:id="rId4"/>
+          </a:graphicData>
+        </a:graphic>
+      </p:graphicFrame>
     </p:spTree>
   </p:cSld>
   <p:clrMapOvr>
@@ -27792,7 +24249,7 @@
         <mc:Choice xmlns:a14="http://schemas.microsoft.com/office/drawing/2010/main" Requires="a14">
           <p:graphicFrame>
             <p:nvGraphicFramePr>
-              <p:cNvPr id="6" name="Marcador de Posição de Conteúdo 5">
+              <p:cNvPr id="7" name="Marcador de Posição de Conteúdo 6">
                 <a:extLst>
                   <a:ext uri="{FF2B5EF4-FFF2-40B4-BE49-F238E27FC236}">
                     <a16:creationId xmlns:a16="http://schemas.microsoft.com/office/drawing/2014/main" id="{5A9E22EA-D002-4787-9FD1-7A529670444E}"/>
@@ -27806,14 +24263,14 @@
                 <p:ph idx="1"/>
                 <p:extLst>
                   <p:ext uri="{D42A27DB-BD31-4B8C-83A1-F6EECF244321}">
-                    <p14:modId xmlns:p14="http://schemas.microsoft.com/office/powerpoint/2010/main" val="3822048401"/>
+                    <p14:modId xmlns:p14="http://schemas.microsoft.com/office/powerpoint/2010/main" val="1127316651"/>
                   </p:ext>
                 </p:extLst>
               </p:nvPr>
             </p:nvGraphicFramePr>
             <p:xfrm>
-              <a:off x="354360" y="273586"/>
-              <a:ext cx="8435280" cy="4883606"/>
+              <a:off x="457200" y="273586"/>
+              <a:ext cx="8229600" cy="4525963"/>
             </p:xfrm>
             <a:graphic>
               <a:graphicData uri="http://schemas.openxmlformats.org/drawingml/2006/chart">
@@ -27825,7 +24282,7 @@
         <mc:Fallback>
           <p:graphicFrame>
             <p:nvGraphicFramePr>
-              <p:cNvPr id="6" name="Marcador de Posição de Conteúdo 5">
+              <p:cNvPr id="7" name="Marcador de Posição de Conteúdo 6">
                 <a:extLst>
                   <a:ext uri="{FF2B5EF4-FFF2-40B4-BE49-F238E27FC236}">
                     <a16:creationId xmlns:a16="http://schemas.microsoft.com/office/drawing/2014/main" id="{5A9E22EA-D002-4787-9FD1-7A529670444E}"/>
@@ -27839,18 +24296,18 @@
                 <p:ph idx="1"/>
                 <p:extLst>
                   <p:ext uri="{D42A27DB-BD31-4B8C-83A1-F6EECF244321}">
-                    <p14:modId xmlns:p14="http://schemas.microsoft.com/office/powerpoint/2010/main" val="3822048401"/>
+                    <p14:modId xmlns:p14="http://schemas.microsoft.com/office/powerpoint/2010/main" val="1127316651"/>
                   </p:ext>
                 </p:extLst>
               </p:nvPr>
             </p:nvGraphicFramePr>
             <p:xfrm>
-              <a:off x="354360" y="273586"/>
-              <a:ext cx="8435280" cy="4883606"/>
+              <a:off x="457200" y="273586"/>
+              <a:ext cx="8229600" cy="4525963"/>
             </p:xfrm>
             <a:graphic>
               <a:graphicData uri="http://schemas.openxmlformats.org/drawingml/2006/chart">
-                <c:chart xmlns:c="http://schemas.openxmlformats.org/drawingml/2006/chart" xmlns:r="http://schemas.openxmlformats.org/officeDocument/2006/relationships" r:id="rId3"/>
+                <c:chart xmlns:c="http://schemas.openxmlformats.org/drawingml/2006/chart" xmlns:r="http://schemas.openxmlformats.org/officeDocument/2006/relationships" r:id="rId2"/>
               </a:graphicData>
             </a:graphic>
           </p:graphicFrame>
@@ -27915,7 +24372,7 @@
         <mc:Choice xmlns:a14="http://schemas.microsoft.com/office/drawing/2010/main" Requires="a14">
           <p:graphicFrame>
             <p:nvGraphicFramePr>
-              <p:cNvPr id="6" name="Marcador de Posição de Conteúdo 5">
+              <p:cNvPr id="7" name="Marcador de Posição de Conteúdo 6">
                 <a:extLst>
                   <a:ext uri="{FF2B5EF4-FFF2-40B4-BE49-F238E27FC236}">
                     <a16:creationId xmlns:a16="http://schemas.microsoft.com/office/drawing/2014/main" id="{AB1C485F-D356-4F5B-98C9-C8CBE1DE7694}"/>
@@ -27929,14 +24386,14 @@
                 <p:ph idx="1"/>
                 <p:extLst>
                   <p:ext uri="{D42A27DB-BD31-4B8C-83A1-F6EECF244321}">
-                    <p14:modId xmlns:p14="http://schemas.microsoft.com/office/powerpoint/2010/main" val="1695299213"/>
+                    <p14:modId xmlns:p14="http://schemas.microsoft.com/office/powerpoint/2010/main" val="1677835944"/>
                   </p:ext>
                 </p:extLst>
               </p:nvPr>
             </p:nvGraphicFramePr>
             <p:xfrm>
-              <a:off x="457200" y="203568"/>
-              <a:ext cx="8229600" cy="4953624"/>
+              <a:off x="457200" y="202148"/>
+              <a:ext cx="8229600" cy="4525963"/>
             </p:xfrm>
             <a:graphic>
               <a:graphicData uri="http://schemas.openxmlformats.org/drawingml/2006/chart">
@@ -27948,7 +24405,7 @@
         <mc:Fallback>
           <p:graphicFrame>
             <p:nvGraphicFramePr>
-              <p:cNvPr id="6" name="Marcador de Posição de Conteúdo 5">
+              <p:cNvPr id="7" name="Marcador de Posição de Conteúdo 6">
                 <a:extLst>
                   <a:ext uri="{FF2B5EF4-FFF2-40B4-BE49-F238E27FC236}">
                     <a16:creationId xmlns:a16="http://schemas.microsoft.com/office/drawing/2014/main" id="{AB1C485F-D356-4F5B-98C9-C8CBE1DE7694}"/>
@@ -27962,18 +24419,18 @@
                 <p:ph idx="1"/>
                 <p:extLst>
                   <p:ext uri="{D42A27DB-BD31-4B8C-83A1-F6EECF244321}">
-                    <p14:modId xmlns:p14="http://schemas.microsoft.com/office/powerpoint/2010/main" val="1695299213"/>
+                    <p14:modId xmlns:p14="http://schemas.microsoft.com/office/powerpoint/2010/main" val="1677835944"/>
                   </p:ext>
                 </p:extLst>
               </p:nvPr>
             </p:nvGraphicFramePr>
             <p:xfrm>
-              <a:off x="457200" y="203568"/>
-              <a:ext cx="8229600" cy="4953624"/>
+              <a:off x="457200" y="202148"/>
+              <a:ext cx="8229600" cy="4525963"/>
             </p:xfrm>
             <a:graphic>
               <a:graphicData uri="http://schemas.openxmlformats.org/drawingml/2006/chart">
-                <c:chart xmlns:c="http://schemas.openxmlformats.org/drawingml/2006/chart" xmlns:r="http://schemas.openxmlformats.org/officeDocument/2006/relationships" r:id="rId3"/>
+                <c:chart xmlns:c="http://schemas.openxmlformats.org/drawingml/2006/chart" xmlns:r="http://schemas.openxmlformats.org/officeDocument/2006/relationships" r:id="rId2"/>
               </a:graphicData>
             </a:graphic>
           </p:graphicFrame>
@@ -28034,39 +24491,8 @@
           </a:p>
         </p:txBody>
       </p:sp>
-      <p:graphicFrame>
-        <p:nvGraphicFramePr>
-          <p:cNvPr id="6" name="Marcador de Posição de Conteúdo 5">
-            <a:extLst>
-              <a:ext uri="{FF2B5EF4-FFF2-40B4-BE49-F238E27FC236}">
-                <a16:creationId xmlns:a16="http://schemas.microsoft.com/office/drawing/2014/main" id="{973B0343-5FB9-4C57-88B2-28E32C378AAF}"/>
-              </a:ext>
-            </a:extLst>
-          </p:cNvPr>
-          <p:cNvGraphicFramePr>
-            <a:graphicFrameLocks noGrp="1"/>
-          </p:cNvGraphicFramePr>
-          <p:nvPr>
-            <p:ph idx="1"/>
-            <p:extLst>
-              <p:ext uri="{D42A27DB-BD31-4B8C-83A1-F6EECF244321}">
-                <p14:modId xmlns:p14="http://schemas.microsoft.com/office/powerpoint/2010/main" val="3974088570"/>
-              </p:ext>
-            </p:extLst>
-          </p:nvPr>
-        </p:nvGraphicFramePr>
-        <p:xfrm>
-          <a:off x="457200" y="202148"/>
-          <a:ext cx="8229600" cy="4525963"/>
-        </p:xfrm>
-        <a:graphic>
-          <a:graphicData uri="http://schemas.openxmlformats.org/drawingml/2006/chart">
-            <c:chart xmlns:c="http://schemas.openxmlformats.org/drawingml/2006/chart" xmlns:r="http://schemas.openxmlformats.org/officeDocument/2006/relationships" r:id="rId2"/>
-          </a:graphicData>
-        </a:graphic>
-      </p:graphicFrame>
-      <mc:AlternateContent xmlns:mc="http://schemas.openxmlformats.org/markup-compatibility/2006">
-        <mc:Choice xmlns:a14="http://schemas.microsoft.com/office/drawing/2010/main" Requires="a14">
+      <mc:AlternateContent xmlns:mc="http://schemas.openxmlformats.org/markup-compatibility/2006" xmlns:a14="http://schemas.microsoft.com/office/drawing/2010/main">
+        <mc:Choice Requires="a14">
           <p:sp>
             <p:nvSpPr>
               <p:cNvPr id="7" name="CaixaDeTexto 1">
@@ -28209,7 +24635,7 @@
             </p:txBody>
           </p:sp>
         </mc:Choice>
-        <mc:Fallback>
+        <mc:Fallback xmlns="">
           <p:sp>
             <p:nvSpPr>
               <p:cNvPr id="7" name="CaixaDeTexto 1">
@@ -28254,6 +24680,37 @@
           </p:sp>
         </mc:Fallback>
       </mc:AlternateContent>
+      <p:graphicFrame>
+        <p:nvGraphicFramePr>
+          <p:cNvPr id="8" name="Marcador de Posição de Conteúdo 7">
+            <a:extLst>
+              <a:ext uri="{FF2B5EF4-FFF2-40B4-BE49-F238E27FC236}">
+                <a16:creationId xmlns:a16="http://schemas.microsoft.com/office/drawing/2014/main" id="{973B0343-5FB9-4C57-88B2-28E32C378AAF}"/>
+              </a:ext>
+            </a:extLst>
+          </p:cNvPr>
+          <p:cNvGraphicFramePr>
+            <a:graphicFrameLocks noGrp="1"/>
+          </p:cNvGraphicFramePr>
+          <p:nvPr>
+            <p:ph idx="1"/>
+            <p:extLst>
+              <p:ext uri="{D42A27DB-BD31-4B8C-83A1-F6EECF244321}">
+                <p14:modId xmlns:p14="http://schemas.microsoft.com/office/powerpoint/2010/main" val="1345262532"/>
+              </p:ext>
+            </p:extLst>
+          </p:nvPr>
+        </p:nvGraphicFramePr>
+        <p:xfrm>
+          <a:off x="457200" y="206204"/>
+          <a:ext cx="8229600" cy="4525963"/>
+        </p:xfrm>
+        <a:graphic>
+          <a:graphicData uri="http://schemas.openxmlformats.org/drawingml/2006/chart">
+            <c:chart xmlns:c="http://schemas.openxmlformats.org/drawingml/2006/chart" xmlns:r="http://schemas.openxmlformats.org/officeDocument/2006/relationships" r:id="rId4"/>
+          </a:graphicData>
+        </a:graphic>
+      </p:graphicFrame>
     </p:spTree>
   </p:cSld>
   <p:clrMapOvr>
@@ -28309,39 +24766,8 @@
           </a:p>
         </p:txBody>
       </p:sp>
-      <p:graphicFrame>
-        <p:nvGraphicFramePr>
-          <p:cNvPr id="6" name="Marcador de Posição de Conteúdo 5">
-            <a:extLst>
-              <a:ext uri="{FF2B5EF4-FFF2-40B4-BE49-F238E27FC236}">
-                <a16:creationId xmlns:a16="http://schemas.microsoft.com/office/drawing/2014/main" id="{483934FF-3F71-43DC-9C5A-3D6258DEB181}"/>
-              </a:ext>
-            </a:extLst>
-          </p:cNvPr>
-          <p:cNvGraphicFramePr>
-            <a:graphicFrameLocks noGrp="1"/>
-          </p:cNvGraphicFramePr>
-          <p:nvPr>
-            <p:ph idx="1"/>
-            <p:extLst>
-              <p:ext uri="{D42A27DB-BD31-4B8C-83A1-F6EECF244321}">
-                <p14:modId xmlns:p14="http://schemas.microsoft.com/office/powerpoint/2010/main" val="2545642477"/>
-              </p:ext>
-            </p:extLst>
-          </p:nvPr>
-        </p:nvGraphicFramePr>
-        <p:xfrm>
-          <a:off x="457200" y="202148"/>
-          <a:ext cx="8229600" cy="4525963"/>
-        </p:xfrm>
-        <a:graphic>
-          <a:graphicData uri="http://schemas.openxmlformats.org/drawingml/2006/chart">
-            <c:chart xmlns:c="http://schemas.openxmlformats.org/drawingml/2006/chart" xmlns:r="http://schemas.openxmlformats.org/officeDocument/2006/relationships" r:id="rId2"/>
-          </a:graphicData>
-        </a:graphic>
-      </p:graphicFrame>
-      <mc:AlternateContent xmlns:mc="http://schemas.openxmlformats.org/markup-compatibility/2006">
-        <mc:Choice xmlns:a14="http://schemas.microsoft.com/office/drawing/2010/main" Requires="a14">
+      <mc:AlternateContent xmlns:mc="http://schemas.openxmlformats.org/markup-compatibility/2006" xmlns:a14="http://schemas.microsoft.com/office/drawing/2010/main">
+        <mc:Choice Requires="a14">
           <p:sp>
             <p:nvSpPr>
               <p:cNvPr id="7" name="CaixaDeTexto 1">
@@ -28484,7 +24910,7 @@
             </p:txBody>
           </p:sp>
         </mc:Choice>
-        <mc:Fallback>
+        <mc:Fallback xmlns="">
           <p:sp>
             <p:nvSpPr>
               <p:cNvPr id="7" name="CaixaDeTexto 1">
@@ -28529,6 +24955,37 @@
           </p:sp>
         </mc:Fallback>
       </mc:AlternateContent>
+      <p:graphicFrame>
+        <p:nvGraphicFramePr>
+          <p:cNvPr id="10" name="Marcador de Posição de Conteúdo 9">
+            <a:extLst>
+              <a:ext uri="{FF2B5EF4-FFF2-40B4-BE49-F238E27FC236}">
+                <a16:creationId xmlns:a16="http://schemas.microsoft.com/office/drawing/2014/main" id="{483934FF-3F71-43DC-9C5A-3D6258DEB181}"/>
+              </a:ext>
+            </a:extLst>
+          </p:cNvPr>
+          <p:cNvGraphicFramePr>
+            <a:graphicFrameLocks noGrp="1"/>
+          </p:cNvGraphicFramePr>
+          <p:nvPr>
+            <p:ph idx="1"/>
+            <p:extLst>
+              <p:ext uri="{D42A27DB-BD31-4B8C-83A1-F6EECF244321}">
+                <p14:modId xmlns:p14="http://schemas.microsoft.com/office/powerpoint/2010/main" val="2234006515"/>
+              </p:ext>
+            </p:extLst>
+          </p:nvPr>
+        </p:nvGraphicFramePr>
+        <p:xfrm>
+          <a:off x="457200" y="202148"/>
+          <a:ext cx="8229600" cy="4525963"/>
+        </p:xfrm>
+        <a:graphic>
+          <a:graphicData uri="http://schemas.openxmlformats.org/drawingml/2006/chart">
+            <c:chart xmlns:c="http://schemas.openxmlformats.org/drawingml/2006/chart" xmlns:r="http://schemas.openxmlformats.org/officeDocument/2006/relationships" r:id="rId4"/>
+          </a:graphicData>
+        </a:graphic>
+      </p:graphicFrame>
     </p:spTree>
   </p:cSld>
   <p:clrMapOvr>
@@ -29313,37 +25770,6 @@
           </p:sp>
         </mc:Fallback>
       </mc:AlternateContent>
-      <p:graphicFrame>
-        <p:nvGraphicFramePr>
-          <p:cNvPr id="14" name="Marcador de Posição de Conteúdo 9">
-            <a:extLst>
-              <a:ext uri="{FF2B5EF4-FFF2-40B4-BE49-F238E27FC236}">
-                <a16:creationId xmlns:a16="http://schemas.microsoft.com/office/drawing/2014/main" id="{C365F925-CCFA-45D8-8A88-F48005FFCA9A}"/>
-              </a:ext>
-            </a:extLst>
-          </p:cNvPr>
-          <p:cNvGraphicFramePr>
-            <a:graphicFrameLocks noGrp="1"/>
-          </p:cNvGraphicFramePr>
-          <p:nvPr>
-            <p:ph idx="1"/>
-            <p:extLst>
-              <p:ext uri="{D42A27DB-BD31-4B8C-83A1-F6EECF244321}">
-                <p14:modId xmlns:p14="http://schemas.microsoft.com/office/powerpoint/2010/main" val="3290581236"/>
-              </p:ext>
-            </p:extLst>
-          </p:nvPr>
-        </p:nvGraphicFramePr>
-        <p:xfrm>
-          <a:off x="457200" y="332656"/>
-          <a:ext cx="8229600" cy="4896544"/>
-        </p:xfrm>
-        <a:graphic>
-          <a:graphicData uri="http://schemas.openxmlformats.org/drawingml/2006/chart">
-            <c:chart xmlns:c="http://schemas.openxmlformats.org/drawingml/2006/chart" xmlns:r="http://schemas.openxmlformats.org/officeDocument/2006/relationships" r:id="rId3"/>
-          </a:graphicData>
-        </a:graphic>
-      </p:graphicFrame>
       <p:sp>
         <p:nvSpPr>
           <p:cNvPr id="15" name="Oval 14">
@@ -29358,7 +25784,7 @@
         </p:nvSpPr>
         <p:spPr>
           <a:xfrm>
-            <a:off x="6012160" y="4725144"/>
+            <a:off x="5868144" y="4149080"/>
             <a:ext cx="432048" cy="216024"/>
           </a:xfrm>
           <a:prstGeom prst="ellipse">
@@ -29405,7 +25831,7 @@
         </p:nvSpPr>
         <p:spPr>
           <a:xfrm>
-            <a:off x="6804248" y="4725144"/>
+            <a:off x="6660232" y="4169572"/>
             <a:ext cx="432048" cy="216024"/>
           </a:xfrm>
           <a:prstGeom prst="ellipse">
@@ -29438,6 +25864,37 @@
           </a:p>
         </p:txBody>
       </p:sp>
+      <p:graphicFrame>
+        <p:nvGraphicFramePr>
+          <p:cNvPr id="9" name="Marcador de Posição de Conteúdo 8">
+            <a:extLst>
+              <a:ext uri="{FF2B5EF4-FFF2-40B4-BE49-F238E27FC236}">
+                <a16:creationId xmlns:a16="http://schemas.microsoft.com/office/drawing/2014/main" id="{8CBC1960-47FA-4C42-BD6D-4D1E37F3475D}"/>
+              </a:ext>
+            </a:extLst>
+          </p:cNvPr>
+          <p:cNvGraphicFramePr>
+            <a:graphicFrameLocks noGrp="1"/>
+          </p:cNvGraphicFramePr>
+          <p:nvPr>
+            <p:ph idx="1"/>
+            <p:extLst>
+              <p:ext uri="{D42A27DB-BD31-4B8C-83A1-F6EECF244321}">
+                <p14:modId xmlns:p14="http://schemas.microsoft.com/office/powerpoint/2010/main" val="2634702654"/>
+              </p:ext>
+            </p:extLst>
+          </p:nvPr>
+        </p:nvGraphicFramePr>
+        <p:xfrm>
+          <a:off x="493203" y="199181"/>
+          <a:ext cx="8229600" cy="4525963"/>
+        </p:xfrm>
+        <a:graphic>
+          <a:graphicData uri="http://schemas.openxmlformats.org/drawingml/2006/chart">
+            <c:chart xmlns:c="http://schemas.openxmlformats.org/drawingml/2006/chart" xmlns:r="http://schemas.openxmlformats.org/officeDocument/2006/relationships" r:id="rId3"/>
+          </a:graphicData>
+        </a:graphic>
+      </p:graphicFrame>
     </p:spTree>
   </p:cSld>
   <p:clrMapOvr>

--- a/research/report/Apresentação.pptx
+++ b/research/report/Apresentação.pptx
@@ -4,6 +4,9 @@
   <p:sldMasterIdLst>
     <p:sldMasterId id="2147483648" r:id="rId1"/>
   </p:sldMasterIdLst>
+  <p:notesMasterIdLst>
+    <p:notesMasterId r:id="rId22"/>
+  </p:notesMasterIdLst>
   <p:sldIdLst>
     <p:sldId id="256" r:id="rId2"/>
     <p:sldId id="257" r:id="rId3"/>
@@ -125,7 +128,7 @@
   </p:defaultTextStyle>
   <p:extLst>
     <p:ext uri="{EFAFB233-063F-42B5-8137-9DF3F51BA10A}">
-      <p15:sldGuideLst xmlns:p15="http://schemas.microsoft.com/office/powerpoint/2012/main">
+      <p15:sldGuideLst xmlns:p15="http://schemas.microsoft.com/office/powerpoint/2012/main" xmlns="">
         <p15:guide id="1" orient="horz" pos="2160">
           <p15:clr>
             <a:srgbClr val="A4A3A4"/>
@@ -143,18 +146,8 @@
 </file>
 
 <file path=ppt/charts/chart1.xml><?xml version="1.0" encoding="utf-8"?>
-<c:chartSpace xmlns:c="http://schemas.openxmlformats.org/drawingml/2006/chart" xmlns:a="http://schemas.openxmlformats.org/drawingml/2006/main" xmlns:r="http://schemas.openxmlformats.org/officeDocument/2006/relationships" xmlns:c16r2="http://schemas.microsoft.com/office/drawing/2015/06/chart">
-  <c:date1904 val="0"/>
+<c:chartSpace xmlns:c="http://schemas.openxmlformats.org/drawingml/2006/chart" xmlns:a="http://schemas.openxmlformats.org/drawingml/2006/main" xmlns:r="http://schemas.openxmlformats.org/officeDocument/2006/relationships">
   <c:lang val="pt-PT"/>
-  <c:roundedCorners val="0"/>
-  <mc:AlternateContent xmlns:mc="http://schemas.openxmlformats.org/markup-compatibility/2006">
-    <mc:Choice xmlns:c14="http://schemas.microsoft.com/office/drawing/2007/8/2/chart" Requires="c14">
-      <c14:style val="102"/>
-    </mc:Choice>
-    <mc:Fallback>
-      <c:style val="2"/>
-    </mc:Fallback>
-  </mc:AlternateContent>
   <c:chart>
     <c:title>
       <c:tx>
@@ -187,7 +180,17 @@
           </a:p>
           <a:p>
             <a:pPr>
-              <a:defRPr/>
+              <a:defRPr sz="1600" b="1" i="0" u="none" strike="noStrike" kern="1200" cap="all" spc="120" normalizeH="0" baseline="0">
+                <a:solidFill>
+                  <a:schemeClr val="tx1">
+                    <a:lumMod val="65000"/>
+                    <a:lumOff val="35000"/>
+                  </a:schemeClr>
+                </a:solidFill>
+                <a:latin typeface="+mn-lt"/>
+                <a:ea typeface="+mn-ea"/>
+                <a:cs typeface="+mn-cs"/>
+              </a:defRPr>
             </a:pPr>
             <a:r>
               <a:rPr lang="pt-PT" sz="1800" b="1" i="0" cap="all" baseline="0">
@@ -201,7 +204,7 @@
           </a:p>
         </c:rich>
       </c:tx>
-      <c:overlay val="0"/>
+      <c:layout/>
       <c:spPr>
         <a:noFill/>
         <a:ln>
@@ -209,34 +212,12 @@
         </a:ln>
         <a:effectLst/>
       </c:spPr>
-      <c:txPr>
-        <a:bodyPr rot="0" spcFirstLastPara="1" vertOverflow="ellipsis" vert="horz" wrap="square" anchor="ctr" anchorCtr="1"/>
-        <a:lstStyle/>
-        <a:p>
-          <a:pPr>
-            <a:defRPr sz="1600" b="1" i="0" u="none" strike="noStrike" kern="1200" cap="all" spc="120" normalizeH="0" baseline="0">
-              <a:solidFill>
-                <a:schemeClr val="tx1">
-                  <a:lumMod val="65000"/>
-                  <a:lumOff val="35000"/>
-                </a:schemeClr>
-              </a:solidFill>
-              <a:latin typeface="+mn-lt"/>
-              <a:ea typeface="+mn-ea"/>
-              <a:cs typeface="+mn-cs"/>
-            </a:defRPr>
-          </a:pPr>
-          <a:endParaRPr lang="pt-PT"/>
-        </a:p>
-      </c:txPr>
     </c:title>
-    <c:autoTitleDeleted val="0"/>
     <c:plotArea>
       <c:layout/>
       <c:barChart>
         <c:barDir val="col"/>
         <c:grouping val="clustered"/>
-        <c:varyColors val="0"/>
         <c:ser>
           <c:idx val="0"/>
           <c:order val="0"/>
@@ -252,7 +233,6 @@
             </a:ln>
             <a:effectLst/>
           </c:spPr>
-          <c:invertIfNegative val="0"/>
           <c:dLbls>
             <c:spPr>
               <a:noFill/>
@@ -284,14 +264,8 @@
               </a:p>
             </c:txPr>
             <c:dLblPos val="outEnd"/>
-            <c:showLegendKey val="0"/>
             <c:showVal val="1"/>
-            <c:showCatName val="0"/>
-            <c:showSerName val="0"/>
-            <c:showPercent val="0"/>
-            <c:showBubbleSize val="0"/>
-            <c:showLeaderLines val="0"/>
-            <c:extLst>
+            <c:extLst xmlns:c16r2="http://schemas.microsoft.com/office/drawing/2015/06/chart">
               <c:ext xmlns:c15="http://schemas.microsoft.com/office/drawing/2012/chart" uri="{CE6537A1-D6FC-4f65-9D91-7224C49458BB}">
                 <c15:showLeaderLines val="1"/>
                 <c15:leaderLines>
@@ -354,7 +328,7 @@
               </c:numCache>
             </c:numRef>
           </c:val>
-          <c:extLst>
+          <c:extLst xmlns:c16r2="http://schemas.microsoft.com/office/drawing/2015/06/chart">
             <c:ext xmlns:c16="http://schemas.microsoft.com/office/drawing/2014/chart" uri="{C3380CC4-5D6E-409C-BE32-E72D297353CC}">
               <c16:uniqueId val="{00000000-7145-406C-A058-B9E3C1CD5899}"/>
             </c:ext>
@@ -375,7 +349,6 @@
             </a:ln>
             <a:effectLst/>
           </c:spPr>
-          <c:invertIfNegative val="0"/>
           <c:dLbls>
             <c:spPr>
               <a:noFill/>
@@ -407,14 +380,8 @@
               </a:p>
             </c:txPr>
             <c:dLblPos val="outEnd"/>
-            <c:showLegendKey val="0"/>
             <c:showVal val="1"/>
-            <c:showCatName val="0"/>
-            <c:showSerName val="0"/>
-            <c:showPercent val="0"/>
-            <c:showBubbleSize val="0"/>
-            <c:showLeaderLines val="0"/>
-            <c:extLst>
+            <c:extLst xmlns:c16r2="http://schemas.microsoft.com/office/drawing/2015/06/chart">
               <c:ext xmlns:c15="http://schemas.microsoft.com/office/drawing/2012/chart" uri="{CE6537A1-D6FC-4f65-9D91-7224C49458BB}">
                 <c15:showLeaderLines val="1"/>
                 <c15:leaderLines>
@@ -463,10 +430,10 @@
                   <c:v>3.06</c:v>
                 </c:pt>
                 <c:pt idx="1">
-                  <c:v>0.32200000000000001</c:v>
+                  <c:v>0.32200000000000006</c:v>
                 </c:pt>
                 <c:pt idx="2">
-                  <c:v>3.33</c:v>
+                  <c:v>3.3299999999999996</c:v>
                 </c:pt>
                 <c:pt idx="3">
                   <c:v>3.17</c:v>
@@ -477,7 +444,7 @@
               </c:numCache>
             </c:numRef>
           </c:val>
-          <c:extLst>
+          <c:extLst xmlns:c16r2="http://schemas.microsoft.com/office/drawing/2015/06/chart">
             <c:ext xmlns:c16="http://schemas.microsoft.com/office/drawing/2014/chart" uri="{C3380CC4-5D6E-409C-BE32-E72D297353CC}">
               <c16:uniqueId val="{00000001-7145-406C-A058-B9E3C1CD5899}"/>
             </c:ext>
@@ -498,7 +465,6 @@
             </a:ln>
             <a:effectLst/>
           </c:spPr>
-          <c:invertIfNegative val="0"/>
           <c:dLbls>
             <c:spPr>
               <a:noFill/>
@@ -530,14 +496,8 @@
               </a:p>
             </c:txPr>
             <c:dLblPos val="outEnd"/>
-            <c:showLegendKey val="0"/>
             <c:showVal val="1"/>
-            <c:showCatName val="0"/>
-            <c:showSerName val="0"/>
-            <c:showPercent val="0"/>
-            <c:showBubbleSize val="0"/>
-            <c:showLeaderLines val="0"/>
-            <c:extLst>
+            <c:extLst xmlns:c16r2="http://schemas.microsoft.com/office/drawing/2015/06/chart">
               <c:ext xmlns:c15="http://schemas.microsoft.com/office/drawing/2012/chart" uri="{CE6537A1-D6FC-4f65-9D91-7224C49458BB}">
                 <c15:showLeaderLines val="1"/>
                 <c15:leaderLines>
@@ -589,7 +549,7 @@
                   <c:v>1.06</c:v>
                 </c:pt>
                 <c:pt idx="2">
-                  <c:v>1.72</c:v>
+                  <c:v>1.7200000000000002</c:v>
                 </c:pt>
                 <c:pt idx="3">
                   <c:v>2.17</c:v>
@@ -600,7 +560,7 @@
               </c:numCache>
             </c:numRef>
           </c:val>
-          <c:extLst>
+          <c:extLst xmlns:c16r2="http://schemas.microsoft.com/office/drawing/2015/06/chart">
             <c:ext xmlns:c16="http://schemas.microsoft.com/office/drawing/2014/chart" uri="{C3380CC4-5D6E-409C-BE32-E72D297353CC}">
               <c16:uniqueId val="{00000002-7145-406C-A058-B9E3C1CD5899}"/>
             </c:ext>
@@ -621,7 +581,6 @@
             </a:ln>
             <a:effectLst/>
           </c:spPr>
-          <c:invertIfNegative val="0"/>
           <c:dLbls>
             <c:spPr>
               <a:noFill/>
@@ -653,14 +612,8 @@
               </a:p>
             </c:txPr>
             <c:dLblPos val="outEnd"/>
-            <c:showLegendKey val="0"/>
             <c:showVal val="1"/>
-            <c:showCatName val="0"/>
-            <c:showSerName val="0"/>
-            <c:showPercent val="0"/>
-            <c:showBubbleSize val="0"/>
-            <c:showLeaderLines val="0"/>
-            <c:extLst>
+            <c:extLst xmlns:c16r2="http://schemas.microsoft.com/office/drawing/2015/06/chart">
               <c:ext xmlns:c15="http://schemas.microsoft.com/office/drawing/2012/chart" uri="{CE6537A1-D6FC-4f65-9D91-7224C49458BB}">
                 <c15:showLeaderLines val="1"/>
                 <c15:leaderLines>
@@ -712,7 +665,7 @@
                   <c:v>0.98</c:v>
                 </c:pt>
                 <c:pt idx="2">
-                  <c:v>5.36</c:v>
+                  <c:v>5.3599999999999994</c:v>
                 </c:pt>
                 <c:pt idx="3">
                   <c:v>5.21</c:v>
@@ -723,7 +676,7 @@
               </c:numCache>
             </c:numRef>
           </c:val>
-          <c:extLst>
+          <c:extLst xmlns:c16r2="http://schemas.microsoft.com/office/drawing/2015/06/chart">
             <c:ext xmlns:c16="http://schemas.microsoft.com/office/drawing/2014/chart" uri="{C3380CC4-5D6E-409C-BE32-E72D297353CC}">
               <c16:uniqueId val="{00000003-7145-406C-A058-B9E3C1CD5899}"/>
             </c:ext>
@@ -752,7 +705,6 @@
             </a:ln>
             <a:effectLst/>
           </c:spPr>
-          <c:invertIfNegative val="0"/>
           <c:dLbls>
             <c:spPr>
               <a:noFill/>
@@ -784,14 +736,8 @@
               </a:p>
             </c:txPr>
             <c:dLblPos val="outEnd"/>
-            <c:showLegendKey val="0"/>
             <c:showVal val="1"/>
-            <c:showCatName val="0"/>
-            <c:showSerName val="0"/>
-            <c:showPercent val="0"/>
-            <c:showBubbleSize val="0"/>
-            <c:showLeaderLines val="0"/>
-            <c:extLst>
+            <c:extLst xmlns:c16r2="http://schemas.microsoft.com/office/drawing/2015/06/chart">
               <c:ext xmlns:c15="http://schemas.microsoft.com/office/drawing/2012/chart" uri="{CE6537A1-D6FC-4f65-9D91-7224C49458BB}">
                 <c15:showLeaderLines val="1"/>
                 <c15:leaderLines>
@@ -820,7 +766,7 @@
                   <c:v>3.54</c:v>
                 </c:pt>
                 <c:pt idx="1">
-                  <c:v>0.83</c:v>
+                  <c:v>0.83000000000000007</c:v>
                 </c:pt>
                 <c:pt idx="2">
                   <c:v>3.73</c:v>
@@ -834,32 +780,25 @@
               </c:numCache>
             </c:numRef>
           </c:val>
-          <c:extLst>
+          <c:extLst xmlns:c16r2="http://schemas.microsoft.com/office/drawing/2015/06/chart">
             <c:ext xmlns:c16="http://schemas.microsoft.com/office/drawing/2014/chart" uri="{C3380CC4-5D6E-409C-BE32-E72D297353CC}">
               <c16:uniqueId val="{00000004-7145-406C-A058-B9E3C1CD5899}"/>
             </c:ext>
           </c:extLst>
         </c:ser>
         <c:dLbls>
-          <c:dLblPos val="outEnd"/>
-          <c:showLegendKey val="0"/>
           <c:showVal val="1"/>
-          <c:showCatName val="0"/>
-          <c:showSerName val="0"/>
-          <c:showPercent val="0"/>
-          <c:showBubbleSize val="0"/>
         </c:dLbls>
         <c:gapWidth val="444"/>
         <c:overlap val="-90"/>
-        <c:axId val="587044328"/>
-        <c:axId val="587042688"/>
+        <c:axId val="102079104"/>
+        <c:axId val="102097280"/>
       </c:barChart>
       <c:catAx>
-        <c:axId val="587044328"/>
+        <c:axId val="102079104"/>
         <c:scaling>
           <c:orientation val="minMax"/>
         </c:scaling>
-        <c:delete val="0"/>
         <c:axPos val="b"/>
         <c:majorGridlines>
           <c:spPr>
@@ -877,7 +816,6 @@
         </c:majorGridlines>
         <c:numFmt formatCode="General" sourceLinked="1"/>
         <c:majorTickMark val="none"/>
-        <c:minorTickMark val="none"/>
         <c:tickLblPos val="nextTo"/>
         <c:spPr>
           <a:noFill/>
@@ -912,15 +850,14 @@
             <a:endParaRPr lang="pt-PT"/>
           </a:p>
         </c:txPr>
-        <c:crossAx val="587042688"/>
+        <c:crossAx val="102097280"/>
         <c:crosses val="autoZero"/>
         <c:auto val="1"/>
         <c:lblAlgn val="ctr"/>
         <c:lblOffset val="100"/>
-        <c:noMultiLvlLbl val="0"/>
       </c:catAx>
       <c:valAx>
-        <c:axId val="587042688"/>
+        <c:axId val="102097280"/>
         <c:scaling>
           <c:orientation val="minMax"/>
         </c:scaling>
@@ -928,9 +865,8 @@
         <c:axPos val="l"/>
         <c:numFmt formatCode="General" sourceLinked="1"/>
         <c:majorTickMark val="none"/>
-        <c:minorTickMark val="none"/>
         <c:tickLblPos val="nextTo"/>
-        <c:crossAx val="587044328"/>
+        <c:crossAx val="102079104"/>
         <c:crosses val="autoZero"/>
         <c:crossBetween val="between"/>
       </c:valAx>
@@ -982,7 +918,7 @@
     </c:plotArea>
     <c:legend>
       <c:legendPos val="t"/>
-      <c:overlay val="0"/>
+      <c:layout/>
       <c:spPr>
         <a:noFill/>
         <a:ln>
@@ -1013,7 +949,6 @@
     </c:legend>
     <c:plotVisOnly val="1"/>
     <c:dispBlanksAs val="gap"/>
-    <c:showDLblsOverMax val="0"/>
   </c:chart>
   <c:spPr>
     <a:noFill/>
@@ -1032,25 +967,13 @@
       <a:endParaRPr lang="pt-PT"/>
     </a:p>
   </c:txPr>
-  <c:externalData r:id="rId3">
-    <c:autoUpdate val="0"/>
-  </c:externalData>
+  <c:externalData r:id="rId1"/>
 </c:chartSpace>
 </file>
 
 <file path=ppt/charts/chart10.xml><?xml version="1.0" encoding="utf-8"?>
-<c:chartSpace xmlns:c="http://schemas.openxmlformats.org/drawingml/2006/chart" xmlns:a="http://schemas.openxmlformats.org/drawingml/2006/main" xmlns:r="http://schemas.openxmlformats.org/officeDocument/2006/relationships" xmlns:c16r2="http://schemas.microsoft.com/office/drawing/2015/06/chart">
-  <c:date1904 val="0"/>
+<c:chartSpace xmlns:c="http://schemas.openxmlformats.org/drawingml/2006/chart" xmlns:a="http://schemas.openxmlformats.org/drawingml/2006/main" xmlns:r="http://schemas.openxmlformats.org/officeDocument/2006/relationships">
   <c:lang val="pt-PT"/>
-  <c:roundedCorners val="0"/>
-  <mc:AlternateContent xmlns:mc="http://schemas.openxmlformats.org/markup-compatibility/2006">
-    <mc:Choice xmlns:c14="http://schemas.microsoft.com/office/drawing/2007/8/2/chart" Requires="c14">
-      <c14:style val="102"/>
-    </mc:Choice>
-    <mc:Fallback>
-      <c:style val="2"/>
-    </mc:Fallback>
-  </mc:AlternateContent>
   <c:chart>
     <c:title>
       <c:tx>
@@ -1083,7 +1006,17 @@
           </a:p>
           <a:p>
             <a:pPr>
-              <a:defRPr/>
+              <a:defRPr sz="1400" b="0" i="0" u="none" strike="noStrike" kern="1200" spc="0" baseline="0">
+                <a:solidFill>
+                  <a:schemeClr val="tx1">
+                    <a:lumMod val="65000"/>
+                    <a:lumOff val="35000"/>
+                  </a:schemeClr>
+                </a:solidFill>
+                <a:latin typeface="+mn-lt"/>
+                <a:ea typeface="+mn-ea"/>
+                <a:cs typeface="+mn-cs"/>
+              </a:defRPr>
             </a:pPr>
             <a:r>
               <a:rPr lang="pt-PT" sz="1800" b="1" i="0" cap="all" baseline="0">
@@ -1097,7 +1030,7 @@
           </a:p>
         </c:rich>
       </c:tx>
-      <c:overlay val="0"/>
+      <c:layout/>
       <c:spPr>
         <a:noFill/>
         <a:ln>
@@ -1105,34 +1038,12 @@
         </a:ln>
         <a:effectLst/>
       </c:spPr>
-      <c:txPr>
-        <a:bodyPr rot="0" spcFirstLastPara="1" vertOverflow="ellipsis" vert="horz" wrap="square" anchor="ctr" anchorCtr="1"/>
-        <a:lstStyle/>
-        <a:p>
-          <a:pPr>
-            <a:defRPr sz="1400" b="0" i="0" u="none" strike="noStrike" kern="1200" spc="0" baseline="0">
-              <a:solidFill>
-                <a:schemeClr val="tx1">
-                  <a:lumMod val="65000"/>
-                  <a:lumOff val="35000"/>
-                </a:schemeClr>
-              </a:solidFill>
-              <a:latin typeface="+mn-lt"/>
-              <a:ea typeface="+mn-ea"/>
-              <a:cs typeface="+mn-cs"/>
-            </a:defRPr>
-          </a:pPr>
-          <a:endParaRPr lang="pt-PT"/>
-        </a:p>
-      </c:txPr>
     </c:title>
-    <c:autoTitleDeleted val="0"/>
     <c:plotArea>
       <c:layout/>
       <c:barChart>
         <c:barDir val="col"/>
         <c:grouping val="clustered"/>
-        <c:varyColors val="0"/>
         <c:ser>
           <c:idx val="0"/>
           <c:order val="0"/>
@@ -1148,7 +1059,6 @@
             </a:ln>
             <a:effectLst/>
           </c:spPr>
-          <c:invertIfNegative val="0"/>
           <c:cat>
             <c:strRef>
               <c:f>Folha1!$Q$32:$AF$32</c:f>
@@ -1262,7 +1172,7 @@
               </c:numCache>
             </c:numRef>
           </c:val>
-          <c:extLst>
+          <c:extLst xmlns:c16r2="http://schemas.microsoft.com/office/drawing/2015/06/chart">
             <c:ext xmlns:c16="http://schemas.microsoft.com/office/drawing/2014/chart" uri="{C3380CC4-5D6E-409C-BE32-E72D297353CC}">
               <c16:uniqueId val="{00000000-63DE-4F66-B70A-47D98AC30481}"/>
             </c:ext>
@@ -1283,7 +1193,6 @@
             </a:ln>
             <a:effectLst/>
           </c:spPr>
-          <c:invertIfNegative val="0"/>
           <c:cat>
             <c:strRef>
               <c:f>Folha1!$Q$32:$AF$32</c:f>
@@ -1350,7 +1259,7 @@
                   <c:v>74</c:v>
                 </c:pt>
                 <c:pt idx="1">
-                  <c:v>38.799999999999997</c:v>
+                  <c:v>38.800000000000011</c:v>
                 </c:pt>
                 <c:pt idx="2">
                   <c:v>33.9</c:v>
@@ -1397,7 +1306,7 @@
               </c:numCache>
             </c:numRef>
           </c:val>
-          <c:extLst>
+          <c:extLst xmlns:c16r2="http://schemas.microsoft.com/office/drawing/2015/06/chart">
             <c:ext xmlns:c16="http://schemas.microsoft.com/office/drawing/2014/chart" uri="{C3380CC4-5D6E-409C-BE32-E72D297353CC}">
               <c16:uniqueId val="{00000001-63DE-4F66-B70A-47D98AC30481}"/>
             </c:ext>
@@ -1418,7 +1327,6 @@
             </a:ln>
             <a:effectLst/>
           </c:spPr>
-          <c:invertIfNegative val="0"/>
           <c:cat>
             <c:strRef>
               <c:f>Folha1!$Q$32:$AF$32</c:f>
@@ -1497,7 +1405,7 @@
                   <c:v>182.6</c:v>
                 </c:pt>
                 <c:pt idx="5">
-                  <c:v>282.89999999999998</c:v>
+                  <c:v>282.89999999999992</c:v>
                 </c:pt>
                 <c:pt idx="6">
                   <c:v>302.3</c:v>
@@ -1532,7 +1440,7 @@
               </c:numCache>
             </c:numRef>
           </c:val>
-          <c:extLst>
+          <c:extLst xmlns:c16r2="http://schemas.microsoft.com/office/drawing/2015/06/chart">
             <c:ext xmlns:c16="http://schemas.microsoft.com/office/drawing/2014/chart" uri="{C3380CC4-5D6E-409C-BE32-E72D297353CC}">
               <c16:uniqueId val="{00000002-63DE-4F66-B70A-47D98AC30481}"/>
             </c:ext>
@@ -1553,7 +1461,6 @@
             </a:ln>
             <a:effectLst/>
           </c:spPr>
-          <c:invertIfNegative val="0"/>
           <c:cat>
             <c:strRef>
               <c:f>Folha1!$Q$32:$AF$32</c:f>
@@ -1667,7 +1574,7 @@
               </c:numCache>
             </c:numRef>
           </c:val>
-          <c:extLst>
+          <c:extLst xmlns:c16r2="http://schemas.microsoft.com/office/drawing/2015/06/chart">
             <c:ext xmlns:c16="http://schemas.microsoft.com/office/drawing/2014/chart" uri="{C3380CC4-5D6E-409C-BE32-E72D297353CC}">
               <c16:uniqueId val="{00000003-63DE-4F66-B70A-47D98AC30481}"/>
             </c:ext>
@@ -1688,7 +1595,6 @@
             </a:ln>
             <a:effectLst/>
           </c:spPr>
-          <c:invertIfNegative val="0"/>
           <c:cat>
             <c:strRef>
               <c:f>Folha1!$Q$32:$AF$32</c:f>
@@ -1799,35 +1705,26 @@
               </c:numCache>
             </c:numRef>
           </c:val>
-          <c:extLst>
+          <c:extLst xmlns:c16r2="http://schemas.microsoft.com/office/drawing/2015/06/chart">
             <c:ext xmlns:c16="http://schemas.microsoft.com/office/drawing/2014/chart" uri="{C3380CC4-5D6E-409C-BE32-E72D297353CC}">
               <c16:uniqueId val="{00000004-63DE-4F66-B70A-47D98AC30481}"/>
             </c:ext>
           </c:extLst>
         </c:ser>
-        <c:dLbls>
-          <c:showLegendKey val="0"/>
-          <c:showVal val="0"/>
-          <c:showCatName val="0"/>
-          <c:showSerName val="0"/>
-          <c:showPercent val="0"/>
-          <c:showBubbleSize val="0"/>
-        </c:dLbls>
+        <c:dLbls/>
         <c:gapWidth val="219"/>
         <c:overlap val="-27"/>
-        <c:axId val="803792376"/>
-        <c:axId val="803789752"/>
+        <c:axId val="104790656"/>
+        <c:axId val="104345984"/>
       </c:barChart>
       <c:catAx>
-        <c:axId val="803792376"/>
+        <c:axId val="104790656"/>
         <c:scaling>
           <c:orientation val="minMax"/>
         </c:scaling>
-        <c:delete val="0"/>
         <c:axPos val="b"/>
         <c:numFmt formatCode="General" sourceLinked="1"/>
         <c:majorTickMark val="none"/>
-        <c:minorTickMark val="none"/>
         <c:tickLblPos val="nextTo"/>
         <c:spPr>
           <a:noFill/>
@@ -1862,19 +1759,17 @@
             <a:endParaRPr lang="pt-PT"/>
           </a:p>
         </c:txPr>
-        <c:crossAx val="803789752"/>
+        <c:crossAx val="104345984"/>
         <c:crosses val="autoZero"/>
         <c:auto val="1"/>
         <c:lblAlgn val="ctr"/>
         <c:lblOffset val="100"/>
-        <c:noMultiLvlLbl val="0"/>
       </c:catAx>
       <c:valAx>
-        <c:axId val="803789752"/>
+        <c:axId val="104345984"/>
         <c:scaling>
           <c:orientation val="minMax"/>
         </c:scaling>
-        <c:delete val="0"/>
         <c:axPos val="l"/>
         <c:majorGridlines>
           <c:spPr>
@@ -1892,7 +1787,6 @@
         </c:majorGridlines>
         <c:numFmt formatCode="General" sourceLinked="1"/>
         <c:majorTickMark val="none"/>
-        <c:minorTickMark val="none"/>
         <c:tickLblPos val="nextTo"/>
         <c:spPr>
           <a:noFill/>
@@ -1921,7 +1815,7 @@
             <a:endParaRPr lang="pt-PT"/>
           </a:p>
         </c:txPr>
-        <c:crossAx val="803792376"/>
+        <c:crossAx val="104790656"/>
         <c:crosses val="autoZero"/>
         <c:crossBetween val="between"/>
       </c:valAx>
@@ -1974,7 +1868,6 @@
     </c:plotArea>
     <c:plotVisOnly val="1"/>
     <c:dispBlanksAs val="gap"/>
-    <c:showDLblsOverMax val="0"/>
   </c:chart>
   <c:spPr>
     <a:noFill/>
@@ -1993,25 +1886,13 @@
       <a:endParaRPr lang="pt-PT"/>
     </a:p>
   </c:txPr>
-  <c:externalData r:id="rId3">
-    <c:autoUpdate val="0"/>
-  </c:externalData>
+  <c:externalData r:id="rId1"/>
 </c:chartSpace>
 </file>
 
 <file path=ppt/charts/chart11.xml><?xml version="1.0" encoding="utf-8"?>
-<c:chartSpace xmlns:c="http://schemas.openxmlformats.org/drawingml/2006/chart" xmlns:a="http://schemas.openxmlformats.org/drawingml/2006/main" xmlns:r="http://schemas.openxmlformats.org/officeDocument/2006/relationships" xmlns:c16r2="http://schemas.microsoft.com/office/drawing/2015/06/chart">
-  <c:date1904 val="0"/>
+<c:chartSpace xmlns:c="http://schemas.openxmlformats.org/drawingml/2006/chart" xmlns:a="http://schemas.openxmlformats.org/drawingml/2006/main" xmlns:r="http://schemas.openxmlformats.org/officeDocument/2006/relationships">
   <c:lang val="pt-PT"/>
-  <c:roundedCorners val="0"/>
-  <mc:AlternateContent xmlns:mc="http://schemas.openxmlformats.org/markup-compatibility/2006">
-    <mc:Choice xmlns:c14="http://schemas.microsoft.com/office/drawing/2007/8/2/chart" Requires="c14">
-      <c14:style val="102"/>
-    </mc:Choice>
-    <mc:Fallback>
-      <c:style val="2"/>
-    </mc:Fallback>
-  </mc:AlternateContent>
   <c:chart>
     <c:title>
       <c:tx>
@@ -2044,7 +1925,7 @@
           </a:p>
         </c:rich>
       </c:tx>
-      <c:overlay val="0"/>
+      <c:layout/>
       <c:spPr>
         <a:noFill/>
         <a:ln>
@@ -2052,34 +1933,12 @@
         </a:ln>
         <a:effectLst/>
       </c:spPr>
-      <c:txPr>
-        <a:bodyPr rot="0" spcFirstLastPara="1" vertOverflow="ellipsis" vert="horz" wrap="square" anchor="ctr" anchorCtr="1"/>
-        <a:lstStyle/>
-        <a:p>
-          <a:pPr>
-            <a:defRPr sz="1400" b="0" i="0" u="none" strike="noStrike" kern="1200" spc="0" baseline="0">
-              <a:solidFill>
-                <a:schemeClr val="tx1">
-                  <a:lumMod val="65000"/>
-                  <a:lumOff val="35000"/>
-                </a:schemeClr>
-              </a:solidFill>
-              <a:latin typeface="+mn-lt"/>
-              <a:ea typeface="+mn-ea"/>
-              <a:cs typeface="+mn-cs"/>
-            </a:defRPr>
-          </a:pPr>
-          <a:endParaRPr lang="pt-PT"/>
-        </a:p>
-      </c:txPr>
     </c:title>
-    <c:autoTitleDeleted val="0"/>
     <c:plotArea>
       <c:layout/>
       <c:barChart>
         <c:barDir val="col"/>
         <c:grouping val="clustered"/>
-        <c:varyColors val="0"/>
         <c:ser>
           <c:idx val="0"/>
           <c:order val="0"/>
@@ -2095,7 +1954,6 @@
             </a:ln>
             <a:effectLst/>
           </c:spPr>
-          <c:invertIfNegative val="0"/>
           <c:cat>
             <c:strRef>
               <c:f>Folha1!$Q$32:$AF$32</c:f>
@@ -2189,7 +2047,7 @@
                   <c:v>70.58</c:v>
                 </c:pt>
                 <c:pt idx="10">
-                  <c:v>72.87</c:v>
+                  <c:v>72.86999999999999</c:v>
                 </c:pt>
                 <c:pt idx="11">
                   <c:v>73.72</c:v>
@@ -2204,12 +2062,12 @@
                   <c:v>76.510000000000005</c:v>
                 </c:pt>
                 <c:pt idx="15">
-                  <c:v>69.650000000000006</c:v>
+                  <c:v>69.649999999999991</c:v>
                 </c:pt>
               </c:numCache>
             </c:numRef>
           </c:val>
-          <c:extLst>
+          <c:extLst xmlns:c16r2="http://schemas.microsoft.com/office/drawing/2015/06/chart">
             <c:ext xmlns:c16="http://schemas.microsoft.com/office/drawing/2014/chart" uri="{C3380CC4-5D6E-409C-BE32-E72D297353CC}">
               <c16:uniqueId val="{00000000-7845-434D-8268-4C14A0D8F5A5}"/>
             </c:ext>
@@ -2230,7 +2088,6 @@
             </a:ln>
             <a:effectLst/>
           </c:spPr>
-          <c:invertIfNegative val="0"/>
           <c:cat>
             <c:strRef>
               <c:f>Folha1!$Q$32:$AF$32</c:f>
@@ -2324,13 +2181,13 @@
                   <c:v>69.290000000000006</c:v>
                 </c:pt>
                 <c:pt idx="10">
-                  <c:v>72.650000000000006</c:v>
+                  <c:v>72.649999999999991</c:v>
                 </c:pt>
                 <c:pt idx="11">
                   <c:v>72.47</c:v>
                 </c:pt>
                 <c:pt idx="12">
-                  <c:v>71.67</c:v>
+                  <c:v>71.669999999999987</c:v>
                 </c:pt>
                 <c:pt idx="13">
                   <c:v>75.33</c:v>
@@ -2344,7 +2201,7 @@
               </c:numCache>
             </c:numRef>
           </c:val>
-          <c:extLst>
+          <c:extLst xmlns:c16r2="http://schemas.microsoft.com/office/drawing/2015/06/chart">
             <c:ext xmlns:c16="http://schemas.microsoft.com/office/drawing/2014/chart" uri="{C3380CC4-5D6E-409C-BE32-E72D297353CC}">
               <c16:uniqueId val="{00000001-7845-434D-8268-4C14A0D8F5A5}"/>
             </c:ext>
@@ -2365,7 +2222,6 @@
             </a:ln>
             <a:effectLst/>
           </c:spPr>
-          <c:invertIfNegative val="0"/>
           <c:cat>
             <c:strRef>
               <c:f>Folha1!$Q$32:$AF$32</c:f>
@@ -2447,7 +2303,7 @@
                   <c:v>94.57</c:v>
                 </c:pt>
                 <c:pt idx="6">
-                  <c:v>94.46</c:v>
+                  <c:v>94.460000000000008</c:v>
                 </c:pt>
                 <c:pt idx="7">
                   <c:v>87.38</c:v>
@@ -2459,7 +2315,7 @@
                   <c:v>94.75</c:v>
                 </c:pt>
                 <c:pt idx="10">
-                  <c:v>94.67</c:v>
+                  <c:v>94.669999999999987</c:v>
                 </c:pt>
                 <c:pt idx="11">
                   <c:v>95.9</c:v>
@@ -2468,10 +2324,10 @@
                   <c:v>96</c:v>
                 </c:pt>
                 <c:pt idx="13">
-                  <c:v>95.24</c:v>
+                  <c:v>95.240000000000009</c:v>
                 </c:pt>
                 <c:pt idx="14">
-                  <c:v>95.62</c:v>
+                  <c:v>95.61999999999999</c:v>
                 </c:pt>
                 <c:pt idx="15">
                   <c:v>94.4</c:v>
@@ -2479,7 +2335,7 @@
               </c:numCache>
             </c:numRef>
           </c:val>
-          <c:extLst>
+          <c:extLst xmlns:c16r2="http://schemas.microsoft.com/office/drawing/2015/06/chart">
             <c:ext xmlns:c16="http://schemas.microsoft.com/office/drawing/2014/chart" uri="{C3380CC4-5D6E-409C-BE32-E72D297353CC}">
               <c16:uniqueId val="{00000002-7845-434D-8268-4C14A0D8F5A5}"/>
             </c:ext>
@@ -2508,7 +2364,6 @@
             </a:ln>
             <a:effectLst/>
           </c:spPr>
-          <c:invertIfNegative val="0"/>
           <c:cat>
             <c:strRef>
               <c:f>Folha1!$Q$32:$AF$32</c:f>
@@ -2575,10 +2430,10 @@
                   <c:v>46.97</c:v>
                 </c:pt>
                 <c:pt idx="1">
-                  <c:v>61.26</c:v>
+                  <c:v>61.260000000000005</c:v>
                 </c:pt>
                 <c:pt idx="2">
-                  <c:v>63.95</c:v>
+                  <c:v>63.949999999999996</c:v>
                 </c:pt>
                 <c:pt idx="3">
                   <c:v>62.17</c:v>
@@ -2611,7 +2466,7 @@
                   <c:v>66.83</c:v>
                 </c:pt>
                 <c:pt idx="13">
-                  <c:v>72.17</c:v>
+                  <c:v>72.169999999999987</c:v>
                 </c:pt>
                 <c:pt idx="14">
                   <c:v>71.39</c:v>
@@ -2622,7 +2477,7 @@
               </c:numCache>
             </c:numRef>
           </c:val>
-          <c:extLst>
+          <c:extLst xmlns:c16r2="http://schemas.microsoft.com/office/drawing/2015/06/chart">
             <c:ext xmlns:c16="http://schemas.microsoft.com/office/drawing/2014/chart" uri="{C3380CC4-5D6E-409C-BE32-E72D297353CC}">
               <c16:uniqueId val="{00000003-7845-434D-8268-4C14A0D8F5A5}"/>
             </c:ext>
@@ -2643,7 +2498,6 @@
             </a:ln>
             <a:effectLst/>
           </c:spPr>
-          <c:invertIfNegative val="0"/>
           <c:cat>
             <c:strRef>
               <c:f>Folha1!$Q$32:$AF$32</c:f>
@@ -2754,35 +2608,26 @@
               </c:numCache>
             </c:numRef>
           </c:val>
-          <c:extLst>
+          <c:extLst xmlns:c16r2="http://schemas.microsoft.com/office/drawing/2015/06/chart">
             <c:ext xmlns:c16="http://schemas.microsoft.com/office/drawing/2014/chart" uri="{C3380CC4-5D6E-409C-BE32-E72D297353CC}">
               <c16:uniqueId val="{00000004-7845-434D-8268-4C14A0D8F5A5}"/>
             </c:ext>
           </c:extLst>
         </c:ser>
-        <c:dLbls>
-          <c:showLegendKey val="0"/>
-          <c:showVal val="0"/>
-          <c:showCatName val="0"/>
-          <c:showSerName val="0"/>
-          <c:showPercent val="0"/>
-          <c:showBubbleSize val="0"/>
-        </c:dLbls>
+        <c:dLbls/>
         <c:gapWidth val="219"/>
         <c:overlap val="-27"/>
-        <c:axId val="810589112"/>
-        <c:axId val="810596656"/>
+        <c:axId val="104831616"/>
+        <c:axId val="104849792"/>
       </c:barChart>
       <c:catAx>
-        <c:axId val="810589112"/>
+        <c:axId val="104831616"/>
         <c:scaling>
           <c:orientation val="minMax"/>
         </c:scaling>
-        <c:delete val="0"/>
         <c:axPos val="b"/>
         <c:numFmt formatCode="General" sourceLinked="1"/>
         <c:majorTickMark val="none"/>
-        <c:minorTickMark val="none"/>
         <c:tickLblPos val="nextTo"/>
         <c:spPr>
           <a:noFill/>
@@ -2817,19 +2662,17 @@
             <a:endParaRPr lang="pt-PT"/>
           </a:p>
         </c:txPr>
-        <c:crossAx val="810596656"/>
+        <c:crossAx val="104849792"/>
         <c:crosses val="autoZero"/>
         <c:auto val="1"/>
         <c:lblAlgn val="ctr"/>
         <c:lblOffset val="100"/>
-        <c:noMultiLvlLbl val="0"/>
       </c:catAx>
       <c:valAx>
-        <c:axId val="810596656"/>
+        <c:axId val="104849792"/>
         <c:scaling>
           <c:orientation val="minMax"/>
         </c:scaling>
-        <c:delete val="0"/>
         <c:axPos val="l"/>
         <c:majorGridlines>
           <c:spPr>
@@ -2847,7 +2690,6 @@
         </c:majorGridlines>
         <c:numFmt formatCode="General" sourceLinked="1"/>
         <c:majorTickMark val="none"/>
-        <c:minorTickMark val="none"/>
         <c:tickLblPos val="nextTo"/>
         <c:spPr>
           <a:noFill/>
@@ -2876,7 +2718,7 @@
             <a:endParaRPr lang="pt-PT"/>
           </a:p>
         </c:txPr>
-        <c:crossAx val="810589112"/>
+        <c:crossAx val="104831616"/>
         <c:crosses val="autoZero"/>
         <c:crossBetween val="between"/>
       </c:valAx>
@@ -2929,7 +2771,6 @@
     </c:plotArea>
     <c:plotVisOnly val="1"/>
     <c:dispBlanksAs val="gap"/>
-    <c:showDLblsOverMax val="0"/>
   </c:chart>
   <c:spPr>
     <a:noFill/>
@@ -2948,25 +2789,13 @@
       <a:endParaRPr lang="pt-PT"/>
     </a:p>
   </c:txPr>
-  <c:externalData r:id="rId3">
-    <c:autoUpdate val="0"/>
-  </c:externalData>
+  <c:externalData r:id="rId1"/>
 </c:chartSpace>
 </file>
 
 <file path=ppt/charts/chart12.xml><?xml version="1.0" encoding="utf-8"?>
-<c:chartSpace xmlns:c="http://schemas.openxmlformats.org/drawingml/2006/chart" xmlns:a="http://schemas.openxmlformats.org/drawingml/2006/main" xmlns:r="http://schemas.openxmlformats.org/officeDocument/2006/relationships" xmlns:c16r2="http://schemas.microsoft.com/office/drawing/2015/06/chart">
-  <c:date1904 val="0"/>
+<c:chartSpace xmlns:c="http://schemas.openxmlformats.org/drawingml/2006/chart" xmlns:a="http://schemas.openxmlformats.org/drawingml/2006/main" xmlns:r="http://schemas.openxmlformats.org/officeDocument/2006/relationships">
   <c:lang val="pt-PT"/>
-  <c:roundedCorners val="0"/>
-  <mc:AlternateContent xmlns:mc="http://schemas.openxmlformats.org/markup-compatibility/2006">
-    <mc:Choice xmlns:c14="http://schemas.microsoft.com/office/drawing/2007/8/2/chart" Requires="c14">
-      <c14:style val="102"/>
-    </mc:Choice>
-    <mc:Fallback>
-      <c:style val="2"/>
-    </mc:Fallback>
-  </mc:AlternateContent>
   <c:chart>
     <c:title>
       <c:tx>
@@ -2996,7 +2825,7 @@
           </a:p>
         </c:rich>
       </c:tx>
-      <c:overlay val="0"/>
+      <c:layout/>
       <c:spPr>
         <a:noFill/>
         <a:ln>
@@ -3004,33 +2833,11 @@
         </a:ln>
         <a:effectLst/>
       </c:spPr>
-      <c:txPr>
-        <a:bodyPr rot="0" spcFirstLastPara="1" vertOverflow="ellipsis" vert="horz" wrap="square" anchor="ctr" anchorCtr="1"/>
-        <a:lstStyle/>
-        <a:p>
-          <a:pPr>
-            <a:defRPr sz="1400" b="0" i="0" u="none" strike="noStrike" kern="1200" spc="0" baseline="0">
-              <a:solidFill>
-                <a:schemeClr val="tx1">
-                  <a:lumMod val="65000"/>
-                  <a:lumOff val="35000"/>
-                </a:schemeClr>
-              </a:solidFill>
-              <a:latin typeface="+mn-lt"/>
-              <a:ea typeface="+mn-ea"/>
-              <a:cs typeface="+mn-cs"/>
-            </a:defRPr>
-          </a:pPr>
-          <a:endParaRPr lang="pt-PT"/>
-        </a:p>
-      </c:txPr>
     </c:title>
-    <c:autoTitleDeleted val="0"/>
     <c:plotArea>
       <c:layout/>
       <c:lineChart>
         <c:grouping val="standard"/>
-        <c:varyColors val="0"/>
         <c:ser>
           <c:idx val="0"/>
           <c:order val="0"/>
@@ -3168,8 +2975,7 @@
               </c:numCache>
             </c:numRef>
           </c:val>
-          <c:smooth val="0"/>
-          <c:extLst>
+          <c:extLst xmlns:c16r2="http://schemas.microsoft.com/office/drawing/2015/06/chart">
             <c:ext xmlns:c16="http://schemas.microsoft.com/office/drawing/2014/chart" uri="{C3380CC4-5D6E-409C-BE32-E72D297353CC}">
               <c16:uniqueId val="{00000000-CA7B-44E0-A69D-70181BA88588}"/>
             </c:ext>
@@ -3177,7 +2983,7 @@
         </c:ser>
         <c:ser>
           <c:idx val="4"/>
-          <c:order val="4"/>
+          <c:order val="1"/>
           <c:tx>
             <c:v>Média de Taxa de Compressão</c:v>
           </c:tx>
@@ -3321,8 +3127,7 @@
               </c:numCache>
             </c:numRef>
           </c:val>
-          <c:smooth val="0"/>
-          <c:extLst>
+          <c:extLst xmlns:c16r2="http://schemas.microsoft.com/office/drawing/2015/06/chart">
             <c:ext xmlns:c16="http://schemas.microsoft.com/office/drawing/2014/chart" uri="{C3380CC4-5D6E-409C-BE32-E72D297353CC}">
               <c16:uniqueId val="{00000001-CA7B-44E0-A69D-70181BA88588}"/>
             </c:ext>
@@ -3330,7 +3135,7 @@
         </c:ser>
         <c:ser>
           <c:idx val="5"/>
-          <c:order val="5"/>
+          <c:order val="2"/>
           <c:tx>
             <c:v>Fator de Compressão CMP</c:v>
           </c:tx>
@@ -3371,7 +3176,7 @@
                 <c:formatCode>General</c:formatCode>
                 <c:ptCount val="15"/>
                 <c:pt idx="0">
-                  <c:v>39.299999999999997</c:v>
+                  <c:v>39.300000000000011</c:v>
                 </c:pt>
                 <c:pt idx="1">
                   <c:v>82.6</c:v>
@@ -3398,7 +3203,7 @@
                   <c:v>98.7</c:v>
                 </c:pt>
                 <c:pt idx="9">
-                  <c:v>37.299999999999997</c:v>
+                  <c:v>37.300000000000011</c:v>
                 </c:pt>
                 <c:pt idx="10">
                   <c:v>99.3</c:v>
@@ -3418,26 +3223,17 @@
               </c:numCache>
             </c:numRef>
           </c:val>
-          <c:smooth val="0"/>
-          <c:extLst>
+          <c:extLst xmlns:c16r2="http://schemas.microsoft.com/office/drawing/2015/06/chart">
             <c:ext xmlns:c16="http://schemas.microsoft.com/office/drawing/2014/chart" uri="{C3380CC4-5D6E-409C-BE32-E72D297353CC}">
               <c16:uniqueId val="{00000002-CA7B-44E0-A69D-70181BA88588}"/>
             </c:ext>
           </c:extLst>
         </c:ser>
-        <c:dLbls>
-          <c:showLegendKey val="0"/>
-          <c:showVal val="0"/>
-          <c:showCatName val="0"/>
-          <c:showSerName val="0"/>
-          <c:showPercent val="0"/>
-          <c:showBubbleSize val="0"/>
-        </c:dLbls>
+        <c:dLbls/>
         <c:marker val="1"/>
-        <c:smooth val="0"/>
-        <c:axId val="803828456"/>
-        <c:axId val="803823208"/>
-        <c:extLst>
+        <c:axId val="105059072"/>
+        <c:axId val="105060608"/>
+        <c:extLst xmlns:c16r2="http://schemas.microsoft.com/office/drawing/2015/06/chart">
           <c:ext xmlns:c15="http://schemas.microsoft.com/office/drawing/2012/chart" uri="{02D57815-91ED-43cb-92C2-25804820EDAC}">
             <c15:filteredLineSeries>
               <c15:ser>
@@ -3803,15 +3599,12 @@
         </c:extLst>
       </c:lineChart>
       <c:catAx>
-        <c:axId val="803828456"/>
+        <c:axId val="105059072"/>
         <c:scaling>
           <c:orientation val="minMax"/>
         </c:scaling>
-        <c:delete val="0"/>
         <c:axPos val="b"/>
         <c:numFmt formatCode="General" sourceLinked="1"/>
-        <c:majorTickMark val="out"/>
-        <c:minorTickMark val="none"/>
         <c:tickLblPos val="nextTo"/>
         <c:spPr>
           <a:noFill/>
@@ -3846,19 +3639,17 @@
             <a:endParaRPr lang="pt-PT"/>
           </a:p>
         </c:txPr>
-        <c:crossAx val="803823208"/>
+        <c:crossAx val="105060608"/>
         <c:crosses val="autoZero"/>
         <c:auto val="1"/>
         <c:lblAlgn val="ctr"/>
         <c:lblOffset val="100"/>
-        <c:noMultiLvlLbl val="0"/>
       </c:catAx>
       <c:valAx>
-        <c:axId val="803823208"/>
+        <c:axId val="105060608"/>
         <c:scaling>
           <c:orientation val="minMax"/>
         </c:scaling>
-        <c:delete val="0"/>
         <c:axPos val="l"/>
         <c:majorGridlines>
           <c:spPr>
@@ -3875,8 +3666,6 @@
           </c:spPr>
         </c:majorGridlines>
         <c:numFmt formatCode="General" sourceLinked="1"/>
-        <c:majorTickMark val="out"/>
-        <c:minorTickMark val="none"/>
         <c:tickLblPos val="nextTo"/>
         <c:spPr>
           <a:noFill/>
@@ -3905,7 +3694,7 @@
             <a:endParaRPr lang="pt-PT"/>
           </a:p>
         </c:txPr>
-        <c:crossAx val="803828456"/>
+        <c:crossAx val="105059072"/>
         <c:crosses val="autoZero"/>
         <c:crossBetween val="between"/>
       </c:valAx>
@@ -3960,7 +3749,7 @@
     </c:plotArea>
     <c:legend>
       <c:legendPos val="b"/>
-      <c:overlay val="0"/>
+      <c:layout/>
       <c:spPr>
         <a:noFill/>
         <a:ln>
@@ -3991,7 +3780,6 @@
     </c:legend>
     <c:plotVisOnly val="1"/>
     <c:dispBlanksAs val="gap"/>
-    <c:showDLblsOverMax val="0"/>
   </c:chart>
   <c:spPr>
     <a:noFill/>
@@ -4010,25 +3798,13 @@
       <a:endParaRPr lang="pt-PT"/>
     </a:p>
   </c:txPr>
-  <c:externalData r:id="rId3">
-    <c:autoUpdate val="0"/>
-  </c:externalData>
+  <c:externalData r:id="rId1"/>
 </c:chartSpace>
 </file>
 
 <file path=ppt/charts/chart13.xml><?xml version="1.0" encoding="utf-8"?>
-<c:chartSpace xmlns:c="http://schemas.openxmlformats.org/drawingml/2006/chart" xmlns:a="http://schemas.openxmlformats.org/drawingml/2006/main" xmlns:r="http://schemas.openxmlformats.org/officeDocument/2006/relationships" xmlns:c16r2="http://schemas.microsoft.com/office/drawing/2015/06/chart">
-  <c:date1904 val="0"/>
+<c:chartSpace xmlns:c="http://schemas.openxmlformats.org/drawingml/2006/chart" xmlns:a="http://schemas.openxmlformats.org/drawingml/2006/main" xmlns:r="http://schemas.openxmlformats.org/officeDocument/2006/relationships">
   <c:lang val="pt-PT"/>
-  <c:roundedCorners val="0"/>
-  <mc:AlternateContent xmlns:mc="http://schemas.openxmlformats.org/markup-compatibility/2006">
-    <mc:Choice xmlns:c14="http://schemas.microsoft.com/office/drawing/2007/8/2/chart" Requires="c14">
-      <c14:style val="102"/>
-    </mc:Choice>
-    <mc:Fallback>
-      <c:style val="2"/>
-    </mc:Fallback>
-  </mc:AlternateContent>
   <c:chart>
     <c:title>
       <c:tx>
@@ -4060,7 +3836,17 @@
           </a:p>
           <a:p>
             <a:pPr>
-              <a:defRPr/>
+              <a:defRPr sz="1800" b="1" i="0" u="none" strike="noStrike" kern="1200" cap="all" spc="150" baseline="0">
+                <a:solidFill>
+                  <a:schemeClr val="tx1">
+                    <a:lumMod val="50000"/>
+                    <a:lumOff val="50000"/>
+                  </a:schemeClr>
+                </a:solidFill>
+                <a:latin typeface="+mn-lt"/>
+                <a:ea typeface="+mn-ea"/>
+                <a:cs typeface="+mn-cs"/>
+              </a:defRPr>
             </a:pPr>
             <a:r>
               <a:rPr lang="pt-PT" baseline="0"/>
@@ -4070,7 +3856,7 @@
           </a:p>
         </c:rich>
       </c:tx>
-      <c:overlay val="0"/>
+      <c:layout/>
       <c:spPr>
         <a:noFill/>
         <a:ln>
@@ -4078,34 +3864,12 @@
         </a:ln>
         <a:effectLst/>
       </c:spPr>
-      <c:txPr>
-        <a:bodyPr rot="0" spcFirstLastPara="1" vertOverflow="ellipsis" vert="horz" wrap="square" anchor="ctr" anchorCtr="1"/>
-        <a:lstStyle/>
-        <a:p>
-          <a:pPr>
-            <a:defRPr sz="1800" b="1" i="0" u="none" strike="noStrike" kern="1200" cap="all" spc="150" baseline="0">
-              <a:solidFill>
-                <a:schemeClr val="tx1">
-                  <a:lumMod val="50000"/>
-                  <a:lumOff val="50000"/>
-                </a:schemeClr>
-              </a:solidFill>
-              <a:latin typeface="+mn-lt"/>
-              <a:ea typeface="+mn-ea"/>
-              <a:cs typeface="+mn-cs"/>
-            </a:defRPr>
-          </a:pPr>
-          <a:endParaRPr lang="pt-PT"/>
-        </a:p>
-      </c:txPr>
     </c:title>
-    <c:autoTitleDeleted val="0"/>
     <c:plotArea>
       <c:layout/>
       <c:barChart>
         <c:barDir val="bar"/>
         <c:grouping val="clustered"/>
-        <c:varyColors val="0"/>
         <c:ser>
           <c:idx val="0"/>
           <c:order val="0"/>
@@ -4130,7 +3894,6 @@
               </a:innerShdw>
             </a:effectLst>
           </c:spPr>
-          <c:invertIfNegative val="0"/>
           <c:dLbls>
             <c:spPr>
               <a:noFill/>
@@ -4162,14 +3925,8 @@
               </a:p>
             </c:txPr>
             <c:dLblPos val="outEnd"/>
-            <c:showLegendKey val="0"/>
             <c:showVal val="1"/>
-            <c:showCatName val="0"/>
-            <c:showSerName val="0"/>
-            <c:showPercent val="0"/>
-            <c:showBubbleSize val="0"/>
-            <c:showLeaderLines val="0"/>
-            <c:extLst>
+            <c:extLst xmlns:c16r2="http://schemas.microsoft.com/office/drawing/2015/06/chart">
               <c:ext xmlns:c15="http://schemas.microsoft.com/office/drawing/2012/chart" uri="{CE6537A1-D6FC-4f65-9D91-7224C49458BB}">
                 <c15:showLeaderLines val="1"/>
                 <c15:leaderLines>
@@ -4232,36 +3989,28 @@
               </c:numCache>
             </c:numRef>
           </c:val>
-          <c:extLst>
+          <c:extLst xmlns:c16r2="http://schemas.microsoft.com/office/drawing/2015/06/chart">
             <c:ext xmlns:c16="http://schemas.microsoft.com/office/drawing/2014/chart" uri="{C3380CC4-5D6E-409C-BE32-E72D297353CC}">
               <c16:uniqueId val="{00000000-FA51-42C4-A1DE-932CA516504E}"/>
             </c:ext>
           </c:extLst>
         </c:ser>
         <c:dLbls>
-          <c:dLblPos val="outEnd"/>
-          <c:showLegendKey val="0"/>
           <c:showVal val="1"/>
-          <c:showCatName val="0"/>
-          <c:showSerName val="0"/>
-          <c:showPercent val="0"/>
-          <c:showBubbleSize val="0"/>
         </c:dLbls>
         <c:gapWidth val="227"/>
         <c:overlap val="-48"/>
-        <c:axId val="554323208"/>
-        <c:axId val="554320256"/>
+        <c:axId val="104927232"/>
+        <c:axId val="104928768"/>
       </c:barChart>
       <c:catAx>
-        <c:axId val="554323208"/>
+        <c:axId val="104927232"/>
         <c:scaling>
           <c:orientation val="minMax"/>
         </c:scaling>
-        <c:delete val="0"/>
         <c:axPos val="l"/>
         <c:numFmt formatCode="General" sourceLinked="1"/>
         <c:majorTickMark val="none"/>
-        <c:minorTickMark val="none"/>
         <c:tickLblPos val="nextTo"/>
         <c:spPr>
           <a:noFill/>
@@ -4296,23 +4045,20 @@
             <a:endParaRPr lang="pt-PT"/>
           </a:p>
         </c:txPr>
-        <c:crossAx val="554320256"/>
+        <c:crossAx val="104928768"/>
         <c:crosses val="autoZero"/>
         <c:auto val="1"/>
         <c:lblAlgn val="ctr"/>
         <c:lblOffset val="100"/>
-        <c:noMultiLvlLbl val="0"/>
       </c:catAx>
       <c:valAx>
-        <c:axId val="554320256"/>
+        <c:axId val="104928768"/>
         <c:scaling>
           <c:orientation val="minMax"/>
         </c:scaling>
-        <c:delete val="0"/>
         <c:axPos val="b"/>
         <c:numFmt formatCode="General" sourceLinked="1"/>
         <c:majorTickMark val="none"/>
-        <c:minorTickMark val="none"/>
         <c:tickLblPos val="nextTo"/>
         <c:spPr>
           <a:noFill/>
@@ -4341,7 +4087,7 @@
             <a:endParaRPr lang="pt-PT"/>
           </a:p>
         </c:txPr>
-        <c:crossAx val="554323208"/>
+        <c:crossAx val="104927232"/>
         <c:crosses val="autoZero"/>
         <c:crossBetween val="between"/>
       </c:valAx>
@@ -4355,7 +4101,6 @@
     </c:plotArea>
     <c:plotVisOnly val="1"/>
     <c:dispBlanksAs val="gap"/>
-    <c:showDLblsOverMax val="0"/>
   </c:chart>
   <c:spPr>
     <a:noFill/>
@@ -4374,25 +4119,13 @@
       <a:endParaRPr lang="pt-PT"/>
     </a:p>
   </c:txPr>
-  <c:externalData r:id="rId3">
-    <c:autoUpdate val="0"/>
-  </c:externalData>
+  <c:externalData r:id="rId1"/>
 </c:chartSpace>
 </file>
 
 <file path=ppt/charts/chart14.xml><?xml version="1.0" encoding="utf-8"?>
-<c:chartSpace xmlns:c="http://schemas.openxmlformats.org/drawingml/2006/chart" xmlns:a="http://schemas.openxmlformats.org/drawingml/2006/main" xmlns:r="http://schemas.openxmlformats.org/officeDocument/2006/relationships" xmlns:c16r2="http://schemas.microsoft.com/office/drawing/2015/06/chart">
-  <c:date1904 val="0"/>
+<c:chartSpace xmlns:c="http://schemas.openxmlformats.org/drawingml/2006/chart" xmlns:a="http://schemas.openxmlformats.org/drawingml/2006/main" xmlns:r="http://schemas.openxmlformats.org/officeDocument/2006/relationships">
   <c:lang val="pt-PT"/>
-  <c:roundedCorners val="0"/>
-  <mc:AlternateContent xmlns:mc="http://schemas.openxmlformats.org/markup-compatibility/2006">
-    <mc:Choice xmlns:c14="http://schemas.microsoft.com/office/drawing/2007/8/2/chart" Requires="c14">
-      <c14:style val="102"/>
-    </mc:Choice>
-    <mc:Fallback>
-      <c:style val="2"/>
-    </mc:Fallback>
-  </mc:AlternateContent>
   <c:chart>
     <c:title>
       <c:tx>
@@ -4425,7 +4158,17 @@
           </a:p>
           <a:p>
             <a:pPr>
-              <a:defRPr/>
+              <a:defRPr sz="1800" b="1" i="0" u="none" strike="noStrike" kern="1200" cap="all" spc="150" baseline="0">
+                <a:solidFill>
+                  <a:schemeClr val="tx1">
+                    <a:lumMod val="50000"/>
+                    <a:lumOff val="50000"/>
+                  </a:schemeClr>
+                </a:solidFill>
+                <a:latin typeface="+mn-lt"/>
+                <a:ea typeface="+mn-ea"/>
+                <a:cs typeface="+mn-cs"/>
+              </a:defRPr>
             </a:pPr>
             <a:r>
               <a:rPr lang="pt-PT" sz="1800" b="1" i="0" cap="all" baseline="0">
@@ -4439,7 +4182,7 @@
           </a:p>
         </c:rich>
       </c:tx>
-      <c:overlay val="0"/>
+      <c:layout/>
       <c:spPr>
         <a:noFill/>
         <a:ln>
@@ -4447,34 +4190,12 @@
         </a:ln>
         <a:effectLst/>
       </c:spPr>
-      <c:txPr>
-        <a:bodyPr rot="0" spcFirstLastPara="1" vertOverflow="ellipsis" vert="horz" wrap="square" anchor="ctr" anchorCtr="1"/>
-        <a:lstStyle/>
-        <a:p>
-          <a:pPr>
-            <a:defRPr sz="1800" b="1" i="0" u="none" strike="noStrike" kern="1200" cap="all" spc="150" baseline="0">
-              <a:solidFill>
-                <a:schemeClr val="tx1">
-                  <a:lumMod val="50000"/>
-                  <a:lumOff val="50000"/>
-                </a:schemeClr>
-              </a:solidFill>
-              <a:latin typeface="+mn-lt"/>
-              <a:ea typeface="+mn-ea"/>
-              <a:cs typeface="+mn-cs"/>
-            </a:defRPr>
-          </a:pPr>
-          <a:endParaRPr lang="pt-PT"/>
-        </a:p>
-      </c:txPr>
     </c:title>
-    <c:autoTitleDeleted val="0"/>
     <c:plotArea>
       <c:layout/>
       <c:barChart>
         <c:barDir val="bar"/>
         <c:grouping val="clustered"/>
-        <c:varyColors val="0"/>
         <c:ser>
           <c:idx val="0"/>
           <c:order val="0"/>
@@ -4499,7 +4220,6 @@
               </a:innerShdw>
             </a:effectLst>
           </c:spPr>
-          <c:invertIfNegative val="0"/>
           <c:dLbls>
             <c:spPr>
               <a:noFill/>
@@ -4531,14 +4251,8 @@
               </a:p>
             </c:txPr>
             <c:dLblPos val="outEnd"/>
-            <c:showLegendKey val="0"/>
             <c:showVal val="1"/>
-            <c:showCatName val="0"/>
-            <c:showSerName val="0"/>
-            <c:showPercent val="0"/>
-            <c:showBubbleSize val="0"/>
-            <c:showLeaderLines val="0"/>
-            <c:extLst>
+            <c:extLst xmlns:c16r2="http://schemas.microsoft.com/office/drawing/2015/06/chart">
               <c:ext xmlns:c15="http://schemas.microsoft.com/office/drawing/2012/chart" uri="{CE6537A1-D6FC-4f65-9D91-7224C49458BB}">
                 <c15:showLeaderLines val="1"/>
                 <c15:leaderLines>
@@ -4601,36 +4315,28 @@
               </c:numCache>
             </c:numRef>
           </c:val>
-          <c:extLst>
+          <c:extLst xmlns:c16r2="http://schemas.microsoft.com/office/drawing/2015/06/chart">
             <c:ext xmlns:c16="http://schemas.microsoft.com/office/drawing/2014/chart" uri="{C3380CC4-5D6E-409C-BE32-E72D297353CC}">
               <c16:uniqueId val="{00000000-3B10-452E-8465-7FCBBCF983E0}"/>
             </c:ext>
           </c:extLst>
         </c:ser>
         <c:dLbls>
-          <c:dLblPos val="outEnd"/>
-          <c:showLegendKey val="0"/>
           <c:showVal val="1"/>
-          <c:showCatName val="0"/>
-          <c:showSerName val="0"/>
-          <c:showPercent val="0"/>
-          <c:showBubbleSize val="0"/>
         </c:dLbls>
         <c:gapWidth val="227"/>
         <c:overlap val="-48"/>
-        <c:axId val="554326816"/>
-        <c:axId val="554321240"/>
+        <c:axId val="104957440"/>
+        <c:axId val="104958976"/>
       </c:barChart>
       <c:catAx>
-        <c:axId val="554326816"/>
+        <c:axId val="104957440"/>
         <c:scaling>
           <c:orientation val="minMax"/>
         </c:scaling>
-        <c:delete val="0"/>
         <c:axPos val="l"/>
         <c:numFmt formatCode="General" sourceLinked="1"/>
         <c:majorTickMark val="none"/>
-        <c:minorTickMark val="none"/>
         <c:tickLblPos val="nextTo"/>
         <c:spPr>
           <a:noFill/>
@@ -4665,23 +4371,20 @@
             <a:endParaRPr lang="pt-PT"/>
           </a:p>
         </c:txPr>
-        <c:crossAx val="554321240"/>
+        <c:crossAx val="104958976"/>
         <c:crosses val="autoZero"/>
         <c:auto val="1"/>
         <c:lblAlgn val="ctr"/>
         <c:lblOffset val="100"/>
-        <c:noMultiLvlLbl val="0"/>
       </c:catAx>
       <c:valAx>
-        <c:axId val="554321240"/>
+        <c:axId val="104958976"/>
         <c:scaling>
           <c:orientation val="minMax"/>
         </c:scaling>
-        <c:delete val="0"/>
         <c:axPos val="b"/>
         <c:numFmt formatCode="General" sourceLinked="1"/>
         <c:majorTickMark val="none"/>
-        <c:minorTickMark val="none"/>
         <c:tickLblPos val="nextTo"/>
         <c:spPr>
           <a:noFill/>
@@ -4710,7 +4413,7 @@
             <a:endParaRPr lang="pt-PT"/>
           </a:p>
         </c:txPr>
-        <c:crossAx val="554326816"/>
+        <c:crossAx val="104957440"/>
         <c:crosses val="autoZero"/>
         <c:crossBetween val="between"/>
       </c:valAx>
@@ -4724,7 +4427,6 @@
     </c:plotArea>
     <c:plotVisOnly val="1"/>
     <c:dispBlanksAs val="gap"/>
-    <c:showDLblsOverMax val="0"/>
   </c:chart>
   <c:spPr>
     <a:noFill/>
@@ -4743,25 +4445,13 @@
       <a:endParaRPr lang="pt-PT"/>
     </a:p>
   </c:txPr>
-  <c:externalData r:id="rId3">
-    <c:autoUpdate val="0"/>
-  </c:externalData>
+  <c:externalData r:id="rId1"/>
 </c:chartSpace>
 </file>
 
 <file path=ppt/charts/chart15.xml><?xml version="1.0" encoding="utf-8"?>
-<c:chartSpace xmlns:c="http://schemas.openxmlformats.org/drawingml/2006/chart" xmlns:a="http://schemas.openxmlformats.org/drawingml/2006/main" xmlns:r="http://schemas.openxmlformats.org/officeDocument/2006/relationships" xmlns:c16r2="http://schemas.microsoft.com/office/drawing/2015/06/chart">
-  <c:date1904 val="0"/>
+<c:chartSpace xmlns:c="http://schemas.openxmlformats.org/drawingml/2006/chart" xmlns:a="http://schemas.openxmlformats.org/drawingml/2006/main" xmlns:r="http://schemas.openxmlformats.org/officeDocument/2006/relationships">
   <c:lang val="pt-PT"/>
-  <c:roundedCorners val="0"/>
-  <mc:AlternateContent xmlns:mc="http://schemas.openxmlformats.org/markup-compatibility/2006">
-    <mc:Choice xmlns:c14="http://schemas.microsoft.com/office/drawing/2007/8/2/chart" Requires="c14">
-      <c14:style val="102"/>
-    </mc:Choice>
-    <mc:Fallback>
-      <c:style val="2"/>
-    </mc:Fallback>
-  </mc:AlternateContent>
   <c:chart>
     <c:title>
       <c:tx>
@@ -4789,7 +4479,17 @@
           </a:p>
           <a:p>
             <a:pPr>
-              <a:defRPr/>
+              <a:defRPr sz="1800" b="1" i="0" u="none" strike="noStrike" kern="1200" cap="all" spc="150" baseline="0">
+                <a:solidFill>
+                  <a:schemeClr val="tx1">
+                    <a:lumMod val="50000"/>
+                    <a:lumOff val="50000"/>
+                  </a:schemeClr>
+                </a:solidFill>
+                <a:latin typeface="+mn-lt"/>
+                <a:ea typeface="+mn-ea"/>
+                <a:cs typeface="+mn-cs"/>
+              </a:defRPr>
             </a:pPr>
             <a:r>
               <a:rPr lang="pt-PT"/>
@@ -4798,7 +4498,7 @@
           </a:p>
         </c:rich>
       </c:tx>
-      <c:overlay val="0"/>
+      <c:layout/>
       <c:spPr>
         <a:noFill/>
         <a:ln>
@@ -4806,34 +4506,12 @@
         </a:ln>
         <a:effectLst/>
       </c:spPr>
-      <c:txPr>
-        <a:bodyPr rot="0" spcFirstLastPara="1" vertOverflow="ellipsis" vert="horz" wrap="square" anchor="ctr" anchorCtr="1"/>
-        <a:lstStyle/>
-        <a:p>
-          <a:pPr>
-            <a:defRPr sz="1800" b="1" i="0" u="none" strike="noStrike" kern="1200" cap="all" spc="150" baseline="0">
-              <a:solidFill>
-                <a:schemeClr val="tx1">
-                  <a:lumMod val="50000"/>
-                  <a:lumOff val="50000"/>
-                </a:schemeClr>
-              </a:solidFill>
-              <a:latin typeface="+mn-lt"/>
-              <a:ea typeface="+mn-ea"/>
-              <a:cs typeface="+mn-cs"/>
-            </a:defRPr>
-          </a:pPr>
-          <a:endParaRPr lang="pt-PT"/>
-        </a:p>
-      </c:txPr>
     </c:title>
-    <c:autoTitleDeleted val="0"/>
     <c:plotArea>
       <c:layout/>
       <c:barChart>
         <c:barDir val="bar"/>
         <c:grouping val="clustered"/>
-        <c:varyColors val="0"/>
         <c:ser>
           <c:idx val="0"/>
           <c:order val="0"/>
@@ -4858,7 +4536,6 @@
               </a:innerShdw>
             </a:effectLst>
           </c:spPr>
-          <c:invertIfNegative val="0"/>
           <c:dLbls>
             <c:spPr>
               <a:noFill/>
@@ -4890,14 +4567,8 @@
               </a:p>
             </c:txPr>
             <c:dLblPos val="outEnd"/>
-            <c:showLegendKey val="0"/>
             <c:showVal val="1"/>
-            <c:showCatName val="0"/>
-            <c:showSerName val="0"/>
-            <c:showPercent val="0"/>
-            <c:showBubbleSize val="0"/>
-            <c:showLeaderLines val="0"/>
-            <c:extLst>
+            <c:extLst xmlns:c16r2="http://schemas.microsoft.com/office/drawing/2015/06/chart">
               <c:ext xmlns:c15="http://schemas.microsoft.com/office/drawing/2012/chart" uri="{CE6537A1-D6FC-4f65-9D91-7224C49458BB}">
                 <c15:showLeaderLines val="1"/>
                 <c15:leaderLines>
@@ -4960,36 +4631,28 @@
               </c:numCache>
             </c:numRef>
           </c:val>
-          <c:extLst>
+          <c:extLst xmlns:c16r2="http://schemas.microsoft.com/office/drawing/2015/06/chart">
             <c:ext xmlns:c16="http://schemas.microsoft.com/office/drawing/2014/chart" uri="{C3380CC4-5D6E-409C-BE32-E72D297353CC}">
               <c16:uniqueId val="{00000000-D265-4BCE-BE84-C53376549DC0}"/>
             </c:ext>
           </c:extLst>
         </c:ser>
         <c:dLbls>
-          <c:dLblPos val="outEnd"/>
-          <c:showLegendKey val="0"/>
           <c:showVal val="1"/>
-          <c:showCatName val="0"/>
-          <c:showSerName val="0"/>
-          <c:showPercent val="0"/>
-          <c:showBubbleSize val="0"/>
         </c:dLbls>
         <c:gapWidth val="227"/>
         <c:overlap val="-48"/>
-        <c:axId val="585244808"/>
-        <c:axId val="585253336"/>
+        <c:axId val="105327616"/>
+        <c:axId val="105337600"/>
       </c:barChart>
       <c:catAx>
-        <c:axId val="585244808"/>
+        <c:axId val="105327616"/>
         <c:scaling>
           <c:orientation val="minMax"/>
         </c:scaling>
-        <c:delete val="0"/>
         <c:axPos val="l"/>
         <c:numFmt formatCode="General" sourceLinked="1"/>
         <c:majorTickMark val="none"/>
-        <c:minorTickMark val="none"/>
         <c:tickLblPos val="nextTo"/>
         <c:spPr>
           <a:noFill/>
@@ -5024,23 +4687,20 @@
             <a:endParaRPr lang="pt-PT"/>
           </a:p>
         </c:txPr>
-        <c:crossAx val="585253336"/>
+        <c:crossAx val="105337600"/>
         <c:crosses val="autoZero"/>
         <c:auto val="1"/>
         <c:lblAlgn val="ctr"/>
         <c:lblOffset val="100"/>
-        <c:noMultiLvlLbl val="0"/>
       </c:catAx>
       <c:valAx>
-        <c:axId val="585253336"/>
+        <c:axId val="105337600"/>
         <c:scaling>
           <c:orientation val="minMax"/>
         </c:scaling>
-        <c:delete val="0"/>
         <c:axPos val="b"/>
         <c:numFmt formatCode="General" sourceLinked="1"/>
         <c:majorTickMark val="none"/>
-        <c:minorTickMark val="none"/>
         <c:tickLblPos val="nextTo"/>
         <c:spPr>
           <a:noFill/>
@@ -5069,7 +4729,7 @@
             <a:endParaRPr lang="pt-PT"/>
           </a:p>
         </c:txPr>
-        <c:crossAx val="585244808"/>
+        <c:crossAx val="105327616"/>
         <c:crosses val="autoZero"/>
         <c:crossBetween val="between"/>
       </c:valAx>
@@ -5083,7 +4743,6 @@
     </c:plotArea>
     <c:plotVisOnly val="1"/>
     <c:dispBlanksAs val="gap"/>
-    <c:showDLblsOverMax val="0"/>
   </c:chart>
   <c:spPr>
     <a:noFill/>
@@ -5102,25 +4761,13 @@
       <a:endParaRPr lang="pt-PT"/>
     </a:p>
   </c:txPr>
-  <c:externalData r:id="rId3">
-    <c:autoUpdate val="0"/>
-  </c:externalData>
+  <c:externalData r:id="rId1"/>
 </c:chartSpace>
 </file>
 
 <file path=ppt/charts/chart2.xml><?xml version="1.0" encoding="utf-8"?>
-<c:chartSpace xmlns:c="http://schemas.openxmlformats.org/drawingml/2006/chart" xmlns:a="http://schemas.openxmlformats.org/drawingml/2006/main" xmlns:r="http://schemas.openxmlformats.org/officeDocument/2006/relationships" xmlns:c16r2="http://schemas.microsoft.com/office/drawing/2015/06/chart">
-  <c:date1904 val="0"/>
+<c:chartSpace xmlns:c="http://schemas.openxmlformats.org/drawingml/2006/chart" xmlns:a="http://schemas.openxmlformats.org/drawingml/2006/main" xmlns:r="http://schemas.openxmlformats.org/officeDocument/2006/relationships">
   <c:lang val="pt-PT"/>
-  <c:roundedCorners val="0"/>
-  <mc:AlternateContent xmlns:mc="http://schemas.openxmlformats.org/markup-compatibility/2006">
-    <mc:Choice xmlns:c14="http://schemas.microsoft.com/office/drawing/2007/8/2/chart" Requires="c14">
-      <c14:style val="102"/>
-    </mc:Choice>
-    <mc:Fallback>
-      <c:style val="2"/>
-    </mc:Fallback>
-  </mc:AlternateContent>
   <c:chart>
     <c:title>
       <c:tx>
@@ -5152,7 +4799,17 @@
           </a:p>
           <a:p>
             <a:pPr>
-              <a:defRPr/>
+              <a:defRPr sz="1600" b="1" i="0" u="none" strike="noStrike" kern="1200" cap="all" spc="120" normalizeH="0" baseline="0">
+                <a:solidFill>
+                  <a:schemeClr val="tx1">
+                    <a:lumMod val="65000"/>
+                    <a:lumOff val="35000"/>
+                  </a:schemeClr>
+                </a:solidFill>
+                <a:latin typeface="+mn-lt"/>
+                <a:ea typeface="+mn-ea"/>
+                <a:cs typeface="+mn-cs"/>
+              </a:defRPr>
             </a:pPr>
             <a:r>
               <a:rPr lang="pt-PT" sz="1800" baseline="0"/>
@@ -5162,7 +4819,7 @@
           </a:p>
         </c:rich>
       </c:tx>
-      <c:overlay val="0"/>
+      <c:layout/>
       <c:spPr>
         <a:noFill/>
         <a:ln>
@@ -5170,34 +4827,12 @@
         </a:ln>
         <a:effectLst/>
       </c:spPr>
-      <c:txPr>
-        <a:bodyPr rot="0" spcFirstLastPara="1" vertOverflow="ellipsis" vert="horz" wrap="square" anchor="ctr" anchorCtr="1"/>
-        <a:lstStyle/>
-        <a:p>
-          <a:pPr>
-            <a:defRPr sz="1600" b="1" i="0" u="none" strike="noStrike" kern="1200" cap="all" spc="120" normalizeH="0" baseline="0">
-              <a:solidFill>
-                <a:schemeClr val="tx1">
-                  <a:lumMod val="65000"/>
-                  <a:lumOff val="35000"/>
-                </a:schemeClr>
-              </a:solidFill>
-              <a:latin typeface="+mn-lt"/>
-              <a:ea typeface="+mn-ea"/>
-              <a:cs typeface="+mn-cs"/>
-            </a:defRPr>
-          </a:pPr>
-          <a:endParaRPr lang="pt-PT"/>
-        </a:p>
-      </c:txPr>
     </c:title>
-    <c:autoTitleDeleted val="0"/>
     <c:plotArea>
       <c:layout/>
       <c:barChart>
         <c:barDir val="col"/>
         <c:grouping val="clustered"/>
-        <c:varyColors val="0"/>
         <c:ser>
           <c:idx val="0"/>
           <c:order val="0"/>
@@ -5213,7 +4848,6 @@
             </a:ln>
             <a:effectLst/>
           </c:spPr>
-          <c:invertIfNegative val="0"/>
           <c:dLbls>
             <c:spPr>
               <a:noFill/>
@@ -5245,14 +4879,8 @@
               </a:p>
             </c:txPr>
             <c:dLblPos val="outEnd"/>
-            <c:showLegendKey val="0"/>
             <c:showVal val="1"/>
-            <c:showCatName val="0"/>
-            <c:showSerName val="0"/>
-            <c:showPercent val="0"/>
-            <c:showBubbleSize val="0"/>
-            <c:showLeaderLines val="0"/>
-            <c:extLst>
+            <c:extLst xmlns:c16r2="http://schemas.microsoft.com/office/drawing/2015/06/chart">
               <c:ext xmlns:c15="http://schemas.microsoft.com/office/drawing/2012/chart" uri="{CE6537A1-D6FC-4f65-9D91-7224C49458BB}">
                 <c15:showLeaderLines val="1"/>
                 <c15:leaderLines>
@@ -5304,7 +4932,7 @@
                   <c:v>0.25</c:v>
                 </c:pt>
                 <c:pt idx="2">
-                  <c:v>1.38</c:v>
+                  <c:v>1.3800000000000001</c:v>
                 </c:pt>
                 <c:pt idx="3">
                   <c:v>0</c:v>
@@ -5315,7 +4943,7 @@
               </c:numCache>
             </c:numRef>
           </c:val>
-          <c:extLst>
+          <c:extLst xmlns:c16r2="http://schemas.microsoft.com/office/drawing/2015/06/chart">
             <c:ext xmlns:c16="http://schemas.microsoft.com/office/drawing/2014/chart" uri="{C3380CC4-5D6E-409C-BE32-E72D297353CC}">
               <c16:uniqueId val="{00000000-AAF9-4021-AC78-7FBA1509ECBE}"/>
             </c:ext>
@@ -5336,7 +4964,6 @@
             </a:ln>
             <a:effectLst/>
           </c:spPr>
-          <c:invertIfNegative val="0"/>
           <c:dLbls>
             <c:spPr>
               <a:noFill/>
@@ -5368,14 +4995,8 @@
               </a:p>
             </c:txPr>
             <c:dLblPos val="outEnd"/>
-            <c:showLegendKey val="0"/>
             <c:showVal val="1"/>
-            <c:showCatName val="0"/>
-            <c:showSerName val="0"/>
-            <c:showPercent val="0"/>
-            <c:showBubbleSize val="0"/>
-            <c:showLeaderLines val="0"/>
-            <c:extLst>
+            <c:extLst xmlns:c16r2="http://schemas.microsoft.com/office/drawing/2015/06/chart">
               <c:ext xmlns:c15="http://schemas.microsoft.com/office/drawing/2012/chart" uri="{CE6537A1-D6FC-4f65-9D91-7224C49458BB}">
                 <c15:showLeaderLines val="1"/>
                 <c15:leaderLines>
@@ -5424,10 +5045,10 @@
                   <c:v>3.54</c:v>
                 </c:pt>
                 <c:pt idx="1">
-                  <c:v>0.15</c:v>
+                  <c:v>0.15000000000000002</c:v>
                 </c:pt>
                 <c:pt idx="2">
-                  <c:v>0.97</c:v>
+                  <c:v>0.97000000000000008</c:v>
                 </c:pt>
                 <c:pt idx="3">
                   <c:v>0</c:v>
@@ -5438,7 +5059,7 @@
               </c:numCache>
             </c:numRef>
           </c:val>
-          <c:extLst>
+          <c:extLst xmlns:c16r2="http://schemas.microsoft.com/office/drawing/2015/06/chart">
             <c:ext xmlns:c16="http://schemas.microsoft.com/office/drawing/2014/chart" uri="{C3380CC4-5D6E-409C-BE32-E72D297353CC}">
               <c16:uniqueId val="{00000001-AAF9-4021-AC78-7FBA1509ECBE}"/>
             </c:ext>
@@ -5459,7 +5080,6 @@
             </a:ln>
             <a:effectLst/>
           </c:spPr>
-          <c:invertIfNegative val="0"/>
           <c:dLbls>
             <c:spPr>
               <a:noFill/>
@@ -5491,14 +5111,8 @@
               </a:p>
             </c:txPr>
             <c:dLblPos val="outEnd"/>
-            <c:showLegendKey val="0"/>
             <c:showVal val="1"/>
-            <c:showCatName val="0"/>
-            <c:showSerName val="0"/>
-            <c:showPercent val="0"/>
-            <c:showBubbleSize val="0"/>
-            <c:showLeaderLines val="0"/>
-            <c:extLst>
+            <c:extLst xmlns:c16r2="http://schemas.microsoft.com/office/drawing/2015/06/chart">
               <c:ext xmlns:c15="http://schemas.microsoft.com/office/drawing/2012/chart" uri="{CE6537A1-D6FC-4f65-9D91-7224C49458BB}">
                 <c15:showLeaderLines val="1"/>
                 <c15:leaderLines>
@@ -5547,7 +5161,7 @@
                   <c:v>9.92</c:v>
                 </c:pt>
                 <c:pt idx="1">
-                  <c:v>0.57999999999999996</c:v>
+                  <c:v>0.58000000000000007</c:v>
                 </c:pt>
                 <c:pt idx="2">
                   <c:v>0.89</c:v>
@@ -5561,7 +5175,7 @@
               </c:numCache>
             </c:numRef>
           </c:val>
-          <c:extLst>
+          <c:extLst xmlns:c16r2="http://schemas.microsoft.com/office/drawing/2015/06/chart">
             <c:ext xmlns:c16="http://schemas.microsoft.com/office/drawing/2014/chart" uri="{C3380CC4-5D6E-409C-BE32-E72D297353CC}">
               <c16:uniqueId val="{00000002-AAF9-4021-AC78-7FBA1509ECBE}"/>
             </c:ext>
@@ -5582,7 +5196,6 @@
             </a:ln>
             <a:effectLst/>
           </c:spPr>
-          <c:invertIfNegative val="0"/>
           <c:dLbls>
             <c:spPr>
               <a:noFill/>
@@ -5614,14 +5227,8 @@
               </a:p>
             </c:txPr>
             <c:dLblPos val="outEnd"/>
-            <c:showLegendKey val="0"/>
             <c:showVal val="1"/>
-            <c:showCatName val="0"/>
-            <c:showSerName val="0"/>
-            <c:showPercent val="0"/>
-            <c:showBubbleSize val="0"/>
-            <c:showLeaderLines val="0"/>
-            <c:extLst>
+            <c:extLst xmlns:c16r2="http://schemas.microsoft.com/office/drawing/2015/06/chart">
               <c:ext xmlns:c15="http://schemas.microsoft.com/office/drawing/2012/chart" uri="{CE6537A1-D6FC-4f65-9D91-7224C49458BB}">
                 <c15:showLeaderLines val="1"/>
                 <c15:leaderLines>
@@ -5684,7 +5291,7 @@
               </c:numCache>
             </c:numRef>
           </c:val>
-          <c:extLst>
+          <c:extLst xmlns:c16r2="http://schemas.microsoft.com/office/drawing/2015/06/chart">
             <c:ext xmlns:c16="http://schemas.microsoft.com/office/drawing/2014/chart" uri="{C3380CC4-5D6E-409C-BE32-E72D297353CC}">
               <c16:uniqueId val="{00000003-AAF9-4021-AC78-7FBA1509ECBE}"/>
             </c:ext>
@@ -5713,7 +5320,6 @@
             </a:ln>
             <a:effectLst/>
           </c:spPr>
-          <c:invertIfNegative val="0"/>
           <c:dLbls>
             <c:spPr>
               <a:noFill/>
@@ -5745,14 +5351,8 @@
               </a:p>
             </c:txPr>
             <c:dLblPos val="outEnd"/>
-            <c:showLegendKey val="0"/>
             <c:showVal val="1"/>
-            <c:showCatName val="0"/>
-            <c:showSerName val="0"/>
-            <c:showPercent val="0"/>
-            <c:showBubbleSize val="0"/>
-            <c:showLeaderLines val="0"/>
-            <c:extLst>
+            <c:extLst xmlns:c16r2="http://schemas.microsoft.com/office/drawing/2015/06/chart">
               <c:ext xmlns:c15="http://schemas.microsoft.com/office/drawing/2012/chart" uri="{CE6537A1-D6FC-4f65-9D91-7224C49458BB}">
                 <c15:showLeaderLines val="1"/>
                 <c15:leaderLines>
@@ -5778,10 +5378,10 @@
                 <c:formatCode>General</c:formatCode>
                 <c:ptCount val="5"/>
                 <c:pt idx="0">
-                  <c:v>5.97</c:v>
+                  <c:v>5.9700000000000006</c:v>
                 </c:pt>
                 <c:pt idx="1">
-                  <c:v>0.31</c:v>
+                  <c:v>0.31000000000000005</c:v>
                 </c:pt>
                 <c:pt idx="2">
                   <c:v>1.1100000000000001</c:v>
@@ -5795,32 +5395,25 @@
               </c:numCache>
             </c:numRef>
           </c:val>
-          <c:extLst>
+          <c:extLst xmlns:c16r2="http://schemas.microsoft.com/office/drawing/2015/06/chart">
             <c:ext xmlns:c16="http://schemas.microsoft.com/office/drawing/2014/chart" uri="{C3380CC4-5D6E-409C-BE32-E72D297353CC}">
               <c16:uniqueId val="{00000004-AAF9-4021-AC78-7FBA1509ECBE}"/>
             </c:ext>
           </c:extLst>
         </c:ser>
         <c:dLbls>
-          <c:dLblPos val="outEnd"/>
-          <c:showLegendKey val="0"/>
           <c:showVal val="1"/>
-          <c:showCatName val="0"/>
-          <c:showSerName val="0"/>
-          <c:showPercent val="0"/>
-          <c:showBubbleSize val="0"/>
         </c:dLbls>
         <c:gapWidth val="444"/>
         <c:overlap val="-90"/>
-        <c:axId val="675453552"/>
-        <c:axId val="675450928"/>
+        <c:axId val="102658048"/>
+        <c:axId val="102659584"/>
       </c:barChart>
       <c:catAx>
-        <c:axId val="675453552"/>
+        <c:axId val="102658048"/>
         <c:scaling>
           <c:orientation val="minMax"/>
         </c:scaling>
-        <c:delete val="0"/>
         <c:axPos val="b"/>
         <c:majorGridlines>
           <c:spPr>
@@ -5838,7 +5431,6 @@
         </c:majorGridlines>
         <c:numFmt formatCode="General" sourceLinked="1"/>
         <c:majorTickMark val="none"/>
-        <c:minorTickMark val="none"/>
         <c:tickLblPos val="nextTo"/>
         <c:spPr>
           <a:noFill/>
@@ -5873,15 +5465,14 @@
             <a:endParaRPr lang="pt-PT"/>
           </a:p>
         </c:txPr>
-        <c:crossAx val="675450928"/>
+        <c:crossAx val="102659584"/>
         <c:crosses val="autoZero"/>
         <c:auto val="1"/>
         <c:lblAlgn val="ctr"/>
         <c:lblOffset val="100"/>
-        <c:noMultiLvlLbl val="0"/>
       </c:catAx>
       <c:valAx>
-        <c:axId val="675450928"/>
+        <c:axId val="102659584"/>
         <c:scaling>
           <c:orientation val="minMax"/>
         </c:scaling>
@@ -5889,9 +5480,8 @@
         <c:axPos val="l"/>
         <c:numFmt formatCode="General" sourceLinked="1"/>
         <c:majorTickMark val="none"/>
-        <c:minorTickMark val="none"/>
         <c:tickLblPos val="nextTo"/>
-        <c:crossAx val="675453552"/>
+        <c:crossAx val="102658048"/>
         <c:crosses val="autoZero"/>
         <c:crossBetween val="between"/>
       </c:valAx>
@@ -5943,7 +5533,6 @@
     </c:plotArea>
     <c:plotVisOnly val="1"/>
     <c:dispBlanksAs val="gap"/>
-    <c:showDLblsOverMax val="0"/>
   </c:chart>
   <c:spPr>
     <a:noFill/>
@@ -5962,25 +5551,13 @@
       <a:endParaRPr lang="pt-PT"/>
     </a:p>
   </c:txPr>
-  <c:externalData r:id="rId3">
-    <c:autoUpdate val="0"/>
-  </c:externalData>
+  <c:externalData r:id="rId1"/>
 </c:chartSpace>
 </file>
 
 <file path=ppt/charts/chart3.xml><?xml version="1.0" encoding="utf-8"?>
-<c:chartSpace xmlns:c="http://schemas.openxmlformats.org/drawingml/2006/chart" xmlns:a="http://schemas.openxmlformats.org/drawingml/2006/main" xmlns:r="http://schemas.openxmlformats.org/officeDocument/2006/relationships" xmlns:c16r2="http://schemas.microsoft.com/office/drawing/2015/06/chart">
-  <c:date1904 val="0"/>
+<c:chartSpace xmlns:c="http://schemas.openxmlformats.org/drawingml/2006/chart" xmlns:a="http://schemas.openxmlformats.org/drawingml/2006/main" xmlns:r="http://schemas.openxmlformats.org/officeDocument/2006/relationships">
   <c:lang val="pt-PT"/>
-  <c:roundedCorners val="0"/>
-  <mc:AlternateContent xmlns:mc="http://schemas.openxmlformats.org/markup-compatibility/2006">
-    <mc:Choice xmlns:c14="http://schemas.microsoft.com/office/drawing/2007/8/2/chart" Requires="c14">
-      <c14:style val="102"/>
-    </mc:Choice>
-    <mc:Fallback>
-      <c:style val="2"/>
-    </mc:Fallback>
-  </mc:AlternateContent>
   <c:chart>
     <c:title>
       <c:tx>
@@ -6008,7 +5585,17 @@
           </a:p>
           <a:p>
             <a:pPr>
-              <a:defRPr/>
+              <a:defRPr sz="1600" b="1" i="0" u="none" strike="noStrike" kern="1200" cap="all" spc="120" normalizeH="0" baseline="0">
+                <a:solidFill>
+                  <a:schemeClr val="tx1">
+                    <a:lumMod val="65000"/>
+                    <a:lumOff val="35000"/>
+                  </a:schemeClr>
+                </a:solidFill>
+                <a:latin typeface="+mn-lt"/>
+                <a:ea typeface="+mn-ea"/>
+                <a:cs typeface="+mn-cs"/>
+              </a:defRPr>
             </a:pPr>
             <a:r>
               <a:rPr lang="pt-PT" sz="1800"/>
@@ -6017,7 +5604,7 @@
           </a:p>
         </c:rich>
       </c:tx>
-      <c:overlay val="0"/>
+      <c:layout/>
       <c:spPr>
         <a:noFill/>
         <a:ln>
@@ -6025,34 +5612,12 @@
         </a:ln>
         <a:effectLst/>
       </c:spPr>
-      <c:txPr>
-        <a:bodyPr rot="0" spcFirstLastPara="1" vertOverflow="ellipsis" vert="horz" wrap="square" anchor="ctr" anchorCtr="1"/>
-        <a:lstStyle/>
-        <a:p>
-          <a:pPr>
-            <a:defRPr sz="1600" b="1" i="0" u="none" strike="noStrike" kern="1200" cap="all" spc="120" normalizeH="0" baseline="0">
-              <a:solidFill>
-                <a:schemeClr val="tx1">
-                  <a:lumMod val="65000"/>
-                  <a:lumOff val="35000"/>
-                </a:schemeClr>
-              </a:solidFill>
-              <a:latin typeface="+mn-lt"/>
-              <a:ea typeface="+mn-ea"/>
-              <a:cs typeface="+mn-cs"/>
-            </a:defRPr>
-          </a:pPr>
-          <a:endParaRPr lang="pt-PT"/>
-        </a:p>
-      </c:txPr>
     </c:title>
-    <c:autoTitleDeleted val="0"/>
     <c:plotArea>
       <c:layout/>
       <c:barChart>
         <c:barDir val="col"/>
         <c:grouping val="clustered"/>
-        <c:varyColors val="0"/>
         <c:ser>
           <c:idx val="0"/>
           <c:order val="0"/>
@@ -6076,7 +5641,6 @@
             </a:ln>
             <a:effectLst/>
           </c:spPr>
-          <c:invertIfNegative val="0"/>
           <c:dLbls>
             <c:spPr>
               <a:noFill/>
@@ -6108,14 +5672,8 @@
               </a:p>
             </c:txPr>
             <c:dLblPos val="outEnd"/>
-            <c:showLegendKey val="0"/>
             <c:showVal val="1"/>
-            <c:showCatName val="0"/>
-            <c:showSerName val="0"/>
-            <c:showPercent val="0"/>
-            <c:showBubbleSize val="0"/>
-            <c:showLeaderLines val="0"/>
-            <c:extLst>
+            <c:extLst xmlns:c16r2="http://schemas.microsoft.com/office/drawing/2015/06/chart">
               <c:ext xmlns:c15="http://schemas.microsoft.com/office/drawing/2012/chart" uri="{CE6537A1-D6FC-4f65-9D91-7224C49458BB}">
                 <c15:showLeaderLines val="1"/>
                 <c15:leaderLines>
@@ -6176,12 +5734,12 @@
                   <c:v>0</c:v>
                 </c:pt>
                 <c:pt idx="4">
-                  <c:v>0.75</c:v>
+                  <c:v>0.75000000000000011</c:v>
                 </c:pt>
               </c:numCache>
             </c:numRef>
           </c:val>
-          <c:extLst>
+          <c:extLst xmlns:c16r2="http://schemas.microsoft.com/office/drawing/2015/06/chart">
             <c:ext xmlns:c16="http://schemas.microsoft.com/office/drawing/2014/chart" uri="{C3380CC4-5D6E-409C-BE32-E72D297353CC}">
               <c16:uniqueId val="{00000000-8CA0-4CB6-835E-613658E8C192}"/>
             </c:ext>
@@ -6210,7 +5768,6 @@
             </a:ln>
             <a:effectLst/>
           </c:spPr>
-          <c:invertIfNegative val="0"/>
           <c:dLbls>
             <c:spPr>
               <a:noFill/>
@@ -6242,14 +5799,8 @@
               </a:p>
             </c:txPr>
             <c:dLblPos val="outEnd"/>
-            <c:showLegendKey val="0"/>
             <c:showVal val="1"/>
-            <c:showCatName val="0"/>
-            <c:showSerName val="0"/>
-            <c:showPercent val="0"/>
-            <c:showBubbleSize val="0"/>
-            <c:showLeaderLines val="0"/>
-            <c:extLst>
+            <c:extLst xmlns:c16r2="http://schemas.microsoft.com/office/drawing/2015/06/chart">
               <c:ext xmlns:c15="http://schemas.microsoft.com/office/drawing/2012/chart" uri="{CE6537A1-D6FC-4f65-9D91-7224C49458BB}">
                 <c15:showLeaderLines val="1"/>
                 <c15:leaderLines>
@@ -6298,24 +5849,24 @@
                 <c:formatCode>General</c:formatCode>
                 <c:ptCount val="5"/>
                 <c:pt idx="0">
-                  <c:v>2.83</c:v>
+                  <c:v>2.8299999999999996</c:v>
                 </c:pt>
                 <c:pt idx="1">
-                  <c:v>0.12</c:v>
+                  <c:v>0.12000000000000001</c:v>
                 </c:pt>
                 <c:pt idx="2">
-                  <c:v>0.61</c:v>
+                  <c:v>0.6100000000000001</c:v>
                 </c:pt>
                 <c:pt idx="3">
                   <c:v>0</c:v>
                 </c:pt>
                 <c:pt idx="4">
-                  <c:v>0.41</c:v>
+                  <c:v>0.41000000000000003</c:v>
                 </c:pt>
               </c:numCache>
             </c:numRef>
           </c:val>
-          <c:extLst>
+          <c:extLst xmlns:c16r2="http://schemas.microsoft.com/office/drawing/2015/06/chart">
             <c:ext xmlns:c16="http://schemas.microsoft.com/office/drawing/2014/chart" uri="{C3380CC4-5D6E-409C-BE32-E72D297353CC}">
               <c16:uniqueId val="{00000001-8CA0-4CB6-835E-613658E8C192}"/>
             </c:ext>
@@ -6344,7 +5895,6 @@
             </a:ln>
             <a:effectLst/>
           </c:spPr>
-          <c:invertIfNegative val="0"/>
           <c:dLbls>
             <c:spPr>
               <a:noFill/>
@@ -6376,14 +5926,8 @@
               </a:p>
             </c:txPr>
             <c:dLblPos val="outEnd"/>
-            <c:showLegendKey val="0"/>
             <c:showVal val="1"/>
-            <c:showCatName val="0"/>
-            <c:showSerName val="0"/>
-            <c:showPercent val="0"/>
-            <c:showBubbleSize val="0"/>
-            <c:showLeaderLines val="0"/>
-            <c:extLst>
+            <c:extLst xmlns:c16r2="http://schemas.microsoft.com/office/drawing/2015/06/chart">
               <c:ext xmlns:c15="http://schemas.microsoft.com/office/drawing/2012/chart" uri="{CE6537A1-D6FC-4f65-9D91-7224C49458BB}">
                 <c15:showLeaderLines val="1"/>
                 <c15:leaderLines>
@@ -6435,7 +5979,7 @@
                   <c:v>8.59</c:v>
                 </c:pt>
                 <c:pt idx="1">
-                  <c:v>0.42</c:v>
+                  <c:v>0.42000000000000004</c:v>
                 </c:pt>
                 <c:pt idx="2">
                   <c:v>0.68</c:v>
@@ -6444,12 +5988,12 @@
                   <c:v>0</c:v>
                 </c:pt>
                 <c:pt idx="4">
-                  <c:v>0.86</c:v>
+                  <c:v>0.8600000000000001</c:v>
                 </c:pt>
               </c:numCache>
             </c:numRef>
           </c:val>
-          <c:extLst>
+          <c:extLst xmlns:c16r2="http://schemas.microsoft.com/office/drawing/2015/06/chart">
             <c:ext xmlns:c16="http://schemas.microsoft.com/office/drawing/2014/chart" uri="{C3380CC4-5D6E-409C-BE32-E72D297353CC}">
               <c16:uniqueId val="{00000002-8CA0-4CB6-835E-613658E8C192}"/>
             </c:ext>
@@ -6478,7 +6022,6 @@
             </a:ln>
             <a:effectLst/>
           </c:spPr>
-          <c:invertIfNegative val="0"/>
           <c:dLbls>
             <c:spPr>
               <a:noFill/>
@@ -6510,14 +6053,8 @@
               </a:p>
             </c:txPr>
             <c:dLblPos val="outEnd"/>
-            <c:showLegendKey val="0"/>
             <c:showVal val="1"/>
-            <c:showCatName val="0"/>
-            <c:showSerName val="0"/>
-            <c:showPercent val="0"/>
-            <c:showBubbleSize val="0"/>
-            <c:showLeaderLines val="0"/>
-            <c:extLst>
+            <c:extLst xmlns:c16r2="http://schemas.microsoft.com/office/drawing/2015/06/chart">
               <c:ext xmlns:c15="http://schemas.microsoft.com/office/drawing/2012/chart" uri="{CE6537A1-D6FC-4f65-9D91-7224C49458BB}">
                 <c15:showLeaderLines val="1"/>
                 <c15:leaderLines>
@@ -6572,18 +6109,18 @@
                   <c:v>0.19</c:v>
                 </c:pt>
                 <c:pt idx="2">
-                  <c:v>0.86</c:v>
+                  <c:v>0.8600000000000001</c:v>
                 </c:pt>
                 <c:pt idx="3">
                   <c:v>0</c:v>
                 </c:pt>
                 <c:pt idx="4">
-                  <c:v>0.95</c:v>
+                  <c:v>0.95000000000000007</c:v>
                 </c:pt>
               </c:numCache>
             </c:numRef>
           </c:val>
-          <c:extLst>
+          <c:extLst xmlns:c16r2="http://schemas.microsoft.com/office/drawing/2015/06/chart">
             <c:ext xmlns:c16="http://schemas.microsoft.com/office/drawing/2014/chart" uri="{C3380CC4-5D6E-409C-BE32-E72D297353CC}">
               <c16:uniqueId val="{00000003-8CA0-4CB6-835E-613658E8C192}"/>
             </c:ext>
@@ -6612,7 +6149,6 @@
             </a:ln>
             <a:effectLst/>
           </c:spPr>
-          <c:invertIfNegative val="0"/>
           <c:dLbls>
             <c:spPr>
               <a:noFill/>
@@ -6644,14 +6180,8 @@
               </a:p>
             </c:txPr>
             <c:dLblPos val="outEnd"/>
-            <c:showLegendKey val="0"/>
             <c:showVal val="1"/>
-            <c:showCatName val="0"/>
-            <c:showSerName val="0"/>
-            <c:showPercent val="0"/>
-            <c:showBubbleSize val="0"/>
-            <c:showLeaderLines val="0"/>
-            <c:extLst>
+            <c:extLst xmlns:c16r2="http://schemas.microsoft.com/office/drawing/2015/06/chart">
               <c:ext xmlns:c15="http://schemas.microsoft.com/office/drawing/2012/chart" uri="{CE6537A1-D6FC-4f65-9D91-7224C49458BB}">
                 <c15:showLeaderLines val="1"/>
                 <c15:leaderLines>
@@ -6683,43 +6213,36 @@
                   <c:v>0.23</c:v>
                 </c:pt>
                 <c:pt idx="2">
-                  <c:v>0.76</c:v>
+                  <c:v>0.76000000000000012</c:v>
                 </c:pt>
                 <c:pt idx="3">
                   <c:v>0</c:v>
                 </c:pt>
                 <c:pt idx="4">
-                  <c:v>0.74</c:v>
+                  <c:v>0.7400000000000001</c:v>
                 </c:pt>
               </c:numCache>
             </c:numRef>
           </c:val>
-          <c:extLst>
+          <c:extLst xmlns:c16r2="http://schemas.microsoft.com/office/drawing/2015/06/chart">
             <c:ext xmlns:c16="http://schemas.microsoft.com/office/drawing/2014/chart" uri="{C3380CC4-5D6E-409C-BE32-E72D297353CC}">
               <c16:uniqueId val="{00000004-8CA0-4CB6-835E-613658E8C192}"/>
             </c:ext>
           </c:extLst>
         </c:ser>
         <c:dLbls>
-          <c:dLblPos val="outEnd"/>
-          <c:showLegendKey val="0"/>
           <c:showVal val="1"/>
-          <c:showCatName val="0"/>
-          <c:showSerName val="0"/>
-          <c:showPercent val="0"/>
-          <c:showBubbleSize val="0"/>
         </c:dLbls>
         <c:gapWidth val="444"/>
         <c:overlap val="-90"/>
-        <c:axId val="675327600"/>
-        <c:axId val="675329896"/>
+        <c:axId val="103990016"/>
+        <c:axId val="103991552"/>
       </c:barChart>
       <c:catAx>
-        <c:axId val="675327600"/>
+        <c:axId val="103990016"/>
         <c:scaling>
           <c:orientation val="minMax"/>
         </c:scaling>
-        <c:delete val="0"/>
         <c:axPos val="b"/>
         <c:majorGridlines>
           <c:spPr>
@@ -6737,7 +6260,6 @@
         </c:majorGridlines>
         <c:numFmt formatCode="General" sourceLinked="1"/>
         <c:majorTickMark val="none"/>
-        <c:minorTickMark val="none"/>
         <c:tickLblPos val="nextTo"/>
         <c:spPr>
           <a:noFill/>
@@ -6772,15 +6294,14 @@
             <a:endParaRPr lang="pt-PT"/>
           </a:p>
         </c:txPr>
-        <c:crossAx val="675329896"/>
+        <c:crossAx val="103991552"/>
         <c:crosses val="autoZero"/>
         <c:auto val="1"/>
         <c:lblAlgn val="ctr"/>
         <c:lblOffset val="100"/>
-        <c:noMultiLvlLbl val="0"/>
       </c:catAx>
       <c:valAx>
-        <c:axId val="675329896"/>
+        <c:axId val="103991552"/>
         <c:scaling>
           <c:orientation val="minMax"/>
         </c:scaling>
@@ -6788,9 +6309,8 @@
         <c:axPos val="l"/>
         <c:numFmt formatCode="General" sourceLinked="1"/>
         <c:majorTickMark val="none"/>
-        <c:minorTickMark val="none"/>
         <c:tickLblPos val="nextTo"/>
-        <c:crossAx val="675327600"/>
+        <c:crossAx val="103990016"/>
         <c:crosses val="autoZero"/>
         <c:crossBetween val="between"/>
       </c:valAx>
@@ -6842,7 +6362,6 @@
     </c:plotArea>
     <c:plotVisOnly val="1"/>
     <c:dispBlanksAs val="gap"/>
-    <c:showDLblsOverMax val="0"/>
   </c:chart>
   <c:spPr>
     <a:noFill/>
@@ -6861,25 +6380,13 @@
       <a:endParaRPr lang="pt-PT"/>
     </a:p>
   </c:txPr>
-  <c:externalData r:id="rId3">
-    <c:autoUpdate val="0"/>
-  </c:externalData>
+  <c:externalData r:id="rId1"/>
 </c:chartSpace>
 </file>
 
 <file path=ppt/charts/chart4.xml><?xml version="1.0" encoding="utf-8"?>
-<c:chartSpace xmlns:c="http://schemas.openxmlformats.org/drawingml/2006/chart" xmlns:a="http://schemas.openxmlformats.org/drawingml/2006/main" xmlns:r="http://schemas.openxmlformats.org/officeDocument/2006/relationships" xmlns:c16r2="http://schemas.microsoft.com/office/drawing/2015/06/chart">
-  <c:date1904 val="0"/>
+<c:chartSpace xmlns:c="http://schemas.openxmlformats.org/drawingml/2006/chart" xmlns:a="http://schemas.openxmlformats.org/drawingml/2006/main" xmlns:r="http://schemas.openxmlformats.org/officeDocument/2006/relationships">
   <c:lang val="pt-PT"/>
-  <c:roundedCorners val="0"/>
-  <mc:AlternateContent xmlns:mc="http://schemas.openxmlformats.org/markup-compatibility/2006">
-    <mc:Choice xmlns:c14="http://schemas.microsoft.com/office/drawing/2007/8/2/chart" Requires="c14">
-      <c14:style val="102"/>
-    </mc:Choice>
-    <mc:Fallback>
-      <c:style val="2"/>
-    </mc:Fallback>
-  </mc:AlternateContent>
   <c:chart>
     <c:title>
       <c:tx>
@@ -6907,7 +6414,17 @@
           </a:p>
           <a:p>
             <a:pPr>
-              <a:defRPr/>
+              <a:defRPr sz="1600" b="1" i="0" u="none" strike="noStrike" kern="1200" cap="all" spc="120" normalizeH="0" baseline="0">
+                <a:solidFill>
+                  <a:schemeClr val="tx1">
+                    <a:lumMod val="65000"/>
+                    <a:lumOff val="35000"/>
+                  </a:schemeClr>
+                </a:solidFill>
+                <a:latin typeface="+mn-lt"/>
+                <a:ea typeface="+mn-ea"/>
+                <a:cs typeface="+mn-cs"/>
+              </a:defRPr>
             </a:pPr>
             <a:r>
               <a:rPr lang="pt-PT" sz="1800"/>
@@ -6916,7 +6433,7 @@
           </a:p>
         </c:rich>
       </c:tx>
-      <c:overlay val="0"/>
+      <c:layout/>
       <c:spPr>
         <a:noFill/>
         <a:ln>
@@ -6924,34 +6441,12 @@
         </a:ln>
         <a:effectLst/>
       </c:spPr>
-      <c:txPr>
-        <a:bodyPr rot="0" spcFirstLastPara="1" vertOverflow="ellipsis" vert="horz" wrap="square" anchor="ctr" anchorCtr="1"/>
-        <a:lstStyle/>
-        <a:p>
-          <a:pPr>
-            <a:defRPr sz="1600" b="1" i="0" u="none" strike="noStrike" kern="1200" cap="all" spc="120" normalizeH="0" baseline="0">
-              <a:solidFill>
-                <a:schemeClr val="tx1">
-                  <a:lumMod val="65000"/>
-                  <a:lumOff val="35000"/>
-                </a:schemeClr>
-              </a:solidFill>
-              <a:latin typeface="+mn-lt"/>
-              <a:ea typeface="+mn-ea"/>
-              <a:cs typeface="+mn-cs"/>
-            </a:defRPr>
-          </a:pPr>
-          <a:endParaRPr lang="pt-PT"/>
-        </a:p>
-      </c:txPr>
     </c:title>
-    <c:autoTitleDeleted val="0"/>
     <c:plotArea>
       <c:layout/>
       <c:barChart>
         <c:barDir val="col"/>
         <c:grouping val="clustered"/>
-        <c:varyColors val="0"/>
         <c:ser>
           <c:idx val="0"/>
           <c:order val="0"/>
@@ -6975,7 +6470,6 @@
             </a:ln>
             <a:effectLst/>
           </c:spPr>
-          <c:invertIfNegative val="0"/>
           <c:dLbls>
             <c:spPr>
               <a:noFill/>
@@ -7007,14 +6501,8 @@
               </a:p>
             </c:txPr>
             <c:dLblPos val="outEnd"/>
-            <c:showLegendKey val="0"/>
             <c:showVal val="1"/>
-            <c:showCatName val="0"/>
-            <c:showSerName val="0"/>
-            <c:showPercent val="0"/>
-            <c:showBubbleSize val="0"/>
-            <c:showLeaderLines val="0"/>
-            <c:extLst>
+            <c:extLst xmlns:c16r2="http://schemas.microsoft.com/office/drawing/2015/06/chart">
               <c:ext xmlns:c15="http://schemas.microsoft.com/office/drawing/2012/chart" uri="{CE6537A1-D6FC-4f65-9D91-7224C49458BB}">
                 <c15:showLeaderLines val="1"/>
                 <c15:leaderLines>
@@ -7080,7 +6568,7 @@
               </c:numCache>
             </c:numRef>
           </c:val>
-          <c:extLst>
+          <c:extLst xmlns:c16r2="http://schemas.microsoft.com/office/drawing/2015/06/chart">
             <c:ext xmlns:c16="http://schemas.microsoft.com/office/drawing/2014/chart" uri="{C3380CC4-5D6E-409C-BE32-E72D297353CC}">
               <c16:uniqueId val="{00000000-D534-41B4-A309-2E90227C8941}"/>
             </c:ext>
@@ -7109,7 +6597,6 @@
             </a:ln>
             <a:effectLst/>
           </c:spPr>
-          <c:invertIfNegative val="0"/>
           <c:dLbls>
             <c:spPr>
               <a:noFill/>
@@ -7141,14 +6628,8 @@
               </a:p>
             </c:txPr>
             <c:dLblPos val="outEnd"/>
-            <c:showLegendKey val="0"/>
             <c:showVal val="1"/>
-            <c:showCatName val="0"/>
-            <c:showSerName val="0"/>
-            <c:showPercent val="0"/>
-            <c:showBubbleSize val="0"/>
-            <c:showLeaderLines val="0"/>
-            <c:extLst>
+            <c:extLst xmlns:c16r2="http://schemas.microsoft.com/office/drawing/2015/06/chart">
               <c:ext xmlns:c15="http://schemas.microsoft.com/office/drawing/2012/chart" uri="{CE6537A1-D6FC-4f65-9D91-7224C49458BB}">
                 <c15:showLeaderLines val="1"/>
                 <c15:leaderLines>
@@ -7214,7 +6695,7 @@
               </c:numCache>
             </c:numRef>
           </c:val>
-          <c:extLst>
+          <c:extLst xmlns:c16r2="http://schemas.microsoft.com/office/drawing/2015/06/chart">
             <c:ext xmlns:c16="http://schemas.microsoft.com/office/drawing/2014/chart" uri="{C3380CC4-5D6E-409C-BE32-E72D297353CC}">
               <c16:uniqueId val="{00000001-D534-41B4-A309-2E90227C8941}"/>
             </c:ext>
@@ -7243,7 +6724,6 @@
             </a:ln>
             <a:effectLst/>
           </c:spPr>
-          <c:invertIfNegative val="0"/>
           <c:dLbls>
             <c:spPr>
               <a:noFill/>
@@ -7275,14 +6755,8 @@
               </a:p>
             </c:txPr>
             <c:dLblPos val="outEnd"/>
-            <c:showLegendKey val="0"/>
             <c:showVal val="1"/>
-            <c:showCatName val="0"/>
-            <c:showSerName val="0"/>
-            <c:showPercent val="0"/>
-            <c:showBubbleSize val="0"/>
-            <c:showLeaderLines val="0"/>
-            <c:extLst>
+            <c:extLst xmlns:c16r2="http://schemas.microsoft.com/office/drawing/2015/06/chart">
               <c:ext xmlns:c15="http://schemas.microsoft.com/office/drawing/2012/chart" uri="{CE6537A1-D6FC-4f65-9D91-7224C49458BB}">
                 <c15:showLeaderLines val="1"/>
                 <c15:leaderLines>
@@ -7331,7 +6805,7 @@
                 <c:formatCode>General</c:formatCode>
                 <c:ptCount val="5"/>
                 <c:pt idx="0">
-                  <c:v>18.509999999999998</c:v>
+                  <c:v>18.509999999999994</c:v>
                 </c:pt>
                 <c:pt idx="1">
                   <c:v>1</c:v>
@@ -7348,7 +6822,7 @@
               </c:numCache>
             </c:numRef>
           </c:val>
-          <c:extLst>
+          <c:extLst xmlns:c16r2="http://schemas.microsoft.com/office/drawing/2015/06/chart">
             <c:ext xmlns:c16="http://schemas.microsoft.com/office/drawing/2014/chart" uri="{C3380CC4-5D6E-409C-BE32-E72D297353CC}">
               <c16:uniqueId val="{00000002-D534-41B4-A309-2E90227C8941}"/>
             </c:ext>
@@ -7377,7 +6851,6 @@
             </a:ln>
             <a:effectLst/>
           </c:spPr>
-          <c:invertIfNegative val="0"/>
           <c:dLbls>
             <c:spPr>
               <a:noFill/>
@@ -7409,14 +6882,8 @@
               </a:p>
             </c:txPr>
             <c:dLblPos val="outEnd"/>
-            <c:showLegendKey val="0"/>
             <c:showVal val="1"/>
-            <c:showCatName val="0"/>
-            <c:showSerName val="0"/>
-            <c:showPercent val="0"/>
-            <c:showBubbleSize val="0"/>
-            <c:showLeaderLines val="0"/>
-            <c:extLst>
+            <c:extLst xmlns:c16r2="http://schemas.microsoft.com/office/drawing/2015/06/chart">
               <c:ext xmlns:c15="http://schemas.microsoft.com/office/drawing/2012/chart" uri="{CE6537A1-D6FC-4f65-9D91-7224C49458BB}">
                 <c15:showLeaderLines val="1"/>
                 <c15:leaderLines>
@@ -7482,7 +6949,7 @@
               </c:numCache>
             </c:numRef>
           </c:val>
-          <c:extLst>
+          <c:extLst xmlns:c16r2="http://schemas.microsoft.com/office/drawing/2015/06/chart">
             <c:ext xmlns:c16="http://schemas.microsoft.com/office/drawing/2014/chart" uri="{C3380CC4-5D6E-409C-BE32-E72D297353CC}">
               <c16:uniqueId val="{00000003-D534-41B4-A309-2E90227C8941}"/>
             </c:ext>
@@ -7511,7 +6978,6 @@
             </a:ln>
             <a:effectLst/>
           </c:spPr>
-          <c:invertIfNegative val="0"/>
           <c:dLbls>
             <c:spPr>
               <a:noFill/>
@@ -7543,14 +7009,8 @@
               </a:p>
             </c:txPr>
             <c:dLblPos val="outEnd"/>
-            <c:showLegendKey val="0"/>
             <c:showVal val="1"/>
-            <c:showCatName val="0"/>
-            <c:showSerName val="0"/>
-            <c:showPercent val="0"/>
-            <c:showBubbleSize val="0"/>
-            <c:showLeaderLines val="0"/>
-            <c:extLst>
+            <c:extLst xmlns:c16r2="http://schemas.microsoft.com/office/drawing/2015/06/chart">
               <c:ext xmlns:c15="http://schemas.microsoft.com/office/drawing/2012/chart" uri="{CE6537A1-D6FC-4f65-9D91-7224C49458BB}">
                 <c15:showLeaderLines val="1"/>
                 <c15:leaderLines>
@@ -7593,32 +7053,25 @@
               </c:numCache>
             </c:numRef>
           </c:val>
-          <c:extLst>
+          <c:extLst xmlns:c16r2="http://schemas.microsoft.com/office/drawing/2015/06/chart">
             <c:ext xmlns:c16="http://schemas.microsoft.com/office/drawing/2014/chart" uri="{C3380CC4-5D6E-409C-BE32-E72D297353CC}">
               <c16:uniqueId val="{00000004-D534-41B4-A309-2E90227C8941}"/>
             </c:ext>
           </c:extLst>
         </c:ser>
         <c:dLbls>
-          <c:dLblPos val="outEnd"/>
-          <c:showLegendKey val="0"/>
           <c:showVal val="1"/>
-          <c:showCatName val="0"/>
-          <c:showSerName val="0"/>
-          <c:showPercent val="0"/>
-          <c:showBubbleSize val="0"/>
         </c:dLbls>
         <c:gapWidth val="444"/>
         <c:overlap val="-90"/>
-        <c:axId val="675416488"/>
-        <c:axId val="675413864"/>
+        <c:axId val="104113280"/>
+        <c:axId val="104114816"/>
       </c:barChart>
       <c:catAx>
-        <c:axId val="675416488"/>
+        <c:axId val="104113280"/>
         <c:scaling>
           <c:orientation val="minMax"/>
         </c:scaling>
-        <c:delete val="0"/>
         <c:axPos val="b"/>
         <c:majorGridlines>
           <c:spPr>
@@ -7636,7 +7089,6 @@
         </c:majorGridlines>
         <c:numFmt formatCode="General" sourceLinked="1"/>
         <c:majorTickMark val="none"/>
-        <c:minorTickMark val="none"/>
         <c:tickLblPos val="nextTo"/>
         <c:spPr>
           <a:noFill/>
@@ -7671,15 +7123,14 @@
             <a:endParaRPr lang="pt-PT"/>
           </a:p>
         </c:txPr>
-        <c:crossAx val="675413864"/>
+        <c:crossAx val="104114816"/>
         <c:crosses val="autoZero"/>
         <c:auto val="1"/>
         <c:lblAlgn val="ctr"/>
         <c:lblOffset val="100"/>
-        <c:noMultiLvlLbl val="0"/>
       </c:catAx>
       <c:valAx>
-        <c:axId val="675413864"/>
+        <c:axId val="104114816"/>
         <c:scaling>
           <c:orientation val="minMax"/>
         </c:scaling>
@@ -7687,9 +7138,8 @@
         <c:axPos val="l"/>
         <c:numFmt formatCode="General" sourceLinked="1"/>
         <c:majorTickMark val="none"/>
-        <c:minorTickMark val="none"/>
         <c:tickLblPos val="nextTo"/>
-        <c:crossAx val="675416488"/>
+        <c:crossAx val="104113280"/>
         <c:crosses val="autoZero"/>
         <c:crossBetween val="between"/>
       </c:valAx>
@@ -7741,7 +7191,6 @@
     </c:plotArea>
     <c:plotVisOnly val="1"/>
     <c:dispBlanksAs val="gap"/>
-    <c:showDLblsOverMax val="0"/>
   </c:chart>
   <c:spPr>
     <a:noFill/>
@@ -7760,25 +7209,13 @@
       <a:endParaRPr lang="pt-PT"/>
     </a:p>
   </c:txPr>
-  <c:externalData r:id="rId3">
-    <c:autoUpdate val="0"/>
-  </c:externalData>
+  <c:externalData r:id="rId1"/>
 </c:chartSpace>
 </file>
 
 <file path=ppt/charts/chart5.xml><?xml version="1.0" encoding="utf-8"?>
-<c:chartSpace xmlns:c="http://schemas.openxmlformats.org/drawingml/2006/chart" xmlns:a="http://schemas.openxmlformats.org/drawingml/2006/main" xmlns:r="http://schemas.openxmlformats.org/officeDocument/2006/relationships" xmlns:c16r2="http://schemas.microsoft.com/office/drawing/2015/06/chart">
-  <c:date1904 val="0"/>
+<c:chartSpace xmlns:c="http://schemas.openxmlformats.org/drawingml/2006/chart" xmlns:a="http://schemas.openxmlformats.org/drawingml/2006/main" xmlns:r="http://schemas.openxmlformats.org/officeDocument/2006/relationships">
   <c:lang val="pt-PT"/>
-  <c:roundedCorners val="0"/>
-  <mc:AlternateContent xmlns:mc="http://schemas.openxmlformats.org/markup-compatibility/2006">
-    <mc:Choice xmlns:c14="http://schemas.microsoft.com/office/drawing/2007/8/2/chart" Requires="c14">
-      <c14:style val="102"/>
-    </mc:Choice>
-    <mc:Fallback>
-      <c:style val="2"/>
-    </mc:Fallback>
-  </mc:AlternateContent>
   <c:chart>
     <c:title>
       <c:tx>
@@ -7806,7 +7243,17 @@
           </a:p>
           <a:p>
             <a:pPr>
-              <a:defRPr/>
+              <a:defRPr sz="1600" b="1" i="0" u="none" strike="noStrike" kern="1200" cap="all" spc="120" normalizeH="0" baseline="0">
+                <a:solidFill>
+                  <a:schemeClr val="tx1">
+                    <a:lumMod val="65000"/>
+                    <a:lumOff val="35000"/>
+                  </a:schemeClr>
+                </a:solidFill>
+                <a:latin typeface="+mn-lt"/>
+                <a:ea typeface="+mn-ea"/>
+                <a:cs typeface="+mn-cs"/>
+              </a:defRPr>
             </a:pPr>
             <a:r>
               <a:rPr lang="pt-PT" sz="2000" dirty="0"/>
@@ -7815,7 +7262,7 @@
           </a:p>
         </c:rich>
       </c:tx>
-      <c:overlay val="0"/>
+      <c:layout/>
       <c:spPr>
         <a:noFill/>
         <a:ln>
@@ -7823,34 +7270,12 @@
         </a:ln>
         <a:effectLst/>
       </c:spPr>
-      <c:txPr>
-        <a:bodyPr rot="0" spcFirstLastPara="1" vertOverflow="ellipsis" vert="horz" wrap="square" anchor="ctr" anchorCtr="1"/>
-        <a:lstStyle/>
-        <a:p>
-          <a:pPr>
-            <a:defRPr sz="1600" b="1" i="0" u="none" strike="noStrike" kern="1200" cap="all" spc="120" normalizeH="0" baseline="0">
-              <a:solidFill>
-                <a:schemeClr val="tx1">
-                  <a:lumMod val="65000"/>
-                  <a:lumOff val="35000"/>
-                </a:schemeClr>
-              </a:solidFill>
-              <a:latin typeface="+mn-lt"/>
-              <a:ea typeface="+mn-ea"/>
-              <a:cs typeface="+mn-cs"/>
-            </a:defRPr>
-          </a:pPr>
-          <a:endParaRPr lang="pt-PT"/>
-        </a:p>
-      </c:txPr>
     </c:title>
-    <c:autoTitleDeleted val="0"/>
     <c:plotArea>
       <c:layout/>
       <c:barChart>
         <c:barDir val="col"/>
         <c:grouping val="clustered"/>
-        <c:varyColors val="0"/>
         <c:ser>
           <c:idx val="0"/>
           <c:order val="0"/>
@@ -7874,7 +7299,6 @@
             </a:ln>
             <a:effectLst/>
           </c:spPr>
-          <c:invertIfNegative val="0"/>
           <c:dLbls>
             <c:spPr>
               <a:noFill/>
@@ -7906,14 +7330,8 @@
               </a:p>
             </c:txPr>
             <c:dLblPos val="outEnd"/>
-            <c:showLegendKey val="0"/>
             <c:showVal val="1"/>
-            <c:showCatName val="0"/>
-            <c:showSerName val="0"/>
-            <c:showPercent val="0"/>
-            <c:showBubbleSize val="0"/>
-            <c:showLeaderLines val="0"/>
-            <c:extLst>
+            <c:extLst xmlns:c16r2="http://schemas.microsoft.com/office/drawing/2015/06/chart">
               <c:ext xmlns:c15="http://schemas.microsoft.com/office/drawing/2012/chart" uri="{CE6537A1-D6FC-4f65-9D91-7224C49458BB}">
                 <c15:showLeaderLines val="1"/>
                 <c15:leaderLines>
@@ -7971,7 +7389,7 @@
                   <c:v>73.25</c:v>
                 </c:pt>
                 <c:pt idx="3">
-                  <c:v>73.91</c:v>
+                  <c:v>73.910000000000011</c:v>
                 </c:pt>
                 <c:pt idx="4">
                   <c:v>76.510000000000005</c:v>
@@ -7979,7 +7397,7 @@
               </c:numCache>
             </c:numRef>
           </c:val>
-          <c:extLst>
+          <c:extLst xmlns:c16r2="http://schemas.microsoft.com/office/drawing/2015/06/chart">
             <c:ext xmlns:c16="http://schemas.microsoft.com/office/drawing/2014/chart" uri="{C3380CC4-5D6E-409C-BE32-E72D297353CC}">
               <c16:uniqueId val="{00000000-E235-4DA3-8C47-0DA5FEC6E31C}"/>
             </c:ext>
@@ -8008,7 +7426,6 @@
             </a:ln>
             <a:effectLst/>
           </c:spPr>
-          <c:invertIfNegative val="0"/>
           <c:dLbls>
             <c:spPr>
               <a:noFill/>
@@ -8040,14 +7457,8 @@
               </a:p>
             </c:txPr>
             <c:dLblPos val="outEnd"/>
-            <c:showLegendKey val="0"/>
             <c:showVal val="1"/>
-            <c:showCatName val="0"/>
-            <c:showSerName val="0"/>
-            <c:showPercent val="0"/>
-            <c:showBubbleSize val="0"/>
-            <c:showLeaderLines val="0"/>
-            <c:extLst>
+            <c:extLst xmlns:c16r2="http://schemas.microsoft.com/office/drawing/2015/06/chart">
               <c:ext xmlns:c15="http://schemas.microsoft.com/office/drawing/2012/chart" uri="{CE6537A1-D6FC-4f65-9D91-7224C49458BB}">
                 <c15:showLeaderLines val="1"/>
                 <c15:leaderLines>
@@ -8113,7 +7524,7 @@
               </c:numCache>
             </c:numRef>
           </c:val>
-          <c:extLst>
+          <c:extLst xmlns:c16r2="http://schemas.microsoft.com/office/drawing/2015/06/chart">
             <c:ext xmlns:c16="http://schemas.microsoft.com/office/drawing/2014/chart" uri="{C3380CC4-5D6E-409C-BE32-E72D297353CC}">
               <c16:uniqueId val="{00000001-E235-4DA3-8C47-0DA5FEC6E31C}"/>
             </c:ext>
@@ -8142,7 +7553,6 @@
             </a:ln>
             <a:effectLst/>
           </c:spPr>
-          <c:invertIfNegative val="0"/>
           <c:dLbls>
             <c:spPr>
               <a:noFill/>
@@ -8174,14 +7584,8 @@
               </a:p>
             </c:txPr>
             <c:dLblPos val="outEnd"/>
-            <c:showLegendKey val="0"/>
             <c:showVal val="1"/>
-            <c:showCatName val="0"/>
-            <c:showSerName val="0"/>
-            <c:showPercent val="0"/>
-            <c:showBubbleSize val="0"/>
-            <c:showLeaderLines val="0"/>
-            <c:extLst>
+            <c:extLst xmlns:c16r2="http://schemas.microsoft.com/office/drawing/2015/06/chart">
               <c:ext xmlns:c15="http://schemas.microsoft.com/office/drawing/2012/chart" uri="{CE6537A1-D6FC-4f65-9D91-7224C49458BB}">
                 <c15:showLeaderLines val="1"/>
                 <c15:leaderLines>
@@ -8233,10 +7637,10 @@
                   <c:v>94.2</c:v>
                 </c:pt>
                 <c:pt idx="1">
-                  <c:v>97.68</c:v>
+                  <c:v>97.679999999999993</c:v>
                 </c:pt>
                 <c:pt idx="2">
-                  <c:v>96.24</c:v>
+                  <c:v>96.240000000000009</c:v>
                 </c:pt>
                 <c:pt idx="3">
                   <c:v>95.25</c:v>
@@ -8247,7 +7651,7 @@
               </c:numCache>
             </c:numRef>
           </c:val>
-          <c:extLst>
+          <c:extLst xmlns:c16r2="http://schemas.microsoft.com/office/drawing/2015/06/chart">
             <c:ext xmlns:c16="http://schemas.microsoft.com/office/drawing/2014/chart" uri="{C3380CC4-5D6E-409C-BE32-E72D297353CC}">
               <c16:uniqueId val="{00000002-E235-4DA3-8C47-0DA5FEC6E31C}"/>
             </c:ext>
@@ -8276,7 +7680,6 @@
             </a:ln>
             <a:effectLst/>
           </c:spPr>
-          <c:invertIfNegative val="0"/>
           <c:dLbls>
             <c:spPr>
               <a:noFill/>
@@ -8308,14 +7711,8 @@
               </a:p>
             </c:txPr>
             <c:dLblPos val="outEnd"/>
-            <c:showLegendKey val="0"/>
             <c:showVal val="1"/>
-            <c:showCatName val="0"/>
-            <c:showSerName val="0"/>
-            <c:showPercent val="0"/>
-            <c:showBubbleSize val="0"/>
-            <c:showLeaderLines val="0"/>
-            <c:extLst>
+            <c:extLst xmlns:c16r2="http://schemas.microsoft.com/office/drawing/2015/06/chart">
               <c:ext xmlns:c15="http://schemas.microsoft.com/office/drawing/2012/chart" uri="{CE6537A1-D6FC-4f65-9D91-7224C49458BB}">
                 <c15:showLeaderLines val="1"/>
                 <c15:leaderLines>
@@ -8376,12 +7773,12 @@
                   <c:v>67.23</c:v>
                 </c:pt>
                 <c:pt idx="4">
-                  <c:v>72.17</c:v>
+                  <c:v>72.169999999999987</c:v>
                 </c:pt>
               </c:numCache>
             </c:numRef>
           </c:val>
-          <c:extLst>
+          <c:extLst xmlns:c16r2="http://schemas.microsoft.com/office/drawing/2015/06/chart">
             <c:ext xmlns:c16="http://schemas.microsoft.com/office/drawing/2014/chart" uri="{C3380CC4-5D6E-409C-BE32-E72D297353CC}">
               <c16:uniqueId val="{00000003-E235-4DA3-8C47-0DA5FEC6E31C}"/>
             </c:ext>
@@ -8402,7 +7799,6 @@
             </a:ln>
             <a:effectLst/>
           </c:spPr>
-          <c:invertIfNegative val="0"/>
           <c:dLbls>
             <c:spPr>
               <a:noFill/>
@@ -8434,14 +7830,8 @@
               </a:p>
             </c:txPr>
             <c:dLblPos val="outEnd"/>
-            <c:showLegendKey val="0"/>
             <c:showVal val="1"/>
-            <c:showCatName val="0"/>
-            <c:showSerName val="0"/>
-            <c:showPercent val="0"/>
-            <c:showBubbleSize val="0"/>
-            <c:showLeaderLines val="0"/>
-            <c:extLst>
+            <c:extLst xmlns:c16r2="http://schemas.microsoft.com/office/drawing/2015/06/chart">
               <c:ext xmlns:c15="http://schemas.microsoft.com/office/drawing/2012/chart" uri="{CE6537A1-D6FC-4f65-9D91-7224C49458BB}">
                 <c15:showLeaderLines val="1"/>
                 <c15:leaderLines>
@@ -8470,10 +7860,10 @@
                   <c:v>78.260000000000005</c:v>
                 </c:pt>
                 <c:pt idx="1">
-                  <c:v>95.71</c:v>
+                  <c:v>95.710000000000008</c:v>
                 </c:pt>
                 <c:pt idx="2">
-                  <c:v>75.94</c:v>
+                  <c:v>75.940000000000012</c:v>
                 </c:pt>
                 <c:pt idx="3">
                   <c:v>76.48</c:v>
@@ -8484,32 +7874,25 @@
               </c:numCache>
             </c:numRef>
           </c:val>
-          <c:extLst>
+          <c:extLst xmlns:c16r2="http://schemas.microsoft.com/office/drawing/2015/06/chart">
             <c:ext xmlns:c16="http://schemas.microsoft.com/office/drawing/2014/chart" uri="{C3380CC4-5D6E-409C-BE32-E72D297353CC}">
               <c16:uniqueId val="{00000004-E235-4DA3-8C47-0DA5FEC6E31C}"/>
             </c:ext>
           </c:extLst>
         </c:ser>
         <c:dLbls>
-          <c:dLblPos val="outEnd"/>
-          <c:showLegendKey val="0"/>
           <c:showVal val="1"/>
-          <c:showCatName val="0"/>
-          <c:showSerName val="0"/>
-          <c:showPercent val="0"/>
-          <c:showBubbleSize val="0"/>
         </c:dLbls>
         <c:gapWidth val="444"/>
         <c:overlap val="-90"/>
-        <c:axId val="654136504"/>
-        <c:axId val="654138800"/>
+        <c:axId val="104175872"/>
+        <c:axId val="104181760"/>
       </c:barChart>
       <c:catAx>
-        <c:axId val="654136504"/>
+        <c:axId val="104175872"/>
         <c:scaling>
           <c:orientation val="minMax"/>
         </c:scaling>
-        <c:delete val="0"/>
         <c:axPos val="b"/>
         <c:majorGridlines>
           <c:spPr>
@@ -8527,7 +7910,6 @@
         </c:majorGridlines>
         <c:numFmt formatCode="General" sourceLinked="1"/>
         <c:majorTickMark val="none"/>
-        <c:minorTickMark val="none"/>
         <c:tickLblPos val="nextTo"/>
         <c:spPr>
           <a:noFill/>
@@ -8562,15 +7944,14 @@
             <a:endParaRPr lang="pt-PT"/>
           </a:p>
         </c:txPr>
-        <c:crossAx val="654138800"/>
+        <c:crossAx val="104181760"/>
         <c:crosses val="autoZero"/>
         <c:auto val="1"/>
         <c:lblAlgn val="ctr"/>
         <c:lblOffset val="100"/>
-        <c:noMultiLvlLbl val="0"/>
       </c:catAx>
       <c:valAx>
-        <c:axId val="654138800"/>
+        <c:axId val="104181760"/>
         <c:scaling>
           <c:orientation val="minMax"/>
         </c:scaling>
@@ -8578,9 +7959,8 @@
         <c:axPos val="l"/>
         <c:numFmt formatCode="General" sourceLinked="1"/>
         <c:majorTickMark val="none"/>
-        <c:minorTickMark val="none"/>
         <c:tickLblPos val="nextTo"/>
-        <c:crossAx val="654136504"/>
+        <c:crossAx val="104175872"/>
         <c:crosses val="autoZero"/>
         <c:crossBetween val="between"/>
       </c:valAx>
@@ -8632,7 +8012,6 @@
     </c:plotArea>
     <c:plotVisOnly val="1"/>
     <c:dispBlanksAs val="gap"/>
-    <c:showDLblsOverMax val="0"/>
   </c:chart>
   <c:spPr>
     <a:noFill/>
@@ -8651,25 +8030,13 @@
       <a:endParaRPr lang="pt-PT"/>
     </a:p>
   </c:txPr>
-  <c:externalData r:id="rId3">
-    <c:autoUpdate val="0"/>
-  </c:externalData>
+  <c:externalData r:id="rId1"/>
 </c:chartSpace>
 </file>
 
 <file path=ppt/charts/chart6.xml><?xml version="1.0" encoding="utf-8"?>
-<c:chartSpace xmlns:c="http://schemas.openxmlformats.org/drawingml/2006/chart" xmlns:a="http://schemas.openxmlformats.org/drawingml/2006/main" xmlns:r="http://schemas.openxmlformats.org/officeDocument/2006/relationships" xmlns:c16r2="http://schemas.microsoft.com/office/drawing/2015/06/chart">
-  <c:date1904 val="0"/>
+<c:chartSpace xmlns:c="http://schemas.openxmlformats.org/drawingml/2006/chart" xmlns:a="http://schemas.openxmlformats.org/drawingml/2006/main" xmlns:r="http://schemas.openxmlformats.org/officeDocument/2006/relationships">
   <c:lang val="pt-PT"/>
-  <c:roundedCorners val="0"/>
-  <mc:AlternateContent xmlns:mc="http://schemas.openxmlformats.org/markup-compatibility/2006">
-    <mc:Choice xmlns:c14="http://schemas.microsoft.com/office/drawing/2007/8/2/chart" Requires="c14">
-      <c14:style val="102"/>
-    </mc:Choice>
-    <mc:Fallback>
-      <c:style val="2"/>
-    </mc:Fallback>
-  </mc:AlternateContent>
   <c:chart>
     <c:title>
       <c:tx>
@@ -8697,7 +8064,17 @@
           </a:p>
           <a:p>
             <a:pPr>
-              <a:defRPr/>
+              <a:defRPr sz="1600" b="1" i="0" u="none" strike="noStrike" kern="1200" cap="all" spc="120" normalizeH="0" baseline="0">
+                <a:solidFill>
+                  <a:schemeClr val="tx1">
+                    <a:lumMod val="65000"/>
+                    <a:lumOff val="35000"/>
+                  </a:schemeClr>
+                </a:solidFill>
+                <a:latin typeface="+mn-lt"/>
+                <a:ea typeface="+mn-ea"/>
+                <a:cs typeface="+mn-cs"/>
+              </a:defRPr>
             </a:pPr>
             <a:r>
               <a:rPr lang="pt-PT"/>
@@ -8706,7 +8083,7 @@
           </a:p>
         </c:rich>
       </c:tx>
-      <c:overlay val="0"/>
+      <c:layout/>
       <c:spPr>
         <a:noFill/>
         <a:ln>
@@ -8714,34 +8091,12 @@
         </a:ln>
         <a:effectLst/>
       </c:spPr>
-      <c:txPr>
-        <a:bodyPr rot="0" spcFirstLastPara="1" vertOverflow="ellipsis" vert="horz" wrap="square" anchor="ctr" anchorCtr="1"/>
-        <a:lstStyle/>
-        <a:p>
-          <a:pPr>
-            <a:defRPr sz="1600" b="1" i="0" u="none" strike="noStrike" kern="1200" cap="all" spc="120" normalizeH="0" baseline="0">
-              <a:solidFill>
-                <a:schemeClr val="tx1">
-                  <a:lumMod val="65000"/>
-                  <a:lumOff val="35000"/>
-                </a:schemeClr>
-              </a:solidFill>
-              <a:latin typeface="+mn-lt"/>
-              <a:ea typeface="+mn-ea"/>
-              <a:cs typeface="+mn-cs"/>
-            </a:defRPr>
-          </a:pPr>
-          <a:endParaRPr lang="pt-PT"/>
-        </a:p>
-      </c:txPr>
     </c:title>
-    <c:autoTitleDeleted val="0"/>
     <c:plotArea>
       <c:layout/>
       <c:barChart>
         <c:barDir val="col"/>
         <c:grouping val="clustered"/>
-        <c:varyColors val="0"/>
         <c:ser>
           <c:idx val="0"/>
           <c:order val="0"/>
@@ -8757,7 +8112,6 @@
             </a:ln>
             <a:effectLst/>
           </c:spPr>
-          <c:invertIfNegative val="0"/>
           <c:dLbls>
             <c:spPr>
               <a:noFill/>
@@ -8789,14 +8143,8 @@
               </a:p>
             </c:txPr>
             <c:dLblPos val="outEnd"/>
-            <c:showLegendKey val="0"/>
             <c:showVal val="1"/>
-            <c:showCatName val="0"/>
-            <c:showSerName val="0"/>
-            <c:showPercent val="0"/>
-            <c:showBubbleSize val="0"/>
-            <c:showLeaderLines val="0"/>
-            <c:extLst>
+            <c:extLst xmlns:c16r2="http://schemas.microsoft.com/office/drawing/2015/06/chart">
               <c:ext xmlns:c15="http://schemas.microsoft.com/office/drawing/2012/chart" uri="{CE6537A1-D6FC-4f65-9D91-7224C49458BB}">
                 <c15:showLeaderLines val="1"/>
                 <c15:leaderLines>
@@ -8842,7 +8190,7 @@
                 <c:formatCode>General</c:formatCode>
                 <c:ptCount val="5"/>
                 <c:pt idx="0">
-                  <c:v>5.7241999999999997</c:v>
+                  <c:v>5.7241999999999988</c:v>
                 </c:pt>
                 <c:pt idx="1">
                   <c:v>2.7505999999999999</c:v>
@@ -8851,7 +8199,7 @@
                   <c:v>2.2614000000000001</c:v>
                 </c:pt>
                 <c:pt idx="3">
-                  <c:v>3.4178000000000002</c:v>
+                  <c:v>3.4177999999999997</c:v>
                 </c:pt>
                 <c:pt idx="4">
                   <c:v>2.6993999999999998</c:v>
@@ -8859,7 +8207,7 @@
               </c:numCache>
             </c:numRef>
           </c:val>
-          <c:extLst>
+          <c:extLst xmlns:c16r2="http://schemas.microsoft.com/office/drawing/2015/06/chart">
             <c:ext xmlns:c16="http://schemas.microsoft.com/office/drawing/2014/chart" uri="{C3380CC4-5D6E-409C-BE32-E72D297353CC}">
               <c16:uniqueId val="{00000000-19AD-4245-8B78-EEF97942579B}"/>
             </c:ext>
@@ -8880,7 +8228,6 @@
             </a:ln>
             <a:effectLst/>
           </c:spPr>
-          <c:invertIfNegative val="0"/>
           <c:dLbls>
             <c:spPr>
               <a:noFill/>
@@ -8912,14 +8259,8 @@
               </a:p>
             </c:txPr>
             <c:dLblPos val="outEnd"/>
-            <c:showLegendKey val="0"/>
             <c:showVal val="1"/>
-            <c:showCatName val="0"/>
-            <c:showSerName val="0"/>
-            <c:showPercent val="0"/>
-            <c:showBubbleSize val="0"/>
-            <c:showLeaderLines val="0"/>
-            <c:extLst>
+            <c:extLst xmlns:c16r2="http://schemas.microsoft.com/office/drawing/2015/06/chart">
               <c:ext xmlns:c15="http://schemas.microsoft.com/office/drawing/2012/chart" uri="{CE6537A1-D6FC-4f65-9D91-7224C49458BB}">
                 <c15:showLeaderLines val="1"/>
                 <c15:leaderLines>
@@ -8982,7 +8323,7 @@
               </c:numCache>
             </c:numRef>
           </c:val>
-          <c:extLst>
+          <c:extLst xmlns:c16r2="http://schemas.microsoft.com/office/drawing/2015/06/chart">
             <c:ext xmlns:c16="http://schemas.microsoft.com/office/drawing/2014/chart" uri="{C3380CC4-5D6E-409C-BE32-E72D297353CC}">
               <c16:uniqueId val="{00000001-19AD-4245-8B78-EEF97942579B}"/>
             </c:ext>
@@ -9003,7 +8344,6 @@
             </a:ln>
             <a:effectLst/>
           </c:spPr>
-          <c:invertIfNegative val="0"/>
           <c:dLbls>
             <c:spPr>
               <a:noFill/>
@@ -9035,14 +8375,8 @@
               </a:p>
             </c:txPr>
             <c:dLblPos val="outEnd"/>
-            <c:showLegendKey val="0"/>
             <c:showVal val="1"/>
-            <c:showCatName val="0"/>
-            <c:showSerName val="0"/>
-            <c:showPercent val="0"/>
-            <c:showBubbleSize val="0"/>
-            <c:showLeaderLines val="0"/>
-            <c:extLst>
+            <c:extLst xmlns:c16r2="http://schemas.microsoft.com/office/drawing/2015/06/chart">
               <c:ext xmlns:c15="http://schemas.microsoft.com/office/drawing/2012/chart" uri="{CE6537A1-D6FC-4f65-9D91-7224C49458BB}">
                 <c15:showLeaderLines val="1"/>
                 <c15:leaderLines>
@@ -9088,16 +8422,16 @@
                 <c:formatCode>General</c:formatCode>
                 <c:ptCount val="5"/>
                 <c:pt idx="0">
-                  <c:v>1.8291999999999999</c:v>
+                  <c:v>1.8291999999999997</c:v>
                 </c:pt>
                 <c:pt idx="1">
-                  <c:v>0.61909999999999998</c:v>
+                  <c:v>0.61910000000000009</c:v>
                 </c:pt>
                 <c:pt idx="2">
                   <c:v>0.5645</c:v>
                 </c:pt>
                 <c:pt idx="3">
-                  <c:v>0.61770000000000003</c:v>
+                  <c:v>0.61770000000000014</c:v>
                 </c:pt>
                 <c:pt idx="4">
                   <c:v>0.59570000000000001</c:v>
@@ -9105,7 +8439,7 @@
               </c:numCache>
             </c:numRef>
           </c:val>
-          <c:extLst>
+          <c:extLst xmlns:c16r2="http://schemas.microsoft.com/office/drawing/2015/06/chart">
             <c:ext xmlns:c16="http://schemas.microsoft.com/office/drawing/2014/chart" uri="{C3380CC4-5D6E-409C-BE32-E72D297353CC}">
               <c16:uniqueId val="{00000002-19AD-4245-8B78-EEF97942579B}"/>
             </c:ext>
@@ -9126,7 +8460,6 @@
             </a:ln>
             <a:effectLst/>
           </c:spPr>
-          <c:invertIfNegative val="0"/>
           <c:dLbls>
             <c:spPr>
               <a:noFill/>
@@ -9158,14 +8491,8 @@
               </a:p>
             </c:txPr>
             <c:dLblPos val="outEnd"/>
-            <c:showLegendKey val="0"/>
             <c:showVal val="1"/>
-            <c:showCatName val="0"/>
-            <c:showSerName val="0"/>
-            <c:showPercent val="0"/>
-            <c:showBubbleSize val="0"/>
-            <c:showLeaderLines val="0"/>
-            <c:extLst>
+            <c:extLst xmlns:c16r2="http://schemas.microsoft.com/office/drawing/2015/06/chart">
               <c:ext xmlns:c15="http://schemas.microsoft.com/office/drawing/2012/chart" uri="{CE6537A1-D6FC-4f65-9D91-7224C49458BB}">
                 <c15:showLeaderLines val="1"/>
                 <c15:leaderLines>
@@ -9217,7 +8544,7 @@
                   <c:v>3.1808000000000001</c:v>
                 </c:pt>
                 <c:pt idx="2">
-                  <c:v>2.5748000000000002</c:v>
+                  <c:v>2.5747999999999998</c:v>
                 </c:pt>
                 <c:pt idx="3">
                   <c:v>4.3308999999999997</c:v>
@@ -9228,7 +8555,7 @@
               </c:numCache>
             </c:numRef>
           </c:val>
-          <c:extLst>
+          <c:extLst xmlns:c16r2="http://schemas.microsoft.com/office/drawing/2015/06/chart">
             <c:ext xmlns:c16="http://schemas.microsoft.com/office/drawing/2014/chart" uri="{C3380CC4-5D6E-409C-BE32-E72D297353CC}">
               <c16:uniqueId val="{00000003-19AD-4245-8B78-EEF97942579B}"/>
             </c:ext>
@@ -9249,7 +8576,6 @@
             </a:ln>
             <a:effectLst/>
           </c:spPr>
-          <c:invertIfNegative val="0"/>
           <c:dLbls>
             <c:spPr>
               <a:noFill/>
@@ -9281,14 +8607,8 @@
               </a:p>
             </c:txPr>
             <c:dLblPos val="outEnd"/>
-            <c:showLegendKey val="0"/>
             <c:showVal val="1"/>
-            <c:showCatName val="0"/>
-            <c:showSerName val="0"/>
-            <c:showPercent val="0"/>
-            <c:showBubbleSize val="0"/>
-            <c:showLeaderLines val="0"/>
-            <c:extLst>
+            <c:extLst xmlns:c16r2="http://schemas.microsoft.com/office/drawing/2015/06/chart">
               <c:ext xmlns:c15="http://schemas.microsoft.com/office/drawing/2012/chart" uri="{CE6537A1-D6FC-4f65-9D91-7224C49458BB}">
                 <c15:showLeaderLines val="1"/>
                 <c15:leaderLines>
@@ -9314,7 +8634,7 @@
                 <c:formatCode>General</c:formatCode>
                 <c:ptCount val="5"/>
                 <c:pt idx="0">
-                  <c:v>5.2012999999999998</c:v>
+                  <c:v>5.2013000000000007</c:v>
                 </c:pt>
                 <c:pt idx="1">
                   <c:v>2.3289</c:v>
@@ -9323,40 +8643,33 @@
                   <c:v>1.9454</c:v>
                 </c:pt>
                 <c:pt idx="3">
-                  <c:v>2.9580000000000002</c:v>
+                  <c:v>2.9579999999999997</c:v>
                 </c:pt>
                 <c:pt idx="4">
-                  <c:v>2.3353000000000002</c:v>
+                  <c:v>2.3352999999999997</c:v>
                 </c:pt>
               </c:numCache>
             </c:numRef>
           </c:val>
-          <c:extLst>
+          <c:extLst xmlns:c16r2="http://schemas.microsoft.com/office/drawing/2015/06/chart">
             <c:ext xmlns:c16="http://schemas.microsoft.com/office/drawing/2014/chart" uri="{C3380CC4-5D6E-409C-BE32-E72D297353CC}">
               <c16:uniqueId val="{00000004-19AD-4245-8B78-EEF97942579B}"/>
             </c:ext>
           </c:extLst>
         </c:ser>
         <c:dLbls>
-          <c:dLblPos val="outEnd"/>
-          <c:showLegendKey val="0"/>
           <c:showVal val="1"/>
-          <c:showCatName val="0"/>
-          <c:showSerName val="0"/>
-          <c:showPercent val="0"/>
-          <c:showBubbleSize val="0"/>
         </c:dLbls>
         <c:gapWidth val="444"/>
         <c:overlap val="-90"/>
-        <c:axId val="650444640"/>
-        <c:axId val="650443328"/>
+        <c:axId val="104238080"/>
+        <c:axId val="104260352"/>
       </c:barChart>
       <c:catAx>
-        <c:axId val="650444640"/>
+        <c:axId val="104238080"/>
         <c:scaling>
           <c:orientation val="minMax"/>
         </c:scaling>
-        <c:delete val="0"/>
         <c:axPos val="b"/>
         <c:majorGridlines>
           <c:spPr>
@@ -9374,7 +8687,6 @@
         </c:majorGridlines>
         <c:numFmt formatCode="General" sourceLinked="1"/>
         <c:majorTickMark val="none"/>
-        <c:minorTickMark val="none"/>
         <c:tickLblPos val="nextTo"/>
         <c:spPr>
           <a:noFill/>
@@ -9409,15 +8721,14 @@
             <a:endParaRPr lang="pt-PT"/>
           </a:p>
         </c:txPr>
-        <c:crossAx val="650443328"/>
+        <c:crossAx val="104260352"/>
         <c:crosses val="autoZero"/>
         <c:auto val="1"/>
         <c:lblAlgn val="ctr"/>
         <c:lblOffset val="100"/>
-        <c:noMultiLvlLbl val="0"/>
       </c:catAx>
       <c:valAx>
-        <c:axId val="650443328"/>
+        <c:axId val="104260352"/>
         <c:scaling>
           <c:orientation val="minMax"/>
         </c:scaling>
@@ -9425,9 +8736,8 @@
         <c:axPos val="l"/>
         <c:numFmt formatCode="General" sourceLinked="1"/>
         <c:majorTickMark val="none"/>
-        <c:minorTickMark val="none"/>
         <c:tickLblPos val="nextTo"/>
-        <c:crossAx val="650444640"/>
+        <c:crossAx val="104238080"/>
         <c:crosses val="autoZero"/>
         <c:crossBetween val="between"/>
       </c:valAx>
@@ -9479,7 +8789,6 @@
     </c:plotArea>
     <c:plotVisOnly val="1"/>
     <c:dispBlanksAs val="gap"/>
-    <c:showDLblsOverMax val="0"/>
   </c:chart>
   <c:spPr>
     <a:noFill/>
@@ -9498,25 +8807,13 @@
       <a:endParaRPr lang="pt-PT"/>
     </a:p>
   </c:txPr>
-  <c:externalData r:id="rId3">
-    <c:autoUpdate val="0"/>
-  </c:externalData>
+  <c:externalData r:id="rId1"/>
 </c:chartSpace>
 </file>
 
 <file path=ppt/charts/chart7.xml><?xml version="1.0" encoding="utf-8"?>
-<c:chartSpace xmlns:c="http://schemas.openxmlformats.org/drawingml/2006/chart" xmlns:a="http://schemas.openxmlformats.org/drawingml/2006/main" xmlns:r="http://schemas.openxmlformats.org/officeDocument/2006/relationships" xmlns:c16r2="http://schemas.microsoft.com/office/drawing/2015/06/chart">
-  <c:date1904 val="0"/>
+<c:chartSpace xmlns:c="http://schemas.openxmlformats.org/drawingml/2006/chart" xmlns:a="http://schemas.openxmlformats.org/drawingml/2006/main" xmlns:r="http://schemas.openxmlformats.org/officeDocument/2006/relationships">
   <c:lang val="pt-PT"/>
-  <c:roundedCorners val="0"/>
-  <mc:AlternateContent xmlns:mc="http://schemas.openxmlformats.org/markup-compatibility/2006">
-    <mc:Choice xmlns:c14="http://schemas.microsoft.com/office/drawing/2007/8/2/chart" Requires="c14">
-      <c14:style val="102"/>
-    </mc:Choice>
-    <mc:Fallback>
-      <c:style val="2"/>
-    </mc:Fallback>
-  </mc:AlternateContent>
   <c:chart>
     <c:title>
       <c:tx>
@@ -9549,7 +8846,17 @@
           </a:p>
           <a:p>
             <a:pPr>
-              <a:defRPr/>
+              <a:defRPr sz="1400" b="0" i="0" u="none" strike="noStrike" kern="1200" spc="0" baseline="0">
+                <a:solidFill>
+                  <a:schemeClr val="tx1">
+                    <a:lumMod val="65000"/>
+                    <a:lumOff val="35000"/>
+                  </a:schemeClr>
+                </a:solidFill>
+                <a:latin typeface="+mn-lt"/>
+                <a:ea typeface="+mn-ea"/>
+                <a:cs typeface="+mn-cs"/>
+              </a:defRPr>
             </a:pPr>
             <a:r>
               <a:rPr lang="pt-PT" sz="1800" b="1" i="0" cap="all" baseline="0">
@@ -9563,7 +8870,7 @@
           </a:p>
         </c:rich>
       </c:tx>
-      <c:overlay val="0"/>
+      <c:layout/>
       <c:spPr>
         <a:noFill/>
         <a:ln>
@@ -9571,34 +8878,12 @@
         </a:ln>
         <a:effectLst/>
       </c:spPr>
-      <c:txPr>
-        <a:bodyPr rot="0" spcFirstLastPara="1" vertOverflow="ellipsis" vert="horz" wrap="square" anchor="ctr" anchorCtr="1"/>
-        <a:lstStyle/>
-        <a:p>
-          <a:pPr>
-            <a:defRPr sz="1400" b="0" i="0" u="none" strike="noStrike" kern="1200" spc="0" baseline="0">
-              <a:solidFill>
-                <a:schemeClr val="tx1">
-                  <a:lumMod val="65000"/>
-                  <a:lumOff val="35000"/>
-                </a:schemeClr>
-              </a:solidFill>
-              <a:latin typeface="+mn-lt"/>
-              <a:ea typeface="+mn-ea"/>
-              <a:cs typeface="+mn-cs"/>
-            </a:defRPr>
-          </a:pPr>
-          <a:endParaRPr lang="pt-PT"/>
-        </a:p>
-      </c:txPr>
     </c:title>
-    <c:autoTitleDeleted val="0"/>
     <c:plotArea>
       <c:layout/>
       <c:barChart>
         <c:barDir val="col"/>
         <c:grouping val="clustered"/>
-        <c:varyColors val="0"/>
         <c:ser>
           <c:idx val="0"/>
           <c:order val="0"/>
@@ -9614,7 +8899,6 @@
             </a:ln>
             <a:effectLst/>
           </c:spPr>
-          <c:invertIfNegative val="0"/>
           <c:cat>
             <c:strRef>
               <c:f>Folha1!$Q$32:$AF$32</c:f>
@@ -9678,7 +8962,7 @@
                 <c:formatCode>General</c:formatCode>
                 <c:ptCount val="16"/>
                 <c:pt idx="0">
-                  <c:v>6.86</c:v>
+                  <c:v>6.8599999999999994</c:v>
                 </c:pt>
                 <c:pt idx="1">
                   <c:v>5.49</c:v>
@@ -9728,7 +9012,7 @@
               </c:numCache>
             </c:numRef>
           </c:val>
-          <c:extLst>
+          <c:extLst xmlns:c16r2="http://schemas.microsoft.com/office/drawing/2015/06/chart">
             <c:ext xmlns:c16="http://schemas.microsoft.com/office/drawing/2014/chart" uri="{C3380CC4-5D6E-409C-BE32-E72D297353CC}">
               <c16:uniqueId val="{00000000-A623-47A8-81C0-1B7FCEDCF8DE}"/>
             </c:ext>
@@ -9749,7 +9033,6 @@
             </a:ln>
             <a:effectLst/>
           </c:spPr>
-          <c:invertIfNegative val="0"/>
           <c:cat>
             <c:strRef>
               <c:f>Folha1!$Q$32:$AF$32</c:f>
@@ -9819,7 +9102,7 @@
                   <c:v>3.84</c:v>
                 </c:pt>
                 <c:pt idx="2">
-                  <c:v>3.39</c:v>
+                  <c:v>3.3899999999999997</c:v>
                 </c:pt>
                 <c:pt idx="3">
                   <c:v>3.55</c:v>
@@ -9828,7 +9111,7 @@
                   <c:v>3.4</c:v>
                 </c:pt>
                 <c:pt idx="5">
-                  <c:v>3.33</c:v>
+                  <c:v>3.3299999999999996</c:v>
                 </c:pt>
                 <c:pt idx="6">
                   <c:v>3.34</c:v>
@@ -9837,33 +9120,33 @@
                   <c:v>5.09</c:v>
                 </c:pt>
                 <c:pt idx="8">
-                  <c:v>2.89</c:v>
+                  <c:v>2.8899999999999997</c:v>
                 </c:pt>
                 <c:pt idx="9">
                   <c:v>3.22</c:v>
                 </c:pt>
                 <c:pt idx="10">
-                  <c:v>2.87</c:v>
+                  <c:v>2.8699999999999997</c:v>
                 </c:pt>
                 <c:pt idx="11">
-                  <c:v>2.89</c:v>
+                  <c:v>2.8899999999999997</c:v>
                 </c:pt>
                 <c:pt idx="12">
-                  <c:v>2.97</c:v>
+                  <c:v>2.9699999999999998</c:v>
                 </c:pt>
                 <c:pt idx="13">
                   <c:v>2.59</c:v>
                 </c:pt>
                 <c:pt idx="14">
-                  <c:v>2.78</c:v>
+                  <c:v>2.7800000000000002</c:v>
                 </c:pt>
                 <c:pt idx="15">
-                  <c:v>3.39</c:v>
+                  <c:v>3.3899999999999997</c:v>
                 </c:pt>
               </c:numCache>
             </c:numRef>
           </c:val>
-          <c:extLst>
+          <c:extLst xmlns:c16r2="http://schemas.microsoft.com/office/drawing/2015/06/chart">
             <c:ext xmlns:c16="http://schemas.microsoft.com/office/drawing/2014/chart" uri="{C3380CC4-5D6E-409C-BE32-E72D297353CC}">
               <c16:uniqueId val="{00000001-A623-47A8-81C0-1B7FCEDCF8DE}"/>
             </c:ext>
@@ -9884,7 +9167,6 @@
             </a:ln>
             <a:effectLst/>
           </c:spPr>
-          <c:invertIfNegative val="0"/>
           <c:cat>
             <c:strRef>
               <c:f>Folha1!$Q$32:$AF$32</c:f>
@@ -9954,7 +9236,7 @@
                   <c:v>2.63</c:v>
                 </c:pt>
                 <c:pt idx="2">
-                  <c:v>2.4700000000000002</c:v>
+                  <c:v>2.4699999999999998</c:v>
                 </c:pt>
                 <c:pt idx="3">
                   <c:v>2.5099999999999998</c:v>
@@ -9972,7 +9254,7 @@
                   <c:v>5.78</c:v>
                 </c:pt>
                 <c:pt idx="8">
-                  <c:v>2.39</c:v>
+                  <c:v>2.3899999999999997</c:v>
                 </c:pt>
                 <c:pt idx="9">
                   <c:v>2.4</c:v>
@@ -9981,7 +9263,7 @@
                   <c:v>2.44</c:v>
                 </c:pt>
                 <c:pt idx="11">
-                  <c:v>1.88</c:v>
+                  <c:v>1.8800000000000001</c:v>
                 </c:pt>
                 <c:pt idx="12">
                   <c:v>1.83</c:v>
@@ -9998,7 +9280,7 @@
               </c:numCache>
             </c:numRef>
           </c:val>
-          <c:extLst>
+          <c:extLst xmlns:c16r2="http://schemas.microsoft.com/office/drawing/2015/06/chart">
             <c:ext xmlns:c16="http://schemas.microsoft.com/office/drawing/2014/chart" uri="{C3380CC4-5D6E-409C-BE32-E72D297353CC}">
               <c16:uniqueId val="{00000002-A623-47A8-81C0-1B7FCEDCF8DE}"/>
             </c:ext>
@@ -10019,7 +9301,6 @@
             </a:ln>
             <a:effectLst/>
           </c:spPr>
-          <c:invertIfNegative val="0"/>
           <c:cat>
             <c:strRef>
               <c:f>Folha1!$Q$32:$AF$32</c:f>
@@ -10083,7 +9364,7 @@
                 <c:formatCode>General</c:formatCode>
                 <c:ptCount val="16"/>
                 <c:pt idx="0">
-                  <c:v>8.4600000000000009</c:v>
+                  <c:v>8.4600000000000026</c:v>
                 </c:pt>
                 <c:pt idx="1">
                   <c:v>6.18</c:v>
@@ -10098,7 +9379,7 @@
                   <c:v>5.0599999999999996</c:v>
                 </c:pt>
                 <c:pt idx="5">
-                  <c:v>5.69</c:v>
+                  <c:v>5.6899999999999995</c:v>
                 </c:pt>
                 <c:pt idx="6">
                   <c:v>5.68</c:v>
@@ -10116,7 +9397,7 @@
                   <c:v>5.55</c:v>
                 </c:pt>
                 <c:pt idx="11">
-                  <c:v>5.47</c:v>
+                  <c:v>5.4700000000000006</c:v>
                 </c:pt>
                 <c:pt idx="12">
                   <c:v>5.29</c:v>
@@ -10133,7 +9414,7 @@
               </c:numCache>
             </c:numRef>
           </c:val>
-          <c:extLst>
+          <c:extLst xmlns:c16r2="http://schemas.microsoft.com/office/drawing/2015/06/chart">
             <c:ext xmlns:c16="http://schemas.microsoft.com/office/drawing/2014/chart" uri="{C3380CC4-5D6E-409C-BE32-E72D297353CC}">
               <c16:uniqueId val="{00000003-A623-47A8-81C0-1B7FCEDCF8DE}"/>
             </c:ext>
@@ -10154,7 +9435,6 @@
             </a:ln>
             <a:effectLst/>
           </c:spPr>
-          <c:invertIfNegative val="0"/>
           <c:cat>
             <c:strRef>
               <c:f>Folha1!$Q$32:$AF$32</c:f>
@@ -10265,35 +9545,26 @@
               </c:numCache>
             </c:numRef>
           </c:val>
-          <c:extLst>
+          <c:extLst xmlns:c16r2="http://schemas.microsoft.com/office/drawing/2015/06/chart">
             <c:ext xmlns:c16="http://schemas.microsoft.com/office/drawing/2014/chart" uri="{C3380CC4-5D6E-409C-BE32-E72D297353CC}">
               <c16:uniqueId val="{00000004-A623-47A8-81C0-1B7FCEDCF8DE}"/>
             </c:ext>
           </c:extLst>
         </c:ser>
-        <c:dLbls>
-          <c:showLegendKey val="0"/>
-          <c:showVal val="0"/>
-          <c:showCatName val="0"/>
-          <c:showSerName val="0"/>
-          <c:showPercent val="0"/>
-          <c:showBubbleSize val="0"/>
-        </c:dLbls>
+        <c:dLbls/>
         <c:gapWidth val="219"/>
         <c:overlap val="-27"/>
-        <c:axId val="810564184"/>
-        <c:axId val="810557624"/>
+        <c:axId val="104286848"/>
+        <c:axId val="104300928"/>
       </c:barChart>
       <c:catAx>
-        <c:axId val="810564184"/>
+        <c:axId val="104286848"/>
         <c:scaling>
           <c:orientation val="minMax"/>
         </c:scaling>
-        <c:delete val="0"/>
         <c:axPos val="b"/>
         <c:numFmt formatCode="General" sourceLinked="1"/>
         <c:majorTickMark val="none"/>
-        <c:minorTickMark val="none"/>
         <c:tickLblPos val="nextTo"/>
         <c:spPr>
           <a:noFill/>
@@ -10328,19 +9599,17 @@
             <a:endParaRPr lang="pt-PT"/>
           </a:p>
         </c:txPr>
-        <c:crossAx val="810557624"/>
+        <c:crossAx val="104300928"/>
         <c:crosses val="autoZero"/>
         <c:auto val="1"/>
         <c:lblAlgn val="ctr"/>
         <c:lblOffset val="100"/>
-        <c:noMultiLvlLbl val="0"/>
       </c:catAx>
       <c:valAx>
-        <c:axId val="810557624"/>
+        <c:axId val="104300928"/>
         <c:scaling>
           <c:orientation val="minMax"/>
         </c:scaling>
-        <c:delete val="0"/>
         <c:axPos val="l"/>
         <c:majorGridlines>
           <c:spPr>
@@ -10358,7 +9627,6 @@
         </c:majorGridlines>
         <c:numFmt formatCode="General" sourceLinked="1"/>
         <c:majorTickMark val="none"/>
-        <c:minorTickMark val="none"/>
         <c:tickLblPos val="nextTo"/>
         <c:spPr>
           <a:noFill/>
@@ -10387,7 +9655,7 @@
             <a:endParaRPr lang="pt-PT"/>
           </a:p>
         </c:txPr>
-        <c:crossAx val="810564184"/>
+        <c:crossAx val="104286848"/>
         <c:crosses val="autoZero"/>
         <c:crossBetween val="between"/>
       </c:valAx>
@@ -10440,7 +9708,6 @@
     </c:plotArea>
     <c:plotVisOnly val="1"/>
     <c:dispBlanksAs val="gap"/>
-    <c:showDLblsOverMax val="0"/>
   </c:chart>
   <c:spPr>
     <a:noFill/>
@@ -10459,25 +9726,13 @@
       <a:endParaRPr lang="pt-PT"/>
     </a:p>
   </c:txPr>
-  <c:externalData r:id="rId3">
-    <c:autoUpdate val="0"/>
-  </c:externalData>
+  <c:externalData r:id="rId1"/>
 </c:chartSpace>
 </file>
 
 <file path=ppt/charts/chart8.xml><?xml version="1.0" encoding="utf-8"?>
-<c:chartSpace xmlns:c="http://schemas.openxmlformats.org/drawingml/2006/chart" xmlns:a="http://schemas.openxmlformats.org/drawingml/2006/main" xmlns:r="http://schemas.openxmlformats.org/officeDocument/2006/relationships" xmlns:c16r2="http://schemas.microsoft.com/office/drawing/2015/06/chart">
-  <c:date1904 val="0"/>
+<c:chartSpace xmlns:c="http://schemas.openxmlformats.org/drawingml/2006/chart" xmlns:a="http://schemas.openxmlformats.org/drawingml/2006/main" xmlns:r="http://schemas.openxmlformats.org/officeDocument/2006/relationships">
   <c:lang val="pt-PT"/>
-  <c:roundedCorners val="0"/>
-  <mc:AlternateContent xmlns:mc="http://schemas.openxmlformats.org/markup-compatibility/2006">
-    <mc:Choice xmlns:c14="http://schemas.microsoft.com/office/drawing/2007/8/2/chart" Requires="c14">
-      <c14:style val="102"/>
-    </mc:Choice>
-    <mc:Fallback>
-      <c:style val="2"/>
-    </mc:Fallback>
-  </mc:AlternateContent>
   <c:chart>
     <c:title>
       <c:tx>
@@ -10510,7 +9765,17 @@
           </a:p>
           <a:p>
             <a:pPr>
-              <a:defRPr/>
+              <a:defRPr sz="1400" b="0" i="0" u="none" strike="noStrike" kern="1200" spc="0" baseline="0">
+                <a:solidFill>
+                  <a:schemeClr val="tx1">
+                    <a:lumMod val="65000"/>
+                    <a:lumOff val="35000"/>
+                  </a:schemeClr>
+                </a:solidFill>
+                <a:latin typeface="+mn-lt"/>
+                <a:ea typeface="+mn-ea"/>
+                <a:cs typeface="+mn-cs"/>
+              </a:defRPr>
             </a:pPr>
             <a:r>
               <a:rPr lang="pt-PT" sz="1800" b="1" i="0" cap="all" baseline="0">
@@ -10524,7 +9789,7 @@
           </a:p>
         </c:rich>
       </c:tx>
-      <c:overlay val="0"/>
+      <c:layout/>
       <c:spPr>
         <a:noFill/>
         <a:ln>
@@ -10532,34 +9797,12 @@
         </a:ln>
         <a:effectLst/>
       </c:spPr>
-      <c:txPr>
-        <a:bodyPr rot="0" spcFirstLastPara="1" vertOverflow="ellipsis" vert="horz" wrap="square" anchor="ctr" anchorCtr="1"/>
-        <a:lstStyle/>
-        <a:p>
-          <a:pPr>
-            <a:defRPr sz="1400" b="0" i="0" u="none" strike="noStrike" kern="1200" spc="0" baseline="0">
-              <a:solidFill>
-                <a:schemeClr val="tx1">
-                  <a:lumMod val="65000"/>
-                  <a:lumOff val="35000"/>
-                </a:schemeClr>
-              </a:solidFill>
-              <a:latin typeface="+mn-lt"/>
-              <a:ea typeface="+mn-ea"/>
-              <a:cs typeface="+mn-cs"/>
-            </a:defRPr>
-          </a:pPr>
-          <a:endParaRPr lang="pt-PT"/>
-        </a:p>
-      </c:txPr>
     </c:title>
-    <c:autoTitleDeleted val="0"/>
     <c:plotArea>
       <c:layout/>
       <c:barChart>
         <c:barDir val="col"/>
         <c:grouping val="clustered"/>
-        <c:varyColors val="0"/>
         <c:ser>
           <c:idx val="0"/>
           <c:order val="0"/>
@@ -10575,7 +9818,6 @@
             </a:ln>
             <a:effectLst/>
           </c:spPr>
-          <c:invertIfNegative val="0"/>
           <c:cat>
             <c:strRef>
               <c:f>Folha1!$Q$32:$AF$32</c:f>
@@ -10681,7 +9923,7 @@
                   <c:v>23.57</c:v>
                 </c:pt>
                 <c:pt idx="14">
-                  <c:v>41.81</c:v>
+                  <c:v>41.809999999999995</c:v>
                 </c:pt>
                 <c:pt idx="15">
                   <c:v>28.9</c:v>
@@ -10689,7 +9931,7 @@
               </c:numCache>
             </c:numRef>
           </c:val>
-          <c:extLst>
+          <c:extLst xmlns:c16r2="http://schemas.microsoft.com/office/drawing/2015/06/chart">
             <c:ext xmlns:c16="http://schemas.microsoft.com/office/drawing/2014/chart" uri="{C3380CC4-5D6E-409C-BE32-E72D297353CC}">
               <c16:uniqueId val="{00000000-07BC-4BBE-8ADA-F33A88460A54}"/>
             </c:ext>
@@ -10710,7 +9952,6 @@
             </a:ln>
             <a:effectLst/>
           </c:spPr>
-          <c:invertIfNegative val="0"/>
           <c:cat>
             <c:strRef>
               <c:f>Folha1!$Q$32:$AF$32</c:f>
@@ -10774,10 +10015,10 @@
                 <c:formatCode>General</c:formatCode>
                 <c:ptCount val="16"/>
                 <c:pt idx="0">
-                  <c:v>29.65</c:v>
+                  <c:v>29.650000000000002</c:v>
                 </c:pt>
                 <c:pt idx="1">
-                  <c:v>16.010000000000002</c:v>
+                  <c:v>16.010000000000005</c:v>
                 </c:pt>
                 <c:pt idx="2">
                   <c:v>10.54</c:v>
@@ -10804,7 +10045,7 @@
                   <c:v>7.75</c:v>
                 </c:pt>
                 <c:pt idx="10">
-                  <c:v>14.86</c:v>
+                  <c:v>14.860000000000001</c:v>
                 </c:pt>
                 <c:pt idx="11">
                   <c:v>35.630000000000003</c:v>
@@ -10824,7 +10065,7 @@
               </c:numCache>
             </c:numRef>
           </c:val>
-          <c:extLst>
+          <c:extLst xmlns:c16r2="http://schemas.microsoft.com/office/drawing/2015/06/chart">
             <c:ext xmlns:c16="http://schemas.microsoft.com/office/drawing/2014/chart" uri="{C3380CC4-5D6E-409C-BE32-E72D297353CC}">
               <c16:uniqueId val="{00000001-07BC-4BBE-8ADA-F33A88460A54}"/>
             </c:ext>
@@ -10845,7 +10086,6 @@
             </a:ln>
             <a:effectLst/>
           </c:spPr>
-          <c:invertIfNegative val="0"/>
           <c:cat>
             <c:strRef>
               <c:f>Folha1!$Q$32:$AF$32</c:f>
@@ -10933,16 +10173,16 @@
                   <c:v>29.66</c:v>
                 </c:pt>
                 <c:pt idx="8">
-                  <c:v>16.96</c:v>
+                  <c:v>16.959999999999997</c:v>
                 </c:pt>
                 <c:pt idx="9">
-                  <c:v>23.26</c:v>
+                  <c:v>23.259999999999998</c:v>
                 </c:pt>
                 <c:pt idx="10">
                   <c:v>15.62</c:v>
                 </c:pt>
                 <c:pt idx="11">
-                  <c:v>25.44</c:v>
+                  <c:v>25.439999999999998</c:v>
                 </c:pt>
                 <c:pt idx="12">
                   <c:v>21.45</c:v>
@@ -10959,7 +10199,7 @@
               </c:numCache>
             </c:numRef>
           </c:val>
-          <c:extLst>
+          <c:extLst xmlns:c16r2="http://schemas.microsoft.com/office/drawing/2015/06/chart">
             <c:ext xmlns:c16="http://schemas.microsoft.com/office/drawing/2014/chart" uri="{C3380CC4-5D6E-409C-BE32-E72D297353CC}">
               <c16:uniqueId val="{00000002-07BC-4BBE-8ADA-F33A88460A54}"/>
             </c:ext>
@@ -10980,7 +10220,6 @@
             </a:ln>
             <a:effectLst/>
           </c:spPr>
-          <c:invertIfNegative val="0"/>
           <c:cat>
             <c:strRef>
               <c:f>Folha1!$Q$32:$AF$32</c:f>
@@ -11053,19 +10292,19 @@
                   <c:v>16.7</c:v>
                 </c:pt>
                 <c:pt idx="3">
-                  <c:v>18.440000000000001</c:v>
+                  <c:v>18.439999999999998</c:v>
                 </c:pt>
                 <c:pt idx="4">
                   <c:v>21.04</c:v>
                 </c:pt>
                 <c:pt idx="5">
-                  <c:v>17.940000000000001</c:v>
+                  <c:v>17.939999999999998</c:v>
                 </c:pt>
                 <c:pt idx="6">
                   <c:v>18.34</c:v>
                 </c:pt>
                 <c:pt idx="7">
-                  <c:v>27.96</c:v>
+                  <c:v>27.959999999999997</c:v>
                 </c:pt>
                 <c:pt idx="8">
                   <c:v>22.51</c:v>
@@ -11094,7 +10333,7 @@
               </c:numCache>
             </c:numRef>
           </c:val>
-          <c:extLst>
+          <c:extLst xmlns:c16r2="http://schemas.microsoft.com/office/drawing/2015/06/chart">
             <c:ext xmlns:c16="http://schemas.microsoft.com/office/drawing/2014/chart" uri="{C3380CC4-5D6E-409C-BE32-E72D297353CC}">
               <c16:uniqueId val="{00000003-07BC-4BBE-8ADA-F33A88460A54}"/>
             </c:ext>
@@ -11115,7 +10354,6 @@
             </a:ln>
             <a:effectLst/>
           </c:spPr>
-          <c:invertIfNegative val="0"/>
           <c:cat>
             <c:strRef>
               <c:f>Folha1!$Q$32:$AF$32</c:f>
@@ -11212,7 +10450,7 @@
                   <c:v>17.8</c:v>
                 </c:pt>
                 <c:pt idx="11">
-                  <c:v>37.799999999999997</c:v>
+                  <c:v>37.800000000000011</c:v>
                 </c:pt>
                 <c:pt idx="12">
                   <c:v>39.1</c:v>
@@ -11226,35 +10464,26 @@
               </c:numCache>
             </c:numRef>
           </c:val>
-          <c:extLst>
+          <c:extLst xmlns:c16r2="http://schemas.microsoft.com/office/drawing/2015/06/chart">
             <c:ext xmlns:c16="http://schemas.microsoft.com/office/drawing/2014/chart" uri="{C3380CC4-5D6E-409C-BE32-E72D297353CC}">
               <c16:uniqueId val="{00000004-07BC-4BBE-8ADA-F33A88460A54}"/>
             </c:ext>
           </c:extLst>
         </c:ser>
-        <c:dLbls>
-          <c:showLegendKey val="0"/>
-          <c:showVal val="0"/>
-          <c:showCatName val="0"/>
-          <c:showSerName val="0"/>
-          <c:showPercent val="0"/>
-          <c:showBubbleSize val="0"/>
-        </c:dLbls>
+        <c:dLbls/>
         <c:gapWidth val="219"/>
         <c:overlap val="-27"/>
-        <c:axId val="682804104"/>
-        <c:axId val="682802464"/>
+        <c:axId val="104487552"/>
+        <c:axId val="104505728"/>
       </c:barChart>
       <c:catAx>
-        <c:axId val="682804104"/>
+        <c:axId val="104487552"/>
         <c:scaling>
           <c:orientation val="minMax"/>
         </c:scaling>
-        <c:delete val="0"/>
         <c:axPos val="b"/>
         <c:numFmt formatCode="General" sourceLinked="1"/>
         <c:majorTickMark val="none"/>
-        <c:minorTickMark val="none"/>
         <c:tickLblPos val="nextTo"/>
         <c:spPr>
           <a:noFill/>
@@ -11289,19 +10518,17 @@
             <a:endParaRPr lang="pt-PT"/>
           </a:p>
         </c:txPr>
-        <c:crossAx val="682802464"/>
+        <c:crossAx val="104505728"/>
         <c:crosses val="autoZero"/>
         <c:auto val="1"/>
         <c:lblAlgn val="ctr"/>
         <c:lblOffset val="100"/>
-        <c:noMultiLvlLbl val="0"/>
       </c:catAx>
       <c:valAx>
-        <c:axId val="682802464"/>
+        <c:axId val="104505728"/>
         <c:scaling>
           <c:orientation val="minMax"/>
         </c:scaling>
-        <c:delete val="0"/>
         <c:axPos val="l"/>
         <c:majorGridlines>
           <c:spPr>
@@ -11319,7 +10546,6 @@
         </c:majorGridlines>
         <c:numFmt formatCode="General" sourceLinked="1"/>
         <c:majorTickMark val="none"/>
-        <c:minorTickMark val="none"/>
         <c:tickLblPos val="nextTo"/>
         <c:spPr>
           <a:noFill/>
@@ -11348,7 +10574,7 @@
             <a:endParaRPr lang="pt-PT"/>
           </a:p>
         </c:txPr>
-        <c:crossAx val="682804104"/>
+        <c:crossAx val="104487552"/>
         <c:crosses val="autoZero"/>
         <c:crossBetween val="between"/>
       </c:valAx>
@@ -11401,7 +10627,6 @@
     </c:plotArea>
     <c:plotVisOnly val="1"/>
     <c:dispBlanksAs val="gap"/>
-    <c:showDLblsOverMax val="0"/>
   </c:chart>
   <c:spPr>
     <a:noFill/>
@@ -11420,26 +10645,14 @@
       <a:endParaRPr lang="pt-PT"/>
     </a:p>
   </c:txPr>
-  <c:externalData r:id="rId3">
-    <c:autoUpdate val="0"/>
-  </c:externalData>
-  <c:userShapes r:id="rId4"/>
+  <c:externalData r:id="rId1"/>
+  <c:userShapes r:id="rId2"/>
 </c:chartSpace>
 </file>
 
 <file path=ppt/charts/chart9.xml><?xml version="1.0" encoding="utf-8"?>
-<c:chartSpace xmlns:c="http://schemas.openxmlformats.org/drawingml/2006/chart" xmlns:a="http://schemas.openxmlformats.org/drawingml/2006/main" xmlns:r="http://schemas.openxmlformats.org/officeDocument/2006/relationships" xmlns:c16r2="http://schemas.microsoft.com/office/drawing/2015/06/chart">
-  <c:date1904 val="0"/>
+<c:chartSpace xmlns:c="http://schemas.openxmlformats.org/drawingml/2006/chart" xmlns:a="http://schemas.openxmlformats.org/drawingml/2006/main" xmlns:r="http://schemas.openxmlformats.org/officeDocument/2006/relationships">
   <c:lang val="pt-PT"/>
-  <c:roundedCorners val="0"/>
-  <mc:AlternateContent xmlns:mc="http://schemas.openxmlformats.org/markup-compatibility/2006">
-    <mc:Choice xmlns:c14="http://schemas.microsoft.com/office/drawing/2007/8/2/chart" Requires="c14">
-      <c14:style val="102"/>
-    </mc:Choice>
-    <mc:Fallback>
-      <c:style val="2"/>
-    </mc:Fallback>
-  </mc:AlternateContent>
   <c:chart>
     <c:title>
       <c:tx>
@@ -11472,7 +10685,17 @@
           </a:p>
           <a:p>
             <a:pPr>
-              <a:defRPr/>
+              <a:defRPr sz="1400" b="0" i="0" u="none" strike="noStrike" kern="1200" spc="0" baseline="0">
+                <a:solidFill>
+                  <a:schemeClr val="tx1">
+                    <a:lumMod val="65000"/>
+                    <a:lumOff val="35000"/>
+                  </a:schemeClr>
+                </a:solidFill>
+                <a:latin typeface="+mn-lt"/>
+                <a:ea typeface="+mn-ea"/>
+                <a:cs typeface="+mn-cs"/>
+              </a:defRPr>
             </a:pPr>
             <a:r>
               <a:rPr lang="pt-PT" sz="1800" b="1" i="0" cap="all" baseline="0">
@@ -11486,7 +10709,7 @@
           </a:p>
         </c:rich>
       </c:tx>
-      <c:overlay val="0"/>
+      <c:layout/>
       <c:spPr>
         <a:noFill/>
         <a:ln>
@@ -11494,34 +10717,12 @@
         </a:ln>
         <a:effectLst/>
       </c:spPr>
-      <c:txPr>
-        <a:bodyPr rot="0" spcFirstLastPara="1" vertOverflow="ellipsis" vert="horz" wrap="square" anchor="ctr" anchorCtr="1"/>
-        <a:lstStyle/>
-        <a:p>
-          <a:pPr>
-            <a:defRPr sz="1400" b="0" i="0" u="none" strike="noStrike" kern="1200" spc="0" baseline="0">
-              <a:solidFill>
-                <a:schemeClr val="tx1">
-                  <a:lumMod val="65000"/>
-                  <a:lumOff val="35000"/>
-                </a:schemeClr>
-              </a:solidFill>
-              <a:latin typeface="+mn-lt"/>
-              <a:ea typeface="+mn-ea"/>
-              <a:cs typeface="+mn-cs"/>
-            </a:defRPr>
-          </a:pPr>
-          <a:endParaRPr lang="pt-PT"/>
-        </a:p>
-      </c:txPr>
     </c:title>
-    <c:autoTitleDeleted val="0"/>
     <c:plotArea>
       <c:layout/>
       <c:barChart>
         <c:barDir val="col"/>
         <c:grouping val="clustered"/>
-        <c:varyColors val="0"/>
         <c:ser>
           <c:idx val="0"/>
           <c:order val="0"/>
@@ -11537,7 +10738,6 @@
             </a:ln>
             <a:effectLst/>
           </c:spPr>
-          <c:invertIfNegative val="0"/>
           <c:cat>
             <c:strRef>
               <c:f>Folha1!$Q$32:$AF$32</c:f>
@@ -11625,7 +10825,7 @@
                   <c:v>83.63</c:v>
                 </c:pt>
                 <c:pt idx="8">
-                  <c:v>0.75</c:v>
+                  <c:v>0.75000000000000011</c:v>
                 </c:pt>
                 <c:pt idx="9">
                   <c:v>127.9</c:v>
@@ -11646,12 +10846,12 @@
                   <c:v>75.069999999999993</c:v>
                 </c:pt>
                 <c:pt idx="15">
-                  <c:v>44.34</c:v>
+                  <c:v>44.339999999999996</c:v>
                 </c:pt>
               </c:numCache>
             </c:numRef>
           </c:val>
-          <c:extLst>
+          <c:extLst xmlns:c16r2="http://schemas.microsoft.com/office/drawing/2015/06/chart">
             <c:ext xmlns:c16="http://schemas.microsoft.com/office/drawing/2014/chart" uri="{C3380CC4-5D6E-409C-BE32-E72D297353CC}">
               <c16:uniqueId val="{00000000-162F-46F1-899A-85CEE97DC2E0}"/>
             </c:ext>
@@ -11672,7 +10872,6 @@
             </a:ln>
             <a:effectLst/>
           </c:spPr>
-          <c:invertIfNegative val="0"/>
           <c:cat>
             <c:strRef>
               <c:f>Folha1!$Q$32:$AF$32</c:f>
@@ -11742,7 +10941,7 @@
                   <c:v>22.82</c:v>
                 </c:pt>
                 <c:pt idx="2">
-                  <c:v>23.31</c:v>
+                  <c:v>23.310000000000002</c:v>
                 </c:pt>
                 <c:pt idx="3">
                   <c:v>18.2</c:v>
@@ -11757,7 +10956,7 @@
                   <c:v>15.57</c:v>
                 </c:pt>
                 <c:pt idx="7">
-                  <c:v>55.34</c:v>
+                  <c:v>55.339999999999996</c:v>
                 </c:pt>
                 <c:pt idx="8">
                   <c:v>0.45</c:v>
@@ -11766,7 +10965,7 @@
                   <c:v>81.010000000000005</c:v>
                 </c:pt>
                 <c:pt idx="10">
-                  <c:v>0.41</c:v>
+                  <c:v>0.41000000000000003</c:v>
                 </c:pt>
                 <c:pt idx="11">
                   <c:v>19.37</c:v>
@@ -11778,15 +10977,15 @@
                   <c:v>44.6</c:v>
                 </c:pt>
                 <c:pt idx="14">
-                  <c:v>57.29</c:v>
+                  <c:v>57.290000000000006</c:v>
                 </c:pt>
                 <c:pt idx="15">
-                  <c:v>31.78</c:v>
+                  <c:v>31.779999999999998</c:v>
                 </c:pt>
               </c:numCache>
             </c:numRef>
           </c:val>
-          <c:extLst>
+          <c:extLst xmlns:c16r2="http://schemas.microsoft.com/office/drawing/2015/06/chart">
             <c:ext xmlns:c16="http://schemas.microsoft.com/office/drawing/2014/chart" uri="{C3380CC4-5D6E-409C-BE32-E72D297353CC}">
               <c16:uniqueId val="{00000001-162F-46F1-899A-85CEE97DC2E0}"/>
             </c:ext>
@@ -11807,7 +11006,6 @@
             </a:ln>
             <a:effectLst/>
           </c:spPr>
-          <c:invertIfNegative val="0"/>
           <c:cat>
             <c:strRef>
               <c:f>Folha1!$Q$32:$AF$32</c:f>
@@ -11874,7 +11072,7 @@
                   <c:v>109.8</c:v>
                 </c:pt>
                 <c:pt idx="1">
-                  <c:v>21.11</c:v>
+                  <c:v>21.110000000000003</c:v>
                 </c:pt>
                 <c:pt idx="2">
                   <c:v>21.7</c:v>
@@ -11886,22 +11084,22 @@
                   <c:v>160.34</c:v>
                 </c:pt>
                 <c:pt idx="5">
-                  <c:v>19.239999999999998</c:v>
+                  <c:v>19.239999999999995</c:v>
                 </c:pt>
                 <c:pt idx="6">
-                  <c:v>20.65</c:v>
+                  <c:v>20.650000000000002</c:v>
                 </c:pt>
                 <c:pt idx="7">
                   <c:v>122.8</c:v>
                 </c:pt>
                 <c:pt idx="8">
-                  <c:v>0.96</c:v>
+                  <c:v>0.96000000000000008</c:v>
                 </c:pt>
                 <c:pt idx="9">
                   <c:v>167.19</c:v>
                 </c:pt>
                 <c:pt idx="10">
-                  <c:v>0.86</c:v>
+                  <c:v>0.8600000000000001</c:v>
                 </c:pt>
                 <c:pt idx="11">
                   <c:v>15.93</c:v>
@@ -11913,7 +11111,7 @@
                   <c:v>134.13999999999999</c:v>
                 </c:pt>
                 <c:pt idx="14">
-                  <c:v>153.85</c:v>
+                  <c:v>153.85000000000002</c:v>
                 </c:pt>
                 <c:pt idx="15">
                   <c:v>65.58</c:v>
@@ -11921,7 +11119,7 @@
               </c:numCache>
             </c:numRef>
           </c:val>
-          <c:extLst>
+          <c:extLst xmlns:c16r2="http://schemas.microsoft.com/office/drawing/2015/06/chart">
             <c:ext xmlns:c16="http://schemas.microsoft.com/office/drawing/2014/chart" uri="{C3380CC4-5D6E-409C-BE32-E72D297353CC}">
               <c16:uniqueId val="{00000002-162F-46F1-899A-85CEE97DC2E0}"/>
             </c:ext>
@@ -11942,7 +11140,6 @@
             </a:ln>
             <a:effectLst/>
           </c:spPr>
-          <c:invertIfNegative val="0"/>
           <c:cat>
             <c:strRef>
               <c:f>Folha1!$Q$32:$AF$32</c:f>
@@ -12009,7 +11206,7 @@
                   <c:v>74.95</c:v>
                 </c:pt>
                 <c:pt idx="1">
-                  <c:v>33.340000000000003</c:v>
+                  <c:v>33.339999999999996</c:v>
                 </c:pt>
                 <c:pt idx="2">
                   <c:v>31.75</c:v>
@@ -12021,7 +11218,7 @@
                   <c:v>75.349999999999994</c:v>
                 </c:pt>
                 <c:pt idx="5">
-                  <c:v>27.63</c:v>
+                  <c:v>27.630000000000003</c:v>
                 </c:pt>
                 <c:pt idx="6">
                   <c:v>26.5</c:v>
@@ -12036,10 +11233,10 @@
                   <c:v>133.28</c:v>
                 </c:pt>
                 <c:pt idx="10">
-                  <c:v>0.95</c:v>
+                  <c:v>0.95000000000000007</c:v>
                 </c:pt>
                 <c:pt idx="11">
-                  <c:v>25.48</c:v>
+                  <c:v>25.479999999999997</c:v>
                 </c:pt>
                 <c:pt idx="12">
                   <c:v>28.39</c:v>
@@ -12056,7 +11253,7 @@
               </c:numCache>
             </c:numRef>
           </c:val>
-          <c:extLst>
+          <c:extLst xmlns:c16r2="http://schemas.microsoft.com/office/drawing/2015/06/chart">
             <c:ext xmlns:c16="http://schemas.microsoft.com/office/drawing/2014/chart" uri="{C3380CC4-5D6E-409C-BE32-E72D297353CC}">
               <c16:uniqueId val="{00000003-162F-46F1-899A-85CEE97DC2E0}"/>
             </c:ext>
@@ -12077,7 +11274,6 @@
             </a:ln>
             <a:effectLst/>
           </c:spPr>
-          <c:invertIfNegative val="0"/>
           <c:cat>
             <c:strRef>
               <c:f>Folha1!$Q$32:$AF$32</c:f>
@@ -12188,35 +11384,26 @@
               </c:numCache>
             </c:numRef>
           </c:val>
-          <c:extLst>
+          <c:extLst xmlns:c16r2="http://schemas.microsoft.com/office/drawing/2015/06/chart">
             <c:ext xmlns:c16="http://schemas.microsoft.com/office/drawing/2014/chart" uri="{C3380CC4-5D6E-409C-BE32-E72D297353CC}">
               <c16:uniqueId val="{00000004-162F-46F1-899A-85CEE97DC2E0}"/>
             </c:ext>
           </c:extLst>
         </c:ser>
-        <c:dLbls>
-          <c:showLegendKey val="0"/>
-          <c:showVal val="0"/>
-          <c:showCatName val="0"/>
-          <c:showSerName val="0"/>
-          <c:showPercent val="0"/>
-          <c:showBubbleSize val="0"/>
-        </c:dLbls>
+        <c:dLbls/>
         <c:gapWidth val="219"/>
         <c:overlap val="-27"/>
-        <c:axId val="653456120"/>
-        <c:axId val="653452184"/>
+        <c:axId val="104458880"/>
+        <c:axId val="104534400"/>
       </c:barChart>
       <c:catAx>
-        <c:axId val="653456120"/>
+        <c:axId val="104458880"/>
         <c:scaling>
           <c:orientation val="minMax"/>
         </c:scaling>
-        <c:delete val="0"/>
         <c:axPos val="b"/>
         <c:numFmt formatCode="General" sourceLinked="1"/>
         <c:majorTickMark val="none"/>
-        <c:minorTickMark val="none"/>
         <c:tickLblPos val="nextTo"/>
         <c:spPr>
           <a:noFill/>
@@ -12251,19 +11438,17 @@
             <a:endParaRPr lang="pt-PT"/>
           </a:p>
         </c:txPr>
-        <c:crossAx val="653452184"/>
+        <c:crossAx val="104534400"/>
         <c:crosses val="autoZero"/>
         <c:auto val="1"/>
         <c:lblAlgn val="ctr"/>
         <c:lblOffset val="100"/>
-        <c:noMultiLvlLbl val="0"/>
       </c:catAx>
       <c:valAx>
-        <c:axId val="653452184"/>
+        <c:axId val="104534400"/>
         <c:scaling>
           <c:orientation val="minMax"/>
         </c:scaling>
-        <c:delete val="0"/>
         <c:axPos val="l"/>
         <c:majorGridlines>
           <c:spPr>
@@ -12281,7 +11466,6 @@
         </c:majorGridlines>
         <c:numFmt formatCode="General" sourceLinked="1"/>
         <c:majorTickMark val="none"/>
-        <c:minorTickMark val="none"/>
         <c:tickLblPos val="nextTo"/>
         <c:spPr>
           <a:noFill/>
@@ -12310,7 +11494,7 @@
             <a:endParaRPr lang="pt-PT"/>
           </a:p>
         </c:txPr>
-        <c:crossAx val="653456120"/>
+        <c:crossAx val="104458880"/>
         <c:crosses val="autoZero"/>
         <c:crossBetween val="between"/>
       </c:valAx>
@@ -12363,7 +11547,6 @@
     </c:plotArea>
     <c:plotVisOnly val="1"/>
     <c:dispBlanksAs val="gap"/>
-    <c:showDLblsOverMax val="0"/>
   </c:chart>
   <c:spPr>
     <a:noFill/>
@@ -12382,10 +11565,8 @@
       <a:endParaRPr lang="pt-PT"/>
     </a:p>
   </c:txPr>
-  <c:externalData r:id="rId3">
-    <c:autoUpdate val="0"/>
-  </c:externalData>
-  <c:userShapes r:id="rId4"/>
+  <c:externalData r:id="rId1"/>
+  <c:userShapes r:id="rId2"/>
 </c:chartSpace>
 </file>
 
@@ -20734,7 +19915,7 @@
         <cdr:cNvPr id="2" name="CaixaDeTexto 1">
           <a:extLst xmlns:a="http://schemas.openxmlformats.org/drawingml/2006/main">
             <a:ext uri="{FF2B5EF4-FFF2-40B4-BE49-F238E27FC236}">
-              <a16:creationId xmlns:a16="http://schemas.microsoft.com/office/drawing/2014/main" id="{AF9CA311-7E51-4E99-A49C-6ED7ED9A3B34}"/>
+              <a16:creationId xmlns:a16="http://schemas.microsoft.com/office/drawing/2014/main" xmlns="" id="{AF9CA311-7E51-4E99-A49C-6ED7ED9A3B34}"/>
             </a:ext>
           </a:extLst>
         </cdr:cNvPr>
@@ -20783,7 +19964,7 @@
         <cdr:cNvPr id="2" name="CaixaDeTexto 1">
           <a:extLst xmlns:a="http://schemas.openxmlformats.org/drawingml/2006/main">
             <a:ext uri="{FF2B5EF4-FFF2-40B4-BE49-F238E27FC236}">
-              <a16:creationId xmlns:a16="http://schemas.microsoft.com/office/drawing/2014/main" id="{63E8B198-3C56-4B40-B4D1-F14BF473AF7D}"/>
+              <a16:creationId xmlns:a16="http://schemas.microsoft.com/office/drawing/2014/main" xmlns="" id="{63E8B198-3C56-4B40-B4D1-F14BF473AF7D}"/>
             </a:ext>
           </a:extLst>
         </cdr:cNvPr>
@@ -20878,6 +20059,434 @@
     </cdr:sp>
   </cdr:relSizeAnchor>
 </c:userShapes>
+</file>
+
+<file path=ppt/notesMasters/notesMaster1.xml><?xml version="1.0" encoding="utf-8"?>
+<p:notesMaster xmlns:a="http://schemas.openxmlformats.org/drawingml/2006/main" xmlns:r="http://schemas.openxmlformats.org/officeDocument/2006/relationships" xmlns:p="http://schemas.openxmlformats.org/presentationml/2006/main">
+  <p:cSld>
+    <p:bg>
+      <p:bgRef idx="1001">
+        <a:schemeClr val="bg1"/>
+      </p:bgRef>
+    </p:bg>
+    <p:spTree>
+      <p:nvGrpSpPr>
+        <p:cNvPr id="1" name=""/>
+        <p:cNvGrpSpPr/>
+        <p:nvPr/>
+      </p:nvGrpSpPr>
+      <p:grpSpPr>
+        <a:xfrm>
+          <a:off x="0" y="0"/>
+          <a:ext cx="0" cy="0"/>
+          <a:chOff x="0" y="0"/>
+          <a:chExt cx="0" cy="0"/>
+        </a:xfrm>
+      </p:grpSpPr>
+      <p:sp>
+        <p:nvSpPr>
+          <p:cNvPr id="2" name="Marcador de Posição do Cabeçalho 1"/>
+          <p:cNvSpPr>
+            <a:spLocks noGrp="1"/>
+          </p:cNvSpPr>
+          <p:nvPr>
+            <p:ph type="hdr" sz="quarter"/>
+          </p:nvPr>
+        </p:nvSpPr>
+        <p:spPr>
+          <a:xfrm>
+            <a:off x="0" y="0"/>
+            <a:ext cx="2971800" cy="457200"/>
+          </a:xfrm>
+          <a:prstGeom prst="rect">
+            <a:avLst/>
+          </a:prstGeom>
+        </p:spPr>
+        <p:txBody>
+          <a:bodyPr vert="horz" lIns="91440" tIns="45720" rIns="91440" bIns="45720" rtlCol="0"/>
+          <a:lstStyle>
+            <a:lvl1pPr algn="l">
+              <a:defRPr sz="1200"/>
+            </a:lvl1pPr>
+          </a:lstStyle>
+          <a:p>
+            <a:endParaRPr lang="pt-PT"/>
+          </a:p>
+        </p:txBody>
+      </p:sp>
+      <p:sp>
+        <p:nvSpPr>
+          <p:cNvPr id="3" name="Marcador de Posição da Data 2"/>
+          <p:cNvSpPr>
+            <a:spLocks noGrp="1"/>
+          </p:cNvSpPr>
+          <p:nvPr>
+            <p:ph type="dt" idx="1"/>
+          </p:nvPr>
+        </p:nvSpPr>
+        <p:spPr>
+          <a:xfrm>
+            <a:off x="3884613" y="0"/>
+            <a:ext cx="2971800" cy="457200"/>
+          </a:xfrm>
+          <a:prstGeom prst="rect">
+            <a:avLst/>
+          </a:prstGeom>
+        </p:spPr>
+        <p:txBody>
+          <a:bodyPr vert="horz" lIns="91440" tIns="45720" rIns="91440" bIns="45720" rtlCol="0"/>
+          <a:lstStyle>
+            <a:lvl1pPr algn="r">
+              <a:defRPr sz="1200"/>
+            </a:lvl1pPr>
+          </a:lstStyle>
+          <a:p>
+            <a:fld id="{191CB419-2379-4E9F-BAB8-2658C7CE6563}" type="datetimeFigureOut">
+              <a:rPr lang="pt-PT" smtClean="0"/>
+              <a:t>23/12/2020</a:t>
+            </a:fld>
+            <a:endParaRPr lang="pt-PT"/>
+          </a:p>
+        </p:txBody>
+      </p:sp>
+      <p:sp>
+        <p:nvSpPr>
+          <p:cNvPr id="4" name="Marcador de Posição da Imagem do Diapositivo 3"/>
+          <p:cNvSpPr>
+            <a:spLocks noGrp="1" noRot="1" noChangeAspect="1"/>
+          </p:cNvSpPr>
+          <p:nvPr>
+            <p:ph type="sldImg" idx="2"/>
+          </p:nvPr>
+        </p:nvSpPr>
+        <p:spPr>
+          <a:xfrm>
+            <a:off x="1143000" y="685800"/>
+            <a:ext cx="4572000" cy="3429000"/>
+          </a:xfrm>
+          <a:prstGeom prst="rect">
+            <a:avLst/>
+          </a:prstGeom>
+          <a:noFill/>
+          <a:ln w="12700">
+            <a:solidFill>
+              <a:prstClr val="black"/>
+            </a:solidFill>
+          </a:ln>
+        </p:spPr>
+        <p:txBody>
+          <a:bodyPr vert="horz" lIns="91440" tIns="45720" rIns="91440" bIns="45720" rtlCol="0" anchor="ctr"/>
+          <a:lstStyle/>
+          <a:p>
+            <a:endParaRPr lang="pt-PT"/>
+          </a:p>
+        </p:txBody>
+      </p:sp>
+      <p:sp>
+        <p:nvSpPr>
+          <p:cNvPr id="5" name="Marcador de Posição de Notas 4"/>
+          <p:cNvSpPr>
+            <a:spLocks noGrp="1"/>
+          </p:cNvSpPr>
+          <p:nvPr>
+            <p:ph type="body" sz="quarter" idx="3"/>
+          </p:nvPr>
+        </p:nvSpPr>
+        <p:spPr>
+          <a:xfrm>
+            <a:off x="685800" y="4343400"/>
+            <a:ext cx="5486400" cy="4114800"/>
+          </a:xfrm>
+          <a:prstGeom prst="rect">
+            <a:avLst/>
+          </a:prstGeom>
+        </p:spPr>
+        <p:txBody>
+          <a:bodyPr vert="horz" lIns="91440" tIns="45720" rIns="91440" bIns="45720" rtlCol="0">
+            <a:normAutofit/>
+          </a:bodyPr>
+          <a:lstStyle/>
+          <a:p>
+            <a:pPr lvl="0"/>
+            <a:r>
+              <a:rPr lang="pt-PT" smtClean="0"/>
+              <a:t>Clique para editar os estilos</a:t>
+            </a:r>
+          </a:p>
+          <a:p>
+            <a:pPr lvl="1"/>
+            <a:r>
+              <a:rPr lang="pt-PT" smtClean="0"/>
+              <a:t>Segundo nível</a:t>
+            </a:r>
+          </a:p>
+          <a:p>
+            <a:pPr lvl="2"/>
+            <a:r>
+              <a:rPr lang="pt-PT" smtClean="0"/>
+              <a:t>Terceiro nível</a:t>
+            </a:r>
+          </a:p>
+          <a:p>
+            <a:pPr lvl="3"/>
+            <a:r>
+              <a:rPr lang="pt-PT" smtClean="0"/>
+              <a:t>Quarto nível</a:t>
+            </a:r>
+          </a:p>
+          <a:p>
+            <a:pPr lvl="4"/>
+            <a:r>
+              <a:rPr lang="pt-PT" smtClean="0"/>
+              <a:t>Quinto nível</a:t>
+            </a:r>
+            <a:endParaRPr lang="pt-PT"/>
+          </a:p>
+        </p:txBody>
+      </p:sp>
+      <p:sp>
+        <p:nvSpPr>
+          <p:cNvPr id="6" name="Marcador de Posição do Rodapé 5"/>
+          <p:cNvSpPr>
+            <a:spLocks noGrp="1"/>
+          </p:cNvSpPr>
+          <p:nvPr>
+            <p:ph type="ftr" sz="quarter" idx="4"/>
+          </p:nvPr>
+        </p:nvSpPr>
+        <p:spPr>
+          <a:xfrm>
+            <a:off x="0" y="8685213"/>
+            <a:ext cx="2971800" cy="457200"/>
+          </a:xfrm>
+          <a:prstGeom prst="rect">
+            <a:avLst/>
+          </a:prstGeom>
+        </p:spPr>
+        <p:txBody>
+          <a:bodyPr vert="horz" lIns="91440" tIns="45720" rIns="91440" bIns="45720" rtlCol="0" anchor="b"/>
+          <a:lstStyle>
+            <a:lvl1pPr algn="l">
+              <a:defRPr sz="1200"/>
+            </a:lvl1pPr>
+          </a:lstStyle>
+          <a:p>
+            <a:endParaRPr lang="pt-PT"/>
+          </a:p>
+        </p:txBody>
+      </p:sp>
+      <p:sp>
+        <p:nvSpPr>
+          <p:cNvPr id="7" name="Marcador de Posição do Número do Diapositivo 6"/>
+          <p:cNvSpPr>
+            <a:spLocks noGrp="1"/>
+          </p:cNvSpPr>
+          <p:nvPr>
+            <p:ph type="sldNum" sz="quarter" idx="5"/>
+          </p:nvPr>
+        </p:nvSpPr>
+        <p:spPr>
+          <a:xfrm>
+            <a:off x="3884613" y="8685213"/>
+            <a:ext cx="2971800" cy="457200"/>
+          </a:xfrm>
+          <a:prstGeom prst="rect">
+            <a:avLst/>
+          </a:prstGeom>
+        </p:spPr>
+        <p:txBody>
+          <a:bodyPr vert="horz" lIns="91440" tIns="45720" rIns="91440" bIns="45720" rtlCol="0" anchor="b"/>
+          <a:lstStyle>
+            <a:lvl1pPr algn="r">
+              <a:defRPr sz="1200"/>
+            </a:lvl1pPr>
+          </a:lstStyle>
+          <a:p>
+            <a:fld id="{3DDD1265-37B5-43E3-8B8E-14BA8B31F64F}" type="slidenum">
+              <a:rPr lang="pt-PT" smtClean="0"/>
+              <a:t>‹nº›</a:t>
+            </a:fld>
+            <a:endParaRPr lang="pt-PT"/>
+          </a:p>
+        </p:txBody>
+      </p:sp>
+    </p:spTree>
+  </p:cSld>
+  <p:clrMap bg1="lt1" tx1="dk1" bg2="lt2" tx2="dk2" accent1="accent1" accent2="accent2" accent3="accent3" accent4="accent4" accent5="accent5" accent6="accent6" hlink="hlink" folHlink="folHlink"/>
+  <p:notesStyle>
+    <a:lvl1pPr marL="0" algn="l" defTabSz="914400" rtl="0" eaLnBrk="1" latinLnBrk="0" hangingPunct="1">
+      <a:defRPr sz="1200" kern="1200">
+        <a:solidFill>
+          <a:schemeClr val="tx1"/>
+        </a:solidFill>
+        <a:latin typeface="+mn-lt"/>
+        <a:ea typeface="+mn-ea"/>
+        <a:cs typeface="+mn-cs"/>
+      </a:defRPr>
+    </a:lvl1pPr>
+    <a:lvl2pPr marL="457200" algn="l" defTabSz="914400" rtl="0" eaLnBrk="1" latinLnBrk="0" hangingPunct="1">
+      <a:defRPr sz="1200" kern="1200">
+        <a:solidFill>
+          <a:schemeClr val="tx1"/>
+        </a:solidFill>
+        <a:latin typeface="+mn-lt"/>
+        <a:ea typeface="+mn-ea"/>
+        <a:cs typeface="+mn-cs"/>
+      </a:defRPr>
+    </a:lvl2pPr>
+    <a:lvl3pPr marL="914400" algn="l" defTabSz="914400" rtl="0" eaLnBrk="1" latinLnBrk="0" hangingPunct="1">
+      <a:defRPr sz="1200" kern="1200">
+        <a:solidFill>
+          <a:schemeClr val="tx1"/>
+        </a:solidFill>
+        <a:latin typeface="+mn-lt"/>
+        <a:ea typeface="+mn-ea"/>
+        <a:cs typeface="+mn-cs"/>
+      </a:defRPr>
+    </a:lvl3pPr>
+    <a:lvl4pPr marL="1371600" algn="l" defTabSz="914400" rtl="0" eaLnBrk="1" latinLnBrk="0" hangingPunct="1">
+      <a:defRPr sz="1200" kern="1200">
+        <a:solidFill>
+          <a:schemeClr val="tx1"/>
+        </a:solidFill>
+        <a:latin typeface="+mn-lt"/>
+        <a:ea typeface="+mn-ea"/>
+        <a:cs typeface="+mn-cs"/>
+      </a:defRPr>
+    </a:lvl4pPr>
+    <a:lvl5pPr marL="1828800" algn="l" defTabSz="914400" rtl="0" eaLnBrk="1" latinLnBrk="0" hangingPunct="1">
+      <a:defRPr sz="1200" kern="1200">
+        <a:solidFill>
+          <a:schemeClr val="tx1"/>
+        </a:solidFill>
+        <a:latin typeface="+mn-lt"/>
+        <a:ea typeface="+mn-ea"/>
+        <a:cs typeface="+mn-cs"/>
+      </a:defRPr>
+    </a:lvl5pPr>
+    <a:lvl6pPr marL="2286000" algn="l" defTabSz="914400" rtl="0" eaLnBrk="1" latinLnBrk="0" hangingPunct="1">
+      <a:defRPr sz="1200" kern="1200">
+        <a:solidFill>
+          <a:schemeClr val="tx1"/>
+        </a:solidFill>
+        <a:latin typeface="+mn-lt"/>
+        <a:ea typeface="+mn-ea"/>
+        <a:cs typeface="+mn-cs"/>
+      </a:defRPr>
+    </a:lvl6pPr>
+    <a:lvl7pPr marL="2743200" algn="l" defTabSz="914400" rtl="0" eaLnBrk="1" latinLnBrk="0" hangingPunct="1">
+      <a:defRPr sz="1200" kern="1200">
+        <a:solidFill>
+          <a:schemeClr val="tx1"/>
+        </a:solidFill>
+        <a:latin typeface="+mn-lt"/>
+        <a:ea typeface="+mn-ea"/>
+        <a:cs typeface="+mn-cs"/>
+      </a:defRPr>
+    </a:lvl7pPr>
+    <a:lvl8pPr marL="3200400" algn="l" defTabSz="914400" rtl="0" eaLnBrk="1" latinLnBrk="0" hangingPunct="1">
+      <a:defRPr sz="1200" kern="1200">
+        <a:solidFill>
+          <a:schemeClr val="tx1"/>
+        </a:solidFill>
+        <a:latin typeface="+mn-lt"/>
+        <a:ea typeface="+mn-ea"/>
+        <a:cs typeface="+mn-cs"/>
+      </a:defRPr>
+    </a:lvl8pPr>
+    <a:lvl9pPr marL="3657600" algn="l" defTabSz="914400" rtl="0" eaLnBrk="1" latinLnBrk="0" hangingPunct="1">
+      <a:defRPr sz="1200" kern="1200">
+        <a:solidFill>
+          <a:schemeClr val="tx1"/>
+        </a:solidFill>
+        <a:latin typeface="+mn-lt"/>
+        <a:ea typeface="+mn-ea"/>
+        <a:cs typeface="+mn-cs"/>
+      </a:defRPr>
+    </a:lvl9pPr>
+  </p:notesStyle>
+</p:notesMaster>
+</file>
+
+<file path=ppt/notesSlides/notesSlide1.xml><?xml version="1.0" encoding="utf-8"?>
+<p:notes xmlns:a="http://schemas.openxmlformats.org/drawingml/2006/main" xmlns:r="http://schemas.openxmlformats.org/officeDocument/2006/relationships" xmlns:p="http://schemas.openxmlformats.org/presentationml/2006/main">
+  <p:cSld>
+    <p:spTree>
+      <p:nvGrpSpPr>
+        <p:cNvPr id="1" name=""/>
+        <p:cNvGrpSpPr/>
+        <p:nvPr/>
+      </p:nvGrpSpPr>
+      <p:grpSpPr>
+        <a:xfrm>
+          <a:off x="0" y="0"/>
+          <a:ext cx="0" cy="0"/>
+          <a:chOff x="0" y="0"/>
+          <a:chExt cx="0" cy="0"/>
+        </a:xfrm>
+      </p:grpSpPr>
+      <p:sp>
+        <p:nvSpPr>
+          <p:cNvPr id="2" name="Marcador de Posição da Imagem do Diapositivo 1"/>
+          <p:cNvSpPr>
+            <a:spLocks noGrp="1" noRot="1" noChangeAspect="1"/>
+          </p:cNvSpPr>
+          <p:nvPr>
+            <p:ph type="sldImg"/>
+          </p:nvPr>
+        </p:nvSpPr>
+        <p:spPr/>
+      </p:sp>
+      <p:sp>
+        <p:nvSpPr>
+          <p:cNvPr id="3" name="Marcador de Posição de Notas 2"/>
+          <p:cNvSpPr>
+            <a:spLocks noGrp="1"/>
+          </p:cNvSpPr>
+          <p:nvPr>
+            <p:ph type="body" idx="1"/>
+          </p:nvPr>
+        </p:nvSpPr>
+        <p:spPr/>
+        <p:txBody>
+          <a:bodyPr>
+            <a:normAutofit/>
+          </a:bodyPr>
+          <a:lstStyle/>
+          <a:p>
+            <a:endParaRPr lang="pt-PT" dirty="0"/>
+          </a:p>
+        </p:txBody>
+      </p:sp>
+      <p:sp>
+        <p:nvSpPr>
+          <p:cNvPr id="4" name="Marcador de Posição do Número do Diapositivo 3"/>
+          <p:cNvSpPr>
+            <a:spLocks noGrp="1"/>
+          </p:cNvSpPr>
+          <p:nvPr>
+            <p:ph type="sldNum" sz="quarter" idx="10"/>
+          </p:nvPr>
+        </p:nvSpPr>
+        <p:spPr/>
+        <p:txBody>
+          <a:bodyPr/>
+          <a:lstStyle/>
+          <a:p>
+            <a:fld id="{3DDD1265-37B5-43E3-8B8E-14BA8B31F64F}" type="slidenum">
+              <a:rPr lang="pt-PT" smtClean="0"/>
+              <a:t>14</a:t>
+            </a:fld>
+            <a:endParaRPr lang="pt-PT"/>
+          </a:p>
+        </p:txBody>
+      </p:sp>
+    </p:spTree>
+  </p:cSld>
+  <p:clrMapOvr>
+    <a:masterClrMapping/>
+  </p:clrMapOvr>
+</p:notes>
 </file>
 
 <file path=ppt/slideLayouts/slideLayout1.xml><?xml version="1.0" encoding="utf-8"?>
@@ -21059,6 +20668,7 @@
           <a:p>
             <a:fld id="{6CADC537-9BF5-4EB5-B639-DFC211465827}" type="datetimeFigureOut">
               <a:rPr lang="pt-PT" smtClean="0"/>
+              <a:pPr/>
               <a:t>23/12/2020</a:t>
             </a:fld>
             <a:endParaRPr lang="pt-PT"/>
@@ -21101,6 +20711,7 @@
           <a:p>
             <a:fld id="{BB8C36F8-AA20-4288-AC31-EAB30F3F84BC}" type="slidenum">
               <a:rPr lang="pt-PT" smtClean="0"/>
+              <a:pPr/>
               <a:t>‹nº›</a:t>
             </a:fld>
             <a:endParaRPr lang="pt-PT"/>
@@ -21222,6 +20833,7 @@
           <a:p>
             <a:fld id="{6CADC537-9BF5-4EB5-B639-DFC211465827}" type="datetimeFigureOut">
               <a:rPr lang="pt-PT" smtClean="0"/>
+              <a:pPr/>
               <a:t>23/12/2020</a:t>
             </a:fld>
             <a:endParaRPr lang="pt-PT"/>
@@ -21264,6 +20876,7 @@
           <a:p>
             <a:fld id="{BB8C36F8-AA20-4288-AC31-EAB30F3F84BC}" type="slidenum">
               <a:rPr lang="pt-PT" smtClean="0"/>
+              <a:pPr/>
               <a:t>‹nº›</a:t>
             </a:fld>
             <a:endParaRPr lang="pt-PT"/>
@@ -21395,6 +21008,7 @@
           <a:p>
             <a:fld id="{6CADC537-9BF5-4EB5-B639-DFC211465827}" type="datetimeFigureOut">
               <a:rPr lang="pt-PT" smtClean="0"/>
+              <a:pPr/>
               <a:t>23/12/2020</a:t>
             </a:fld>
             <a:endParaRPr lang="pt-PT"/>
@@ -21437,6 +21051,7 @@
           <a:p>
             <a:fld id="{BB8C36F8-AA20-4288-AC31-EAB30F3F84BC}" type="slidenum">
               <a:rPr lang="pt-PT" smtClean="0"/>
+              <a:pPr/>
               <a:t>‹nº›</a:t>
             </a:fld>
             <a:endParaRPr lang="pt-PT"/>
@@ -21558,6 +21173,7 @@
           <a:p>
             <a:fld id="{6CADC537-9BF5-4EB5-B639-DFC211465827}" type="datetimeFigureOut">
               <a:rPr lang="pt-PT" smtClean="0"/>
+              <a:pPr/>
               <a:t>23/12/2020</a:t>
             </a:fld>
             <a:endParaRPr lang="pt-PT"/>
@@ -21600,6 +21216,7 @@
           <a:p>
             <a:fld id="{BB8C36F8-AA20-4288-AC31-EAB30F3F84BC}" type="slidenum">
               <a:rPr lang="pt-PT" smtClean="0"/>
+              <a:pPr/>
               <a:t>‹nº›</a:t>
             </a:fld>
             <a:endParaRPr lang="pt-PT"/>
@@ -21798,6 +21415,7 @@
           <a:p>
             <a:fld id="{6CADC537-9BF5-4EB5-B639-DFC211465827}" type="datetimeFigureOut">
               <a:rPr lang="pt-PT" smtClean="0"/>
+              <a:pPr/>
               <a:t>23/12/2020</a:t>
             </a:fld>
             <a:endParaRPr lang="pt-PT"/>
@@ -21840,6 +21458,7 @@
           <a:p>
             <a:fld id="{BB8C36F8-AA20-4288-AC31-EAB30F3F84BC}" type="slidenum">
               <a:rPr lang="pt-PT" smtClean="0"/>
+              <a:pPr/>
               <a:t>‹nº›</a:t>
             </a:fld>
             <a:endParaRPr lang="pt-PT"/>
@@ -22078,6 +21697,7 @@
           <a:p>
             <a:fld id="{6CADC537-9BF5-4EB5-B639-DFC211465827}" type="datetimeFigureOut">
               <a:rPr lang="pt-PT" smtClean="0"/>
+              <a:pPr/>
               <a:t>23/12/2020</a:t>
             </a:fld>
             <a:endParaRPr lang="pt-PT"/>
@@ -22120,6 +21740,7 @@
           <a:p>
             <a:fld id="{BB8C36F8-AA20-4288-AC31-EAB30F3F84BC}" type="slidenum">
               <a:rPr lang="pt-PT" smtClean="0"/>
+              <a:pPr/>
               <a:t>‹nº›</a:t>
             </a:fld>
             <a:endParaRPr lang="pt-PT"/>
@@ -22492,6 +22113,7 @@
           <a:p>
             <a:fld id="{6CADC537-9BF5-4EB5-B639-DFC211465827}" type="datetimeFigureOut">
               <a:rPr lang="pt-PT" smtClean="0"/>
+              <a:pPr/>
               <a:t>23/12/2020</a:t>
             </a:fld>
             <a:endParaRPr lang="pt-PT"/>
@@ -22534,6 +22156,7 @@
           <a:p>
             <a:fld id="{BB8C36F8-AA20-4288-AC31-EAB30F3F84BC}" type="slidenum">
               <a:rPr lang="pt-PT" smtClean="0"/>
+              <a:pPr/>
               <a:t>‹nº›</a:t>
             </a:fld>
             <a:endParaRPr lang="pt-PT"/>
@@ -22604,6 +22227,7 @@
           <a:p>
             <a:fld id="{6CADC537-9BF5-4EB5-B639-DFC211465827}" type="datetimeFigureOut">
               <a:rPr lang="pt-PT" smtClean="0"/>
+              <a:pPr/>
               <a:t>23/12/2020</a:t>
             </a:fld>
             <a:endParaRPr lang="pt-PT"/>
@@ -22646,6 +22270,7 @@
           <a:p>
             <a:fld id="{BB8C36F8-AA20-4288-AC31-EAB30F3F84BC}" type="slidenum">
               <a:rPr lang="pt-PT" smtClean="0"/>
+              <a:pPr/>
               <a:t>‹nº›</a:t>
             </a:fld>
             <a:endParaRPr lang="pt-PT"/>
@@ -22694,6 +22319,7 @@
           <a:p>
             <a:fld id="{6CADC537-9BF5-4EB5-B639-DFC211465827}" type="datetimeFigureOut">
               <a:rPr lang="pt-PT" smtClean="0"/>
+              <a:pPr/>
               <a:t>23/12/2020</a:t>
             </a:fld>
             <a:endParaRPr lang="pt-PT"/>
@@ -22736,6 +22362,7 @@
           <a:p>
             <a:fld id="{BB8C36F8-AA20-4288-AC31-EAB30F3F84BC}" type="slidenum">
               <a:rPr lang="pt-PT" smtClean="0"/>
+              <a:pPr/>
               <a:t>‹nº›</a:t>
             </a:fld>
             <a:endParaRPr lang="pt-PT"/>
@@ -22964,6 +22591,7 @@
           <a:p>
             <a:fld id="{6CADC537-9BF5-4EB5-B639-DFC211465827}" type="datetimeFigureOut">
               <a:rPr lang="pt-PT" smtClean="0"/>
+              <a:pPr/>
               <a:t>23/12/2020</a:t>
             </a:fld>
             <a:endParaRPr lang="pt-PT"/>
@@ -23006,6 +22634,7 @@
           <a:p>
             <a:fld id="{BB8C36F8-AA20-4288-AC31-EAB30F3F84BC}" type="slidenum">
               <a:rPr lang="pt-PT" smtClean="0"/>
+              <a:pPr/>
               <a:t>‹nº›</a:t>
             </a:fld>
             <a:endParaRPr lang="pt-PT"/>
@@ -23211,6 +22840,7 @@
           <a:p>
             <a:fld id="{6CADC537-9BF5-4EB5-B639-DFC211465827}" type="datetimeFigureOut">
               <a:rPr lang="pt-PT" smtClean="0"/>
+              <a:pPr/>
               <a:t>23/12/2020</a:t>
             </a:fld>
             <a:endParaRPr lang="pt-PT"/>
@@ -23253,6 +22883,7 @@
           <a:p>
             <a:fld id="{BB8C36F8-AA20-4288-AC31-EAB30F3F84BC}" type="slidenum">
               <a:rPr lang="pt-PT" smtClean="0"/>
+              <a:pPr/>
               <a:t>‹nº›</a:t>
             </a:fld>
             <a:endParaRPr lang="pt-PT"/>
@@ -23417,6 +23048,7 @@
           <a:p>
             <a:fld id="{6CADC537-9BF5-4EB5-B639-DFC211465827}" type="datetimeFigureOut">
               <a:rPr lang="pt-PT" smtClean="0"/>
+              <a:pPr/>
               <a:t>23/12/2020</a:t>
             </a:fld>
             <a:endParaRPr lang="pt-PT"/>
@@ -23495,6 +23127,7 @@
           <a:p>
             <a:fld id="{BB8C36F8-AA20-4288-AC31-EAB30F3F84BC}" type="slidenum">
               <a:rPr lang="pt-PT" smtClean="0"/>
+              <a:pPr/>
               <a:t>‹nº›</a:t>
             </a:fld>
             <a:endParaRPr lang="pt-PT"/>
@@ -23821,13 +23454,124 @@
         </p:nvSpPr>
         <p:spPr/>
         <p:txBody>
-          <a:bodyPr/>
+          <a:bodyPr>
+            <a:normAutofit/>
+          </a:bodyPr>
           <a:lstStyle/>
           <a:p>
-            <a:endParaRPr lang="pt-PT" dirty="0"/>
+            <a:r>
+              <a:rPr lang="pt-PT" sz="1400" dirty="0" smtClean="0"/>
+              <a:t>Realizado por:</a:t>
+            </a:r>
+          </a:p>
+          <a:p>
+            <a:endParaRPr lang="pt-PT" sz="1200" dirty="0" smtClean="0"/>
+          </a:p>
+          <a:p>
+            <a:r>
+              <a:rPr lang="pt-PT" sz="1200" dirty="0" smtClean="0"/>
+              <a:t>João Afonso Vieira de Sousa, 2019224599, </a:t>
+            </a:r>
+            <a:r>
+              <a:rPr lang="pt-PT" sz="1200" dirty="0" smtClean="0">
+                <a:hlinkClick r:id="rId2"/>
+              </a:rPr>
+              <a:t>uc2019224599@student.uc.pt</a:t>
+            </a:r>
+            <a:endParaRPr lang="pt-PT" sz="1200" dirty="0" smtClean="0"/>
+          </a:p>
+          <a:p>
+            <a:r>
+              <a:rPr lang="pt-PT" sz="1200" dirty="0" smtClean="0"/>
+              <a:t>José Domingos da Silva, 2018296125, </a:t>
+            </a:r>
+            <a:r>
+              <a:rPr lang="pt-PT" sz="1200" dirty="0" smtClean="0">
+                <a:hlinkClick r:id="rId3"/>
+              </a:rPr>
+              <a:t>uc2018296125@student.uc.pt</a:t>
+            </a:r>
+            <a:endParaRPr lang="pt-PT" sz="1200" dirty="0" smtClean="0"/>
+          </a:p>
+          <a:p>
+            <a:r>
+              <a:rPr lang="pt-PT" sz="1200" dirty="0" smtClean="0"/>
+              <a:t>Sancho Amaral Simões, 2019217590, </a:t>
+            </a:r>
+            <a:r>
+              <a:rPr lang="pt-PT" sz="1200" dirty="0" smtClean="0">
+                <a:hlinkClick r:id="rId4"/>
+              </a:rPr>
+              <a:t>uc2019217590@student.uc.pt</a:t>
+            </a:r>
+            <a:endParaRPr lang="pt-PT" sz="1200" dirty="0" smtClean="0"/>
+          </a:p>
+          <a:p>
+            <a:r>
+              <a:rPr lang="pt-PT" sz="1200" dirty="0" smtClean="0"/>
+              <a:t>Tiago Filipe Santa Ventura, 2019243695, </a:t>
+            </a:r>
+            <a:r>
+              <a:rPr lang="pt-PT" sz="1200" dirty="0" smtClean="0">
+                <a:hlinkClick r:id="rId5"/>
+              </a:rPr>
+              <a:t>uc2019243695@student.uc.pt</a:t>
+            </a:r>
+            <a:endParaRPr lang="pt-PT" sz="1200" dirty="0" smtClean="0"/>
+          </a:p>
+          <a:p>
+            <a:endParaRPr lang="pt-PT" sz="1200" dirty="0"/>
           </a:p>
         </p:txBody>
       </p:sp>
+      <p:pic>
+        <p:nvPicPr>
+          <p:cNvPr id="5" name="Imagem 4" descr="ucfctuc.png"/>
+          <p:cNvPicPr>
+            <a:picLocks noChangeAspect="1"/>
+          </p:cNvPicPr>
+          <p:nvPr/>
+        </p:nvPicPr>
+        <p:blipFill>
+          <a:blip r:embed="rId6" cstate="print"/>
+          <a:stretch>
+            <a:fillRect/>
+          </a:stretch>
+        </p:blipFill>
+        <p:spPr>
+          <a:xfrm>
+            <a:off x="0" y="0"/>
+            <a:ext cx="1785926" cy="1785926"/>
+          </a:xfrm>
+          <a:prstGeom prst="rect">
+            <a:avLst/>
+          </a:prstGeom>
+        </p:spPr>
+      </p:pic>
+      <p:pic>
+        <p:nvPicPr>
+          <p:cNvPr id="6" name="Imagem 5" descr="dei.png"/>
+          <p:cNvPicPr>
+            <a:picLocks noChangeAspect="1"/>
+          </p:cNvPicPr>
+          <p:nvPr/>
+        </p:nvPicPr>
+        <p:blipFill>
+          <a:blip r:embed="rId7"/>
+          <a:stretch>
+            <a:fillRect/>
+          </a:stretch>
+        </p:blipFill>
+        <p:spPr>
+          <a:xfrm>
+            <a:off x="7429512" y="0"/>
+            <a:ext cx="1714488" cy="1714488"/>
+          </a:xfrm>
+          <a:prstGeom prst="rect">
+            <a:avLst/>
+          </a:prstGeom>
+        </p:spPr>
+      </p:pic>
     </p:spTree>
   </p:cSld>
   <p:clrMapOvr>
@@ -23888,7 +23632,7 @@
           <p:cNvPr id="7" name="Marcador de Posição de Conteúdo 6">
             <a:extLst>
               <a:ext uri="{FF2B5EF4-FFF2-40B4-BE49-F238E27FC236}">
-                <a16:creationId xmlns:a16="http://schemas.microsoft.com/office/drawing/2014/main" id="{AB1C485F-D356-4F5B-98C9-C8CBE1DE7694}"/>
+                <a16:creationId xmlns:a16="http://schemas.microsoft.com/office/drawing/2014/main" xmlns="" id="{AB1C485F-D356-4F5B-98C9-C8CBE1DE7694}"/>
               </a:ext>
             </a:extLst>
           </p:cNvPr>
@@ -23899,7 +23643,7 @@
             <p:ph idx="1"/>
             <p:extLst>
               <p:ext uri="{D42A27DB-BD31-4B8C-83A1-F6EECF244321}">
-                <p14:modId xmlns:p14="http://schemas.microsoft.com/office/powerpoint/2010/main" val="1677835944"/>
+                <p14:modId xmlns:p14="http://schemas.microsoft.com/office/powerpoint/2010/main" xmlns="" val="1677835944"/>
               </p:ext>
             </p:extLst>
           </p:nvPr>
@@ -23969,8 +23713,8 @@
           </a:p>
         </p:txBody>
       </p:sp>
-      <mc:AlternateContent xmlns:mc="http://schemas.openxmlformats.org/markup-compatibility/2006" xmlns:a14="http://schemas.microsoft.com/office/drawing/2010/main">
-        <mc:Choice Requires="a14">
+      <mc:AlternateContent xmlns:mc="http://schemas.openxmlformats.org/markup-compatibility/2006">
+        <mc:Choice xmlns:a14="http://schemas.microsoft.com/office/drawing/2010/main" xmlns="" Requires="a14">
           <p:sp>
             <p:nvSpPr>
               <p:cNvPr id="7" name="CaixaDeTexto 1">
@@ -24113,13 +23857,13 @@
             </p:txBody>
           </p:sp>
         </mc:Choice>
-        <mc:Fallback xmlns="">
+        <mc:Fallback>
           <p:sp>
             <p:nvSpPr>
               <p:cNvPr id="7" name="CaixaDeTexto 1">
                 <a:extLst>
                   <a:ext uri="{FF2B5EF4-FFF2-40B4-BE49-F238E27FC236}">
-                    <a16:creationId xmlns:a16="http://schemas.microsoft.com/office/drawing/2014/main" id="{6D906550-C179-476E-B11B-49E70F87DADE}"/>
+                    <a16:creationId xmlns:a16="http://schemas.microsoft.com/office/drawing/2014/main" xmlns="" xmlns:a14="http://schemas.microsoft.com/office/drawing/2010/main" id="{6D906550-C179-476E-B11B-49E70F87DADE}"/>
                   </a:ext>
                 </a:extLst>
               </p:cNvPr>
@@ -24137,7 +23881,7 @@
                 <a:avLst/>
               </a:prstGeom>
               <a:blipFill>
-                <a:blip r:embed="rId3"/>
+                <a:blip r:embed="rId2"/>
                 <a:stretch>
                   <a:fillRect t="-32500"/>
                 </a:stretch>
@@ -24163,7 +23907,7 @@
           <p:cNvPr id="8" name="Marcador de Posição de Conteúdo 7">
             <a:extLst>
               <a:ext uri="{FF2B5EF4-FFF2-40B4-BE49-F238E27FC236}">
-                <a16:creationId xmlns:a16="http://schemas.microsoft.com/office/drawing/2014/main" id="{973B0343-5FB9-4C57-88B2-28E32C378AAF}"/>
+                <a16:creationId xmlns:a16="http://schemas.microsoft.com/office/drawing/2014/main" xmlns="" id="{973B0343-5FB9-4C57-88B2-28E32C378AAF}"/>
               </a:ext>
             </a:extLst>
           </p:cNvPr>
@@ -24174,7 +23918,7 @@
             <p:ph idx="1"/>
             <p:extLst>
               <p:ext uri="{D42A27DB-BD31-4B8C-83A1-F6EECF244321}">
-                <p14:modId xmlns:p14="http://schemas.microsoft.com/office/powerpoint/2010/main" val="1345262532"/>
+                <p14:modId xmlns:p14="http://schemas.microsoft.com/office/powerpoint/2010/main" xmlns="" val="1345262532"/>
               </p:ext>
             </p:extLst>
           </p:nvPr>
@@ -24185,7 +23929,7 @@
         </p:xfrm>
         <a:graphic>
           <a:graphicData uri="http://schemas.openxmlformats.org/drawingml/2006/chart">
-            <c:chart xmlns:c="http://schemas.openxmlformats.org/drawingml/2006/chart" xmlns:r="http://schemas.openxmlformats.org/officeDocument/2006/relationships" r:id="rId4"/>
+            <c:chart xmlns:c="http://schemas.openxmlformats.org/drawingml/2006/chart" xmlns:r="http://schemas.openxmlformats.org/officeDocument/2006/relationships" r:id="rId3"/>
           </a:graphicData>
         </a:graphic>
       </p:graphicFrame>
@@ -24244,8 +23988,8 @@
           </a:p>
         </p:txBody>
       </p:sp>
-      <mc:AlternateContent xmlns:mc="http://schemas.openxmlformats.org/markup-compatibility/2006" xmlns:a14="http://schemas.microsoft.com/office/drawing/2010/main">
-        <mc:Choice Requires="a14">
+      <mc:AlternateContent xmlns:mc="http://schemas.openxmlformats.org/markup-compatibility/2006">
+        <mc:Choice xmlns:a14="http://schemas.microsoft.com/office/drawing/2010/main" xmlns="" Requires="a14">
           <p:sp>
             <p:nvSpPr>
               <p:cNvPr id="7" name="CaixaDeTexto 1">
@@ -24388,13 +24132,13 @@
             </p:txBody>
           </p:sp>
         </mc:Choice>
-        <mc:Fallback xmlns="">
+        <mc:Fallback>
           <p:sp>
             <p:nvSpPr>
               <p:cNvPr id="7" name="CaixaDeTexto 1">
                 <a:extLst>
                   <a:ext uri="{FF2B5EF4-FFF2-40B4-BE49-F238E27FC236}">
-                    <a16:creationId xmlns:a16="http://schemas.microsoft.com/office/drawing/2014/main" id="{1F0C1465-0EC1-499B-99E6-1A142257014F}"/>
+                    <a16:creationId xmlns:a16="http://schemas.microsoft.com/office/drawing/2014/main" xmlns="" xmlns:a14="http://schemas.microsoft.com/office/drawing/2010/main" id="{1F0C1465-0EC1-499B-99E6-1A142257014F}"/>
                   </a:ext>
                 </a:extLst>
               </p:cNvPr>
@@ -24412,7 +24156,7 @@
                 <a:avLst/>
               </a:prstGeom>
               <a:blipFill>
-                <a:blip r:embed="rId3"/>
+                <a:blip r:embed="rId2"/>
                 <a:stretch>
                   <a:fillRect t="-32500"/>
                 </a:stretch>
@@ -24438,7 +24182,7 @@
           <p:cNvPr id="10" name="Marcador de Posição de Conteúdo 9">
             <a:extLst>
               <a:ext uri="{FF2B5EF4-FFF2-40B4-BE49-F238E27FC236}">
-                <a16:creationId xmlns:a16="http://schemas.microsoft.com/office/drawing/2014/main" id="{483934FF-3F71-43DC-9C5A-3D6258DEB181}"/>
+                <a16:creationId xmlns:a16="http://schemas.microsoft.com/office/drawing/2014/main" xmlns="" id="{483934FF-3F71-43DC-9C5A-3D6258DEB181}"/>
               </a:ext>
             </a:extLst>
           </p:cNvPr>
@@ -24449,7 +24193,7 @@
             <p:ph idx="1"/>
             <p:extLst>
               <p:ext uri="{D42A27DB-BD31-4B8C-83A1-F6EECF244321}">
-                <p14:modId xmlns:p14="http://schemas.microsoft.com/office/powerpoint/2010/main" val="2234006515"/>
+                <p14:modId xmlns:p14="http://schemas.microsoft.com/office/powerpoint/2010/main" xmlns="" val="2234006515"/>
               </p:ext>
             </p:extLst>
           </p:nvPr>
@@ -24460,7 +24204,7 @@
         </p:xfrm>
         <a:graphic>
           <a:graphicData uri="http://schemas.openxmlformats.org/drawingml/2006/chart">
-            <c:chart xmlns:c="http://schemas.openxmlformats.org/drawingml/2006/chart" xmlns:r="http://schemas.openxmlformats.org/officeDocument/2006/relationships" r:id="rId4"/>
+            <c:chart xmlns:c="http://schemas.openxmlformats.org/drawingml/2006/chart" xmlns:r="http://schemas.openxmlformats.org/officeDocument/2006/relationships" r:id="rId3"/>
           </a:graphicData>
         </a:graphic>
       </p:graphicFrame>
@@ -24520,7 +24264,7 @@
         </p:txBody>
       </p:sp>
       <mc:AlternateContent xmlns:mc="http://schemas.openxmlformats.org/markup-compatibility/2006">
-        <mc:Choice xmlns:a14="http://schemas.microsoft.com/office/drawing/2010/main" Requires="a14">
+        <mc:Choice xmlns:a14="http://schemas.microsoft.com/office/drawing/2010/main" xmlns="" Requires="a14">
           <p:sp>
             <p:nvSpPr>
               <p:cNvPr id="6" name="CaixaDeTexto 1">
@@ -25188,7 +24932,7 @@
               <p:cNvPr id="6" name="CaixaDeTexto 1">
                 <a:extLst>
                   <a:ext uri="{FF2B5EF4-FFF2-40B4-BE49-F238E27FC236}">
-                    <a16:creationId xmlns:a16="http://schemas.microsoft.com/office/drawing/2014/main" id="{460D798F-01F1-48B1-B3A3-FCB876C25A7C}"/>
+                    <a16:creationId xmlns:a16="http://schemas.microsoft.com/office/drawing/2014/main" xmlns="" id="{460D798F-01F1-48B1-B3A3-FCB876C25A7C}"/>
                   </a:ext>
                 </a:extLst>
               </p:cNvPr>
@@ -25232,7 +24976,7 @@
           <p:cNvPr id="15" name="Oval 14">
             <a:extLst>
               <a:ext uri="{FF2B5EF4-FFF2-40B4-BE49-F238E27FC236}">
-                <a16:creationId xmlns:a16="http://schemas.microsoft.com/office/drawing/2014/main" id="{44A36393-E968-4E93-8A40-1C69EDA50F41}"/>
+                <a16:creationId xmlns:a16="http://schemas.microsoft.com/office/drawing/2014/main" xmlns="" id="{44A36393-E968-4E93-8A40-1C69EDA50F41}"/>
               </a:ext>
             </a:extLst>
           </p:cNvPr>
@@ -25279,7 +25023,7 @@
           <p:cNvPr id="16" name="Oval 15">
             <a:extLst>
               <a:ext uri="{FF2B5EF4-FFF2-40B4-BE49-F238E27FC236}">
-                <a16:creationId xmlns:a16="http://schemas.microsoft.com/office/drawing/2014/main" id="{87FCC041-FDBC-41CC-85C5-387DC236B4E1}"/>
+                <a16:creationId xmlns:a16="http://schemas.microsoft.com/office/drawing/2014/main" xmlns="" id="{87FCC041-FDBC-41CC-85C5-387DC236B4E1}"/>
               </a:ext>
             </a:extLst>
           </p:cNvPr>
@@ -25326,7 +25070,7 @@
           <p:cNvPr id="9" name="Marcador de Posição de Conteúdo 8">
             <a:extLst>
               <a:ext uri="{FF2B5EF4-FFF2-40B4-BE49-F238E27FC236}">
-                <a16:creationId xmlns:a16="http://schemas.microsoft.com/office/drawing/2014/main" id="{8CBC1960-47FA-4C42-BD6D-4D1E37F3475D}"/>
+                <a16:creationId xmlns:a16="http://schemas.microsoft.com/office/drawing/2014/main" xmlns="" id="{8CBC1960-47FA-4C42-BD6D-4D1E37F3475D}"/>
               </a:ext>
             </a:extLst>
           </p:cNvPr>
@@ -25337,7 +25081,7 @@
             <p:ph idx="1"/>
             <p:extLst>
               <p:ext uri="{D42A27DB-BD31-4B8C-83A1-F6EECF244321}">
-                <p14:modId xmlns:p14="http://schemas.microsoft.com/office/powerpoint/2010/main" val="2634702654"/>
+                <p14:modId xmlns:p14="http://schemas.microsoft.com/office/powerpoint/2010/main" xmlns="" val="2634702654"/>
               </p:ext>
             </p:extLst>
           </p:nvPr>
@@ -25357,7 +25101,7 @@
           <p:cNvPr id="2" name="CaixaDeTexto 1">
             <a:extLst>
               <a:ext uri="{FF2B5EF4-FFF2-40B4-BE49-F238E27FC236}">
-                <a16:creationId xmlns:a16="http://schemas.microsoft.com/office/drawing/2014/main" id="{387CDC1B-6928-461C-94AC-46A9BA262EE5}"/>
+                <a16:creationId xmlns:a16="http://schemas.microsoft.com/office/drawing/2014/main" xmlns="" id="{387CDC1B-6928-461C-94AC-46A9BA262EE5}"/>
               </a:ext>
             </a:extLst>
           </p:cNvPr>
@@ -25428,7 +25172,7 @@
           <p:cNvPr id="4" name="Seta: Para Baixo 3">
             <a:extLst>
               <a:ext uri="{FF2B5EF4-FFF2-40B4-BE49-F238E27FC236}">
-                <a16:creationId xmlns:a16="http://schemas.microsoft.com/office/drawing/2014/main" id="{0D1F0B9A-5DA7-4815-BE0D-515B7238DC57}"/>
+                <a16:creationId xmlns:a16="http://schemas.microsoft.com/office/drawing/2014/main" xmlns="" id="{0D1F0B9A-5DA7-4815-BE0D-515B7238DC57}"/>
               </a:ext>
             </a:extLst>
           </p:cNvPr>
@@ -25474,7 +25218,7 @@
           <p:cNvPr id="7" name="Seta: Para Baixo 6">
             <a:extLst>
               <a:ext uri="{FF2B5EF4-FFF2-40B4-BE49-F238E27FC236}">
-                <a16:creationId xmlns:a16="http://schemas.microsoft.com/office/drawing/2014/main" id="{E5C287F9-7B45-48E2-9C60-304032C6EEE5}"/>
+                <a16:creationId xmlns:a16="http://schemas.microsoft.com/office/drawing/2014/main" xmlns="" id="{E5C287F9-7B45-48E2-9C60-304032C6EEE5}"/>
               </a:ext>
             </a:extLst>
           </p:cNvPr>
@@ -25545,7 +25289,7 @@
           <p:cNvPr id="2" name="Título 1">
             <a:extLst>
               <a:ext uri="{FF2B5EF4-FFF2-40B4-BE49-F238E27FC236}">
-                <a16:creationId xmlns:a16="http://schemas.microsoft.com/office/drawing/2014/main" id="{7B2DD2CD-E12B-4525-8422-B00034AB388C}"/>
+                <a16:creationId xmlns:a16="http://schemas.microsoft.com/office/drawing/2014/main" xmlns="" id="{7B2DD2CD-E12B-4525-8422-B00034AB388C}"/>
               </a:ext>
             </a:extLst>
           </p:cNvPr>
@@ -25573,7 +25317,7 @@
           <p:cNvPr id="4" name="Retângulo 3">
             <a:extLst>
               <a:ext uri="{FF2B5EF4-FFF2-40B4-BE49-F238E27FC236}">
-                <a16:creationId xmlns:a16="http://schemas.microsoft.com/office/drawing/2014/main" id="{C0BDAD38-C781-41A9-8B67-F38BBE76E72A}"/>
+                <a16:creationId xmlns:a16="http://schemas.microsoft.com/office/drawing/2014/main" xmlns="" id="{C0BDAD38-C781-41A9-8B67-F38BBE76E72A}"/>
               </a:ext>
             </a:extLst>
           </p:cNvPr>
@@ -25625,7 +25369,7 @@
           <p:cNvPr id="5" name="Retângulo 4">
             <a:extLst>
               <a:ext uri="{FF2B5EF4-FFF2-40B4-BE49-F238E27FC236}">
-                <a16:creationId xmlns:a16="http://schemas.microsoft.com/office/drawing/2014/main" id="{CA34A0B6-BC35-400B-8BEE-636299379076}"/>
+                <a16:creationId xmlns:a16="http://schemas.microsoft.com/office/drawing/2014/main" xmlns="" id="{CA34A0B6-BC35-400B-8BEE-636299379076}"/>
               </a:ext>
             </a:extLst>
           </p:cNvPr>
@@ -25672,7 +25416,7 @@
           <p:cNvPr id="8" name="Seta: Para a Direita 7">
             <a:extLst>
               <a:ext uri="{FF2B5EF4-FFF2-40B4-BE49-F238E27FC236}">
-                <a16:creationId xmlns:a16="http://schemas.microsoft.com/office/drawing/2014/main" id="{F98B5199-1856-4AF9-823E-F9778866F240}"/>
+                <a16:creationId xmlns:a16="http://schemas.microsoft.com/office/drawing/2014/main" xmlns="" id="{F98B5199-1856-4AF9-823E-F9778866F240}"/>
               </a:ext>
             </a:extLst>
           </p:cNvPr>
@@ -25718,7 +25462,7 @@
           <p:cNvPr id="9" name="Retângulo 8">
             <a:extLst>
               <a:ext uri="{FF2B5EF4-FFF2-40B4-BE49-F238E27FC236}">
-                <a16:creationId xmlns:a16="http://schemas.microsoft.com/office/drawing/2014/main" id="{1AA32650-06E0-42FF-9F24-586846B83EEF}"/>
+                <a16:creationId xmlns:a16="http://schemas.microsoft.com/office/drawing/2014/main" xmlns="" id="{1AA32650-06E0-42FF-9F24-586846B83EEF}"/>
               </a:ext>
             </a:extLst>
           </p:cNvPr>
@@ -25763,7 +25507,7 @@
           <p:cNvPr id="10" name="CaixaDeTexto 9">
             <a:extLst>
               <a:ext uri="{FF2B5EF4-FFF2-40B4-BE49-F238E27FC236}">
-                <a16:creationId xmlns:a16="http://schemas.microsoft.com/office/drawing/2014/main" id="{723ADB8C-7188-4244-99D2-29F31EDB3AD5}"/>
+                <a16:creationId xmlns:a16="http://schemas.microsoft.com/office/drawing/2014/main" xmlns="" id="{723ADB8C-7188-4244-99D2-29F31EDB3AD5}"/>
               </a:ext>
             </a:extLst>
           </p:cNvPr>
@@ -25799,7 +25543,7 @@
           <p:cNvPr id="11" name="Marcador de Posição de Conteúdo 10">
             <a:extLst>
               <a:ext uri="{FF2B5EF4-FFF2-40B4-BE49-F238E27FC236}">
-                <a16:creationId xmlns:a16="http://schemas.microsoft.com/office/drawing/2014/main" id="{10777436-016F-4617-B018-85A590435F94}"/>
+                <a16:creationId xmlns:a16="http://schemas.microsoft.com/office/drawing/2014/main" xmlns="" id="{10777436-016F-4617-B018-85A590435F94}"/>
               </a:ext>
             </a:extLst>
           </p:cNvPr>
@@ -25850,7 +25594,7 @@
           <p:cNvPr id="13" name="Retângulo 12">
             <a:extLst>
               <a:ext uri="{FF2B5EF4-FFF2-40B4-BE49-F238E27FC236}">
-                <a16:creationId xmlns:a16="http://schemas.microsoft.com/office/drawing/2014/main" id="{3B5B346E-6D2A-4217-978D-5C9C6FCA9861}"/>
+                <a16:creationId xmlns:a16="http://schemas.microsoft.com/office/drawing/2014/main" xmlns="" id="{3B5B346E-6D2A-4217-978D-5C9C6FCA9861}"/>
               </a:ext>
             </a:extLst>
           </p:cNvPr>
@@ -25904,7 +25648,7 @@
           <p:cNvPr id="14" name="Retângulo 13">
             <a:extLst>
               <a:ext uri="{FF2B5EF4-FFF2-40B4-BE49-F238E27FC236}">
-                <a16:creationId xmlns:a16="http://schemas.microsoft.com/office/drawing/2014/main" id="{ADEE454C-52D6-4A7F-99AC-557786175935}"/>
+                <a16:creationId xmlns:a16="http://schemas.microsoft.com/office/drawing/2014/main" xmlns="" id="{ADEE454C-52D6-4A7F-99AC-557786175935}"/>
               </a:ext>
             </a:extLst>
           </p:cNvPr>
@@ -25963,7 +25707,7 @@
           <p:cNvPr id="17" name="Seta: Para a Direita 16">
             <a:extLst>
               <a:ext uri="{FF2B5EF4-FFF2-40B4-BE49-F238E27FC236}">
-                <a16:creationId xmlns:a16="http://schemas.microsoft.com/office/drawing/2014/main" id="{58570091-5F75-432C-A902-82E9D2C6EEAA}"/>
+                <a16:creationId xmlns:a16="http://schemas.microsoft.com/office/drawing/2014/main" xmlns="" id="{58570091-5F75-432C-A902-82E9D2C6EEAA}"/>
               </a:ext>
             </a:extLst>
           </p:cNvPr>
@@ -26009,7 +25753,7 @@
           <p:cNvPr id="18" name="CaixaDeTexto 17">
             <a:extLst>
               <a:ext uri="{FF2B5EF4-FFF2-40B4-BE49-F238E27FC236}">
-                <a16:creationId xmlns:a16="http://schemas.microsoft.com/office/drawing/2014/main" id="{561403E5-0E0C-44FB-8919-9F28ABAF7DA9}"/>
+                <a16:creationId xmlns:a16="http://schemas.microsoft.com/office/drawing/2014/main" xmlns="" id="{561403E5-0E0C-44FB-8919-9F28ABAF7DA9}"/>
               </a:ext>
             </a:extLst>
           </p:cNvPr>
@@ -26040,10 +25784,53 @@
           </a:p>
         </p:txBody>
       </p:sp>
+      <p:sp>
+        <p:nvSpPr>
+          <p:cNvPr id="15" name="CaixaDeTexto 14"/>
+          <p:cNvSpPr txBox="1"/>
+          <p:nvPr/>
+        </p:nvSpPr>
+        <p:spPr>
+          <a:xfrm>
+            <a:off x="1357290" y="6215082"/>
+            <a:ext cx="6215106" cy="369332"/>
+          </a:xfrm>
+          <a:prstGeom prst="rect">
+            <a:avLst/>
+          </a:prstGeom>
+          <a:noFill/>
+        </p:spPr>
+        <p:txBody>
+          <a:bodyPr wrap="square" rtlCol="0">
+            <a:spAutoFit/>
+          </a:bodyPr>
+          <a:lstStyle/>
+          <a:p>
+            <a:pPr algn="ctr"/>
+            <a:r>
+              <a:rPr lang="pt-PT" dirty="0" smtClean="0"/>
+              <a:t>Figura 13 – </a:t>
+            </a:r>
+            <a:r>
+              <a:rPr lang="pt-PT" i="1" dirty="0" err="1" smtClean="0"/>
+              <a:t>Stacks</a:t>
+            </a:r>
+            <a:r>
+              <a:rPr lang="pt-PT" i="1" dirty="0" smtClean="0"/>
+              <a:t> </a:t>
+            </a:r>
+            <a:r>
+              <a:rPr lang="pt-PT" dirty="0" smtClean="0"/>
+              <a:t>de compressão e descompressão da geração 8</a:t>
+            </a:r>
+            <a:endParaRPr lang="pt-PT" dirty="0"/>
+          </a:p>
+        </p:txBody>
+      </p:sp>
     </p:spTree>
     <p:extLst>
       <p:ext uri="{BB962C8B-B14F-4D97-AF65-F5344CB8AC3E}">
-        <p14:creationId xmlns:p14="http://schemas.microsoft.com/office/powerpoint/2010/main" val="661826028"/>
+        <p14:creationId xmlns:p14="http://schemas.microsoft.com/office/powerpoint/2010/main" xmlns="" val="661826028"/>
       </p:ext>
     </p:extLst>
   </p:cSld>
@@ -26075,7 +25862,7 @@
           <p:cNvPr id="2" name="Título 1">
             <a:extLst>
               <a:ext uri="{FF2B5EF4-FFF2-40B4-BE49-F238E27FC236}">
-                <a16:creationId xmlns:a16="http://schemas.microsoft.com/office/drawing/2014/main" id="{7B2DD2CD-E12B-4525-8422-B00034AB388C}"/>
+                <a16:creationId xmlns:a16="http://schemas.microsoft.com/office/drawing/2014/main" xmlns="" id="{7B2DD2CD-E12B-4525-8422-B00034AB388C}"/>
               </a:ext>
             </a:extLst>
           </p:cNvPr>
@@ -26103,7 +25890,7 @@
           <p:cNvPr id="4" name="Retângulo 3">
             <a:extLst>
               <a:ext uri="{FF2B5EF4-FFF2-40B4-BE49-F238E27FC236}">
-                <a16:creationId xmlns:a16="http://schemas.microsoft.com/office/drawing/2014/main" id="{C0BDAD38-C781-41A9-8B67-F38BBE76E72A}"/>
+                <a16:creationId xmlns:a16="http://schemas.microsoft.com/office/drawing/2014/main" xmlns="" id="{C0BDAD38-C781-41A9-8B67-F38BBE76E72A}"/>
               </a:ext>
             </a:extLst>
           </p:cNvPr>
@@ -26155,7 +25942,7 @@
           <p:cNvPr id="5" name="Retângulo 4">
             <a:extLst>
               <a:ext uri="{FF2B5EF4-FFF2-40B4-BE49-F238E27FC236}">
-                <a16:creationId xmlns:a16="http://schemas.microsoft.com/office/drawing/2014/main" id="{CA34A0B6-BC35-400B-8BEE-636299379076}"/>
+                <a16:creationId xmlns:a16="http://schemas.microsoft.com/office/drawing/2014/main" xmlns="" id="{CA34A0B6-BC35-400B-8BEE-636299379076}"/>
               </a:ext>
             </a:extLst>
           </p:cNvPr>
@@ -26202,7 +25989,7 @@
           <p:cNvPr id="8" name="Seta: Para a Direita 7">
             <a:extLst>
               <a:ext uri="{FF2B5EF4-FFF2-40B4-BE49-F238E27FC236}">
-                <a16:creationId xmlns:a16="http://schemas.microsoft.com/office/drawing/2014/main" id="{F98B5199-1856-4AF9-823E-F9778866F240}"/>
+                <a16:creationId xmlns:a16="http://schemas.microsoft.com/office/drawing/2014/main" xmlns="" id="{F98B5199-1856-4AF9-823E-F9778866F240}"/>
               </a:ext>
             </a:extLst>
           </p:cNvPr>
@@ -26248,7 +26035,7 @@
           <p:cNvPr id="9" name="Retângulo 8">
             <a:extLst>
               <a:ext uri="{FF2B5EF4-FFF2-40B4-BE49-F238E27FC236}">
-                <a16:creationId xmlns:a16="http://schemas.microsoft.com/office/drawing/2014/main" id="{1AA32650-06E0-42FF-9F24-586846B83EEF}"/>
+                <a16:creationId xmlns:a16="http://schemas.microsoft.com/office/drawing/2014/main" xmlns="" id="{1AA32650-06E0-42FF-9F24-586846B83EEF}"/>
               </a:ext>
             </a:extLst>
           </p:cNvPr>
@@ -26293,7 +26080,7 @@
           <p:cNvPr id="10" name="CaixaDeTexto 9">
             <a:extLst>
               <a:ext uri="{FF2B5EF4-FFF2-40B4-BE49-F238E27FC236}">
-                <a16:creationId xmlns:a16="http://schemas.microsoft.com/office/drawing/2014/main" id="{723ADB8C-7188-4244-99D2-29F31EDB3AD5}"/>
+                <a16:creationId xmlns:a16="http://schemas.microsoft.com/office/drawing/2014/main" xmlns="" id="{723ADB8C-7188-4244-99D2-29F31EDB3AD5}"/>
               </a:ext>
             </a:extLst>
           </p:cNvPr>
@@ -26329,7 +26116,7 @@
           <p:cNvPr id="11" name="Marcador de Posição de Conteúdo 10">
             <a:extLst>
               <a:ext uri="{FF2B5EF4-FFF2-40B4-BE49-F238E27FC236}">
-                <a16:creationId xmlns:a16="http://schemas.microsoft.com/office/drawing/2014/main" id="{10777436-016F-4617-B018-85A590435F94}"/>
+                <a16:creationId xmlns:a16="http://schemas.microsoft.com/office/drawing/2014/main" xmlns="" id="{10777436-016F-4617-B018-85A590435F94}"/>
               </a:ext>
             </a:extLst>
           </p:cNvPr>
@@ -26377,7 +26164,7 @@
           <p:cNvPr id="13" name="Retângulo 12">
             <a:extLst>
               <a:ext uri="{FF2B5EF4-FFF2-40B4-BE49-F238E27FC236}">
-                <a16:creationId xmlns:a16="http://schemas.microsoft.com/office/drawing/2014/main" id="{3B5B346E-6D2A-4217-978D-5C9C6FCA9861}"/>
+                <a16:creationId xmlns:a16="http://schemas.microsoft.com/office/drawing/2014/main" xmlns="" id="{3B5B346E-6D2A-4217-978D-5C9C6FCA9861}"/>
               </a:ext>
             </a:extLst>
           </p:cNvPr>
@@ -26431,7 +26218,7 @@
           <p:cNvPr id="14" name="Retângulo 13">
             <a:extLst>
               <a:ext uri="{FF2B5EF4-FFF2-40B4-BE49-F238E27FC236}">
-                <a16:creationId xmlns:a16="http://schemas.microsoft.com/office/drawing/2014/main" id="{ADEE454C-52D6-4A7F-99AC-557786175935}"/>
+                <a16:creationId xmlns:a16="http://schemas.microsoft.com/office/drawing/2014/main" xmlns="" id="{ADEE454C-52D6-4A7F-99AC-557786175935}"/>
               </a:ext>
             </a:extLst>
           </p:cNvPr>
@@ -26490,7 +26277,7 @@
           <p:cNvPr id="17" name="Seta: Para a Direita 16">
             <a:extLst>
               <a:ext uri="{FF2B5EF4-FFF2-40B4-BE49-F238E27FC236}">
-                <a16:creationId xmlns:a16="http://schemas.microsoft.com/office/drawing/2014/main" id="{58570091-5F75-432C-A902-82E9D2C6EEAA}"/>
+                <a16:creationId xmlns:a16="http://schemas.microsoft.com/office/drawing/2014/main" xmlns="" id="{58570091-5F75-432C-A902-82E9D2C6EEAA}"/>
               </a:ext>
             </a:extLst>
           </p:cNvPr>
@@ -26536,7 +26323,7 @@
           <p:cNvPr id="18" name="CaixaDeTexto 17">
             <a:extLst>
               <a:ext uri="{FF2B5EF4-FFF2-40B4-BE49-F238E27FC236}">
-                <a16:creationId xmlns:a16="http://schemas.microsoft.com/office/drawing/2014/main" id="{561403E5-0E0C-44FB-8919-9F28ABAF7DA9}"/>
+                <a16:creationId xmlns:a16="http://schemas.microsoft.com/office/drawing/2014/main" xmlns="" id="{561403E5-0E0C-44FB-8919-9F28ABAF7DA9}"/>
               </a:ext>
             </a:extLst>
           </p:cNvPr>
@@ -26567,10 +26354,53 @@
           </a:p>
         </p:txBody>
       </p:sp>
+      <p:sp>
+        <p:nvSpPr>
+          <p:cNvPr id="15" name="CaixaDeTexto 14"/>
+          <p:cNvSpPr txBox="1"/>
+          <p:nvPr/>
+        </p:nvSpPr>
+        <p:spPr>
+          <a:xfrm>
+            <a:off x="1357290" y="6215082"/>
+            <a:ext cx="6429420" cy="369332"/>
+          </a:xfrm>
+          <a:prstGeom prst="rect">
+            <a:avLst/>
+          </a:prstGeom>
+          <a:noFill/>
+        </p:spPr>
+        <p:txBody>
+          <a:bodyPr wrap="square" rtlCol="0">
+            <a:spAutoFit/>
+          </a:bodyPr>
+          <a:lstStyle/>
+          <a:p>
+            <a:pPr algn="ctr"/>
+            <a:r>
+              <a:rPr lang="pt-PT" dirty="0" smtClean="0"/>
+              <a:t>Figura 14 – </a:t>
+            </a:r>
+            <a:r>
+              <a:rPr lang="pt-PT" i="1" dirty="0" err="1" smtClean="0"/>
+              <a:t>Stacks</a:t>
+            </a:r>
+            <a:r>
+              <a:rPr lang="pt-PT" i="1" dirty="0" smtClean="0"/>
+              <a:t> </a:t>
+            </a:r>
+            <a:r>
+              <a:rPr lang="pt-PT" dirty="0" smtClean="0"/>
+              <a:t>de compressão e descompressão da geração 10</a:t>
+            </a:r>
+            <a:endParaRPr lang="pt-PT" dirty="0"/>
+          </a:p>
+        </p:txBody>
+      </p:sp>
     </p:spTree>
     <p:extLst>
       <p:ext uri="{BB962C8B-B14F-4D97-AF65-F5344CB8AC3E}">
-        <p14:creationId xmlns:p14="http://schemas.microsoft.com/office/powerpoint/2010/main" val="1050088074"/>
+        <p14:creationId xmlns:p14="http://schemas.microsoft.com/office/powerpoint/2010/main" xmlns="" val="1050088074"/>
       </p:ext>
     </p:extLst>
   </p:cSld>
@@ -26602,7 +26432,7 @@
           <p:cNvPr id="2" name="Título 1">
             <a:extLst>
               <a:ext uri="{FF2B5EF4-FFF2-40B4-BE49-F238E27FC236}">
-                <a16:creationId xmlns:a16="http://schemas.microsoft.com/office/drawing/2014/main" id="{702228D4-D061-4A19-8DEE-F0FDBE55A741}"/>
+                <a16:creationId xmlns:a16="http://schemas.microsoft.com/office/drawing/2014/main" xmlns="" id="{702228D4-D061-4A19-8DEE-F0FDBE55A741}"/>
               </a:ext>
             </a:extLst>
           </p:cNvPr>
@@ -26618,7 +26448,11 @@
           <a:bodyPr/>
           <a:lstStyle/>
           <a:p>
-            <a:endParaRPr lang="pt-PT"/>
+            <a:r>
+              <a:rPr lang="pt-PT" dirty="0" smtClean="0"/>
+              <a:t>Conceitos</a:t>
+            </a:r>
+            <a:endParaRPr lang="pt-PT" dirty="0"/>
           </a:p>
         </p:txBody>
       </p:sp>
@@ -26627,7 +26461,7 @@
           <p:cNvPr id="3" name="Marcador de Posição de Conteúdo 2">
             <a:extLst>
               <a:ext uri="{FF2B5EF4-FFF2-40B4-BE49-F238E27FC236}">
-                <a16:creationId xmlns:a16="http://schemas.microsoft.com/office/drawing/2014/main" id="{E60D12B4-E406-4B2D-8F05-FB70C750F163}"/>
+                <a16:creationId xmlns:a16="http://schemas.microsoft.com/office/drawing/2014/main" xmlns="" id="{E60D12B4-E406-4B2D-8F05-FB70C750F163}"/>
               </a:ext>
             </a:extLst>
           </p:cNvPr>
@@ -26652,7 +26486,7 @@
           <p:cNvPr id="4" name="Retângulo 3">
             <a:extLst>
               <a:ext uri="{FF2B5EF4-FFF2-40B4-BE49-F238E27FC236}">
-                <a16:creationId xmlns:a16="http://schemas.microsoft.com/office/drawing/2014/main" id="{974E549F-37BB-462C-9B24-6484F97E87C8}"/>
+                <a16:creationId xmlns:a16="http://schemas.microsoft.com/office/drawing/2014/main" xmlns="" id="{974E549F-37BB-462C-9B24-6484F97E87C8}"/>
               </a:ext>
             </a:extLst>
           </p:cNvPr>
@@ -26723,7 +26557,7 @@
           <p:cNvPr id="5" name="Retângulo 4">
             <a:extLst>
               <a:ext uri="{FF2B5EF4-FFF2-40B4-BE49-F238E27FC236}">
-                <a16:creationId xmlns:a16="http://schemas.microsoft.com/office/drawing/2014/main" id="{96BA5E0F-99FB-445A-9A33-3AF22D256248}"/>
+                <a16:creationId xmlns:a16="http://schemas.microsoft.com/office/drawing/2014/main" xmlns="" id="{96BA5E0F-99FB-445A-9A33-3AF22D256248}"/>
               </a:ext>
             </a:extLst>
           </p:cNvPr>
@@ -26794,7 +26628,7 @@
           <p:cNvPr id="6" name="Retângulo 5">
             <a:extLst>
               <a:ext uri="{FF2B5EF4-FFF2-40B4-BE49-F238E27FC236}">
-                <a16:creationId xmlns:a16="http://schemas.microsoft.com/office/drawing/2014/main" id="{2531B7CD-1914-4389-A1FF-0C88C4EF43EC}"/>
+                <a16:creationId xmlns:a16="http://schemas.microsoft.com/office/drawing/2014/main" xmlns="" id="{2531B7CD-1914-4389-A1FF-0C88C4EF43EC}"/>
               </a:ext>
             </a:extLst>
           </p:cNvPr>
@@ -26890,7 +26724,7 @@
     </p:spTree>
     <p:extLst>
       <p:ext uri="{BB962C8B-B14F-4D97-AF65-F5344CB8AC3E}">
-        <p14:creationId xmlns:p14="http://schemas.microsoft.com/office/powerpoint/2010/main" val="2403494876"/>
+        <p14:creationId xmlns:p14="http://schemas.microsoft.com/office/powerpoint/2010/main" xmlns="" val="2403494876"/>
       </p:ext>
     </p:extLst>
   </p:cSld>
@@ -26922,7 +26756,7 @@
           <p:cNvPr id="2" name="Título 1">
             <a:extLst>
               <a:ext uri="{FF2B5EF4-FFF2-40B4-BE49-F238E27FC236}">
-                <a16:creationId xmlns:a16="http://schemas.microsoft.com/office/drawing/2014/main" id="{5B184CB9-E063-4057-8F42-75AA222B4298}"/>
+                <a16:creationId xmlns:a16="http://schemas.microsoft.com/office/drawing/2014/main" xmlns="" id="{5B184CB9-E063-4057-8F42-75AA222B4298}"/>
               </a:ext>
             </a:extLst>
           </p:cNvPr>
@@ -26967,7 +26801,7 @@
           <p:cNvPr id="3" name="Marcador de Posição de Conteúdo 2">
             <a:extLst>
               <a:ext uri="{FF2B5EF4-FFF2-40B4-BE49-F238E27FC236}">
-                <a16:creationId xmlns:a16="http://schemas.microsoft.com/office/drawing/2014/main" id="{49D54EA5-42AA-4D3C-9345-E8ADD3031118}"/>
+                <a16:creationId xmlns:a16="http://schemas.microsoft.com/office/drawing/2014/main" xmlns="" id="{49D54EA5-42AA-4D3C-9345-E8ADD3031118}"/>
               </a:ext>
             </a:extLst>
           </p:cNvPr>
@@ -26990,7 +26824,7 @@
     </p:spTree>
     <p:extLst>
       <p:ext uri="{BB962C8B-B14F-4D97-AF65-F5344CB8AC3E}">
-        <p14:creationId xmlns:p14="http://schemas.microsoft.com/office/powerpoint/2010/main" val="1757695528"/>
+        <p14:creationId xmlns:p14="http://schemas.microsoft.com/office/powerpoint/2010/main" xmlns="" val="1757695528"/>
       </p:ext>
     </p:extLst>
   </p:cSld>
@@ -27022,7 +26856,7 @@
           <p:cNvPr id="5" name="Marcador de Posição de Conteúdo 4">
             <a:extLst>
               <a:ext uri="{FF2B5EF4-FFF2-40B4-BE49-F238E27FC236}">
-                <a16:creationId xmlns:a16="http://schemas.microsoft.com/office/drawing/2014/main" id="{F1769B30-170E-4C01-97F9-B5AB4D72996F}"/>
+                <a16:creationId xmlns:a16="http://schemas.microsoft.com/office/drawing/2014/main" xmlns="" id="{F1769B30-170E-4C01-97F9-B5AB4D72996F}"/>
               </a:ext>
             </a:extLst>
           </p:cNvPr>
@@ -27033,7 +26867,7 @@
             <p:ph idx="1"/>
             <p:extLst>
               <p:ext uri="{D42A27DB-BD31-4B8C-83A1-F6EECF244321}">
-                <p14:modId xmlns:p14="http://schemas.microsoft.com/office/powerpoint/2010/main" val="470110617"/>
+                <p14:modId xmlns:p14="http://schemas.microsoft.com/office/powerpoint/2010/main" xmlns="" val="470110617"/>
               </p:ext>
             </p:extLst>
           </p:nvPr>
@@ -27048,10 +26882,41 @@
           </a:graphicData>
         </a:graphic>
       </p:graphicFrame>
+      <p:sp>
+        <p:nvSpPr>
+          <p:cNvPr id="3" name="CaixaDeTexto 2"/>
+          <p:cNvSpPr txBox="1"/>
+          <p:nvPr/>
+        </p:nvSpPr>
+        <p:spPr>
+          <a:xfrm>
+            <a:off x="1142976" y="6000768"/>
+            <a:ext cx="7215238" cy="369332"/>
+          </a:xfrm>
+          <a:prstGeom prst="rect">
+            <a:avLst/>
+          </a:prstGeom>
+          <a:noFill/>
+        </p:spPr>
+        <p:txBody>
+          <a:bodyPr wrap="square" rtlCol="0">
+            <a:spAutoFit/>
+          </a:bodyPr>
+          <a:lstStyle/>
+          <a:p>
+            <a:pPr algn="ctr"/>
+            <a:r>
+              <a:rPr lang="pt-PT" dirty="0" smtClean="0"/>
+              <a:t>Figura 15 – Velocidade média de compressão de todos os algoritmos</a:t>
+            </a:r>
+            <a:endParaRPr lang="pt-PT" dirty="0"/>
+          </a:p>
+        </p:txBody>
+      </p:sp>
     </p:spTree>
     <p:extLst>
       <p:ext uri="{BB962C8B-B14F-4D97-AF65-F5344CB8AC3E}">
-        <p14:creationId xmlns:p14="http://schemas.microsoft.com/office/powerpoint/2010/main" val="748666507"/>
+        <p14:creationId xmlns:p14="http://schemas.microsoft.com/office/powerpoint/2010/main" xmlns="" val="748666507"/>
       </p:ext>
     </p:extLst>
   </p:cSld>
@@ -27083,7 +26948,7 @@
           <p:cNvPr id="4" name="Marcador de Posição de Conteúdo 3">
             <a:extLst>
               <a:ext uri="{FF2B5EF4-FFF2-40B4-BE49-F238E27FC236}">
-                <a16:creationId xmlns:a16="http://schemas.microsoft.com/office/drawing/2014/main" id="{BF54970B-912B-446C-B64A-D4BF8257992B}"/>
+                <a16:creationId xmlns:a16="http://schemas.microsoft.com/office/drawing/2014/main" xmlns="" id="{BF54970B-912B-446C-B64A-D4BF8257992B}"/>
               </a:ext>
             </a:extLst>
           </p:cNvPr>
@@ -27094,7 +26959,7 @@
             <p:ph idx="1"/>
             <p:extLst>
               <p:ext uri="{D42A27DB-BD31-4B8C-83A1-F6EECF244321}">
-                <p14:modId xmlns:p14="http://schemas.microsoft.com/office/powerpoint/2010/main" val="3104962811"/>
+                <p14:modId xmlns:p14="http://schemas.microsoft.com/office/powerpoint/2010/main" xmlns="" val="3104962811"/>
               </p:ext>
             </p:extLst>
           </p:nvPr>
@@ -27109,10 +26974,41 @@
           </a:graphicData>
         </a:graphic>
       </p:graphicFrame>
+      <p:sp>
+        <p:nvSpPr>
+          <p:cNvPr id="3" name="CaixaDeTexto 2"/>
+          <p:cNvSpPr txBox="1"/>
+          <p:nvPr/>
+        </p:nvSpPr>
+        <p:spPr>
+          <a:xfrm>
+            <a:off x="857224" y="6000768"/>
+            <a:ext cx="7500990" cy="369332"/>
+          </a:xfrm>
+          <a:prstGeom prst="rect">
+            <a:avLst/>
+          </a:prstGeom>
+          <a:noFill/>
+        </p:spPr>
+        <p:txBody>
+          <a:bodyPr wrap="square" rtlCol="0">
+            <a:spAutoFit/>
+          </a:bodyPr>
+          <a:lstStyle/>
+          <a:p>
+            <a:pPr algn="ctr"/>
+            <a:r>
+              <a:rPr lang="pt-PT" dirty="0" smtClean="0"/>
+              <a:t>Figura 16 – Velocidade média de descompressão de todos os algoritmos</a:t>
+            </a:r>
+            <a:endParaRPr lang="pt-PT" dirty="0"/>
+          </a:p>
+        </p:txBody>
+      </p:sp>
     </p:spTree>
     <p:extLst>
       <p:ext uri="{BB962C8B-B14F-4D97-AF65-F5344CB8AC3E}">
-        <p14:creationId xmlns:p14="http://schemas.microsoft.com/office/powerpoint/2010/main" val="3603114312"/>
+        <p14:creationId xmlns:p14="http://schemas.microsoft.com/office/powerpoint/2010/main" xmlns="" val="3603114312"/>
       </p:ext>
     </p:extLst>
   </p:cSld>
@@ -27174,7 +27070,7 @@
           <p:cNvPr id="7" name="Marcador de Posição de Conteúdo 6">
             <a:extLst>
               <a:ext uri="{FF2B5EF4-FFF2-40B4-BE49-F238E27FC236}">
-                <a16:creationId xmlns:a16="http://schemas.microsoft.com/office/drawing/2014/main" id="{F1C3C96A-7EA7-448A-95DC-E8C965537E74}"/>
+                <a16:creationId xmlns:a16="http://schemas.microsoft.com/office/drawing/2014/main" xmlns="" id="{F1C3C96A-7EA7-448A-95DC-E8C965537E74}"/>
               </a:ext>
             </a:extLst>
           </p:cNvPr>
@@ -27185,7 +27081,7 @@
             <p:ph idx="1"/>
             <p:extLst>
               <p:ext uri="{D42A27DB-BD31-4B8C-83A1-F6EECF244321}">
-                <p14:modId xmlns:p14="http://schemas.microsoft.com/office/powerpoint/2010/main" val="884974184"/>
+                <p14:modId xmlns:p14="http://schemas.microsoft.com/office/powerpoint/2010/main" xmlns="" val="884974184"/>
               </p:ext>
             </p:extLst>
           </p:nvPr>
@@ -27205,7 +27101,7 @@
           <p:cNvPr id="8" name="CaixaDeTexto 7">
             <a:extLst>
               <a:ext uri="{FF2B5EF4-FFF2-40B4-BE49-F238E27FC236}">
-                <a16:creationId xmlns:a16="http://schemas.microsoft.com/office/drawing/2014/main" id="{FD3EDC28-4E6B-40B4-B811-4ACE3E528CEB}"/>
+                <a16:creationId xmlns:a16="http://schemas.microsoft.com/office/drawing/2014/main" xmlns="" id="{FD3EDC28-4E6B-40B4-B811-4ACE3E528CEB}"/>
               </a:ext>
             </a:extLst>
           </p:cNvPr>
@@ -27258,7 +27154,7 @@
           <p:cNvPr id="9" name="CaixaDeTexto 8">
             <a:extLst>
               <a:ext uri="{FF2B5EF4-FFF2-40B4-BE49-F238E27FC236}">
-                <a16:creationId xmlns:a16="http://schemas.microsoft.com/office/drawing/2014/main" id="{DDDD25B7-919E-4EC9-A3A3-1B6A92C82AC8}"/>
+                <a16:creationId xmlns:a16="http://schemas.microsoft.com/office/drawing/2014/main" xmlns="" id="{DDDD25B7-919E-4EC9-A3A3-1B6A92C82AC8}"/>
               </a:ext>
             </a:extLst>
           </p:cNvPr>
@@ -27311,7 +27207,7 @@
           <p:cNvPr id="10" name="CaixaDeTexto 9">
             <a:extLst>
               <a:ext uri="{FF2B5EF4-FFF2-40B4-BE49-F238E27FC236}">
-                <a16:creationId xmlns:a16="http://schemas.microsoft.com/office/drawing/2014/main" id="{BA5C7190-A430-4B23-A1EF-9FDDA2D6F729}"/>
+                <a16:creationId xmlns:a16="http://schemas.microsoft.com/office/drawing/2014/main" xmlns="" id="{BA5C7190-A430-4B23-A1EF-9FDDA2D6F729}"/>
               </a:ext>
             </a:extLst>
           </p:cNvPr>
@@ -27364,7 +27260,7 @@
           <p:cNvPr id="11" name="CaixaDeTexto 10">
             <a:extLst>
               <a:ext uri="{FF2B5EF4-FFF2-40B4-BE49-F238E27FC236}">
-                <a16:creationId xmlns:a16="http://schemas.microsoft.com/office/drawing/2014/main" id="{FBD5A858-BD73-44C6-B9C4-D6704478D5A6}"/>
+                <a16:creationId xmlns:a16="http://schemas.microsoft.com/office/drawing/2014/main" xmlns="" id="{FBD5A858-BD73-44C6-B9C4-D6704478D5A6}"/>
               </a:ext>
             </a:extLst>
           </p:cNvPr>
@@ -27442,7 +27338,7 @@
           <p:cNvPr id="4" name="Marcador de Posição de Conteúdo 3">
             <a:extLst>
               <a:ext uri="{FF2B5EF4-FFF2-40B4-BE49-F238E27FC236}">
-                <a16:creationId xmlns:a16="http://schemas.microsoft.com/office/drawing/2014/main" id="{80BCB2C2-B3D7-42A7-BBEB-DA1DF190E1B1}"/>
+                <a16:creationId xmlns:a16="http://schemas.microsoft.com/office/drawing/2014/main" xmlns="" id="{80BCB2C2-B3D7-42A7-BBEB-DA1DF190E1B1}"/>
               </a:ext>
             </a:extLst>
           </p:cNvPr>
@@ -27453,7 +27349,7 @@
             <p:ph idx="1"/>
             <p:extLst>
               <p:ext uri="{D42A27DB-BD31-4B8C-83A1-F6EECF244321}">
-                <p14:modId xmlns:p14="http://schemas.microsoft.com/office/powerpoint/2010/main" val="3156271480"/>
+                <p14:modId xmlns:p14="http://schemas.microsoft.com/office/powerpoint/2010/main" xmlns="" val="3156271480"/>
               </p:ext>
             </p:extLst>
           </p:nvPr>
@@ -27468,10 +27364,41 @@
           </a:graphicData>
         </a:graphic>
       </p:graphicFrame>
+      <p:sp>
+        <p:nvSpPr>
+          <p:cNvPr id="3" name="CaixaDeTexto 2"/>
+          <p:cNvSpPr txBox="1"/>
+          <p:nvPr/>
+        </p:nvSpPr>
+        <p:spPr>
+          <a:xfrm flipH="1">
+            <a:off x="1071538" y="5857892"/>
+            <a:ext cx="7429552" cy="369332"/>
+          </a:xfrm>
+          <a:prstGeom prst="rect">
+            <a:avLst/>
+          </a:prstGeom>
+          <a:noFill/>
+        </p:spPr>
+        <p:txBody>
+          <a:bodyPr wrap="square" rtlCol="0">
+            <a:spAutoFit/>
+          </a:bodyPr>
+          <a:lstStyle/>
+          <a:p>
+            <a:pPr algn="ctr"/>
+            <a:r>
+              <a:rPr lang="pt-PT" dirty="0" smtClean="0"/>
+              <a:t>Figura 17 – Velocidade total média de todos os algoritmos</a:t>
+            </a:r>
+            <a:endParaRPr lang="pt-PT" dirty="0"/>
+          </a:p>
+        </p:txBody>
+      </p:sp>
     </p:spTree>
     <p:extLst>
       <p:ext uri="{BB962C8B-B14F-4D97-AF65-F5344CB8AC3E}">
-        <p14:creationId xmlns:p14="http://schemas.microsoft.com/office/powerpoint/2010/main" val="804293094"/>
+        <p14:creationId xmlns:p14="http://schemas.microsoft.com/office/powerpoint/2010/main" xmlns="" val="804293094"/>
       </p:ext>
     </p:extLst>
   </p:cSld>
@@ -27533,7 +27460,7 @@
           <p:cNvPr id="6" name="CaixaDeTexto 5">
             <a:extLst>
               <a:ext uri="{FF2B5EF4-FFF2-40B4-BE49-F238E27FC236}">
-                <a16:creationId xmlns:a16="http://schemas.microsoft.com/office/drawing/2014/main" id="{5870344C-C64C-4E8A-867A-FD892E0C29DD}"/>
+                <a16:creationId xmlns:a16="http://schemas.microsoft.com/office/drawing/2014/main" xmlns="" id="{5870344C-C64C-4E8A-867A-FD892E0C29DD}"/>
               </a:ext>
             </a:extLst>
           </p:cNvPr>
@@ -27586,7 +27513,7 @@
           <p:cNvPr id="7" name="Marcador de Posição de Conteúdo 6">
             <a:extLst>
               <a:ext uri="{FF2B5EF4-FFF2-40B4-BE49-F238E27FC236}">
-                <a16:creationId xmlns:a16="http://schemas.microsoft.com/office/drawing/2014/main" id="{D179913A-1725-433B-9FA5-D9223E6DD9C1}"/>
+                <a16:creationId xmlns:a16="http://schemas.microsoft.com/office/drawing/2014/main" xmlns="" id="{D179913A-1725-433B-9FA5-D9223E6DD9C1}"/>
               </a:ext>
             </a:extLst>
           </p:cNvPr>
@@ -27597,7 +27524,7 @@
             <p:ph idx="1"/>
             <p:extLst>
               <p:ext uri="{D42A27DB-BD31-4B8C-83A1-F6EECF244321}">
-                <p14:modId xmlns:p14="http://schemas.microsoft.com/office/powerpoint/2010/main" val="2169694937"/>
+                <p14:modId xmlns:p14="http://schemas.microsoft.com/office/powerpoint/2010/main" xmlns="" val="2169694937"/>
               </p:ext>
             </p:extLst>
           </p:nvPr>
@@ -27617,7 +27544,7 @@
           <p:cNvPr id="8" name="CaixaDeTexto 7">
             <a:extLst>
               <a:ext uri="{FF2B5EF4-FFF2-40B4-BE49-F238E27FC236}">
-                <a16:creationId xmlns:a16="http://schemas.microsoft.com/office/drawing/2014/main" id="{F25EB4B5-7E3B-430B-94D6-44507A08ABBF}"/>
+                <a16:creationId xmlns:a16="http://schemas.microsoft.com/office/drawing/2014/main" xmlns="" id="{F25EB4B5-7E3B-430B-94D6-44507A08ABBF}"/>
               </a:ext>
             </a:extLst>
           </p:cNvPr>
@@ -27670,7 +27597,7 @@
           <p:cNvPr id="9" name="CaixaDeTexto 8">
             <a:extLst>
               <a:ext uri="{FF2B5EF4-FFF2-40B4-BE49-F238E27FC236}">
-                <a16:creationId xmlns:a16="http://schemas.microsoft.com/office/drawing/2014/main" id="{E5EDFA8F-4109-44B8-A4F9-F9C3EDD6C6F9}"/>
+                <a16:creationId xmlns:a16="http://schemas.microsoft.com/office/drawing/2014/main" xmlns="" id="{E5EDFA8F-4109-44B8-A4F9-F9C3EDD6C6F9}"/>
               </a:ext>
             </a:extLst>
           </p:cNvPr>
@@ -27723,7 +27650,7 @@
           <p:cNvPr id="10" name="CaixaDeTexto 9">
             <a:extLst>
               <a:ext uri="{FF2B5EF4-FFF2-40B4-BE49-F238E27FC236}">
-                <a16:creationId xmlns:a16="http://schemas.microsoft.com/office/drawing/2014/main" id="{4347C280-ED3B-43B6-B433-85A10ADEDF8B}"/>
+                <a16:creationId xmlns:a16="http://schemas.microsoft.com/office/drawing/2014/main" xmlns="" id="{4347C280-ED3B-43B6-B433-85A10ADEDF8B}"/>
               </a:ext>
             </a:extLst>
           </p:cNvPr>
@@ -27831,7 +27758,7 @@
           <p:cNvPr id="6" name="Marcador de Posição de Conteúdo 5">
             <a:extLst>
               <a:ext uri="{FF2B5EF4-FFF2-40B4-BE49-F238E27FC236}">
-                <a16:creationId xmlns:a16="http://schemas.microsoft.com/office/drawing/2014/main" id="{C5FF8952-2B9F-44EA-A47C-E51E45773827}"/>
+                <a16:creationId xmlns:a16="http://schemas.microsoft.com/office/drawing/2014/main" xmlns="" id="{C5FF8952-2B9F-44EA-A47C-E51E45773827}"/>
               </a:ext>
             </a:extLst>
           </p:cNvPr>
@@ -27842,7 +27769,7 @@
             <p:ph idx="1"/>
             <p:extLst>
               <p:ext uri="{D42A27DB-BD31-4B8C-83A1-F6EECF244321}">
-                <p14:modId xmlns:p14="http://schemas.microsoft.com/office/powerpoint/2010/main" val="1472418342"/>
+                <p14:modId xmlns:p14="http://schemas.microsoft.com/office/powerpoint/2010/main" xmlns="" val="1472418342"/>
               </p:ext>
             </p:extLst>
           </p:nvPr>
@@ -27862,7 +27789,7 @@
           <p:cNvPr id="7" name="CaixaDeTexto 6">
             <a:extLst>
               <a:ext uri="{FF2B5EF4-FFF2-40B4-BE49-F238E27FC236}">
-                <a16:creationId xmlns:a16="http://schemas.microsoft.com/office/drawing/2014/main" id="{187D22F3-8904-4BF0-BF8D-89C9EBBF6149}"/>
+                <a16:creationId xmlns:a16="http://schemas.microsoft.com/office/drawing/2014/main" xmlns="" id="{187D22F3-8904-4BF0-BF8D-89C9EBBF6149}"/>
               </a:ext>
             </a:extLst>
           </p:cNvPr>
@@ -27915,7 +27842,7 @@
           <p:cNvPr id="8" name="CaixaDeTexto 7">
             <a:extLst>
               <a:ext uri="{FF2B5EF4-FFF2-40B4-BE49-F238E27FC236}">
-                <a16:creationId xmlns:a16="http://schemas.microsoft.com/office/drawing/2014/main" id="{A1F57BEC-B2B0-40E6-A38F-DA55273CBC1F}"/>
+                <a16:creationId xmlns:a16="http://schemas.microsoft.com/office/drawing/2014/main" xmlns="" id="{A1F57BEC-B2B0-40E6-A38F-DA55273CBC1F}"/>
               </a:ext>
             </a:extLst>
           </p:cNvPr>
@@ -27968,7 +27895,7 @@
           <p:cNvPr id="9" name="CaixaDeTexto 8">
             <a:extLst>
               <a:ext uri="{FF2B5EF4-FFF2-40B4-BE49-F238E27FC236}">
-                <a16:creationId xmlns:a16="http://schemas.microsoft.com/office/drawing/2014/main" id="{0246E122-B446-4C67-ABD0-5C14CB906ACF}"/>
+                <a16:creationId xmlns:a16="http://schemas.microsoft.com/office/drawing/2014/main" xmlns="" id="{0246E122-B446-4C67-ABD0-5C14CB906ACF}"/>
               </a:ext>
             </a:extLst>
           </p:cNvPr>
@@ -28021,7 +27948,7 @@
           <p:cNvPr id="10" name="CaixaDeTexto 9">
             <a:extLst>
               <a:ext uri="{FF2B5EF4-FFF2-40B4-BE49-F238E27FC236}">
-                <a16:creationId xmlns:a16="http://schemas.microsoft.com/office/drawing/2014/main" id="{065159E3-F126-45B3-8F7F-E0F906111C4B}"/>
+                <a16:creationId xmlns:a16="http://schemas.microsoft.com/office/drawing/2014/main" xmlns="" id="{065159E3-F126-45B3-8F7F-E0F906111C4B}"/>
               </a:ext>
             </a:extLst>
           </p:cNvPr>
@@ -28129,7 +28056,7 @@
           <p:cNvPr id="5" name="CaixaDeTexto 2">
             <a:extLst>
               <a:ext uri="{FF2B5EF4-FFF2-40B4-BE49-F238E27FC236}">
-                <a16:creationId xmlns:a16="http://schemas.microsoft.com/office/drawing/2014/main" id="{7634EFC6-9C86-4CE8-A64E-64BAD93FAF91}"/>
+                <a16:creationId xmlns:a16="http://schemas.microsoft.com/office/drawing/2014/main" xmlns="" id="{7634EFC6-9C86-4CE8-A64E-64BAD93FAF91}"/>
               </a:ext>
             </a:extLst>
           </p:cNvPr>
@@ -28246,7 +28173,7 @@
           <p:cNvPr id="9" name="Marcador de Posição de Conteúdo 8">
             <a:extLst>
               <a:ext uri="{FF2B5EF4-FFF2-40B4-BE49-F238E27FC236}">
-                <a16:creationId xmlns:a16="http://schemas.microsoft.com/office/drawing/2014/main" id="{D02754CF-C562-4B92-807F-B2CA86C10B10}"/>
+                <a16:creationId xmlns:a16="http://schemas.microsoft.com/office/drawing/2014/main" xmlns="" id="{D02754CF-C562-4B92-807F-B2CA86C10B10}"/>
               </a:ext>
             </a:extLst>
           </p:cNvPr>
@@ -28257,7 +28184,7 @@
             <p:ph idx="1"/>
             <p:extLst>
               <p:ext uri="{D42A27DB-BD31-4B8C-83A1-F6EECF244321}">
-                <p14:modId xmlns:p14="http://schemas.microsoft.com/office/powerpoint/2010/main" val="3987888895"/>
+                <p14:modId xmlns:p14="http://schemas.microsoft.com/office/powerpoint/2010/main" xmlns="" val="3987888895"/>
               </p:ext>
             </p:extLst>
           </p:nvPr>
@@ -28277,7 +28204,7 @@
           <p:cNvPr id="10" name="CaixaDeTexto 9">
             <a:extLst>
               <a:ext uri="{FF2B5EF4-FFF2-40B4-BE49-F238E27FC236}">
-                <a16:creationId xmlns:a16="http://schemas.microsoft.com/office/drawing/2014/main" id="{2963C07F-1FFD-4BDF-8711-46FA3346BDFA}"/>
+                <a16:creationId xmlns:a16="http://schemas.microsoft.com/office/drawing/2014/main" xmlns="" id="{2963C07F-1FFD-4BDF-8711-46FA3346BDFA}"/>
               </a:ext>
             </a:extLst>
           </p:cNvPr>
@@ -28330,7 +28257,7 @@
           <p:cNvPr id="11" name="CaixaDeTexto 10">
             <a:extLst>
               <a:ext uri="{FF2B5EF4-FFF2-40B4-BE49-F238E27FC236}">
-                <a16:creationId xmlns:a16="http://schemas.microsoft.com/office/drawing/2014/main" id="{B288401D-41FB-4EFF-89AD-97E8AE3563D0}"/>
+                <a16:creationId xmlns:a16="http://schemas.microsoft.com/office/drawing/2014/main" xmlns="" id="{B288401D-41FB-4EFF-89AD-97E8AE3563D0}"/>
               </a:ext>
             </a:extLst>
           </p:cNvPr>
@@ -28383,7 +28310,7 @@
           <p:cNvPr id="12" name="CaixaDeTexto 11">
             <a:extLst>
               <a:ext uri="{FF2B5EF4-FFF2-40B4-BE49-F238E27FC236}">
-                <a16:creationId xmlns:a16="http://schemas.microsoft.com/office/drawing/2014/main" id="{72D704DD-A4C4-48F4-80BF-8720058823E0}"/>
+                <a16:creationId xmlns:a16="http://schemas.microsoft.com/office/drawing/2014/main" xmlns="" id="{72D704DD-A4C4-48F4-80BF-8720058823E0}"/>
               </a:ext>
             </a:extLst>
           </p:cNvPr>
@@ -28491,7 +28418,7 @@
           <p:cNvPr id="10" name="Marcador de Posição de Conteúdo 9">
             <a:extLst>
               <a:ext uri="{FF2B5EF4-FFF2-40B4-BE49-F238E27FC236}">
-                <a16:creationId xmlns:a16="http://schemas.microsoft.com/office/drawing/2014/main" id="{2368EF70-BFD1-4DDA-94F1-FEB9683AAEF1}"/>
+                <a16:creationId xmlns:a16="http://schemas.microsoft.com/office/drawing/2014/main" xmlns="" id="{2368EF70-BFD1-4DDA-94F1-FEB9683AAEF1}"/>
               </a:ext>
             </a:extLst>
           </p:cNvPr>
@@ -28502,7 +28429,7 @@
             <p:ph idx="1"/>
             <p:extLst>
               <p:ext uri="{D42A27DB-BD31-4B8C-83A1-F6EECF244321}">
-                <p14:modId xmlns:p14="http://schemas.microsoft.com/office/powerpoint/2010/main" val="2682736835"/>
+                <p14:modId xmlns:p14="http://schemas.microsoft.com/office/powerpoint/2010/main" xmlns="" val="2682736835"/>
               </p:ext>
             </p:extLst>
           </p:nvPr>
@@ -28522,7 +28449,7 @@
           <p:cNvPr id="12" name="CaixaDeTexto 11">
             <a:extLst>
               <a:ext uri="{FF2B5EF4-FFF2-40B4-BE49-F238E27FC236}">
-                <a16:creationId xmlns:a16="http://schemas.microsoft.com/office/drawing/2014/main" id="{E135EF83-5C94-4326-89C4-AF4839F4375B}"/>
+                <a16:creationId xmlns:a16="http://schemas.microsoft.com/office/drawing/2014/main" xmlns="" id="{E135EF83-5C94-4326-89C4-AF4839F4375B}"/>
               </a:ext>
             </a:extLst>
           </p:cNvPr>
@@ -28575,7 +28502,7 @@
           <p:cNvPr id="13" name="CaixaDeTexto 12">
             <a:extLst>
               <a:ext uri="{FF2B5EF4-FFF2-40B4-BE49-F238E27FC236}">
-                <a16:creationId xmlns:a16="http://schemas.microsoft.com/office/drawing/2014/main" id="{79DB4884-DFFB-4DCD-8DB0-C21A204B1739}"/>
+                <a16:creationId xmlns:a16="http://schemas.microsoft.com/office/drawing/2014/main" xmlns="" id="{79DB4884-DFFB-4DCD-8DB0-C21A204B1739}"/>
               </a:ext>
             </a:extLst>
           </p:cNvPr>
@@ -28628,7 +28555,7 @@
           <p:cNvPr id="14" name="CaixaDeTexto 13">
             <a:extLst>
               <a:ext uri="{FF2B5EF4-FFF2-40B4-BE49-F238E27FC236}">
-                <a16:creationId xmlns:a16="http://schemas.microsoft.com/office/drawing/2014/main" id="{34A79EAC-5F2C-4772-994B-014EBEDB0E87}"/>
+                <a16:creationId xmlns:a16="http://schemas.microsoft.com/office/drawing/2014/main" xmlns="" id="{34A79EAC-5F2C-4772-994B-014EBEDB0E87}"/>
               </a:ext>
             </a:extLst>
           </p:cNvPr>
@@ -28681,7 +28608,7 @@
           <p:cNvPr id="16" name="CaixaDeTexto 15">
             <a:extLst>
               <a:ext uri="{FF2B5EF4-FFF2-40B4-BE49-F238E27FC236}">
-                <a16:creationId xmlns:a16="http://schemas.microsoft.com/office/drawing/2014/main" id="{B32B7E93-6041-44AC-BAA7-59C9D3ED44C6}"/>
+                <a16:creationId xmlns:a16="http://schemas.microsoft.com/office/drawing/2014/main" xmlns="" id="{B32B7E93-6041-44AC-BAA7-59C9D3ED44C6}"/>
               </a:ext>
             </a:extLst>
           </p:cNvPr>
@@ -28789,7 +28716,7 @@
           <p:cNvPr id="6" name="Marcador de Posição de Conteúdo 5">
             <a:extLst>
               <a:ext uri="{FF2B5EF4-FFF2-40B4-BE49-F238E27FC236}">
-                <a16:creationId xmlns:a16="http://schemas.microsoft.com/office/drawing/2014/main" id="{8780E141-24CE-4156-916E-834FA83293C5}"/>
+                <a16:creationId xmlns:a16="http://schemas.microsoft.com/office/drawing/2014/main" xmlns="" id="{8780E141-24CE-4156-916E-834FA83293C5}"/>
               </a:ext>
             </a:extLst>
           </p:cNvPr>
@@ -28800,7 +28727,7 @@
             <p:ph idx="1"/>
             <p:extLst>
               <p:ext uri="{D42A27DB-BD31-4B8C-83A1-F6EECF244321}">
-                <p14:modId xmlns:p14="http://schemas.microsoft.com/office/powerpoint/2010/main" val="4266772448"/>
+                <p14:modId xmlns:p14="http://schemas.microsoft.com/office/powerpoint/2010/main" xmlns="" val="4266772448"/>
               </p:ext>
             </p:extLst>
           </p:nvPr>
@@ -28870,8 +28797,8 @@
           </a:p>
         </p:txBody>
       </p:sp>
-      <mc:AlternateContent xmlns:mc="http://schemas.openxmlformats.org/markup-compatibility/2006" xmlns:a14="http://schemas.microsoft.com/office/drawing/2010/main">
-        <mc:Choice Requires="a14">
+      <mc:AlternateContent xmlns:mc="http://schemas.openxmlformats.org/markup-compatibility/2006">
+        <mc:Choice xmlns:a14="http://schemas.microsoft.com/office/drawing/2010/main" xmlns="" Requires="a14">
           <p:sp>
             <p:nvSpPr>
               <p:cNvPr id="7" name="CaixaDeTexto 1">
@@ -29014,13 +28941,13 @@
             </p:txBody>
           </p:sp>
         </mc:Choice>
-        <mc:Fallback xmlns="">
+        <mc:Fallback>
           <p:sp>
             <p:nvSpPr>
               <p:cNvPr id="7" name="CaixaDeTexto 1">
                 <a:extLst>
                   <a:ext uri="{FF2B5EF4-FFF2-40B4-BE49-F238E27FC236}">
-                    <a16:creationId xmlns:a16="http://schemas.microsoft.com/office/drawing/2014/main" id="{A2FBD298-09E7-4CB1-8E47-01CB023EFC57}"/>
+                    <a16:creationId xmlns:a16="http://schemas.microsoft.com/office/drawing/2014/main" xmlns="" xmlns:a14="http://schemas.microsoft.com/office/drawing/2010/main" id="{A2FBD298-09E7-4CB1-8E47-01CB023EFC57}"/>
                   </a:ext>
                 </a:extLst>
               </p:cNvPr>
@@ -29038,7 +28965,7 @@
                 <a:avLst/>
               </a:prstGeom>
               <a:blipFill>
-                <a:blip r:embed="rId3"/>
+                <a:blip r:embed="rId2"/>
                 <a:stretch>
                   <a:fillRect t="-32500"/>
                 </a:stretch>
@@ -29064,7 +28991,7 @@
           <p:cNvPr id="8" name="Marcador de Posição de Conteúdo 7">
             <a:extLst>
               <a:ext uri="{FF2B5EF4-FFF2-40B4-BE49-F238E27FC236}">
-                <a16:creationId xmlns:a16="http://schemas.microsoft.com/office/drawing/2014/main" id="{3251F279-45CA-49E0-8EBB-A3643B355BC6}"/>
+                <a16:creationId xmlns:a16="http://schemas.microsoft.com/office/drawing/2014/main" xmlns="" id="{3251F279-45CA-49E0-8EBB-A3643B355BC6}"/>
               </a:ext>
             </a:extLst>
           </p:cNvPr>
@@ -29075,7 +29002,7 @@
             <p:ph idx="1"/>
             <p:extLst>
               <p:ext uri="{D42A27DB-BD31-4B8C-83A1-F6EECF244321}">
-                <p14:modId xmlns:p14="http://schemas.microsoft.com/office/powerpoint/2010/main" val="176733401"/>
+                <p14:modId xmlns:p14="http://schemas.microsoft.com/office/powerpoint/2010/main" xmlns="" val="176733401"/>
               </p:ext>
             </p:extLst>
           </p:nvPr>
@@ -29086,7 +29013,7 @@
         </p:xfrm>
         <a:graphic>
           <a:graphicData uri="http://schemas.openxmlformats.org/drawingml/2006/chart">
-            <c:chart xmlns:c="http://schemas.openxmlformats.org/drawingml/2006/chart" xmlns:r="http://schemas.openxmlformats.org/officeDocument/2006/relationships" r:id="rId4"/>
+            <c:chart xmlns:c="http://schemas.openxmlformats.org/drawingml/2006/chart" xmlns:r="http://schemas.openxmlformats.org/officeDocument/2006/relationships" r:id="rId3"/>
           </a:graphicData>
         </a:graphic>
       </p:graphicFrame>
@@ -29150,7 +29077,7 @@
           <p:cNvPr id="7" name="Marcador de Posição de Conteúdo 6">
             <a:extLst>
               <a:ext uri="{FF2B5EF4-FFF2-40B4-BE49-F238E27FC236}">
-                <a16:creationId xmlns:a16="http://schemas.microsoft.com/office/drawing/2014/main" id="{5A9E22EA-D002-4787-9FD1-7A529670444E}"/>
+                <a16:creationId xmlns:a16="http://schemas.microsoft.com/office/drawing/2014/main" xmlns="" id="{5A9E22EA-D002-4787-9FD1-7A529670444E}"/>
               </a:ext>
             </a:extLst>
           </p:cNvPr>
@@ -29161,7 +29088,7 @@
             <p:ph idx="1"/>
             <p:extLst>
               <p:ext uri="{D42A27DB-BD31-4B8C-83A1-F6EECF244321}">
-                <p14:modId xmlns:p14="http://schemas.microsoft.com/office/powerpoint/2010/main" val="1127316651"/>
+                <p14:modId xmlns:p14="http://schemas.microsoft.com/office/powerpoint/2010/main" xmlns="" val="1127316651"/>
               </p:ext>
             </p:extLst>
           </p:nvPr>
@@ -29465,4 +29392,287 @@
   <a:objectDefaults/>
   <a:extraClrSchemeLst/>
 </a:theme>
+</file>
+
+<file path=ppt/theme/theme2.xml><?xml version="1.0" encoding="utf-8"?>
+<a:theme xmlns:a="http://schemas.openxmlformats.org/drawingml/2006/main" name="Tema do Office">
+  <a:themeElements>
+    <a:clrScheme name="Office">
+      <a:dk1>
+        <a:sysClr val="windowText" lastClr="000000"/>
+      </a:dk1>
+      <a:lt1>
+        <a:sysClr val="window" lastClr="FFFFFF"/>
+      </a:lt1>
+      <a:dk2>
+        <a:srgbClr val="1F497D"/>
+      </a:dk2>
+      <a:lt2>
+        <a:srgbClr val="EEECE1"/>
+      </a:lt2>
+      <a:accent1>
+        <a:srgbClr val="4F81BD"/>
+      </a:accent1>
+      <a:accent2>
+        <a:srgbClr val="C0504D"/>
+      </a:accent2>
+      <a:accent3>
+        <a:srgbClr val="9BBB59"/>
+      </a:accent3>
+      <a:accent4>
+        <a:srgbClr val="8064A2"/>
+      </a:accent4>
+      <a:accent5>
+        <a:srgbClr val="4BACC6"/>
+      </a:accent5>
+      <a:accent6>
+        <a:srgbClr val="F79646"/>
+      </a:accent6>
+      <a:hlink>
+        <a:srgbClr val="0000FF"/>
+      </a:hlink>
+      <a:folHlink>
+        <a:srgbClr val="800080"/>
+      </a:folHlink>
+    </a:clrScheme>
+    <a:fontScheme name="Office">
+      <a:majorFont>
+        <a:latin typeface="Calibri"/>
+        <a:ea typeface=""/>
+        <a:cs typeface=""/>
+        <a:font script="Jpan" typeface="ＭＳ Ｐゴシック"/>
+        <a:font script="Hang" typeface="맑은 고딕"/>
+        <a:font script="Hans" typeface="宋体"/>
+        <a:font script="Hant" typeface="新細明體"/>
+        <a:font script="Arab" typeface="Times New Roman"/>
+        <a:font script="Hebr" typeface="Times New Roman"/>
+        <a:font script="Thai" typeface="Angsana New"/>
+        <a:font script="Ethi" typeface="Nyala"/>
+        <a:font script="Beng" typeface="Vrinda"/>
+        <a:font script="Gujr" typeface="Shruti"/>
+        <a:font script="Khmr" typeface="MoolBoran"/>
+        <a:font script="Knda" typeface="Tunga"/>
+        <a:font script="Guru" typeface="Raavi"/>
+        <a:font script="Cans" typeface="Euphemia"/>
+        <a:font script="Cher" typeface="Plantagenet Cherokee"/>
+        <a:font script="Yiii" typeface="Microsoft Yi Baiti"/>
+        <a:font script="Tibt" typeface="Microsoft Himalaya"/>
+        <a:font script="Thaa" typeface="MV Boli"/>
+        <a:font script="Deva" typeface="Mangal"/>
+        <a:font script="Telu" typeface="Gautami"/>
+        <a:font script="Taml" typeface="Latha"/>
+        <a:font script="Syrc" typeface="Estrangelo Edessa"/>
+        <a:font script="Orya" typeface="Kalinga"/>
+        <a:font script="Mlym" typeface="Kartika"/>
+        <a:font script="Laoo" typeface="DokChampa"/>
+        <a:font script="Sinh" typeface="Iskoola Pota"/>
+        <a:font script="Mong" typeface="Mongolian Baiti"/>
+        <a:font script="Viet" typeface="Times New Roman"/>
+        <a:font script="Uigh" typeface="Microsoft Uighur"/>
+      </a:majorFont>
+      <a:minorFont>
+        <a:latin typeface="Calibri"/>
+        <a:ea typeface=""/>
+        <a:cs typeface=""/>
+        <a:font script="Jpan" typeface="ＭＳ Ｐゴシック"/>
+        <a:font script="Hang" typeface="맑은 고딕"/>
+        <a:font script="Hans" typeface="宋体"/>
+        <a:font script="Hant" typeface="新細明體"/>
+        <a:font script="Arab" typeface="Arial"/>
+        <a:font script="Hebr" typeface="Arial"/>
+        <a:font script="Thai" typeface="Cordia New"/>
+        <a:font script="Ethi" typeface="Nyala"/>
+        <a:font script="Beng" typeface="Vrinda"/>
+        <a:font script="Gujr" typeface="Shruti"/>
+        <a:font script="Khmr" typeface="DaunPenh"/>
+        <a:font script="Knda" typeface="Tunga"/>
+        <a:font script="Guru" typeface="Raavi"/>
+        <a:font script="Cans" typeface="Euphemia"/>
+        <a:font script="Cher" typeface="Plantagenet Cherokee"/>
+        <a:font script="Yiii" typeface="Microsoft Yi Baiti"/>
+        <a:font script="Tibt" typeface="Microsoft Himalaya"/>
+        <a:font script="Thaa" typeface="MV Boli"/>
+        <a:font script="Deva" typeface="Mangal"/>
+        <a:font script="Telu" typeface="Gautami"/>
+        <a:font script="Taml" typeface="Latha"/>
+        <a:font script="Syrc" typeface="Estrangelo Edessa"/>
+        <a:font script="Orya" typeface="Kalinga"/>
+        <a:font script="Mlym" typeface="Kartika"/>
+        <a:font script="Laoo" typeface="DokChampa"/>
+        <a:font script="Sinh" typeface="Iskoola Pota"/>
+        <a:font script="Mong" typeface="Mongolian Baiti"/>
+        <a:font script="Viet" typeface="Arial"/>
+        <a:font script="Uigh" typeface="Microsoft Uighur"/>
+      </a:minorFont>
+    </a:fontScheme>
+    <a:fmtScheme name="Office">
+      <a:fillStyleLst>
+        <a:solidFill>
+          <a:schemeClr val="phClr"/>
+        </a:solidFill>
+        <a:gradFill rotWithShape="1">
+          <a:gsLst>
+            <a:gs pos="0">
+              <a:schemeClr val="phClr">
+                <a:tint val="50000"/>
+                <a:satMod val="300000"/>
+              </a:schemeClr>
+            </a:gs>
+            <a:gs pos="35000">
+              <a:schemeClr val="phClr">
+                <a:tint val="37000"/>
+                <a:satMod val="300000"/>
+              </a:schemeClr>
+            </a:gs>
+            <a:gs pos="100000">
+              <a:schemeClr val="phClr">
+                <a:tint val="15000"/>
+                <a:satMod val="350000"/>
+              </a:schemeClr>
+            </a:gs>
+          </a:gsLst>
+          <a:lin ang="16200000" scaled="1"/>
+        </a:gradFill>
+        <a:gradFill rotWithShape="1">
+          <a:gsLst>
+            <a:gs pos="0">
+              <a:schemeClr val="phClr">
+                <a:shade val="51000"/>
+                <a:satMod val="130000"/>
+              </a:schemeClr>
+            </a:gs>
+            <a:gs pos="80000">
+              <a:schemeClr val="phClr">
+                <a:shade val="93000"/>
+                <a:satMod val="130000"/>
+              </a:schemeClr>
+            </a:gs>
+            <a:gs pos="100000">
+              <a:schemeClr val="phClr">
+                <a:shade val="94000"/>
+                <a:satMod val="135000"/>
+              </a:schemeClr>
+            </a:gs>
+          </a:gsLst>
+          <a:lin ang="16200000" scaled="0"/>
+        </a:gradFill>
+      </a:fillStyleLst>
+      <a:lnStyleLst>
+        <a:ln w="9525" cap="flat" cmpd="sng" algn="ctr">
+          <a:solidFill>
+            <a:schemeClr val="phClr">
+              <a:shade val="95000"/>
+              <a:satMod val="105000"/>
+            </a:schemeClr>
+          </a:solidFill>
+          <a:prstDash val="solid"/>
+        </a:ln>
+        <a:ln w="25400" cap="flat" cmpd="sng" algn="ctr">
+          <a:solidFill>
+            <a:schemeClr val="phClr"/>
+          </a:solidFill>
+          <a:prstDash val="solid"/>
+        </a:ln>
+        <a:ln w="38100" cap="flat" cmpd="sng" algn="ctr">
+          <a:solidFill>
+            <a:schemeClr val="phClr"/>
+          </a:solidFill>
+          <a:prstDash val="solid"/>
+        </a:ln>
+      </a:lnStyleLst>
+      <a:effectStyleLst>
+        <a:effectStyle>
+          <a:effectLst>
+            <a:outerShdw blurRad="40000" dist="20000" dir="5400000" rotWithShape="0">
+              <a:srgbClr val="000000">
+                <a:alpha val="38000"/>
+              </a:srgbClr>
+            </a:outerShdw>
+          </a:effectLst>
+        </a:effectStyle>
+        <a:effectStyle>
+          <a:effectLst>
+            <a:outerShdw blurRad="40000" dist="23000" dir="5400000" rotWithShape="0">
+              <a:srgbClr val="000000">
+                <a:alpha val="35000"/>
+              </a:srgbClr>
+            </a:outerShdw>
+          </a:effectLst>
+        </a:effectStyle>
+        <a:effectStyle>
+          <a:effectLst>
+            <a:outerShdw blurRad="40000" dist="23000" dir="5400000" rotWithShape="0">
+              <a:srgbClr val="000000">
+                <a:alpha val="35000"/>
+              </a:srgbClr>
+            </a:outerShdw>
+          </a:effectLst>
+          <a:scene3d>
+            <a:camera prst="orthographicFront">
+              <a:rot lat="0" lon="0" rev="0"/>
+            </a:camera>
+            <a:lightRig rig="threePt" dir="t">
+              <a:rot lat="0" lon="0" rev="1200000"/>
+            </a:lightRig>
+          </a:scene3d>
+          <a:sp3d>
+            <a:bevelT w="63500" h="25400"/>
+          </a:sp3d>
+        </a:effectStyle>
+      </a:effectStyleLst>
+      <a:bgFillStyleLst>
+        <a:solidFill>
+          <a:schemeClr val="phClr"/>
+        </a:solidFill>
+        <a:gradFill rotWithShape="1">
+          <a:gsLst>
+            <a:gs pos="0">
+              <a:schemeClr val="phClr">
+                <a:tint val="40000"/>
+                <a:satMod val="350000"/>
+              </a:schemeClr>
+            </a:gs>
+            <a:gs pos="40000">
+              <a:schemeClr val="phClr">
+                <a:tint val="45000"/>
+                <a:shade val="99000"/>
+                <a:satMod val="350000"/>
+              </a:schemeClr>
+            </a:gs>
+            <a:gs pos="100000">
+              <a:schemeClr val="phClr">
+                <a:shade val="20000"/>
+                <a:satMod val="255000"/>
+              </a:schemeClr>
+            </a:gs>
+          </a:gsLst>
+          <a:path path="circle">
+            <a:fillToRect l="50000" t="-80000" r="50000" b="180000"/>
+          </a:path>
+        </a:gradFill>
+        <a:gradFill rotWithShape="1">
+          <a:gsLst>
+            <a:gs pos="0">
+              <a:schemeClr val="phClr">
+                <a:tint val="80000"/>
+                <a:satMod val="300000"/>
+              </a:schemeClr>
+            </a:gs>
+            <a:gs pos="100000">
+              <a:schemeClr val="phClr">
+                <a:shade val="30000"/>
+                <a:satMod val="200000"/>
+              </a:schemeClr>
+            </a:gs>
+          </a:gsLst>
+          <a:path path="circle">
+            <a:fillToRect l="50000" t="50000" r="50000" b="50000"/>
+          </a:path>
+        </a:gradFill>
+      </a:bgFillStyleLst>
+    </a:fmtScheme>
+  </a:themeElements>
+  <a:objectDefaults/>
+  <a:extraClrSchemeLst/>
+</a:theme>
 </file>
--- a/research/report/Apresentação.pptx
+++ b/research/report/Apresentação.pptx
@@ -128,7 +128,7 @@
   </p:defaultTextStyle>
   <p:extLst>
     <p:ext uri="{EFAFB233-063F-42B5-8137-9DF3F51BA10A}">
-      <p15:sldGuideLst xmlns:p15="http://schemas.microsoft.com/office/powerpoint/2012/main" xmlns="">
+      <p15:sldGuideLst xmlns="" xmlns:p15="http://schemas.microsoft.com/office/powerpoint/2012/main">
         <p15:guide id="1" orient="horz" pos="2160">
           <p15:clr>
             <a:srgbClr val="A4A3A4"/>
@@ -147,6 +147,7 @@
 
 <file path=ppt/charts/chart1.xml><?xml version="1.0" encoding="utf-8"?>
 <c:chartSpace xmlns:c="http://schemas.openxmlformats.org/drawingml/2006/chart" xmlns:a="http://schemas.openxmlformats.org/drawingml/2006/main" xmlns:r="http://schemas.openxmlformats.org/officeDocument/2006/relationships">
+  <c:date1904 val="1"/>
   <c:lang val="pt-PT"/>
   <c:chart>
     <c:title>
@@ -430,10 +431,10 @@
                   <c:v>3.06</c:v>
                 </c:pt>
                 <c:pt idx="1">
-                  <c:v>0.32200000000000006</c:v>
+                  <c:v>0.32200000000000012</c:v>
                 </c:pt>
                 <c:pt idx="2">
-                  <c:v>3.3299999999999996</c:v>
+                  <c:v>3.3299999999999992</c:v>
                 </c:pt>
                 <c:pt idx="3">
                   <c:v>3.17</c:v>
@@ -549,7 +550,7 @@
                   <c:v>1.06</c:v>
                 </c:pt>
                 <c:pt idx="2">
-                  <c:v>1.7200000000000002</c:v>
+                  <c:v>1.7200000000000004</c:v>
                 </c:pt>
                 <c:pt idx="3">
                   <c:v>2.17</c:v>
@@ -665,7 +666,7 @@
                   <c:v>0.98</c:v>
                 </c:pt>
                 <c:pt idx="2">
-                  <c:v>5.3599999999999994</c:v>
+                  <c:v>5.3599999999999985</c:v>
                 </c:pt>
                 <c:pt idx="3">
                   <c:v>5.21</c:v>
@@ -766,7 +767,7 @@
                   <c:v>3.54</c:v>
                 </c:pt>
                 <c:pt idx="1">
-                  <c:v>0.83000000000000007</c:v>
+                  <c:v>0.83000000000000018</c:v>
                 </c:pt>
                 <c:pt idx="2">
                   <c:v>3.73</c:v>
@@ -791,11 +792,11 @@
         </c:dLbls>
         <c:gapWidth val="444"/>
         <c:overlap val="-90"/>
-        <c:axId val="102079104"/>
-        <c:axId val="102097280"/>
+        <c:axId val="107587840"/>
+        <c:axId val="107593728"/>
       </c:barChart>
       <c:catAx>
-        <c:axId val="102079104"/>
+        <c:axId val="107587840"/>
         <c:scaling>
           <c:orientation val="minMax"/>
         </c:scaling>
@@ -850,14 +851,14 @@
             <a:endParaRPr lang="pt-PT"/>
           </a:p>
         </c:txPr>
-        <c:crossAx val="102097280"/>
+        <c:crossAx val="107593728"/>
         <c:crosses val="autoZero"/>
         <c:auto val="1"/>
         <c:lblAlgn val="ctr"/>
         <c:lblOffset val="100"/>
       </c:catAx>
       <c:valAx>
-        <c:axId val="102097280"/>
+        <c:axId val="107593728"/>
         <c:scaling>
           <c:orientation val="minMax"/>
         </c:scaling>
@@ -866,7 +867,7 @@
         <c:numFmt formatCode="General" sourceLinked="1"/>
         <c:majorTickMark val="none"/>
         <c:tickLblPos val="nextTo"/>
-        <c:crossAx val="102079104"/>
+        <c:crossAx val="107587840"/>
         <c:crosses val="autoZero"/>
         <c:crossBetween val="between"/>
       </c:valAx>
@@ -1259,7 +1260,7 @@
                   <c:v>74</c:v>
                 </c:pt>
                 <c:pt idx="1">
-                  <c:v>38.800000000000011</c:v>
+                  <c:v>38.800000000000004</c:v>
                 </c:pt>
                 <c:pt idx="2">
                   <c:v>33.9</c:v>
@@ -1405,7 +1406,7 @@
                   <c:v>182.6</c:v>
                 </c:pt>
                 <c:pt idx="5">
-                  <c:v>282.89999999999992</c:v>
+                  <c:v>282.89999999999986</c:v>
                 </c:pt>
                 <c:pt idx="6">
                   <c:v>302.3</c:v>
@@ -1711,14 +1712,13 @@
             </c:ext>
           </c:extLst>
         </c:ser>
-        <c:dLbls/>
         <c:gapWidth val="219"/>
         <c:overlap val="-27"/>
-        <c:axId val="104790656"/>
-        <c:axId val="104345984"/>
+        <c:axId val="109902080"/>
+        <c:axId val="109715456"/>
       </c:barChart>
       <c:catAx>
-        <c:axId val="104790656"/>
+        <c:axId val="109902080"/>
         <c:scaling>
           <c:orientation val="minMax"/>
         </c:scaling>
@@ -1759,14 +1759,14 @@
             <a:endParaRPr lang="pt-PT"/>
           </a:p>
         </c:txPr>
-        <c:crossAx val="104345984"/>
+        <c:crossAx val="109715456"/>
         <c:crosses val="autoZero"/>
         <c:auto val="1"/>
         <c:lblAlgn val="ctr"/>
         <c:lblOffset val="100"/>
       </c:catAx>
       <c:valAx>
-        <c:axId val="104345984"/>
+        <c:axId val="109715456"/>
         <c:scaling>
           <c:orientation val="minMax"/>
         </c:scaling>
@@ -1815,7 +1815,7 @@
             <a:endParaRPr lang="pt-PT"/>
           </a:p>
         </c:txPr>
-        <c:crossAx val="104790656"/>
+        <c:crossAx val="109902080"/>
         <c:crosses val="autoZero"/>
         <c:crossBetween val="between"/>
       </c:valAx>
@@ -1892,6 +1892,7 @@
 
 <file path=ppt/charts/chart11.xml><?xml version="1.0" encoding="utf-8"?>
 <c:chartSpace xmlns:c="http://schemas.openxmlformats.org/drawingml/2006/chart" xmlns:a="http://schemas.openxmlformats.org/drawingml/2006/main" xmlns:r="http://schemas.openxmlformats.org/officeDocument/2006/relationships">
+  <c:date1904 val="1"/>
   <c:lang val="pt-PT"/>
   <c:chart>
     <c:title>
@@ -2303,7 +2304,7 @@
                   <c:v>94.57</c:v>
                 </c:pt>
                 <c:pt idx="6">
-                  <c:v>94.460000000000008</c:v>
+                  <c:v>94.460000000000022</c:v>
                 </c:pt>
                 <c:pt idx="7">
                   <c:v>87.38</c:v>
@@ -2324,7 +2325,7 @@
                   <c:v>96</c:v>
                 </c:pt>
                 <c:pt idx="13">
-                  <c:v>95.240000000000009</c:v>
+                  <c:v>95.240000000000023</c:v>
                 </c:pt>
                 <c:pt idx="14">
                   <c:v>95.61999999999999</c:v>
@@ -2430,10 +2431,10 @@
                   <c:v>46.97</c:v>
                 </c:pt>
                 <c:pt idx="1">
-                  <c:v>61.260000000000005</c:v>
+                  <c:v>61.260000000000012</c:v>
                 </c:pt>
                 <c:pt idx="2">
-                  <c:v>63.949999999999996</c:v>
+                  <c:v>63.95</c:v>
                 </c:pt>
                 <c:pt idx="3">
                   <c:v>62.17</c:v>
@@ -2614,14 +2615,13 @@
             </c:ext>
           </c:extLst>
         </c:ser>
-        <c:dLbls/>
         <c:gapWidth val="219"/>
         <c:overlap val="-27"/>
-        <c:axId val="104831616"/>
-        <c:axId val="104849792"/>
+        <c:axId val="109820160"/>
+        <c:axId val="110034944"/>
       </c:barChart>
       <c:catAx>
-        <c:axId val="104831616"/>
+        <c:axId val="109820160"/>
         <c:scaling>
           <c:orientation val="minMax"/>
         </c:scaling>
@@ -2662,14 +2662,14 @@
             <a:endParaRPr lang="pt-PT"/>
           </a:p>
         </c:txPr>
-        <c:crossAx val="104849792"/>
+        <c:crossAx val="110034944"/>
         <c:crosses val="autoZero"/>
         <c:auto val="1"/>
         <c:lblAlgn val="ctr"/>
         <c:lblOffset val="100"/>
       </c:catAx>
       <c:valAx>
-        <c:axId val="104849792"/>
+        <c:axId val="110034944"/>
         <c:scaling>
           <c:orientation val="minMax"/>
         </c:scaling>
@@ -2718,7 +2718,7 @@
             <a:endParaRPr lang="pt-PT"/>
           </a:p>
         </c:txPr>
-        <c:crossAx val="104831616"/>
+        <c:crossAx val="109820160"/>
         <c:crosses val="autoZero"/>
         <c:crossBetween val="between"/>
       </c:valAx>
@@ -2795,6 +2795,7 @@
 
 <file path=ppt/charts/chart12.xml><?xml version="1.0" encoding="utf-8"?>
 <c:chartSpace xmlns:c="http://schemas.openxmlformats.org/drawingml/2006/chart" xmlns:a="http://schemas.openxmlformats.org/drawingml/2006/main" xmlns:r="http://schemas.openxmlformats.org/officeDocument/2006/relationships">
+  <c:date1904 val="1"/>
   <c:lang val="pt-PT"/>
   <c:chart>
     <c:title>
@@ -3176,7 +3177,7 @@
                 <c:formatCode>General</c:formatCode>
                 <c:ptCount val="15"/>
                 <c:pt idx="0">
-                  <c:v>39.300000000000011</c:v>
+                  <c:v>39.300000000000004</c:v>
                 </c:pt>
                 <c:pt idx="1">
                   <c:v>82.6</c:v>
@@ -3203,7 +3204,7 @@
                   <c:v>98.7</c:v>
                 </c:pt>
                 <c:pt idx="9">
-                  <c:v>37.300000000000011</c:v>
+                  <c:v>37.300000000000004</c:v>
                 </c:pt>
                 <c:pt idx="10">
                   <c:v>99.3</c:v>
@@ -3229,10 +3230,9 @@
             </c:ext>
           </c:extLst>
         </c:ser>
-        <c:dLbls/>
         <c:marker val="1"/>
-        <c:axId val="105059072"/>
-        <c:axId val="105060608"/>
+        <c:axId val="110342528"/>
+        <c:axId val="110344064"/>
         <c:extLst xmlns:c16r2="http://schemas.microsoft.com/office/drawing/2015/06/chart">
           <c:ext xmlns:c15="http://schemas.microsoft.com/office/drawing/2012/chart" uri="{02D57815-91ED-43cb-92C2-25804820EDAC}">
             <c15:filteredLineSeries>
@@ -3599,7 +3599,7 @@
         </c:extLst>
       </c:lineChart>
       <c:catAx>
-        <c:axId val="105059072"/>
+        <c:axId val="110342528"/>
         <c:scaling>
           <c:orientation val="minMax"/>
         </c:scaling>
@@ -3639,14 +3639,14 @@
             <a:endParaRPr lang="pt-PT"/>
           </a:p>
         </c:txPr>
-        <c:crossAx val="105060608"/>
+        <c:crossAx val="110344064"/>
         <c:crosses val="autoZero"/>
         <c:auto val="1"/>
         <c:lblAlgn val="ctr"/>
         <c:lblOffset val="100"/>
       </c:catAx>
       <c:valAx>
-        <c:axId val="105060608"/>
+        <c:axId val="110344064"/>
         <c:scaling>
           <c:orientation val="minMax"/>
         </c:scaling>
@@ -3694,7 +3694,7 @@
             <a:endParaRPr lang="pt-PT"/>
           </a:p>
         </c:txPr>
-        <c:crossAx val="105059072"/>
+        <c:crossAx val="110342528"/>
         <c:crosses val="autoZero"/>
         <c:crossBetween val="between"/>
       </c:valAx>
@@ -3803,6 +3803,469 @@
 </file>
 
 <file path=ppt/charts/chart13.xml><?xml version="1.0" encoding="utf-8"?>
+<c:chartSpace xmlns:c="http://schemas.openxmlformats.org/drawingml/2006/chart" xmlns:a="http://schemas.openxmlformats.org/drawingml/2006/main" xmlns:r="http://schemas.openxmlformats.org/officeDocument/2006/relationships">
+  <c:date1904 val="1"/>
+  <c:lang val="pt-PT"/>
+  <c:chart>
+    <c:title>
+      <c:tx>
+        <c:rich>
+          <a:bodyPr rot="0" spcFirstLastPara="1" vertOverflow="ellipsis" vert="horz" wrap="square" anchor="ctr" anchorCtr="1"/>
+          <a:lstStyle/>
+          <a:p>
+            <a:pPr>
+              <a:defRPr sz="1600" b="1" i="0" u="none" strike="noStrike" kern="1200" cap="all" spc="120" normalizeH="0" baseline="0">
+                <a:solidFill>
+                  <a:schemeClr val="tx1">
+                    <a:lumMod val="65000"/>
+                    <a:lumOff val="35000"/>
+                  </a:schemeClr>
+                </a:solidFill>
+                <a:latin typeface="+mn-lt"/>
+                <a:ea typeface="+mn-ea"/>
+                <a:cs typeface="+mn-cs"/>
+              </a:defRPr>
+            </a:pPr>
+            <a:r>
+              <a:rPr lang="pt-PT"/>
+              <a:t>Comparação do Cmp ger.10</a:t>
+            </a:r>
+          </a:p>
+          <a:p>
+            <a:pPr>
+              <a:defRPr sz="1600" b="1" i="0" u="none" strike="noStrike" kern="1200" cap="all" spc="120" normalizeH="0" baseline="0">
+                <a:solidFill>
+                  <a:schemeClr val="tx1">
+                    <a:lumMod val="65000"/>
+                    <a:lumOff val="35000"/>
+                  </a:schemeClr>
+                </a:solidFill>
+                <a:latin typeface="+mn-lt"/>
+                <a:ea typeface="+mn-ea"/>
+                <a:cs typeface="+mn-cs"/>
+              </a:defRPr>
+            </a:pPr>
+            <a:r>
+              <a:rPr lang="pt-PT"/>
+              <a:t>com</a:t>
+            </a:r>
+            <a:r>
+              <a:rPr lang="pt-PT" baseline="0"/>
+              <a:t> outros algoritmos</a:t>
+            </a:r>
+            <a:endParaRPr lang="pt-PT"/>
+          </a:p>
+        </c:rich>
+      </c:tx>
+      <c:layout/>
+      <c:spPr>
+        <a:noFill/>
+        <a:ln>
+          <a:noFill/>
+        </a:ln>
+        <a:effectLst/>
+      </c:spPr>
+    </c:title>
+    <c:plotArea>
+      <c:layout/>
+      <c:barChart>
+        <c:barDir val="col"/>
+        <c:grouping val="clustered"/>
+        <c:ser>
+          <c:idx val="0"/>
+          <c:order val="0"/>
+          <c:tx>
+            <c:v>Média da Taxa de Compressão</c:v>
+          </c:tx>
+          <c:spPr>
+            <a:solidFill>
+              <a:schemeClr val="accent1"/>
+            </a:solidFill>
+            <a:ln>
+              <a:noFill/>
+            </a:ln>
+            <a:effectLst/>
+          </c:spPr>
+          <c:dLbls>
+            <c:spPr>
+              <a:noFill/>
+              <a:ln>
+                <a:noFill/>
+              </a:ln>
+              <a:effectLst/>
+            </c:spPr>
+            <c:txPr>
+              <a:bodyPr rot="-5400000" spcFirstLastPara="1" vertOverflow="clip" horzOverflow="clip" vert="horz" wrap="square" lIns="38100" tIns="19050" rIns="38100" bIns="19050" anchor="ctr" anchorCtr="1">
+                <a:spAutoFit/>
+              </a:bodyPr>
+              <a:lstStyle/>
+              <a:p>
+                <a:pPr>
+                  <a:defRPr sz="800" b="0" i="0" u="none" strike="noStrike" kern="1200" baseline="0">
+                    <a:solidFill>
+                      <a:schemeClr val="tx1">
+                        <a:lumMod val="50000"/>
+                        <a:lumOff val="50000"/>
+                      </a:schemeClr>
+                    </a:solidFill>
+                    <a:latin typeface="+mn-lt"/>
+                    <a:ea typeface="+mn-ea"/>
+                    <a:cs typeface="+mn-cs"/>
+                  </a:defRPr>
+                </a:pPr>
+                <a:endParaRPr lang="pt-PT"/>
+              </a:p>
+            </c:txPr>
+            <c:dLblPos val="outEnd"/>
+            <c:showVal val="1"/>
+            <c:extLst xmlns:c16r2="http://schemas.microsoft.com/office/drawing/2015/06/chart">
+              <c:ext xmlns:c15="http://schemas.microsoft.com/office/drawing/2012/chart" uri="{CE6537A1-D6FC-4f65-9D91-7224C49458BB}">
+                <c15:showLeaderLines val="1"/>
+                <c15:leaderLines>
+                  <c:spPr>
+                    <a:ln w="9525">
+                      <a:solidFill>
+                        <a:schemeClr val="tx1">
+                          <a:lumMod val="35000"/>
+                          <a:lumOff val="65000"/>
+                        </a:schemeClr>
+                      </a:solidFill>
+                    </a:ln>
+                    <a:effectLst/>
+                  </c:spPr>
+                </c15:leaderLines>
+              </c:ext>
+            </c:extLst>
+          </c:dLbls>
+          <c:cat>
+            <c:strLit>
+              <c:ptCount val="5"/>
+              <c:pt idx="0">
+                <c:v>Jpeg2000 Parte 1</c:v>
+              </c:pt>
+              <c:pt idx="1">
+                <c:v>Jpeg</c:v>
+              </c:pt>
+              <c:pt idx="2">
+                <c:v>Bzip2</c:v>
+              </c:pt>
+              <c:pt idx="3">
+                <c:v>Png</c:v>
+              </c:pt>
+              <c:pt idx="4">
+                <c:v>Cmp10</c:v>
+              </c:pt>
+            </c:strLit>
+          </c:cat>
+          <c:val>
+            <c:numRef>
+              <c:f>Folha1!$A$200:$E$200</c:f>
+              <c:numCache>
+                <c:formatCode>General</c:formatCode>
+                <c:ptCount val="5"/>
+                <c:pt idx="0">
+                  <c:v>78.260000000000005</c:v>
+                </c:pt>
+                <c:pt idx="1">
+                  <c:v>95.710000000000022</c:v>
+                </c:pt>
+                <c:pt idx="2">
+                  <c:v>75.940000000000026</c:v>
+                </c:pt>
+                <c:pt idx="3">
+                  <c:v>76.48</c:v>
+                </c:pt>
+                <c:pt idx="4">
+                  <c:v>76.400000000000006</c:v>
+                </c:pt>
+              </c:numCache>
+            </c:numRef>
+          </c:val>
+          <c:extLst xmlns:c16r2="http://schemas.microsoft.com/office/drawing/2015/06/chart">
+            <c:ext xmlns:c16="http://schemas.microsoft.com/office/drawing/2014/chart" uri="{C3380CC4-5D6E-409C-BE32-E72D297353CC}">
+              <c16:uniqueId val="{00000000-6112-4BA9-A4EE-147C138900ED}"/>
+            </c:ext>
+          </c:extLst>
+        </c:ser>
+        <c:ser>
+          <c:idx val="1"/>
+          <c:order val="1"/>
+          <c:tx>
+            <c:v>Média do Tempo Total</c:v>
+          </c:tx>
+          <c:spPr>
+            <a:solidFill>
+              <a:schemeClr val="accent2"/>
+            </a:solidFill>
+            <a:ln>
+              <a:noFill/>
+            </a:ln>
+            <a:effectLst/>
+          </c:spPr>
+          <c:dLbls>
+            <c:spPr>
+              <a:noFill/>
+              <a:ln>
+                <a:noFill/>
+              </a:ln>
+              <a:effectLst/>
+            </c:spPr>
+            <c:txPr>
+              <a:bodyPr rot="-5400000" spcFirstLastPara="1" vertOverflow="clip" horzOverflow="clip" vert="horz" wrap="square" lIns="38100" tIns="19050" rIns="38100" bIns="19050" anchor="ctr" anchorCtr="1">
+                <a:spAutoFit/>
+              </a:bodyPr>
+              <a:lstStyle/>
+              <a:p>
+                <a:pPr>
+                  <a:defRPr sz="800" b="0" i="0" u="none" strike="noStrike" kern="1200" baseline="0">
+                    <a:solidFill>
+                      <a:schemeClr val="tx1">
+                        <a:lumMod val="50000"/>
+                        <a:lumOff val="50000"/>
+                      </a:schemeClr>
+                    </a:solidFill>
+                    <a:latin typeface="+mn-lt"/>
+                    <a:ea typeface="+mn-ea"/>
+                    <a:cs typeface="+mn-cs"/>
+                  </a:defRPr>
+                </a:pPr>
+                <a:endParaRPr lang="pt-PT"/>
+              </a:p>
+            </c:txPr>
+            <c:dLblPos val="outEnd"/>
+            <c:showVal val="1"/>
+            <c:extLst xmlns:c16r2="http://schemas.microsoft.com/office/drawing/2015/06/chart">
+              <c:ext xmlns:c15="http://schemas.microsoft.com/office/drawing/2012/chart" uri="{CE6537A1-D6FC-4f65-9D91-7224C49458BB}">
+                <c15:showLeaderLines val="1"/>
+                <c15:leaderLines>
+                  <c:spPr>
+                    <a:ln w="9525">
+                      <a:solidFill>
+                        <a:schemeClr val="tx1">
+                          <a:lumMod val="35000"/>
+                          <a:lumOff val="65000"/>
+                        </a:schemeClr>
+                      </a:solidFill>
+                    </a:ln>
+                    <a:effectLst/>
+                  </c:spPr>
+                </c15:leaderLines>
+              </c:ext>
+            </c:extLst>
+          </c:dLbls>
+          <c:cat>
+            <c:strLit>
+              <c:ptCount val="5"/>
+              <c:pt idx="0">
+                <c:v>Jpeg2000 Parte 1</c:v>
+              </c:pt>
+              <c:pt idx="1">
+                <c:v>Jpeg</c:v>
+              </c:pt>
+              <c:pt idx="2">
+                <c:v>Bzip2</c:v>
+              </c:pt>
+              <c:pt idx="3">
+                <c:v>Png</c:v>
+              </c:pt>
+              <c:pt idx="4">
+                <c:v>Cmp10</c:v>
+              </c:pt>
+            </c:strLit>
+          </c:cat>
+          <c:val>
+            <c:numRef>
+              <c:f>Folha1!$A$201:$E$201</c:f>
+              <c:numCache>
+                <c:formatCode>General</c:formatCode>
+                <c:ptCount val="5"/>
+                <c:pt idx="0">
+                  <c:v>10.91</c:v>
+                </c:pt>
+                <c:pt idx="1">
+                  <c:v>0.54</c:v>
+                </c:pt>
+                <c:pt idx="2">
+                  <c:v>1.87</c:v>
+                </c:pt>
+                <c:pt idx="3">
+                  <c:v>0</c:v>
+                </c:pt>
+                <c:pt idx="4">
+                  <c:v>18.600000000000001</c:v>
+                </c:pt>
+              </c:numCache>
+            </c:numRef>
+          </c:val>
+          <c:extLst xmlns:c16r2="http://schemas.microsoft.com/office/drawing/2015/06/chart">
+            <c:ext xmlns:c16="http://schemas.microsoft.com/office/drawing/2014/chart" uri="{C3380CC4-5D6E-409C-BE32-E72D297353CC}">
+              <c16:uniqueId val="{00000001-6112-4BA9-A4EE-147C138900ED}"/>
+            </c:ext>
+          </c:extLst>
+        </c:ser>
+        <c:dLbls>
+          <c:showVal val="1"/>
+        </c:dLbls>
+        <c:gapWidth val="444"/>
+        <c:overlap val="-90"/>
+        <c:axId val="150309888"/>
+        <c:axId val="150341888"/>
+      </c:barChart>
+      <c:catAx>
+        <c:axId val="150309888"/>
+        <c:scaling>
+          <c:orientation val="minMax"/>
+        </c:scaling>
+        <c:axPos val="b"/>
+        <c:majorGridlines>
+          <c:spPr>
+            <a:ln w="9525" cap="flat" cmpd="sng" algn="ctr">
+              <a:solidFill>
+                <a:schemeClr val="tx1">
+                  <a:lumMod val="15000"/>
+                  <a:lumOff val="85000"/>
+                </a:schemeClr>
+              </a:solidFill>
+              <a:round/>
+            </a:ln>
+            <a:effectLst/>
+          </c:spPr>
+        </c:majorGridlines>
+        <c:numFmt formatCode="General" sourceLinked="1"/>
+        <c:majorTickMark val="none"/>
+        <c:tickLblPos val="nextTo"/>
+        <c:spPr>
+          <a:noFill/>
+          <a:ln w="9525" cap="flat" cmpd="sng" algn="ctr">
+            <a:solidFill>
+              <a:schemeClr val="tx1">
+                <a:lumMod val="15000"/>
+                <a:lumOff val="85000"/>
+              </a:schemeClr>
+            </a:solidFill>
+            <a:round/>
+          </a:ln>
+          <a:effectLst/>
+        </c:spPr>
+        <c:txPr>
+          <a:bodyPr rot="-60000000" spcFirstLastPara="1" vertOverflow="ellipsis" vert="horz" wrap="square" anchor="ctr" anchorCtr="1"/>
+          <a:lstStyle/>
+          <a:p>
+            <a:pPr>
+              <a:defRPr sz="800" b="0" i="0" u="none" strike="noStrike" kern="1200" cap="all" spc="120" normalizeH="0" baseline="0">
+                <a:solidFill>
+                  <a:schemeClr val="tx1">
+                    <a:lumMod val="65000"/>
+                    <a:lumOff val="35000"/>
+                  </a:schemeClr>
+                </a:solidFill>
+                <a:latin typeface="+mn-lt"/>
+                <a:ea typeface="+mn-ea"/>
+                <a:cs typeface="+mn-cs"/>
+              </a:defRPr>
+            </a:pPr>
+            <a:endParaRPr lang="pt-PT"/>
+          </a:p>
+        </c:txPr>
+        <c:crossAx val="150341888"/>
+        <c:crosses val="autoZero"/>
+        <c:auto val="1"/>
+        <c:lblAlgn val="ctr"/>
+        <c:lblOffset val="100"/>
+      </c:catAx>
+      <c:valAx>
+        <c:axId val="150341888"/>
+        <c:scaling>
+          <c:orientation val="minMax"/>
+        </c:scaling>
+        <c:delete val="1"/>
+        <c:axPos val="l"/>
+        <c:numFmt formatCode="General" sourceLinked="1"/>
+        <c:majorTickMark val="none"/>
+        <c:tickLblPos val="nextTo"/>
+        <c:crossAx val="150309888"/>
+        <c:crosses val="autoZero"/>
+        <c:crossBetween val="between"/>
+      </c:valAx>
+      <c:dTable>
+        <c:showHorzBorder val="1"/>
+        <c:showVertBorder val="1"/>
+        <c:showOutline val="1"/>
+        <c:showKeys val="1"/>
+        <c:spPr>
+          <a:noFill/>
+          <a:ln w="9525">
+            <a:solidFill>
+              <a:schemeClr val="tx1">
+                <a:lumMod val="15000"/>
+                <a:lumOff val="85000"/>
+              </a:schemeClr>
+            </a:solidFill>
+          </a:ln>
+          <a:effectLst/>
+        </c:spPr>
+        <c:txPr>
+          <a:bodyPr rot="0" spcFirstLastPara="1" vertOverflow="ellipsis" vert="horz" wrap="square" anchor="ctr" anchorCtr="1"/>
+          <a:lstStyle/>
+          <a:p>
+            <a:pPr rtl="0">
+              <a:defRPr sz="900" b="0" i="0" u="none" strike="noStrike" kern="1200" baseline="0">
+                <a:solidFill>
+                  <a:schemeClr val="tx1">
+                    <a:lumMod val="65000"/>
+                    <a:lumOff val="35000"/>
+                  </a:schemeClr>
+                </a:solidFill>
+                <a:latin typeface="+mn-lt"/>
+                <a:ea typeface="+mn-ea"/>
+                <a:cs typeface="+mn-cs"/>
+              </a:defRPr>
+            </a:pPr>
+            <a:endParaRPr lang="pt-PT"/>
+          </a:p>
+        </c:txPr>
+      </c:dTable>
+      <c:spPr>
+        <a:noFill/>
+        <a:ln>
+          <a:noFill/>
+        </a:ln>
+        <a:effectLst/>
+      </c:spPr>
+    </c:plotArea>
+    <c:plotVisOnly val="1"/>
+    <c:dispBlanksAs val="gap"/>
+  </c:chart>
+  <c:spPr>
+    <a:solidFill>
+      <a:schemeClr val="lt1"/>
+    </a:solidFill>
+    <a:ln w="9525" cap="flat" cmpd="sng" algn="ctr">
+      <a:solidFill>
+        <a:schemeClr val="tx1">
+          <a:lumMod val="15000"/>
+          <a:lumOff val="85000"/>
+        </a:schemeClr>
+      </a:solidFill>
+      <a:round/>
+    </a:ln>
+    <a:effectLst/>
+  </c:spPr>
+  <c:txPr>
+    <a:bodyPr/>
+    <a:lstStyle/>
+    <a:p>
+      <a:pPr>
+        <a:defRPr/>
+      </a:pPr>
+      <a:endParaRPr lang="pt-PT"/>
+    </a:p>
+  </c:txPr>
+  <c:externalData r:id="rId1"/>
+</c:chartSpace>
+</file>
+
+<file path=ppt/charts/chart14.xml><?xml version="1.0" encoding="utf-8"?>
 <c:chartSpace xmlns:c="http://schemas.openxmlformats.org/drawingml/2006/chart" xmlns:a="http://schemas.openxmlformats.org/drawingml/2006/main" xmlns:r="http://schemas.openxmlformats.org/officeDocument/2006/relationships">
   <c:lang val="pt-PT"/>
   <c:chart>
@@ -4000,11 +4463,11 @@
         </c:dLbls>
         <c:gapWidth val="227"/>
         <c:overlap val="-48"/>
-        <c:axId val="104927232"/>
-        <c:axId val="104928768"/>
+        <c:axId val="110361984"/>
+        <c:axId val="110392448"/>
       </c:barChart>
       <c:catAx>
-        <c:axId val="104927232"/>
+        <c:axId val="110361984"/>
         <c:scaling>
           <c:orientation val="minMax"/>
         </c:scaling>
@@ -4045,14 +4508,14 @@
             <a:endParaRPr lang="pt-PT"/>
           </a:p>
         </c:txPr>
-        <c:crossAx val="104928768"/>
+        <c:crossAx val="110392448"/>
         <c:crosses val="autoZero"/>
         <c:auto val="1"/>
         <c:lblAlgn val="ctr"/>
         <c:lblOffset val="100"/>
       </c:catAx>
       <c:valAx>
-        <c:axId val="104928768"/>
+        <c:axId val="110392448"/>
         <c:scaling>
           <c:orientation val="minMax"/>
         </c:scaling>
@@ -4087,7 +4550,7 @@
             <a:endParaRPr lang="pt-PT"/>
           </a:p>
         </c:txPr>
-        <c:crossAx val="104927232"/>
+        <c:crossAx val="110361984"/>
         <c:crosses val="autoZero"/>
         <c:crossBetween val="between"/>
       </c:valAx>
@@ -4123,8 +4586,9 @@
 </c:chartSpace>
 </file>
 
-<file path=ppt/charts/chart14.xml><?xml version="1.0" encoding="utf-8"?>
+<file path=ppt/charts/chart15.xml><?xml version="1.0" encoding="utf-8"?>
 <c:chartSpace xmlns:c="http://schemas.openxmlformats.org/drawingml/2006/chart" xmlns:a="http://schemas.openxmlformats.org/drawingml/2006/main" xmlns:r="http://schemas.openxmlformats.org/officeDocument/2006/relationships">
+  <c:date1904 val="1"/>
   <c:lang val="pt-PT"/>
   <c:chart>
     <c:title>
@@ -4326,11 +4790,11 @@
         </c:dLbls>
         <c:gapWidth val="227"/>
         <c:overlap val="-48"/>
-        <c:axId val="104957440"/>
-        <c:axId val="104958976"/>
+        <c:axId val="110437504"/>
+        <c:axId val="110439040"/>
       </c:barChart>
       <c:catAx>
-        <c:axId val="104957440"/>
+        <c:axId val="110437504"/>
         <c:scaling>
           <c:orientation val="minMax"/>
         </c:scaling>
@@ -4371,14 +4835,14 @@
             <a:endParaRPr lang="pt-PT"/>
           </a:p>
         </c:txPr>
-        <c:crossAx val="104958976"/>
+        <c:crossAx val="110439040"/>
         <c:crosses val="autoZero"/>
         <c:auto val="1"/>
         <c:lblAlgn val="ctr"/>
         <c:lblOffset val="100"/>
       </c:catAx>
       <c:valAx>
-        <c:axId val="104958976"/>
+        <c:axId val="110439040"/>
         <c:scaling>
           <c:orientation val="minMax"/>
         </c:scaling>
@@ -4413,7 +4877,7 @@
             <a:endParaRPr lang="pt-PT"/>
           </a:p>
         </c:txPr>
-        <c:crossAx val="104957440"/>
+        <c:crossAx val="110437504"/>
         <c:crosses val="autoZero"/>
         <c:crossBetween val="between"/>
       </c:valAx>
@@ -4449,7 +4913,7 @@
 </c:chartSpace>
 </file>
 
-<file path=ppt/charts/chart15.xml><?xml version="1.0" encoding="utf-8"?>
+<file path=ppt/charts/chart16.xml><?xml version="1.0" encoding="utf-8"?>
 <c:chartSpace xmlns:c="http://schemas.openxmlformats.org/drawingml/2006/chart" xmlns:a="http://schemas.openxmlformats.org/drawingml/2006/main" xmlns:r="http://schemas.openxmlformats.org/officeDocument/2006/relationships">
   <c:lang val="pt-PT"/>
   <c:chart>
@@ -4642,11 +5106,11 @@
         </c:dLbls>
         <c:gapWidth val="227"/>
         <c:overlap val="-48"/>
-        <c:axId val="105327616"/>
-        <c:axId val="105337600"/>
+        <c:axId val="110480000"/>
+        <c:axId val="110756224"/>
       </c:barChart>
       <c:catAx>
-        <c:axId val="105327616"/>
+        <c:axId val="110480000"/>
         <c:scaling>
           <c:orientation val="minMax"/>
         </c:scaling>
@@ -4687,14 +5151,14 @@
             <a:endParaRPr lang="pt-PT"/>
           </a:p>
         </c:txPr>
-        <c:crossAx val="105337600"/>
+        <c:crossAx val="110756224"/>
         <c:crosses val="autoZero"/>
         <c:auto val="1"/>
         <c:lblAlgn val="ctr"/>
         <c:lblOffset val="100"/>
       </c:catAx>
       <c:valAx>
-        <c:axId val="105337600"/>
+        <c:axId val="110756224"/>
         <c:scaling>
           <c:orientation val="minMax"/>
         </c:scaling>
@@ -4729,7 +5193,7 @@
             <a:endParaRPr lang="pt-PT"/>
           </a:p>
         </c:txPr>
-        <c:crossAx val="105327616"/>
+        <c:crossAx val="110480000"/>
         <c:crosses val="autoZero"/>
         <c:crossBetween val="between"/>
       </c:valAx>
@@ -4767,6 +5231,7 @@
 
 <file path=ppt/charts/chart2.xml><?xml version="1.0" encoding="utf-8"?>
 <c:chartSpace xmlns:c="http://schemas.openxmlformats.org/drawingml/2006/chart" xmlns:a="http://schemas.openxmlformats.org/drawingml/2006/main" xmlns:r="http://schemas.openxmlformats.org/officeDocument/2006/relationships">
+  <c:date1904 val="1"/>
   <c:lang val="pt-PT"/>
   <c:chart>
     <c:title>
@@ -5045,10 +5510,10 @@
                   <c:v>3.54</c:v>
                 </c:pt>
                 <c:pt idx="1">
-                  <c:v>0.15000000000000002</c:v>
+                  <c:v>0.15000000000000005</c:v>
                 </c:pt>
                 <c:pt idx="2">
-                  <c:v>0.97000000000000008</c:v>
+                  <c:v>0.9700000000000002</c:v>
                 </c:pt>
                 <c:pt idx="3">
                   <c:v>0</c:v>
@@ -5378,10 +5843,10 @@
                 <c:formatCode>General</c:formatCode>
                 <c:ptCount val="5"/>
                 <c:pt idx="0">
-                  <c:v>5.9700000000000006</c:v>
+                  <c:v>5.9700000000000015</c:v>
                 </c:pt>
                 <c:pt idx="1">
-                  <c:v>0.31000000000000005</c:v>
+                  <c:v>0.31000000000000011</c:v>
                 </c:pt>
                 <c:pt idx="2">
                   <c:v>1.1100000000000001</c:v>
@@ -5406,11 +5871,11 @@
         </c:dLbls>
         <c:gapWidth val="444"/>
         <c:overlap val="-90"/>
-        <c:axId val="102658048"/>
-        <c:axId val="102659584"/>
+        <c:axId val="108072320"/>
+        <c:axId val="108094592"/>
       </c:barChart>
       <c:catAx>
-        <c:axId val="102658048"/>
+        <c:axId val="108072320"/>
         <c:scaling>
           <c:orientation val="minMax"/>
         </c:scaling>
@@ -5465,14 +5930,14 @@
             <a:endParaRPr lang="pt-PT"/>
           </a:p>
         </c:txPr>
-        <c:crossAx val="102659584"/>
+        <c:crossAx val="108094592"/>
         <c:crosses val="autoZero"/>
         <c:auto val="1"/>
         <c:lblAlgn val="ctr"/>
         <c:lblOffset val="100"/>
       </c:catAx>
       <c:valAx>
-        <c:axId val="102659584"/>
+        <c:axId val="108094592"/>
         <c:scaling>
           <c:orientation val="minMax"/>
         </c:scaling>
@@ -5481,7 +5946,7 @@
         <c:numFmt formatCode="General" sourceLinked="1"/>
         <c:majorTickMark val="none"/>
         <c:tickLblPos val="nextTo"/>
-        <c:crossAx val="102658048"/>
+        <c:crossAx val="108072320"/>
         <c:crosses val="autoZero"/>
         <c:crossBetween val="between"/>
       </c:valAx>
@@ -5734,7 +6199,7 @@
                   <c:v>0</c:v>
                 </c:pt>
                 <c:pt idx="4">
-                  <c:v>0.75000000000000011</c:v>
+                  <c:v>0.75000000000000022</c:v>
                 </c:pt>
               </c:numCache>
             </c:numRef>
@@ -5849,19 +6314,19 @@
                 <c:formatCode>General</c:formatCode>
                 <c:ptCount val="5"/>
                 <c:pt idx="0">
-                  <c:v>2.8299999999999996</c:v>
+                  <c:v>2.8299999999999992</c:v>
                 </c:pt>
                 <c:pt idx="1">
-                  <c:v>0.12000000000000001</c:v>
+                  <c:v>0.12000000000000002</c:v>
                 </c:pt>
                 <c:pt idx="2">
-                  <c:v>0.6100000000000001</c:v>
+                  <c:v>0.61000000000000021</c:v>
                 </c:pt>
                 <c:pt idx="3">
                   <c:v>0</c:v>
                 </c:pt>
                 <c:pt idx="4">
-                  <c:v>0.41000000000000003</c:v>
+                  <c:v>0.41000000000000009</c:v>
                 </c:pt>
               </c:numCache>
             </c:numRef>
@@ -5979,7 +6444,7 @@
                   <c:v>8.59</c:v>
                 </c:pt>
                 <c:pt idx="1">
-                  <c:v>0.42000000000000004</c:v>
+                  <c:v>0.4200000000000001</c:v>
                 </c:pt>
                 <c:pt idx="2">
                   <c:v>0.68</c:v>
@@ -5988,7 +6453,7 @@
                   <c:v>0</c:v>
                 </c:pt>
                 <c:pt idx="4">
-                  <c:v>0.8600000000000001</c:v>
+                  <c:v>0.86000000000000021</c:v>
                 </c:pt>
               </c:numCache>
             </c:numRef>
@@ -6109,13 +6574,13 @@
                   <c:v>0.19</c:v>
                 </c:pt>
                 <c:pt idx="2">
-                  <c:v>0.8600000000000001</c:v>
+                  <c:v>0.86000000000000021</c:v>
                 </c:pt>
                 <c:pt idx="3">
                   <c:v>0</c:v>
                 </c:pt>
                 <c:pt idx="4">
-                  <c:v>0.95000000000000007</c:v>
+                  <c:v>0.95000000000000018</c:v>
                 </c:pt>
               </c:numCache>
             </c:numRef>
@@ -6213,13 +6678,13 @@
                   <c:v>0.23</c:v>
                 </c:pt>
                 <c:pt idx="2">
-                  <c:v>0.76000000000000012</c:v>
+                  <c:v>0.76000000000000023</c:v>
                 </c:pt>
                 <c:pt idx="3">
                   <c:v>0</c:v>
                 </c:pt>
                 <c:pt idx="4">
-                  <c:v>0.7400000000000001</c:v>
+                  <c:v>0.74000000000000021</c:v>
                 </c:pt>
               </c:numCache>
             </c:numRef>
@@ -6235,11 +6700,11 @@
         </c:dLbls>
         <c:gapWidth val="444"/>
         <c:overlap val="-90"/>
-        <c:axId val="103990016"/>
-        <c:axId val="103991552"/>
+        <c:axId val="109302144"/>
+        <c:axId val="109303680"/>
       </c:barChart>
       <c:catAx>
-        <c:axId val="103990016"/>
+        <c:axId val="109302144"/>
         <c:scaling>
           <c:orientation val="minMax"/>
         </c:scaling>
@@ -6294,14 +6759,14 @@
             <a:endParaRPr lang="pt-PT"/>
           </a:p>
         </c:txPr>
-        <c:crossAx val="103991552"/>
+        <c:crossAx val="109303680"/>
         <c:crosses val="autoZero"/>
         <c:auto val="1"/>
         <c:lblAlgn val="ctr"/>
         <c:lblOffset val="100"/>
       </c:catAx>
       <c:valAx>
-        <c:axId val="103991552"/>
+        <c:axId val="109303680"/>
         <c:scaling>
           <c:orientation val="minMax"/>
         </c:scaling>
@@ -6310,7 +6775,7 @@
         <c:numFmt formatCode="General" sourceLinked="1"/>
         <c:majorTickMark val="none"/>
         <c:tickLblPos val="nextTo"/>
-        <c:crossAx val="103990016"/>
+        <c:crossAx val="109302144"/>
         <c:crosses val="autoZero"/>
         <c:crossBetween val="between"/>
       </c:valAx>
@@ -6805,7 +7270,7 @@
                 <c:formatCode>General</c:formatCode>
                 <c:ptCount val="5"/>
                 <c:pt idx="0">
-                  <c:v>18.509999999999994</c:v>
+                  <c:v>18.509999999999991</c:v>
                 </c:pt>
                 <c:pt idx="1">
                   <c:v>1</c:v>
@@ -7064,11 +7529,11 @@
         </c:dLbls>
         <c:gapWidth val="444"/>
         <c:overlap val="-90"/>
-        <c:axId val="104113280"/>
-        <c:axId val="104114816"/>
+        <c:axId val="109327104"/>
+        <c:axId val="109328640"/>
       </c:barChart>
       <c:catAx>
-        <c:axId val="104113280"/>
+        <c:axId val="109327104"/>
         <c:scaling>
           <c:orientation val="minMax"/>
         </c:scaling>
@@ -7123,14 +7588,14 @@
             <a:endParaRPr lang="pt-PT"/>
           </a:p>
         </c:txPr>
-        <c:crossAx val="104114816"/>
+        <c:crossAx val="109328640"/>
         <c:crosses val="autoZero"/>
         <c:auto val="1"/>
         <c:lblAlgn val="ctr"/>
         <c:lblOffset val="100"/>
       </c:catAx>
       <c:valAx>
-        <c:axId val="104114816"/>
+        <c:axId val="109328640"/>
         <c:scaling>
           <c:orientation val="minMax"/>
         </c:scaling>
@@ -7139,7 +7604,7 @@
         <c:numFmt formatCode="General" sourceLinked="1"/>
         <c:majorTickMark val="none"/>
         <c:tickLblPos val="nextTo"/>
-        <c:crossAx val="104113280"/>
+        <c:crossAx val="109327104"/>
         <c:crosses val="autoZero"/>
         <c:crossBetween val="between"/>
       </c:valAx>
@@ -7389,7 +7854,7 @@
                   <c:v>73.25</c:v>
                 </c:pt>
                 <c:pt idx="3">
-                  <c:v>73.910000000000011</c:v>
+                  <c:v>73.910000000000025</c:v>
                 </c:pt>
                 <c:pt idx="4">
                   <c:v>76.510000000000005</c:v>
@@ -7637,10 +8102,10 @@
                   <c:v>94.2</c:v>
                 </c:pt>
                 <c:pt idx="1">
-                  <c:v>97.679999999999993</c:v>
+                  <c:v>97.679999999999978</c:v>
                 </c:pt>
                 <c:pt idx="2">
-                  <c:v>96.240000000000009</c:v>
+                  <c:v>96.240000000000023</c:v>
                 </c:pt>
                 <c:pt idx="3">
                   <c:v>95.25</c:v>
@@ -7860,10 +8325,10 @@
                   <c:v>78.260000000000005</c:v>
                 </c:pt>
                 <c:pt idx="1">
-                  <c:v>95.710000000000008</c:v>
+                  <c:v>95.710000000000022</c:v>
                 </c:pt>
                 <c:pt idx="2">
-                  <c:v>75.940000000000012</c:v>
+                  <c:v>75.940000000000026</c:v>
                 </c:pt>
                 <c:pt idx="3">
                   <c:v>76.48</c:v>
@@ -7885,11 +8350,11 @@
         </c:dLbls>
         <c:gapWidth val="444"/>
         <c:overlap val="-90"/>
-        <c:axId val="104175872"/>
-        <c:axId val="104181760"/>
+        <c:axId val="109447040"/>
+        <c:axId val="109448576"/>
       </c:barChart>
       <c:catAx>
-        <c:axId val="104175872"/>
+        <c:axId val="109447040"/>
         <c:scaling>
           <c:orientation val="minMax"/>
         </c:scaling>
@@ -7944,14 +8409,14 @@
             <a:endParaRPr lang="pt-PT"/>
           </a:p>
         </c:txPr>
-        <c:crossAx val="104181760"/>
+        <c:crossAx val="109448576"/>
         <c:crosses val="autoZero"/>
         <c:auto val="1"/>
         <c:lblAlgn val="ctr"/>
         <c:lblOffset val="100"/>
       </c:catAx>
       <c:valAx>
-        <c:axId val="104181760"/>
+        <c:axId val="109448576"/>
         <c:scaling>
           <c:orientation val="minMax"/>
         </c:scaling>
@@ -7960,7 +8425,7 @@
         <c:numFmt formatCode="General" sourceLinked="1"/>
         <c:majorTickMark val="none"/>
         <c:tickLblPos val="nextTo"/>
-        <c:crossAx val="104175872"/>
+        <c:crossAx val="109447040"/>
         <c:crosses val="autoZero"/>
         <c:crossBetween val="between"/>
       </c:valAx>
@@ -8190,7 +8655,7 @@
                 <c:formatCode>General</c:formatCode>
                 <c:ptCount val="5"/>
                 <c:pt idx="0">
-                  <c:v>5.7241999999999988</c:v>
+                  <c:v>5.724199999999998</c:v>
                 </c:pt>
                 <c:pt idx="1">
                   <c:v>2.7505999999999999</c:v>
@@ -8422,16 +8887,16 @@
                 <c:formatCode>General</c:formatCode>
                 <c:ptCount val="5"/>
                 <c:pt idx="0">
-                  <c:v>1.8291999999999997</c:v>
+                  <c:v>1.8291999999999995</c:v>
                 </c:pt>
                 <c:pt idx="1">
-                  <c:v>0.61910000000000009</c:v>
+                  <c:v>0.61910000000000021</c:v>
                 </c:pt>
                 <c:pt idx="2">
                   <c:v>0.5645</c:v>
                 </c:pt>
                 <c:pt idx="3">
-                  <c:v>0.61770000000000014</c:v>
+                  <c:v>0.61770000000000025</c:v>
                 </c:pt>
                 <c:pt idx="4">
                   <c:v>0.59570000000000001</c:v>
@@ -8634,7 +9099,7 @@
                 <c:formatCode>General</c:formatCode>
                 <c:ptCount val="5"/>
                 <c:pt idx="0">
-                  <c:v>5.2013000000000007</c:v>
+                  <c:v>5.2013000000000016</c:v>
                 </c:pt>
                 <c:pt idx="1">
                   <c:v>2.3289</c:v>
@@ -8646,7 +9111,7 @@
                   <c:v>2.9579999999999997</c:v>
                 </c:pt>
                 <c:pt idx="4">
-                  <c:v>2.3352999999999997</c:v>
+                  <c:v>2.3352999999999993</c:v>
                 </c:pt>
               </c:numCache>
             </c:numRef>
@@ -8662,11 +9127,11 @@
         </c:dLbls>
         <c:gapWidth val="444"/>
         <c:overlap val="-90"/>
-        <c:axId val="104238080"/>
-        <c:axId val="104260352"/>
+        <c:axId val="109595264"/>
+        <c:axId val="109617536"/>
       </c:barChart>
       <c:catAx>
-        <c:axId val="104238080"/>
+        <c:axId val="109595264"/>
         <c:scaling>
           <c:orientation val="minMax"/>
         </c:scaling>
@@ -8721,14 +9186,14 @@
             <a:endParaRPr lang="pt-PT"/>
           </a:p>
         </c:txPr>
-        <c:crossAx val="104260352"/>
+        <c:crossAx val="109617536"/>
         <c:crosses val="autoZero"/>
         <c:auto val="1"/>
         <c:lblAlgn val="ctr"/>
         <c:lblOffset val="100"/>
       </c:catAx>
       <c:valAx>
-        <c:axId val="104260352"/>
+        <c:axId val="109617536"/>
         <c:scaling>
           <c:orientation val="minMax"/>
         </c:scaling>
@@ -8737,7 +9202,7 @@
         <c:numFmt formatCode="General" sourceLinked="1"/>
         <c:majorTickMark val="none"/>
         <c:tickLblPos val="nextTo"/>
-        <c:crossAx val="104238080"/>
+        <c:crossAx val="109595264"/>
         <c:crosses val="autoZero"/>
         <c:crossBetween val="between"/>
       </c:valAx>
@@ -8962,7 +9427,7 @@
                 <c:formatCode>General</c:formatCode>
                 <c:ptCount val="16"/>
                 <c:pt idx="0">
-                  <c:v>6.8599999999999994</c:v>
+                  <c:v>6.8599999999999985</c:v>
                 </c:pt>
                 <c:pt idx="1">
                   <c:v>5.49</c:v>
@@ -9111,7 +9576,7 @@
                   <c:v>3.4</c:v>
                 </c:pt>
                 <c:pt idx="5">
-                  <c:v>3.3299999999999996</c:v>
+                  <c:v>3.3299999999999992</c:v>
                 </c:pt>
                 <c:pt idx="6">
                   <c:v>3.34</c:v>
@@ -9397,7 +9862,7 @@
                   <c:v>5.55</c:v>
                 </c:pt>
                 <c:pt idx="11">
-                  <c:v>5.4700000000000006</c:v>
+                  <c:v>5.4700000000000015</c:v>
                 </c:pt>
                 <c:pt idx="12">
                   <c:v>5.29</c:v>
@@ -9551,14 +10016,13 @@
             </c:ext>
           </c:extLst>
         </c:ser>
-        <c:dLbls/>
         <c:gapWidth val="219"/>
         <c:overlap val="-27"/>
-        <c:axId val="104286848"/>
-        <c:axId val="104300928"/>
+        <c:axId val="109566208"/>
+        <c:axId val="106827776"/>
       </c:barChart>
       <c:catAx>
-        <c:axId val="104286848"/>
+        <c:axId val="109566208"/>
         <c:scaling>
           <c:orientation val="minMax"/>
         </c:scaling>
@@ -9599,14 +10063,14 @@
             <a:endParaRPr lang="pt-PT"/>
           </a:p>
         </c:txPr>
-        <c:crossAx val="104300928"/>
+        <c:crossAx val="106827776"/>
         <c:crosses val="autoZero"/>
         <c:auto val="1"/>
         <c:lblAlgn val="ctr"/>
         <c:lblOffset val="100"/>
       </c:catAx>
       <c:valAx>
-        <c:axId val="104300928"/>
+        <c:axId val="106827776"/>
         <c:scaling>
           <c:orientation val="minMax"/>
         </c:scaling>
@@ -9655,7 +10119,7 @@
             <a:endParaRPr lang="pt-PT"/>
           </a:p>
         </c:txPr>
-        <c:crossAx val="104286848"/>
+        <c:crossAx val="109566208"/>
         <c:crosses val="autoZero"/>
         <c:crossBetween val="between"/>
       </c:valAx>
@@ -9923,7 +10387,7 @@
                   <c:v>23.57</c:v>
                 </c:pt>
                 <c:pt idx="14">
-                  <c:v>41.809999999999995</c:v>
+                  <c:v>41.81</c:v>
                 </c:pt>
                 <c:pt idx="15">
                   <c:v>28.9</c:v>
@@ -10015,7 +10479,7 @@
                 <c:formatCode>General</c:formatCode>
                 <c:ptCount val="16"/>
                 <c:pt idx="0">
-                  <c:v>29.650000000000002</c:v>
+                  <c:v>29.650000000000006</c:v>
                 </c:pt>
                 <c:pt idx="1">
                   <c:v>16.010000000000005</c:v>
@@ -10045,7 +10509,7 @@
                   <c:v>7.75</c:v>
                 </c:pt>
                 <c:pt idx="10">
-                  <c:v>14.860000000000001</c:v>
+                  <c:v>14.860000000000003</c:v>
                 </c:pt>
                 <c:pt idx="11">
                   <c:v>35.630000000000003</c:v>
@@ -10173,16 +10637,16 @@
                   <c:v>29.66</c:v>
                 </c:pt>
                 <c:pt idx="8">
-                  <c:v>16.959999999999997</c:v>
+                  <c:v>16.959999999999994</c:v>
                 </c:pt>
                 <c:pt idx="9">
-                  <c:v>23.259999999999998</c:v>
+                  <c:v>23.259999999999994</c:v>
                 </c:pt>
                 <c:pt idx="10">
                   <c:v>15.62</c:v>
                 </c:pt>
                 <c:pt idx="11">
-                  <c:v>25.439999999999998</c:v>
+                  <c:v>25.439999999999994</c:v>
                 </c:pt>
                 <c:pt idx="12">
                   <c:v>21.45</c:v>
@@ -10292,19 +10756,19 @@
                   <c:v>16.7</c:v>
                 </c:pt>
                 <c:pt idx="3">
-                  <c:v>18.439999999999998</c:v>
+                  <c:v>18.439999999999994</c:v>
                 </c:pt>
                 <c:pt idx="4">
                   <c:v>21.04</c:v>
                 </c:pt>
                 <c:pt idx="5">
-                  <c:v>17.939999999999998</c:v>
+                  <c:v>17.939999999999994</c:v>
                 </c:pt>
                 <c:pt idx="6">
                   <c:v>18.34</c:v>
                 </c:pt>
                 <c:pt idx="7">
-                  <c:v>27.959999999999997</c:v>
+                  <c:v>27.959999999999994</c:v>
                 </c:pt>
                 <c:pt idx="8">
                   <c:v>22.51</c:v>
@@ -10450,7 +10914,7 @@
                   <c:v>17.8</c:v>
                 </c:pt>
                 <c:pt idx="11">
-                  <c:v>37.800000000000011</c:v>
+                  <c:v>37.800000000000004</c:v>
                 </c:pt>
                 <c:pt idx="12">
                   <c:v>39.1</c:v>
@@ -10470,14 +10934,13 @@
             </c:ext>
           </c:extLst>
         </c:ser>
-        <c:dLbls/>
         <c:gapWidth val="219"/>
         <c:overlap val="-27"/>
-        <c:axId val="104487552"/>
-        <c:axId val="104505728"/>
+        <c:axId val="109775104"/>
+        <c:axId val="109793280"/>
       </c:barChart>
       <c:catAx>
-        <c:axId val="104487552"/>
+        <c:axId val="109775104"/>
         <c:scaling>
           <c:orientation val="minMax"/>
         </c:scaling>
@@ -10518,14 +10981,14 @@
             <a:endParaRPr lang="pt-PT"/>
           </a:p>
         </c:txPr>
-        <c:crossAx val="104505728"/>
+        <c:crossAx val="109793280"/>
         <c:crosses val="autoZero"/>
         <c:auto val="1"/>
         <c:lblAlgn val="ctr"/>
         <c:lblOffset val="100"/>
       </c:catAx>
       <c:valAx>
-        <c:axId val="104505728"/>
+        <c:axId val="109793280"/>
         <c:scaling>
           <c:orientation val="minMax"/>
         </c:scaling>
@@ -10574,7 +11037,7 @@
             <a:endParaRPr lang="pt-PT"/>
           </a:p>
         </c:txPr>
-        <c:crossAx val="104487552"/>
+        <c:crossAx val="109775104"/>
         <c:crosses val="autoZero"/>
         <c:crossBetween val="between"/>
       </c:valAx>
@@ -10652,6 +11115,7 @@
 
 <file path=ppt/charts/chart9.xml><?xml version="1.0" encoding="utf-8"?>
 <c:chartSpace xmlns:c="http://schemas.openxmlformats.org/drawingml/2006/chart" xmlns:a="http://schemas.openxmlformats.org/drawingml/2006/main" xmlns:r="http://schemas.openxmlformats.org/officeDocument/2006/relationships">
+  <c:date1904 val="1"/>
   <c:lang val="pt-PT"/>
   <c:chart>
     <c:title>
@@ -10825,7 +11289,7 @@
                   <c:v>83.63</c:v>
                 </c:pt>
                 <c:pt idx="8">
-                  <c:v>0.75000000000000011</c:v>
+                  <c:v>0.75000000000000022</c:v>
                 </c:pt>
                 <c:pt idx="9">
                   <c:v>127.9</c:v>
@@ -10846,7 +11310,7 @@
                   <c:v>75.069999999999993</c:v>
                 </c:pt>
                 <c:pt idx="15">
-                  <c:v>44.339999999999996</c:v>
+                  <c:v>44.34</c:v>
                 </c:pt>
               </c:numCache>
             </c:numRef>
@@ -10941,7 +11405,7 @@
                   <c:v>22.82</c:v>
                 </c:pt>
                 <c:pt idx="2">
-                  <c:v>23.310000000000002</c:v>
+                  <c:v>23.310000000000006</c:v>
                 </c:pt>
                 <c:pt idx="3">
                   <c:v>18.2</c:v>
@@ -10956,7 +11420,7 @@
                   <c:v>15.57</c:v>
                 </c:pt>
                 <c:pt idx="7">
-                  <c:v>55.339999999999996</c:v>
+                  <c:v>55.34</c:v>
                 </c:pt>
                 <c:pt idx="8">
                   <c:v>0.45</c:v>
@@ -10965,7 +11429,7 @@
                   <c:v>81.010000000000005</c:v>
                 </c:pt>
                 <c:pt idx="10">
-                  <c:v>0.41000000000000003</c:v>
+                  <c:v>0.41000000000000009</c:v>
                 </c:pt>
                 <c:pt idx="11">
                   <c:v>19.37</c:v>
@@ -10977,10 +11441,10 @@
                   <c:v>44.6</c:v>
                 </c:pt>
                 <c:pt idx="14">
-                  <c:v>57.290000000000006</c:v>
+                  <c:v>57.290000000000013</c:v>
                 </c:pt>
                 <c:pt idx="15">
-                  <c:v>31.779999999999998</c:v>
+                  <c:v>31.779999999999994</c:v>
                 </c:pt>
               </c:numCache>
             </c:numRef>
@@ -11072,7 +11536,7 @@
                   <c:v>109.8</c:v>
                 </c:pt>
                 <c:pt idx="1">
-                  <c:v>21.110000000000003</c:v>
+                  <c:v>21.110000000000007</c:v>
                 </c:pt>
                 <c:pt idx="2">
                   <c:v>21.7</c:v>
@@ -11084,22 +11548,22 @@
                   <c:v>160.34</c:v>
                 </c:pt>
                 <c:pt idx="5">
-                  <c:v>19.239999999999995</c:v>
+                  <c:v>19.239999999999991</c:v>
                 </c:pt>
                 <c:pt idx="6">
-                  <c:v>20.650000000000002</c:v>
+                  <c:v>20.650000000000006</c:v>
                 </c:pt>
                 <c:pt idx="7">
                   <c:v>122.8</c:v>
                 </c:pt>
                 <c:pt idx="8">
-                  <c:v>0.96000000000000008</c:v>
+                  <c:v>0.96000000000000019</c:v>
                 </c:pt>
                 <c:pt idx="9">
                   <c:v>167.19</c:v>
                 </c:pt>
                 <c:pt idx="10">
-                  <c:v>0.8600000000000001</c:v>
+                  <c:v>0.86000000000000021</c:v>
                 </c:pt>
                 <c:pt idx="11">
                   <c:v>15.93</c:v>
@@ -11111,7 +11575,7 @@
                   <c:v>134.13999999999999</c:v>
                 </c:pt>
                 <c:pt idx="14">
-                  <c:v>153.85000000000002</c:v>
+                  <c:v>153.85000000000005</c:v>
                 </c:pt>
                 <c:pt idx="15">
                   <c:v>65.58</c:v>
@@ -11206,7 +11670,7 @@
                   <c:v>74.95</c:v>
                 </c:pt>
                 <c:pt idx="1">
-                  <c:v>33.339999999999996</c:v>
+                  <c:v>33.340000000000003</c:v>
                 </c:pt>
                 <c:pt idx="2">
                   <c:v>31.75</c:v>
@@ -11218,7 +11682,7 @@
                   <c:v>75.349999999999994</c:v>
                 </c:pt>
                 <c:pt idx="5">
-                  <c:v>27.630000000000003</c:v>
+                  <c:v>27.630000000000006</c:v>
                 </c:pt>
                 <c:pt idx="6">
                   <c:v>26.5</c:v>
@@ -11233,10 +11697,10 @@
                   <c:v>133.28</c:v>
                 </c:pt>
                 <c:pt idx="10">
-                  <c:v>0.95000000000000007</c:v>
+                  <c:v>0.95000000000000018</c:v>
                 </c:pt>
                 <c:pt idx="11">
-                  <c:v>25.479999999999997</c:v>
+                  <c:v>25.479999999999993</c:v>
                 </c:pt>
                 <c:pt idx="12">
                   <c:v>28.39</c:v>
@@ -11390,14 +11854,13 @@
             </c:ext>
           </c:extLst>
         </c:ser>
-        <c:dLbls/>
         <c:gapWidth val="219"/>
         <c:overlap val="-27"/>
-        <c:axId val="104458880"/>
-        <c:axId val="104534400"/>
+        <c:axId val="109934848"/>
+        <c:axId val="109940736"/>
       </c:barChart>
       <c:catAx>
-        <c:axId val="104458880"/>
+        <c:axId val="109934848"/>
         <c:scaling>
           <c:orientation val="minMax"/>
         </c:scaling>
@@ -11438,14 +11901,14 @@
             <a:endParaRPr lang="pt-PT"/>
           </a:p>
         </c:txPr>
-        <c:crossAx val="104534400"/>
+        <c:crossAx val="109940736"/>
         <c:crosses val="autoZero"/>
         <c:auto val="1"/>
         <c:lblAlgn val="ctr"/>
         <c:lblOffset val="100"/>
       </c:catAx>
       <c:valAx>
-        <c:axId val="104534400"/>
+        <c:axId val="109940736"/>
         <c:scaling>
           <c:orientation val="minMax"/>
         </c:scaling>
@@ -11494,7 +11957,7 @@
             <a:endParaRPr lang="pt-PT"/>
           </a:p>
         </c:txPr>
-        <c:crossAx val="104458880"/>
+        <c:crossAx val="109934848"/>
         <c:crosses val="autoZero"/>
         <c:crossBetween val="between"/>
       </c:valAx>
@@ -19915,7 +20378,7 @@
         <cdr:cNvPr id="2" name="CaixaDeTexto 1">
           <a:extLst xmlns:a="http://schemas.openxmlformats.org/drawingml/2006/main">
             <a:ext uri="{FF2B5EF4-FFF2-40B4-BE49-F238E27FC236}">
-              <a16:creationId xmlns:a16="http://schemas.microsoft.com/office/drawing/2014/main" xmlns="" id="{AF9CA311-7E51-4E99-A49C-6ED7ED9A3B34}"/>
+              <a16:creationId xmlns="" xmlns:a16="http://schemas.microsoft.com/office/drawing/2014/main" id="{AF9CA311-7E51-4E99-A49C-6ED7ED9A3B34}"/>
             </a:ext>
           </a:extLst>
         </cdr:cNvPr>
@@ -19964,7 +20427,7 @@
         <cdr:cNvPr id="2" name="CaixaDeTexto 1">
           <a:extLst xmlns:a="http://schemas.openxmlformats.org/drawingml/2006/main">
             <a:ext uri="{FF2B5EF4-FFF2-40B4-BE49-F238E27FC236}">
-              <a16:creationId xmlns:a16="http://schemas.microsoft.com/office/drawing/2014/main" xmlns="" id="{63E8B198-3C56-4B40-B4D1-F14BF473AF7D}"/>
+              <a16:creationId xmlns="" xmlns:a16="http://schemas.microsoft.com/office/drawing/2014/main" id="{63E8B198-3C56-4B40-B4D1-F14BF473AF7D}"/>
             </a:ext>
           </a:extLst>
         </cdr:cNvPr>
@@ -20143,6 +20606,7 @@
           <a:p>
             <a:fld id="{191CB419-2379-4E9F-BAB8-2658C7CE6563}" type="datetimeFigureOut">
               <a:rPr lang="pt-PT" smtClean="0"/>
+              <a:pPr/>
               <a:t>23/12/2020</a:t>
             </a:fld>
             <a:endParaRPr lang="pt-PT"/>
@@ -20304,6 +20768,7 @@
           <a:p>
             <a:fld id="{3DDD1265-37B5-43E3-8B8E-14BA8B31F64F}" type="slidenum">
               <a:rPr lang="pt-PT" smtClean="0"/>
+              <a:pPr/>
               <a:t>‹nº›</a:t>
             </a:fld>
             <a:endParaRPr lang="pt-PT"/>
@@ -20475,6 +20940,7 @@
           <a:p>
             <a:fld id="{3DDD1265-37B5-43E3-8B8E-14BA8B31F64F}" type="slidenum">
               <a:rPr lang="pt-PT" smtClean="0"/>
+              <a:pPr/>
               <a:t>14</a:t>
             </a:fld>
             <a:endParaRPr lang="pt-PT"/>
@@ -23632,7 +24098,7 @@
           <p:cNvPr id="7" name="Marcador de Posição de Conteúdo 6">
             <a:extLst>
               <a:ext uri="{FF2B5EF4-FFF2-40B4-BE49-F238E27FC236}">
-                <a16:creationId xmlns:a16="http://schemas.microsoft.com/office/drawing/2014/main" xmlns="" id="{AB1C485F-D356-4F5B-98C9-C8CBE1DE7694}"/>
+                <a16:creationId xmlns="" xmlns:a16="http://schemas.microsoft.com/office/drawing/2014/main" id="{AB1C485F-D356-4F5B-98C9-C8CBE1DE7694}"/>
               </a:ext>
             </a:extLst>
           </p:cNvPr>
@@ -23643,7 +24109,7 @@
             <p:ph idx="1"/>
             <p:extLst>
               <p:ext uri="{D42A27DB-BD31-4B8C-83A1-F6EECF244321}">
-                <p14:modId xmlns:p14="http://schemas.microsoft.com/office/powerpoint/2010/main" xmlns="" val="1677835944"/>
+                <p14:modId xmlns="" xmlns:p14="http://schemas.microsoft.com/office/powerpoint/2010/main" val="1677835944"/>
               </p:ext>
             </p:extLst>
           </p:nvPr>
@@ -23714,7 +24180,7 @@
         </p:txBody>
       </p:sp>
       <mc:AlternateContent xmlns:mc="http://schemas.openxmlformats.org/markup-compatibility/2006">
-        <mc:Choice xmlns:a14="http://schemas.microsoft.com/office/drawing/2010/main" xmlns="" Requires="a14">
+        <mc:Choice xmlns="" xmlns:a14="http://schemas.microsoft.com/office/drawing/2010/main" Requires="a14">
           <p:sp>
             <p:nvSpPr>
               <p:cNvPr id="7" name="CaixaDeTexto 1">
@@ -23863,7 +24329,7 @@
               <p:cNvPr id="7" name="CaixaDeTexto 1">
                 <a:extLst>
                   <a:ext uri="{FF2B5EF4-FFF2-40B4-BE49-F238E27FC236}">
-                    <a16:creationId xmlns:a16="http://schemas.microsoft.com/office/drawing/2014/main" xmlns="" xmlns:a14="http://schemas.microsoft.com/office/drawing/2010/main" id="{6D906550-C179-476E-B11B-49E70F87DADE}"/>
+                    <a16:creationId xmlns:a14="http://schemas.microsoft.com/office/drawing/2010/main" xmlns="" xmlns:a16="http://schemas.microsoft.com/office/drawing/2014/main" id="{6D906550-C179-476E-B11B-49E70F87DADE}"/>
                   </a:ext>
                 </a:extLst>
               </p:cNvPr>
@@ -23907,7 +24373,7 @@
           <p:cNvPr id="8" name="Marcador de Posição de Conteúdo 7">
             <a:extLst>
               <a:ext uri="{FF2B5EF4-FFF2-40B4-BE49-F238E27FC236}">
-                <a16:creationId xmlns:a16="http://schemas.microsoft.com/office/drawing/2014/main" xmlns="" id="{973B0343-5FB9-4C57-88B2-28E32C378AAF}"/>
+                <a16:creationId xmlns="" xmlns:a16="http://schemas.microsoft.com/office/drawing/2014/main" id="{973B0343-5FB9-4C57-88B2-28E32C378AAF}"/>
               </a:ext>
             </a:extLst>
           </p:cNvPr>
@@ -23918,7 +24384,7 @@
             <p:ph idx="1"/>
             <p:extLst>
               <p:ext uri="{D42A27DB-BD31-4B8C-83A1-F6EECF244321}">
-                <p14:modId xmlns:p14="http://schemas.microsoft.com/office/powerpoint/2010/main" xmlns="" val="1345262532"/>
+                <p14:modId xmlns="" xmlns:p14="http://schemas.microsoft.com/office/powerpoint/2010/main" val="1345262532"/>
               </p:ext>
             </p:extLst>
           </p:nvPr>
@@ -23989,7 +24455,7 @@
         </p:txBody>
       </p:sp>
       <mc:AlternateContent xmlns:mc="http://schemas.openxmlformats.org/markup-compatibility/2006">
-        <mc:Choice xmlns:a14="http://schemas.microsoft.com/office/drawing/2010/main" xmlns="" Requires="a14">
+        <mc:Choice xmlns="" xmlns:a14="http://schemas.microsoft.com/office/drawing/2010/main" Requires="a14">
           <p:sp>
             <p:nvSpPr>
               <p:cNvPr id="7" name="CaixaDeTexto 1">
@@ -24138,7 +24604,7 @@
               <p:cNvPr id="7" name="CaixaDeTexto 1">
                 <a:extLst>
                   <a:ext uri="{FF2B5EF4-FFF2-40B4-BE49-F238E27FC236}">
-                    <a16:creationId xmlns:a16="http://schemas.microsoft.com/office/drawing/2014/main" xmlns="" xmlns:a14="http://schemas.microsoft.com/office/drawing/2010/main" id="{1F0C1465-0EC1-499B-99E6-1A142257014F}"/>
+                    <a16:creationId xmlns:a14="http://schemas.microsoft.com/office/drawing/2010/main" xmlns="" xmlns:a16="http://schemas.microsoft.com/office/drawing/2014/main" id="{1F0C1465-0EC1-499B-99E6-1A142257014F}"/>
                   </a:ext>
                 </a:extLst>
               </p:cNvPr>
@@ -24182,7 +24648,7 @@
           <p:cNvPr id="10" name="Marcador de Posição de Conteúdo 9">
             <a:extLst>
               <a:ext uri="{FF2B5EF4-FFF2-40B4-BE49-F238E27FC236}">
-                <a16:creationId xmlns:a16="http://schemas.microsoft.com/office/drawing/2014/main" xmlns="" id="{483934FF-3F71-43DC-9C5A-3D6258DEB181}"/>
+                <a16:creationId xmlns="" xmlns:a16="http://schemas.microsoft.com/office/drawing/2014/main" id="{483934FF-3F71-43DC-9C5A-3D6258DEB181}"/>
               </a:ext>
             </a:extLst>
           </p:cNvPr>
@@ -24193,7 +24659,7 @@
             <p:ph idx="1"/>
             <p:extLst>
               <p:ext uri="{D42A27DB-BD31-4B8C-83A1-F6EECF244321}">
-                <p14:modId xmlns:p14="http://schemas.microsoft.com/office/powerpoint/2010/main" xmlns="" val="2234006515"/>
+                <p14:modId xmlns="" xmlns:p14="http://schemas.microsoft.com/office/powerpoint/2010/main" val="2234006515"/>
               </p:ext>
             </p:extLst>
           </p:nvPr>
@@ -24264,7 +24730,7 @@
         </p:txBody>
       </p:sp>
       <mc:AlternateContent xmlns:mc="http://schemas.openxmlformats.org/markup-compatibility/2006">
-        <mc:Choice xmlns:a14="http://schemas.microsoft.com/office/drawing/2010/main" xmlns="" Requires="a14">
+        <mc:Choice xmlns="" xmlns:a14="http://schemas.microsoft.com/office/drawing/2010/main" Requires="a14">
           <p:sp>
             <p:nvSpPr>
               <p:cNvPr id="6" name="CaixaDeTexto 1">
@@ -24932,7 +25398,7 @@
               <p:cNvPr id="6" name="CaixaDeTexto 1">
                 <a:extLst>
                   <a:ext uri="{FF2B5EF4-FFF2-40B4-BE49-F238E27FC236}">
-                    <a16:creationId xmlns:a16="http://schemas.microsoft.com/office/drawing/2014/main" xmlns="" id="{460D798F-01F1-48B1-B3A3-FCB876C25A7C}"/>
+                    <a16:creationId xmlns="" xmlns:a16="http://schemas.microsoft.com/office/drawing/2014/main" id="{460D798F-01F1-48B1-B3A3-FCB876C25A7C}"/>
                   </a:ext>
                 </a:extLst>
               </p:cNvPr>
@@ -24976,7 +25442,7 @@
           <p:cNvPr id="15" name="Oval 14">
             <a:extLst>
               <a:ext uri="{FF2B5EF4-FFF2-40B4-BE49-F238E27FC236}">
-                <a16:creationId xmlns:a16="http://schemas.microsoft.com/office/drawing/2014/main" xmlns="" id="{44A36393-E968-4E93-8A40-1C69EDA50F41}"/>
+                <a16:creationId xmlns="" xmlns:a16="http://schemas.microsoft.com/office/drawing/2014/main" id="{44A36393-E968-4E93-8A40-1C69EDA50F41}"/>
               </a:ext>
             </a:extLst>
           </p:cNvPr>
@@ -25023,7 +25489,7 @@
           <p:cNvPr id="16" name="Oval 15">
             <a:extLst>
               <a:ext uri="{FF2B5EF4-FFF2-40B4-BE49-F238E27FC236}">
-                <a16:creationId xmlns:a16="http://schemas.microsoft.com/office/drawing/2014/main" xmlns="" id="{87FCC041-FDBC-41CC-85C5-387DC236B4E1}"/>
+                <a16:creationId xmlns="" xmlns:a16="http://schemas.microsoft.com/office/drawing/2014/main" id="{87FCC041-FDBC-41CC-85C5-387DC236B4E1}"/>
               </a:ext>
             </a:extLst>
           </p:cNvPr>
@@ -25070,7 +25536,7 @@
           <p:cNvPr id="9" name="Marcador de Posição de Conteúdo 8">
             <a:extLst>
               <a:ext uri="{FF2B5EF4-FFF2-40B4-BE49-F238E27FC236}">
-                <a16:creationId xmlns:a16="http://schemas.microsoft.com/office/drawing/2014/main" xmlns="" id="{8CBC1960-47FA-4C42-BD6D-4D1E37F3475D}"/>
+                <a16:creationId xmlns="" xmlns:a16="http://schemas.microsoft.com/office/drawing/2014/main" id="{8CBC1960-47FA-4C42-BD6D-4D1E37F3475D}"/>
               </a:ext>
             </a:extLst>
           </p:cNvPr>
@@ -25081,7 +25547,7 @@
             <p:ph idx="1"/>
             <p:extLst>
               <p:ext uri="{D42A27DB-BD31-4B8C-83A1-F6EECF244321}">
-                <p14:modId xmlns:p14="http://schemas.microsoft.com/office/powerpoint/2010/main" xmlns="" val="2634702654"/>
+                <p14:modId xmlns="" xmlns:p14="http://schemas.microsoft.com/office/powerpoint/2010/main" val="2634702654"/>
               </p:ext>
             </p:extLst>
           </p:nvPr>
@@ -25101,7 +25567,7 @@
           <p:cNvPr id="2" name="CaixaDeTexto 1">
             <a:extLst>
               <a:ext uri="{FF2B5EF4-FFF2-40B4-BE49-F238E27FC236}">
-                <a16:creationId xmlns:a16="http://schemas.microsoft.com/office/drawing/2014/main" xmlns="" id="{387CDC1B-6928-461C-94AC-46A9BA262EE5}"/>
+                <a16:creationId xmlns="" xmlns:a16="http://schemas.microsoft.com/office/drawing/2014/main" id="{387CDC1B-6928-461C-94AC-46A9BA262EE5}"/>
               </a:ext>
             </a:extLst>
           </p:cNvPr>
@@ -25172,7 +25638,7 @@
           <p:cNvPr id="4" name="Seta: Para Baixo 3">
             <a:extLst>
               <a:ext uri="{FF2B5EF4-FFF2-40B4-BE49-F238E27FC236}">
-                <a16:creationId xmlns:a16="http://schemas.microsoft.com/office/drawing/2014/main" xmlns="" id="{0D1F0B9A-5DA7-4815-BE0D-515B7238DC57}"/>
+                <a16:creationId xmlns="" xmlns:a16="http://schemas.microsoft.com/office/drawing/2014/main" id="{0D1F0B9A-5DA7-4815-BE0D-515B7238DC57}"/>
               </a:ext>
             </a:extLst>
           </p:cNvPr>
@@ -25218,7 +25684,7 @@
           <p:cNvPr id="7" name="Seta: Para Baixo 6">
             <a:extLst>
               <a:ext uri="{FF2B5EF4-FFF2-40B4-BE49-F238E27FC236}">
-                <a16:creationId xmlns:a16="http://schemas.microsoft.com/office/drawing/2014/main" xmlns="" id="{E5C287F9-7B45-48E2-9C60-304032C6EEE5}"/>
+                <a16:creationId xmlns="" xmlns:a16="http://schemas.microsoft.com/office/drawing/2014/main" id="{E5C287F9-7B45-48E2-9C60-304032C6EEE5}"/>
               </a:ext>
             </a:extLst>
           </p:cNvPr>
@@ -25289,7 +25755,7 @@
           <p:cNvPr id="2" name="Título 1">
             <a:extLst>
               <a:ext uri="{FF2B5EF4-FFF2-40B4-BE49-F238E27FC236}">
-                <a16:creationId xmlns:a16="http://schemas.microsoft.com/office/drawing/2014/main" xmlns="" id="{7B2DD2CD-E12B-4525-8422-B00034AB388C}"/>
+                <a16:creationId xmlns="" xmlns:a16="http://schemas.microsoft.com/office/drawing/2014/main" id="{7B2DD2CD-E12B-4525-8422-B00034AB388C}"/>
               </a:ext>
             </a:extLst>
           </p:cNvPr>
@@ -25317,7 +25783,7 @@
           <p:cNvPr id="4" name="Retângulo 3">
             <a:extLst>
               <a:ext uri="{FF2B5EF4-FFF2-40B4-BE49-F238E27FC236}">
-                <a16:creationId xmlns:a16="http://schemas.microsoft.com/office/drawing/2014/main" xmlns="" id="{C0BDAD38-C781-41A9-8B67-F38BBE76E72A}"/>
+                <a16:creationId xmlns="" xmlns:a16="http://schemas.microsoft.com/office/drawing/2014/main" id="{C0BDAD38-C781-41A9-8B67-F38BBE76E72A}"/>
               </a:ext>
             </a:extLst>
           </p:cNvPr>
@@ -25369,7 +25835,7 @@
           <p:cNvPr id="5" name="Retângulo 4">
             <a:extLst>
               <a:ext uri="{FF2B5EF4-FFF2-40B4-BE49-F238E27FC236}">
-                <a16:creationId xmlns:a16="http://schemas.microsoft.com/office/drawing/2014/main" xmlns="" id="{CA34A0B6-BC35-400B-8BEE-636299379076}"/>
+                <a16:creationId xmlns="" xmlns:a16="http://schemas.microsoft.com/office/drawing/2014/main" id="{CA34A0B6-BC35-400B-8BEE-636299379076}"/>
               </a:ext>
             </a:extLst>
           </p:cNvPr>
@@ -25416,7 +25882,7 @@
           <p:cNvPr id="8" name="Seta: Para a Direita 7">
             <a:extLst>
               <a:ext uri="{FF2B5EF4-FFF2-40B4-BE49-F238E27FC236}">
-                <a16:creationId xmlns:a16="http://schemas.microsoft.com/office/drawing/2014/main" xmlns="" id="{F98B5199-1856-4AF9-823E-F9778866F240}"/>
+                <a16:creationId xmlns="" xmlns:a16="http://schemas.microsoft.com/office/drawing/2014/main" id="{F98B5199-1856-4AF9-823E-F9778866F240}"/>
               </a:ext>
             </a:extLst>
           </p:cNvPr>
@@ -25462,7 +25928,7 @@
           <p:cNvPr id="9" name="Retângulo 8">
             <a:extLst>
               <a:ext uri="{FF2B5EF4-FFF2-40B4-BE49-F238E27FC236}">
-                <a16:creationId xmlns:a16="http://schemas.microsoft.com/office/drawing/2014/main" xmlns="" id="{1AA32650-06E0-42FF-9F24-586846B83EEF}"/>
+                <a16:creationId xmlns="" xmlns:a16="http://schemas.microsoft.com/office/drawing/2014/main" id="{1AA32650-06E0-42FF-9F24-586846B83EEF}"/>
               </a:ext>
             </a:extLst>
           </p:cNvPr>
@@ -25507,7 +25973,7 @@
           <p:cNvPr id="10" name="CaixaDeTexto 9">
             <a:extLst>
               <a:ext uri="{FF2B5EF4-FFF2-40B4-BE49-F238E27FC236}">
-                <a16:creationId xmlns:a16="http://schemas.microsoft.com/office/drawing/2014/main" xmlns="" id="{723ADB8C-7188-4244-99D2-29F31EDB3AD5}"/>
+                <a16:creationId xmlns="" xmlns:a16="http://schemas.microsoft.com/office/drawing/2014/main" id="{723ADB8C-7188-4244-99D2-29F31EDB3AD5}"/>
               </a:ext>
             </a:extLst>
           </p:cNvPr>
@@ -25543,7 +26009,7 @@
           <p:cNvPr id="11" name="Marcador de Posição de Conteúdo 10">
             <a:extLst>
               <a:ext uri="{FF2B5EF4-FFF2-40B4-BE49-F238E27FC236}">
-                <a16:creationId xmlns:a16="http://schemas.microsoft.com/office/drawing/2014/main" xmlns="" id="{10777436-016F-4617-B018-85A590435F94}"/>
+                <a16:creationId xmlns="" xmlns:a16="http://schemas.microsoft.com/office/drawing/2014/main" id="{10777436-016F-4617-B018-85A590435F94}"/>
               </a:ext>
             </a:extLst>
           </p:cNvPr>
@@ -25594,7 +26060,7 @@
           <p:cNvPr id="13" name="Retângulo 12">
             <a:extLst>
               <a:ext uri="{FF2B5EF4-FFF2-40B4-BE49-F238E27FC236}">
-                <a16:creationId xmlns:a16="http://schemas.microsoft.com/office/drawing/2014/main" xmlns="" id="{3B5B346E-6D2A-4217-978D-5C9C6FCA9861}"/>
+                <a16:creationId xmlns="" xmlns:a16="http://schemas.microsoft.com/office/drawing/2014/main" id="{3B5B346E-6D2A-4217-978D-5C9C6FCA9861}"/>
               </a:ext>
             </a:extLst>
           </p:cNvPr>
@@ -25648,7 +26114,7 @@
           <p:cNvPr id="14" name="Retângulo 13">
             <a:extLst>
               <a:ext uri="{FF2B5EF4-FFF2-40B4-BE49-F238E27FC236}">
-                <a16:creationId xmlns:a16="http://schemas.microsoft.com/office/drawing/2014/main" xmlns="" id="{ADEE454C-52D6-4A7F-99AC-557786175935}"/>
+                <a16:creationId xmlns="" xmlns:a16="http://schemas.microsoft.com/office/drawing/2014/main" id="{ADEE454C-52D6-4A7F-99AC-557786175935}"/>
               </a:ext>
             </a:extLst>
           </p:cNvPr>
@@ -25707,7 +26173,7 @@
           <p:cNvPr id="17" name="Seta: Para a Direita 16">
             <a:extLst>
               <a:ext uri="{FF2B5EF4-FFF2-40B4-BE49-F238E27FC236}">
-                <a16:creationId xmlns:a16="http://schemas.microsoft.com/office/drawing/2014/main" xmlns="" id="{58570091-5F75-432C-A902-82E9D2C6EEAA}"/>
+                <a16:creationId xmlns="" xmlns:a16="http://schemas.microsoft.com/office/drawing/2014/main" id="{58570091-5F75-432C-A902-82E9D2C6EEAA}"/>
               </a:ext>
             </a:extLst>
           </p:cNvPr>
@@ -25753,7 +26219,7 @@
           <p:cNvPr id="18" name="CaixaDeTexto 17">
             <a:extLst>
               <a:ext uri="{FF2B5EF4-FFF2-40B4-BE49-F238E27FC236}">
-                <a16:creationId xmlns:a16="http://schemas.microsoft.com/office/drawing/2014/main" xmlns="" id="{561403E5-0E0C-44FB-8919-9F28ABAF7DA9}"/>
+                <a16:creationId xmlns="" xmlns:a16="http://schemas.microsoft.com/office/drawing/2014/main" id="{561403E5-0E0C-44FB-8919-9F28ABAF7DA9}"/>
               </a:ext>
             </a:extLst>
           </p:cNvPr>
@@ -25830,7 +26296,7 @@
     </p:spTree>
     <p:extLst>
       <p:ext uri="{BB962C8B-B14F-4D97-AF65-F5344CB8AC3E}">
-        <p14:creationId xmlns:p14="http://schemas.microsoft.com/office/powerpoint/2010/main" xmlns="" val="661826028"/>
+        <p14:creationId xmlns="" xmlns:p14="http://schemas.microsoft.com/office/powerpoint/2010/main" val="661826028"/>
       </p:ext>
     </p:extLst>
   </p:cSld>
@@ -25862,7 +26328,7 @@
           <p:cNvPr id="2" name="Título 1">
             <a:extLst>
               <a:ext uri="{FF2B5EF4-FFF2-40B4-BE49-F238E27FC236}">
-                <a16:creationId xmlns:a16="http://schemas.microsoft.com/office/drawing/2014/main" xmlns="" id="{7B2DD2CD-E12B-4525-8422-B00034AB388C}"/>
+                <a16:creationId xmlns="" xmlns:a16="http://schemas.microsoft.com/office/drawing/2014/main" id="{7B2DD2CD-E12B-4525-8422-B00034AB388C}"/>
               </a:ext>
             </a:extLst>
           </p:cNvPr>
@@ -25890,7 +26356,7 @@
           <p:cNvPr id="4" name="Retângulo 3">
             <a:extLst>
               <a:ext uri="{FF2B5EF4-FFF2-40B4-BE49-F238E27FC236}">
-                <a16:creationId xmlns:a16="http://schemas.microsoft.com/office/drawing/2014/main" xmlns="" id="{C0BDAD38-C781-41A9-8B67-F38BBE76E72A}"/>
+                <a16:creationId xmlns="" xmlns:a16="http://schemas.microsoft.com/office/drawing/2014/main" id="{C0BDAD38-C781-41A9-8B67-F38BBE76E72A}"/>
               </a:ext>
             </a:extLst>
           </p:cNvPr>
@@ -25942,7 +26408,7 @@
           <p:cNvPr id="5" name="Retângulo 4">
             <a:extLst>
               <a:ext uri="{FF2B5EF4-FFF2-40B4-BE49-F238E27FC236}">
-                <a16:creationId xmlns:a16="http://schemas.microsoft.com/office/drawing/2014/main" xmlns="" id="{CA34A0B6-BC35-400B-8BEE-636299379076}"/>
+                <a16:creationId xmlns="" xmlns:a16="http://schemas.microsoft.com/office/drawing/2014/main" id="{CA34A0B6-BC35-400B-8BEE-636299379076}"/>
               </a:ext>
             </a:extLst>
           </p:cNvPr>
@@ -25989,7 +26455,7 @@
           <p:cNvPr id="8" name="Seta: Para a Direita 7">
             <a:extLst>
               <a:ext uri="{FF2B5EF4-FFF2-40B4-BE49-F238E27FC236}">
-                <a16:creationId xmlns:a16="http://schemas.microsoft.com/office/drawing/2014/main" xmlns="" id="{F98B5199-1856-4AF9-823E-F9778866F240}"/>
+                <a16:creationId xmlns="" xmlns:a16="http://schemas.microsoft.com/office/drawing/2014/main" id="{F98B5199-1856-4AF9-823E-F9778866F240}"/>
               </a:ext>
             </a:extLst>
           </p:cNvPr>
@@ -26035,7 +26501,7 @@
           <p:cNvPr id="9" name="Retângulo 8">
             <a:extLst>
               <a:ext uri="{FF2B5EF4-FFF2-40B4-BE49-F238E27FC236}">
-                <a16:creationId xmlns:a16="http://schemas.microsoft.com/office/drawing/2014/main" xmlns="" id="{1AA32650-06E0-42FF-9F24-586846B83EEF}"/>
+                <a16:creationId xmlns="" xmlns:a16="http://schemas.microsoft.com/office/drawing/2014/main" id="{1AA32650-06E0-42FF-9F24-586846B83EEF}"/>
               </a:ext>
             </a:extLst>
           </p:cNvPr>
@@ -26080,7 +26546,7 @@
           <p:cNvPr id="10" name="CaixaDeTexto 9">
             <a:extLst>
               <a:ext uri="{FF2B5EF4-FFF2-40B4-BE49-F238E27FC236}">
-                <a16:creationId xmlns:a16="http://schemas.microsoft.com/office/drawing/2014/main" xmlns="" id="{723ADB8C-7188-4244-99D2-29F31EDB3AD5}"/>
+                <a16:creationId xmlns="" xmlns:a16="http://schemas.microsoft.com/office/drawing/2014/main" id="{723ADB8C-7188-4244-99D2-29F31EDB3AD5}"/>
               </a:ext>
             </a:extLst>
           </p:cNvPr>
@@ -26116,7 +26582,7 @@
           <p:cNvPr id="11" name="Marcador de Posição de Conteúdo 10">
             <a:extLst>
               <a:ext uri="{FF2B5EF4-FFF2-40B4-BE49-F238E27FC236}">
-                <a16:creationId xmlns:a16="http://schemas.microsoft.com/office/drawing/2014/main" xmlns="" id="{10777436-016F-4617-B018-85A590435F94}"/>
+                <a16:creationId xmlns="" xmlns:a16="http://schemas.microsoft.com/office/drawing/2014/main" id="{10777436-016F-4617-B018-85A590435F94}"/>
               </a:ext>
             </a:extLst>
           </p:cNvPr>
@@ -26164,7 +26630,7 @@
           <p:cNvPr id="13" name="Retângulo 12">
             <a:extLst>
               <a:ext uri="{FF2B5EF4-FFF2-40B4-BE49-F238E27FC236}">
-                <a16:creationId xmlns:a16="http://schemas.microsoft.com/office/drawing/2014/main" xmlns="" id="{3B5B346E-6D2A-4217-978D-5C9C6FCA9861}"/>
+                <a16:creationId xmlns="" xmlns:a16="http://schemas.microsoft.com/office/drawing/2014/main" id="{3B5B346E-6D2A-4217-978D-5C9C6FCA9861}"/>
               </a:ext>
             </a:extLst>
           </p:cNvPr>
@@ -26218,7 +26684,7 @@
           <p:cNvPr id="14" name="Retângulo 13">
             <a:extLst>
               <a:ext uri="{FF2B5EF4-FFF2-40B4-BE49-F238E27FC236}">
-                <a16:creationId xmlns:a16="http://schemas.microsoft.com/office/drawing/2014/main" xmlns="" id="{ADEE454C-52D6-4A7F-99AC-557786175935}"/>
+                <a16:creationId xmlns="" xmlns:a16="http://schemas.microsoft.com/office/drawing/2014/main" id="{ADEE454C-52D6-4A7F-99AC-557786175935}"/>
               </a:ext>
             </a:extLst>
           </p:cNvPr>
@@ -26277,7 +26743,7 @@
           <p:cNvPr id="17" name="Seta: Para a Direita 16">
             <a:extLst>
               <a:ext uri="{FF2B5EF4-FFF2-40B4-BE49-F238E27FC236}">
-                <a16:creationId xmlns:a16="http://schemas.microsoft.com/office/drawing/2014/main" xmlns="" id="{58570091-5F75-432C-A902-82E9D2C6EEAA}"/>
+                <a16:creationId xmlns="" xmlns:a16="http://schemas.microsoft.com/office/drawing/2014/main" id="{58570091-5F75-432C-A902-82E9D2C6EEAA}"/>
               </a:ext>
             </a:extLst>
           </p:cNvPr>
@@ -26323,7 +26789,7 @@
           <p:cNvPr id="18" name="CaixaDeTexto 17">
             <a:extLst>
               <a:ext uri="{FF2B5EF4-FFF2-40B4-BE49-F238E27FC236}">
-                <a16:creationId xmlns:a16="http://schemas.microsoft.com/office/drawing/2014/main" xmlns="" id="{561403E5-0E0C-44FB-8919-9F28ABAF7DA9}"/>
+                <a16:creationId xmlns="" xmlns:a16="http://schemas.microsoft.com/office/drawing/2014/main" id="{561403E5-0E0C-44FB-8919-9F28ABAF7DA9}"/>
               </a:ext>
             </a:extLst>
           </p:cNvPr>
@@ -26400,7 +26866,7 @@
     </p:spTree>
     <p:extLst>
       <p:ext uri="{BB962C8B-B14F-4D97-AF65-F5344CB8AC3E}">
-        <p14:creationId xmlns:p14="http://schemas.microsoft.com/office/powerpoint/2010/main" xmlns="" val="1050088074"/>
+        <p14:creationId xmlns="" xmlns:p14="http://schemas.microsoft.com/office/powerpoint/2010/main" val="1050088074"/>
       </p:ext>
     </p:extLst>
   </p:cSld>
@@ -26432,7 +26898,7 @@
           <p:cNvPr id="2" name="Título 1">
             <a:extLst>
               <a:ext uri="{FF2B5EF4-FFF2-40B4-BE49-F238E27FC236}">
-                <a16:creationId xmlns:a16="http://schemas.microsoft.com/office/drawing/2014/main" xmlns="" id="{702228D4-D061-4A19-8DEE-F0FDBE55A741}"/>
+                <a16:creationId xmlns="" xmlns:a16="http://schemas.microsoft.com/office/drawing/2014/main" id="{702228D4-D061-4A19-8DEE-F0FDBE55A741}"/>
               </a:ext>
             </a:extLst>
           </p:cNvPr>
@@ -26461,7 +26927,7 @@
           <p:cNvPr id="3" name="Marcador de Posição de Conteúdo 2">
             <a:extLst>
               <a:ext uri="{FF2B5EF4-FFF2-40B4-BE49-F238E27FC236}">
-                <a16:creationId xmlns:a16="http://schemas.microsoft.com/office/drawing/2014/main" xmlns="" id="{E60D12B4-E406-4B2D-8F05-FB70C750F163}"/>
+                <a16:creationId xmlns="" xmlns:a16="http://schemas.microsoft.com/office/drawing/2014/main" id="{E60D12B4-E406-4B2D-8F05-FB70C750F163}"/>
               </a:ext>
             </a:extLst>
           </p:cNvPr>
@@ -26486,7 +26952,7 @@
           <p:cNvPr id="4" name="Retângulo 3">
             <a:extLst>
               <a:ext uri="{FF2B5EF4-FFF2-40B4-BE49-F238E27FC236}">
-                <a16:creationId xmlns:a16="http://schemas.microsoft.com/office/drawing/2014/main" xmlns="" id="{974E549F-37BB-462C-9B24-6484F97E87C8}"/>
+                <a16:creationId xmlns="" xmlns:a16="http://schemas.microsoft.com/office/drawing/2014/main" id="{974E549F-37BB-462C-9B24-6484F97E87C8}"/>
               </a:ext>
             </a:extLst>
           </p:cNvPr>
@@ -26557,7 +27023,7 @@
           <p:cNvPr id="5" name="Retângulo 4">
             <a:extLst>
               <a:ext uri="{FF2B5EF4-FFF2-40B4-BE49-F238E27FC236}">
-                <a16:creationId xmlns:a16="http://schemas.microsoft.com/office/drawing/2014/main" xmlns="" id="{96BA5E0F-99FB-445A-9A33-3AF22D256248}"/>
+                <a16:creationId xmlns="" xmlns:a16="http://schemas.microsoft.com/office/drawing/2014/main" id="{96BA5E0F-99FB-445A-9A33-3AF22D256248}"/>
               </a:ext>
             </a:extLst>
           </p:cNvPr>
@@ -26628,7 +27094,7 @@
           <p:cNvPr id="6" name="Retângulo 5">
             <a:extLst>
               <a:ext uri="{FF2B5EF4-FFF2-40B4-BE49-F238E27FC236}">
-                <a16:creationId xmlns:a16="http://schemas.microsoft.com/office/drawing/2014/main" xmlns="" id="{2531B7CD-1914-4389-A1FF-0C88C4EF43EC}"/>
+                <a16:creationId xmlns="" xmlns:a16="http://schemas.microsoft.com/office/drawing/2014/main" id="{2531B7CD-1914-4389-A1FF-0C88C4EF43EC}"/>
               </a:ext>
             </a:extLst>
           </p:cNvPr>
@@ -26724,7 +27190,7 @@
     </p:spTree>
     <p:extLst>
       <p:ext uri="{BB962C8B-B14F-4D97-AF65-F5344CB8AC3E}">
-        <p14:creationId xmlns:p14="http://schemas.microsoft.com/office/powerpoint/2010/main" xmlns="" val="2403494876"/>
+        <p14:creationId xmlns="" xmlns:p14="http://schemas.microsoft.com/office/powerpoint/2010/main" val="2403494876"/>
       </p:ext>
     </p:extLst>
   </p:cSld>
@@ -26756,7 +27222,7 @@
           <p:cNvPr id="2" name="Título 1">
             <a:extLst>
               <a:ext uri="{FF2B5EF4-FFF2-40B4-BE49-F238E27FC236}">
-                <a16:creationId xmlns:a16="http://schemas.microsoft.com/office/drawing/2014/main" xmlns="" id="{5B184CB9-E063-4057-8F42-75AA222B4298}"/>
+                <a16:creationId xmlns="" xmlns:a16="http://schemas.microsoft.com/office/drawing/2014/main" id="{5B184CB9-E063-4057-8F42-75AA222B4298}"/>
               </a:ext>
             </a:extLst>
           </p:cNvPr>
@@ -26796,35 +27262,36 @@
           </a:p>
         </p:txBody>
       </p:sp>
-      <p:sp>
-        <p:nvSpPr>
-          <p:cNvPr id="3" name="Marcador de Posição de Conteúdo 2">
+      <p:graphicFrame>
+        <p:nvGraphicFramePr>
+          <p:cNvPr id="4" name="Marcador de Posição de Conteúdo 3">
             <a:extLst>
               <a:ext uri="{FF2B5EF4-FFF2-40B4-BE49-F238E27FC236}">
-                <a16:creationId xmlns:a16="http://schemas.microsoft.com/office/drawing/2014/main" xmlns="" id="{49D54EA5-42AA-4D3C-9345-E8ADD3031118}"/>
+                <a16:creationId xmlns="" xmlns:wpc="http://schemas.microsoft.com/office/word/2010/wordprocessingCanvas" xmlns:cx="http://schemas.microsoft.com/office/drawing/2014/chartex" xmlns:cx1="http://schemas.microsoft.com/office/drawing/2015/9/8/chartex" xmlns:cx2="http://schemas.microsoft.com/office/drawing/2015/10/21/chartex" xmlns:cx3="http://schemas.microsoft.com/office/drawing/2016/5/9/chartex" xmlns:cx4="http://schemas.microsoft.com/office/drawing/2016/5/10/chartex" xmlns:cx5="http://schemas.microsoft.com/office/drawing/2016/5/11/chartex" xmlns:cx6="http://schemas.microsoft.com/office/drawing/2016/5/12/chartex" xmlns:cx7="http://schemas.microsoft.com/office/drawing/2016/5/13/chartex" xmlns:cx8="http://schemas.microsoft.com/office/drawing/2016/5/14/chartex" xmlns:mc="http://schemas.openxmlformats.org/markup-compatibility/2006" xmlns:aink="http://schemas.microsoft.com/office/drawing/2016/ink" xmlns:am3d="http://schemas.microsoft.com/office/drawing/2017/model3d" xmlns:o="urn:schemas-microsoft-com:office:office" xmlns:m="http://schemas.openxmlformats.org/officeDocument/2006/math" xmlns:v="urn:schemas-microsoft-com:vml" xmlns:wp14="http://schemas.microsoft.com/office/word/2010/wordprocessingDrawing" xmlns:wp="http://schemas.openxmlformats.org/drawingml/2006/wordprocessingDrawing" xmlns:w10="urn:schemas-microsoft-com:office:word" xmlns:w="http://schemas.openxmlformats.org/wordprocessingml/2006/main" xmlns:w14="http://schemas.microsoft.com/office/word/2010/wordml" xmlns:w15="http://schemas.microsoft.com/office/word/2012/wordml" xmlns:w16cex="http://schemas.microsoft.com/office/word/2018/wordml/cex" xmlns:w16cid="http://schemas.microsoft.com/office/word/2016/wordml/cid" xmlns:w16="http://schemas.microsoft.com/office/word/2018/wordml" xmlns:w16se="http://schemas.microsoft.com/office/word/2015/wordml/symex" xmlns:wpg="http://schemas.microsoft.com/office/word/2010/wordprocessingGroup" xmlns:wpi="http://schemas.microsoft.com/office/word/2010/wordprocessingInk" xmlns:wne="http://schemas.microsoft.com/office/word/2006/wordml" xmlns:wps="http://schemas.microsoft.com/office/word/2010/wordprocessingShape" xmlns:a16="http://schemas.microsoft.com/office/drawing/2014/main" xmlns:lc="http://schemas.openxmlformats.org/drawingml/2006/lockedCanvas" id="{CE606943-5B6D-4125-966A-862378B307B3}"/>
               </a:ext>
             </a:extLst>
           </p:cNvPr>
-          <p:cNvSpPr>
-            <a:spLocks noGrp="1"/>
-          </p:cNvSpPr>
+          <p:cNvGraphicFramePr>
+            <a:graphicFrameLocks noGrp="1"/>
+          </p:cNvGraphicFramePr>
           <p:nvPr>
             <p:ph idx="1"/>
           </p:nvPr>
-        </p:nvSpPr>
-        <p:spPr/>
-        <p:txBody>
-          <a:bodyPr/>
-          <a:lstStyle/>
-          <a:p>
-            <a:endParaRPr lang="pt-PT" dirty="0"/>
-          </a:p>
-        </p:txBody>
-      </p:sp>
+        </p:nvGraphicFramePr>
+        <p:xfrm>
+          <a:off x="457200" y="1600200"/>
+          <a:ext cx="8229600" cy="4525963"/>
+        </p:xfrm>
+        <a:graphic>
+          <a:graphicData uri="http://schemas.openxmlformats.org/drawingml/2006/chart">
+            <c:chart xmlns:c="http://schemas.openxmlformats.org/drawingml/2006/chart" xmlns:r="http://schemas.openxmlformats.org/officeDocument/2006/relationships" r:id="rId2"/>
+          </a:graphicData>
+        </a:graphic>
+      </p:graphicFrame>
     </p:spTree>
     <p:extLst>
       <p:ext uri="{BB962C8B-B14F-4D97-AF65-F5344CB8AC3E}">
-        <p14:creationId xmlns:p14="http://schemas.microsoft.com/office/powerpoint/2010/main" xmlns="" val="1757695528"/>
+        <p14:creationId xmlns="" xmlns:p14="http://schemas.microsoft.com/office/powerpoint/2010/main" val="1757695528"/>
       </p:ext>
     </p:extLst>
   </p:cSld>
@@ -26856,7 +27323,7 @@
           <p:cNvPr id="5" name="Marcador de Posição de Conteúdo 4">
             <a:extLst>
               <a:ext uri="{FF2B5EF4-FFF2-40B4-BE49-F238E27FC236}">
-                <a16:creationId xmlns:a16="http://schemas.microsoft.com/office/drawing/2014/main" xmlns="" id="{F1769B30-170E-4C01-97F9-B5AB4D72996F}"/>
+                <a16:creationId xmlns="" xmlns:a16="http://schemas.microsoft.com/office/drawing/2014/main" id="{F1769B30-170E-4C01-97F9-B5AB4D72996F}"/>
               </a:ext>
             </a:extLst>
           </p:cNvPr>
@@ -26867,7 +27334,7 @@
             <p:ph idx="1"/>
             <p:extLst>
               <p:ext uri="{D42A27DB-BD31-4B8C-83A1-F6EECF244321}">
-                <p14:modId xmlns:p14="http://schemas.microsoft.com/office/powerpoint/2010/main" xmlns="" val="470110617"/>
+                <p14:modId xmlns="" xmlns:p14="http://schemas.microsoft.com/office/powerpoint/2010/main" val="470110617"/>
               </p:ext>
             </p:extLst>
           </p:nvPr>
@@ -26916,7 +27383,7 @@
     </p:spTree>
     <p:extLst>
       <p:ext uri="{BB962C8B-B14F-4D97-AF65-F5344CB8AC3E}">
-        <p14:creationId xmlns:p14="http://schemas.microsoft.com/office/powerpoint/2010/main" xmlns="" val="748666507"/>
+        <p14:creationId xmlns="" xmlns:p14="http://schemas.microsoft.com/office/powerpoint/2010/main" val="748666507"/>
       </p:ext>
     </p:extLst>
   </p:cSld>
@@ -26948,7 +27415,7 @@
           <p:cNvPr id="4" name="Marcador de Posição de Conteúdo 3">
             <a:extLst>
               <a:ext uri="{FF2B5EF4-FFF2-40B4-BE49-F238E27FC236}">
-                <a16:creationId xmlns:a16="http://schemas.microsoft.com/office/drawing/2014/main" xmlns="" id="{BF54970B-912B-446C-B64A-D4BF8257992B}"/>
+                <a16:creationId xmlns="" xmlns:a16="http://schemas.microsoft.com/office/drawing/2014/main" id="{BF54970B-912B-446C-B64A-D4BF8257992B}"/>
               </a:ext>
             </a:extLst>
           </p:cNvPr>
@@ -26959,7 +27426,7 @@
             <p:ph idx="1"/>
             <p:extLst>
               <p:ext uri="{D42A27DB-BD31-4B8C-83A1-F6EECF244321}">
-                <p14:modId xmlns:p14="http://schemas.microsoft.com/office/powerpoint/2010/main" xmlns="" val="3104962811"/>
+                <p14:modId xmlns="" xmlns:p14="http://schemas.microsoft.com/office/powerpoint/2010/main" val="3104962811"/>
               </p:ext>
             </p:extLst>
           </p:nvPr>
@@ -27008,7 +27475,7 @@
     </p:spTree>
     <p:extLst>
       <p:ext uri="{BB962C8B-B14F-4D97-AF65-F5344CB8AC3E}">
-        <p14:creationId xmlns:p14="http://schemas.microsoft.com/office/powerpoint/2010/main" xmlns="" val="3603114312"/>
+        <p14:creationId xmlns="" xmlns:p14="http://schemas.microsoft.com/office/powerpoint/2010/main" val="3603114312"/>
       </p:ext>
     </p:extLst>
   </p:cSld>
@@ -27070,7 +27537,7 @@
           <p:cNvPr id="7" name="Marcador de Posição de Conteúdo 6">
             <a:extLst>
               <a:ext uri="{FF2B5EF4-FFF2-40B4-BE49-F238E27FC236}">
-                <a16:creationId xmlns:a16="http://schemas.microsoft.com/office/drawing/2014/main" xmlns="" id="{F1C3C96A-7EA7-448A-95DC-E8C965537E74}"/>
+                <a16:creationId xmlns="" xmlns:a16="http://schemas.microsoft.com/office/drawing/2014/main" id="{F1C3C96A-7EA7-448A-95DC-E8C965537E74}"/>
               </a:ext>
             </a:extLst>
           </p:cNvPr>
@@ -27081,7 +27548,7 @@
             <p:ph idx="1"/>
             <p:extLst>
               <p:ext uri="{D42A27DB-BD31-4B8C-83A1-F6EECF244321}">
-                <p14:modId xmlns:p14="http://schemas.microsoft.com/office/powerpoint/2010/main" xmlns="" val="884974184"/>
+                <p14:modId xmlns="" xmlns:p14="http://schemas.microsoft.com/office/powerpoint/2010/main" val="884974184"/>
               </p:ext>
             </p:extLst>
           </p:nvPr>
@@ -27101,7 +27568,7 @@
           <p:cNvPr id="8" name="CaixaDeTexto 7">
             <a:extLst>
               <a:ext uri="{FF2B5EF4-FFF2-40B4-BE49-F238E27FC236}">
-                <a16:creationId xmlns:a16="http://schemas.microsoft.com/office/drawing/2014/main" xmlns="" id="{FD3EDC28-4E6B-40B4-B811-4ACE3E528CEB}"/>
+                <a16:creationId xmlns="" xmlns:a16="http://schemas.microsoft.com/office/drawing/2014/main" id="{FD3EDC28-4E6B-40B4-B811-4ACE3E528CEB}"/>
               </a:ext>
             </a:extLst>
           </p:cNvPr>
@@ -27154,7 +27621,7 @@
           <p:cNvPr id="9" name="CaixaDeTexto 8">
             <a:extLst>
               <a:ext uri="{FF2B5EF4-FFF2-40B4-BE49-F238E27FC236}">
-                <a16:creationId xmlns:a16="http://schemas.microsoft.com/office/drawing/2014/main" xmlns="" id="{DDDD25B7-919E-4EC9-A3A3-1B6A92C82AC8}"/>
+                <a16:creationId xmlns="" xmlns:a16="http://schemas.microsoft.com/office/drawing/2014/main" id="{DDDD25B7-919E-4EC9-A3A3-1B6A92C82AC8}"/>
               </a:ext>
             </a:extLst>
           </p:cNvPr>
@@ -27207,7 +27674,7 @@
           <p:cNvPr id="10" name="CaixaDeTexto 9">
             <a:extLst>
               <a:ext uri="{FF2B5EF4-FFF2-40B4-BE49-F238E27FC236}">
-                <a16:creationId xmlns:a16="http://schemas.microsoft.com/office/drawing/2014/main" xmlns="" id="{BA5C7190-A430-4B23-A1EF-9FDDA2D6F729}"/>
+                <a16:creationId xmlns="" xmlns:a16="http://schemas.microsoft.com/office/drawing/2014/main" id="{BA5C7190-A430-4B23-A1EF-9FDDA2D6F729}"/>
               </a:ext>
             </a:extLst>
           </p:cNvPr>
@@ -27260,7 +27727,7 @@
           <p:cNvPr id="11" name="CaixaDeTexto 10">
             <a:extLst>
               <a:ext uri="{FF2B5EF4-FFF2-40B4-BE49-F238E27FC236}">
-                <a16:creationId xmlns:a16="http://schemas.microsoft.com/office/drawing/2014/main" xmlns="" id="{FBD5A858-BD73-44C6-B9C4-D6704478D5A6}"/>
+                <a16:creationId xmlns="" xmlns:a16="http://schemas.microsoft.com/office/drawing/2014/main" id="{FBD5A858-BD73-44C6-B9C4-D6704478D5A6}"/>
               </a:ext>
             </a:extLst>
           </p:cNvPr>
@@ -27338,7 +27805,7 @@
           <p:cNvPr id="4" name="Marcador de Posição de Conteúdo 3">
             <a:extLst>
               <a:ext uri="{FF2B5EF4-FFF2-40B4-BE49-F238E27FC236}">
-                <a16:creationId xmlns:a16="http://schemas.microsoft.com/office/drawing/2014/main" xmlns="" id="{80BCB2C2-B3D7-42A7-BBEB-DA1DF190E1B1}"/>
+                <a16:creationId xmlns="" xmlns:a16="http://schemas.microsoft.com/office/drawing/2014/main" id="{80BCB2C2-B3D7-42A7-BBEB-DA1DF190E1B1}"/>
               </a:ext>
             </a:extLst>
           </p:cNvPr>
@@ -27349,7 +27816,7 @@
             <p:ph idx="1"/>
             <p:extLst>
               <p:ext uri="{D42A27DB-BD31-4B8C-83A1-F6EECF244321}">
-                <p14:modId xmlns:p14="http://schemas.microsoft.com/office/powerpoint/2010/main" xmlns="" val="3156271480"/>
+                <p14:modId xmlns="" xmlns:p14="http://schemas.microsoft.com/office/powerpoint/2010/main" val="3156271480"/>
               </p:ext>
             </p:extLst>
           </p:nvPr>
@@ -27398,7 +27865,7 @@
     </p:spTree>
     <p:extLst>
       <p:ext uri="{BB962C8B-B14F-4D97-AF65-F5344CB8AC3E}">
-        <p14:creationId xmlns:p14="http://schemas.microsoft.com/office/powerpoint/2010/main" xmlns="" val="804293094"/>
+        <p14:creationId xmlns="" xmlns:p14="http://schemas.microsoft.com/office/powerpoint/2010/main" val="804293094"/>
       </p:ext>
     </p:extLst>
   </p:cSld>
@@ -27460,7 +27927,7 @@
           <p:cNvPr id="6" name="CaixaDeTexto 5">
             <a:extLst>
               <a:ext uri="{FF2B5EF4-FFF2-40B4-BE49-F238E27FC236}">
-                <a16:creationId xmlns:a16="http://schemas.microsoft.com/office/drawing/2014/main" xmlns="" id="{5870344C-C64C-4E8A-867A-FD892E0C29DD}"/>
+                <a16:creationId xmlns="" xmlns:a16="http://schemas.microsoft.com/office/drawing/2014/main" id="{5870344C-C64C-4E8A-867A-FD892E0C29DD}"/>
               </a:ext>
             </a:extLst>
           </p:cNvPr>
@@ -27513,7 +27980,7 @@
           <p:cNvPr id="7" name="Marcador de Posição de Conteúdo 6">
             <a:extLst>
               <a:ext uri="{FF2B5EF4-FFF2-40B4-BE49-F238E27FC236}">
-                <a16:creationId xmlns:a16="http://schemas.microsoft.com/office/drawing/2014/main" xmlns="" id="{D179913A-1725-433B-9FA5-D9223E6DD9C1}"/>
+                <a16:creationId xmlns="" xmlns:a16="http://schemas.microsoft.com/office/drawing/2014/main" id="{D179913A-1725-433B-9FA5-D9223E6DD9C1}"/>
               </a:ext>
             </a:extLst>
           </p:cNvPr>
@@ -27524,7 +27991,7 @@
             <p:ph idx="1"/>
             <p:extLst>
               <p:ext uri="{D42A27DB-BD31-4B8C-83A1-F6EECF244321}">
-                <p14:modId xmlns:p14="http://schemas.microsoft.com/office/powerpoint/2010/main" xmlns="" val="2169694937"/>
+                <p14:modId xmlns="" xmlns:p14="http://schemas.microsoft.com/office/powerpoint/2010/main" val="2169694937"/>
               </p:ext>
             </p:extLst>
           </p:nvPr>
@@ -27544,7 +28011,7 @@
           <p:cNvPr id="8" name="CaixaDeTexto 7">
             <a:extLst>
               <a:ext uri="{FF2B5EF4-FFF2-40B4-BE49-F238E27FC236}">
-                <a16:creationId xmlns:a16="http://schemas.microsoft.com/office/drawing/2014/main" xmlns="" id="{F25EB4B5-7E3B-430B-94D6-44507A08ABBF}"/>
+                <a16:creationId xmlns="" xmlns:a16="http://schemas.microsoft.com/office/drawing/2014/main" id="{F25EB4B5-7E3B-430B-94D6-44507A08ABBF}"/>
               </a:ext>
             </a:extLst>
           </p:cNvPr>
@@ -27597,7 +28064,7 @@
           <p:cNvPr id="9" name="CaixaDeTexto 8">
             <a:extLst>
               <a:ext uri="{FF2B5EF4-FFF2-40B4-BE49-F238E27FC236}">
-                <a16:creationId xmlns:a16="http://schemas.microsoft.com/office/drawing/2014/main" xmlns="" id="{E5EDFA8F-4109-44B8-A4F9-F9C3EDD6C6F9}"/>
+                <a16:creationId xmlns="" xmlns:a16="http://schemas.microsoft.com/office/drawing/2014/main" id="{E5EDFA8F-4109-44B8-A4F9-F9C3EDD6C6F9}"/>
               </a:ext>
             </a:extLst>
           </p:cNvPr>
@@ -27650,7 +28117,7 @@
           <p:cNvPr id="10" name="CaixaDeTexto 9">
             <a:extLst>
               <a:ext uri="{FF2B5EF4-FFF2-40B4-BE49-F238E27FC236}">
-                <a16:creationId xmlns:a16="http://schemas.microsoft.com/office/drawing/2014/main" xmlns="" id="{4347C280-ED3B-43B6-B433-85A10ADEDF8B}"/>
+                <a16:creationId xmlns="" xmlns:a16="http://schemas.microsoft.com/office/drawing/2014/main" id="{4347C280-ED3B-43B6-B433-85A10ADEDF8B}"/>
               </a:ext>
             </a:extLst>
           </p:cNvPr>
@@ -27758,7 +28225,7 @@
           <p:cNvPr id="6" name="Marcador de Posição de Conteúdo 5">
             <a:extLst>
               <a:ext uri="{FF2B5EF4-FFF2-40B4-BE49-F238E27FC236}">
-                <a16:creationId xmlns:a16="http://schemas.microsoft.com/office/drawing/2014/main" xmlns="" id="{C5FF8952-2B9F-44EA-A47C-E51E45773827}"/>
+                <a16:creationId xmlns="" xmlns:a16="http://schemas.microsoft.com/office/drawing/2014/main" id="{C5FF8952-2B9F-44EA-A47C-E51E45773827}"/>
               </a:ext>
             </a:extLst>
           </p:cNvPr>
@@ -27769,7 +28236,7 @@
             <p:ph idx="1"/>
             <p:extLst>
               <p:ext uri="{D42A27DB-BD31-4B8C-83A1-F6EECF244321}">
-                <p14:modId xmlns:p14="http://schemas.microsoft.com/office/powerpoint/2010/main" xmlns="" val="1472418342"/>
+                <p14:modId xmlns="" xmlns:p14="http://schemas.microsoft.com/office/powerpoint/2010/main" val="1472418342"/>
               </p:ext>
             </p:extLst>
           </p:nvPr>
@@ -27789,7 +28256,7 @@
           <p:cNvPr id="7" name="CaixaDeTexto 6">
             <a:extLst>
               <a:ext uri="{FF2B5EF4-FFF2-40B4-BE49-F238E27FC236}">
-                <a16:creationId xmlns:a16="http://schemas.microsoft.com/office/drawing/2014/main" xmlns="" id="{187D22F3-8904-4BF0-BF8D-89C9EBBF6149}"/>
+                <a16:creationId xmlns="" xmlns:a16="http://schemas.microsoft.com/office/drawing/2014/main" id="{187D22F3-8904-4BF0-BF8D-89C9EBBF6149}"/>
               </a:ext>
             </a:extLst>
           </p:cNvPr>
@@ -27842,7 +28309,7 @@
           <p:cNvPr id="8" name="CaixaDeTexto 7">
             <a:extLst>
               <a:ext uri="{FF2B5EF4-FFF2-40B4-BE49-F238E27FC236}">
-                <a16:creationId xmlns:a16="http://schemas.microsoft.com/office/drawing/2014/main" xmlns="" id="{A1F57BEC-B2B0-40E6-A38F-DA55273CBC1F}"/>
+                <a16:creationId xmlns="" xmlns:a16="http://schemas.microsoft.com/office/drawing/2014/main" id="{A1F57BEC-B2B0-40E6-A38F-DA55273CBC1F}"/>
               </a:ext>
             </a:extLst>
           </p:cNvPr>
@@ -27895,7 +28362,7 @@
           <p:cNvPr id="9" name="CaixaDeTexto 8">
             <a:extLst>
               <a:ext uri="{FF2B5EF4-FFF2-40B4-BE49-F238E27FC236}">
-                <a16:creationId xmlns:a16="http://schemas.microsoft.com/office/drawing/2014/main" xmlns="" id="{0246E122-B446-4C67-ABD0-5C14CB906ACF}"/>
+                <a16:creationId xmlns="" xmlns:a16="http://schemas.microsoft.com/office/drawing/2014/main" id="{0246E122-B446-4C67-ABD0-5C14CB906ACF}"/>
               </a:ext>
             </a:extLst>
           </p:cNvPr>
@@ -27948,7 +28415,7 @@
           <p:cNvPr id="10" name="CaixaDeTexto 9">
             <a:extLst>
               <a:ext uri="{FF2B5EF4-FFF2-40B4-BE49-F238E27FC236}">
-                <a16:creationId xmlns:a16="http://schemas.microsoft.com/office/drawing/2014/main" xmlns="" id="{065159E3-F126-45B3-8F7F-E0F906111C4B}"/>
+                <a16:creationId xmlns="" xmlns:a16="http://schemas.microsoft.com/office/drawing/2014/main" id="{065159E3-F126-45B3-8F7F-E0F906111C4B}"/>
               </a:ext>
             </a:extLst>
           </p:cNvPr>
@@ -28056,7 +28523,7 @@
           <p:cNvPr id="5" name="CaixaDeTexto 2">
             <a:extLst>
               <a:ext uri="{FF2B5EF4-FFF2-40B4-BE49-F238E27FC236}">
-                <a16:creationId xmlns:a16="http://schemas.microsoft.com/office/drawing/2014/main" xmlns="" id="{7634EFC6-9C86-4CE8-A64E-64BAD93FAF91}"/>
+                <a16:creationId xmlns="" xmlns:a16="http://schemas.microsoft.com/office/drawing/2014/main" id="{7634EFC6-9C86-4CE8-A64E-64BAD93FAF91}"/>
               </a:ext>
             </a:extLst>
           </p:cNvPr>
@@ -28173,7 +28640,7 @@
           <p:cNvPr id="9" name="Marcador de Posição de Conteúdo 8">
             <a:extLst>
               <a:ext uri="{FF2B5EF4-FFF2-40B4-BE49-F238E27FC236}">
-                <a16:creationId xmlns:a16="http://schemas.microsoft.com/office/drawing/2014/main" xmlns="" id="{D02754CF-C562-4B92-807F-B2CA86C10B10}"/>
+                <a16:creationId xmlns="" xmlns:a16="http://schemas.microsoft.com/office/drawing/2014/main" id="{D02754CF-C562-4B92-807F-B2CA86C10B10}"/>
               </a:ext>
             </a:extLst>
           </p:cNvPr>
@@ -28184,7 +28651,7 @@
             <p:ph idx="1"/>
             <p:extLst>
               <p:ext uri="{D42A27DB-BD31-4B8C-83A1-F6EECF244321}">
-                <p14:modId xmlns:p14="http://schemas.microsoft.com/office/powerpoint/2010/main" xmlns="" val="3987888895"/>
+                <p14:modId xmlns="" xmlns:p14="http://schemas.microsoft.com/office/powerpoint/2010/main" val="3987888895"/>
               </p:ext>
             </p:extLst>
           </p:nvPr>
@@ -28204,7 +28671,7 @@
           <p:cNvPr id="10" name="CaixaDeTexto 9">
             <a:extLst>
               <a:ext uri="{FF2B5EF4-FFF2-40B4-BE49-F238E27FC236}">
-                <a16:creationId xmlns:a16="http://schemas.microsoft.com/office/drawing/2014/main" xmlns="" id="{2963C07F-1FFD-4BDF-8711-46FA3346BDFA}"/>
+                <a16:creationId xmlns="" xmlns:a16="http://schemas.microsoft.com/office/drawing/2014/main" id="{2963C07F-1FFD-4BDF-8711-46FA3346BDFA}"/>
               </a:ext>
             </a:extLst>
           </p:cNvPr>
@@ -28257,7 +28724,7 @@
           <p:cNvPr id="11" name="CaixaDeTexto 10">
             <a:extLst>
               <a:ext uri="{FF2B5EF4-FFF2-40B4-BE49-F238E27FC236}">
-                <a16:creationId xmlns:a16="http://schemas.microsoft.com/office/drawing/2014/main" xmlns="" id="{B288401D-41FB-4EFF-89AD-97E8AE3563D0}"/>
+                <a16:creationId xmlns="" xmlns:a16="http://schemas.microsoft.com/office/drawing/2014/main" id="{B288401D-41FB-4EFF-89AD-97E8AE3563D0}"/>
               </a:ext>
             </a:extLst>
           </p:cNvPr>
@@ -28310,7 +28777,7 @@
           <p:cNvPr id="12" name="CaixaDeTexto 11">
             <a:extLst>
               <a:ext uri="{FF2B5EF4-FFF2-40B4-BE49-F238E27FC236}">
-                <a16:creationId xmlns:a16="http://schemas.microsoft.com/office/drawing/2014/main" xmlns="" id="{72D704DD-A4C4-48F4-80BF-8720058823E0}"/>
+                <a16:creationId xmlns="" xmlns:a16="http://schemas.microsoft.com/office/drawing/2014/main" id="{72D704DD-A4C4-48F4-80BF-8720058823E0}"/>
               </a:ext>
             </a:extLst>
           </p:cNvPr>
@@ -28418,7 +28885,7 @@
           <p:cNvPr id="10" name="Marcador de Posição de Conteúdo 9">
             <a:extLst>
               <a:ext uri="{FF2B5EF4-FFF2-40B4-BE49-F238E27FC236}">
-                <a16:creationId xmlns:a16="http://schemas.microsoft.com/office/drawing/2014/main" xmlns="" id="{2368EF70-BFD1-4DDA-94F1-FEB9683AAEF1}"/>
+                <a16:creationId xmlns="" xmlns:a16="http://schemas.microsoft.com/office/drawing/2014/main" id="{2368EF70-BFD1-4DDA-94F1-FEB9683AAEF1}"/>
               </a:ext>
             </a:extLst>
           </p:cNvPr>
@@ -28429,7 +28896,7 @@
             <p:ph idx="1"/>
             <p:extLst>
               <p:ext uri="{D42A27DB-BD31-4B8C-83A1-F6EECF244321}">
-                <p14:modId xmlns:p14="http://schemas.microsoft.com/office/powerpoint/2010/main" xmlns="" val="2682736835"/>
+                <p14:modId xmlns="" xmlns:p14="http://schemas.microsoft.com/office/powerpoint/2010/main" val="2682736835"/>
               </p:ext>
             </p:extLst>
           </p:nvPr>
@@ -28449,7 +28916,7 @@
           <p:cNvPr id="12" name="CaixaDeTexto 11">
             <a:extLst>
               <a:ext uri="{FF2B5EF4-FFF2-40B4-BE49-F238E27FC236}">
-                <a16:creationId xmlns:a16="http://schemas.microsoft.com/office/drawing/2014/main" xmlns="" id="{E135EF83-5C94-4326-89C4-AF4839F4375B}"/>
+                <a16:creationId xmlns="" xmlns:a16="http://schemas.microsoft.com/office/drawing/2014/main" id="{E135EF83-5C94-4326-89C4-AF4839F4375B}"/>
               </a:ext>
             </a:extLst>
           </p:cNvPr>
@@ -28502,7 +28969,7 @@
           <p:cNvPr id="13" name="CaixaDeTexto 12">
             <a:extLst>
               <a:ext uri="{FF2B5EF4-FFF2-40B4-BE49-F238E27FC236}">
-                <a16:creationId xmlns:a16="http://schemas.microsoft.com/office/drawing/2014/main" xmlns="" id="{79DB4884-DFFB-4DCD-8DB0-C21A204B1739}"/>
+                <a16:creationId xmlns="" xmlns:a16="http://schemas.microsoft.com/office/drawing/2014/main" id="{79DB4884-DFFB-4DCD-8DB0-C21A204B1739}"/>
               </a:ext>
             </a:extLst>
           </p:cNvPr>
@@ -28555,7 +29022,7 @@
           <p:cNvPr id="14" name="CaixaDeTexto 13">
             <a:extLst>
               <a:ext uri="{FF2B5EF4-FFF2-40B4-BE49-F238E27FC236}">
-                <a16:creationId xmlns:a16="http://schemas.microsoft.com/office/drawing/2014/main" xmlns="" id="{34A79EAC-5F2C-4772-994B-014EBEDB0E87}"/>
+                <a16:creationId xmlns="" xmlns:a16="http://schemas.microsoft.com/office/drawing/2014/main" id="{34A79EAC-5F2C-4772-994B-014EBEDB0E87}"/>
               </a:ext>
             </a:extLst>
           </p:cNvPr>
@@ -28608,7 +29075,7 @@
           <p:cNvPr id="16" name="CaixaDeTexto 15">
             <a:extLst>
               <a:ext uri="{FF2B5EF4-FFF2-40B4-BE49-F238E27FC236}">
-                <a16:creationId xmlns:a16="http://schemas.microsoft.com/office/drawing/2014/main" xmlns="" id="{B32B7E93-6041-44AC-BAA7-59C9D3ED44C6}"/>
+                <a16:creationId xmlns="" xmlns:a16="http://schemas.microsoft.com/office/drawing/2014/main" id="{B32B7E93-6041-44AC-BAA7-59C9D3ED44C6}"/>
               </a:ext>
             </a:extLst>
           </p:cNvPr>
@@ -28716,7 +29183,7 @@
           <p:cNvPr id="6" name="Marcador de Posição de Conteúdo 5">
             <a:extLst>
               <a:ext uri="{FF2B5EF4-FFF2-40B4-BE49-F238E27FC236}">
-                <a16:creationId xmlns:a16="http://schemas.microsoft.com/office/drawing/2014/main" xmlns="" id="{8780E141-24CE-4156-916E-834FA83293C5}"/>
+                <a16:creationId xmlns="" xmlns:a16="http://schemas.microsoft.com/office/drawing/2014/main" id="{8780E141-24CE-4156-916E-834FA83293C5}"/>
               </a:ext>
             </a:extLst>
           </p:cNvPr>
@@ -28727,7 +29194,7 @@
             <p:ph idx="1"/>
             <p:extLst>
               <p:ext uri="{D42A27DB-BD31-4B8C-83A1-F6EECF244321}">
-                <p14:modId xmlns:p14="http://schemas.microsoft.com/office/powerpoint/2010/main" xmlns="" val="4266772448"/>
+                <p14:modId xmlns="" xmlns:p14="http://schemas.microsoft.com/office/powerpoint/2010/main" val="4266772448"/>
               </p:ext>
             </p:extLst>
           </p:nvPr>
@@ -28798,7 +29265,7 @@
         </p:txBody>
       </p:sp>
       <mc:AlternateContent xmlns:mc="http://schemas.openxmlformats.org/markup-compatibility/2006">
-        <mc:Choice xmlns:a14="http://schemas.microsoft.com/office/drawing/2010/main" xmlns="" Requires="a14">
+        <mc:Choice xmlns="" xmlns:a14="http://schemas.microsoft.com/office/drawing/2010/main" Requires="a14">
           <p:sp>
             <p:nvSpPr>
               <p:cNvPr id="7" name="CaixaDeTexto 1">
@@ -28947,7 +29414,7 @@
               <p:cNvPr id="7" name="CaixaDeTexto 1">
                 <a:extLst>
                   <a:ext uri="{FF2B5EF4-FFF2-40B4-BE49-F238E27FC236}">
-                    <a16:creationId xmlns:a16="http://schemas.microsoft.com/office/drawing/2014/main" xmlns="" xmlns:a14="http://schemas.microsoft.com/office/drawing/2010/main" id="{A2FBD298-09E7-4CB1-8E47-01CB023EFC57}"/>
+                    <a16:creationId xmlns:a14="http://schemas.microsoft.com/office/drawing/2010/main" xmlns="" xmlns:a16="http://schemas.microsoft.com/office/drawing/2014/main" id="{A2FBD298-09E7-4CB1-8E47-01CB023EFC57}"/>
                   </a:ext>
                 </a:extLst>
               </p:cNvPr>
@@ -28991,7 +29458,7 @@
           <p:cNvPr id="8" name="Marcador de Posição de Conteúdo 7">
             <a:extLst>
               <a:ext uri="{FF2B5EF4-FFF2-40B4-BE49-F238E27FC236}">
-                <a16:creationId xmlns:a16="http://schemas.microsoft.com/office/drawing/2014/main" xmlns="" id="{3251F279-45CA-49E0-8EBB-A3643B355BC6}"/>
+                <a16:creationId xmlns="" xmlns:a16="http://schemas.microsoft.com/office/drawing/2014/main" id="{3251F279-45CA-49E0-8EBB-A3643B355BC6}"/>
               </a:ext>
             </a:extLst>
           </p:cNvPr>
@@ -29002,7 +29469,7 @@
             <p:ph idx="1"/>
             <p:extLst>
               <p:ext uri="{D42A27DB-BD31-4B8C-83A1-F6EECF244321}">
-                <p14:modId xmlns:p14="http://schemas.microsoft.com/office/powerpoint/2010/main" xmlns="" val="176733401"/>
+                <p14:modId xmlns="" xmlns:p14="http://schemas.microsoft.com/office/powerpoint/2010/main" val="176733401"/>
               </p:ext>
             </p:extLst>
           </p:nvPr>
@@ -29077,7 +29544,7 @@
           <p:cNvPr id="7" name="Marcador de Posição de Conteúdo 6">
             <a:extLst>
               <a:ext uri="{FF2B5EF4-FFF2-40B4-BE49-F238E27FC236}">
-                <a16:creationId xmlns:a16="http://schemas.microsoft.com/office/drawing/2014/main" xmlns="" id="{5A9E22EA-D002-4787-9FD1-7A529670444E}"/>
+                <a16:creationId xmlns="" xmlns:a16="http://schemas.microsoft.com/office/drawing/2014/main" id="{5A9E22EA-D002-4787-9FD1-7A529670444E}"/>
               </a:ext>
             </a:extLst>
           </p:cNvPr>
@@ -29088,7 +29555,7 @@
             <p:ph idx="1"/>
             <p:extLst>
               <p:ext uri="{D42A27DB-BD31-4B8C-83A1-F6EECF244321}">
-                <p14:modId xmlns:p14="http://schemas.microsoft.com/office/powerpoint/2010/main" xmlns="" val="1127316651"/>
+                <p14:modId xmlns="" xmlns:p14="http://schemas.microsoft.com/office/powerpoint/2010/main" val="1127316651"/>
               </p:ext>
             </p:extLst>
           </p:nvPr>

--- a/research/report/Apresentação.pptx
+++ b/research/report/Apresentação.pptx
@@ -128,7 +128,7 @@
   </p:defaultTextStyle>
   <p:extLst>
     <p:ext uri="{EFAFB233-063F-42B5-8137-9DF3F51BA10A}">
-      <p15:sldGuideLst xmlns="" xmlns:p15="http://schemas.microsoft.com/office/powerpoint/2012/main">
+      <p15:sldGuideLst xmlns:p15="http://schemas.microsoft.com/office/powerpoint/2012/main">
         <p15:guide id="1" orient="horz" pos="2160">
           <p15:clr>
             <a:srgbClr val="A4A3A4"/>
@@ -146,9 +146,18 @@
 </file>
 
 <file path=ppt/charts/chart1.xml><?xml version="1.0" encoding="utf-8"?>
-<c:chartSpace xmlns:c="http://schemas.openxmlformats.org/drawingml/2006/chart" xmlns:a="http://schemas.openxmlformats.org/drawingml/2006/main" xmlns:r="http://schemas.openxmlformats.org/officeDocument/2006/relationships">
-  <c:date1904 val="1"/>
+<c:chartSpace xmlns:c="http://schemas.openxmlformats.org/drawingml/2006/chart" xmlns:a="http://schemas.openxmlformats.org/drawingml/2006/main" xmlns:r="http://schemas.openxmlformats.org/officeDocument/2006/relationships" xmlns:c16r2="http://schemas.microsoft.com/office/drawing/2015/06/chart">
+  <c:date1904 val="0"/>
   <c:lang val="pt-PT"/>
+  <c:roundedCorners val="0"/>
+  <mc:AlternateContent xmlns:mc="http://schemas.openxmlformats.org/markup-compatibility/2006">
+    <mc:Choice xmlns:c14="http://schemas.microsoft.com/office/drawing/2007/8/2/chart" Requires="c14">
+      <c14:style val="102"/>
+    </mc:Choice>
+    <mc:Fallback>
+      <c:style val="2"/>
+    </mc:Fallback>
+  </mc:AlternateContent>
   <c:chart>
     <c:title>
       <c:tx>
@@ -181,17 +190,7 @@
           </a:p>
           <a:p>
             <a:pPr>
-              <a:defRPr sz="1600" b="1" i="0" u="none" strike="noStrike" kern="1200" cap="all" spc="120" normalizeH="0" baseline="0">
-                <a:solidFill>
-                  <a:schemeClr val="tx1">
-                    <a:lumMod val="65000"/>
-                    <a:lumOff val="35000"/>
-                  </a:schemeClr>
-                </a:solidFill>
-                <a:latin typeface="+mn-lt"/>
-                <a:ea typeface="+mn-ea"/>
-                <a:cs typeface="+mn-cs"/>
-              </a:defRPr>
+              <a:defRPr/>
             </a:pPr>
             <a:r>
               <a:rPr lang="pt-PT" sz="1800" b="1" i="0" cap="all" baseline="0">
@@ -205,7 +204,7 @@
           </a:p>
         </c:rich>
       </c:tx>
-      <c:layout/>
+      <c:overlay val="0"/>
       <c:spPr>
         <a:noFill/>
         <a:ln>
@@ -213,12 +212,34 @@
         </a:ln>
         <a:effectLst/>
       </c:spPr>
+      <c:txPr>
+        <a:bodyPr rot="0" spcFirstLastPara="1" vertOverflow="ellipsis" vert="horz" wrap="square" anchor="ctr" anchorCtr="1"/>
+        <a:lstStyle/>
+        <a:p>
+          <a:pPr>
+            <a:defRPr sz="1600" b="1" i="0" u="none" strike="noStrike" kern="1200" cap="all" spc="120" normalizeH="0" baseline="0">
+              <a:solidFill>
+                <a:schemeClr val="tx1">
+                  <a:lumMod val="65000"/>
+                  <a:lumOff val="35000"/>
+                </a:schemeClr>
+              </a:solidFill>
+              <a:latin typeface="+mn-lt"/>
+              <a:ea typeface="+mn-ea"/>
+              <a:cs typeface="+mn-cs"/>
+            </a:defRPr>
+          </a:pPr>
+          <a:endParaRPr lang="pt-PT"/>
+        </a:p>
+      </c:txPr>
     </c:title>
+    <c:autoTitleDeleted val="0"/>
     <c:plotArea>
       <c:layout/>
       <c:barChart>
         <c:barDir val="col"/>
         <c:grouping val="clustered"/>
+        <c:varyColors val="0"/>
         <c:ser>
           <c:idx val="0"/>
           <c:order val="0"/>
@@ -234,6 +255,7 @@
             </a:ln>
             <a:effectLst/>
           </c:spPr>
+          <c:invertIfNegative val="0"/>
           <c:dLbls>
             <c:spPr>
               <a:noFill/>
@@ -265,8 +287,14 @@
               </a:p>
             </c:txPr>
             <c:dLblPos val="outEnd"/>
+            <c:showLegendKey val="0"/>
             <c:showVal val="1"/>
-            <c:extLst xmlns:c16r2="http://schemas.microsoft.com/office/drawing/2015/06/chart">
+            <c:showCatName val="0"/>
+            <c:showSerName val="0"/>
+            <c:showPercent val="0"/>
+            <c:showBubbleSize val="0"/>
+            <c:showLeaderLines val="0"/>
+            <c:extLst>
               <c:ext xmlns:c15="http://schemas.microsoft.com/office/drawing/2012/chart" uri="{CE6537A1-D6FC-4f65-9D91-7224C49458BB}">
                 <c15:showLeaderLines val="1"/>
                 <c15:leaderLines>
@@ -329,7 +357,7 @@
               </c:numCache>
             </c:numRef>
           </c:val>
-          <c:extLst xmlns:c16r2="http://schemas.microsoft.com/office/drawing/2015/06/chart">
+          <c:extLst>
             <c:ext xmlns:c16="http://schemas.microsoft.com/office/drawing/2014/chart" uri="{C3380CC4-5D6E-409C-BE32-E72D297353CC}">
               <c16:uniqueId val="{00000000-7145-406C-A058-B9E3C1CD5899}"/>
             </c:ext>
@@ -350,6 +378,7 @@
             </a:ln>
             <a:effectLst/>
           </c:spPr>
+          <c:invertIfNegative val="0"/>
           <c:dLbls>
             <c:spPr>
               <a:noFill/>
@@ -381,8 +410,14 @@
               </a:p>
             </c:txPr>
             <c:dLblPos val="outEnd"/>
+            <c:showLegendKey val="0"/>
             <c:showVal val="1"/>
-            <c:extLst xmlns:c16r2="http://schemas.microsoft.com/office/drawing/2015/06/chart">
+            <c:showCatName val="0"/>
+            <c:showSerName val="0"/>
+            <c:showPercent val="0"/>
+            <c:showBubbleSize val="0"/>
+            <c:showLeaderLines val="0"/>
+            <c:extLst>
               <c:ext xmlns:c15="http://schemas.microsoft.com/office/drawing/2012/chart" uri="{CE6537A1-D6FC-4f65-9D91-7224C49458BB}">
                 <c15:showLeaderLines val="1"/>
                 <c15:leaderLines>
@@ -445,7 +480,7 @@
               </c:numCache>
             </c:numRef>
           </c:val>
-          <c:extLst xmlns:c16r2="http://schemas.microsoft.com/office/drawing/2015/06/chart">
+          <c:extLst>
             <c:ext xmlns:c16="http://schemas.microsoft.com/office/drawing/2014/chart" uri="{C3380CC4-5D6E-409C-BE32-E72D297353CC}">
               <c16:uniqueId val="{00000001-7145-406C-A058-B9E3C1CD5899}"/>
             </c:ext>
@@ -466,6 +501,7 @@
             </a:ln>
             <a:effectLst/>
           </c:spPr>
+          <c:invertIfNegative val="0"/>
           <c:dLbls>
             <c:spPr>
               <a:noFill/>
@@ -497,8 +533,14 @@
               </a:p>
             </c:txPr>
             <c:dLblPos val="outEnd"/>
+            <c:showLegendKey val="0"/>
             <c:showVal val="1"/>
-            <c:extLst xmlns:c16r2="http://schemas.microsoft.com/office/drawing/2015/06/chart">
+            <c:showCatName val="0"/>
+            <c:showSerName val="0"/>
+            <c:showPercent val="0"/>
+            <c:showBubbleSize val="0"/>
+            <c:showLeaderLines val="0"/>
+            <c:extLst>
               <c:ext xmlns:c15="http://schemas.microsoft.com/office/drawing/2012/chart" uri="{CE6537A1-D6FC-4f65-9D91-7224C49458BB}">
                 <c15:showLeaderLines val="1"/>
                 <c15:leaderLines>
@@ -561,7 +603,7 @@
               </c:numCache>
             </c:numRef>
           </c:val>
-          <c:extLst xmlns:c16r2="http://schemas.microsoft.com/office/drawing/2015/06/chart">
+          <c:extLst>
             <c:ext xmlns:c16="http://schemas.microsoft.com/office/drawing/2014/chart" uri="{C3380CC4-5D6E-409C-BE32-E72D297353CC}">
               <c16:uniqueId val="{00000002-7145-406C-A058-B9E3C1CD5899}"/>
             </c:ext>
@@ -582,6 +624,7 @@
             </a:ln>
             <a:effectLst/>
           </c:spPr>
+          <c:invertIfNegative val="0"/>
           <c:dLbls>
             <c:spPr>
               <a:noFill/>
@@ -613,8 +656,14 @@
               </a:p>
             </c:txPr>
             <c:dLblPos val="outEnd"/>
+            <c:showLegendKey val="0"/>
             <c:showVal val="1"/>
-            <c:extLst xmlns:c16r2="http://schemas.microsoft.com/office/drawing/2015/06/chart">
+            <c:showCatName val="0"/>
+            <c:showSerName val="0"/>
+            <c:showPercent val="0"/>
+            <c:showBubbleSize val="0"/>
+            <c:showLeaderLines val="0"/>
+            <c:extLst>
               <c:ext xmlns:c15="http://schemas.microsoft.com/office/drawing/2012/chart" uri="{CE6537A1-D6FC-4f65-9D91-7224C49458BB}">
                 <c15:showLeaderLines val="1"/>
                 <c15:leaderLines>
@@ -677,7 +726,7 @@
               </c:numCache>
             </c:numRef>
           </c:val>
-          <c:extLst xmlns:c16r2="http://schemas.microsoft.com/office/drawing/2015/06/chart">
+          <c:extLst>
             <c:ext xmlns:c16="http://schemas.microsoft.com/office/drawing/2014/chart" uri="{C3380CC4-5D6E-409C-BE32-E72D297353CC}">
               <c16:uniqueId val="{00000003-7145-406C-A058-B9E3C1CD5899}"/>
             </c:ext>
@@ -706,6 +755,7 @@
             </a:ln>
             <a:effectLst/>
           </c:spPr>
+          <c:invertIfNegative val="0"/>
           <c:dLbls>
             <c:spPr>
               <a:noFill/>
@@ -737,8 +787,14 @@
               </a:p>
             </c:txPr>
             <c:dLblPos val="outEnd"/>
+            <c:showLegendKey val="0"/>
             <c:showVal val="1"/>
-            <c:extLst xmlns:c16r2="http://schemas.microsoft.com/office/drawing/2015/06/chart">
+            <c:showCatName val="0"/>
+            <c:showSerName val="0"/>
+            <c:showPercent val="0"/>
+            <c:showBubbleSize val="0"/>
+            <c:showLeaderLines val="0"/>
+            <c:extLst>
               <c:ext xmlns:c15="http://schemas.microsoft.com/office/drawing/2012/chart" uri="{CE6537A1-D6FC-4f65-9D91-7224C49458BB}">
                 <c15:showLeaderLines val="1"/>
                 <c15:leaderLines>
@@ -781,14 +837,19 @@
               </c:numCache>
             </c:numRef>
           </c:val>
-          <c:extLst xmlns:c16r2="http://schemas.microsoft.com/office/drawing/2015/06/chart">
+          <c:extLst>
             <c:ext xmlns:c16="http://schemas.microsoft.com/office/drawing/2014/chart" uri="{C3380CC4-5D6E-409C-BE32-E72D297353CC}">
               <c16:uniqueId val="{00000004-7145-406C-A058-B9E3C1CD5899}"/>
             </c:ext>
           </c:extLst>
         </c:ser>
         <c:dLbls>
+          <c:showLegendKey val="0"/>
           <c:showVal val="1"/>
+          <c:showCatName val="0"/>
+          <c:showSerName val="0"/>
+          <c:showPercent val="0"/>
+          <c:showBubbleSize val="0"/>
         </c:dLbls>
         <c:gapWidth val="444"/>
         <c:overlap val="-90"/>
@@ -800,6 +861,7 @@
         <c:scaling>
           <c:orientation val="minMax"/>
         </c:scaling>
+        <c:delete val="0"/>
         <c:axPos val="b"/>
         <c:majorGridlines>
           <c:spPr>
@@ -817,6 +879,7 @@
         </c:majorGridlines>
         <c:numFmt formatCode="General" sourceLinked="1"/>
         <c:majorTickMark val="none"/>
+        <c:minorTickMark val="none"/>
         <c:tickLblPos val="nextTo"/>
         <c:spPr>
           <a:noFill/>
@@ -856,6 +919,7 @@
         <c:auto val="1"/>
         <c:lblAlgn val="ctr"/>
         <c:lblOffset val="100"/>
+        <c:noMultiLvlLbl val="0"/>
       </c:catAx>
       <c:valAx>
         <c:axId val="107593728"/>
@@ -866,6 +930,7 @@
         <c:axPos val="l"/>
         <c:numFmt formatCode="General" sourceLinked="1"/>
         <c:majorTickMark val="none"/>
+        <c:minorTickMark val="none"/>
         <c:tickLblPos val="nextTo"/>
         <c:crossAx val="107587840"/>
         <c:crosses val="autoZero"/>
@@ -919,7 +984,7 @@
     </c:plotArea>
     <c:legend>
       <c:legendPos val="t"/>
-      <c:layout/>
+      <c:overlay val="0"/>
       <c:spPr>
         <a:noFill/>
         <a:ln>
@@ -950,6 +1015,7 @@
     </c:legend>
     <c:plotVisOnly val="1"/>
     <c:dispBlanksAs val="gap"/>
+    <c:showDLblsOverMax val="0"/>
   </c:chart>
   <c:spPr>
     <a:noFill/>
@@ -968,13 +1034,25 @@
       <a:endParaRPr lang="pt-PT"/>
     </a:p>
   </c:txPr>
-  <c:externalData r:id="rId1"/>
+  <c:externalData r:id="rId3">
+    <c:autoUpdate val="0"/>
+  </c:externalData>
 </c:chartSpace>
 </file>
 
 <file path=ppt/charts/chart10.xml><?xml version="1.0" encoding="utf-8"?>
-<c:chartSpace xmlns:c="http://schemas.openxmlformats.org/drawingml/2006/chart" xmlns:a="http://schemas.openxmlformats.org/drawingml/2006/main" xmlns:r="http://schemas.openxmlformats.org/officeDocument/2006/relationships">
+<c:chartSpace xmlns:c="http://schemas.openxmlformats.org/drawingml/2006/chart" xmlns:a="http://schemas.openxmlformats.org/drawingml/2006/main" xmlns:r="http://schemas.openxmlformats.org/officeDocument/2006/relationships" xmlns:c16r2="http://schemas.microsoft.com/office/drawing/2015/06/chart">
+  <c:date1904 val="0"/>
   <c:lang val="pt-PT"/>
+  <c:roundedCorners val="0"/>
+  <mc:AlternateContent xmlns:mc="http://schemas.openxmlformats.org/markup-compatibility/2006">
+    <mc:Choice xmlns:c14="http://schemas.microsoft.com/office/drawing/2007/8/2/chart" Requires="c14">
+      <c14:style val="102"/>
+    </mc:Choice>
+    <mc:Fallback>
+      <c:style val="2"/>
+    </mc:Fallback>
+  </mc:AlternateContent>
   <c:chart>
     <c:title>
       <c:tx>
@@ -1007,17 +1085,7 @@
           </a:p>
           <a:p>
             <a:pPr>
-              <a:defRPr sz="1400" b="0" i="0" u="none" strike="noStrike" kern="1200" spc="0" baseline="0">
-                <a:solidFill>
-                  <a:schemeClr val="tx1">
-                    <a:lumMod val="65000"/>
-                    <a:lumOff val="35000"/>
-                  </a:schemeClr>
-                </a:solidFill>
-                <a:latin typeface="+mn-lt"/>
-                <a:ea typeface="+mn-ea"/>
-                <a:cs typeface="+mn-cs"/>
-              </a:defRPr>
+              <a:defRPr/>
             </a:pPr>
             <a:r>
               <a:rPr lang="pt-PT" sz="1800" b="1" i="0" cap="all" baseline="0">
@@ -1031,7 +1099,7 @@
           </a:p>
         </c:rich>
       </c:tx>
-      <c:layout/>
+      <c:overlay val="0"/>
       <c:spPr>
         <a:noFill/>
         <a:ln>
@@ -1039,12 +1107,34 @@
         </a:ln>
         <a:effectLst/>
       </c:spPr>
+      <c:txPr>
+        <a:bodyPr rot="0" spcFirstLastPara="1" vertOverflow="ellipsis" vert="horz" wrap="square" anchor="ctr" anchorCtr="1"/>
+        <a:lstStyle/>
+        <a:p>
+          <a:pPr>
+            <a:defRPr sz="1400" b="0" i="0" u="none" strike="noStrike" kern="1200" spc="0" baseline="0">
+              <a:solidFill>
+                <a:schemeClr val="tx1">
+                  <a:lumMod val="65000"/>
+                  <a:lumOff val="35000"/>
+                </a:schemeClr>
+              </a:solidFill>
+              <a:latin typeface="+mn-lt"/>
+              <a:ea typeface="+mn-ea"/>
+              <a:cs typeface="+mn-cs"/>
+            </a:defRPr>
+          </a:pPr>
+          <a:endParaRPr lang="pt-PT"/>
+        </a:p>
+      </c:txPr>
     </c:title>
+    <c:autoTitleDeleted val="0"/>
     <c:plotArea>
       <c:layout/>
       <c:barChart>
         <c:barDir val="col"/>
         <c:grouping val="clustered"/>
+        <c:varyColors val="0"/>
         <c:ser>
           <c:idx val="0"/>
           <c:order val="0"/>
@@ -1060,6 +1150,7 @@
             </a:ln>
             <a:effectLst/>
           </c:spPr>
+          <c:invertIfNegative val="0"/>
           <c:cat>
             <c:strRef>
               <c:f>Folha1!$Q$32:$AF$32</c:f>
@@ -1173,7 +1264,7 @@
               </c:numCache>
             </c:numRef>
           </c:val>
-          <c:extLst xmlns:c16r2="http://schemas.microsoft.com/office/drawing/2015/06/chart">
+          <c:extLst>
             <c:ext xmlns:c16="http://schemas.microsoft.com/office/drawing/2014/chart" uri="{C3380CC4-5D6E-409C-BE32-E72D297353CC}">
               <c16:uniqueId val="{00000000-63DE-4F66-B70A-47D98AC30481}"/>
             </c:ext>
@@ -1194,6 +1285,7 @@
             </a:ln>
             <a:effectLst/>
           </c:spPr>
+          <c:invertIfNegative val="0"/>
           <c:cat>
             <c:strRef>
               <c:f>Folha1!$Q$32:$AF$32</c:f>
@@ -1307,7 +1399,7 @@
               </c:numCache>
             </c:numRef>
           </c:val>
-          <c:extLst xmlns:c16r2="http://schemas.microsoft.com/office/drawing/2015/06/chart">
+          <c:extLst>
             <c:ext xmlns:c16="http://schemas.microsoft.com/office/drawing/2014/chart" uri="{C3380CC4-5D6E-409C-BE32-E72D297353CC}">
               <c16:uniqueId val="{00000001-63DE-4F66-B70A-47D98AC30481}"/>
             </c:ext>
@@ -1328,6 +1420,7 @@
             </a:ln>
             <a:effectLst/>
           </c:spPr>
+          <c:invertIfNegative val="0"/>
           <c:cat>
             <c:strRef>
               <c:f>Folha1!$Q$32:$AF$32</c:f>
@@ -1441,7 +1534,7 @@
               </c:numCache>
             </c:numRef>
           </c:val>
-          <c:extLst xmlns:c16r2="http://schemas.microsoft.com/office/drawing/2015/06/chart">
+          <c:extLst>
             <c:ext xmlns:c16="http://schemas.microsoft.com/office/drawing/2014/chart" uri="{C3380CC4-5D6E-409C-BE32-E72D297353CC}">
               <c16:uniqueId val="{00000002-63DE-4F66-B70A-47D98AC30481}"/>
             </c:ext>
@@ -1462,6 +1555,7 @@
             </a:ln>
             <a:effectLst/>
           </c:spPr>
+          <c:invertIfNegative val="0"/>
           <c:cat>
             <c:strRef>
               <c:f>Folha1!$Q$32:$AF$32</c:f>
@@ -1575,7 +1669,7 @@
               </c:numCache>
             </c:numRef>
           </c:val>
-          <c:extLst xmlns:c16r2="http://schemas.microsoft.com/office/drawing/2015/06/chart">
+          <c:extLst>
             <c:ext xmlns:c16="http://schemas.microsoft.com/office/drawing/2014/chart" uri="{C3380CC4-5D6E-409C-BE32-E72D297353CC}">
               <c16:uniqueId val="{00000003-63DE-4F66-B70A-47D98AC30481}"/>
             </c:ext>
@@ -1596,6 +1690,7 @@
             </a:ln>
             <a:effectLst/>
           </c:spPr>
+          <c:invertIfNegative val="0"/>
           <c:cat>
             <c:strRef>
               <c:f>Folha1!$Q$32:$AF$32</c:f>
@@ -1706,12 +1801,20 @@
               </c:numCache>
             </c:numRef>
           </c:val>
-          <c:extLst xmlns:c16r2="http://schemas.microsoft.com/office/drawing/2015/06/chart">
+          <c:extLst>
             <c:ext xmlns:c16="http://schemas.microsoft.com/office/drawing/2014/chart" uri="{C3380CC4-5D6E-409C-BE32-E72D297353CC}">
               <c16:uniqueId val="{00000004-63DE-4F66-B70A-47D98AC30481}"/>
             </c:ext>
           </c:extLst>
         </c:ser>
+        <c:dLbls>
+          <c:showLegendKey val="0"/>
+          <c:showVal val="0"/>
+          <c:showCatName val="0"/>
+          <c:showSerName val="0"/>
+          <c:showPercent val="0"/>
+          <c:showBubbleSize val="0"/>
+        </c:dLbls>
         <c:gapWidth val="219"/>
         <c:overlap val="-27"/>
         <c:axId val="109902080"/>
@@ -1722,9 +1825,11 @@
         <c:scaling>
           <c:orientation val="minMax"/>
         </c:scaling>
+        <c:delete val="0"/>
         <c:axPos val="b"/>
         <c:numFmt formatCode="General" sourceLinked="1"/>
         <c:majorTickMark val="none"/>
+        <c:minorTickMark val="none"/>
         <c:tickLblPos val="nextTo"/>
         <c:spPr>
           <a:noFill/>
@@ -1764,12 +1869,14 @@
         <c:auto val="1"/>
         <c:lblAlgn val="ctr"/>
         <c:lblOffset val="100"/>
+        <c:noMultiLvlLbl val="0"/>
       </c:catAx>
       <c:valAx>
         <c:axId val="109715456"/>
         <c:scaling>
           <c:orientation val="minMax"/>
         </c:scaling>
+        <c:delete val="0"/>
         <c:axPos val="l"/>
         <c:majorGridlines>
           <c:spPr>
@@ -1787,6 +1894,7 @@
         </c:majorGridlines>
         <c:numFmt formatCode="General" sourceLinked="1"/>
         <c:majorTickMark val="none"/>
+        <c:minorTickMark val="none"/>
         <c:tickLblPos val="nextTo"/>
         <c:spPr>
           <a:noFill/>
@@ -1868,6 +1976,7 @@
     </c:plotArea>
     <c:plotVisOnly val="1"/>
     <c:dispBlanksAs val="gap"/>
+    <c:showDLblsOverMax val="0"/>
   </c:chart>
   <c:spPr>
     <a:noFill/>
@@ -1886,14 +1995,25 @@
       <a:endParaRPr lang="pt-PT"/>
     </a:p>
   </c:txPr>
-  <c:externalData r:id="rId1"/>
+  <c:externalData r:id="rId3">
+    <c:autoUpdate val="0"/>
+  </c:externalData>
 </c:chartSpace>
 </file>
 
 <file path=ppt/charts/chart11.xml><?xml version="1.0" encoding="utf-8"?>
-<c:chartSpace xmlns:c="http://schemas.openxmlformats.org/drawingml/2006/chart" xmlns:a="http://schemas.openxmlformats.org/drawingml/2006/main" xmlns:r="http://schemas.openxmlformats.org/officeDocument/2006/relationships">
-  <c:date1904 val="1"/>
+<c:chartSpace xmlns:c="http://schemas.openxmlformats.org/drawingml/2006/chart" xmlns:a="http://schemas.openxmlformats.org/drawingml/2006/main" xmlns:r="http://schemas.openxmlformats.org/officeDocument/2006/relationships" xmlns:c16r2="http://schemas.microsoft.com/office/drawing/2015/06/chart">
+  <c:date1904 val="0"/>
   <c:lang val="pt-PT"/>
+  <c:roundedCorners val="0"/>
+  <mc:AlternateContent xmlns:mc="http://schemas.openxmlformats.org/markup-compatibility/2006">
+    <mc:Choice xmlns:c14="http://schemas.microsoft.com/office/drawing/2007/8/2/chart" Requires="c14">
+      <c14:style val="102"/>
+    </mc:Choice>
+    <mc:Fallback>
+      <c:style val="2"/>
+    </mc:Fallback>
+  </mc:AlternateContent>
   <c:chart>
     <c:title>
       <c:tx>
@@ -1926,7 +2046,7 @@
           </a:p>
         </c:rich>
       </c:tx>
-      <c:layout/>
+      <c:overlay val="0"/>
       <c:spPr>
         <a:noFill/>
         <a:ln>
@@ -1934,12 +2054,34 @@
         </a:ln>
         <a:effectLst/>
       </c:spPr>
+      <c:txPr>
+        <a:bodyPr rot="0" spcFirstLastPara="1" vertOverflow="ellipsis" vert="horz" wrap="square" anchor="ctr" anchorCtr="1"/>
+        <a:lstStyle/>
+        <a:p>
+          <a:pPr>
+            <a:defRPr sz="1400" b="0" i="0" u="none" strike="noStrike" kern="1200" spc="0" baseline="0">
+              <a:solidFill>
+                <a:schemeClr val="tx1">
+                  <a:lumMod val="65000"/>
+                  <a:lumOff val="35000"/>
+                </a:schemeClr>
+              </a:solidFill>
+              <a:latin typeface="+mn-lt"/>
+              <a:ea typeface="+mn-ea"/>
+              <a:cs typeface="+mn-cs"/>
+            </a:defRPr>
+          </a:pPr>
+          <a:endParaRPr lang="pt-PT"/>
+        </a:p>
+      </c:txPr>
     </c:title>
+    <c:autoTitleDeleted val="0"/>
     <c:plotArea>
       <c:layout/>
       <c:barChart>
         <c:barDir val="col"/>
         <c:grouping val="clustered"/>
+        <c:varyColors val="0"/>
         <c:ser>
           <c:idx val="0"/>
           <c:order val="0"/>
@@ -1955,6 +2097,7 @@
             </a:ln>
             <a:effectLst/>
           </c:spPr>
+          <c:invertIfNegative val="0"/>
           <c:cat>
             <c:strRef>
               <c:f>Folha1!$Q$32:$AF$32</c:f>
@@ -2068,7 +2211,7 @@
               </c:numCache>
             </c:numRef>
           </c:val>
-          <c:extLst xmlns:c16r2="http://schemas.microsoft.com/office/drawing/2015/06/chart">
+          <c:extLst>
             <c:ext xmlns:c16="http://schemas.microsoft.com/office/drawing/2014/chart" uri="{C3380CC4-5D6E-409C-BE32-E72D297353CC}">
               <c16:uniqueId val="{00000000-7845-434D-8268-4C14A0D8F5A5}"/>
             </c:ext>
@@ -2089,6 +2232,7 @@
             </a:ln>
             <a:effectLst/>
           </c:spPr>
+          <c:invertIfNegative val="0"/>
           <c:cat>
             <c:strRef>
               <c:f>Folha1!$Q$32:$AF$32</c:f>
@@ -2202,7 +2346,7 @@
               </c:numCache>
             </c:numRef>
           </c:val>
-          <c:extLst xmlns:c16r2="http://schemas.microsoft.com/office/drawing/2015/06/chart">
+          <c:extLst>
             <c:ext xmlns:c16="http://schemas.microsoft.com/office/drawing/2014/chart" uri="{C3380CC4-5D6E-409C-BE32-E72D297353CC}">
               <c16:uniqueId val="{00000001-7845-434D-8268-4C14A0D8F5A5}"/>
             </c:ext>
@@ -2223,6 +2367,7 @@
             </a:ln>
             <a:effectLst/>
           </c:spPr>
+          <c:invertIfNegative val="0"/>
           <c:cat>
             <c:strRef>
               <c:f>Folha1!$Q$32:$AF$32</c:f>
@@ -2336,7 +2481,7 @@
               </c:numCache>
             </c:numRef>
           </c:val>
-          <c:extLst xmlns:c16r2="http://schemas.microsoft.com/office/drawing/2015/06/chart">
+          <c:extLst>
             <c:ext xmlns:c16="http://schemas.microsoft.com/office/drawing/2014/chart" uri="{C3380CC4-5D6E-409C-BE32-E72D297353CC}">
               <c16:uniqueId val="{00000002-7845-434D-8268-4C14A0D8F5A5}"/>
             </c:ext>
@@ -2365,6 +2510,7 @@
             </a:ln>
             <a:effectLst/>
           </c:spPr>
+          <c:invertIfNegative val="0"/>
           <c:cat>
             <c:strRef>
               <c:f>Folha1!$Q$32:$AF$32</c:f>
@@ -2478,7 +2624,7 @@
               </c:numCache>
             </c:numRef>
           </c:val>
-          <c:extLst xmlns:c16r2="http://schemas.microsoft.com/office/drawing/2015/06/chart">
+          <c:extLst>
             <c:ext xmlns:c16="http://schemas.microsoft.com/office/drawing/2014/chart" uri="{C3380CC4-5D6E-409C-BE32-E72D297353CC}">
               <c16:uniqueId val="{00000003-7845-434D-8268-4C14A0D8F5A5}"/>
             </c:ext>
@@ -2499,6 +2645,7 @@
             </a:ln>
             <a:effectLst/>
           </c:spPr>
+          <c:invertIfNegative val="0"/>
           <c:cat>
             <c:strRef>
               <c:f>Folha1!$Q$32:$AF$32</c:f>
@@ -2609,12 +2756,20 @@
               </c:numCache>
             </c:numRef>
           </c:val>
-          <c:extLst xmlns:c16r2="http://schemas.microsoft.com/office/drawing/2015/06/chart">
+          <c:extLst>
             <c:ext xmlns:c16="http://schemas.microsoft.com/office/drawing/2014/chart" uri="{C3380CC4-5D6E-409C-BE32-E72D297353CC}">
               <c16:uniqueId val="{00000004-7845-434D-8268-4C14A0D8F5A5}"/>
             </c:ext>
           </c:extLst>
         </c:ser>
+        <c:dLbls>
+          <c:showLegendKey val="0"/>
+          <c:showVal val="0"/>
+          <c:showCatName val="0"/>
+          <c:showSerName val="0"/>
+          <c:showPercent val="0"/>
+          <c:showBubbleSize val="0"/>
+        </c:dLbls>
         <c:gapWidth val="219"/>
         <c:overlap val="-27"/>
         <c:axId val="109820160"/>
@@ -2625,9 +2780,11 @@
         <c:scaling>
           <c:orientation val="minMax"/>
         </c:scaling>
+        <c:delete val="0"/>
         <c:axPos val="b"/>
         <c:numFmt formatCode="General" sourceLinked="1"/>
         <c:majorTickMark val="none"/>
+        <c:minorTickMark val="none"/>
         <c:tickLblPos val="nextTo"/>
         <c:spPr>
           <a:noFill/>
@@ -2667,12 +2824,14 @@
         <c:auto val="1"/>
         <c:lblAlgn val="ctr"/>
         <c:lblOffset val="100"/>
+        <c:noMultiLvlLbl val="0"/>
       </c:catAx>
       <c:valAx>
         <c:axId val="110034944"/>
         <c:scaling>
           <c:orientation val="minMax"/>
         </c:scaling>
+        <c:delete val="0"/>
         <c:axPos val="l"/>
         <c:majorGridlines>
           <c:spPr>
@@ -2690,6 +2849,7 @@
         </c:majorGridlines>
         <c:numFmt formatCode="General" sourceLinked="1"/>
         <c:majorTickMark val="none"/>
+        <c:minorTickMark val="none"/>
         <c:tickLblPos val="nextTo"/>
         <c:spPr>
           <a:noFill/>
@@ -2771,6 +2931,7 @@
     </c:plotArea>
     <c:plotVisOnly val="1"/>
     <c:dispBlanksAs val="gap"/>
+    <c:showDLblsOverMax val="0"/>
   </c:chart>
   <c:spPr>
     <a:noFill/>
@@ -2789,14 +2950,25 @@
       <a:endParaRPr lang="pt-PT"/>
     </a:p>
   </c:txPr>
-  <c:externalData r:id="rId1"/>
+  <c:externalData r:id="rId3">
+    <c:autoUpdate val="0"/>
+  </c:externalData>
 </c:chartSpace>
 </file>
 
 <file path=ppt/charts/chart12.xml><?xml version="1.0" encoding="utf-8"?>
-<c:chartSpace xmlns:c="http://schemas.openxmlformats.org/drawingml/2006/chart" xmlns:a="http://schemas.openxmlformats.org/drawingml/2006/main" xmlns:r="http://schemas.openxmlformats.org/officeDocument/2006/relationships">
-  <c:date1904 val="1"/>
+<c:chartSpace xmlns:c="http://schemas.openxmlformats.org/drawingml/2006/chart" xmlns:a="http://schemas.openxmlformats.org/drawingml/2006/main" xmlns:r="http://schemas.openxmlformats.org/officeDocument/2006/relationships" xmlns:c16r2="http://schemas.microsoft.com/office/drawing/2015/06/chart">
+  <c:date1904 val="0"/>
   <c:lang val="pt-PT"/>
+  <c:roundedCorners val="0"/>
+  <mc:AlternateContent xmlns:mc="http://schemas.openxmlformats.org/markup-compatibility/2006">
+    <mc:Choice xmlns:c14="http://schemas.microsoft.com/office/drawing/2007/8/2/chart" Requires="c14">
+      <c14:style val="102"/>
+    </mc:Choice>
+    <mc:Fallback>
+      <c:style val="2"/>
+    </mc:Fallback>
+  </mc:AlternateContent>
   <c:chart>
     <c:title>
       <c:tx>
@@ -2826,7 +2998,7 @@
           </a:p>
         </c:rich>
       </c:tx>
-      <c:layout/>
+      <c:overlay val="0"/>
       <c:spPr>
         <a:noFill/>
         <a:ln>
@@ -2834,11 +3006,33 @@
         </a:ln>
         <a:effectLst/>
       </c:spPr>
+      <c:txPr>
+        <a:bodyPr rot="0" spcFirstLastPara="1" vertOverflow="ellipsis" vert="horz" wrap="square" anchor="ctr" anchorCtr="1"/>
+        <a:lstStyle/>
+        <a:p>
+          <a:pPr>
+            <a:defRPr sz="1400" b="0" i="0" u="none" strike="noStrike" kern="1200" spc="0" baseline="0">
+              <a:solidFill>
+                <a:schemeClr val="tx1">
+                  <a:lumMod val="65000"/>
+                  <a:lumOff val="35000"/>
+                </a:schemeClr>
+              </a:solidFill>
+              <a:latin typeface="+mn-lt"/>
+              <a:ea typeface="+mn-ea"/>
+              <a:cs typeface="+mn-cs"/>
+            </a:defRPr>
+          </a:pPr>
+          <a:endParaRPr lang="pt-PT"/>
+        </a:p>
+      </c:txPr>
     </c:title>
+    <c:autoTitleDeleted val="0"/>
     <c:plotArea>
       <c:layout/>
       <c:lineChart>
         <c:grouping val="standard"/>
+        <c:varyColors val="0"/>
         <c:ser>
           <c:idx val="0"/>
           <c:order val="0"/>
@@ -2976,7 +3170,8 @@
               </c:numCache>
             </c:numRef>
           </c:val>
-          <c:extLst xmlns:c16r2="http://schemas.microsoft.com/office/drawing/2015/06/chart">
+          <c:smooth val="0"/>
+          <c:extLst>
             <c:ext xmlns:c16="http://schemas.microsoft.com/office/drawing/2014/chart" uri="{C3380CC4-5D6E-409C-BE32-E72D297353CC}">
               <c16:uniqueId val="{00000000-CA7B-44E0-A69D-70181BA88588}"/>
             </c:ext>
@@ -2984,7 +3179,7 @@
         </c:ser>
         <c:ser>
           <c:idx val="4"/>
-          <c:order val="1"/>
+          <c:order val="4"/>
           <c:tx>
             <c:v>Média de Taxa de Compressão</c:v>
           </c:tx>
@@ -3128,7 +3323,8 @@
               </c:numCache>
             </c:numRef>
           </c:val>
-          <c:extLst xmlns:c16r2="http://schemas.microsoft.com/office/drawing/2015/06/chart">
+          <c:smooth val="0"/>
+          <c:extLst>
             <c:ext xmlns:c16="http://schemas.microsoft.com/office/drawing/2014/chart" uri="{C3380CC4-5D6E-409C-BE32-E72D297353CC}">
               <c16:uniqueId val="{00000001-CA7B-44E0-A69D-70181BA88588}"/>
             </c:ext>
@@ -3136,7 +3332,7 @@
         </c:ser>
         <c:ser>
           <c:idx val="5"/>
-          <c:order val="2"/>
+          <c:order val="5"/>
           <c:tx>
             <c:v>Fator de Compressão CMP</c:v>
           </c:tx>
@@ -3224,16 +3420,26 @@
               </c:numCache>
             </c:numRef>
           </c:val>
-          <c:extLst xmlns:c16r2="http://schemas.microsoft.com/office/drawing/2015/06/chart">
+          <c:smooth val="0"/>
+          <c:extLst>
             <c:ext xmlns:c16="http://schemas.microsoft.com/office/drawing/2014/chart" uri="{C3380CC4-5D6E-409C-BE32-E72D297353CC}">
               <c16:uniqueId val="{00000002-CA7B-44E0-A69D-70181BA88588}"/>
             </c:ext>
           </c:extLst>
         </c:ser>
+        <c:dLbls>
+          <c:showLegendKey val="0"/>
+          <c:showVal val="0"/>
+          <c:showCatName val="0"/>
+          <c:showSerName val="0"/>
+          <c:showPercent val="0"/>
+          <c:showBubbleSize val="0"/>
+        </c:dLbls>
         <c:marker val="1"/>
+        <c:smooth val="0"/>
         <c:axId val="110342528"/>
         <c:axId val="110344064"/>
-        <c:extLst xmlns:c16r2="http://schemas.microsoft.com/office/drawing/2015/06/chart">
+        <c:extLst>
           <c:ext xmlns:c15="http://schemas.microsoft.com/office/drawing/2012/chart" uri="{02D57815-91ED-43cb-92C2-25804820EDAC}">
             <c15:filteredLineSeries>
               <c15:ser>
@@ -3603,8 +3809,11 @@
         <c:scaling>
           <c:orientation val="minMax"/>
         </c:scaling>
+        <c:delete val="0"/>
         <c:axPos val="b"/>
         <c:numFmt formatCode="General" sourceLinked="1"/>
+        <c:majorTickMark val="out"/>
+        <c:minorTickMark val="none"/>
         <c:tickLblPos val="nextTo"/>
         <c:spPr>
           <a:noFill/>
@@ -3644,12 +3853,14 @@
         <c:auto val="1"/>
         <c:lblAlgn val="ctr"/>
         <c:lblOffset val="100"/>
+        <c:noMultiLvlLbl val="0"/>
       </c:catAx>
       <c:valAx>
         <c:axId val="110344064"/>
         <c:scaling>
           <c:orientation val="minMax"/>
         </c:scaling>
+        <c:delete val="0"/>
         <c:axPos val="l"/>
         <c:majorGridlines>
           <c:spPr>
@@ -3666,6 +3877,8 @@
           </c:spPr>
         </c:majorGridlines>
         <c:numFmt formatCode="General" sourceLinked="1"/>
+        <c:majorTickMark val="out"/>
+        <c:minorTickMark val="none"/>
         <c:tickLblPos val="nextTo"/>
         <c:spPr>
           <a:noFill/>
@@ -3749,7 +3962,7 @@
     </c:plotArea>
     <c:legend>
       <c:legendPos val="b"/>
-      <c:layout/>
+      <c:overlay val="0"/>
       <c:spPr>
         <a:noFill/>
         <a:ln>
@@ -3780,6 +3993,7 @@
     </c:legend>
     <c:plotVisOnly val="1"/>
     <c:dispBlanksAs val="gap"/>
+    <c:showDLblsOverMax val="0"/>
   </c:chart>
   <c:spPr>
     <a:noFill/>
@@ -3798,14 +4012,25 @@
       <a:endParaRPr lang="pt-PT"/>
     </a:p>
   </c:txPr>
-  <c:externalData r:id="rId1"/>
+  <c:externalData r:id="rId3">
+    <c:autoUpdate val="0"/>
+  </c:externalData>
 </c:chartSpace>
 </file>
 
 <file path=ppt/charts/chart13.xml><?xml version="1.0" encoding="utf-8"?>
-<c:chartSpace xmlns:c="http://schemas.openxmlformats.org/drawingml/2006/chart" xmlns:a="http://schemas.openxmlformats.org/drawingml/2006/main" xmlns:r="http://schemas.openxmlformats.org/officeDocument/2006/relationships">
-  <c:date1904 val="1"/>
+<c:chartSpace xmlns:c="http://schemas.openxmlformats.org/drawingml/2006/chart" xmlns:a="http://schemas.openxmlformats.org/drawingml/2006/main" xmlns:r="http://schemas.openxmlformats.org/officeDocument/2006/relationships" xmlns:c16r2="http://schemas.microsoft.com/office/drawing/2015/06/chart">
+  <c:date1904 val="0"/>
   <c:lang val="pt-PT"/>
+  <c:roundedCorners val="0"/>
+  <mc:AlternateContent xmlns:mc="http://schemas.openxmlformats.org/markup-compatibility/2006">
+    <mc:Choice xmlns:c14="http://schemas.microsoft.com/office/drawing/2007/8/2/chart" Requires="c14">
+      <c14:style val="102"/>
+    </mc:Choice>
+    <mc:Fallback>
+      <c:style val="2"/>
+    </mc:Fallback>
+  </mc:AlternateContent>
   <c:chart>
     <c:title>
       <c:tx>
@@ -3857,7 +4082,7 @@
           </a:p>
         </c:rich>
       </c:tx>
-      <c:layout/>
+      <c:overlay val="0"/>
       <c:spPr>
         <a:noFill/>
         <a:ln>
@@ -3866,11 +4091,13 @@
         <a:effectLst/>
       </c:spPr>
     </c:title>
+    <c:autoTitleDeleted val="0"/>
     <c:plotArea>
       <c:layout/>
       <c:barChart>
         <c:barDir val="col"/>
         <c:grouping val="clustered"/>
+        <c:varyColors val="0"/>
         <c:ser>
           <c:idx val="0"/>
           <c:order val="0"/>
@@ -3886,6 +4113,7 @@
             </a:ln>
             <a:effectLst/>
           </c:spPr>
+          <c:invertIfNegative val="0"/>
           <c:dLbls>
             <c:spPr>
               <a:noFill/>
@@ -3917,8 +4145,14 @@
               </a:p>
             </c:txPr>
             <c:dLblPos val="outEnd"/>
+            <c:showLegendKey val="0"/>
             <c:showVal val="1"/>
-            <c:extLst xmlns:c16r2="http://schemas.microsoft.com/office/drawing/2015/06/chart">
+            <c:showCatName val="0"/>
+            <c:showSerName val="0"/>
+            <c:showPercent val="0"/>
+            <c:showBubbleSize val="0"/>
+            <c:showLeaderLines val="0"/>
+            <c:extLst>
               <c:ext xmlns:c15="http://schemas.microsoft.com/office/drawing/2012/chart" uri="{CE6537A1-D6FC-4f65-9D91-7224C49458BB}">
                 <c15:showLeaderLines val="1"/>
                 <c15:leaderLines>
@@ -3981,7 +4215,7 @@
               </c:numCache>
             </c:numRef>
           </c:val>
-          <c:extLst xmlns:c16r2="http://schemas.microsoft.com/office/drawing/2015/06/chart">
+          <c:extLst>
             <c:ext xmlns:c16="http://schemas.microsoft.com/office/drawing/2014/chart" uri="{C3380CC4-5D6E-409C-BE32-E72D297353CC}">
               <c16:uniqueId val="{00000000-6112-4BA9-A4EE-147C138900ED}"/>
             </c:ext>
@@ -4002,6 +4236,7 @@
             </a:ln>
             <a:effectLst/>
           </c:spPr>
+          <c:invertIfNegative val="0"/>
           <c:dLbls>
             <c:spPr>
               <a:noFill/>
@@ -4033,8 +4268,14 @@
               </a:p>
             </c:txPr>
             <c:dLblPos val="outEnd"/>
+            <c:showLegendKey val="0"/>
             <c:showVal val="1"/>
-            <c:extLst xmlns:c16r2="http://schemas.microsoft.com/office/drawing/2015/06/chart">
+            <c:showCatName val="0"/>
+            <c:showSerName val="0"/>
+            <c:showPercent val="0"/>
+            <c:showBubbleSize val="0"/>
+            <c:showLeaderLines val="0"/>
+            <c:extLst>
               <c:ext xmlns:c15="http://schemas.microsoft.com/office/drawing/2012/chart" uri="{CE6537A1-D6FC-4f65-9D91-7224C49458BB}">
                 <c15:showLeaderLines val="1"/>
                 <c15:leaderLines>
@@ -4097,14 +4338,19 @@
               </c:numCache>
             </c:numRef>
           </c:val>
-          <c:extLst xmlns:c16r2="http://schemas.microsoft.com/office/drawing/2015/06/chart">
+          <c:extLst>
             <c:ext xmlns:c16="http://schemas.microsoft.com/office/drawing/2014/chart" uri="{C3380CC4-5D6E-409C-BE32-E72D297353CC}">
               <c16:uniqueId val="{00000001-6112-4BA9-A4EE-147C138900ED}"/>
             </c:ext>
           </c:extLst>
         </c:ser>
         <c:dLbls>
+          <c:showLegendKey val="0"/>
           <c:showVal val="1"/>
+          <c:showCatName val="0"/>
+          <c:showSerName val="0"/>
+          <c:showPercent val="0"/>
+          <c:showBubbleSize val="0"/>
         </c:dLbls>
         <c:gapWidth val="444"/>
         <c:overlap val="-90"/>
@@ -4116,6 +4362,7 @@
         <c:scaling>
           <c:orientation val="minMax"/>
         </c:scaling>
+        <c:delete val="0"/>
         <c:axPos val="b"/>
         <c:majorGridlines>
           <c:spPr>
@@ -4133,6 +4380,7 @@
         </c:majorGridlines>
         <c:numFmt formatCode="General" sourceLinked="1"/>
         <c:majorTickMark val="none"/>
+        <c:minorTickMark val="none"/>
         <c:tickLblPos val="nextTo"/>
         <c:spPr>
           <a:noFill/>
@@ -4172,6 +4420,7 @@
         <c:auto val="1"/>
         <c:lblAlgn val="ctr"/>
         <c:lblOffset val="100"/>
+        <c:noMultiLvlLbl val="0"/>
       </c:catAx>
       <c:valAx>
         <c:axId val="150341888"/>
@@ -4182,6 +4431,7 @@
         <c:axPos val="l"/>
         <c:numFmt formatCode="General" sourceLinked="1"/>
         <c:majorTickMark val="none"/>
+        <c:minorTickMark val="none"/>
         <c:tickLblPos val="nextTo"/>
         <c:crossAx val="150309888"/>
         <c:crosses val="autoZero"/>
@@ -4235,6 +4485,7 @@
     </c:plotArea>
     <c:plotVisOnly val="1"/>
     <c:dispBlanksAs val="gap"/>
+    <c:showDLblsOverMax val="0"/>
   </c:chart>
   <c:spPr>
     <a:solidFill>
@@ -4261,13 +4512,26 @@
       <a:endParaRPr lang="pt-PT"/>
     </a:p>
   </c:txPr>
-  <c:externalData r:id="rId1"/>
+  <c:externalData r:id="rId1">
+    <c:autoUpdate val="0"/>
+  </c:externalData>
+  <c:userShapes r:id="rId2"/>
 </c:chartSpace>
 </file>
 
 <file path=ppt/charts/chart14.xml><?xml version="1.0" encoding="utf-8"?>
-<c:chartSpace xmlns:c="http://schemas.openxmlformats.org/drawingml/2006/chart" xmlns:a="http://schemas.openxmlformats.org/drawingml/2006/main" xmlns:r="http://schemas.openxmlformats.org/officeDocument/2006/relationships">
+<c:chartSpace xmlns:c="http://schemas.openxmlformats.org/drawingml/2006/chart" xmlns:a="http://schemas.openxmlformats.org/drawingml/2006/main" xmlns:r="http://schemas.openxmlformats.org/officeDocument/2006/relationships" xmlns:c16r2="http://schemas.microsoft.com/office/drawing/2015/06/chart">
+  <c:date1904 val="0"/>
   <c:lang val="pt-PT"/>
+  <c:roundedCorners val="0"/>
+  <mc:AlternateContent xmlns:mc="http://schemas.openxmlformats.org/markup-compatibility/2006">
+    <mc:Choice xmlns:c14="http://schemas.microsoft.com/office/drawing/2007/8/2/chart" Requires="c14">
+      <c14:style val="102"/>
+    </mc:Choice>
+    <mc:Fallback>
+      <c:style val="2"/>
+    </mc:Fallback>
+  </mc:AlternateContent>
   <c:chart>
     <c:title>
       <c:tx>
@@ -4299,17 +4563,7 @@
           </a:p>
           <a:p>
             <a:pPr>
-              <a:defRPr sz="1800" b="1" i="0" u="none" strike="noStrike" kern="1200" cap="all" spc="150" baseline="0">
-                <a:solidFill>
-                  <a:schemeClr val="tx1">
-                    <a:lumMod val="50000"/>
-                    <a:lumOff val="50000"/>
-                  </a:schemeClr>
-                </a:solidFill>
-                <a:latin typeface="+mn-lt"/>
-                <a:ea typeface="+mn-ea"/>
-                <a:cs typeface="+mn-cs"/>
-              </a:defRPr>
+              <a:defRPr/>
             </a:pPr>
             <a:r>
               <a:rPr lang="pt-PT" baseline="0"/>
@@ -4319,7 +4573,7 @@
           </a:p>
         </c:rich>
       </c:tx>
-      <c:layout/>
+      <c:overlay val="0"/>
       <c:spPr>
         <a:noFill/>
         <a:ln>
@@ -4327,12 +4581,34 @@
         </a:ln>
         <a:effectLst/>
       </c:spPr>
+      <c:txPr>
+        <a:bodyPr rot="0" spcFirstLastPara="1" vertOverflow="ellipsis" vert="horz" wrap="square" anchor="ctr" anchorCtr="1"/>
+        <a:lstStyle/>
+        <a:p>
+          <a:pPr>
+            <a:defRPr sz="1800" b="1" i="0" u="none" strike="noStrike" kern="1200" cap="all" spc="150" baseline="0">
+              <a:solidFill>
+                <a:schemeClr val="tx1">
+                  <a:lumMod val="50000"/>
+                  <a:lumOff val="50000"/>
+                </a:schemeClr>
+              </a:solidFill>
+              <a:latin typeface="+mn-lt"/>
+              <a:ea typeface="+mn-ea"/>
+              <a:cs typeface="+mn-cs"/>
+            </a:defRPr>
+          </a:pPr>
+          <a:endParaRPr lang="pt-PT"/>
+        </a:p>
+      </c:txPr>
     </c:title>
+    <c:autoTitleDeleted val="0"/>
     <c:plotArea>
       <c:layout/>
       <c:barChart>
         <c:barDir val="bar"/>
         <c:grouping val="clustered"/>
+        <c:varyColors val="0"/>
         <c:ser>
           <c:idx val="0"/>
           <c:order val="0"/>
@@ -4357,6 +4633,7 @@
               </a:innerShdw>
             </a:effectLst>
           </c:spPr>
+          <c:invertIfNegative val="0"/>
           <c:dLbls>
             <c:spPr>
               <a:noFill/>
@@ -4388,8 +4665,14 @@
               </a:p>
             </c:txPr>
             <c:dLblPos val="outEnd"/>
+            <c:showLegendKey val="0"/>
             <c:showVal val="1"/>
-            <c:extLst xmlns:c16r2="http://schemas.microsoft.com/office/drawing/2015/06/chart">
+            <c:showCatName val="0"/>
+            <c:showSerName val="0"/>
+            <c:showPercent val="0"/>
+            <c:showBubbleSize val="0"/>
+            <c:showLeaderLines val="0"/>
+            <c:extLst>
               <c:ext xmlns:c15="http://schemas.microsoft.com/office/drawing/2012/chart" uri="{CE6537A1-D6FC-4f65-9D91-7224C49458BB}">
                 <c15:showLeaderLines val="1"/>
                 <c15:leaderLines>
@@ -4452,14 +4735,19 @@
               </c:numCache>
             </c:numRef>
           </c:val>
-          <c:extLst xmlns:c16r2="http://schemas.microsoft.com/office/drawing/2015/06/chart">
+          <c:extLst>
             <c:ext xmlns:c16="http://schemas.microsoft.com/office/drawing/2014/chart" uri="{C3380CC4-5D6E-409C-BE32-E72D297353CC}">
               <c16:uniqueId val="{00000000-FA51-42C4-A1DE-932CA516504E}"/>
             </c:ext>
           </c:extLst>
         </c:ser>
         <c:dLbls>
+          <c:showLegendKey val="0"/>
           <c:showVal val="1"/>
+          <c:showCatName val="0"/>
+          <c:showSerName val="0"/>
+          <c:showPercent val="0"/>
+          <c:showBubbleSize val="0"/>
         </c:dLbls>
         <c:gapWidth val="227"/>
         <c:overlap val="-48"/>
@@ -4471,9 +4759,11 @@
         <c:scaling>
           <c:orientation val="minMax"/>
         </c:scaling>
+        <c:delete val="0"/>
         <c:axPos val="l"/>
         <c:numFmt formatCode="General" sourceLinked="1"/>
         <c:majorTickMark val="none"/>
+        <c:minorTickMark val="none"/>
         <c:tickLblPos val="nextTo"/>
         <c:spPr>
           <a:noFill/>
@@ -4513,15 +4803,18 @@
         <c:auto val="1"/>
         <c:lblAlgn val="ctr"/>
         <c:lblOffset val="100"/>
+        <c:noMultiLvlLbl val="0"/>
       </c:catAx>
       <c:valAx>
         <c:axId val="110392448"/>
         <c:scaling>
           <c:orientation val="minMax"/>
         </c:scaling>
+        <c:delete val="0"/>
         <c:axPos val="b"/>
         <c:numFmt formatCode="General" sourceLinked="1"/>
         <c:majorTickMark val="none"/>
+        <c:minorTickMark val="none"/>
         <c:tickLblPos val="nextTo"/>
         <c:spPr>
           <a:noFill/>
@@ -4564,6 +4857,7 @@
     </c:plotArea>
     <c:plotVisOnly val="1"/>
     <c:dispBlanksAs val="gap"/>
+    <c:showDLblsOverMax val="0"/>
   </c:chart>
   <c:spPr>
     <a:noFill/>
@@ -4582,14 +4876,25 @@
       <a:endParaRPr lang="pt-PT"/>
     </a:p>
   </c:txPr>
-  <c:externalData r:id="rId1"/>
+  <c:externalData r:id="rId3">
+    <c:autoUpdate val="0"/>
+  </c:externalData>
 </c:chartSpace>
 </file>
 
 <file path=ppt/charts/chart15.xml><?xml version="1.0" encoding="utf-8"?>
-<c:chartSpace xmlns:c="http://schemas.openxmlformats.org/drawingml/2006/chart" xmlns:a="http://schemas.openxmlformats.org/drawingml/2006/main" xmlns:r="http://schemas.openxmlformats.org/officeDocument/2006/relationships">
-  <c:date1904 val="1"/>
+<c:chartSpace xmlns:c="http://schemas.openxmlformats.org/drawingml/2006/chart" xmlns:a="http://schemas.openxmlformats.org/drawingml/2006/main" xmlns:r="http://schemas.openxmlformats.org/officeDocument/2006/relationships" xmlns:c16r2="http://schemas.microsoft.com/office/drawing/2015/06/chart">
+  <c:date1904 val="0"/>
   <c:lang val="pt-PT"/>
+  <c:roundedCorners val="0"/>
+  <mc:AlternateContent xmlns:mc="http://schemas.openxmlformats.org/markup-compatibility/2006">
+    <mc:Choice xmlns:c14="http://schemas.microsoft.com/office/drawing/2007/8/2/chart" Requires="c14">
+      <c14:style val="102"/>
+    </mc:Choice>
+    <mc:Fallback>
+      <c:style val="2"/>
+    </mc:Fallback>
+  </mc:AlternateContent>
   <c:chart>
     <c:title>
       <c:tx>
@@ -4622,17 +4927,7 @@
           </a:p>
           <a:p>
             <a:pPr>
-              <a:defRPr sz="1800" b="1" i="0" u="none" strike="noStrike" kern="1200" cap="all" spc="150" baseline="0">
-                <a:solidFill>
-                  <a:schemeClr val="tx1">
-                    <a:lumMod val="50000"/>
-                    <a:lumOff val="50000"/>
-                  </a:schemeClr>
-                </a:solidFill>
-                <a:latin typeface="+mn-lt"/>
-                <a:ea typeface="+mn-ea"/>
-                <a:cs typeface="+mn-cs"/>
-              </a:defRPr>
+              <a:defRPr/>
             </a:pPr>
             <a:r>
               <a:rPr lang="pt-PT" sz="1800" b="1" i="0" cap="all" baseline="0">
@@ -4646,7 +4941,7 @@
           </a:p>
         </c:rich>
       </c:tx>
-      <c:layout/>
+      <c:overlay val="0"/>
       <c:spPr>
         <a:noFill/>
         <a:ln>
@@ -4654,12 +4949,34 @@
         </a:ln>
         <a:effectLst/>
       </c:spPr>
+      <c:txPr>
+        <a:bodyPr rot="0" spcFirstLastPara="1" vertOverflow="ellipsis" vert="horz" wrap="square" anchor="ctr" anchorCtr="1"/>
+        <a:lstStyle/>
+        <a:p>
+          <a:pPr>
+            <a:defRPr sz="1800" b="1" i="0" u="none" strike="noStrike" kern="1200" cap="all" spc="150" baseline="0">
+              <a:solidFill>
+                <a:schemeClr val="tx1">
+                  <a:lumMod val="50000"/>
+                  <a:lumOff val="50000"/>
+                </a:schemeClr>
+              </a:solidFill>
+              <a:latin typeface="+mn-lt"/>
+              <a:ea typeface="+mn-ea"/>
+              <a:cs typeface="+mn-cs"/>
+            </a:defRPr>
+          </a:pPr>
+          <a:endParaRPr lang="pt-PT"/>
+        </a:p>
+      </c:txPr>
     </c:title>
+    <c:autoTitleDeleted val="0"/>
     <c:plotArea>
       <c:layout/>
       <c:barChart>
         <c:barDir val="bar"/>
         <c:grouping val="clustered"/>
+        <c:varyColors val="0"/>
         <c:ser>
           <c:idx val="0"/>
           <c:order val="0"/>
@@ -4684,6 +5001,7 @@
               </a:innerShdw>
             </a:effectLst>
           </c:spPr>
+          <c:invertIfNegative val="0"/>
           <c:dLbls>
             <c:spPr>
               <a:noFill/>
@@ -4715,8 +5033,14 @@
               </a:p>
             </c:txPr>
             <c:dLblPos val="outEnd"/>
+            <c:showLegendKey val="0"/>
             <c:showVal val="1"/>
-            <c:extLst xmlns:c16r2="http://schemas.microsoft.com/office/drawing/2015/06/chart">
+            <c:showCatName val="0"/>
+            <c:showSerName val="0"/>
+            <c:showPercent val="0"/>
+            <c:showBubbleSize val="0"/>
+            <c:showLeaderLines val="0"/>
+            <c:extLst>
               <c:ext xmlns:c15="http://schemas.microsoft.com/office/drawing/2012/chart" uri="{CE6537A1-D6FC-4f65-9D91-7224C49458BB}">
                 <c15:showLeaderLines val="1"/>
                 <c15:leaderLines>
@@ -4779,14 +5103,19 @@
               </c:numCache>
             </c:numRef>
           </c:val>
-          <c:extLst xmlns:c16r2="http://schemas.microsoft.com/office/drawing/2015/06/chart">
+          <c:extLst>
             <c:ext xmlns:c16="http://schemas.microsoft.com/office/drawing/2014/chart" uri="{C3380CC4-5D6E-409C-BE32-E72D297353CC}">
               <c16:uniqueId val="{00000000-3B10-452E-8465-7FCBBCF983E0}"/>
             </c:ext>
           </c:extLst>
         </c:ser>
         <c:dLbls>
+          <c:showLegendKey val="0"/>
           <c:showVal val="1"/>
+          <c:showCatName val="0"/>
+          <c:showSerName val="0"/>
+          <c:showPercent val="0"/>
+          <c:showBubbleSize val="0"/>
         </c:dLbls>
         <c:gapWidth val="227"/>
         <c:overlap val="-48"/>
@@ -4798,9 +5127,11 @@
         <c:scaling>
           <c:orientation val="minMax"/>
         </c:scaling>
+        <c:delete val="0"/>
         <c:axPos val="l"/>
         <c:numFmt formatCode="General" sourceLinked="1"/>
         <c:majorTickMark val="none"/>
+        <c:minorTickMark val="none"/>
         <c:tickLblPos val="nextTo"/>
         <c:spPr>
           <a:noFill/>
@@ -4840,15 +5171,18 @@
         <c:auto val="1"/>
         <c:lblAlgn val="ctr"/>
         <c:lblOffset val="100"/>
+        <c:noMultiLvlLbl val="0"/>
       </c:catAx>
       <c:valAx>
         <c:axId val="110439040"/>
         <c:scaling>
           <c:orientation val="minMax"/>
         </c:scaling>
+        <c:delete val="0"/>
         <c:axPos val="b"/>
         <c:numFmt formatCode="General" sourceLinked="1"/>
         <c:majorTickMark val="none"/>
+        <c:minorTickMark val="none"/>
         <c:tickLblPos val="nextTo"/>
         <c:spPr>
           <a:noFill/>
@@ -4891,6 +5225,7 @@
     </c:plotArea>
     <c:plotVisOnly val="1"/>
     <c:dispBlanksAs val="gap"/>
+    <c:showDLblsOverMax val="0"/>
   </c:chart>
   <c:spPr>
     <a:noFill/>
@@ -4909,13 +5244,25 @@
       <a:endParaRPr lang="pt-PT"/>
     </a:p>
   </c:txPr>
-  <c:externalData r:id="rId1"/>
+  <c:externalData r:id="rId3">
+    <c:autoUpdate val="0"/>
+  </c:externalData>
 </c:chartSpace>
 </file>
 
 <file path=ppt/charts/chart16.xml><?xml version="1.0" encoding="utf-8"?>
-<c:chartSpace xmlns:c="http://schemas.openxmlformats.org/drawingml/2006/chart" xmlns:a="http://schemas.openxmlformats.org/drawingml/2006/main" xmlns:r="http://schemas.openxmlformats.org/officeDocument/2006/relationships">
+<c:chartSpace xmlns:c="http://schemas.openxmlformats.org/drawingml/2006/chart" xmlns:a="http://schemas.openxmlformats.org/drawingml/2006/main" xmlns:r="http://schemas.openxmlformats.org/officeDocument/2006/relationships" xmlns:c16r2="http://schemas.microsoft.com/office/drawing/2015/06/chart">
+  <c:date1904 val="0"/>
   <c:lang val="pt-PT"/>
+  <c:roundedCorners val="0"/>
+  <mc:AlternateContent xmlns:mc="http://schemas.openxmlformats.org/markup-compatibility/2006">
+    <mc:Choice xmlns:c14="http://schemas.microsoft.com/office/drawing/2007/8/2/chart" Requires="c14">
+      <c14:style val="102"/>
+    </mc:Choice>
+    <mc:Fallback>
+      <c:style val="2"/>
+    </mc:Fallback>
+  </mc:AlternateContent>
   <c:chart>
     <c:title>
       <c:tx>
@@ -4943,17 +5290,7 @@
           </a:p>
           <a:p>
             <a:pPr>
-              <a:defRPr sz="1800" b="1" i="0" u="none" strike="noStrike" kern="1200" cap="all" spc="150" baseline="0">
-                <a:solidFill>
-                  <a:schemeClr val="tx1">
-                    <a:lumMod val="50000"/>
-                    <a:lumOff val="50000"/>
-                  </a:schemeClr>
-                </a:solidFill>
-                <a:latin typeface="+mn-lt"/>
-                <a:ea typeface="+mn-ea"/>
-                <a:cs typeface="+mn-cs"/>
-              </a:defRPr>
+              <a:defRPr/>
             </a:pPr>
             <a:r>
               <a:rPr lang="pt-PT"/>
@@ -4962,7 +5299,7 @@
           </a:p>
         </c:rich>
       </c:tx>
-      <c:layout/>
+      <c:overlay val="0"/>
       <c:spPr>
         <a:noFill/>
         <a:ln>
@@ -4970,12 +5307,34 @@
         </a:ln>
         <a:effectLst/>
       </c:spPr>
+      <c:txPr>
+        <a:bodyPr rot="0" spcFirstLastPara="1" vertOverflow="ellipsis" vert="horz" wrap="square" anchor="ctr" anchorCtr="1"/>
+        <a:lstStyle/>
+        <a:p>
+          <a:pPr>
+            <a:defRPr sz="1800" b="1" i="0" u="none" strike="noStrike" kern="1200" cap="all" spc="150" baseline="0">
+              <a:solidFill>
+                <a:schemeClr val="tx1">
+                  <a:lumMod val="50000"/>
+                  <a:lumOff val="50000"/>
+                </a:schemeClr>
+              </a:solidFill>
+              <a:latin typeface="+mn-lt"/>
+              <a:ea typeface="+mn-ea"/>
+              <a:cs typeface="+mn-cs"/>
+            </a:defRPr>
+          </a:pPr>
+          <a:endParaRPr lang="pt-PT"/>
+        </a:p>
+      </c:txPr>
     </c:title>
+    <c:autoTitleDeleted val="0"/>
     <c:plotArea>
       <c:layout/>
       <c:barChart>
         <c:barDir val="bar"/>
         <c:grouping val="clustered"/>
+        <c:varyColors val="0"/>
         <c:ser>
           <c:idx val="0"/>
           <c:order val="0"/>
@@ -5000,6 +5359,7 @@
               </a:innerShdw>
             </a:effectLst>
           </c:spPr>
+          <c:invertIfNegative val="0"/>
           <c:dLbls>
             <c:spPr>
               <a:noFill/>
@@ -5031,8 +5391,14 @@
               </a:p>
             </c:txPr>
             <c:dLblPos val="outEnd"/>
+            <c:showLegendKey val="0"/>
             <c:showVal val="1"/>
-            <c:extLst xmlns:c16r2="http://schemas.microsoft.com/office/drawing/2015/06/chart">
+            <c:showCatName val="0"/>
+            <c:showSerName val="0"/>
+            <c:showPercent val="0"/>
+            <c:showBubbleSize val="0"/>
+            <c:showLeaderLines val="0"/>
+            <c:extLst>
               <c:ext xmlns:c15="http://schemas.microsoft.com/office/drawing/2012/chart" uri="{CE6537A1-D6FC-4f65-9D91-7224C49458BB}">
                 <c15:showLeaderLines val="1"/>
                 <c15:leaderLines>
@@ -5095,14 +5461,19 @@
               </c:numCache>
             </c:numRef>
           </c:val>
-          <c:extLst xmlns:c16r2="http://schemas.microsoft.com/office/drawing/2015/06/chart">
+          <c:extLst>
             <c:ext xmlns:c16="http://schemas.microsoft.com/office/drawing/2014/chart" uri="{C3380CC4-5D6E-409C-BE32-E72D297353CC}">
               <c16:uniqueId val="{00000000-D265-4BCE-BE84-C53376549DC0}"/>
             </c:ext>
           </c:extLst>
         </c:ser>
         <c:dLbls>
+          <c:showLegendKey val="0"/>
           <c:showVal val="1"/>
+          <c:showCatName val="0"/>
+          <c:showSerName val="0"/>
+          <c:showPercent val="0"/>
+          <c:showBubbleSize val="0"/>
         </c:dLbls>
         <c:gapWidth val="227"/>
         <c:overlap val="-48"/>
@@ -5114,9 +5485,11 @@
         <c:scaling>
           <c:orientation val="minMax"/>
         </c:scaling>
+        <c:delete val="0"/>
         <c:axPos val="l"/>
         <c:numFmt formatCode="General" sourceLinked="1"/>
         <c:majorTickMark val="none"/>
+        <c:minorTickMark val="none"/>
         <c:tickLblPos val="nextTo"/>
         <c:spPr>
           <a:noFill/>
@@ -5156,15 +5529,18 @@
         <c:auto val="1"/>
         <c:lblAlgn val="ctr"/>
         <c:lblOffset val="100"/>
+        <c:noMultiLvlLbl val="0"/>
       </c:catAx>
       <c:valAx>
         <c:axId val="110756224"/>
         <c:scaling>
           <c:orientation val="minMax"/>
         </c:scaling>
+        <c:delete val="0"/>
         <c:axPos val="b"/>
         <c:numFmt formatCode="General" sourceLinked="1"/>
         <c:majorTickMark val="none"/>
+        <c:minorTickMark val="none"/>
         <c:tickLblPos val="nextTo"/>
         <c:spPr>
           <a:noFill/>
@@ -5207,6 +5583,7 @@
     </c:plotArea>
     <c:plotVisOnly val="1"/>
     <c:dispBlanksAs val="gap"/>
+    <c:showDLblsOverMax val="0"/>
   </c:chart>
   <c:spPr>
     <a:noFill/>
@@ -5225,14 +5602,25 @@
       <a:endParaRPr lang="pt-PT"/>
     </a:p>
   </c:txPr>
-  <c:externalData r:id="rId1"/>
+  <c:externalData r:id="rId3">
+    <c:autoUpdate val="0"/>
+  </c:externalData>
 </c:chartSpace>
 </file>
 
 <file path=ppt/charts/chart2.xml><?xml version="1.0" encoding="utf-8"?>
-<c:chartSpace xmlns:c="http://schemas.openxmlformats.org/drawingml/2006/chart" xmlns:a="http://schemas.openxmlformats.org/drawingml/2006/main" xmlns:r="http://schemas.openxmlformats.org/officeDocument/2006/relationships">
-  <c:date1904 val="1"/>
+<c:chartSpace xmlns:c="http://schemas.openxmlformats.org/drawingml/2006/chart" xmlns:a="http://schemas.openxmlformats.org/drawingml/2006/main" xmlns:r="http://schemas.openxmlformats.org/officeDocument/2006/relationships" xmlns:c16r2="http://schemas.microsoft.com/office/drawing/2015/06/chart">
+  <c:date1904 val="0"/>
   <c:lang val="pt-PT"/>
+  <c:roundedCorners val="0"/>
+  <mc:AlternateContent xmlns:mc="http://schemas.openxmlformats.org/markup-compatibility/2006">
+    <mc:Choice xmlns:c14="http://schemas.microsoft.com/office/drawing/2007/8/2/chart" Requires="c14">
+      <c14:style val="102"/>
+    </mc:Choice>
+    <mc:Fallback>
+      <c:style val="2"/>
+    </mc:Fallback>
+  </mc:AlternateContent>
   <c:chart>
     <c:title>
       <c:tx>
@@ -5264,17 +5652,7 @@
           </a:p>
           <a:p>
             <a:pPr>
-              <a:defRPr sz="1600" b="1" i="0" u="none" strike="noStrike" kern="1200" cap="all" spc="120" normalizeH="0" baseline="0">
-                <a:solidFill>
-                  <a:schemeClr val="tx1">
-                    <a:lumMod val="65000"/>
-                    <a:lumOff val="35000"/>
-                  </a:schemeClr>
-                </a:solidFill>
-                <a:latin typeface="+mn-lt"/>
-                <a:ea typeface="+mn-ea"/>
-                <a:cs typeface="+mn-cs"/>
-              </a:defRPr>
+              <a:defRPr/>
             </a:pPr>
             <a:r>
               <a:rPr lang="pt-PT" sz="1800" baseline="0"/>
@@ -5284,7 +5662,7 @@
           </a:p>
         </c:rich>
       </c:tx>
-      <c:layout/>
+      <c:overlay val="0"/>
       <c:spPr>
         <a:noFill/>
         <a:ln>
@@ -5292,12 +5670,34 @@
         </a:ln>
         <a:effectLst/>
       </c:spPr>
+      <c:txPr>
+        <a:bodyPr rot="0" spcFirstLastPara="1" vertOverflow="ellipsis" vert="horz" wrap="square" anchor="ctr" anchorCtr="1"/>
+        <a:lstStyle/>
+        <a:p>
+          <a:pPr>
+            <a:defRPr sz="1600" b="1" i="0" u="none" strike="noStrike" kern="1200" cap="all" spc="120" normalizeH="0" baseline="0">
+              <a:solidFill>
+                <a:schemeClr val="tx1">
+                  <a:lumMod val="65000"/>
+                  <a:lumOff val="35000"/>
+                </a:schemeClr>
+              </a:solidFill>
+              <a:latin typeface="+mn-lt"/>
+              <a:ea typeface="+mn-ea"/>
+              <a:cs typeface="+mn-cs"/>
+            </a:defRPr>
+          </a:pPr>
+          <a:endParaRPr lang="pt-PT"/>
+        </a:p>
+      </c:txPr>
     </c:title>
+    <c:autoTitleDeleted val="0"/>
     <c:plotArea>
       <c:layout/>
       <c:barChart>
         <c:barDir val="col"/>
         <c:grouping val="clustered"/>
+        <c:varyColors val="0"/>
         <c:ser>
           <c:idx val="0"/>
           <c:order val="0"/>
@@ -5313,6 +5713,7 @@
             </a:ln>
             <a:effectLst/>
           </c:spPr>
+          <c:invertIfNegative val="0"/>
           <c:dLbls>
             <c:spPr>
               <a:noFill/>
@@ -5344,8 +5745,14 @@
               </a:p>
             </c:txPr>
             <c:dLblPos val="outEnd"/>
+            <c:showLegendKey val="0"/>
             <c:showVal val="1"/>
-            <c:extLst xmlns:c16r2="http://schemas.microsoft.com/office/drawing/2015/06/chart">
+            <c:showCatName val="0"/>
+            <c:showSerName val="0"/>
+            <c:showPercent val="0"/>
+            <c:showBubbleSize val="0"/>
+            <c:showLeaderLines val="0"/>
+            <c:extLst>
               <c:ext xmlns:c15="http://schemas.microsoft.com/office/drawing/2012/chart" uri="{CE6537A1-D6FC-4f65-9D91-7224C49458BB}">
                 <c15:showLeaderLines val="1"/>
                 <c15:leaderLines>
@@ -5408,7 +5815,7 @@
               </c:numCache>
             </c:numRef>
           </c:val>
-          <c:extLst xmlns:c16r2="http://schemas.microsoft.com/office/drawing/2015/06/chart">
+          <c:extLst>
             <c:ext xmlns:c16="http://schemas.microsoft.com/office/drawing/2014/chart" uri="{C3380CC4-5D6E-409C-BE32-E72D297353CC}">
               <c16:uniqueId val="{00000000-AAF9-4021-AC78-7FBA1509ECBE}"/>
             </c:ext>
@@ -5429,6 +5836,7 @@
             </a:ln>
             <a:effectLst/>
           </c:spPr>
+          <c:invertIfNegative val="0"/>
           <c:dLbls>
             <c:spPr>
               <a:noFill/>
@@ -5460,8 +5868,14 @@
               </a:p>
             </c:txPr>
             <c:dLblPos val="outEnd"/>
+            <c:showLegendKey val="0"/>
             <c:showVal val="1"/>
-            <c:extLst xmlns:c16r2="http://schemas.microsoft.com/office/drawing/2015/06/chart">
+            <c:showCatName val="0"/>
+            <c:showSerName val="0"/>
+            <c:showPercent val="0"/>
+            <c:showBubbleSize val="0"/>
+            <c:showLeaderLines val="0"/>
+            <c:extLst>
               <c:ext xmlns:c15="http://schemas.microsoft.com/office/drawing/2012/chart" uri="{CE6537A1-D6FC-4f65-9D91-7224C49458BB}">
                 <c15:showLeaderLines val="1"/>
                 <c15:leaderLines>
@@ -5524,7 +5938,7 @@
               </c:numCache>
             </c:numRef>
           </c:val>
-          <c:extLst xmlns:c16r2="http://schemas.microsoft.com/office/drawing/2015/06/chart">
+          <c:extLst>
             <c:ext xmlns:c16="http://schemas.microsoft.com/office/drawing/2014/chart" uri="{C3380CC4-5D6E-409C-BE32-E72D297353CC}">
               <c16:uniqueId val="{00000001-AAF9-4021-AC78-7FBA1509ECBE}"/>
             </c:ext>
@@ -5545,6 +5959,7 @@
             </a:ln>
             <a:effectLst/>
           </c:spPr>
+          <c:invertIfNegative val="0"/>
           <c:dLbls>
             <c:spPr>
               <a:noFill/>
@@ -5576,8 +5991,14 @@
               </a:p>
             </c:txPr>
             <c:dLblPos val="outEnd"/>
+            <c:showLegendKey val="0"/>
             <c:showVal val="1"/>
-            <c:extLst xmlns:c16r2="http://schemas.microsoft.com/office/drawing/2015/06/chart">
+            <c:showCatName val="0"/>
+            <c:showSerName val="0"/>
+            <c:showPercent val="0"/>
+            <c:showBubbleSize val="0"/>
+            <c:showLeaderLines val="0"/>
+            <c:extLst>
               <c:ext xmlns:c15="http://schemas.microsoft.com/office/drawing/2012/chart" uri="{CE6537A1-D6FC-4f65-9D91-7224C49458BB}">
                 <c15:showLeaderLines val="1"/>
                 <c15:leaderLines>
@@ -5640,7 +6061,7 @@
               </c:numCache>
             </c:numRef>
           </c:val>
-          <c:extLst xmlns:c16r2="http://schemas.microsoft.com/office/drawing/2015/06/chart">
+          <c:extLst>
             <c:ext xmlns:c16="http://schemas.microsoft.com/office/drawing/2014/chart" uri="{C3380CC4-5D6E-409C-BE32-E72D297353CC}">
               <c16:uniqueId val="{00000002-AAF9-4021-AC78-7FBA1509ECBE}"/>
             </c:ext>
@@ -5661,6 +6082,7 @@
             </a:ln>
             <a:effectLst/>
           </c:spPr>
+          <c:invertIfNegative val="0"/>
           <c:dLbls>
             <c:spPr>
               <a:noFill/>
@@ -5692,8 +6114,14 @@
               </a:p>
             </c:txPr>
             <c:dLblPos val="outEnd"/>
+            <c:showLegendKey val="0"/>
             <c:showVal val="1"/>
-            <c:extLst xmlns:c16r2="http://schemas.microsoft.com/office/drawing/2015/06/chart">
+            <c:showCatName val="0"/>
+            <c:showSerName val="0"/>
+            <c:showPercent val="0"/>
+            <c:showBubbleSize val="0"/>
+            <c:showLeaderLines val="0"/>
+            <c:extLst>
               <c:ext xmlns:c15="http://schemas.microsoft.com/office/drawing/2012/chart" uri="{CE6537A1-D6FC-4f65-9D91-7224C49458BB}">
                 <c15:showLeaderLines val="1"/>
                 <c15:leaderLines>
@@ -5756,7 +6184,7 @@
               </c:numCache>
             </c:numRef>
           </c:val>
-          <c:extLst xmlns:c16r2="http://schemas.microsoft.com/office/drawing/2015/06/chart">
+          <c:extLst>
             <c:ext xmlns:c16="http://schemas.microsoft.com/office/drawing/2014/chart" uri="{C3380CC4-5D6E-409C-BE32-E72D297353CC}">
               <c16:uniqueId val="{00000003-AAF9-4021-AC78-7FBA1509ECBE}"/>
             </c:ext>
@@ -5785,6 +6213,7 @@
             </a:ln>
             <a:effectLst/>
           </c:spPr>
+          <c:invertIfNegative val="0"/>
           <c:dLbls>
             <c:spPr>
               <a:noFill/>
@@ -5816,8 +6245,14 @@
               </a:p>
             </c:txPr>
             <c:dLblPos val="outEnd"/>
+            <c:showLegendKey val="0"/>
             <c:showVal val="1"/>
-            <c:extLst xmlns:c16r2="http://schemas.microsoft.com/office/drawing/2015/06/chart">
+            <c:showCatName val="0"/>
+            <c:showSerName val="0"/>
+            <c:showPercent val="0"/>
+            <c:showBubbleSize val="0"/>
+            <c:showLeaderLines val="0"/>
+            <c:extLst>
               <c:ext xmlns:c15="http://schemas.microsoft.com/office/drawing/2012/chart" uri="{CE6537A1-D6FC-4f65-9D91-7224C49458BB}">
                 <c15:showLeaderLines val="1"/>
                 <c15:leaderLines>
@@ -5860,14 +6295,19 @@
               </c:numCache>
             </c:numRef>
           </c:val>
-          <c:extLst xmlns:c16r2="http://schemas.microsoft.com/office/drawing/2015/06/chart">
+          <c:extLst>
             <c:ext xmlns:c16="http://schemas.microsoft.com/office/drawing/2014/chart" uri="{C3380CC4-5D6E-409C-BE32-E72D297353CC}">
               <c16:uniqueId val="{00000004-AAF9-4021-AC78-7FBA1509ECBE}"/>
             </c:ext>
           </c:extLst>
         </c:ser>
         <c:dLbls>
+          <c:showLegendKey val="0"/>
           <c:showVal val="1"/>
+          <c:showCatName val="0"/>
+          <c:showSerName val="0"/>
+          <c:showPercent val="0"/>
+          <c:showBubbleSize val="0"/>
         </c:dLbls>
         <c:gapWidth val="444"/>
         <c:overlap val="-90"/>
@@ -5879,6 +6319,7 @@
         <c:scaling>
           <c:orientation val="minMax"/>
         </c:scaling>
+        <c:delete val="0"/>
         <c:axPos val="b"/>
         <c:majorGridlines>
           <c:spPr>
@@ -5896,6 +6337,7 @@
         </c:majorGridlines>
         <c:numFmt formatCode="General" sourceLinked="1"/>
         <c:majorTickMark val="none"/>
+        <c:minorTickMark val="none"/>
         <c:tickLblPos val="nextTo"/>
         <c:spPr>
           <a:noFill/>
@@ -5935,6 +6377,7 @@
         <c:auto val="1"/>
         <c:lblAlgn val="ctr"/>
         <c:lblOffset val="100"/>
+        <c:noMultiLvlLbl val="0"/>
       </c:catAx>
       <c:valAx>
         <c:axId val="108094592"/>
@@ -5945,6 +6388,7 @@
         <c:axPos val="l"/>
         <c:numFmt formatCode="General" sourceLinked="1"/>
         <c:majorTickMark val="none"/>
+        <c:minorTickMark val="none"/>
         <c:tickLblPos val="nextTo"/>
         <c:crossAx val="108072320"/>
         <c:crosses val="autoZero"/>
@@ -5998,6 +6442,7 @@
     </c:plotArea>
     <c:plotVisOnly val="1"/>
     <c:dispBlanksAs val="gap"/>
+    <c:showDLblsOverMax val="0"/>
   </c:chart>
   <c:spPr>
     <a:noFill/>
@@ -6016,13 +6461,26 @@
       <a:endParaRPr lang="pt-PT"/>
     </a:p>
   </c:txPr>
-  <c:externalData r:id="rId1"/>
+  <c:externalData r:id="rId3">
+    <c:autoUpdate val="0"/>
+  </c:externalData>
+  <c:userShapes r:id="rId4"/>
 </c:chartSpace>
 </file>
 
 <file path=ppt/charts/chart3.xml><?xml version="1.0" encoding="utf-8"?>
-<c:chartSpace xmlns:c="http://schemas.openxmlformats.org/drawingml/2006/chart" xmlns:a="http://schemas.openxmlformats.org/drawingml/2006/main" xmlns:r="http://schemas.openxmlformats.org/officeDocument/2006/relationships">
+<c:chartSpace xmlns:c="http://schemas.openxmlformats.org/drawingml/2006/chart" xmlns:a="http://schemas.openxmlformats.org/drawingml/2006/main" xmlns:r="http://schemas.openxmlformats.org/officeDocument/2006/relationships" xmlns:c16r2="http://schemas.microsoft.com/office/drawing/2015/06/chart">
+  <c:date1904 val="0"/>
   <c:lang val="pt-PT"/>
+  <c:roundedCorners val="0"/>
+  <mc:AlternateContent xmlns:mc="http://schemas.openxmlformats.org/markup-compatibility/2006">
+    <mc:Choice xmlns:c14="http://schemas.microsoft.com/office/drawing/2007/8/2/chart" Requires="c14">
+      <c14:style val="102"/>
+    </mc:Choice>
+    <mc:Fallback>
+      <c:style val="2"/>
+    </mc:Fallback>
+  </mc:AlternateContent>
   <c:chart>
     <c:title>
       <c:tx>
@@ -6050,17 +6508,7 @@
           </a:p>
           <a:p>
             <a:pPr>
-              <a:defRPr sz="1600" b="1" i="0" u="none" strike="noStrike" kern="1200" cap="all" spc="120" normalizeH="0" baseline="0">
-                <a:solidFill>
-                  <a:schemeClr val="tx1">
-                    <a:lumMod val="65000"/>
-                    <a:lumOff val="35000"/>
-                  </a:schemeClr>
-                </a:solidFill>
-                <a:latin typeface="+mn-lt"/>
-                <a:ea typeface="+mn-ea"/>
-                <a:cs typeface="+mn-cs"/>
-              </a:defRPr>
+              <a:defRPr/>
             </a:pPr>
             <a:r>
               <a:rPr lang="pt-PT" sz="1800"/>
@@ -6069,7 +6517,7 @@
           </a:p>
         </c:rich>
       </c:tx>
-      <c:layout/>
+      <c:overlay val="0"/>
       <c:spPr>
         <a:noFill/>
         <a:ln>
@@ -6077,12 +6525,34 @@
         </a:ln>
         <a:effectLst/>
       </c:spPr>
+      <c:txPr>
+        <a:bodyPr rot="0" spcFirstLastPara="1" vertOverflow="ellipsis" vert="horz" wrap="square" anchor="ctr" anchorCtr="1"/>
+        <a:lstStyle/>
+        <a:p>
+          <a:pPr>
+            <a:defRPr sz="1600" b="1" i="0" u="none" strike="noStrike" kern="1200" cap="all" spc="120" normalizeH="0" baseline="0">
+              <a:solidFill>
+                <a:schemeClr val="tx1">
+                  <a:lumMod val="65000"/>
+                  <a:lumOff val="35000"/>
+                </a:schemeClr>
+              </a:solidFill>
+              <a:latin typeface="+mn-lt"/>
+              <a:ea typeface="+mn-ea"/>
+              <a:cs typeface="+mn-cs"/>
+            </a:defRPr>
+          </a:pPr>
+          <a:endParaRPr lang="pt-PT"/>
+        </a:p>
+      </c:txPr>
     </c:title>
+    <c:autoTitleDeleted val="0"/>
     <c:plotArea>
       <c:layout/>
       <c:barChart>
         <c:barDir val="col"/>
         <c:grouping val="clustered"/>
+        <c:varyColors val="0"/>
         <c:ser>
           <c:idx val="0"/>
           <c:order val="0"/>
@@ -6106,6 +6576,7 @@
             </a:ln>
             <a:effectLst/>
           </c:spPr>
+          <c:invertIfNegative val="0"/>
           <c:dLbls>
             <c:spPr>
               <a:noFill/>
@@ -6137,8 +6608,14 @@
               </a:p>
             </c:txPr>
             <c:dLblPos val="outEnd"/>
+            <c:showLegendKey val="0"/>
             <c:showVal val="1"/>
-            <c:extLst xmlns:c16r2="http://schemas.microsoft.com/office/drawing/2015/06/chart">
+            <c:showCatName val="0"/>
+            <c:showSerName val="0"/>
+            <c:showPercent val="0"/>
+            <c:showBubbleSize val="0"/>
+            <c:showLeaderLines val="0"/>
+            <c:extLst>
               <c:ext xmlns:c15="http://schemas.microsoft.com/office/drawing/2012/chart" uri="{CE6537A1-D6FC-4f65-9D91-7224C49458BB}">
                 <c15:showLeaderLines val="1"/>
                 <c15:leaderLines>
@@ -6204,7 +6681,7 @@
               </c:numCache>
             </c:numRef>
           </c:val>
-          <c:extLst xmlns:c16r2="http://schemas.microsoft.com/office/drawing/2015/06/chart">
+          <c:extLst>
             <c:ext xmlns:c16="http://schemas.microsoft.com/office/drawing/2014/chart" uri="{C3380CC4-5D6E-409C-BE32-E72D297353CC}">
               <c16:uniqueId val="{00000000-8CA0-4CB6-835E-613658E8C192}"/>
             </c:ext>
@@ -6233,6 +6710,7 @@
             </a:ln>
             <a:effectLst/>
           </c:spPr>
+          <c:invertIfNegative val="0"/>
           <c:dLbls>
             <c:spPr>
               <a:noFill/>
@@ -6264,8 +6742,14 @@
               </a:p>
             </c:txPr>
             <c:dLblPos val="outEnd"/>
+            <c:showLegendKey val="0"/>
             <c:showVal val="1"/>
-            <c:extLst xmlns:c16r2="http://schemas.microsoft.com/office/drawing/2015/06/chart">
+            <c:showCatName val="0"/>
+            <c:showSerName val="0"/>
+            <c:showPercent val="0"/>
+            <c:showBubbleSize val="0"/>
+            <c:showLeaderLines val="0"/>
+            <c:extLst>
               <c:ext xmlns:c15="http://schemas.microsoft.com/office/drawing/2012/chart" uri="{CE6537A1-D6FC-4f65-9D91-7224C49458BB}">
                 <c15:showLeaderLines val="1"/>
                 <c15:leaderLines>
@@ -6331,7 +6815,7 @@
               </c:numCache>
             </c:numRef>
           </c:val>
-          <c:extLst xmlns:c16r2="http://schemas.microsoft.com/office/drawing/2015/06/chart">
+          <c:extLst>
             <c:ext xmlns:c16="http://schemas.microsoft.com/office/drawing/2014/chart" uri="{C3380CC4-5D6E-409C-BE32-E72D297353CC}">
               <c16:uniqueId val="{00000001-8CA0-4CB6-835E-613658E8C192}"/>
             </c:ext>
@@ -6360,6 +6844,7 @@
             </a:ln>
             <a:effectLst/>
           </c:spPr>
+          <c:invertIfNegative val="0"/>
           <c:dLbls>
             <c:spPr>
               <a:noFill/>
@@ -6391,8 +6876,14 @@
               </a:p>
             </c:txPr>
             <c:dLblPos val="outEnd"/>
+            <c:showLegendKey val="0"/>
             <c:showVal val="1"/>
-            <c:extLst xmlns:c16r2="http://schemas.microsoft.com/office/drawing/2015/06/chart">
+            <c:showCatName val="0"/>
+            <c:showSerName val="0"/>
+            <c:showPercent val="0"/>
+            <c:showBubbleSize val="0"/>
+            <c:showLeaderLines val="0"/>
+            <c:extLst>
               <c:ext xmlns:c15="http://schemas.microsoft.com/office/drawing/2012/chart" uri="{CE6537A1-D6FC-4f65-9D91-7224C49458BB}">
                 <c15:showLeaderLines val="1"/>
                 <c15:leaderLines>
@@ -6458,7 +6949,7 @@
               </c:numCache>
             </c:numRef>
           </c:val>
-          <c:extLst xmlns:c16r2="http://schemas.microsoft.com/office/drawing/2015/06/chart">
+          <c:extLst>
             <c:ext xmlns:c16="http://schemas.microsoft.com/office/drawing/2014/chart" uri="{C3380CC4-5D6E-409C-BE32-E72D297353CC}">
               <c16:uniqueId val="{00000002-8CA0-4CB6-835E-613658E8C192}"/>
             </c:ext>
@@ -6487,6 +6978,7 @@
             </a:ln>
             <a:effectLst/>
           </c:spPr>
+          <c:invertIfNegative val="0"/>
           <c:dLbls>
             <c:spPr>
               <a:noFill/>
@@ -6518,8 +7010,14 @@
               </a:p>
             </c:txPr>
             <c:dLblPos val="outEnd"/>
+            <c:showLegendKey val="0"/>
             <c:showVal val="1"/>
-            <c:extLst xmlns:c16r2="http://schemas.microsoft.com/office/drawing/2015/06/chart">
+            <c:showCatName val="0"/>
+            <c:showSerName val="0"/>
+            <c:showPercent val="0"/>
+            <c:showBubbleSize val="0"/>
+            <c:showLeaderLines val="0"/>
+            <c:extLst>
               <c:ext xmlns:c15="http://schemas.microsoft.com/office/drawing/2012/chart" uri="{CE6537A1-D6FC-4f65-9D91-7224C49458BB}">
                 <c15:showLeaderLines val="1"/>
                 <c15:leaderLines>
@@ -6585,7 +7083,7 @@
               </c:numCache>
             </c:numRef>
           </c:val>
-          <c:extLst xmlns:c16r2="http://schemas.microsoft.com/office/drawing/2015/06/chart">
+          <c:extLst>
             <c:ext xmlns:c16="http://schemas.microsoft.com/office/drawing/2014/chart" uri="{C3380CC4-5D6E-409C-BE32-E72D297353CC}">
               <c16:uniqueId val="{00000003-8CA0-4CB6-835E-613658E8C192}"/>
             </c:ext>
@@ -6614,6 +7112,7 @@
             </a:ln>
             <a:effectLst/>
           </c:spPr>
+          <c:invertIfNegative val="0"/>
           <c:dLbls>
             <c:spPr>
               <a:noFill/>
@@ -6645,8 +7144,14 @@
               </a:p>
             </c:txPr>
             <c:dLblPos val="outEnd"/>
+            <c:showLegendKey val="0"/>
             <c:showVal val="1"/>
-            <c:extLst xmlns:c16r2="http://schemas.microsoft.com/office/drawing/2015/06/chart">
+            <c:showCatName val="0"/>
+            <c:showSerName val="0"/>
+            <c:showPercent val="0"/>
+            <c:showBubbleSize val="0"/>
+            <c:showLeaderLines val="0"/>
+            <c:extLst>
               <c:ext xmlns:c15="http://schemas.microsoft.com/office/drawing/2012/chart" uri="{CE6537A1-D6FC-4f65-9D91-7224C49458BB}">
                 <c15:showLeaderLines val="1"/>
                 <c15:leaderLines>
@@ -6689,14 +7194,19 @@
               </c:numCache>
             </c:numRef>
           </c:val>
-          <c:extLst xmlns:c16r2="http://schemas.microsoft.com/office/drawing/2015/06/chart">
+          <c:extLst>
             <c:ext xmlns:c16="http://schemas.microsoft.com/office/drawing/2014/chart" uri="{C3380CC4-5D6E-409C-BE32-E72D297353CC}">
               <c16:uniqueId val="{00000004-8CA0-4CB6-835E-613658E8C192}"/>
             </c:ext>
           </c:extLst>
         </c:ser>
         <c:dLbls>
+          <c:showLegendKey val="0"/>
           <c:showVal val="1"/>
+          <c:showCatName val="0"/>
+          <c:showSerName val="0"/>
+          <c:showPercent val="0"/>
+          <c:showBubbleSize val="0"/>
         </c:dLbls>
         <c:gapWidth val="444"/>
         <c:overlap val="-90"/>
@@ -6708,6 +7218,7 @@
         <c:scaling>
           <c:orientation val="minMax"/>
         </c:scaling>
+        <c:delete val="0"/>
         <c:axPos val="b"/>
         <c:majorGridlines>
           <c:spPr>
@@ -6725,6 +7236,7 @@
         </c:majorGridlines>
         <c:numFmt formatCode="General" sourceLinked="1"/>
         <c:majorTickMark val="none"/>
+        <c:minorTickMark val="none"/>
         <c:tickLblPos val="nextTo"/>
         <c:spPr>
           <a:noFill/>
@@ -6764,6 +7276,7 @@
         <c:auto val="1"/>
         <c:lblAlgn val="ctr"/>
         <c:lblOffset val="100"/>
+        <c:noMultiLvlLbl val="0"/>
       </c:catAx>
       <c:valAx>
         <c:axId val="109303680"/>
@@ -6774,6 +7287,7 @@
         <c:axPos val="l"/>
         <c:numFmt formatCode="General" sourceLinked="1"/>
         <c:majorTickMark val="none"/>
+        <c:minorTickMark val="none"/>
         <c:tickLblPos val="nextTo"/>
         <c:crossAx val="109302144"/>
         <c:crosses val="autoZero"/>
@@ -6827,6 +7341,7 @@
     </c:plotArea>
     <c:plotVisOnly val="1"/>
     <c:dispBlanksAs val="gap"/>
+    <c:showDLblsOverMax val="0"/>
   </c:chart>
   <c:spPr>
     <a:noFill/>
@@ -6845,13 +7360,26 @@
       <a:endParaRPr lang="pt-PT"/>
     </a:p>
   </c:txPr>
-  <c:externalData r:id="rId1"/>
+  <c:externalData r:id="rId3">
+    <c:autoUpdate val="0"/>
+  </c:externalData>
+  <c:userShapes r:id="rId4"/>
 </c:chartSpace>
 </file>
 
 <file path=ppt/charts/chart4.xml><?xml version="1.0" encoding="utf-8"?>
-<c:chartSpace xmlns:c="http://schemas.openxmlformats.org/drawingml/2006/chart" xmlns:a="http://schemas.openxmlformats.org/drawingml/2006/main" xmlns:r="http://schemas.openxmlformats.org/officeDocument/2006/relationships">
+<c:chartSpace xmlns:c="http://schemas.openxmlformats.org/drawingml/2006/chart" xmlns:a="http://schemas.openxmlformats.org/drawingml/2006/main" xmlns:r="http://schemas.openxmlformats.org/officeDocument/2006/relationships" xmlns:c16r2="http://schemas.microsoft.com/office/drawing/2015/06/chart">
+  <c:date1904 val="0"/>
   <c:lang val="pt-PT"/>
+  <c:roundedCorners val="0"/>
+  <mc:AlternateContent xmlns:mc="http://schemas.openxmlformats.org/markup-compatibility/2006">
+    <mc:Choice xmlns:c14="http://schemas.microsoft.com/office/drawing/2007/8/2/chart" Requires="c14">
+      <c14:style val="102"/>
+    </mc:Choice>
+    <mc:Fallback>
+      <c:style val="2"/>
+    </mc:Fallback>
+  </mc:AlternateContent>
   <c:chart>
     <c:title>
       <c:tx>
@@ -6879,17 +7407,7 @@
           </a:p>
           <a:p>
             <a:pPr>
-              <a:defRPr sz="1600" b="1" i="0" u="none" strike="noStrike" kern="1200" cap="all" spc="120" normalizeH="0" baseline="0">
-                <a:solidFill>
-                  <a:schemeClr val="tx1">
-                    <a:lumMod val="65000"/>
-                    <a:lumOff val="35000"/>
-                  </a:schemeClr>
-                </a:solidFill>
-                <a:latin typeface="+mn-lt"/>
-                <a:ea typeface="+mn-ea"/>
-                <a:cs typeface="+mn-cs"/>
-              </a:defRPr>
+              <a:defRPr/>
             </a:pPr>
             <a:r>
               <a:rPr lang="pt-PT" sz="1800"/>
@@ -6898,7 +7416,7 @@
           </a:p>
         </c:rich>
       </c:tx>
-      <c:layout/>
+      <c:overlay val="0"/>
       <c:spPr>
         <a:noFill/>
         <a:ln>
@@ -6906,12 +7424,34 @@
         </a:ln>
         <a:effectLst/>
       </c:spPr>
+      <c:txPr>
+        <a:bodyPr rot="0" spcFirstLastPara="1" vertOverflow="ellipsis" vert="horz" wrap="square" anchor="ctr" anchorCtr="1"/>
+        <a:lstStyle/>
+        <a:p>
+          <a:pPr>
+            <a:defRPr sz="1600" b="1" i="0" u="none" strike="noStrike" kern="1200" cap="all" spc="120" normalizeH="0" baseline="0">
+              <a:solidFill>
+                <a:schemeClr val="tx1">
+                  <a:lumMod val="65000"/>
+                  <a:lumOff val="35000"/>
+                </a:schemeClr>
+              </a:solidFill>
+              <a:latin typeface="+mn-lt"/>
+              <a:ea typeface="+mn-ea"/>
+              <a:cs typeface="+mn-cs"/>
+            </a:defRPr>
+          </a:pPr>
+          <a:endParaRPr lang="pt-PT"/>
+        </a:p>
+      </c:txPr>
     </c:title>
+    <c:autoTitleDeleted val="0"/>
     <c:plotArea>
       <c:layout/>
       <c:barChart>
         <c:barDir val="col"/>
         <c:grouping val="clustered"/>
+        <c:varyColors val="0"/>
         <c:ser>
           <c:idx val="0"/>
           <c:order val="0"/>
@@ -6935,6 +7475,7 @@
             </a:ln>
             <a:effectLst/>
           </c:spPr>
+          <c:invertIfNegative val="0"/>
           <c:dLbls>
             <c:spPr>
               <a:noFill/>
@@ -6966,8 +7507,14 @@
               </a:p>
             </c:txPr>
             <c:dLblPos val="outEnd"/>
+            <c:showLegendKey val="0"/>
             <c:showVal val="1"/>
-            <c:extLst xmlns:c16r2="http://schemas.microsoft.com/office/drawing/2015/06/chart">
+            <c:showCatName val="0"/>
+            <c:showSerName val="0"/>
+            <c:showPercent val="0"/>
+            <c:showBubbleSize val="0"/>
+            <c:showLeaderLines val="0"/>
+            <c:extLst>
               <c:ext xmlns:c15="http://schemas.microsoft.com/office/drawing/2012/chart" uri="{CE6537A1-D6FC-4f65-9D91-7224C49458BB}">
                 <c15:showLeaderLines val="1"/>
                 <c15:leaderLines>
@@ -7033,7 +7580,7 @@
               </c:numCache>
             </c:numRef>
           </c:val>
-          <c:extLst xmlns:c16r2="http://schemas.microsoft.com/office/drawing/2015/06/chart">
+          <c:extLst>
             <c:ext xmlns:c16="http://schemas.microsoft.com/office/drawing/2014/chart" uri="{C3380CC4-5D6E-409C-BE32-E72D297353CC}">
               <c16:uniqueId val="{00000000-D534-41B4-A309-2E90227C8941}"/>
             </c:ext>
@@ -7062,6 +7609,7 @@
             </a:ln>
             <a:effectLst/>
           </c:spPr>
+          <c:invertIfNegative val="0"/>
           <c:dLbls>
             <c:spPr>
               <a:noFill/>
@@ -7093,8 +7641,14 @@
               </a:p>
             </c:txPr>
             <c:dLblPos val="outEnd"/>
+            <c:showLegendKey val="0"/>
             <c:showVal val="1"/>
-            <c:extLst xmlns:c16r2="http://schemas.microsoft.com/office/drawing/2015/06/chart">
+            <c:showCatName val="0"/>
+            <c:showSerName val="0"/>
+            <c:showPercent val="0"/>
+            <c:showBubbleSize val="0"/>
+            <c:showLeaderLines val="0"/>
+            <c:extLst>
               <c:ext xmlns:c15="http://schemas.microsoft.com/office/drawing/2012/chart" uri="{CE6537A1-D6FC-4f65-9D91-7224C49458BB}">
                 <c15:showLeaderLines val="1"/>
                 <c15:leaderLines>
@@ -7160,7 +7714,7 @@
               </c:numCache>
             </c:numRef>
           </c:val>
-          <c:extLst xmlns:c16r2="http://schemas.microsoft.com/office/drawing/2015/06/chart">
+          <c:extLst>
             <c:ext xmlns:c16="http://schemas.microsoft.com/office/drawing/2014/chart" uri="{C3380CC4-5D6E-409C-BE32-E72D297353CC}">
               <c16:uniqueId val="{00000001-D534-41B4-A309-2E90227C8941}"/>
             </c:ext>
@@ -7189,6 +7743,7 @@
             </a:ln>
             <a:effectLst/>
           </c:spPr>
+          <c:invertIfNegative val="0"/>
           <c:dLbls>
             <c:spPr>
               <a:noFill/>
@@ -7220,8 +7775,14 @@
               </a:p>
             </c:txPr>
             <c:dLblPos val="outEnd"/>
+            <c:showLegendKey val="0"/>
             <c:showVal val="1"/>
-            <c:extLst xmlns:c16r2="http://schemas.microsoft.com/office/drawing/2015/06/chart">
+            <c:showCatName val="0"/>
+            <c:showSerName val="0"/>
+            <c:showPercent val="0"/>
+            <c:showBubbleSize val="0"/>
+            <c:showLeaderLines val="0"/>
+            <c:extLst>
               <c:ext xmlns:c15="http://schemas.microsoft.com/office/drawing/2012/chart" uri="{CE6537A1-D6FC-4f65-9D91-7224C49458BB}">
                 <c15:showLeaderLines val="1"/>
                 <c15:leaderLines>
@@ -7287,7 +7848,7 @@
               </c:numCache>
             </c:numRef>
           </c:val>
-          <c:extLst xmlns:c16r2="http://schemas.microsoft.com/office/drawing/2015/06/chart">
+          <c:extLst>
             <c:ext xmlns:c16="http://schemas.microsoft.com/office/drawing/2014/chart" uri="{C3380CC4-5D6E-409C-BE32-E72D297353CC}">
               <c16:uniqueId val="{00000002-D534-41B4-A309-2E90227C8941}"/>
             </c:ext>
@@ -7316,6 +7877,7 @@
             </a:ln>
             <a:effectLst/>
           </c:spPr>
+          <c:invertIfNegative val="0"/>
           <c:dLbls>
             <c:spPr>
               <a:noFill/>
@@ -7347,8 +7909,14 @@
               </a:p>
             </c:txPr>
             <c:dLblPos val="outEnd"/>
+            <c:showLegendKey val="0"/>
             <c:showVal val="1"/>
-            <c:extLst xmlns:c16r2="http://schemas.microsoft.com/office/drawing/2015/06/chart">
+            <c:showCatName val="0"/>
+            <c:showSerName val="0"/>
+            <c:showPercent val="0"/>
+            <c:showBubbleSize val="0"/>
+            <c:showLeaderLines val="0"/>
+            <c:extLst>
               <c:ext xmlns:c15="http://schemas.microsoft.com/office/drawing/2012/chart" uri="{CE6537A1-D6FC-4f65-9D91-7224C49458BB}">
                 <c15:showLeaderLines val="1"/>
                 <c15:leaderLines>
@@ -7414,7 +7982,7 @@
               </c:numCache>
             </c:numRef>
           </c:val>
-          <c:extLst xmlns:c16r2="http://schemas.microsoft.com/office/drawing/2015/06/chart">
+          <c:extLst>
             <c:ext xmlns:c16="http://schemas.microsoft.com/office/drawing/2014/chart" uri="{C3380CC4-5D6E-409C-BE32-E72D297353CC}">
               <c16:uniqueId val="{00000003-D534-41B4-A309-2E90227C8941}"/>
             </c:ext>
@@ -7443,6 +8011,7 @@
             </a:ln>
             <a:effectLst/>
           </c:spPr>
+          <c:invertIfNegative val="0"/>
           <c:dLbls>
             <c:spPr>
               <a:noFill/>
@@ -7474,8 +8043,14 @@
               </a:p>
             </c:txPr>
             <c:dLblPos val="outEnd"/>
+            <c:showLegendKey val="0"/>
             <c:showVal val="1"/>
-            <c:extLst xmlns:c16r2="http://schemas.microsoft.com/office/drawing/2015/06/chart">
+            <c:showCatName val="0"/>
+            <c:showSerName val="0"/>
+            <c:showPercent val="0"/>
+            <c:showBubbleSize val="0"/>
+            <c:showLeaderLines val="0"/>
+            <c:extLst>
               <c:ext xmlns:c15="http://schemas.microsoft.com/office/drawing/2012/chart" uri="{CE6537A1-D6FC-4f65-9D91-7224C49458BB}">
                 <c15:showLeaderLines val="1"/>
                 <c15:leaderLines>
@@ -7518,14 +8093,19 @@
               </c:numCache>
             </c:numRef>
           </c:val>
-          <c:extLst xmlns:c16r2="http://schemas.microsoft.com/office/drawing/2015/06/chart">
+          <c:extLst>
             <c:ext xmlns:c16="http://schemas.microsoft.com/office/drawing/2014/chart" uri="{C3380CC4-5D6E-409C-BE32-E72D297353CC}">
               <c16:uniqueId val="{00000004-D534-41B4-A309-2E90227C8941}"/>
             </c:ext>
           </c:extLst>
         </c:ser>
         <c:dLbls>
+          <c:showLegendKey val="0"/>
           <c:showVal val="1"/>
+          <c:showCatName val="0"/>
+          <c:showSerName val="0"/>
+          <c:showPercent val="0"/>
+          <c:showBubbleSize val="0"/>
         </c:dLbls>
         <c:gapWidth val="444"/>
         <c:overlap val="-90"/>
@@ -7537,6 +8117,7 @@
         <c:scaling>
           <c:orientation val="minMax"/>
         </c:scaling>
+        <c:delete val="0"/>
         <c:axPos val="b"/>
         <c:majorGridlines>
           <c:spPr>
@@ -7554,6 +8135,7 @@
         </c:majorGridlines>
         <c:numFmt formatCode="General" sourceLinked="1"/>
         <c:majorTickMark val="none"/>
+        <c:minorTickMark val="none"/>
         <c:tickLblPos val="nextTo"/>
         <c:spPr>
           <a:noFill/>
@@ -7593,6 +8175,7 @@
         <c:auto val="1"/>
         <c:lblAlgn val="ctr"/>
         <c:lblOffset val="100"/>
+        <c:noMultiLvlLbl val="0"/>
       </c:catAx>
       <c:valAx>
         <c:axId val="109328640"/>
@@ -7603,6 +8186,7 @@
         <c:axPos val="l"/>
         <c:numFmt formatCode="General" sourceLinked="1"/>
         <c:majorTickMark val="none"/>
+        <c:minorTickMark val="none"/>
         <c:tickLblPos val="nextTo"/>
         <c:crossAx val="109327104"/>
         <c:crosses val="autoZero"/>
@@ -7656,6 +8240,7 @@
     </c:plotArea>
     <c:plotVisOnly val="1"/>
     <c:dispBlanksAs val="gap"/>
+    <c:showDLblsOverMax val="0"/>
   </c:chart>
   <c:spPr>
     <a:noFill/>
@@ -7674,13 +8259,26 @@
       <a:endParaRPr lang="pt-PT"/>
     </a:p>
   </c:txPr>
-  <c:externalData r:id="rId1"/>
+  <c:externalData r:id="rId3">
+    <c:autoUpdate val="0"/>
+  </c:externalData>
+  <c:userShapes r:id="rId4"/>
 </c:chartSpace>
 </file>
 
 <file path=ppt/charts/chart5.xml><?xml version="1.0" encoding="utf-8"?>
-<c:chartSpace xmlns:c="http://schemas.openxmlformats.org/drawingml/2006/chart" xmlns:a="http://schemas.openxmlformats.org/drawingml/2006/main" xmlns:r="http://schemas.openxmlformats.org/officeDocument/2006/relationships">
+<c:chartSpace xmlns:c="http://schemas.openxmlformats.org/drawingml/2006/chart" xmlns:a="http://schemas.openxmlformats.org/drawingml/2006/main" xmlns:r="http://schemas.openxmlformats.org/officeDocument/2006/relationships" xmlns:c16r2="http://schemas.microsoft.com/office/drawing/2015/06/chart">
+  <c:date1904 val="0"/>
   <c:lang val="pt-PT"/>
+  <c:roundedCorners val="0"/>
+  <mc:AlternateContent xmlns:mc="http://schemas.openxmlformats.org/markup-compatibility/2006">
+    <mc:Choice xmlns:c14="http://schemas.microsoft.com/office/drawing/2007/8/2/chart" Requires="c14">
+      <c14:style val="102"/>
+    </mc:Choice>
+    <mc:Fallback>
+      <c:style val="2"/>
+    </mc:Fallback>
+  </mc:AlternateContent>
   <c:chart>
     <c:title>
       <c:tx>
@@ -7708,17 +8306,7 @@
           </a:p>
           <a:p>
             <a:pPr>
-              <a:defRPr sz="1600" b="1" i="0" u="none" strike="noStrike" kern="1200" cap="all" spc="120" normalizeH="0" baseline="0">
-                <a:solidFill>
-                  <a:schemeClr val="tx1">
-                    <a:lumMod val="65000"/>
-                    <a:lumOff val="35000"/>
-                  </a:schemeClr>
-                </a:solidFill>
-                <a:latin typeface="+mn-lt"/>
-                <a:ea typeface="+mn-ea"/>
-                <a:cs typeface="+mn-cs"/>
-              </a:defRPr>
+              <a:defRPr/>
             </a:pPr>
             <a:r>
               <a:rPr lang="pt-PT" sz="2000" dirty="0"/>
@@ -7727,7 +8315,7 @@
           </a:p>
         </c:rich>
       </c:tx>
-      <c:layout/>
+      <c:overlay val="0"/>
       <c:spPr>
         <a:noFill/>
         <a:ln>
@@ -7735,12 +8323,34 @@
         </a:ln>
         <a:effectLst/>
       </c:spPr>
+      <c:txPr>
+        <a:bodyPr rot="0" spcFirstLastPara="1" vertOverflow="ellipsis" vert="horz" wrap="square" anchor="ctr" anchorCtr="1"/>
+        <a:lstStyle/>
+        <a:p>
+          <a:pPr>
+            <a:defRPr sz="1600" b="1" i="0" u="none" strike="noStrike" kern="1200" cap="all" spc="120" normalizeH="0" baseline="0">
+              <a:solidFill>
+                <a:schemeClr val="tx1">
+                  <a:lumMod val="65000"/>
+                  <a:lumOff val="35000"/>
+                </a:schemeClr>
+              </a:solidFill>
+              <a:latin typeface="+mn-lt"/>
+              <a:ea typeface="+mn-ea"/>
+              <a:cs typeface="+mn-cs"/>
+            </a:defRPr>
+          </a:pPr>
+          <a:endParaRPr lang="pt-PT"/>
+        </a:p>
+      </c:txPr>
     </c:title>
+    <c:autoTitleDeleted val="0"/>
     <c:plotArea>
       <c:layout/>
       <c:barChart>
         <c:barDir val="col"/>
         <c:grouping val="clustered"/>
+        <c:varyColors val="0"/>
         <c:ser>
           <c:idx val="0"/>
           <c:order val="0"/>
@@ -7764,6 +8374,7 @@
             </a:ln>
             <a:effectLst/>
           </c:spPr>
+          <c:invertIfNegative val="0"/>
           <c:dLbls>
             <c:spPr>
               <a:noFill/>
@@ -7795,8 +8406,14 @@
               </a:p>
             </c:txPr>
             <c:dLblPos val="outEnd"/>
+            <c:showLegendKey val="0"/>
             <c:showVal val="1"/>
-            <c:extLst xmlns:c16r2="http://schemas.microsoft.com/office/drawing/2015/06/chart">
+            <c:showCatName val="0"/>
+            <c:showSerName val="0"/>
+            <c:showPercent val="0"/>
+            <c:showBubbleSize val="0"/>
+            <c:showLeaderLines val="0"/>
+            <c:extLst>
               <c:ext xmlns:c15="http://schemas.microsoft.com/office/drawing/2012/chart" uri="{CE6537A1-D6FC-4f65-9D91-7224C49458BB}">
                 <c15:showLeaderLines val="1"/>
                 <c15:leaderLines>
@@ -7862,7 +8479,7 @@
               </c:numCache>
             </c:numRef>
           </c:val>
-          <c:extLst xmlns:c16r2="http://schemas.microsoft.com/office/drawing/2015/06/chart">
+          <c:extLst>
             <c:ext xmlns:c16="http://schemas.microsoft.com/office/drawing/2014/chart" uri="{C3380CC4-5D6E-409C-BE32-E72D297353CC}">
               <c16:uniqueId val="{00000000-E235-4DA3-8C47-0DA5FEC6E31C}"/>
             </c:ext>
@@ -7891,6 +8508,7 @@
             </a:ln>
             <a:effectLst/>
           </c:spPr>
+          <c:invertIfNegative val="0"/>
           <c:dLbls>
             <c:spPr>
               <a:noFill/>
@@ -7922,8 +8540,14 @@
               </a:p>
             </c:txPr>
             <c:dLblPos val="outEnd"/>
+            <c:showLegendKey val="0"/>
             <c:showVal val="1"/>
-            <c:extLst xmlns:c16r2="http://schemas.microsoft.com/office/drawing/2015/06/chart">
+            <c:showCatName val="0"/>
+            <c:showSerName val="0"/>
+            <c:showPercent val="0"/>
+            <c:showBubbleSize val="0"/>
+            <c:showLeaderLines val="0"/>
+            <c:extLst>
               <c:ext xmlns:c15="http://schemas.microsoft.com/office/drawing/2012/chart" uri="{CE6537A1-D6FC-4f65-9D91-7224C49458BB}">
                 <c15:showLeaderLines val="1"/>
                 <c15:leaderLines>
@@ -7989,7 +8613,7 @@
               </c:numCache>
             </c:numRef>
           </c:val>
-          <c:extLst xmlns:c16r2="http://schemas.microsoft.com/office/drawing/2015/06/chart">
+          <c:extLst>
             <c:ext xmlns:c16="http://schemas.microsoft.com/office/drawing/2014/chart" uri="{C3380CC4-5D6E-409C-BE32-E72D297353CC}">
               <c16:uniqueId val="{00000001-E235-4DA3-8C47-0DA5FEC6E31C}"/>
             </c:ext>
@@ -8018,6 +8642,7 @@
             </a:ln>
             <a:effectLst/>
           </c:spPr>
+          <c:invertIfNegative val="0"/>
           <c:dLbls>
             <c:spPr>
               <a:noFill/>
@@ -8049,8 +8674,14 @@
               </a:p>
             </c:txPr>
             <c:dLblPos val="outEnd"/>
+            <c:showLegendKey val="0"/>
             <c:showVal val="1"/>
-            <c:extLst xmlns:c16r2="http://schemas.microsoft.com/office/drawing/2015/06/chart">
+            <c:showCatName val="0"/>
+            <c:showSerName val="0"/>
+            <c:showPercent val="0"/>
+            <c:showBubbleSize val="0"/>
+            <c:showLeaderLines val="0"/>
+            <c:extLst>
               <c:ext xmlns:c15="http://schemas.microsoft.com/office/drawing/2012/chart" uri="{CE6537A1-D6FC-4f65-9D91-7224C49458BB}">
                 <c15:showLeaderLines val="1"/>
                 <c15:leaderLines>
@@ -8116,7 +8747,7 @@
               </c:numCache>
             </c:numRef>
           </c:val>
-          <c:extLst xmlns:c16r2="http://schemas.microsoft.com/office/drawing/2015/06/chart">
+          <c:extLst>
             <c:ext xmlns:c16="http://schemas.microsoft.com/office/drawing/2014/chart" uri="{C3380CC4-5D6E-409C-BE32-E72D297353CC}">
               <c16:uniqueId val="{00000002-E235-4DA3-8C47-0DA5FEC6E31C}"/>
             </c:ext>
@@ -8145,6 +8776,7 @@
             </a:ln>
             <a:effectLst/>
           </c:spPr>
+          <c:invertIfNegative val="0"/>
           <c:dLbls>
             <c:spPr>
               <a:noFill/>
@@ -8176,8 +8808,14 @@
               </a:p>
             </c:txPr>
             <c:dLblPos val="outEnd"/>
+            <c:showLegendKey val="0"/>
             <c:showVal val="1"/>
-            <c:extLst xmlns:c16r2="http://schemas.microsoft.com/office/drawing/2015/06/chart">
+            <c:showCatName val="0"/>
+            <c:showSerName val="0"/>
+            <c:showPercent val="0"/>
+            <c:showBubbleSize val="0"/>
+            <c:showLeaderLines val="0"/>
+            <c:extLst>
               <c:ext xmlns:c15="http://schemas.microsoft.com/office/drawing/2012/chart" uri="{CE6537A1-D6FC-4f65-9D91-7224C49458BB}">
                 <c15:showLeaderLines val="1"/>
                 <c15:leaderLines>
@@ -8243,7 +8881,7 @@
               </c:numCache>
             </c:numRef>
           </c:val>
-          <c:extLst xmlns:c16r2="http://schemas.microsoft.com/office/drawing/2015/06/chart">
+          <c:extLst>
             <c:ext xmlns:c16="http://schemas.microsoft.com/office/drawing/2014/chart" uri="{C3380CC4-5D6E-409C-BE32-E72D297353CC}">
               <c16:uniqueId val="{00000003-E235-4DA3-8C47-0DA5FEC6E31C}"/>
             </c:ext>
@@ -8264,6 +8902,7 @@
             </a:ln>
             <a:effectLst/>
           </c:spPr>
+          <c:invertIfNegative val="0"/>
           <c:dLbls>
             <c:spPr>
               <a:noFill/>
@@ -8295,8 +8934,14 @@
               </a:p>
             </c:txPr>
             <c:dLblPos val="outEnd"/>
+            <c:showLegendKey val="0"/>
             <c:showVal val="1"/>
-            <c:extLst xmlns:c16r2="http://schemas.microsoft.com/office/drawing/2015/06/chart">
+            <c:showCatName val="0"/>
+            <c:showSerName val="0"/>
+            <c:showPercent val="0"/>
+            <c:showBubbleSize val="0"/>
+            <c:showLeaderLines val="0"/>
+            <c:extLst>
               <c:ext xmlns:c15="http://schemas.microsoft.com/office/drawing/2012/chart" uri="{CE6537A1-D6FC-4f65-9D91-7224C49458BB}">
                 <c15:showLeaderLines val="1"/>
                 <c15:leaderLines>
@@ -8339,14 +8984,19 @@
               </c:numCache>
             </c:numRef>
           </c:val>
-          <c:extLst xmlns:c16r2="http://schemas.microsoft.com/office/drawing/2015/06/chart">
+          <c:extLst>
             <c:ext xmlns:c16="http://schemas.microsoft.com/office/drawing/2014/chart" uri="{C3380CC4-5D6E-409C-BE32-E72D297353CC}">
               <c16:uniqueId val="{00000004-E235-4DA3-8C47-0DA5FEC6E31C}"/>
             </c:ext>
           </c:extLst>
         </c:ser>
         <c:dLbls>
+          <c:showLegendKey val="0"/>
           <c:showVal val="1"/>
+          <c:showCatName val="0"/>
+          <c:showSerName val="0"/>
+          <c:showPercent val="0"/>
+          <c:showBubbleSize val="0"/>
         </c:dLbls>
         <c:gapWidth val="444"/>
         <c:overlap val="-90"/>
@@ -8358,6 +9008,7 @@
         <c:scaling>
           <c:orientation val="minMax"/>
         </c:scaling>
+        <c:delete val="0"/>
         <c:axPos val="b"/>
         <c:majorGridlines>
           <c:spPr>
@@ -8375,6 +9026,7 @@
         </c:majorGridlines>
         <c:numFmt formatCode="General" sourceLinked="1"/>
         <c:majorTickMark val="none"/>
+        <c:minorTickMark val="none"/>
         <c:tickLblPos val="nextTo"/>
         <c:spPr>
           <a:noFill/>
@@ -8414,6 +9066,7 @@
         <c:auto val="1"/>
         <c:lblAlgn val="ctr"/>
         <c:lblOffset val="100"/>
+        <c:noMultiLvlLbl val="0"/>
       </c:catAx>
       <c:valAx>
         <c:axId val="109448576"/>
@@ -8424,6 +9077,7 @@
         <c:axPos val="l"/>
         <c:numFmt formatCode="General" sourceLinked="1"/>
         <c:majorTickMark val="none"/>
+        <c:minorTickMark val="none"/>
         <c:tickLblPos val="nextTo"/>
         <c:crossAx val="109447040"/>
         <c:crosses val="autoZero"/>
@@ -8477,6 +9131,7 @@
     </c:plotArea>
     <c:plotVisOnly val="1"/>
     <c:dispBlanksAs val="gap"/>
+    <c:showDLblsOverMax val="0"/>
   </c:chart>
   <c:spPr>
     <a:noFill/>
@@ -8495,13 +9150,25 @@
       <a:endParaRPr lang="pt-PT"/>
     </a:p>
   </c:txPr>
-  <c:externalData r:id="rId1"/>
+  <c:externalData r:id="rId3">
+    <c:autoUpdate val="0"/>
+  </c:externalData>
 </c:chartSpace>
 </file>
 
 <file path=ppt/charts/chart6.xml><?xml version="1.0" encoding="utf-8"?>
-<c:chartSpace xmlns:c="http://schemas.openxmlformats.org/drawingml/2006/chart" xmlns:a="http://schemas.openxmlformats.org/drawingml/2006/main" xmlns:r="http://schemas.openxmlformats.org/officeDocument/2006/relationships">
+<c:chartSpace xmlns:c="http://schemas.openxmlformats.org/drawingml/2006/chart" xmlns:a="http://schemas.openxmlformats.org/drawingml/2006/main" xmlns:r="http://schemas.openxmlformats.org/officeDocument/2006/relationships" xmlns:c16r2="http://schemas.microsoft.com/office/drawing/2015/06/chart">
+  <c:date1904 val="0"/>
   <c:lang val="pt-PT"/>
+  <c:roundedCorners val="0"/>
+  <mc:AlternateContent xmlns:mc="http://schemas.openxmlformats.org/markup-compatibility/2006">
+    <mc:Choice xmlns:c14="http://schemas.microsoft.com/office/drawing/2007/8/2/chart" Requires="c14">
+      <c14:style val="102"/>
+    </mc:Choice>
+    <mc:Fallback>
+      <c:style val="2"/>
+    </mc:Fallback>
+  </mc:AlternateContent>
   <c:chart>
     <c:title>
       <c:tx>
@@ -8529,17 +9196,7 @@
           </a:p>
           <a:p>
             <a:pPr>
-              <a:defRPr sz="1600" b="1" i="0" u="none" strike="noStrike" kern="1200" cap="all" spc="120" normalizeH="0" baseline="0">
-                <a:solidFill>
-                  <a:schemeClr val="tx1">
-                    <a:lumMod val="65000"/>
-                    <a:lumOff val="35000"/>
-                  </a:schemeClr>
-                </a:solidFill>
-                <a:latin typeface="+mn-lt"/>
-                <a:ea typeface="+mn-ea"/>
-                <a:cs typeface="+mn-cs"/>
-              </a:defRPr>
+              <a:defRPr/>
             </a:pPr>
             <a:r>
               <a:rPr lang="pt-PT"/>
@@ -8548,7 +9205,7 @@
           </a:p>
         </c:rich>
       </c:tx>
-      <c:layout/>
+      <c:overlay val="0"/>
       <c:spPr>
         <a:noFill/>
         <a:ln>
@@ -8556,12 +9213,34 @@
         </a:ln>
         <a:effectLst/>
       </c:spPr>
+      <c:txPr>
+        <a:bodyPr rot="0" spcFirstLastPara="1" vertOverflow="ellipsis" vert="horz" wrap="square" anchor="ctr" anchorCtr="1"/>
+        <a:lstStyle/>
+        <a:p>
+          <a:pPr>
+            <a:defRPr sz="1600" b="1" i="0" u="none" strike="noStrike" kern="1200" cap="all" spc="120" normalizeH="0" baseline="0">
+              <a:solidFill>
+                <a:schemeClr val="tx1">
+                  <a:lumMod val="65000"/>
+                  <a:lumOff val="35000"/>
+                </a:schemeClr>
+              </a:solidFill>
+              <a:latin typeface="+mn-lt"/>
+              <a:ea typeface="+mn-ea"/>
+              <a:cs typeface="+mn-cs"/>
+            </a:defRPr>
+          </a:pPr>
+          <a:endParaRPr lang="pt-PT"/>
+        </a:p>
+      </c:txPr>
     </c:title>
+    <c:autoTitleDeleted val="0"/>
     <c:plotArea>
       <c:layout/>
       <c:barChart>
         <c:barDir val="col"/>
         <c:grouping val="clustered"/>
+        <c:varyColors val="0"/>
         <c:ser>
           <c:idx val="0"/>
           <c:order val="0"/>
@@ -8577,6 +9256,7 @@
             </a:ln>
             <a:effectLst/>
           </c:spPr>
+          <c:invertIfNegative val="0"/>
           <c:dLbls>
             <c:spPr>
               <a:noFill/>
@@ -8608,8 +9288,14 @@
               </a:p>
             </c:txPr>
             <c:dLblPos val="outEnd"/>
+            <c:showLegendKey val="0"/>
             <c:showVal val="1"/>
-            <c:extLst xmlns:c16r2="http://schemas.microsoft.com/office/drawing/2015/06/chart">
+            <c:showCatName val="0"/>
+            <c:showSerName val="0"/>
+            <c:showPercent val="0"/>
+            <c:showBubbleSize val="0"/>
+            <c:showLeaderLines val="0"/>
+            <c:extLst>
               <c:ext xmlns:c15="http://schemas.microsoft.com/office/drawing/2012/chart" uri="{CE6537A1-D6FC-4f65-9D91-7224C49458BB}">
                 <c15:showLeaderLines val="1"/>
                 <c15:leaderLines>
@@ -8672,7 +9358,7 @@
               </c:numCache>
             </c:numRef>
           </c:val>
-          <c:extLst xmlns:c16r2="http://schemas.microsoft.com/office/drawing/2015/06/chart">
+          <c:extLst>
             <c:ext xmlns:c16="http://schemas.microsoft.com/office/drawing/2014/chart" uri="{C3380CC4-5D6E-409C-BE32-E72D297353CC}">
               <c16:uniqueId val="{00000000-19AD-4245-8B78-EEF97942579B}"/>
             </c:ext>
@@ -8693,6 +9379,7 @@
             </a:ln>
             <a:effectLst/>
           </c:spPr>
+          <c:invertIfNegative val="0"/>
           <c:dLbls>
             <c:spPr>
               <a:noFill/>
@@ -8724,8 +9411,14 @@
               </a:p>
             </c:txPr>
             <c:dLblPos val="outEnd"/>
+            <c:showLegendKey val="0"/>
             <c:showVal val="1"/>
-            <c:extLst xmlns:c16r2="http://schemas.microsoft.com/office/drawing/2015/06/chart">
+            <c:showCatName val="0"/>
+            <c:showSerName val="0"/>
+            <c:showPercent val="0"/>
+            <c:showBubbleSize val="0"/>
+            <c:showLeaderLines val="0"/>
+            <c:extLst>
               <c:ext xmlns:c15="http://schemas.microsoft.com/office/drawing/2012/chart" uri="{CE6537A1-D6FC-4f65-9D91-7224C49458BB}">
                 <c15:showLeaderLines val="1"/>
                 <c15:leaderLines>
@@ -8788,7 +9481,7 @@
               </c:numCache>
             </c:numRef>
           </c:val>
-          <c:extLst xmlns:c16r2="http://schemas.microsoft.com/office/drawing/2015/06/chart">
+          <c:extLst>
             <c:ext xmlns:c16="http://schemas.microsoft.com/office/drawing/2014/chart" uri="{C3380CC4-5D6E-409C-BE32-E72D297353CC}">
               <c16:uniqueId val="{00000001-19AD-4245-8B78-EEF97942579B}"/>
             </c:ext>
@@ -8809,6 +9502,7 @@
             </a:ln>
             <a:effectLst/>
           </c:spPr>
+          <c:invertIfNegative val="0"/>
           <c:dLbls>
             <c:spPr>
               <a:noFill/>
@@ -8840,8 +9534,14 @@
               </a:p>
             </c:txPr>
             <c:dLblPos val="outEnd"/>
+            <c:showLegendKey val="0"/>
             <c:showVal val="1"/>
-            <c:extLst xmlns:c16r2="http://schemas.microsoft.com/office/drawing/2015/06/chart">
+            <c:showCatName val="0"/>
+            <c:showSerName val="0"/>
+            <c:showPercent val="0"/>
+            <c:showBubbleSize val="0"/>
+            <c:showLeaderLines val="0"/>
+            <c:extLst>
               <c:ext xmlns:c15="http://schemas.microsoft.com/office/drawing/2012/chart" uri="{CE6537A1-D6FC-4f65-9D91-7224C49458BB}">
                 <c15:showLeaderLines val="1"/>
                 <c15:leaderLines>
@@ -8904,7 +9604,7 @@
               </c:numCache>
             </c:numRef>
           </c:val>
-          <c:extLst xmlns:c16r2="http://schemas.microsoft.com/office/drawing/2015/06/chart">
+          <c:extLst>
             <c:ext xmlns:c16="http://schemas.microsoft.com/office/drawing/2014/chart" uri="{C3380CC4-5D6E-409C-BE32-E72D297353CC}">
               <c16:uniqueId val="{00000002-19AD-4245-8B78-EEF97942579B}"/>
             </c:ext>
@@ -8925,6 +9625,7 @@
             </a:ln>
             <a:effectLst/>
           </c:spPr>
+          <c:invertIfNegative val="0"/>
           <c:dLbls>
             <c:spPr>
               <a:noFill/>
@@ -8956,8 +9657,14 @@
               </a:p>
             </c:txPr>
             <c:dLblPos val="outEnd"/>
+            <c:showLegendKey val="0"/>
             <c:showVal val="1"/>
-            <c:extLst xmlns:c16r2="http://schemas.microsoft.com/office/drawing/2015/06/chart">
+            <c:showCatName val="0"/>
+            <c:showSerName val="0"/>
+            <c:showPercent val="0"/>
+            <c:showBubbleSize val="0"/>
+            <c:showLeaderLines val="0"/>
+            <c:extLst>
               <c:ext xmlns:c15="http://schemas.microsoft.com/office/drawing/2012/chart" uri="{CE6537A1-D6FC-4f65-9D91-7224C49458BB}">
                 <c15:showLeaderLines val="1"/>
                 <c15:leaderLines>
@@ -9020,7 +9727,7 @@
               </c:numCache>
             </c:numRef>
           </c:val>
-          <c:extLst xmlns:c16r2="http://schemas.microsoft.com/office/drawing/2015/06/chart">
+          <c:extLst>
             <c:ext xmlns:c16="http://schemas.microsoft.com/office/drawing/2014/chart" uri="{C3380CC4-5D6E-409C-BE32-E72D297353CC}">
               <c16:uniqueId val="{00000003-19AD-4245-8B78-EEF97942579B}"/>
             </c:ext>
@@ -9041,6 +9748,7 @@
             </a:ln>
             <a:effectLst/>
           </c:spPr>
+          <c:invertIfNegative val="0"/>
           <c:dLbls>
             <c:spPr>
               <a:noFill/>
@@ -9072,8 +9780,14 @@
               </a:p>
             </c:txPr>
             <c:dLblPos val="outEnd"/>
+            <c:showLegendKey val="0"/>
             <c:showVal val="1"/>
-            <c:extLst xmlns:c16r2="http://schemas.microsoft.com/office/drawing/2015/06/chart">
+            <c:showCatName val="0"/>
+            <c:showSerName val="0"/>
+            <c:showPercent val="0"/>
+            <c:showBubbleSize val="0"/>
+            <c:showLeaderLines val="0"/>
+            <c:extLst>
               <c:ext xmlns:c15="http://schemas.microsoft.com/office/drawing/2012/chart" uri="{CE6537A1-D6FC-4f65-9D91-7224C49458BB}">
                 <c15:showLeaderLines val="1"/>
                 <c15:leaderLines>
@@ -9116,14 +9830,19 @@
               </c:numCache>
             </c:numRef>
           </c:val>
-          <c:extLst xmlns:c16r2="http://schemas.microsoft.com/office/drawing/2015/06/chart">
+          <c:extLst>
             <c:ext xmlns:c16="http://schemas.microsoft.com/office/drawing/2014/chart" uri="{C3380CC4-5D6E-409C-BE32-E72D297353CC}">
               <c16:uniqueId val="{00000004-19AD-4245-8B78-EEF97942579B}"/>
             </c:ext>
           </c:extLst>
         </c:ser>
         <c:dLbls>
+          <c:showLegendKey val="0"/>
           <c:showVal val="1"/>
+          <c:showCatName val="0"/>
+          <c:showSerName val="0"/>
+          <c:showPercent val="0"/>
+          <c:showBubbleSize val="0"/>
         </c:dLbls>
         <c:gapWidth val="444"/>
         <c:overlap val="-90"/>
@@ -9135,6 +9854,7 @@
         <c:scaling>
           <c:orientation val="minMax"/>
         </c:scaling>
+        <c:delete val="0"/>
         <c:axPos val="b"/>
         <c:majorGridlines>
           <c:spPr>
@@ -9152,6 +9872,7 @@
         </c:majorGridlines>
         <c:numFmt formatCode="General" sourceLinked="1"/>
         <c:majorTickMark val="none"/>
+        <c:minorTickMark val="none"/>
         <c:tickLblPos val="nextTo"/>
         <c:spPr>
           <a:noFill/>
@@ -9191,6 +9912,7 @@
         <c:auto val="1"/>
         <c:lblAlgn val="ctr"/>
         <c:lblOffset val="100"/>
+        <c:noMultiLvlLbl val="0"/>
       </c:catAx>
       <c:valAx>
         <c:axId val="109617536"/>
@@ -9201,6 +9923,7 @@
         <c:axPos val="l"/>
         <c:numFmt formatCode="General" sourceLinked="1"/>
         <c:majorTickMark val="none"/>
+        <c:minorTickMark val="none"/>
         <c:tickLblPos val="nextTo"/>
         <c:crossAx val="109595264"/>
         <c:crosses val="autoZero"/>
@@ -9254,6 +9977,7 @@
     </c:plotArea>
     <c:plotVisOnly val="1"/>
     <c:dispBlanksAs val="gap"/>
+    <c:showDLblsOverMax val="0"/>
   </c:chart>
   <c:spPr>
     <a:noFill/>
@@ -9272,13 +9996,25 @@
       <a:endParaRPr lang="pt-PT"/>
     </a:p>
   </c:txPr>
-  <c:externalData r:id="rId1"/>
+  <c:externalData r:id="rId3">
+    <c:autoUpdate val="0"/>
+  </c:externalData>
 </c:chartSpace>
 </file>
 
 <file path=ppt/charts/chart7.xml><?xml version="1.0" encoding="utf-8"?>
-<c:chartSpace xmlns:c="http://schemas.openxmlformats.org/drawingml/2006/chart" xmlns:a="http://schemas.openxmlformats.org/drawingml/2006/main" xmlns:r="http://schemas.openxmlformats.org/officeDocument/2006/relationships">
+<c:chartSpace xmlns:c="http://schemas.openxmlformats.org/drawingml/2006/chart" xmlns:a="http://schemas.openxmlformats.org/drawingml/2006/main" xmlns:r="http://schemas.openxmlformats.org/officeDocument/2006/relationships" xmlns:c16r2="http://schemas.microsoft.com/office/drawing/2015/06/chart">
+  <c:date1904 val="0"/>
   <c:lang val="pt-PT"/>
+  <c:roundedCorners val="0"/>
+  <mc:AlternateContent xmlns:mc="http://schemas.openxmlformats.org/markup-compatibility/2006">
+    <mc:Choice xmlns:c14="http://schemas.microsoft.com/office/drawing/2007/8/2/chart" Requires="c14">
+      <c14:style val="102"/>
+    </mc:Choice>
+    <mc:Fallback>
+      <c:style val="2"/>
+    </mc:Fallback>
+  </mc:AlternateContent>
   <c:chart>
     <c:title>
       <c:tx>
@@ -9311,17 +10047,7 @@
           </a:p>
           <a:p>
             <a:pPr>
-              <a:defRPr sz="1400" b="0" i="0" u="none" strike="noStrike" kern="1200" spc="0" baseline="0">
-                <a:solidFill>
-                  <a:schemeClr val="tx1">
-                    <a:lumMod val="65000"/>
-                    <a:lumOff val="35000"/>
-                  </a:schemeClr>
-                </a:solidFill>
-                <a:latin typeface="+mn-lt"/>
-                <a:ea typeface="+mn-ea"/>
-                <a:cs typeface="+mn-cs"/>
-              </a:defRPr>
+              <a:defRPr/>
             </a:pPr>
             <a:r>
               <a:rPr lang="pt-PT" sz="1800" b="1" i="0" cap="all" baseline="0">
@@ -9335,7 +10061,7 @@
           </a:p>
         </c:rich>
       </c:tx>
-      <c:layout/>
+      <c:overlay val="0"/>
       <c:spPr>
         <a:noFill/>
         <a:ln>
@@ -9343,12 +10069,34 @@
         </a:ln>
         <a:effectLst/>
       </c:spPr>
+      <c:txPr>
+        <a:bodyPr rot="0" spcFirstLastPara="1" vertOverflow="ellipsis" vert="horz" wrap="square" anchor="ctr" anchorCtr="1"/>
+        <a:lstStyle/>
+        <a:p>
+          <a:pPr>
+            <a:defRPr sz="1400" b="0" i="0" u="none" strike="noStrike" kern="1200" spc="0" baseline="0">
+              <a:solidFill>
+                <a:schemeClr val="tx1">
+                  <a:lumMod val="65000"/>
+                  <a:lumOff val="35000"/>
+                </a:schemeClr>
+              </a:solidFill>
+              <a:latin typeface="+mn-lt"/>
+              <a:ea typeface="+mn-ea"/>
+              <a:cs typeface="+mn-cs"/>
+            </a:defRPr>
+          </a:pPr>
+          <a:endParaRPr lang="pt-PT"/>
+        </a:p>
+      </c:txPr>
     </c:title>
+    <c:autoTitleDeleted val="0"/>
     <c:plotArea>
       <c:layout/>
       <c:barChart>
         <c:barDir val="col"/>
         <c:grouping val="clustered"/>
+        <c:varyColors val="0"/>
         <c:ser>
           <c:idx val="0"/>
           <c:order val="0"/>
@@ -9364,6 +10112,7 @@
             </a:ln>
             <a:effectLst/>
           </c:spPr>
+          <c:invertIfNegative val="0"/>
           <c:cat>
             <c:strRef>
               <c:f>Folha1!$Q$32:$AF$32</c:f>
@@ -9477,7 +10226,7 @@
               </c:numCache>
             </c:numRef>
           </c:val>
-          <c:extLst xmlns:c16r2="http://schemas.microsoft.com/office/drawing/2015/06/chart">
+          <c:extLst>
             <c:ext xmlns:c16="http://schemas.microsoft.com/office/drawing/2014/chart" uri="{C3380CC4-5D6E-409C-BE32-E72D297353CC}">
               <c16:uniqueId val="{00000000-A623-47A8-81C0-1B7FCEDCF8DE}"/>
             </c:ext>
@@ -9498,6 +10247,7 @@
             </a:ln>
             <a:effectLst/>
           </c:spPr>
+          <c:invertIfNegative val="0"/>
           <c:cat>
             <c:strRef>
               <c:f>Folha1!$Q$32:$AF$32</c:f>
@@ -9611,7 +10361,7 @@
               </c:numCache>
             </c:numRef>
           </c:val>
-          <c:extLst xmlns:c16r2="http://schemas.microsoft.com/office/drawing/2015/06/chart">
+          <c:extLst>
             <c:ext xmlns:c16="http://schemas.microsoft.com/office/drawing/2014/chart" uri="{C3380CC4-5D6E-409C-BE32-E72D297353CC}">
               <c16:uniqueId val="{00000001-A623-47A8-81C0-1B7FCEDCF8DE}"/>
             </c:ext>
@@ -9632,6 +10382,7 @@
             </a:ln>
             <a:effectLst/>
           </c:spPr>
+          <c:invertIfNegative val="0"/>
           <c:cat>
             <c:strRef>
               <c:f>Folha1!$Q$32:$AF$32</c:f>
@@ -9745,7 +10496,7 @@
               </c:numCache>
             </c:numRef>
           </c:val>
-          <c:extLst xmlns:c16r2="http://schemas.microsoft.com/office/drawing/2015/06/chart">
+          <c:extLst>
             <c:ext xmlns:c16="http://schemas.microsoft.com/office/drawing/2014/chart" uri="{C3380CC4-5D6E-409C-BE32-E72D297353CC}">
               <c16:uniqueId val="{00000002-A623-47A8-81C0-1B7FCEDCF8DE}"/>
             </c:ext>
@@ -9766,6 +10517,7 @@
             </a:ln>
             <a:effectLst/>
           </c:spPr>
+          <c:invertIfNegative val="0"/>
           <c:cat>
             <c:strRef>
               <c:f>Folha1!$Q$32:$AF$32</c:f>
@@ -9879,7 +10631,7 @@
               </c:numCache>
             </c:numRef>
           </c:val>
-          <c:extLst xmlns:c16r2="http://schemas.microsoft.com/office/drawing/2015/06/chart">
+          <c:extLst>
             <c:ext xmlns:c16="http://schemas.microsoft.com/office/drawing/2014/chart" uri="{C3380CC4-5D6E-409C-BE32-E72D297353CC}">
               <c16:uniqueId val="{00000003-A623-47A8-81C0-1B7FCEDCF8DE}"/>
             </c:ext>
@@ -9900,6 +10652,7 @@
             </a:ln>
             <a:effectLst/>
           </c:spPr>
+          <c:invertIfNegative val="0"/>
           <c:cat>
             <c:strRef>
               <c:f>Folha1!$Q$32:$AF$32</c:f>
@@ -10010,12 +10763,20 @@
               </c:numCache>
             </c:numRef>
           </c:val>
-          <c:extLst xmlns:c16r2="http://schemas.microsoft.com/office/drawing/2015/06/chart">
+          <c:extLst>
             <c:ext xmlns:c16="http://schemas.microsoft.com/office/drawing/2014/chart" uri="{C3380CC4-5D6E-409C-BE32-E72D297353CC}">
               <c16:uniqueId val="{00000004-A623-47A8-81C0-1B7FCEDCF8DE}"/>
             </c:ext>
           </c:extLst>
         </c:ser>
+        <c:dLbls>
+          <c:showLegendKey val="0"/>
+          <c:showVal val="0"/>
+          <c:showCatName val="0"/>
+          <c:showSerName val="0"/>
+          <c:showPercent val="0"/>
+          <c:showBubbleSize val="0"/>
+        </c:dLbls>
         <c:gapWidth val="219"/>
         <c:overlap val="-27"/>
         <c:axId val="109566208"/>
@@ -10026,9 +10787,11 @@
         <c:scaling>
           <c:orientation val="minMax"/>
         </c:scaling>
+        <c:delete val="0"/>
         <c:axPos val="b"/>
         <c:numFmt formatCode="General" sourceLinked="1"/>
         <c:majorTickMark val="none"/>
+        <c:minorTickMark val="none"/>
         <c:tickLblPos val="nextTo"/>
         <c:spPr>
           <a:noFill/>
@@ -10068,12 +10831,14 @@
         <c:auto val="1"/>
         <c:lblAlgn val="ctr"/>
         <c:lblOffset val="100"/>
+        <c:noMultiLvlLbl val="0"/>
       </c:catAx>
       <c:valAx>
         <c:axId val="106827776"/>
         <c:scaling>
           <c:orientation val="minMax"/>
         </c:scaling>
+        <c:delete val="0"/>
         <c:axPos val="l"/>
         <c:majorGridlines>
           <c:spPr>
@@ -10091,6 +10856,7 @@
         </c:majorGridlines>
         <c:numFmt formatCode="General" sourceLinked="1"/>
         <c:majorTickMark val="none"/>
+        <c:minorTickMark val="none"/>
         <c:tickLblPos val="nextTo"/>
         <c:spPr>
           <a:noFill/>
@@ -10172,6 +10938,7 @@
     </c:plotArea>
     <c:plotVisOnly val="1"/>
     <c:dispBlanksAs val="gap"/>
+    <c:showDLblsOverMax val="0"/>
   </c:chart>
   <c:spPr>
     <a:noFill/>
@@ -10190,13 +10957,25 @@
       <a:endParaRPr lang="pt-PT"/>
     </a:p>
   </c:txPr>
-  <c:externalData r:id="rId1"/>
+  <c:externalData r:id="rId3">
+    <c:autoUpdate val="0"/>
+  </c:externalData>
 </c:chartSpace>
 </file>
 
 <file path=ppt/charts/chart8.xml><?xml version="1.0" encoding="utf-8"?>
-<c:chartSpace xmlns:c="http://schemas.openxmlformats.org/drawingml/2006/chart" xmlns:a="http://schemas.openxmlformats.org/drawingml/2006/main" xmlns:r="http://schemas.openxmlformats.org/officeDocument/2006/relationships">
+<c:chartSpace xmlns:c="http://schemas.openxmlformats.org/drawingml/2006/chart" xmlns:a="http://schemas.openxmlformats.org/drawingml/2006/main" xmlns:r="http://schemas.openxmlformats.org/officeDocument/2006/relationships" xmlns:c16r2="http://schemas.microsoft.com/office/drawing/2015/06/chart">
+  <c:date1904 val="0"/>
   <c:lang val="pt-PT"/>
+  <c:roundedCorners val="0"/>
+  <mc:AlternateContent xmlns:mc="http://schemas.openxmlformats.org/markup-compatibility/2006">
+    <mc:Choice xmlns:c14="http://schemas.microsoft.com/office/drawing/2007/8/2/chart" Requires="c14">
+      <c14:style val="102"/>
+    </mc:Choice>
+    <mc:Fallback>
+      <c:style val="2"/>
+    </mc:Fallback>
+  </mc:AlternateContent>
   <c:chart>
     <c:title>
       <c:tx>
@@ -10229,17 +11008,7 @@
           </a:p>
           <a:p>
             <a:pPr>
-              <a:defRPr sz="1400" b="0" i="0" u="none" strike="noStrike" kern="1200" spc="0" baseline="0">
-                <a:solidFill>
-                  <a:schemeClr val="tx1">
-                    <a:lumMod val="65000"/>
-                    <a:lumOff val="35000"/>
-                  </a:schemeClr>
-                </a:solidFill>
-                <a:latin typeface="+mn-lt"/>
-                <a:ea typeface="+mn-ea"/>
-                <a:cs typeface="+mn-cs"/>
-              </a:defRPr>
+              <a:defRPr/>
             </a:pPr>
             <a:r>
               <a:rPr lang="pt-PT" sz="1800" b="1" i="0" cap="all" baseline="0">
@@ -10253,7 +11022,7 @@
           </a:p>
         </c:rich>
       </c:tx>
-      <c:layout/>
+      <c:overlay val="0"/>
       <c:spPr>
         <a:noFill/>
         <a:ln>
@@ -10261,12 +11030,34 @@
         </a:ln>
         <a:effectLst/>
       </c:spPr>
+      <c:txPr>
+        <a:bodyPr rot="0" spcFirstLastPara="1" vertOverflow="ellipsis" vert="horz" wrap="square" anchor="ctr" anchorCtr="1"/>
+        <a:lstStyle/>
+        <a:p>
+          <a:pPr>
+            <a:defRPr sz="1400" b="0" i="0" u="none" strike="noStrike" kern="1200" spc="0" baseline="0">
+              <a:solidFill>
+                <a:schemeClr val="tx1">
+                  <a:lumMod val="65000"/>
+                  <a:lumOff val="35000"/>
+                </a:schemeClr>
+              </a:solidFill>
+              <a:latin typeface="+mn-lt"/>
+              <a:ea typeface="+mn-ea"/>
+              <a:cs typeface="+mn-cs"/>
+            </a:defRPr>
+          </a:pPr>
+          <a:endParaRPr lang="pt-PT"/>
+        </a:p>
+      </c:txPr>
     </c:title>
+    <c:autoTitleDeleted val="0"/>
     <c:plotArea>
       <c:layout/>
       <c:barChart>
         <c:barDir val="col"/>
         <c:grouping val="clustered"/>
+        <c:varyColors val="0"/>
         <c:ser>
           <c:idx val="0"/>
           <c:order val="0"/>
@@ -10282,6 +11073,7 @@
             </a:ln>
             <a:effectLst/>
           </c:spPr>
+          <c:invertIfNegative val="0"/>
           <c:cat>
             <c:strRef>
               <c:f>Folha1!$Q$32:$AF$32</c:f>
@@ -10395,7 +11187,7 @@
               </c:numCache>
             </c:numRef>
           </c:val>
-          <c:extLst xmlns:c16r2="http://schemas.microsoft.com/office/drawing/2015/06/chart">
+          <c:extLst>
             <c:ext xmlns:c16="http://schemas.microsoft.com/office/drawing/2014/chart" uri="{C3380CC4-5D6E-409C-BE32-E72D297353CC}">
               <c16:uniqueId val="{00000000-07BC-4BBE-8ADA-F33A88460A54}"/>
             </c:ext>
@@ -10416,6 +11208,7 @@
             </a:ln>
             <a:effectLst/>
           </c:spPr>
+          <c:invertIfNegative val="0"/>
           <c:cat>
             <c:strRef>
               <c:f>Folha1!$Q$32:$AF$32</c:f>
@@ -10529,7 +11322,7 @@
               </c:numCache>
             </c:numRef>
           </c:val>
-          <c:extLst xmlns:c16r2="http://schemas.microsoft.com/office/drawing/2015/06/chart">
+          <c:extLst>
             <c:ext xmlns:c16="http://schemas.microsoft.com/office/drawing/2014/chart" uri="{C3380CC4-5D6E-409C-BE32-E72D297353CC}">
               <c16:uniqueId val="{00000001-07BC-4BBE-8ADA-F33A88460A54}"/>
             </c:ext>
@@ -10550,6 +11343,7 @@
             </a:ln>
             <a:effectLst/>
           </c:spPr>
+          <c:invertIfNegative val="0"/>
           <c:cat>
             <c:strRef>
               <c:f>Folha1!$Q$32:$AF$32</c:f>
@@ -10663,7 +11457,7 @@
               </c:numCache>
             </c:numRef>
           </c:val>
-          <c:extLst xmlns:c16r2="http://schemas.microsoft.com/office/drawing/2015/06/chart">
+          <c:extLst>
             <c:ext xmlns:c16="http://schemas.microsoft.com/office/drawing/2014/chart" uri="{C3380CC4-5D6E-409C-BE32-E72D297353CC}">
               <c16:uniqueId val="{00000002-07BC-4BBE-8ADA-F33A88460A54}"/>
             </c:ext>
@@ -10684,6 +11478,7 @@
             </a:ln>
             <a:effectLst/>
           </c:spPr>
+          <c:invertIfNegative val="0"/>
           <c:cat>
             <c:strRef>
               <c:f>Folha1!$Q$32:$AF$32</c:f>
@@ -10797,7 +11592,7 @@
               </c:numCache>
             </c:numRef>
           </c:val>
-          <c:extLst xmlns:c16r2="http://schemas.microsoft.com/office/drawing/2015/06/chart">
+          <c:extLst>
             <c:ext xmlns:c16="http://schemas.microsoft.com/office/drawing/2014/chart" uri="{C3380CC4-5D6E-409C-BE32-E72D297353CC}">
               <c16:uniqueId val="{00000003-07BC-4BBE-8ADA-F33A88460A54}"/>
             </c:ext>
@@ -10818,6 +11613,7 @@
             </a:ln>
             <a:effectLst/>
           </c:spPr>
+          <c:invertIfNegative val="0"/>
           <c:cat>
             <c:strRef>
               <c:f>Folha1!$Q$32:$AF$32</c:f>
@@ -10928,12 +11724,20 @@
               </c:numCache>
             </c:numRef>
           </c:val>
-          <c:extLst xmlns:c16r2="http://schemas.microsoft.com/office/drawing/2015/06/chart">
+          <c:extLst>
             <c:ext xmlns:c16="http://schemas.microsoft.com/office/drawing/2014/chart" uri="{C3380CC4-5D6E-409C-BE32-E72D297353CC}">
               <c16:uniqueId val="{00000004-07BC-4BBE-8ADA-F33A88460A54}"/>
             </c:ext>
           </c:extLst>
         </c:ser>
+        <c:dLbls>
+          <c:showLegendKey val="0"/>
+          <c:showVal val="0"/>
+          <c:showCatName val="0"/>
+          <c:showSerName val="0"/>
+          <c:showPercent val="0"/>
+          <c:showBubbleSize val="0"/>
+        </c:dLbls>
         <c:gapWidth val="219"/>
         <c:overlap val="-27"/>
         <c:axId val="109775104"/>
@@ -10944,9 +11748,11 @@
         <c:scaling>
           <c:orientation val="minMax"/>
         </c:scaling>
+        <c:delete val="0"/>
         <c:axPos val="b"/>
         <c:numFmt formatCode="General" sourceLinked="1"/>
         <c:majorTickMark val="none"/>
+        <c:minorTickMark val="none"/>
         <c:tickLblPos val="nextTo"/>
         <c:spPr>
           <a:noFill/>
@@ -10986,12 +11792,14 @@
         <c:auto val="1"/>
         <c:lblAlgn val="ctr"/>
         <c:lblOffset val="100"/>
+        <c:noMultiLvlLbl val="0"/>
       </c:catAx>
       <c:valAx>
         <c:axId val="109793280"/>
         <c:scaling>
           <c:orientation val="minMax"/>
         </c:scaling>
+        <c:delete val="0"/>
         <c:axPos val="l"/>
         <c:majorGridlines>
           <c:spPr>
@@ -11009,6 +11817,7 @@
         </c:majorGridlines>
         <c:numFmt formatCode="General" sourceLinked="1"/>
         <c:majorTickMark val="none"/>
+        <c:minorTickMark val="none"/>
         <c:tickLblPos val="nextTo"/>
         <c:spPr>
           <a:noFill/>
@@ -11090,6 +11899,7 @@
     </c:plotArea>
     <c:plotVisOnly val="1"/>
     <c:dispBlanksAs val="gap"/>
+    <c:showDLblsOverMax val="0"/>
   </c:chart>
   <c:spPr>
     <a:noFill/>
@@ -11108,15 +11918,26 @@
       <a:endParaRPr lang="pt-PT"/>
     </a:p>
   </c:txPr>
-  <c:externalData r:id="rId1"/>
-  <c:userShapes r:id="rId2"/>
+  <c:externalData r:id="rId3">
+    <c:autoUpdate val="0"/>
+  </c:externalData>
+  <c:userShapes r:id="rId4"/>
 </c:chartSpace>
 </file>
 
 <file path=ppt/charts/chart9.xml><?xml version="1.0" encoding="utf-8"?>
-<c:chartSpace xmlns:c="http://schemas.openxmlformats.org/drawingml/2006/chart" xmlns:a="http://schemas.openxmlformats.org/drawingml/2006/main" xmlns:r="http://schemas.openxmlformats.org/officeDocument/2006/relationships">
-  <c:date1904 val="1"/>
+<c:chartSpace xmlns:c="http://schemas.openxmlformats.org/drawingml/2006/chart" xmlns:a="http://schemas.openxmlformats.org/drawingml/2006/main" xmlns:r="http://schemas.openxmlformats.org/officeDocument/2006/relationships" xmlns:c16r2="http://schemas.microsoft.com/office/drawing/2015/06/chart">
+  <c:date1904 val="0"/>
   <c:lang val="pt-PT"/>
+  <c:roundedCorners val="0"/>
+  <mc:AlternateContent xmlns:mc="http://schemas.openxmlformats.org/markup-compatibility/2006">
+    <mc:Choice xmlns:c14="http://schemas.microsoft.com/office/drawing/2007/8/2/chart" Requires="c14">
+      <c14:style val="102"/>
+    </mc:Choice>
+    <mc:Fallback>
+      <c:style val="2"/>
+    </mc:Fallback>
+  </mc:AlternateContent>
   <c:chart>
     <c:title>
       <c:tx>
@@ -11149,17 +11970,7 @@
           </a:p>
           <a:p>
             <a:pPr>
-              <a:defRPr sz="1400" b="0" i="0" u="none" strike="noStrike" kern="1200" spc="0" baseline="0">
-                <a:solidFill>
-                  <a:schemeClr val="tx1">
-                    <a:lumMod val="65000"/>
-                    <a:lumOff val="35000"/>
-                  </a:schemeClr>
-                </a:solidFill>
-                <a:latin typeface="+mn-lt"/>
-                <a:ea typeface="+mn-ea"/>
-                <a:cs typeface="+mn-cs"/>
-              </a:defRPr>
+              <a:defRPr/>
             </a:pPr>
             <a:r>
               <a:rPr lang="pt-PT" sz="1800" b="1" i="0" cap="all" baseline="0">
@@ -11173,7 +11984,7 @@
           </a:p>
         </c:rich>
       </c:tx>
-      <c:layout/>
+      <c:overlay val="0"/>
       <c:spPr>
         <a:noFill/>
         <a:ln>
@@ -11181,12 +11992,34 @@
         </a:ln>
         <a:effectLst/>
       </c:spPr>
+      <c:txPr>
+        <a:bodyPr rot="0" spcFirstLastPara="1" vertOverflow="ellipsis" vert="horz" wrap="square" anchor="ctr" anchorCtr="1"/>
+        <a:lstStyle/>
+        <a:p>
+          <a:pPr>
+            <a:defRPr sz="1400" b="0" i="0" u="none" strike="noStrike" kern="1200" spc="0" baseline="0">
+              <a:solidFill>
+                <a:schemeClr val="tx1">
+                  <a:lumMod val="65000"/>
+                  <a:lumOff val="35000"/>
+                </a:schemeClr>
+              </a:solidFill>
+              <a:latin typeface="+mn-lt"/>
+              <a:ea typeface="+mn-ea"/>
+              <a:cs typeface="+mn-cs"/>
+            </a:defRPr>
+          </a:pPr>
+          <a:endParaRPr lang="pt-PT"/>
+        </a:p>
+      </c:txPr>
     </c:title>
+    <c:autoTitleDeleted val="0"/>
     <c:plotArea>
       <c:layout/>
       <c:barChart>
         <c:barDir val="col"/>
         <c:grouping val="clustered"/>
+        <c:varyColors val="0"/>
         <c:ser>
           <c:idx val="0"/>
           <c:order val="0"/>
@@ -11202,6 +12035,7 @@
             </a:ln>
             <a:effectLst/>
           </c:spPr>
+          <c:invertIfNegative val="0"/>
           <c:cat>
             <c:strRef>
               <c:f>Folha1!$Q$32:$AF$32</c:f>
@@ -11315,7 +12149,7 @@
               </c:numCache>
             </c:numRef>
           </c:val>
-          <c:extLst xmlns:c16r2="http://schemas.microsoft.com/office/drawing/2015/06/chart">
+          <c:extLst>
             <c:ext xmlns:c16="http://schemas.microsoft.com/office/drawing/2014/chart" uri="{C3380CC4-5D6E-409C-BE32-E72D297353CC}">
               <c16:uniqueId val="{00000000-162F-46F1-899A-85CEE97DC2E0}"/>
             </c:ext>
@@ -11336,6 +12170,7 @@
             </a:ln>
             <a:effectLst/>
           </c:spPr>
+          <c:invertIfNegative val="0"/>
           <c:cat>
             <c:strRef>
               <c:f>Folha1!$Q$32:$AF$32</c:f>
@@ -11449,7 +12284,7 @@
               </c:numCache>
             </c:numRef>
           </c:val>
-          <c:extLst xmlns:c16r2="http://schemas.microsoft.com/office/drawing/2015/06/chart">
+          <c:extLst>
             <c:ext xmlns:c16="http://schemas.microsoft.com/office/drawing/2014/chart" uri="{C3380CC4-5D6E-409C-BE32-E72D297353CC}">
               <c16:uniqueId val="{00000001-162F-46F1-899A-85CEE97DC2E0}"/>
             </c:ext>
@@ -11470,6 +12305,7 @@
             </a:ln>
             <a:effectLst/>
           </c:spPr>
+          <c:invertIfNegative val="0"/>
           <c:cat>
             <c:strRef>
               <c:f>Folha1!$Q$32:$AF$32</c:f>
@@ -11583,7 +12419,7 @@
               </c:numCache>
             </c:numRef>
           </c:val>
-          <c:extLst xmlns:c16r2="http://schemas.microsoft.com/office/drawing/2015/06/chart">
+          <c:extLst>
             <c:ext xmlns:c16="http://schemas.microsoft.com/office/drawing/2014/chart" uri="{C3380CC4-5D6E-409C-BE32-E72D297353CC}">
               <c16:uniqueId val="{00000002-162F-46F1-899A-85CEE97DC2E0}"/>
             </c:ext>
@@ -11604,6 +12440,7 @@
             </a:ln>
             <a:effectLst/>
           </c:spPr>
+          <c:invertIfNegative val="0"/>
           <c:cat>
             <c:strRef>
               <c:f>Folha1!$Q$32:$AF$32</c:f>
@@ -11717,7 +12554,7 @@
               </c:numCache>
             </c:numRef>
           </c:val>
-          <c:extLst xmlns:c16r2="http://schemas.microsoft.com/office/drawing/2015/06/chart">
+          <c:extLst>
             <c:ext xmlns:c16="http://schemas.microsoft.com/office/drawing/2014/chart" uri="{C3380CC4-5D6E-409C-BE32-E72D297353CC}">
               <c16:uniqueId val="{00000003-162F-46F1-899A-85CEE97DC2E0}"/>
             </c:ext>
@@ -11738,6 +12575,7 @@
             </a:ln>
             <a:effectLst/>
           </c:spPr>
+          <c:invertIfNegative val="0"/>
           <c:cat>
             <c:strRef>
               <c:f>Folha1!$Q$32:$AF$32</c:f>
@@ -11848,12 +12686,20 @@
               </c:numCache>
             </c:numRef>
           </c:val>
-          <c:extLst xmlns:c16r2="http://schemas.microsoft.com/office/drawing/2015/06/chart">
+          <c:extLst>
             <c:ext xmlns:c16="http://schemas.microsoft.com/office/drawing/2014/chart" uri="{C3380CC4-5D6E-409C-BE32-E72D297353CC}">
               <c16:uniqueId val="{00000004-162F-46F1-899A-85CEE97DC2E0}"/>
             </c:ext>
           </c:extLst>
         </c:ser>
+        <c:dLbls>
+          <c:showLegendKey val="0"/>
+          <c:showVal val="0"/>
+          <c:showCatName val="0"/>
+          <c:showSerName val="0"/>
+          <c:showPercent val="0"/>
+          <c:showBubbleSize val="0"/>
+        </c:dLbls>
         <c:gapWidth val="219"/>
         <c:overlap val="-27"/>
         <c:axId val="109934848"/>
@@ -11864,9 +12710,11 @@
         <c:scaling>
           <c:orientation val="minMax"/>
         </c:scaling>
+        <c:delete val="0"/>
         <c:axPos val="b"/>
         <c:numFmt formatCode="General" sourceLinked="1"/>
         <c:majorTickMark val="none"/>
+        <c:minorTickMark val="none"/>
         <c:tickLblPos val="nextTo"/>
         <c:spPr>
           <a:noFill/>
@@ -11906,12 +12754,14 @@
         <c:auto val="1"/>
         <c:lblAlgn val="ctr"/>
         <c:lblOffset val="100"/>
+        <c:noMultiLvlLbl val="0"/>
       </c:catAx>
       <c:valAx>
         <c:axId val="109940736"/>
         <c:scaling>
           <c:orientation val="minMax"/>
         </c:scaling>
+        <c:delete val="0"/>
         <c:axPos val="l"/>
         <c:majorGridlines>
           <c:spPr>
@@ -11929,6 +12779,7 @@
         </c:majorGridlines>
         <c:numFmt formatCode="General" sourceLinked="1"/>
         <c:majorTickMark val="none"/>
+        <c:minorTickMark val="none"/>
         <c:tickLblPos val="nextTo"/>
         <c:spPr>
           <a:noFill/>
@@ -12010,6 +12861,7 @@
     </c:plotArea>
     <c:plotVisOnly val="1"/>
     <c:dispBlanksAs val="gap"/>
+    <c:showDLblsOverMax val="0"/>
   </c:chart>
   <c:spPr>
     <a:noFill/>
@@ -12028,8 +12880,10 @@
       <a:endParaRPr lang="pt-PT"/>
     </a:p>
   </c:txPr>
-  <c:externalData r:id="rId1"/>
-  <c:userShapes r:id="rId2"/>
+  <c:externalData r:id="rId3">
+    <c:autoUpdate val="0"/>
+  </c:externalData>
+  <c:userShapes r:id="rId4"/>
 </c:chartSpace>
 </file>
 
@@ -20366,6 +21220,613 @@
 <c:userShapes xmlns:c="http://schemas.openxmlformats.org/drawingml/2006/chart">
   <cdr:relSizeAnchor xmlns:cdr="http://schemas.openxmlformats.org/drawingml/2006/chartDrawing">
     <cdr:from>
+      <cdr:x>0.67366</cdr:x>
+      <cdr:y>0.66318</cdr:y>
+    </cdr:from>
+    <cdr:to>
+      <cdr:x>0.78755</cdr:x>
+      <cdr:y>0.73118</cdr:y>
+    </cdr:to>
+    <cdr:sp macro="" textlink="">
+      <cdr:nvSpPr>
+        <cdr:cNvPr id="2" name="CaixaDeTexto 12">
+          <a:extLst xmlns:a="http://schemas.openxmlformats.org/drawingml/2006/main">
+            <a:ext uri="{FF2B5EF4-FFF2-40B4-BE49-F238E27FC236}">
+              <a16:creationId xmlns:a16="http://schemas.microsoft.com/office/drawing/2014/main" id="{8B46424E-7C3F-46D3-85DA-1CFD6BA2F281}"/>
+            </a:ext>
+          </a:extLst>
+        </cdr:cNvPr>
+        <cdr:cNvSpPr txBox="1"/>
+      </cdr:nvSpPr>
+      <cdr:spPr>
+        <a:xfrm xmlns:a="http://schemas.openxmlformats.org/drawingml/2006/main">
+          <a:off x="5536958" y="3001525"/>
+          <a:ext cx="936104" cy="307777"/>
+        </a:xfrm>
+        <a:prstGeom xmlns:a="http://schemas.openxmlformats.org/drawingml/2006/main" prst="rect">
+          <a:avLst/>
+        </a:prstGeom>
+        <a:solidFill xmlns:a="http://schemas.openxmlformats.org/drawingml/2006/main">
+          <a:schemeClr val="bg1"/>
+        </a:solidFill>
+      </cdr:spPr>
+      <cdr:txBody>
+        <a:bodyPr xmlns:a="http://schemas.openxmlformats.org/drawingml/2006/main" wrap="square" rtlCol="0">
+          <a:spAutoFit/>
+        </a:bodyPr>
+        <a:lstStyle xmlns:a="http://schemas.openxmlformats.org/drawingml/2006/main">
+          <a:defPPr>
+            <a:defRPr lang="pt-PT"/>
+          </a:defPPr>
+          <a:lvl1pPr marL="0" algn="l" defTabSz="914400" rtl="0" eaLnBrk="1" latinLnBrk="0" hangingPunct="1">
+            <a:defRPr sz="1800" kern="1200">
+              <a:solidFill>
+                <a:schemeClr val="tx1"/>
+              </a:solidFill>
+              <a:latin typeface="+mn-lt"/>
+              <a:ea typeface="+mn-ea"/>
+              <a:cs typeface="+mn-cs"/>
+            </a:defRPr>
+          </a:lvl1pPr>
+          <a:lvl2pPr marL="457200" algn="l" defTabSz="914400" rtl="0" eaLnBrk="1" latinLnBrk="0" hangingPunct="1">
+            <a:defRPr sz="1800" kern="1200">
+              <a:solidFill>
+                <a:schemeClr val="tx1"/>
+              </a:solidFill>
+              <a:latin typeface="+mn-lt"/>
+              <a:ea typeface="+mn-ea"/>
+              <a:cs typeface="+mn-cs"/>
+            </a:defRPr>
+          </a:lvl2pPr>
+          <a:lvl3pPr marL="914400" algn="l" defTabSz="914400" rtl="0" eaLnBrk="1" latinLnBrk="0" hangingPunct="1">
+            <a:defRPr sz="1800" kern="1200">
+              <a:solidFill>
+                <a:schemeClr val="tx1"/>
+              </a:solidFill>
+              <a:latin typeface="+mn-lt"/>
+              <a:ea typeface="+mn-ea"/>
+              <a:cs typeface="+mn-cs"/>
+            </a:defRPr>
+          </a:lvl3pPr>
+          <a:lvl4pPr marL="1371600" algn="l" defTabSz="914400" rtl="0" eaLnBrk="1" latinLnBrk="0" hangingPunct="1">
+            <a:defRPr sz="1800" kern="1200">
+              <a:solidFill>
+                <a:schemeClr val="tx1"/>
+              </a:solidFill>
+              <a:latin typeface="+mn-lt"/>
+              <a:ea typeface="+mn-ea"/>
+              <a:cs typeface="+mn-cs"/>
+            </a:defRPr>
+          </a:lvl4pPr>
+          <a:lvl5pPr marL="1828800" algn="l" defTabSz="914400" rtl="0" eaLnBrk="1" latinLnBrk="0" hangingPunct="1">
+            <a:defRPr sz="1800" kern="1200">
+              <a:solidFill>
+                <a:schemeClr val="tx1"/>
+              </a:solidFill>
+              <a:latin typeface="+mn-lt"/>
+              <a:ea typeface="+mn-ea"/>
+              <a:cs typeface="+mn-cs"/>
+            </a:defRPr>
+          </a:lvl5pPr>
+          <a:lvl6pPr marL="2286000" algn="l" defTabSz="914400" rtl="0" eaLnBrk="1" latinLnBrk="0" hangingPunct="1">
+            <a:defRPr sz="1800" kern="1200">
+              <a:solidFill>
+                <a:schemeClr val="tx1"/>
+              </a:solidFill>
+              <a:latin typeface="+mn-lt"/>
+              <a:ea typeface="+mn-ea"/>
+              <a:cs typeface="+mn-cs"/>
+            </a:defRPr>
+          </a:lvl6pPr>
+          <a:lvl7pPr marL="2743200" algn="l" defTabSz="914400" rtl="0" eaLnBrk="1" latinLnBrk="0" hangingPunct="1">
+            <a:defRPr sz="1800" kern="1200">
+              <a:solidFill>
+                <a:schemeClr val="tx1"/>
+              </a:solidFill>
+              <a:latin typeface="+mn-lt"/>
+              <a:ea typeface="+mn-ea"/>
+              <a:cs typeface="+mn-cs"/>
+            </a:defRPr>
+          </a:lvl7pPr>
+          <a:lvl8pPr marL="3200400" algn="l" defTabSz="914400" rtl="0" eaLnBrk="1" latinLnBrk="0" hangingPunct="1">
+            <a:defRPr sz="1800" kern="1200">
+              <a:solidFill>
+                <a:schemeClr val="tx1"/>
+              </a:solidFill>
+              <a:latin typeface="+mn-lt"/>
+              <a:ea typeface="+mn-ea"/>
+              <a:cs typeface="+mn-cs"/>
+            </a:defRPr>
+          </a:lvl8pPr>
+          <a:lvl9pPr marL="3657600" algn="l" defTabSz="914400" rtl="0" eaLnBrk="1" latinLnBrk="0" hangingPunct="1">
+            <a:defRPr sz="1800" kern="1200">
+              <a:solidFill>
+                <a:schemeClr val="tx1"/>
+              </a:solidFill>
+              <a:latin typeface="+mn-lt"/>
+              <a:ea typeface="+mn-ea"/>
+              <a:cs typeface="+mn-cs"/>
+            </a:defRPr>
+          </a:lvl9pPr>
+        </a:lstStyle>
+        <a:p xmlns:a="http://schemas.openxmlformats.org/drawingml/2006/main">
+          <a:pPr algn="ctr"/>
+          <a:r>
+            <a:rPr lang="pt-PT" sz="1400" dirty="0">
+              <a:solidFill>
+                <a:schemeClr val="tx1">
+                  <a:lumMod val="65000"/>
+                  <a:lumOff val="35000"/>
+                </a:schemeClr>
+              </a:solidFill>
+            </a:rPr>
+            <a:t>N/D</a:t>
+          </a:r>
+        </a:p>
+      </cdr:txBody>
+    </cdr:sp>
+  </cdr:relSizeAnchor>
+</c:userShapes>
+</file>
+
+<file path=ppt/drawings/drawing2.xml><?xml version="1.0" encoding="utf-8"?>
+<c:userShapes xmlns:c="http://schemas.openxmlformats.org/drawingml/2006/chart">
+  <cdr:relSizeAnchor xmlns:cdr="http://schemas.openxmlformats.org/drawingml/2006/chartDrawing">
+    <cdr:from>
+      <cdr:x>0.70509</cdr:x>
+      <cdr:y>0.78854</cdr:y>
+    </cdr:from>
+    <cdr:to>
+      <cdr:x>0.75428</cdr:x>
+      <cdr:y>0.82036</cdr:y>
+    </cdr:to>
+    <cdr:sp macro="" textlink="">
+      <cdr:nvSpPr>
+        <cdr:cNvPr id="5" name="CaixaDeTexto 7">
+          <a:extLst xmlns:a="http://schemas.openxmlformats.org/drawingml/2006/main">
+            <a:ext uri="{FF2B5EF4-FFF2-40B4-BE49-F238E27FC236}">
+              <a16:creationId xmlns:a16="http://schemas.microsoft.com/office/drawing/2014/main" id="{D4D68BA6-CF8E-446F-A776-26897876587E}"/>
+            </a:ext>
+          </a:extLst>
+        </cdr:cNvPr>
+        <cdr:cNvSpPr txBox="1"/>
+      </cdr:nvSpPr>
+      <cdr:spPr>
+        <a:xfrm xmlns:a="http://schemas.openxmlformats.org/drawingml/2006/main">
+          <a:off x="5802620" y="3568905"/>
+          <a:ext cx="404780" cy="144000"/>
+        </a:xfrm>
+        <a:prstGeom xmlns:a="http://schemas.openxmlformats.org/drawingml/2006/main" prst="rect">
+          <a:avLst/>
+        </a:prstGeom>
+        <a:solidFill xmlns:a="http://schemas.openxmlformats.org/drawingml/2006/main">
+          <a:schemeClr val="bg1"/>
+        </a:solidFill>
+      </cdr:spPr>
+      <cdr:txBody>
+        <a:bodyPr xmlns:a="http://schemas.openxmlformats.org/drawingml/2006/main" wrap="square" rtlCol="0">
+          <a:spAutoFit/>
+        </a:bodyPr>
+        <a:lstStyle xmlns:a="http://schemas.openxmlformats.org/drawingml/2006/main">
+          <a:defPPr>
+            <a:defRPr lang="pt-PT"/>
+          </a:defPPr>
+          <a:lvl1pPr marL="0" algn="l" defTabSz="914400" rtl="0" eaLnBrk="1" latinLnBrk="0" hangingPunct="1">
+            <a:defRPr sz="1800" kern="1200">
+              <a:solidFill>
+                <a:schemeClr val="tx1"/>
+              </a:solidFill>
+              <a:latin typeface="+mn-lt"/>
+              <a:ea typeface="+mn-ea"/>
+              <a:cs typeface="+mn-cs"/>
+            </a:defRPr>
+          </a:lvl1pPr>
+          <a:lvl2pPr marL="457200" algn="l" defTabSz="914400" rtl="0" eaLnBrk="1" latinLnBrk="0" hangingPunct="1">
+            <a:defRPr sz="1800" kern="1200">
+              <a:solidFill>
+                <a:schemeClr val="tx1"/>
+              </a:solidFill>
+              <a:latin typeface="+mn-lt"/>
+              <a:ea typeface="+mn-ea"/>
+              <a:cs typeface="+mn-cs"/>
+            </a:defRPr>
+          </a:lvl2pPr>
+          <a:lvl3pPr marL="914400" algn="l" defTabSz="914400" rtl="0" eaLnBrk="1" latinLnBrk="0" hangingPunct="1">
+            <a:defRPr sz="1800" kern="1200">
+              <a:solidFill>
+                <a:schemeClr val="tx1"/>
+              </a:solidFill>
+              <a:latin typeface="+mn-lt"/>
+              <a:ea typeface="+mn-ea"/>
+              <a:cs typeface="+mn-cs"/>
+            </a:defRPr>
+          </a:lvl3pPr>
+          <a:lvl4pPr marL="1371600" algn="l" defTabSz="914400" rtl="0" eaLnBrk="1" latinLnBrk="0" hangingPunct="1">
+            <a:defRPr sz="1800" kern="1200">
+              <a:solidFill>
+                <a:schemeClr val="tx1"/>
+              </a:solidFill>
+              <a:latin typeface="+mn-lt"/>
+              <a:ea typeface="+mn-ea"/>
+              <a:cs typeface="+mn-cs"/>
+            </a:defRPr>
+          </a:lvl4pPr>
+          <a:lvl5pPr marL="1828800" algn="l" defTabSz="914400" rtl="0" eaLnBrk="1" latinLnBrk="0" hangingPunct="1">
+            <a:defRPr sz="1800" kern="1200">
+              <a:solidFill>
+                <a:schemeClr val="tx1"/>
+              </a:solidFill>
+              <a:latin typeface="+mn-lt"/>
+              <a:ea typeface="+mn-ea"/>
+              <a:cs typeface="+mn-cs"/>
+            </a:defRPr>
+          </a:lvl5pPr>
+          <a:lvl6pPr marL="2286000" algn="l" defTabSz="914400" rtl="0" eaLnBrk="1" latinLnBrk="0" hangingPunct="1">
+            <a:defRPr sz="1800" kern="1200">
+              <a:solidFill>
+                <a:schemeClr val="tx1"/>
+              </a:solidFill>
+              <a:latin typeface="+mn-lt"/>
+              <a:ea typeface="+mn-ea"/>
+              <a:cs typeface="+mn-cs"/>
+            </a:defRPr>
+          </a:lvl6pPr>
+          <a:lvl7pPr marL="2743200" algn="l" defTabSz="914400" rtl="0" eaLnBrk="1" latinLnBrk="0" hangingPunct="1">
+            <a:defRPr sz="1800" kern="1200">
+              <a:solidFill>
+                <a:schemeClr val="tx1"/>
+              </a:solidFill>
+              <a:latin typeface="+mn-lt"/>
+              <a:ea typeface="+mn-ea"/>
+              <a:cs typeface="+mn-cs"/>
+            </a:defRPr>
+          </a:lvl7pPr>
+          <a:lvl8pPr marL="3200400" algn="l" defTabSz="914400" rtl="0" eaLnBrk="1" latinLnBrk="0" hangingPunct="1">
+            <a:defRPr sz="1800" kern="1200">
+              <a:solidFill>
+                <a:schemeClr val="tx1"/>
+              </a:solidFill>
+              <a:latin typeface="+mn-lt"/>
+              <a:ea typeface="+mn-ea"/>
+              <a:cs typeface="+mn-cs"/>
+            </a:defRPr>
+          </a:lvl8pPr>
+          <a:lvl9pPr marL="3657600" algn="l" defTabSz="914400" rtl="0" eaLnBrk="1" latinLnBrk="0" hangingPunct="1">
+            <a:defRPr sz="1800" kern="1200">
+              <a:solidFill>
+                <a:schemeClr val="tx1"/>
+              </a:solidFill>
+              <a:latin typeface="+mn-lt"/>
+              <a:ea typeface="+mn-ea"/>
+              <a:cs typeface="+mn-cs"/>
+            </a:defRPr>
+          </a:lvl9pPr>
+        </a:lstStyle>
+        <a:p xmlns:a="http://schemas.openxmlformats.org/drawingml/2006/main">
+          <a:pPr algn="ctr"/>
+          <a:r>
+            <a:rPr lang="pt-PT" sz="700" dirty="0">
+              <a:solidFill>
+                <a:schemeClr val="tx1">
+                  <a:lumMod val="65000"/>
+                  <a:lumOff val="35000"/>
+                </a:schemeClr>
+              </a:solidFill>
+            </a:rPr>
+            <a:t>N/D</a:t>
+          </a:r>
+        </a:p>
+      </cdr:txBody>
+    </cdr:sp>
+  </cdr:relSizeAnchor>
+</c:userShapes>
+</file>
+
+<file path=ppt/drawings/drawing3.xml><?xml version="1.0" encoding="utf-8"?>
+<c:userShapes xmlns:c="http://schemas.openxmlformats.org/drawingml/2006/chart">
+  <cdr:relSizeAnchor xmlns:cdr="http://schemas.openxmlformats.org/drawingml/2006/chartDrawing">
+    <cdr:from>
+      <cdr:x>0.70472</cdr:x>
+      <cdr:y>0.82924</cdr:y>
+    </cdr:from>
+    <cdr:to>
+      <cdr:x>0.75354</cdr:x>
+      <cdr:y>0.86106</cdr:y>
+    </cdr:to>
+    <cdr:sp macro="" textlink="">
+      <cdr:nvSpPr>
+        <cdr:cNvPr id="4" name="CaixaDeTexto 7">
+          <a:extLst xmlns:a="http://schemas.openxmlformats.org/drawingml/2006/main">
+            <a:ext uri="{FF2B5EF4-FFF2-40B4-BE49-F238E27FC236}">
+              <a16:creationId xmlns:a16="http://schemas.microsoft.com/office/drawing/2014/main" id="{D4D68BA6-CF8E-446F-A776-26897876587E}"/>
+            </a:ext>
+          </a:extLst>
+        </cdr:cNvPr>
+        <cdr:cNvSpPr txBox="1"/>
+      </cdr:nvSpPr>
+      <cdr:spPr>
+        <a:xfrm xmlns:a="http://schemas.openxmlformats.org/drawingml/2006/main">
+          <a:off x="5842992" y="3753119"/>
+          <a:ext cx="404780" cy="144000"/>
+        </a:xfrm>
+        <a:prstGeom xmlns:a="http://schemas.openxmlformats.org/drawingml/2006/main" prst="rect">
+          <a:avLst/>
+        </a:prstGeom>
+        <a:solidFill xmlns:a="http://schemas.openxmlformats.org/drawingml/2006/main">
+          <a:schemeClr val="bg1"/>
+        </a:solidFill>
+      </cdr:spPr>
+      <cdr:txBody>
+        <a:bodyPr xmlns:a="http://schemas.openxmlformats.org/drawingml/2006/main" wrap="square" rtlCol="0">
+          <a:spAutoFit/>
+        </a:bodyPr>
+        <a:lstStyle xmlns:a="http://schemas.openxmlformats.org/drawingml/2006/main">
+          <a:defPPr>
+            <a:defRPr lang="pt-PT"/>
+          </a:defPPr>
+          <a:lvl1pPr marL="0" algn="l" defTabSz="914400" rtl="0" eaLnBrk="1" latinLnBrk="0" hangingPunct="1">
+            <a:defRPr sz="1800" kern="1200">
+              <a:solidFill>
+                <a:schemeClr val="tx1"/>
+              </a:solidFill>
+              <a:latin typeface="+mn-lt"/>
+              <a:ea typeface="+mn-ea"/>
+              <a:cs typeface="+mn-cs"/>
+            </a:defRPr>
+          </a:lvl1pPr>
+          <a:lvl2pPr marL="457200" algn="l" defTabSz="914400" rtl="0" eaLnBrk="1" latinLnBrk="0" hangingPunct="1">
+            <a:defRPr sz="1800" kern="1200">
+              <a:solidFill>
+                <a:schemeClr val="tx1"/>
+              </a:solidFill>
+              <a:latin typeface="+mn-lt"/>
+              <a:ea typeface="+mn-ea"/>
+              <a:cs typeface="+mn-cs"/>
+            </a:defRPr>
+          </a:lvl2pPr>
+          <a:lvl3pPr marL="914400" algn="l" defTabSz="914400" rtl="0" eaLnBrk="1" latinLnBrk="0" hangingPunct="1">
+            <a:defRPr sz="1800" kern="1200">
+              <a:solidFill>
+                <a:schemeClr val="tx1"/>
+              </a:solidFill>
+              <a:latin typeface="+mn-lt"/>
+              <a:ea typeface="+mn-ea"/>
+              <a:cs typeface="+mn-cs"/>
+            </a:defRPr>
+          </a:lvl3pPr>
+          <a:lvl4pPr marL="1371600" algn="l" defTabSz="914400" rtl="0" eaLnBrk="1" latinLnBrk="0" hangingPunct="1">
+            <a:defRPr sz="1800" kern="1200">
+              <a:solidFill>
+                <a:schemeClr val="tx1"/>
+              </a:solidFill>
+              <a:latin typeface="+mn-lt"/>
+              <a:ea typeface="+mn-ea"/>
+              <a:cs typeface="+mn-cs"/>
+            </a:defRPr>
+          </a:lvl4pPr>
+          <a:lvl5pPr marL="1828800" algn="l" defTabSz="914400" rtl="0" eaLnBrk="1" latinLnBrk="0" hangingPunct="1">
+            <a:defRPr sz="1800" kern="1200">
+              <a:solidFill>
+                <a:schemeClr val="tx1"/>
+              </a:solidFill>
+              <a:latin typeface="+mn-lt"/>
+              <a:ea typeface="+mn-ea"/>
+              <a:cs typeface="+mn-cs"/>
+            </a:defRPr>
+          </a:lvl5pPr>
+          <a:lvl6pPr marL="2286000" algn="l" defTabSz="914400" rtl="0" eaLnBrk="1" latinLnBrk="0" hangingPunct="1">
+            <a:defRPr sz="1800" kern="1200">
+              <a:solidFill>
+                <a:schemeClr val="tx1"/>
+              </a:solidFill>
+              <a:latin typeface="+mn-lt"/>
+              <a:ea typeface="+mn-ea"/>
+              <a:cs typeface="+mn-cs"/>
+            </a:defRPr>
+          </a:lvl6pPr>
+          <a:lvl7pPr marL="2743200" algn="l" defTabSz="914400" rtl="0" eaLnBrk="1" latinLnBrk="0" hangingPunct="1">
+            <a:defRPr sz="1800" kern="1200">
+              <a:solidFill>
+                <a:schemeClr val="tx1"/>
+              </a:solidFill>
+              <a:latin typeface="+mn-lt"/>
+              <a:ea typeface="+mn-ea"/>
+              <a:cs typeface="+mn-cs"/>
+            </a:defRPr>
+          </a:lvl7pPr>
+          <a:lvl8pPr marL="3200400" algn="l" defTabSz="914400" rtl="0" eaLnBrk="1" latinLnBrk="0" hangingPunct="1">
+            <a:defRPr sz="1800" kern="1200">
+              <a:solidFill>
+                <a:schemeClr val="tx1"/>
+              </a:solidFill>
+              <a:latin typeface="+mn-lt"/>
+              <a:ea typeface="+mn-ea"/>
+              <a:cs typeface="+mn-cs"/>
+            </a:defRPr>
+          </a:lvl8pPr>
+          <a:lvl9pPr marL="3657600" algn="l" defTabSz="914400" rtl="0" eaLnBrk="1" latinLnBrk="0" hangingPunct="1">
+            <a:defRPr sz="1800" kern="1200">
+              <a:solidFill>
+                <a:schemeClr val="tx1"/>
+              </a:solidFill>
+              <a:latin typeface="+mn-lt"/>
+              <a:ea typeface="+mn-ea"/>
+              <a:cs typeface="+mn-cs"/>
+            </a:defRPr>
+          </a:lvl9pPr>
+        </a:lstStyle>
+        <a:p xmlns:a="http://schemas.openxmlformats.org/drawingml/2006/main">
+          <a:pPr algn="ctr"/>
+          <a:r>
+            <a:rPr lang="pt-PT" sz="700" dirty="0">
+              <a:solidFill>
+                <a:schemeClr val="tx1">
+                  <a:lumMod val="65000"/>
+                  <a:lumOff val="35000"/>
+                </a:schemeClr>
+              </a:solidFill>
+            </a:rPr>
+            <a:t>N/D</a:t>
+          </a:r>
+        </a:p>
+      </cdr:txBody>
+    </cdr:sp>
+  </cdr:relSizeAnchor>
+  <cdr:relSizeAnchor xmlns:cdr="http://schemas.openxmlformats.org/drawingml/2006/chartDrawing">
+    <cdr:from>
+      <cdr:x>0.70472</cdr:x>
+      <cdr:y>0.90864</cdr:y>
+    </cdr:from>
+    <cdr:to>
+      <cdr:x>0.75354</cdr:x>
+      <cdr:y>0.94046</cdr:y>
+    </cdr:to>
+    <cdr:sp macro="" textlink="">
+      <cdr:nvSpPr>
+        <cdr:cNvPr id="5" name="CaixaDeTexto 7">
+          <a:extLst xmlns:a="http://schemas.openxmlformats.org/drawingml/2006/main">
+            <a:ext uri="{FF2B5EF4-FFF2-40B4-BE49-F238E27FC236}">
+              <a16:creationId xmlns:a16="http://schemas.microsoft.com/office/drawing/2014/main" id="{D4D68BA6-CF8E-446F-A776-26897876587E}"/>
+            </a:ext>
+          </a:extLst>
+        </cdr:cNvPr>
+        <cdr:cNvSpPr txBox="1"/>
+      </cdr:nvSpPr>
+      <cdr:spPr>
+        <a:xfrm xmlns:a="http://schemas.openxmlformats.org/drawingml/2006/main">
+          <a:off x="5842992" y="4112489"/>
+          <a:ext cx="404780" cy="144000"/>
+        </a:xfrm>
+        <a:prstGeom xmlns:a="http://schemas.openxmlformats.org/drawingml/2006/main" prst="rect">
+          <a:avLst/>
+        </a:prstGeom>
+        <a:solidFill xmlns:a="http://schemas.openxmlformats.org/drawingml/2006/main">
+          <a:schemeClr val="bg1"/>
+        </a:solidFill>
+      </cdr:spPr>
+      <cdr:txBody>
+        <a:bodyPr xmlns:a="http://schemas.openxmlformats.org/drawingml/2006/main" wrap="square" rtlCol="0">
+          <a:spAutoFit/>
+        </a:bodyPr>
+        <a:lstStyle xmlns:a="http://schemas.openxmlformats.org/drawingml/2006/main">
+          <a:defPPr>
+            <a:defRPr lang="pt-PT"/>
+          </a:defPPr>
+          <a:lvl1pPr marL="0" algn="l" defTabSz="914400" rtl="0" eaLnBrk="1" latinLnBrk="0" hangingPunct="1">
+            <a:defRPr sz="1800" kern="1200">
+              <a:solidFill>
+                <a:schemeClr val="tx1"/>
+              </a:solidFill>
+              <a:latin typeface="+mn-lt"/>
+              <a:ea typeface="+mn-ea"/>
+              <a:cs typeface="+mn-cs"/>
+            </a:defRPr>
+          </a:lvl1pPr>
+          <a:lvl2pPr marL="457200" algn="l" defTabSz="914400" rtl="0" eaLnBrk="1" latinLnBrk="0" hangingPunct="1">
+            <a:defRPr sz="1800" kern="1200">
+              <a:solidFill>
+                <a:schemeClr val="tx1"/>
+              </a:solidFill>
+              <a:latin typeface="+mn-lt"/>
+              <a:ea typeface="+mn-ea"/>
+              <a:cs typeface="+mn-cs"/>
+            </a:defRPr>
+          </a:lvl2pPr>
+          <a:lvl3pPr marL="914400" algn="l" defTabSz="914400" rtl="0" eaLnBrk="1" latinLnBrk="0" hangingPunct="1">
+            <a:defRPr sz="1800" kern="1200">
+              <a:solidFill>
+                <a:schemeClr val="tx1"/>
+              </a:solidFill>
+              <a:latin typeface="+mn-lt"/>
+              <a:ea typeface="+mn-ea"/>
+              <a:cs typeface="+mn-cs"/>
+            </a:defRPr>
+          </a:lvl3pPr>
+          <a:lvl4pPr marL="1371600" algn="l" defTabSz="914400" rtl="0" eaLnBrk="1" latinLnBrk="0" hangingPunct="1">
+            <a:defRPr sz="1800" kern="1200">
+              <a:solidFill>
+                <a:schemeClr val="tx1"/>
+              </a:solidFill>
+              <a:latin typeface="+mn-lt"/>
+              <a:ea typeface="+mn-ea"/>
+              <a:cs typeface="+mn-cs"/>
+            </a:defRPr>
+          </a:lvl4pPr>
+          <a:lvl5pPr marL="1828800" algn="l" defTabSz="914400" rtl="0" eaLnBrk="1" latinLnBrk="0" hangingPunct="1">
+            <a:defRPr sz="1800" kern="1200">
+              <a:solidFill>
+                <a:schemeClr val="tx1"/>
+              </a:solidFill>
+              <a:latin typeface="+mn-lt"/>
+              <a:ea typeface="+mn-ea"/>
+              <a:cs typeface="+mn-cs"/>
+            </a:defRPr>
+          </a:lvl5pPr>
+          <a:lvl6pPr marL="2286000" algn="l" defTabSz="914400" rtl="0" eaLnBrk="1" latinLnBrk="0" hangingPunct="1">
+            <a:defRPr sz="1800" kern="1200">
+              <a:solidFill>
+                <a:schemeClr val="tx1"/>
+              </a:solidFill>
+              <a:latin typeface="+mn-lt"/>
+              <a:ea typeface="+mn-ea"/>
+              <a:cs typeface="+mn-cs"/>
+            </a:defRPr>
+          </a:lvl6pPr>
+          <a:lvl7pPr marL="2743200" algn="l" defTabSz="914400" rtl="0" eaLnBrk="1" latinLnBrk="0" hangingPunct="1">
+            <a:defRPr sz="1800" kern="1200">
+              <a:solidFill>
+                <a:schemeClr val="tx1"/>
+              </a:solidFill>
+              <a:latin typeface="+mn-lt"/>
+              <a:ea typeface="+mn-ea"/>
+              <a:cs typeface="+mn-cs"/>
+            </a:defRPr>
+          </a:lvl7pPr>
+          <a:lvl8pPr marL="3200400" algn="l" defTabSz="914400" rtl="0" eaLnBrk="1" latinLnBrk="0" hangingPunct="1">
+            <a:defRPr sz="1800" kern="1200">
+              <a:solidFill>
+                <a:schemeClr val="tx1"/>
+              </a:solidFill>
+              <a:latin typeface="+mn-lt"/>
+              <a:ea typeface="+mn-ea"/>
+              <a:cs typeface="+mn-cs"/>
+            </a:defRPr>
+          </a:lvl8pPr>
+          <a:lvl9pPr marL="3657600" algn="l" defTabSz="914400" rtl="0" eaLnBrk="1" latinLnBrk="0" hangingPunct="1">
+            <a:defRPr sz="1800" kern="1200">
+              <a:solidFill>
+                <a:schemeClr val="tx1"/>
+              </a:solidFill>
+              <a:latin typeface="+mn-lt"/>
+              <a:ea typeface="+mn-ea"/>
+              <a:cs typeface="+mn-cs"/>
+            </a:defRPr>
+          </a:lvl9pPr>
+        </a:lstStyle>
+        <a:p xmlns:a="http://schemas.openxmlformats.org/drawingml/2006/main">
+          <a:pPr algn="ctr"/>
+          <a:r>
+            <a:rPr lang="pt-PT" sz="700" dirty="0">
+              <a:solidFill>
+                <a:schemeClr val="tx1">
+                  <a:lumMod val="65000"/>
+                  <a:lumOff val="35000"/>
+                </a:schemeClr>
+              </a:solidFill>
+            </a:rPr>
+            <a:t>N/D</a:t>
+          </a:r>
+        </a:p>
+      </cdr:txBody>
+    </cdr:sp>
+  </cdr:relSizeAnchor>
+</c:userShapes>
+</file>
+
+<file path=ppt/drawings/drawing4.xml><?xml version="1.0" encoding="utf-8"?>
+<c:userShapes xmlns:c="http://schemas.openxmlformats.org/drawingml/2006/chart">
+  <cdr:relSizeAnchor xmlns:cdr="http://schemas.openxmlformats.org/drawingml/2006/chartDrawing">
+    <cdr:from>
       <cdr:x>0</cdr:x>
       <cdr:y>0.74491</cdr:y>
     </cdr:from>
@@ -20378,7 +21839,7 @@
         <cdr:cNvPr id="2" name="CaixaDeTexto 1">
           <a:extLst xmlns:a="http://schemas.openxmlformats.org/drawingml/2006/main">
             <a:ext uri="{FF2B5EF4-FFF2-40B4-BE49-F238E27FC236}">
-              <a16:creationId xmlns="" xmlns:a16="http://schemas.microsoft.com/office/drawing/2014/main" id="{AF9CA311-7E51-4E99-A49C-6ED7ED9A3B34}"/>
+              <a16:creationId xmlns:a16="http://schemas.microsoft.com/office/drawing/2014/main" id="{AF9CA311-7E51-4E99-A49C-6ED7ED9A3B34}"/>
             </a:ext>
           </a:extLst>
         </cdr:cNvPr>
@@ -20411,7 +21872,7 @@
 </c:userShapes>
 </file>
 
-<file path=ppt/drawings/drawing2.xml><?xml version="1.0" encoding="utf-8"?>
+<file path=ppt/drawings/drawing5.xml><?xml version="1.0" encoding="utf-8"?>
 <c:userShapes xmlns:c="http://schemas.openxmlformats.org/drawingml/2006/chart">
   <cdr:relSizeAnchor xmlns:cdr="http://schemas.openxmlformats.org/drawingml/2006/chartDrawing">
     <cdr:from>
@@ -20427,7 +21888,7 @@
         <cdr:cNvPr id="2" name="CaixaDeTexto 1">
           <a:extLst xmlns:a="http://schemas.openxmlformats.org/drawingml/2006/main">
             <a:ext uri="{FF2B5EF4-FFF2-40B4-BE49-F238E27FC236}">
-              <a16:creationId xmlns="" xmlns:a16="http://schemas.microsoft.com/office/drawing/2014/main" id="{63E8B198-3C56-4B40-B4D1-F14BF473AF7D}"/>
+              <a16:creationId xmlns:a16="http://schemas.microsoft.com/office/drawing/2014/main" id="{63E8B198-3C56-4B40-B4D1-F14BF473AF7D}"/>
             </a:ext>
           </a:extLst>
         </cdr:cNvPr>
@@ -20517,6 +21978,159 @@
             <a:t>𝑁𝑜𝑚𝑒∕𝐺𝑒𝑟𝑎çã𝑜</a:t>
           </a:r>
           <a:endParaRPr lang="pt-PT" sz="800" dirty="0"/>
+        </a:p>
+      </cdr:txBody>
+    </cdr:sp>
+  </cdr:relSizeAnchor>
+</c:userShapes>
+</file>
+
+<file path=ppt/drawings/drawing6.xml><?xml version="1.0" encoding="utf-8"?>
+<c:userShapes xmlns:c="http://schemas.openxmlformats.org/drawingml/2006/chart">
+  <cdr:relSizeAnchor xmlns:cdr="http://schemas.openxmlformats.org/drawingml/2006/chartDrawing">
+    <cdr:from>
+      <cdr:x>0.71</cdr:x>
+      <cdr:y>0.94855</cdr:y>
+    </cdr:from>
+    <cdr:to>
+      <cdr:x>0.78874</cdr:x>
+      <cdr:y>0.98036</cdr:y>
+    </cdr:to>
+    <cdr:sp macro="" textlink="">
+      <cdr:nvSpPr>
+        <cdr:cNvPr id="2" name="CaixaDeTexto 13">
+          <a:extLst xmlns:a="http://schemas.openxmlformats.org/drawingml/2006/main">
+            <a:ext uri="{FF2B5EF4-FFF2-40B4-BE49-F238E27FC236}">
+              <a16:creationId xmlns:a16="http://schemas.microsoft.com/office/drawing/2014/main" id="{B09786D1-F7E5-4CEF-808C-312312F83641}"/>
+            </a:ext>
+          </a:extLst>
+        </cdr:cNvPr>
+        <cdr:cNvSpPr txBox="1"/>
+      </cdr:nvSpPr>
+      <cdr:spPr>
+        <a:xfrm xmlns:a="http://schemas.openxmlformats.org/drawingml/2006/main">
+          <a:off x="5842992" y="4293089"/>
+          <a:ext cx="648016" cy="144000"/>
+        </a:xfrm>
+        <a:prstGeom xmlns:a="http://schemas.openxmlformats.org/drawingml/2006/main" prst="rect">
+          <a:avLst/>
+        </a:prstGeom>
+        <a:solidFill xmlns:a="http://schemas.openxmlformats.org/drawingml/2006/main">
+          <a:schemeClr val="bg1"/>
+        </a:solidFill>
+      </cdr:spPr>
+      <cdr:txBody>
+        <a:bodyPr xmlns:a="http://schemas.openxmlformats.org/drawingml/2006/main" wrap="square" rtlCol="0">
+          <a:spAutoFit/>
+        </a:bodyPr>
+        <a:lstStyle xmlns:a="http://schemas.openxmlformats.org/drawingml/2006/main">
+          <a:defPPr>
+            <a:defRPr lang="pt-PT"/>
+          </a:defPPr>
+          <a:lvl1pPr marL="0" algn="l" defTabSz="914400" rtl="0" eaLnBrk="1" latinLnBrk="0" hangingPunct="1">
+            <a:defRPr sz="1800" kern="1200">
+              <a:solidFill>
+                <a:schemeClr val="tx1"/>
+              </a:solidFill>
+              <a:latin typeface="+mn-lt"/>
+              <a:ea typeface="+mn-ea"/>
+              <a:cs typeface="+mn-cs"/>
+            </a:defRPr>
+          </a:lvl1pPr>
+          <a:lvl2pPr marL="457200" algn="l" defTabSz="914400" rtl="0" eaLnBrk="1" latinLnBrk="0" hangingPunct="1">
+            <a:defRPr sz="1800" kern="1200">
+              <a:solidFill>
+                <a:schemeClr val="tx1"/>
+              </a:solidFill>
+              <a:latin typeface="+mn-lt"/>
+              <a:ea typeface="+mn-ea"/>
+              <a:cs typeface="+mn-cs"/>
+            </a:defRPr>
+          </a:lvl2pPr>
+          <a:lvl3pPr marL="914400" algn="l" defTabSz="914400" rtl="0" eaLnBrk="1" latinLnBrk="0" hangingPunct="1">
+            <a:defRPr sz="1800" kern="1200">
+              <a:solidFill>
+                <a:schemeClr val="tx1"/>
+              </a:solidFill>
+              <a:latin typeface="+mn-lt"/>
+              <a:ea typeface="+mn-ea"/>
+              <a:cs typeface="+mn-cs"/>
+            </a:defRPr>
+          </a:lvl3pPr>
+          <a:lvl4pPr marL="1371600" algn="l" defTabSz="914400" rtl="0" eaLnBrk="1" latinLnBrk="0" hangingPunct="1">
+            <a:defRPr sz="1800" kern="1200">
+              <a:solidFill>
+                <a:schemeClr val="tx1"/>
+              </a:solidFill>
+              <a:latin typeface="+mn-lt"/>
+              <a:ea typeface="+mn-ea"/>
+              <a:cs typeface="+mn-cs"/>
+            </a:defRPr>
+          </a:lvl4pPr>
+          <a:lvl5pPr marL="1828800" algn="l" defTabSz="914400" rtl="0" eaLnBrk="1" latinLnBrk="0" hangingPunct="1">
+            <a:defRPr sz="1800" kern="1200">
+              <a:solidFill>
+                <a:schemeClr val="tx1"/>
+              </a:solidFill>
+              <a:latin typeface="+mn-lt"/>
+              <a:ea typeface="+mn-ea"/>
+              <a:cs typeface="+mn-cs"/>
+            </a:defRPr>
+          </a:lvl5pPr>
+          <a:lvl6pPr marL="2286000" algn="l" defTabSz="914400" rtl="0" eaLnBrk="1" latinLnBrk="0" hangingPunct="1">
+            <a:defRPr sz="1800" kern="1200">
+              <a:solidFill>
+                <a:schemeClr val="tx1"/>
+              </a:solidFill>
+              <a:latin typeface="+mn-lt"/>
+              <a:ea typeface="+mn-ea"/>
+              <a:cs typeface="+mn-cs"/>
+            </a:defRPr>
+          </a:lvl6pPr>
+          <a:lvl7pPr marL="2743200" algn="l" defTabSz="914400" rtl="0" eaLnBrk="1" latinLnBrk="0" hangingPunct="1">
+            <a:defRPr sz="1800" kern="1200">
+              <a:solidFill>
+                <a:schemeClr val="tx1"/>
+              </a:solidFill>
+              <a:latin typeface="+mn-lt"/>
+              <a:ea typeface="+mn-ea"/>
+              <a:cs typeface="+mn-cs"/>
+            </a:defRPr>
+          </a:lvl7pPr>
+          <a:lvl8pPr marL="3200400" algn="l" defTabSz="914400" rtl="0" eaLnBrk="1" latinLnBrk="0" hangingPunct="1">
+            <a:defRPr sz="1800" kern="1200">
+              <a:solidFill>
+                <a:schemeClr val="tx1"/>
+              </a:solidFill>
+              <a:latin typeface="+mn-lt"/>
+              <a:ea typeface="+mn-ea"/>
+              <a:cs typeface="+mn-cs"/>
+            </a:defRPr>
+          </a:lvl8pPr>
+          <a:lvl9pPr marL="3657600" algn="l" defTabSz="914400" rtl="0" eaLnBrk="1" latinLnBrk="0" hangingPunct="1">
+            <a:defRPr sz="1800" kern="1200">
+              <a:solidFill>
+                <a:schemeClr val="tx1"/>
+              </a:solidFill>
+              <a:latin typeface="+mn-lt"/>
+              <a:ea typeface="+mn-ea"/>
+              <a:cs typeface="+mn-cs"/>
+            </a:defRPr>
+          </a:lvl9pPr>
+        </a:lstStyle>
+        <a:p xmlns:a="http://schemas.openxmlformats.org/drawingml/2006/main">
+          <a:pPr algn="ctr"/>
+          <a:r>
+            <a:rPr lang="pt-PT" sz="800" dirty="0">
+              <a:solidFill>
+                <a:schemeClr val="tx1">
+                  <a:lumMod val="65000"/>
+                  <a:lumOff val="35000"/>
+                </a:schemeClr>
+              </a:solidFill>
+            </a:rPr>
+            <a:t>N/D</a:t>
+          </a:r>
         </a:p>
       </cdr:txBody>
     </cdr:sp>
@@ -20673,38 +22287,37 @@
           <a:p>
             <a:pPr lvl="0"/>
             <a:r>
-              <a:rPr lang="pt-PT" smtClean="0"/>
+              <a:rPr lang="pt-PT"/>
               <a:t>Clique para editar os estilos</a:t>
             </a:r>
           </a:p>
           <a:p>
             <a:pPr lvl="1"/>
             <a:r>
-              <a:rPr lang="pt-PT" smtClean="0"/>
+              <a:rPr lang="pt-PT"/>
               <a:t>Segundo nível</a:t>
             </a:r>
           </a:p>
           <a:p>
             <a:pPr lvl="2"/>
             <a:r>
-              <a:rPr lang="pt-PT" smtClean="0"/>
+              <a:rPr lang="pt-PT"/>
               <a:t>Terceiro nível</a:t>
             </a:r>
           </a:p>
           <a:p>
             <a:pPr lvl="3"/>
             <a:r>
-              <a:rPr lang="pt-PT" smtClean="0"/>
+              <a:rPr lang="pt-PT"/>
               <a:t>Quarto nível</a:t>
             </a:r>
           </a:p>
           <a:p>
             <a:pPr lvl="4"/>
             <a:r>
-              <a:rPr lang="pt-PT" smtClean="0"/>
+              <a:rPr lang="pt-PT"/>
               <a:t>Quinto nível</a:t>
             </a:r>
-            <a:endParaRPr lang="pt-PT"/>
           </a:p>
         </p:txBody>
       </p:sp>
@@ -23926,64 +25539,64 @@
           <a:lstStyle/>
           <a:p>
             <a:r>
-              <a:rPr lang="pt-PT" sz="1400" dirty="0" smtClean="0"/>
+              <a:rPr lang="pt-PT" sz="1400" dirty="0"/>
               <a:t>Realizado por:</a:t>
             </a:r>
           </a:p>
           <a:p>
-            <a:endParaRPr lang="pt-PT" sz="1200" dirty="0" smtClean="0"/>
+            <a:endParaRPr lang="pt-PT" sz="1200" dirty="0"/>
           </a:p>
           <a:p>
             <a:r>
-              <a:rPr lang="pt-PT" sz="1200" dirty="0" smtClean="0"/>
+              <a:rPr lang="pt-PT" sz="1200" dirty="0"/>
               <a:t>João Afonso Vieira de Sousa, 2019224599, </a:t>
             </a:r>
             <a:r>
-              <a:rPr lang="pt-PT" sz="1200" dirty="0" smtClean="0">
+              <a:rPr lang="pt-PT" sz="1200" dirty="0">
                 <a:hlinkClick r:id="rId2"/>
               </a:rPr>
               <a:t>uc2019224599@student.uc.pt</a:t>
             </a:r>
-            <a:endParaRPr lang="pt-PT" sz="1200" dirty="0" smtClean="0"/>
+            <a:endParaRPr lang="pt-PT" sz="1200" dirty="0"/>
           </a:p>
           <a:p>
             <a:r>
-              <a:rPr lang="pt-PT" sz="1200" dirty="0" smtClean="0"/>
+              <a:rPr lang="pt-PT" sz="1200" dirty="0"/>
               <a:t>José Domingos da Silva, 2018296125, </a:t>
             </a:r>
             <a:r>
-              <a:rPr lang="pt-PT" sz="1200" dirty="0" smtClean="0">
+              <a:rPr lang="pt-PT" sz="1200" dirty="0">
                 <a:hlinkClick r:id="rId3"/>
               </a:rPr>
               <a:t>uc2018296125@student.uc.pt</a:t>
             </a:r>
-            <a:endParaRPr lang="pt-PT" sz="1200" dirty="0" smtClean="0"/>
+            <a:endParaRPr lang="pt-PT" sz="1200" dirty="0"/>
           </a:p>
           <a:p>
             <a:r>
-              <a:rPr lang="pt-PT" sz="1200" dirty="0" smtClean="0"/>
+              <a:rPr lang="pt-PT" sz="1200" dirty="0"/>
               <a:t>Sancho Amaral Simões, 2019217590, </a:t>
             </a:r>
             <a:r>
-              <a:rPr lang="pt-PT" sz="1200" dirty="0" smtClean="0">
+              <a:rPr lang="pt-PT" sz="1200" dirty="0">
                 <a:hlinkClick r:id="rId4"/>
               </a:rPr>
               <a:t>uc2019217590@student.uc.pt</a:t>
             </a:r>
-            <a:endParaRPr lang="pt-PT" sz="1200" dirty="0" smtClean="0"/>
+            <a:endParaRPr lang="pt-PT" sz="1200" dirty="0"/>
           </a:p>
           <a:p>
             <a:r>
-              <a:rPr lang="pt-PT" sz="1200" dirty="0" smtClean="0"/>
+              <a:rPr lang="pt-PT" sz="1200" dirty="0"/>
               <a:t>Tiago Filipe Santa Ventura, 2019243695, </a:t>
             </a:r>
             <a:r>
-              <a:rPr lang="pt-PT" sz="1200" dirty="0" smtClean="0">
+              <a:rPr lang="pt-PT" sz="1200" dirty="0">
                 <a:hlinkClick r:id="rId5"/>
               </a:rPr>
               <a:t>uc2019243695@student.uc.pt</a:t>
             </a:r>
-            <a:endParaRPr lang="pt-PT" sz="1200" dirty="0" smtClean="0"/>
+            <a:endParaRPr lang="pt-PT" sz="1200" dirty="0"/>
           </a:p>
           <a:p>
             <a:endParaRPr lang="pt-PT" sz="1200" dirty="0"/>
@@ -24098,7 +25711,7 @@
           <p:cNvPr id="7" name="Marcador de Posição de Conteúdo 6">
             <a:extLst>
               <a:ext uri="{FF2B5EF4-FFF2-40B4-BE49-F238E27FC236}">
-                <a16:creationId xmlns="" xmlns:a16="http://schemas.microsoft.com/office/drawing/2014/main" id="{AB1C485F-D356-4F5B-98C9-C8CBE1DE7694}"/>
+                <a16:creationId xmlns:a16="http://schemas.microsoft.com/office/drawing/2014/main" id="{AB1C485F-D356-4F5B-98C9-C8CBE1DE7694}"/>
               </a:ext>
             </a:extLst>
           </p:cNvPr>
@@ -24109,7 +25722,7 @@
             <p:ph idx="1"/>
             <p:extLst>
               <p:ext uri="{D42A27DB-BD31-4B8C-83A1-F6EECF244321}">
-                <p14:modId xmlns="" xmlns:p14="http://schemas.microsoft.com/office/powerpoint/2010/main" val="1677835944"/>
+                <p14:modId xmlns:p14="http://schemas.microsoft.com/office/powerpoint/2010/main" val="1677835944"/>
               </p:ext>
             </p:extLst>
           </p:nvPr>
@@ -24179,8 +25792,8 @@
           </a:p>
         </p:txBody>
       </p:sp>
-      <mc:AlternateContent xmlns:mc="http://schemas.openxmlformats.org/markup-compatibility/2006">
-        <mc:Choice xmlns="" xmlns:a14="http://schemas.microsoft.com/office/drawing/2010/main" Requires="a14">
+      <mc:AlternateContent xmlns:mc="http://schemas.openxmlformats.org/markup-compatibility/2006" xmlns:a14="http://schemas.microsoft.com/office/drawing/2010/main">
+        <mc:Choice Requires="a14">
           <p:sp>
             <p:nvSpPr>
               <p:cNvPr id="7" name="CaixaDeTexto 1">
@@ -24323,7 +25936,7 @@
             </p:txBody>
           </p:sp>
         </mc:Choice>
-        <mc:Fallback>
+        <mc:Fallback xmlns="">
           <p:sp>
             <p:nvSpPr>
               <p:cNvPr id="7" name="CaixaDeTexto 1">
@@ -24373,7 +25986,7 @@
           <p:cNvPr id="8" name="Marcador de Posição de Conteúdo 7">
             <a:extLst>
               <a:ext uri="{FF2B5EF4-FFF2-40B4-BE49-F238E27FC236}">
-                <a16:creationId xmlns="" xmlns:a16="http://schemas.microsoft.com/office/drawing/2014/main" id="{973B0343-5FB9-4C57-88B2-28E32C378AAF}"/>
+                <a16:creationId xmlns:a16="http://schemas.microsoft.com/office/drawing/2014/main" id="{973B0343-5FB9-4C57-88B2-28E32C378AAF}"/>
               </a:ext>
             </a:extLst>
           </p:cNvPr>
@@ -24384,7 +25997,7 @@
             <p:ph idx="1"/>
             <p:extLst>
               <p:ext uri="{D42A27DB-BD31-4B8C-83A1-F6EECF244321}">
-                <p14:modId xmlns="" xmlns:p14="http://schemas.microsoft.com/office/powerpoint/2010/main" val="1345262532"/>
+                <p14:modId xmlns:p14="http://schemas.microsoft.com/office/powerpoint/2010/main" val="1345262532"/>
               </p:ext>
             </p:extLst>
           </p:nvPr>
@@ -24454,8 +26067,8 @@
           </a:p>
         </p:txBody>
       </p:sp>
-      <mc:AlternateContent xmlns:mc="http://schemas.openxmlformats.org/markup-compatibility/2006">
-        <mc:Choice xmlns="" xmlns:a14="http://schemas.microsoft.com/office/drawing/2010/main" Requires="a14">
+      <mc:AlternateContent xmlns:mc="http://schemas.openxmlformats.org/markup-compatibility/2006" xmlns:a14="http://schemas.microsoft.com/office/drawing/2010/main">
+        <mc:Choice Requires="a14">
           <p:sp>
             <p:nvSpPr>
               <p:cNvPr id="7" name="CaixaDeTexto 1">
@@ -24598,7 +26211,7 @@
             </p:txBody>
           </p:sp>
         </mc:Choice>
-        <mc:Fallback>
+        <mc:Fallback xmlns="">
           <p:sp>
             <p:nvSpPr>
               <p:cNvPr id="7" name="CaixaDeTexto 1">
@@ -24648,7 +26261,7 @@
           <p:cNvPr id="10" name="Marcador de Posição de Conteúdo 9">
             <a:extLst>
               <a:ext uri="{FF2B5EF4-FFF2-40B4-BE49-F238E27FC236}">
-                <a16:creationId xmlns="" xmlns:a16="http://schemas.microsoft.com/office/drawing/2014/main" id="{483934FF-3F71-43DC-9C5A-3D6258DEB181}"/>
+                <a16:creationId xmlns:a16="http://schemas.microsoft.com/office/drawing/2014/main" id="{483934FF-3F71-43DC-9C5A-3D6258DEB181}"/>
               </a:ext>
             </a:extLst>
           </p:cNvPr>
@@ -24659,7 +26272,7 @@
             <p:ph idx="1"/>
             <p:extLst>
               <p:ext uri="{D42A27DB-BD31-4B8C-83A1-F6EECF244321}">
-                <p14:modId xmlns="" xmlns:p14="http://schemas.microsoft.com/office/powerpoint/2010/main" val="2234006515"/>
+                <p14:modId xmlns:p14="http://schemas.microsoft.com/office/powerpoint/2010/main" val="2234006515"/>
               </p:ext>
             </p:extLst>
           </p:nvPr>
@@ -24729,8 +26342,8 @@
           </a:p>
         </p:txBody>
       </p:sp>
-      <mc:AlternateContent xmlns:mc="http://schemas.openxmlformats.org/markup-compatibility/2006">
-        <mc:Choice xmlns="" xmlns:a14="http://schemas.microsoft.com/office/drawing/2010/main" Requires="a14">
+      <mc:AlternateContent xmlns:mc="http://schemas.openxmlformats.org/markup-compatibility/2006" xmlns:a14="http://schemas.microsoft.com/office/drawing/2010/main">
+        <mc:Choice Requires="a14">
           <p:sp>
             <p:nvSpPr>
               <p:cNvPr id="6" name="CaixaDeTexto 1">
@@ -25392,7 +27005,7 @@
             </p:txBody>
           </p:sp>
         </mc:Choice>
-        <mc:Fallback>
+        <mc:Fallback xmlns="">
           <p:sp>
             <p:nvSpPr>
               <p:cNvPr id="6" name="CaixaDeTexto 1">
@@ -25442,7 +27055,7 @@
           <p:cNvPr id="15" name="Oval 14">
             <a:extLst>
               <a:ext uri="{FF2B5EF4-FFF2-40B4-BE49-F238E27FC236}">
-                <a16:creationId xmlns="" xmlns:a16="http://schemas.microsoft.com/office/drawing/2014/main" id="{44A36393-E968-4E93-8A40-1C69EDA50F41}"/>
+                <a16:creationId xmlns:a16="http://schemas.microsoft.com/office/drawing/2014/main" id="{44A36393-E968-4E93-8A40-1C69EDA50F41}"/>
               </a:ext>
             </a:extLst>
           </p:cNvPr>
@@ -25489,7 +27102,7 @@
           <p:cNvPr id="16" name="Oval 15">
             <a:extLst>
               <a:ext uri="{FF2B5EF4-FFF2-40B4-BE49-F238E27FC236}">
-                <a16:creationId xmlns="" xmlns:a16="http://schemas.microsoft.com/office/drawing/2014/main" id="{87FCC041-FDBC-41CC-85C5-387DC236B4E1}"/>
+                <a16:creationId xmlns:a16="http://schemas.microsoft.com/office/drawing/2014/main" id="{87FCC041-FDBC-41CC-85C5-387DC236B4E1}"/>
               </a:ext>
             </a:extLst>
           </p:cNvPr>
@@ -25536,7 +27149,7 @@
           <p:cNvPr id="9" name="Marcador de Posição de Conteúdo 8">
             <a:extLst>
               <a:ext uri="{FF2B5EF4-FFF2-40B4-BE49-F238E27FC236}">
-                <a16:creationId xmlns="" xmlns:a16="http://schemas.microsoft.com/office/drawing/2014/main" id="{8CBC1960-47FA-4C42-BD6D-4D1E37F3475D}"/>
+                <a16:creationId xmlns:a16="http://schemas.microsoft.com/office/drawing/2014/main" id="{8CBC1960-47FA-4C42-BD6D-4D1E37F3475D}"/>
               </a:ext>
             </a:extLst>
           </p:cNvPr>
@@ -25547,7 +27160,7 @@
             <p:ph idx="1"/>
             <p:extLst>
               <p:ext uri="{D42A27DB-BD31-4B8C-83A1-F6EECF244321}">
-                <p14:modId xmlns="" xmlns:p14="http://schemas.microsoft.com/office/powerpoint/2010/main" val="2634702654"/>
+                <p14:modId xmlns:p14="http://schemas.microsoft.com/office/powerpoint/2010/main" val="2634702654"/>
               </p:ext>
             </p:extLst>
           </p:nvPr>
@@ -25567,7 +27180,7 @@
           <p:cNvPr id="2" name="CaixaDeTexto 1">
             <a:extLst>
               <a:ext uri="{FF2B5EF4-FFF2-40B4-BE49-F238E27FC236}">
-                <a16:creationId xmlns="" xmlns:a16="http://schemas.microsoft.com/office/drawing/2014/main" id="{387CDC1B-6928-461C-94AC-46A9BA262EE5}"/>
+                <a16:creationId xmlns:a16="http://schemas.microsoft.com/office/drawing/2014/main" id="{387CDC1B-6928-461C-94AC-46A9BA262EE5}"/>
               </a:ext>
             </a:extLst>
           </p:cNvPr>
@@ -25638,7 +27251,7 @@
           <p:cNvPr id="4" name="Seta: Para Baixo 3">
             <a:extLst>
               <a:ext uri="{FF2B5EF4-FFF2-40B4-BE49-F238E27FC236}">
-                <a16:creationId xmlns="" xmlns:a16="http://schemas.microsoft.com/office/drawing/2014/main" id="{0D1F0B9A-5DA7-4815-BE0D-515B7238DC57}"/>
+                <a16:creationId xmlns:a16="http://schemas.microsoft.com/office/drawing/2014/main" id="{0D1F0B9A-5DA7-4815-BE0D-515B7238DC57}"/>
               </a:ext>
             </a:extLst>
           </p:cNvPr>
@@ -25684,7 +27297,7 @@
           <p:cNvPr id="7" name="Seta: Para Baixo 6">
             <a:extLst>
               <a:ext uri="{FF2B5EF4-FFF2-40B4-BE49-F238E27FC236}">
-                <a16:creationId xmlns="" xmlns:a16="http://schemas.microsoft.com/office/drawing/2014/main" id="{E5C287F9-7B45-48E2-9C60-304032C6EEE5}"/>
+                <a16:creationId xmlns:a16="http://schemas.microsoft.com/office/drawing/2014/main" id="{E5C287F9-7B45-48E2-9C60-304032C6EEE5}"/>
               </a:ext>
             </a:extLst>
           </p:cNvPr>
@@ -25755,7 +27368,7 @@
           <p:cNvPr id="2" name="Título 1">
             <a:extLst>
               <a:ext uri="{FF2B5EF4-FFF2-40B4-BE49-F238E27FC236}">
-                <a16:creationId xmlns="" xmlns:a16="http://schemas.microsoft.com/office/drawing/2014/main" id="{7B2DD2CD-E12B-4525-8422-B00034AB388C}"/>
+                <a16:creationId xmlns:a16="http://schemas.microsoft.com/office/drawing/2014/main" id="{7B2DD2CD-E12B-4525-8422-B00034AB388C}"/>
               </a:ext>
             </a:extLst>
           </p:cNvPr>
@@ -25783,7 +27396,7 @@
           <p:cNvPr id="4" name="Retângulo 3">
             <a:extLst>
               <a:ext uri="{FF2B5EF4-FFF2-40B4-BE49-F238E27FC236}">
-                <a16:creationId xmlns="" xmlns:a16="http://schemas.microsoft.com/office/drawing/2014/main" id="{C0BDAD38-C781-41A9-8B67-F38BBE76E72A}"/>
+                <a16:creationId xmlns:a16="http://schemas.microsoft.com/office/drawing/2014/main" id="{C0BDAD38-C781-41A9-8B67-F38BBE76E72A}"/>
               </a:ext>
             </a:extLst>
           </p:cNvPr>
@@ -25835,7 +27448,7 @@
           <p:cNvPr id="5" name="Retângulo 4">
             <a:extLst>
               <a:ext uri="{FF2B5EF4-FFF2-40B4-BE49-F238E27FC236}">
-                <a16:creationId xmlns="" xmlns:a16="http://schemas.microsoft.com/office/drawing/2014/main" id="{CA34A0B6-BC35-400B-8BEE-636299379076}"/>
+                <a16:creationId xmlns:a16="http://schemas.microsoft.com/office/drawing/2014/main" id="{CA34A0B6-BC35-400B-8BEE-636299379076}"/>
               </a:ext>
             </a:extLst>
           </p:cNvPr>
@@ -25882,7 +27495,7 @@
           <p:cNvPr id="8" name="Seta: Para a Direita 7">
             <a:extLst>
               <a:ext uri="{FF2B5EF4-FFF2-40B4-BE49-F238E27FC236}">
-                <a16:creationId xmlns="" xmlns:a16="http://schemas.microsoft.com/office/drawing/2014/main" id="{F98B5199-1856-4AF9-823E-F9778866F240}"/>
+                <a16:creationId xmlns:a16="http://schemas.microsoft.com/office/drawing/2014/main" id="{F98B5199-1856-4AF9-823E-F9778866F240}"/>
               </a:ext>
             </a:extLst>
           </p:cNvPr>
@@ -25928,7 +27541,7 @@
           <p:cNvPr id="9" name="Retângulo 8">
             <a:extLst>
               <a:ext uri="{FF2B5EF4-FFF2-40B4-BE49-F238E27FC236}">
-                <a16:creationId xmlns="" xmlns:a16="http://schemas.microsoft.com/office/drawing/2014/main" id="{1AA32650-06E0-42FF-9F24-586846B83EEF}"/>
+                <a16:creationId xmlns:a16="http://schemas.microsoft.com/office/drawing/2014/main" id="{1AA32650-06E0-42FF-9F24-586846B83EEF}"/>
               </a:ext>
             </a:extLst>
           </p:cNvPr>
@@ -25973,7 +27586,7 @@
           <p:cNvPr id="10" name="CaixaDeTexto 9">
             <a:extLst>
               <a:ext uri="{FF2B5EF4-FFF2-40B4-BE49-F238E27FC236}">
-                <a16:creationId xmlns="" xmlns:a16="http://schemas.microsoft.com/office/drawing/2014/main" id="{723ADB8C-7188-4244-99D2-29F31EDB3AD5}"/>
+                <a16:creationId xmlns:a16="http://schemas.microsoft.com/office/drawing/2014/main" id="{723ADB8C-7188-4244-99D2-29F31EDB3AD5}"/>
               </a:ext>
             </a:extLst>
           </p:cNvPr>
@@ -26009,7 +27622,7 @@
           <p:cNvPr id="11" name="Marcador de Posição de Conteúdo 10">
             <a:extLst>
               <a:ext uri="{FF2B5EF4-FFF2-40B4-BE49-F238E27FC236}">
-                <a16:creationId xmlns="" xmlns:a16="http://schemas.microsoft.com/office/drawing/2014/main" id="{10777436-016F-4617-B018-85A590435F94}"/>
+                <a16:creationId xmlns:a16="http://schemas.microsoft.com/office/drawing/2014/main" id="{10777436-016F-4617-B018-85A590435F94}"/>
               </a:ext>
             </a:extLst>
           </p:cNvPr>
@@ -26060,7 +27673,7 @@
           <p:cNvPr id="13" name="Retângulo 12">
             <a:extLst>
               <a:ext uri="{FF2B5EF4-FFF2-40B4-BE49-F238E27FC236}">
-                <a16:creationId xmlns="" xmlns:a16="http://schemas.microsoft.com/office/drawing/2014/main" id="{3B5B346E-6D2A-4217-978D-5C9C6FCA9861}"/>
+                <a16:creationId xmlns:a16="http://schemas.microsoft.com/office/drawing/2014/main" id="{3B5B346E-6D2A-4217-978D-5C9C6FCA9861}"/>
               </a:ext>
             </a:extLst>
           </p:cNvPr>
@@ -26114,7 +27727,7 @@
           <p:cNvPr id="14" name="Retângulo 13">
             <a:extLst>
               <a:ext uri="{FF2B5EF4-FFF2-40B4-BE49-F238E27FC236}">
-                <a16:creationId xmlns="" xmlns:a16="http://schemas.microsoft.com/office/drawing/2014/main" id="{ADEE454C-52D6-4A7F-99AC-557786175935}"/>
+                <a16:creationId xmlns:a16="http://schemas.microsoft.com/office/drawing/2014/main" id="{ADEE454C-52D6-4A7F-99AC-557786175935}"/>
               </a:ext>
             </a:extLst>
           </p:cNvPr>
@@ -26173,7 +27786,7 @@
           <p:cNvPr id="17" name="Seta: Para a Direita 16">
             <a:extLst>
               <a:ext uri="{FF2B5EF4-FFF2-40B4-BE49-F238E27FC236}">
-                <a16:creationId xmlns="" xmlns:a16="http://schemas.microsoft.com/office/drawing/2014/main" id="{58570091-5F75-432C-A902-82E9D2C6EEAA}"/>
+                <a16:creationId xmlns:a16="http://schemas.microsoft.com/office/drawing/2014/main" id="{58570091-5F75-432C-A902-82E9D2C6EEAA}"/>
               </a:ext>
             </a:extLst>
           </p:cNvPr>
@@ -26219,7 +27832,7 @@
           <p:cNvPr id="18" name="CaixaDeTexto 17">
             <a:extLst>
               <a:ext uri="{FF2B5EF4-FFF2-40B4-BE49-F238E27FC236}">
-                <a16:creationId xmlns="" xmlns:a16="http://schemas.microsoft.com/office/drawing/2014/main" id="{561403E5-0E0C-44FB-8919-9F28ABAF7DA9}"/>
+                <a16:creationId xmlns:a16="http://schemas.microsoft.com/office/drawing/2014/main" id="{561403E5-0E0C-44FB-8919-9F28ABAF7DA9}"/>
               </a:ext>
             </a:extLst>
           </p:cNvPr>
@@ -26274,29 +27887,28 @@
           <a:p>
             <a:pPr algn="ctr"/>
             <a:r>
-              <a:rPr lang="pt-PT" dirty="0" smtClean="0"/>
+              <a:rPr lang="pt-PT" dirty="0"/>
               <a:t>Figura 13 – </a:t>
             </a:r>
             <a:r>
-              <a:rPr lang="pt-PT" i="1" dirty="0" err="1" smtClean="0"/>
+              <a:rPr lang="pt-PT" i="1" dirty="0" err="1"/>
               <a:t>Stacks</a:t>
             </a:r>
             <a:r>
-              <a:rPr lang="pt-PT" i="1" dirty="0" smtClean="0"/>
+              <a:rPr lang="pt-PT" i="1" dirty="0"/>
               <a:t> </a:t>
             </a:r>
             <a:r>
-              <a:rPr lang="pt-PT" dirty="0" smtClean="0"/>
+              <a:rPr lang="pt-PT" dirty="0"/>
               <a:t>de compressão e descompressão da geração 8</a:t>
             </a:r>
-            <a:endParaRPr lang="pt-PT" dirty="0"/>
           </a:p>
         </p:txBody>
       </p:sp>
     </p:spTree>
     <p:extLst>
       <p:ext uri="{BB962C8B-B14F-4D97-AF65-F5344CB8AC3E}">
-        <p14:creationId xmlns="" xmlns:p14="http://schemas.microsoft.com/office/powerpoint/2010/main" val="661826028"/>
+        <p14:creationId xmlns:p14="http://schemas.microsoft.com/office/powerpoint/2010/main" val="661826028"/>
       </p:ext>
     </p:extLst>
   </p:cSld>
@@ -26328,7 +27940,7 @@
           <p:cNvPr id="2" name="Título 1">
             <a:extLst>
               <a:ext uri="{FF2B5EF4-FFF2-40B4-BE49-F238E27FC236}">
-                <a16:creationId xmlns="" xmlns:a16="http://schemas.microsoft.com/office/drawing/2014/main" id="{7B2DD2CD-E12B-4525-8422-B00034AB388C}"/>
+                <a16:creationId xmlns:a16="http://schemas.microsoft.com/office/drawing/2014/main" id="{7B2DD2CD-E12B-4525-8422-B00034AB388C}"/>
               </a:ext>
             </a:extLst>
           </p:cNvPr>
@@ -26356,7 +27968,7 @@
           <p:cNvPr id="4" name="Retângulo 3">
             <a:extLst>
               <a:ext uri="{FF2B5EF4-FFF2-40B4-BE49-F238E27FC236}">
-                <a16:creationId xmlns="" xmlns:a16="http://schemas.microsoft.com/office/drawing/2014/main" id="{C0BDAD38-C781-41A9-8B67-F38BBE76E72A}"/>
+                <a16:creationId xmlns:a16="http://schemas.microsoft.com/office/drawing/2014/main" id="{C0BDAD38-C781-41A9-8B67-F38BBE76E72A}"/>
               </a:ext>
             </a:extLst>
           </p:cNvPr>
@@ -26408,7 +28020,7 @@
           <p:cNvPr id="5" name="Retângulo 4">
             <a:extLst>
               <a:ext uri="{FF2B5EF4-FFF2-40B4-BE49-F238E27FC236}">
-                <a16:creationId xmlns="" xmlns:a16="http://schemas.microsoft.com/office/drawing/2014/main" id="{CA34A0B6-BC35-400B-8BEE-636299379076}"/>
+                <a16:creationId xmlns:a16="http://schemas.microsoft.com/office/drawing/2014/main" id="{CA34A0B6-BC35-400B-8BEE-636299379076}"/>
               </a:ext>
             </a:extLst>
           </p:cNvPr>
@@ -26455,7 +28067,7 @@
           <p:cNvPr id="8" name="Seta: Para a Direita 7">
             <a:extLst>
               <a:ext uri="{FF2B5EF4-FFF2-40B4-BE49-F238E27FC236}">
-                <a16:creationId xmlns="" xmlns:a16="http://schemas.microsoft.com/office/drawing/2014/main" id="{F98B5199-1856-4AF9-823E-F9778866F240}"/>
+                <a16:creationId xmlns:a16="http://schemas.microsoft.com/office/drawing/2014/main" id="{F98B5199-1856-4AF9-823E-F9778866F240}"/>
               </a:ext>
             </a:extLst>
           </p:cNvPr>
@@ -26501,7 +28113,7 @@
           <p:cNvPr id="9" name="Retângulo 8">
             <a:extLst>
               <a:ext uri="{FF2B5EF4-FFF2-40B4-BE49-F238E27FC236}">
-                <a16:creationId xmlns="" xmlns:a16="http://schemas.microsoft.com/office/drawing/2014/main" id="{1AA32650-06E0-42FF-9F24-586846B83EEF}"/>
+                <a16:creationId xmlns:a16="http://schemas.microsoft.com/office/drawing/2014/main" id="{1AA32650-06E0-42FF-9F24-586846B83EEF}"/>
               </a:ext>
             </a:extLst>
           </p:cNvPr>
@@ -26546,7 +28158,7 @@
           <p:cNvPr id="10" name="CaixaDeTexto 9">
             <a:extLst>
               <a:ext uri="{FF2B5EF4-FFF2-40B4-BE49-F238E27FC236}">
-                <a16:creationId xmlns="" xmlns:a16="http://schemas.microsoft.com/office/drawing/2014/main" id="{723ADB8C-7188-4244-99D2-29F31EDB3AD5}"/>
+                <a16:creationId xmlns:a16="http://schemas.microsoft.com/office/drawing/2014/main" id="{723ADB8C-7188-4244-99D2-29F31EDB3AD5}"/>
               </a:ext>
             </a:extLst>
           </p:cNvPr>
@@ -26582,7 +28194,7 @@
           <p:cNvPr id="11" name="Marcador de Posição de Conteúdo 10">
             <a:extLst>
               <a:ext uri="{FF2B5EF4-FFF2-40B4-BE49-F238E27FC236}">
-                <a16:creationId xmlns="" xmlns:a16="http://schemas.microsoft.com/office/drawing/2014/main" id="{10777436-016F-4617-B018-85A590435F94}"/>
+                <a16:creationId xmlns:a16="http://schemas.microsoft.com/office/drawing/2014/main" id="{10777436-016F-4617-B018-85A590435F94}"/>
               </a:ext>
             </a:extLst>
           </p:cNvPr>
@@ -26630,7 +28242,7 @@
           <p:cNvPr id="13" name="Retângulo 12">
             <a:extLst>
               <a:ext uri="{FF2B5EF4-FFF2-40B4-BE49-F238E27FC236}">
-                <a16:creationId xmlns="" xmlns:a16="http://schemas.microsoft.com/office/drawing/2014/main" id="{3B5B346E-6D2A-4217-978D-5C9C6FCA9861}"/>
+                <a16:creationId xmlns:a16="http://schemas.microsoft.com/office/drawing/2014/main" id="{3B5B346E-6D2A-4217-978D-5C9C6FCA9861}"/>
               </a:ext>
             </a:extLst>
           </p:cNvPr>
@@ -26684,7 +28296,7 @@
           <p:cNvPr id="14" name="Retângulo 13">
             <a:extLst>
               <a:ext uri="{FF2B5EF4-FFF2-40B4-BE49-F238E27FC236}">
-                <a16:creationId xmlns="" xmlns:a16="http://schemas.microsoft.com/office/drawing/2014/main" id="{ADEE454C-52D6-4A7F-99AC-557786175935}"/>
+                <a16:creationId xmlns:a16="http://schemas.microsoft.com/office/drawing/2014/main" id="{ADEE454C-52D6-4A7F-99AC-557786175935}"/>
               </a:ext>
             </a:extLst>
           </p:cNvPr>
@@ -26743,7 +28355,7 @@
           <p:cNvPr id="17" name="Seta: Para a Direita 16">
             <a:extLst>
               <a:ext uri="{FF2B5EF4-FFF2-40B4-BE49-F238E27FC236}">
-                <a16:creationId xmlns="" xmlns:a16="http://schemas.microsoft.com/office/drawing/2014/main" id="{58570091-5F75-432C-A902-82E9D2C6EEAA}"/>
+                <a16:creationId xmlns:a16="http://schemas.microsoft.com/office/drawing/2014/main" id="{58570091-5F75-432C-A902-82E9D2C6EEAA}"/>
               </a:ext>
             </a:extLst>
           </p:cNvPr>
@@ -26789,7 +28401,7 @@
           <p:cNvPr id="18" name="CaixaDeTexto 17">
             <a:extLst>
               <a:ext uri="{FF2B5EF4-FFF2-40B4-BE49-F238E27FC236}">
-                <a16:creationId xmlns="" xmlns:a16="http://schemas.microsoft.com/office/drawing/2014/main" id="{561403E5-0E0C-44FB-8919-9F28ABAF7DA9}"/>
+                <a16:creationId xmlns:a16="http://schemas.microsoft.com/office/drawing/2014/main" id="{561403E5-0E0C-44FB-8919-9F28ABAF7DA9}"/>
               </a:ext>
             </a:extLst>
           </p:cNvPr>
@@ -26844,29 +28456,28 @@
           <a:p>
             <a:pPr algn="ctr"/>
             <a:r>
-              <a:rPr lang="pt-PT" dirty="0" smtClean="0"/>
+              <a:rPr lang="pt-PT" dirty="0"/>
               <a:t>Figura 14 – </a:t>
             </a:r>
             <a:r>
-              <a:rPr lang="pt-PT" i="1" dirty="0" err="1" smtClean="0"/>
+              <a:rPr lang="pt-PT" i="1" dirty="0" err="1"/>
               <a:t>Stacks</a:t>
             </a:r>
             <a:r>
-              <a:rPr lang="pt-PT" i="1" dirty="0" smtClean="0"/>
+              <a:rPr lang="pt-PT" i="1" dirty="0"/>
               <a:t> </a:t>
             </a:r>
             <a:r>
-              <a:rPr lang="pt-PT" dirty="0" smtClean="0"/>
+              <a:rPr lang="pt-PT" dirty="0"/>
               <a:t>de compressão e descompressão da geração 10</a:t>
             </a:r>
-            <a:endParaRPr lang="pt-PT" dirty="0"/>
           </a:p>
         </p:txBody>
       </p:sp>
     </p:spTree>
     <p:extLst>
       <p:ext uri="{BB962C8B-B14F-4D97-AF65-F5344CB8AC3E}">
-        <p14:creationId xmlns="" xmlns:p14="http://schemas.microsoft.com/office/powerpoint/2010/main" val="1050088074"/>
+        <p14:creationId xmlns:p14="http://schemas.microsoft.com/office/powerpoint/2010/main" val="1050088074"/>
       </p:ext>
     </p:extLst>
   </p:cSld>
@@ -26898,7 +28509,7 @@
           <p:cNvPr id="2" name="Título 1">
             <a:extLst>
               <a:ext uri="{FF2B5EF4-FFF2-40B4-BE49-F238E27FC236}">
-                <a16:creationId xmlns="" xmlns:a16="http://schemas.microsoft.com/office/drawing/2014/main" id="{702228D4-D061-4A19-8DEE-F0FDBE55A741}"/>
+                <a16:creationId xmlns:a16="http://schemas.microsoft.com/office/drawing/2014/main" id="{702228D4-D061-4A19-8DEE-F0FDBE55A741}"/>
               </a:ext>
             </a:extLst>
           </p:cNvPr>
@@ -26915,10 +28526,9 @@
           <a:lstStyle/>
           <a:p>
             <a:r>
-              <a:rPr lang="pt-PT" dirty="0" smtClean="0"/>
+              <a:rPr lang="pt-PT" dirty="0"/>
               <a:t>Conceitos</a:t>
             </a:r>
-            <a:endParaRPr lang="pt-PT" dirty="0"/>
           </a:p>
         </p:txBody>
       </p:sp>
@@ -26927,7 +28537,7 @@
           <p:cNvPr id="3" name="Marcador de Posição de Conteúdo 2">
             <a:extLst>
               <a:ext uri="{FF2B5EF4-FFF2-40B4-BE49-F238E27FC236}">
-                <a16:creationId xmlns="" xmlns:a16="http://schemas.microsoft.com/office/drawing/2014/main" id="{E60D12B4-E406-4B2D-8F05-FB70C750F163}"/>
+                <a16:creationId xmlns:a16="http://schemas.microsoft.com/office/drawing/2014/main" id="{E60D12B4-E406-4B2D-8F05-FB70C750F163}"/>
               </a:ext>
             </a:extLst>
           </p:cNvPr>
@@ -26952,7 +28562,7 @@
           <p:cNvPr id="4" name="Retângulo 3">
             <a:extLst>
               <a:ext uri="{FF2B5EF4-FFF2-40B4-BE49-F238E27FC236}">
-                <a16:creationId xmlns="" xmlns:a16="http://schemas.microsoft.com/office/drawing/2014/main" id="{974E549F-37BB-462C-9B24-6484F97E87C8}"/>
+                <a16:creationId xmlns:a16="http://schemas.microsoft.com/office/drawing/2014/main" id="{974E549F-37BB-462C-9B24-6484F97E87C8}"/>
               </a:ext>
             </a:extLst>
           </p:cNvPr>
@@ -27023,7 +28633,7 @@
           <p:cNvPr id="5" name="Retângulo 4">
             <a:extLst>
               <a:ext uri="{FF2B5EF4-FFF2-40B4-BE49-F238E27FC236}">
-                <a16:creationId xmlns="" xmlns:a16="http://schemas.microsoft.com/office/drawing/2014/main" id="{96BA5E0F-99FB-445A-9A33-3AF22D256248}"/>
+                <a16:creationId xmlns:a16="http://schemas.microsoft.com/office/drawing/2014/main" id="{96BA5E0F-99FB-445A-9A33-3AF22D256248}"/>
               </a:ext>
             </a:extLst>
           </p:cNvPr>
@@ -27094,7 +28704,7 @@
           <p:cNvPr id="6" name="Retângulo 5">
             <a:extLst>
               <a:ext uri="{FF2B5EF4-FFF2-40B4-BE49-F238E27FC236}">
-                <a16:creationId xmlns="" xmlns:a16="http://schemas.microsoft.com/office/drawing/2014/main" id="{2531B7CD-1914-4389-A1FF-0C88C4EF43EC}"/>
+                <a16:creationId xmlns:a16="http://schemas.microsoft.com/office/drawing/2014/main" id="{2531B7CD-1914-4389-A1FF-0C88C4EF43EC}"/>
               </a:ext>
             </a:extLst>
           </p:cNvPr>
@@ -27190,7 +28800,7 @@
     </p:spTree>
     <p:extLst>
       <p:ext uri="{BB962C8B-B14F-4D97-AF65-F5344CB8AC3E}">
-        <p14:creationId xmlns="" xmlns:p14="http://schemas.microsoft.com/office/powerpoint/2010/main" val="2403494876"/>
+        <p14:creationId xmlns:p14="http://schemas.microsoft.com/office/powerpoint/2010/main" val="2403494876"/>
       </p:ext>
     </p:extLst>
   </p:cSld>
@@ -27222,7 +28832,7 @@
           <p:cNvPr id="2" name="Título 1">
             <a:extLst>
               <a:ext uri="{FF2B5EF4-FFF2-40B4-BE49-F238E27FC236}">
-                <a16:creationId xmlns="" xmlns:a16="http://schemas.microsoft.com/office/drawing/2014/main" id="{5B184CB9-E063-4057-8F42-75AA222B4298}"/>
+                <a16:creationId xmlns:a16="http://schemas.microsoft.com/office/drawing/2014/main" id="{5B184CB9-E063-4057-8F42-75AA222B4298}"/>
               </a:ext>
             </a:extLst>
           </p:cNvPr>
@@ -27267,7 +28877,7 @@
           <p:cNvPr id="4" name="Marcador de Posição de Conteúdo 3">
             <a:extLst>
               <a:ext uri="{FF2B5EF4-FFF2-40B4-BE49-F238E27FC236}">
-                <a16:creationId xmlns="" xmlns:wpc="http://schemas.microsoft.com/office/word/2010/wordprocessingCanvas" xmlns:cx="http://schemas.microsoft.com/office/drawing/2014/chartex" xmlns:cx1="http://schemas.microsoft.com/office/drawing/2015/9/8/chartex" xmlns:cx2="http://schemas.microsoft.com/office/drawing/2015/10/21/chartex" xmlns:cx3="http://schemas.microsoft.com/office/drawing/2016/5/9/chartex" xmlns:cx4="http://schemas.microsoft.com/office/drawing/2016/5/10/chartex" xmlns:cx5="http://schemas.microsoft.com/office/drawing/2016/5/11/chartex" xmlns:cx6="http://schemas.microsoft.com/office/drawing/2016/5/12/chartex" xmlns:cx7="http://schemas.microsoft.com/office/drawing/2016/5/13/chartex" xmlns:cx8="http://schemas.microsoft.com/office/drawing/2016/5/14/chartex" xmlns:mc="http://schemas.openxmlformats.org/markup-compatibility/2006" xmlns:aink="http://schemas.microsoft.com/office/drawing/2016/ink" xmlns:am3d="http://schemas.microsoft.com/office/drawing/2017/model3d" xmlns:o="urn:schemas-microsoft-com:office:office" xmlns:m="http://schemas.openxmlformats.org/officeDocument/2006/math" xmlns:v="urn:schemas-microsoft-com:vml" xmlns:wp14="http://schemas.microsoft.com/office/word/2010/wordprocessingDrawing" xmlns:wp="http://schemas.openxmlformats.org/drawingml/2006/wordprocessingDrawing" xmlns:w10="urn:schemas-microsoft-com:office:word" xmlns:w="http://schemas.openxmlformats.org/wordprocessingml/2006/main" xmlns:w14="http://schemas.microsoft.com/office/word/2010/wordml" xmlns:w15="http://schemas.microsoft.com/office/word/2012/wordml" xmlns:w16cex="http://schemas.microsoft.com/office/word/2018/wordml/cex" xmlns:w16cid="http://schemas.microsoft.com/office/word/2016/wordml/cid" xmlns:w16="http://schemas.microsoft.com/office/word/2018/wordml" xmlns:w16se="http://schemas.microsoft.com/office/word/2015/wordml/symex" xmlns:wpg="http://schemas.microsoft.com/office/word/2010/wordprocessingGroup" xmlns:wpi="http://schemas.microsoft.com/office/word/2010/wordprocessingInk" xmlns:wne="http://schemas.microsoft.com/office/word/2006/wordml" xmlns:wps="http://schemas.microsoft.com/office/word/2010/wordprocessingShape" xmlns:a16="http://schemas.microsoft.com/office/drawing/2014/main" xmlns:lc="http://schemas.openxmlformats.org/drawingml/2006/lockedCanvas" id="{CE606943-5B6D-4125-966A-862378B307B3}"/>
+                <a16:creationId xmlns:a16="http://schemas.microsoft.com/office/drawing/2014/main" id="{CE606943-5B6D-4125-966A-862378B307B3}"/>
               </a:ext>
             </a:extLst>
           </p:cNvPr>
@@ -27276,6 +28886,11 @@
           </p:cNvGraphicFramePr>
           <p:nvPr>
             <p:ph idx="1"/>
+            <p:extLst>
+              <p:ext uri="{D42A27DB-BD31-4B8C-83A1-F6EECF244321}">
+                <p14:modId xmlns:p14="http://schemas.microsoft.com/office/powerpoint/2010/main" val="2705170866"/>
+              </p:ext>
+            </p:extLst>
           </p:nvPr>
         </p:nvGraphicFramePr>
         <p:xfrm>
@@ -27288,10 +28903,106 @@
           </a:graphicData>
         </a:graphic>
       </p:graphicFrame>
+      <p:sp>
+        <p:nvSpPr>
+          <p:cNvPr id="5" name="CaixaDeTexto 4">
+            <a:extLst>
+              <a:ext uri="{FF2B5EF4-FFF2-40B4-BE49-F238E27FC236}">
+                <a16:creationId xmlns:a16="http://schemas.microsoft.com/office/drawing/2014/main" id="{D2814F22-C07E-483F-8621-1CABADB11E58}"/>
+              </a:ext>
+            </a:extLst>
+          </p:cNvPr>
+          <p:cNvSpPr txBox="1"/>
+          <p:nvPr/>
+        </p:nvSpPr>
+        <p:spPr>
+          <a:xfrm>
+            <a:off x="6588224" y="5257800"/>
+            <a:ext cx="432048" cy="261610"/>
+          </a:xfrm>
+          <a:prstGeom prst="rect">
+            <a:avLst/>
+          </a:prstGeom>
+          <a:solidFill>
+            <a:schemeClr val="bg1"/>
+          </a:solidFill>
+        </p:spPr>
+        <p:txBody>
+          <a:bodyPr wrap="square" rtlCol="0">
+            <a:spAutoFit/>
+          </a:bodyPr>
+          <a:lstStyle/>
+          <a:p>
+            <a:pPr algn="ctr"/>
+            <a:r>
+              <a:rPr lang="pt-PT" sz="1100" dirty="0">
+                <a:solidFill>
+                  <a:schemeClr val="tx1">
+                    <a:lumMod val="65000"/>
+                    <a:lumOff val="35000"/>
+                  </a:schemeClr>
+                </a:solidFill>
+              </a:rPr>
+              <a:t>N/D</a:t>
+            </a:r>
+          </a:p>
+        </p:txBody>
+      </p:sp>
+      <p:sp>
+        <p:nvSpPr>
+          <p:cNvPr id="6" name="CaixaDeTexto 5">
+            <a:extLst>
+              <a:ext uri="{FF2B5EF4-FFF2-40B4-BE49-F238E27FC236}">
+                <a16:creationId xmlns:a16="http://schemas.microsoft.com/office/drawing/2014/main" id="{3047748D-C11D-4F04-8ED2-037D96931837}"/>
+              </a:ext>
+            </a:extLst>
+          </p:cNvPr>
+          <p:cNvSpPr txBox="1"/>
+          <p:nvPr/>
+        </p:nvSpPr>
+        <p:spPr>
+          <a:xfrm>
+            <a:off x="1357290" y="6215082"/>
+            <a:ext cx="6429420" cy="646331"/>
+          </a:xfrm>
+          <a:prstGeom prst="rect">
+            <a:avLst/>
+          </a:prstGeom>
+          <a:noFill/>
+        </p:spPr>
+        <p:txBody>
+          <a:bodyPr wrap="square" rtlCol="0">
+            <a:spAutoFit/>
+          </a:bodyPr>
+          <a:lstStyle/>
+          <a:p>
+            <a:pPr algn="ctr"/>
+            <a:r>
+              <a:rPr lang="pt-PT" dirty="0"/>
+              <a:t>Figura 15 – Comparação do </a:t>
+            </a:r>
+            <a:r>
+              <a:rPr lang="pt-PT" i="1" dirty="0" err="1"/>
+              <a:t>Cmp</a:t>
+            </a:r>
+            <a:r>
+              <a:rPr lang="pt-PT" dirty="0"/>
+              <a:t> geração 10</a:t>
+            </a:r>
+            <a:br>
+              <a:rPr lang="pt-PT" dirty="0"/>
+            </a:br>
+            <a:r>
+              <a:rPr lang="pt-PT" dirty="0"/>
+              <a:t>com os outros algoritmos</a:t>
+            </a:r>
+          </a:p>
+        </p:txBody>
+      </p:sp>
     </p:spTree>
     <p:extLst>
       <p:ext uri="{BB962C8B-B14F-4D97-AF65-F5344CB8AC3E}">
-        <p14:creationId xmlns="" xmlns:p14="http://schemas.microsoft.com/office/powerpoint/2010/main" val="1757695528"/>
+        <p14:creationId xmlns:p14="http://schemas.microsoft.com/office/powerpoint/2010/main" val="1757695528"/>
       </p:ext>
     </p:extLst>
   </p:cSld>
@@ -27323,7 +29034,7 @@
           <p:cNvPr id="5" name="Marcador de Posição de Conteúdo 4">
             <a:extLst>
               <a:ext uri="{FF2B5EF4-FFF2-40B4-BE49-F238E27FC236}">
-                <a16:creationId xmlns="" xmlns:a16="http://schemas.microsoft.com/office/drawing/2014/main" id="{F1769B30-170E-4C01-97F9-B5AB4D72996F}"/>
+                <a16:creationId xmlns:a16="http://schemas.microsoft.com/office/drawing/2014/main" id="{F1769B30-170E-4C01-97F9-B5AB4D72996F}"/>
               </a:ext>
             </a:extLst>
           </p:cNvPr>
@@ -27334,7 +29045,7 @@
             <p:ph idx="1"/>
             <p:extLst>
               <p:ext uri="{D42A27DB-BD31-4B8C-83A1-F6EECF244321}">
-                <p14:modId xmlns="" xmlns:p14="http://schemas.microsoft.com/office/powerpoint/2010/main" val="470110617"/>
+                <p14:modId xmlns:p14="http://schemas.microsoft.com/office/powerpoint/2010/main" val="470110617"/>
               </p:ext>
             </p:extLst>
           </p:nvPr>
@@ -27373,17 +29084,61 @@
           <a:p>
             <a:pPr algn="ctr"/>
             <a:r>
-              <a:rPr lang="pt-PT" dirty="0" smtClean="0"/>
-              <a:t>Figura 15 – Velocidade média de compressão de todos os algoritmos</a:t>
+              <a:rPr lang="pt-PT" dirty="0"/>
+              <a:t>Figura 16 – Velocidade média de compressão de todos os algoritmos</a:t>
             </a:r>
-            <a:endParaRPr lang="pt-PT" dirty="0"/>
+          </a:p>
+        </p:txBody>
+      </p:sp>
+      <p:sp>
+        <p:nvSpPr>
+          <p:cNvPr id="4" name="CaixaDeTexto 3">
+            <a:extLst>
+              <a:ext uri="{FF2B5EF4-FFF2-40B4-BE49-F238E27FC236}">
+                <a16:creationId xmlns:a16="http://schemas.microsoft.com/office/drawing/2014/main" id="{168A2FFF-D709-4CD1-8D2F-5D29EEB35DD0}"/>
+              </a:ext>
+            </a:extLst>
+          </p:cNvPr>
+          <p:cNvSpPr txBox="1"/>
+          <p:nvPr/>
+        </p:nvSpPr>
+        <p:spPr>
+          <a:xfrm>
+            <a:off x="1475656" y="2492896"/>
+            <a:ext cx="432048" cy="246221"/>
+          </a:xfrm>
+          <a:prstGeom prst="rect">
+            <a:avLst/>
+          </a:prstGeom>
+          <a:solidFill>
+            <a:schemeClr val="bg1"/>
+          </a:solidFill>
+        </p:spPr>
+        <p:txBody>
+          <a:bodyPr wrap="square" rtlCol="0">
+            <a:spAutoFit/>
+          </a:bodyPr>
+          <a:lstStyle/>
+          <a:p>
+            <a:pPr algn="ctr"/>
+            <a:r>
+              <a:rPr lang="pt-PT" sz="1000" dirty="0">
+                <a:solidFill>
+                  <a:schemeClr val="tx1">
+                    <a:lumMod val="65000"/>
+                    <a:lumOff val="35000"/>
+                  </a:schemeClr>
+                </a:solidFill>
+              </a:rPr>
+              <a:t>N/D</a:t>
+            </a:r>
           </a:p>
         </p:txBody>
       </p:sp>
     </p:spTree>
     <p:extLst>
       <p:ext uri="{BB962C8B-B14F-4D97-AF65-F5344CB8AC3E}">
-        <p14:creationId xmlns="" xmlns:p14="http://schemas.microsoft.com/office/powerpoint/2010/main" val="748666507"/>
+        <p14:creationId xmlns:p14="http://schemas.microsoft.com/office/powerpoint/2010/main" val="748666507"/>
       </p:ext>
     </p:extLst>
   </p:cSld>
@@ -27415,7 +29170,7 @@
           <p:cNvPr id="4" name="Marcador de Posição de Conteúdo 3">
             <a:extLst>
               <a:ext uri="{FF2B5EF4-FFF2-40B4-BE49-F238E27FC236}">
-                <a16:creationId xmlns="" xmlns:a16="http://schemas.microsoft.com/office/drawing/2014/main" id="{BF54970B-912B-446C-B64A-D4BF8257992B}"/>
+                <a16:creationId xmlns:a16="http://schemas.microsoft.com/office/drawing/2014/main" id="{BF54970B-912B-446C-B64A-D4BF8257992B}"/>
               </a:ext>
             </a:extLst>
           </p:cNvPr>
@@ -27426,7 +29181,7 @@
             <p:ph idx="1"/>
             <p:extLst>
               <p:ext uri="{D42A27DB-BD31-4B8C-83A1-F6EECF244321}">
-                <p14:modId xmlns="" xmlns:p14="http://schemas.microsoft.com/office/powerpoint/2010/main" val="3104962811"/>
+                <p14:modId xmlns:p14="http://schemas.microsoft.com/office/powerpoint/2010/main" val="3104962811"/>
               </p:ext>
             </p:extLst>
           </p:nvPr>
@@ -27465,17 +29220,61 @@
           <a:p>
             <a:pPr algn="ctr"/>
             <a:r>
-              <a:rPr lang="pt-PT" dirty="0" smtClean="0"/>
-              <a:t>Figura 16 – Velocidade média de descompressão de todos os algoritmos</a:t>
+              <a:rPr lang="pt-PT" dirty="0"/>
+              <a:t>Figura 17 – Velocidade média de descompressão de todos os algoritmos</a:t>
             </a:r>
-            <a:endParaRPr lang="pt-PT" dirty="0"/>
+          </a:p>
+        </p:txBody>
+      </p:sp>
+      <p:sp>
+        <p:nvSpPr>
+          <p:cNvPr id="5" name="CaixaDeTexto 4">
+            <a:extLst>
+              <a:ext uri="{FF2B5EF4-FFF2-40B4-BE49-F238E27FC236}">
+                <a16:creationId xmlns:a16="http://schemas.microsoft.com/office/drawing/2014/main" id="{6FEE4052-1FEF-458A-91CE-652A1E0F11BD}"/>
+              </a:ext>
+            </a:extLst>
+          </p:cNvPr>
+          <p:cNvSpPr txBox="1"/>
+          <p:nvPr/>
+        </p:nvSpPr>
+        <p:spPr>
+          <a:xfrm>
+            <a:off x="1475656" y="2492896"/>
+            <a:ext cx="432048" cy="246221"/>
+          </a:xfrm>
+          <a:prstGeom prst="rect">
+            <a:avLst/>
+          </a:prstGeom>
+          <a:solidFill>
+            <a:schemeClr val="bg1"/>
+          </a:solidFill>
+        </p:spPr>
+        <p:txBody>
+          <a:bodyPr wrap="square" rtlCol="0">
+            <a:spAutoFit/>
+          </a:bodyPr>
+          <a:lstStyle/>
+          <a:p>
+            <a:pPr algn="ctr"/>
+            <a:r>
+              <a:rPr lang="pt-PT" sz="1000" dirty="0">
+                <a:solidFill>
+                  <a:schemeClr val="tx1">
+                    <a:lumMod val="65000"/>
+                    <a:lumOff val="35000"/>
+                  </a:schemeClr>
+                </a:solidFill>
+              </a:rPr>
+              <a:t>N/D</a:t>
+            </a:r>
           </a:p>
         </p:txBody>
       </p:sp>
     </p:spTree>
     <p:extLst>
       <p:ext uri="{BB962C8B-B14F-4D97-AF65-F5344CB8AC3E}">
-        <p14:creationId xmlns="" xmlns:p14="http://schemas.microsoft.com/office/powerpoint/2010/main" val="3603114312"/>
+        <p14:creationId xmlns:p14="http://schemas.microsoft.com/office/powerpoint/2010/main" val="3603114312"/>
       </p:ext>
     </p:extLst>
   </p:cSld>
@@ -27537,7 +29336,7 @@
           <p:cNvPr id="7" name="Marcador de Posição de Conteúdo 6">
             <a:extLst>
               <a:ext uri="{FF2B5EF4-FFF2-40B4-BE49-F238E27FC236}">
-                <a16:creationId xmlns="" xmlns:a16="http://schemas.microsoft.com/office/drawing/2014/main" id="{F1C3C96A-7EA7-448A-95DC-E8C965537E74}"/>
+                <a16:creationId xmlns:a16="http://schemas.microsoft.com/office/drawing/2014/main" id="{F1C3C96A-7EA7-448A-95DC-E8C965537E74}"/>
               </a:ext>
             </a:extLst>
           </p:cNvPr>
@@ -27548,7 +29347,7 @@
             <p:ph idx="1"/>
             <p:extLst>
               <p:ext uri="{D42A27DB-BD31-4B8C-83A1-F6EECF244321}">
-                <p14:modId xmlns="" xmlns:p14="http://schemas.microsoft.com/office/powerpoint/2010/main" val="884974184"/>
+                <p14:modId xmlns:p14="http://schemas.microsoft.com/office/powerpoint/2010/main" val="884974184"/>
               </p:ext>
             </p:extLst>
           </p:nvPr>
@@ -27568,7 +29367,7 @@
           <p:cNvPr id="8" name="CaixaDeTexto 7">
             <a:extLst>
               <a:ext uri="{FF2B5EF4-FFF2-40B4-BE49-F238E27FC236}">
-                <a16:creationId xmlns="" xmlns:a16="http://schemas.microsoft.com/office/drawing/2014/main" id="{FD3EDC28-4E6B-40B4-B811-4ACE3E528CEB}"/>
+                <a16:creationId xmlns:a16="http://schemas.microsoft.com/office/drawing/2014/main" id="{FD3EDC28-4E6B-40B4-B811-4ACE3E528CEB}"/>
               </a:ext>
             </a:extLst>
           </p:cNvPr>
@@ -27621,7 +29420,7 @@
           <p:cNvPr id="9" name="CaixaDeTexto 8">
             <a:extLst>
               <a:ext uri="{FF2B5EF4-FFF2-40B4-BE49-F238E27FC236}">
-                <a16:creationId xmlns="" xmlns:a16="http://schemas.microsoft.com/office/drawing/2014/main" id="{DDDD25B7-919E-4EC9-A3A3-1B6A92C82AC8}"/>
+                <a16:creationId xmlns:a16="http://schemas.microsoft.com/office/drawing/2014/main" id="{DDDD25B7-919E-4EC9-A3A3-1B6A92C82AC8}"/>
               </a:ext>
             </a:extLst>
           </p:cNvPr>
@@ -27674,7 +29473,7 @@
           <p:cNvPr id="10" name="CaixaDeTexto 9">
             <a:extLst>
               <a:ext uri="{FF2B5EF4-FFF2-40B4-BE49-F238E27FC236}">
-                <a16:creationId xmlns="" xmlns:a16="http://schemas.microsoft.com/office/drawing/2014/main" id="{BA5C7190-A430-4B23-A1EF-9FDDA2D6F729}"/>
+                <a16:creationId xmlns:a16="http://schemas.microsoft.com/office/drawing/2014/main" id="{BA5C7190-A430-4B23-A1EF-9FDDA2D6F729}"/>
               </a:ext>
             </a:extLst>
           </p:cNvPr>
@@ -27727,7 +29526,7 @@
           <p:cNvPr id="11" name="CaixaDeTexto 10">
             <a:extLst>
               <a:ext uri="{FF2B5EF4-FFF2-40B4-BE49-F238E27FC236}">
-                <a16:creationId xmlns="" xmlns:a16="http://schemas.microsoft.com/office/drawing/2014/main" id="{FBD5A858-BD73-44C6-B9C4-D6704478D5A6}"/>
+                <a16:creationId xmlns:a16="http://schemas.microsoft.com/office/drawing/2014/main" id="{FBD5A858-BD73-44C6-B9C4-D6704478D5A6}"/>
               </a:ext>
             </a:extLst>
           </p:cNvPr>
@@ -27805,7 +29604,7 @@
           <p:cNvPr id="4" name="Marcador de Posição de Conteúdo 3">
             <a:extLst>
               <a:ext uri="{FF2B5EF4-FFF2-40B4-BE49-F238E27FC236}">
-                <a16:creationId xmlns="" xmlns:a16="http://schemas.microsoft.com/office/drawing/2014/main" id="{80BCB2C2-B3D7-42A7-BBEB-DA1DF190E1B1}"/>
+                <a16:creationId xmlns:a16="http://schemas.microsoft.com/office/drawing/2014/main" id="{80BCB2C2-B3D7-42A7-BBEB-DA1DF190E1B1}"/>
               </a:ext>
             </a:extLst>
           </p:cNvPr>
@@ -27816,7 +29615,7 @@
             <p:ph idx="1"/>
             <p:extLst>
               <p:ext uri="{D42A27DB-BD31-4B8C-83A1-F6EECF244321}">
-                <p14:modId xmlns="" xmlns:p14="http://schemas.microsoft.com/office/powerpoint/2010/main" val="3156271480"/>
+                <p14:modId xmlns:p14="http://schemas.microsoft.com/office/powerpoint/2010/main" val="3156271480"/>
               </p:ext>
             </p:extLst>
           </p:nvPr>
@@ -27855,17 +29654,61 @@
           <a:p>
             <a:pPr algn="ctr"/>
             <a:r>
-              <a:rPr lang="pt-PT" dirty="0" smtClean="0"/>
-              <a:t>Figura 17 – Velocidade total média de todos os algoritmos</a:t>
+              <a:rPr lang="pt-PT" dirty="0"/>
+              <a:t>Figura 18 – Velocidade total média de todos os algoritmos</a:t>
             </a:r>
-            <a:endParaRPr lang="pt-PT" dirty="0"/>
+          </a:p>
+        </p:txBody>
+      </p:sp>
+      <p:sp>
+        <p:nvSpPr>
+          <p:cNvPr id="5" name="CaixaDeTexto 4">
+            <a:extLst>
+              <a:ext uri="{FF2B5EF4-FFF2-40B4-BE49-F238E27FC236}">
+                <a16:creationId xmlns:a16="http://schemas.microsoft.com/office/drawing/2014/main" id="{319D644A-B703-482E-AB98-8426103DD09B}"/>
+              </a:ext>
+            </a:extLst>
+          </p:cNvPr>
+          <p:cNvSpPr txBox="1"/>
+          <p:nvPr/>
+        </p:nvSpPr>
+        <p:spPr>
+          <a:xfrm>
+            <a:off x="1475656" y="2492896"/>
+            <a:ext cx="432048" cy="246221"/>
+          </a:xfrm>
+          <a:prstGeom prst="rect">
+            <a:avLst/>
+          </a:prstGeom>
+          <a:solidFill>
+            <a:schemeClr val="bg1"/>
+          </a:solidFill>
+        </p:spPr>
+        <p:txBody>
+          <a:bodyPr wrap="square" rtlCol="0">
+            <a:spAutoFit/>
+          </a:bodyPr>
+          <a:lstStyle/>
+          <a:p>
+            <a:pPr algn="ctr"/>
+            <a:r>
+              <a:rPr lang="pt-PT" sz="1000" dirty="0">
+                <a:solidFill>
+                  <a:schemeClr val="tx1">
+                    <a:lumMod val="65000"/>
+                    <a:lumOff val="35000"/>
+                  </a:schemeClr>
+                </a:solidFill>
+              </a:rPr>
+              <a:t>N/D</a:t>
+            </a:r>
           </a:p>
         </p:txBody>
       </p:sp>
     </p:spTree>
     <p:extLst>
       <p:ext uri="{BB962C8B-B14F-4D97-AF65-F5344CB8AC3E}">
-        <p14:creationId xmlns="" xmlns:p14="http://schemas.microsoft.com/office/powerpoint/2010/main" val="804293094"/>
+        <p14:creationId xmlns:p14="http://schemas.microsoft.com/office/powerpoint/2010/main" val="804293094"/>
       </p:ext>
     </p:extLst>
   </p:cSld>
@@ -27927,7 +29770,7 @@
           <p:cNvPr id="6" name="CaixaDeTexto 5">
             <a:extLst>
               <a:ext uri="{FF2B5EF4-FFF2-40B4-BE49-F238E27FC236}">
-                <a16:creationId xmlns="" xmlns:a16="http://schemas.microsoft.com/office/drawing/2014/main" id="{5870344C-C64C-4E8A-867A-FD892E0C29DD}"/>
+                <a16:creationId xmlns:a16="http://schemas.microsoft.com/office/drawing/2014/main" id="{5870344C-C64C-4E8A-867A-FD892E0C29DD}"/>
               </a:ext>
             </a:extLst>
           </p:cNvPr>
@@ -27980,7 +29823,7 @@
           <p:cNvPr id="7" name="Marcador de Posição de Conteúdo 6">
             <a:extLst>
               <a:ext uri="{FF2B5EF4-FFF2-40B4-BE49-F238E27FC236}">
-                <a16:creationId xmlns="" xmlns:a16="http://schemas.microsoft.com/office/drawing/2014/main" id="{D179913A-1725-433B-9FA5-D9223E6DD9C1}"/>
+                <a16:creationId xmlns:a16="http://schemas.microsoft.com/office/drawing/2014/main" id="{D179913A-1725-433B-9FA5-D9223E6DD9C1}"/>
               </a:ext>
             </a:extLst>
           </p:cNvPr>
@@ -27991,7 +29834,7 @@
             <p:ph idx="1"/>
             <p:extLst>
               <p:ext uri="{D42A27DB-BD31-4B8C-83A1-F6EECF244321}">
-                <p14:modId xmlns="" xmlns:p14="http://schemas.microsoft.com/office/powerpoint/2010/main" val="2169694937"/>
+                <p14:modId xmlns:p14="http://schemas.microsoft.com/office/powerpoint/2010/main" val="2442733054"/>
               </p:ext>
             </p:extLst>
           </p:nvPr>
@@ -28011,7 +29854,7 @@
           <p:cNvPr id="8" name="CaixaDeTexto 7">
             <a:extLst>
               <a:ext uri="{FF2B5EF4-FFF2-40B4-BE49-F238E27FC236}">
-                <a16:creationId xmlns="" xmlns:a16="http://schemas.microsoft.com/office/drawing/2014/main" id="{F25EB4B5-7E3B-430B-94D6-44507A08ABBF}"/>
+                <a16:creationId xmlns:a16="http://schemas.microsoft.com/office/drawing/2014/main" id="{F25EB4B5-7E3B-430B-94D6-44507A08ABBF}"/>
               </a:ext>
             </a:extLst>
           </p:cNvPr>
@@ -28064,7 +29907,7 @@
           <p:cNvPr id="9" name="CaixaDeTexto 8">
             <a:extLst>
               <a:ext uri="{FF2B5EF4-FFF2-40B4-BE49-F238E27FC236}">
-                <a16:creationId xmlns="" xmlns:a16="http://schemas.microsoft.com/office/drawing/2014/main" id="{E5EDFA8F-4109-44B8-A4F9-F9C3EDD6C6F9}"/>
+                <a16:creationId xmlns:a16="http://schemas.microsoft.com/office/drawing/2014/main" id="{E5EDFA8F-4109-44B8-A4F9-F9C3EDD6C6F9}"/>
               </a:ext>
             </a:extLst>
           </p:cNvPr>
@@ -28117,7 +29960,7 @@
           <p:cNvPr id="10" name="CaixaDeTexto 9">
             <a:extLst>
               <a:ext uri="{FF2B5EF4-FFF2-40B4-BE49-F238E27FC236}">
-                <a16:creationId xmlns="" xmlns:a16="http://schemas.microsoft.com/office/drawing/2014/main" id="{4347C280-ED3B-43B6-B433-85A10ADEDF8B}"/>
+                <a16:creationId xmlns:a16="http://schemas.microsoft.com/office/drawing/2014/main" id="{4347C280-ED3B-43B6-B433-85A10ADEDF8B}"/>
               </a:ext>
             </a:extLst>
           </p:cNvPr>
@@ -28161,6 +30004,231 @@
                 </a:solidFill>
               </a:rPr>
               <a:t>. 9</a:t>
+            </a:r>
+          </a:p>
+        </p:txBody>
+      </p:sp>
+      <p:sp>
+        <p:nvSpPr>
+          <p:cNvPr id="16" name="CaixaDeTexto 15">
+            <a:extLst>
+              <a:ext uri="{FF2B5EF4-FFF2-40B4-BE49-F238E27FC236}">
+                <a16:creationId xmlns:a16="http://schemas.microsoft.com/office/drawing/2014/main" id="{58DC83D6-C891-4494-91CC-21867F9C0D87}"/>
+              </a:ext>
+            </a:extLst>
+          </p:cNvPr>
+          <p:cNvSpPr txBox="1"/>
+          <p:nvPr/>
+        </p:nvSpPr>
+        <p:spPr>
+          <a:xfrm>
+            <a:off x="6228184" y="3842682"/>
+            <a:ext cx="404780" cy="144000"/>
+          </a:xfrm>
+          <a:prstGeom prst="rect">
+            <a:avLst/>
+          </a:prstGeom>
+          <a:solidFill>
+            <a:schemeClr val="bg1"/>
+          </a:solidFill>
+        </p:spPr>
+        <p:txBody>
+          <a:bodyPr wrap="square" rtlCol="0">
+            <a:spAutoFit/>
+          </a:bodyPr>
+          <a:lstStyle/>
+          <a:p>
+            <a:pPr algn="ctr"/>
+            <a:r>
+              <a:rPr lang="pt-PT" sz="700" dirty="0">
+                <a:solidFill>
+                  <a:schemeClr val="tx1">
+                    <a:lumMod val="65000"/>
+                    <a:lumOff val="35000"/>
+                  </a:schemeClr>
+                </a:solidFill>
+              </a:rPr>
+              <a:t>N/D</a:t>
+            </a:r>
+          </a:p>
+        </p:txBody>
+      </p:sp>
+      <p:sp>
+        <p:nvSpPr>
+          <p:cNvPr id="17" name="CaixaDeTexto 16">
+            <a:extLst>
+              <a:ext uri="{FF2B5EF4-FFF2-40B4-BE49-F238E27FC236}">
+                <a16:creationId xmlns:a16="http://schemas.microsoft.com/office/drawing/2014/main" id="{B5507CA1-B502-4DFB-8DCE-C279A4D757BD}"/>
+              </a:ext>
+            </a:extLst>
+          </p:cNvPr>
+          <p:cNvSpPr txBox="1"/>
+          <p:nvPr/>
+        </p:nvSpPr>
+        <p:spPr>
+          <a:xfrm>
+            <a:off x="6228184" y="4021033"/>
+            <a:ext cx="404780" cy="144000"/>
+          </a:xfrm>
+          <a:prstGeom prst="rect">
+            <a:avLst/>
+          </a:prstGeom>
+          <a:solidFill>
+            <a:schemeClr val="bg1"/>
+          </a:solidFill>
+        </p:spPr>
+        <p:txBody>
+          <a:bodyPr wrap="square" rtlCol="0">
+            <a:spAutoFit/>
+          </a:bodyPr>
+          <a:lstStyle/>
+          <a:p>
+            <a:pPr algn="ctr"/>
+            <a:r>
+              <a:rPr lang="pt-PT" sz="700" dirty="0">
+                <a:solidFill>
+                  <a:schemeClr val="tx1">
+                    <a:lumMod val="65000"/>
+                    <a:lumOff val="35000"/>
+                  </a:schemeClr>
+                </a:solidFill>
+              </a:rPr>
+              <a:t>N/D</a:t>
+            </a:r>
+          </a:p>
+        </p:txBody>
+      </p:sp>
+      <p:sp>
+        <p:nvSpPr>
+          <p:cNvPr id="18" name="CaixaDeTexto 17">
+            <a:extLst>
+              <a:ext uri="{FF2B5EF4-FFF2-40B4-BE49-F238E27FC236}">
+                <a16:creationId xmlns:a16="http://schemas.microsoft.com/office/drawing/2014/main" id="{74E64E8C-64B1-456B-BACC-FB45C94EC794}"/>
+              </a:ext>
+            </a:extLst>
+          </p:cNvPr>
+          <p:cNvSpPr txBox="1"/>
+          <p:nvPr/>
+        </p:nvSpPr>
+        <p:spPr>
+          <a:xfrm>
+            <a:off x="6228184" y="4216087"/>
+            <a:ext cx="404780" cy="144000"/>
+          </a:xfrm>
+          <a:prstGeom prst="rect">
+            <a:avLst/>
+          </a:prstGeom>
+          <a:solidFill>
+            <a:schemeClr val="bg1"/>
+          </a:solidFill>
+        </p:spPr>
+        <p:txBody>
+          <a:bodyPr wrap="square" rtlCol="0">
+            <a:spAutoFit/>
+          </a:bodyPr>
+          <a:lstStyle/>
+          <a:p>
+            <a:pPr algn="ctr"/>
+            <a:r>
+              <a:rPr lang="pt-PT" sz="700" dirty="0">
+                <a:solidFill>
+                  <a:schemeClr val="tx1">
+                    <a:lumMod val="65000"/>
+                    <a:lumOff val="35000"/>
+                  </a:schemeClr>
+                </a:solidFill>
+              </a:rPr>
+              <a:t>N/D</a:t>
+            </a:r>
+          </a:p>
+        </p:txBody>
+      </p:sp>
+      <p:sp>
+        <p:nvSpPr>
+          <p:cNvPr id="19" name="CaixaDeTexto 18">
+            <a:extLst>
+              <a:ext uri="{FF2B5EF4-FFF2-40B4-BE49-F238E27FC236}">
+                <a16:creationId xmlns:a16="http://schemas.microsoft.com/office/drawing/2014/main" id="{223C345D-F8BE-4042-8467-98C8397E7CEE}"/>
+              </a:ext>
+            </a:extLst>
+          </p:cNvPr>
+          <p:cNvSpPr txBox="1"/>
+          <p:nvPr/>
+        </p:nvSpPr>
+        <p:spPr>
+          <a:xfrm>
+            <a:off x="6228184" y="4401624"/>
+            <a:ext cx="404780" cy="144000"/>
+          </a:xfrm>
+          <a:prstGeom prst="rect">
+            <a:avLst/>
+          </a:prstGeom>
+          <a:solidFill>
+            <a:schemeClr val="bg1"/>
+          </a:solidFill>
+        </p:spPr>
+        <p:txBody>
+          <a:bodyPr wrap="square" rtlCol="0">
+            <a:spAutoFit/>
+          </a:bodyPr>
+          <a:lstStyle/>
+          <a:p>
+            <a:pPr algn="ctr"/>
+            <a:r>
+              <a:rPr lang="pt-PT" sz="700" dirty="0">
+                <a:solidFill>
+                  <a:schemeClr val="tx1">
+                    <a:lumMod val="65000"/>
+                    <a:lumOff val="35000"/>
+                  </a:schemeClr>
+                </a:solidFill>
+              </a:rPr>
+              <a:t>N/D</a:t>
+            </a:r>
+          </a:p>
+        </p:txBody>
+      </p:sp>
+      <p:sp>
+        <p:nvSpPr>
+          <p:cNvPr id="20" name="CaixaDeTexto 19">
+            <a:extLst>
+              <a:ext uri="{FF2B5EF4-FFF2-40B4-BE49-F238E27FC236}">
+                <a16:creationId xmlns:a16="http://schemas.microsoft.com/office/drawing/2014/main" id="{0687F11A-EE98-4F4B-B22B-A8A5242C285D}"/>
+              </a:ext>
+            </a:extLst>
+          </p:cNvPr>
+          <p:cNvSpPr txBox="1"/>
+          <p:nvPr/>
+        </p:nvSpPr>
+        <p:spPr>
+          <a:xfrm>
+            <a:off x="6221588" y="4581468"/>
+            <a:ext cx="404780" cy="144000"/>
+          </a:xfrm>
+          <a:prstGeom prst="rect">
+            <a:avLst/>
+          </a:prstGeom>
+          <a:solidFill>
+            <a:schemeClr val="bg1"/>
+          </a:solidFill>
+        </p:spPr>
+        <p:txBody>
+          <a:bodyPr wrap="square" rtlCol="0">
+            <a:spAutoFit/>
+          </a:bodyPr>
+          <a:lstStyle/>
+          <a:p>
+            <a:pPr algn="ctr"/>
+            <a:r>
+              <a:rPr lang="pt-PT" sz="700" dirty="0">
+                <a:solidFill>
+                  <a:schemeClr val="tx1">
+                    <a:lumMod val="65000"/>
+                    <a:lumOff val="35000"/>
+                  </a:schemeClr>
+                </a:solidFill>
+              </a:rPr>
+              <a:t>N/D</a:t>
             </a:r>
           </a:p>
         </p:txBody>
@@ -28225,7 +30293,7 @@
           <p:cNvPr id="6" name="Marcador de Posição de Conteúdo 5">
             <a:extLst>
               <a:ext uri="{FF2B5EF4-FFF2-40B4-BE49-F238E27FC236}">
-                <a16:creationId xmlns="" xmlns:a16="http://schemas.microsoft.com/office/drawing/2014/main" id="{C5FF8952-2B9F-44EA-A47C-E51E45773827}"/>
+                <a16:creationId xmlns:a16="http://schemas.microsoft.com/office/drawing/2014/main" id="{C5FF8952-2B9F-44EA-A47C-E51E45773827}"/>
               </a:ext>
             </a:extLst>
           </p:cNvPr>
@@ -28236,7 +30304,7 @@
             <p:ph idx="1"/>
             <p:extLst>
               <p:ext uri="{D42A27DB-BD31-4B8C-83A1-F6EECF244321}">
-                <p14:modId xmlns="" xmlns:p14="http://schemas.microsoft.com/office/powerpoint/2010/main" val="1472418342"/>
+                <p14:modId xmlns:p14="http://schemas.microsoft.com/office/powerpoint/2010/main" val="4107609321"/>
               </p:ext>
             </p:extLst>
           </p:nvPr>
@@ -28256,7 +30324,7 @@
           <p:cNvPr id="7" name="CaixaDeTexto 6">
             <a:extLst>
               <a:ext uri="{FF2B5EF4-FFF2-40B4-BE49-F238E27FC236}">
-                <a16:creationId xmlns="" xmlns:a16="http://schemas.microsoft.com/office/drawing/2014/main" id="{187D22F3-8904-4BF0-BF8D-89C9EBBF6149}"/>
+                <a16:creationId xmlns:a16="http://schemas.microsoft.com/office/drawing/2014/main" id="{187D22F3-8904-4BF0-BF8D-89C9EBBF6149}"/>
               </a:ext>
             </a:extLst>
           </p:cNvPr>
@@ -28309,7 +30377,7 @@
           <p:cNvPr id="8" name="CaixaDeTexto 7">
             <a:extLst>
               <a:ext uri="{FF2B5EF4-FFF2-40B4-BE49-F238E27FC236}">
-                <a16:creationId xmlns="" xmlns:a16="http://schemas.microsoft.com/office/drawing/2014/main" id="{A1F57BEC-B2B0-40E6-A38F-DA55273CBC1F}"/>
+                <a16:creationId xmlns:a16="http://schemas.microsoft.com/office/drawing/2014/main" id="{A1F57BEC-B2B0-40E6-A38F-DA55273CBC1F}"/>
               </a:ext>
             </a:extLst>
           </p:cNvPr>
@@ -28362,7 +30430,7 @@
           <p:cNvPr id="9" name="CaixaDeTexto 8">
             <a:extLst>
               <a:ext uri="{FF2B5EF4-FFF2-40B4-BE49-F238E27FC236}">
-                <a16:creationId xmlns="" xmlns:a16="http://schemas.microsoft.com/office/drawing/2014/main" id="{0246E122-B446-4C67-ABD0-5C14CB906ACF}"/>
+                <a16:creationId xmlns:a16="http://schemas.microsoft.com/office/drawing/2014/main" id="{0246E122-B446-4C67-ABD0-5C14CB906ACF}"/>
               </a:ext>
             </a:extLst>
           </p:cNvPr>
@@ -28415,7 +30483,7 @@
           <p:cNvPr id="10" name="CaixaDeTexto 9">
             <a:extLst>
               <a:ext uri="{FF2B5EF4-FFF2-40B4-BE49-F238E27FC236}">
-                <a16:creationId xmlns="" xmlns:a16="http://schemas.microsoft.com/office/drawing/2014/main" id="{065159E3-F126-45B3-8F7F-E0F906111C4B}"/>
+                <a16:creationId xmlns:a16="http://schemas.microsoft.com/office/drawing/2014/main" id="{065159E3-F126-45B3-8F7F-E0F906111C4B}"/>
               </a:ext>
             </a:extLst>
           </p:cNvPr>
@@ -28459,6 +30527,231 @@
                 </a:solidFill>
               </a:rPr>
               <a:t>. 10</a:t>
+            </a:r>
+          </a:p>
+        </p:txBody>
+      </p:sp>
+      <p:sp>
+        <p:nvSpPr>
+          <p:cNvPr id="2" name="CaixaDeTexto 1">
+            <a:extLst>
+              <a:ext uri="{FF2B5EF4-FFF2-40B4-BE49-F238E27FC236}">
+                <a16:creationId xmlns:a16="http://schemas.microsoft.com/office/drawing/2014/main" id="{1005A096-21EF-4647-9261-F8FCBB484B77}"/>
+              </a:ext>
+            </a:extLst>
+          </p:cNvPr>
+          <p:cNvSpPr txBox="1"/>
+          <p:nvPr/>
+        </p:nvSpPr>
+        <p:spPr>
+          <a:xfrm>
+            <a:off x="5922150" y="3263068"/>
+            <a:ext cx="1080120" cy="307777"/>
+          </a:xfrm>
+          <a:prstGeom prst="rect">
+            <a:avLst/>
+          </a:prstGeom>
+          <a:solidFill>
+            <a:schemeClr val="bg1"/>
+          </a:solidFill>
+        </p:spPr>
+        <p:txBody>
+          <a:bodyPr wrap="square" rtlCol="0">
+            <a:spAutoFit/>
+          </a:bodyPr>
+          <a:lstStyle/>
+          <a:p>
+            <a:pPr algn="ctr"/>
+            <a:r>
+              <a:rPr lang="pt-PT" sz="1400" dirty="0">
+                <a:solidFill>
+                  <a:schemeClr val="tx1">
+                    <a:lumMod val="65000"/>
+                    <a:lumOff val="35000"/>
+                  </a:schemeClr>
+                </a:solidFill>
+              </a:rPr>
+              <a:t>N/D</a:t>
+            </a:r>
+          </a:p>
+        </p:txBody>
+      </p:sp>
+      <p:sp>
+        <p:nvSpPr>
+          <p:cNvPr id="16" name="CaixaDeTexto 15">
+            <a:extLst>
+              <a:ext uri="{FF2B5EF4-FFF2-40B4-BE49-F238E27FC236}">
+                <a16:creationId xmlns:a16="http://schemas.microsoft.com/office/drawing/2014/main" id="{D202725E-F0AD-4657-A7F4-D9862561EE2B}"/>
+              </a:ext>
+            </a:extLst>
+          </p:cNvPr>
+          <p:cNvSpPr txBox="1"/>
+          <p:nvPr/>
+        </p:nvSpPr>
+        <p:spPr>
+          <a:xfrm>
+            <a:off x="6259820" y="4132934"/>
+            <a:ext cx="404780" cy="144000"/>
+          </a:xfrm>
+          <a:prstGeom prst="rect">
+            <a:avLst/>
+          </a:prstGeom>
+          <a:solidFill>
+            <a:schemeClr val="bg1"/>
+          </a:solidFill>
+        </p:spPr>
+        <p:txBody>
+          <a:bodyPr wrap="square" rtlCol="0">
+            <a:spAutoFit/>
+          </a:bodyPr>
+          <a:lstStyle/>
+          <a:p>
+            <a:pPr algn="ctr"/>
+            <a:r>
+              <a:rPr lang="pt-PT" sz="700" dirty="0">
+                <a:solidFill>
+                  <a:schemeClr val="tx1">
+                    <a:lumMod val="65000"/>
+                    <a:lumOff val="35000"/>
+                  </a:schemeClr>
+                </a:solidFill>
+              </a:rPr>
+              <a:t>N/D</a:t>
+            </a:r>
+          </a:p>
+        </p:txBody>
+      </p:sp>
+      <p:sp>
+        <p:nvSpPr>
+          <p:cNvPr id="17" name="CaixaDeTexto 16">
+            <a:extLst>
+              <a:ext uri="{FF2B5EF4-FFF2-40B4-BE49-F238E27FC236}">
+                <a16:creationId xmlns:a16="http://schemas.microsoft.com/office/drawing/2014/main" id="{40A40BDF-561F-4A4F-9900-4B5C04C890BF}"/>
+              </a:ext>
+            </a:extLst>
+          </p:cNvPr>
+          <p:cNvSpPr txBox="1"/>
+          <p:nvPr/>
+        </p:nvSpPr>
+        <p:spPr>
+          <a:xfrm>
+            <a:off x="6259820" y="3948530"/>
+            <a:ext cx="404780" cy="144000"/>
+          </a:xfrm>
+          <a:prstGeom prst="rect">
+            <a:avLst/>
+          </a:prstGeom>
+          <a:solidFill>
+            <a:schemeClr val="bg1"/>
+          </a:solidFill>
+        </p:spPr>
+        <p:txBody>
+          <a:bodyPr wrap="square" rtlCol="0">
+            <a:spAutoFit/>
+          </a:bodyPr>
+          <a:lstStyle/>
+          <a:p>
+            <a:pPr algn="ctr"/>
+            <a:r>
+              <a:rPr lang="pt-PT" sz="700" dirty="0">
+                <a:solidFill>
+                  <a:schemeClr val="tx1">
+                    <a:lumMod val="65000"/>
+                    <a:lumOff val="35000"/>
+                  </a:schemeClr>
+                </a:solidFill>
+              </a:rPr>
+              <a:t>N/D</a:t>
+            </a:r>
+          </a:p>
+        </p:txBody>
+      </p:sp>
+      <p:sp>
+        <p:nvSpPr>
+          <p:cNvPr id="18" name="CaixaDeTexto 17">
+            <a:extLst>
+              <a:ext uri="{FF2B5EF4-FFF2-40B4-BE49-F238E27FC236}">
+                <a16:creationId xmlns:a16="http://schemas.microsoft.com/office/drawing/2014/main" id="{7404E62C-DD59-4F9D-8491-9216075D5BB4}"/>
+              </a:ext>
+            </a:extLst>
+          </p:cNvPr>
+          <p:cNvSpPr txBox="1"/>
+          <p:nvPr/>
+        </p:nvSpPr>
+        <p:spPr>
+          <a:xfrm>
+            <a:off x="6259820" y="4326215"/>
+            <a:ext cx="404780" cy="144000"/>
+          </a:xfrm>
+          <a:prstGeom prst="rect">
+            <a:avLst/>
+          </a:prstGeom>
+          <a:solidFill>
+            <a:schemeClr val="bg1"/>
+          </a:solidFill>
+        </p:spPr>
+        <p:txBody>
+          <a:bodyPr wrap="square" rtlCol="0">
+            <a:spAutoFit/>
+          </a:bodyPr>
+          <a:lstStyle/>
+          <a:p>
+            <a:pPr algn="ctr"/>
+            <a:r>
+              <a:rPr lang="pt-PT" sz="700" dirty="0">
+                <a:solidFill>
+                  <a:schemeClr val="tx1">
+                    <a:lumMod val="65000"/>
+                    <a:lumOff val="35000"/>
+                  </a:schemeClr>
+                </a:solidFill>
+              </a:rPr>
+              <a:t>N/D</a:t>
+            </a:r>
+          </a:p>
+        </p:txBody>
+      </p:sp>
+      <p:sp>
+        <p:nvSpPr>
+          <p:cNvPr id="19" name="CaixaDeTexto 18">
+            <a:extLst>
+              <a:ext uri="{FF2B5EF4-FFF2-40B4-BE49-F238E27FC236}">
+                <a16:creationId xmlns:a16="http://schemas.microsoft.com/office/drawing/2014/main" id="{BDB951BB-10A8-48FA-B1D1-568D722BD042}"/>
+              </a:ext>
+            </a:extLst>
+          </p:cNvPr>
+          <p:cNvSpPr txBox="1"/>
+          <p:nvPr/>
+        </p:nvSpPr>
+        <p:spPr>
+          <a:xfrm>
+            <a:off x="6259820" y="4519496"/>
+            <a:ext cx="404780" cy="144000"/>
+          </a:xfrm>
+          <a:prstGeom prst="rect">
+            <a:avLst/>
+          </a:prstGeom>
+          <a:solidFill>
+            <a:schemeClr val="bg1"/>
+          </a:solidFill>
+        </p:spPr>
+        <p:txBody>
+          <a:bodyPr wrap="square" rtlCol="0">
+            <a:spAutoFit/>
+          </a:bodyPr>
+          <a:lstStyle/>
+          <a:p>
+            <a:pPr algn="ctr"/>
+            <a:r>
+              <a:rPr lang="pt-PT" sz="700" dirty="0">
+                <a:solidFill>
+                  <a:schemeClr val="tx1">
+                    <a:lumMod val="65000"/>
+                    <a:lumOff val="35000"/>
+                  </a:schemeClr>
+                </a:solidFill>
+              </a:rPr>
+              <a:t>N/D</a:t>
             </a:r>
           </a:p>
         </p:txBody>
@@ -28523,7 +30816,7 @@
           <p:cNvPr id="5" name="CaixaDeTexto 2">
             <a:extLst>
               <a:ext uri="{FF2B5EF4-FFF2-40B4-BE49-F238E27FC236}">
-                <a16:creationId xmlns="" xmlns:a16="http://schemas.microsoft.com/office/drawing/2014/main" id="{7634EFC6-9C86-4CE8-A64E-64BAD93FAF91}"/>
+                <a16:creationId xmlns:a16="http://schemas.microsoft.com/office/drawing/2014/main" id="{7634EFC6-9C86-4CE8-A64E-64BAD93FAF91}"/>
               </a:ext>
             </a:extLst>
           </p:cNvPr>
@@ -28640,7 +30933,7 @@
           <p:cNvPr id="9" name="Marcador de Posição de Conteúdo 8">
             <a:extLst>
               <a:ext uri="{FF2B5EF4-FFF2-40B4-BE49-F238E27FC236}">
-                <a16:creationId xmlns="" xmlns:a16="http://schemas.microsoft.com/office/drawing/2014/main" id="{D02754CF-C562-4B92-807F-B2CA86C10B10}"/>
+                <a16:creationId xmlns:a16="http://schemas.microsoft.com/office/drawing/2014/main" id="{D02754CF-C562-4B92-807F-B2CA86C10B10}"/>
               </a:ext>
             </a:extLst>
           </p:cNvPr>
@@ -28651,7 +30944,7 @@
             <p:ph idx="1"/>
             <p:extLst>
               <p:ext uri="{D42A27DB-BD31-4B8C-83A1-F6EECF244321}">
-                <p14:modId xmlns="" xmlns:p14="http://schemas.microsoft.com/office/powerpoint/2010/main" val="3987888895"/>
+                <p14:modId xmlns:p14="http://schemas.microsoft.com/office/powerpoint/2010/main" val="2673512402"/>
               </p:ext>
             </p:extLst>
           </p:nvPr>
@@ -28671,7 +30964,7 @@
           <p:cNvPr id="10" name="CaixaDeTexto 9">
             <a:extLst>
               <a:ext uri="{FF2B5EF4-FFF2-40B4-BE49-F238E27FC236}">
-                <a16:creationId xmlns="" xmlns:a16="http://schemas.microsoft.com/office/drawing/2014/main" id="{2963C07F-1FFD-4BDF-8711-46FA3346BDFA}"/>
+                <a16:creationId xmlns:a16="http://schemas.microsoft.com/office/drawing/2014/main" id="{2963C07F-1FFD-4BDF-8711-46FA3346BDFA}"/>
               </a:ext>
             </a:extLst>
           </p:cNvPr>
@@ -28724,7 +31017,7 @@
           <p:cNvPr id="11" name="CaixaDeTexto 10">
             <a:extLst>
               <a:ext uri="{FF2B5EF4-FFF2-40B4-BE49-F238E27FC236}">
-                <a16:creationId xmlns="" xmlns:a16="http://schemas.microsoft.com/office/drawing/2014/main" id="{B288401D-41FB-4EFF-89AD-97E8AE3563D0}"/>
+                <a16:creationId xmlns:a16="http://schemas.microsoft.com/office/drawing/2014/main" id="{B288401D-41FB-4EFF-89AD-97E8AE3563D0}"/>
               </a:ext>
             </a:extLst>
           </p:cNvPr>
@@ -28777,7 +31070,7 @@
           <p:cNvPr id="12" name="CaixaDeTexto 11">
             <a:extLst>
               <a:ext uri="{FF2B5EF4-FFF2-40B4-BE49-F238E27FC236}">
-                <a16:creationId xmlns="" xmlns:a16="http://schemas.microsoft.com/office/drawing/2014/main" id="{72D704DD-A4C4-48F4-80BF-8720058823E0}"/>
+                <a16:creationId xmlns:a16="http://schemas.microsoft.com/office/drawing/2014/main" id="{72D704DD-A4C4-48F4-80BF-8720058823E0}"/>
               </a:ext>
             </a:extLst>
           </p:cNvPr>
@@ -28821,6 +31114,186 @@
                 </a:solidFill>
               </a:rPr>
               <a:t>. 10</a:t>
+            </a:r>
+          </a:p>
+        </p:txBody>
+      </p:sp>
+      <p:sp>
+        <p:nvSpPr>
+          <p:cNvPr id="8" name="CaixaDeTexto 7">
+            <a:extLst>
+              <a:ext uri="{FF2B5EF4-FFF2-40B4-BE49-F238E27FC236}">
+                <a16:creationId xmlns:a16="http://schemas.microsoft.com/office/drawing/2014/main" id="{D4D68BA6-CF8E-446F-A776-26897876587E}"/>
+              </a:ext>
+            </a:extLst>
+          </p:cNvPr>
+          <p:cNvSpPr txBox="1"/>
+          <p:nvPr/>
+        </p:nvSpPr>
+        <p:spPr>
+          <a:xfrm>
+            <a:off x="6300192" y="3767798"/>
+            <a:ext cx="404780" cy="144000"/>
+          </a:xfrm>
+          <a:prstGeom prst="rect">
+            <a:avLst/>
+          </a:prstGeom>
+          <a:solidFill>
+            <a:schemeClr val="bg1"/>
+          </a:solidFill>
+        </p:spPr>
+        <p:txBody>
+          <a:bodyPr wrap="square" rtlCol="0">
+            <a:spAutoFit/>
+          </a:bodyPr>
+          <a:lstStyle/>
+          <a:p>
+            <a:pPr algn="ctr"/>
+            <a:r>
+              <a:rPr lang="pt-PT" sz="700" dirty="0">
+                <a:solidFill>
+                  <a:schemeClr val="tx1">
+                    <a:lumMod val="65000"/>
+                    <a:lumOff val="35000"/>
+                  </a:schemeClr>
+                </a:solidFill>
+              </a:rPr>
+              <a:t>N/D</a:t>
+            </a:r>
+          </a:p>
+        </p:txBody>
+      </p:sp>
+      <p:sp>
+        <p:nvSpPr>
+          <p:cNvPr id="17" name="CaixaDeTexto 16">
+            <a:extLst>
+              <a:ext uri="{FF2B5EF4-FFF2-40B4-BE49-F238E27FC236}">
+                <a16:creationId xmlns:a16="http://schemas.microsoft.com/office/drawing/2014/main" id="{6E3672B1-A6F5-47B3-AA17-AC6FF33848FF}"/>
+              </a:ext>
+            </a:extLst>
+          </p:cNvPr>
+          <p:cNvSpPr txBox="1"/>
+          <p:nvPr/>
+        </p:nvSpPr>
+        <p:spPr>
+          <a:xfrm>
+            <a:off x="5940152" y="3215625"/>
+            <a:ext cx="1080120" cy="307777"/>
+          </a:xfrm>
+          <a:prstGeom prst="rect">
+            <a:avLst/>
+          </a:prstGeom>
+          <a:solidFill>
+            <a:schemeClr val="bg1"/>
+          </a:solidFill>
+        </p:spPr>
+        <p:txBody>
+          <a:bodyPr wrap="square" rtlCol="0">
+            <a:spAutoFit/>
+          </a:bodyPr>
+          <a:lstStyle/>
+          <a:p>
+            <a:pPr algn="ctr"/>
+            <a:r>
+              <a:rPr lang="pt-PT" sz="1400" dirty="0">
+                <a:solidFill>
+                  <a:schemeClr val="tx1">
+                    <a:lumMod val="65000"/>
+                    <a:lumOff val="35000"/>
+                  </a:schemeClr>
+                </a:solidFill>
+              </a:rPr>
+              <a:t>N/A</a:t>
+            </a:r>
+          </a:p>
+        </p:txBody>
+      </p:sp>
+      <p:sp>
+        <p:nvSpPr>
+          <p:cNvPr id="20" name="CaixaDeTexto 19">
+            <a:extLst>
+              <a:ext uri="{FF2B5EF4-FFF2-40B4-BE49-F238E27FC236}">
+                <a16:creationId xmlns:a16="http://schemas.microsoft.com/office/drawing/2014/main" id="{B212E598-AAAA-45A4-A0CF-A096139C6263}"/>
+              </a:ext>
+            </a:extLst>
+          </p:cNvPr>
+          <p:cNvSpPr txBox="1"/>
+          <p:nvPr/>
+        </p:nvSpPr>
+        <p:spPr>
+          <a:xfrm>
+            <a:off x="6300192" y="4136162"/>
+            <a:ext cx="404780" cy="144000"/>
+          </a:xfrm>
+          <a:prstGeom prst="rect">
+            <a:avLst/>
+          </a:prstGeom>
+          <a:solidFill>
+            <a:schemeClr val="bg1"/>
+          </a:solidFill>
+        </p:spPr>
+        <p:txBody>
+          <a:bodyPr wrap="square" rtlCol="0">
+            <a:spAutoFit/>
+          </a:bodyPr>
+          <a:lstStyle/>
+          <a:p>
+            <a:pPr algn="ctr"/>
+            <a:r>
+              <a:rPr lang="pt-PT" sz="700" dirty="0">
+                <a:solidFill>
+                  <a:schemeClr val="tx1">
+                    <a:lumMod val="65000"/>
+                    <a:lumOff val="35000"/>
+                  </a:schemeClr>
+                </a:solidFill>
+              </a:rPr>
+              <a:t>N/D</a:t>
+            </a:r>
+          </a:p>
+        </p:txBody>
+      </p:sp>
+      <p:sp>
+        <p:nvSpPr>
+          <p:cNvPr id="21" name="CaixaDeTexto 20">
+            <a:extLst>
+              <a:ext uri="{FF2B5EF4-FFF2-40B4-BE49-F238E27FC236}">
+                <a16:creationId xmlns:a16="http://schemas.microsoft.com/office/drawing/2014/main" id="{AA419B19-15F1-46EC-9805-E0DAB6DBF692}"/>
+              </a:ext>
+            </a:extLst>
+          </p:cNvPr>
+          <p:cNvSpPr txBox="1"/>
+          <p:nvPr/>
+        </p:nvSpPr>
+        <p:spPr>
+          <a:xfrm>
+            <a:off x="6300192" y="4495889"/>
+            <a:ext cx="404780" cy="144000"/>
+          </a:xfrm>
+          <a:prstGeom prst="rect">
+            <a:avLst/>
+          </a:prstGeom>
+          <a:solidFill>
+            <a:schemeClr val="bg1"/>
+          </a:solidFill>
+        </p:spPr>
+        <p:txBody>
+          <a:bodyPr wrap="square" rtlCol="0">
+            <a:spAutoFit/>
+          </a:bodyPr>
+          <a:lstStyle/>
+          <a:p>
+            <a:pPr algn="ctr"/>
+            <a:r>
+              <a:rPr lang="pt-PT" sz="700" dirty="0">
+                <a:solidFill>
+                  <a:schemeClr val="tx1">
+                    <a:lumMod val="65000"/>
+                    <a:lumOff val="35000"/>
+                  </a:schemeClr>
+                </a:solidFill>
+              </a:rPr>
+              <a:t>N/D</a:t>
             </a:r>
           </a:p>
         </p:txBody>
@@ -28885,7 +31358,7 @@
           <p:cNvPr id="10" name="Marcador de Posição de Conteúdo 9">
             <a:extLst>
               <a:ext uri="{FF2B5EF4-FFF2-40B4-BE49-F238E27FC236}">
-                <a16:creationId xmlns="" xmlns:a16="http://schemas.microsoft.com/office/drawing/2014/main" id="{2368EF70-BFD1-4DDA-94F1-FEB9683AAEF1}"/>
+                <a16:creationId xmlns:a16="http://schemas.microsoft.com/office/drawing/2014/main" id="{2368EF70-BFD1-4DDA-94F1-FEB9683AAEF1}"/>
               </a:ext>
             </a:extLst>
           </p:cNvPr>
@@ -28896,7 +31369,7 @@
             <p:ph idx="1"/>
             <p:extLst>
               <p:ext uri="{D42A27DB-BD31-4B8C-83A1-F6EECF244321}">
-                <p14:modId xmlns="" xmlns:p14="http://schemas.microsoft.com/office/powerpoint/2010/main" val="2682736835"/>
+                <p14:modId xmlns:p14="http://schemas.microsoft.com/office/powerpoint/2010/main" val="2682736835"/>
               </p:ext>
             </p:extLst>
           </p:nvPr>
@@ -28916,7 +31389,7 @@
           <p:cNvPr id="12" name="CaixaDeTexto 11">
             <a:extLst>
               <a:ext uri="{FF2B5EF4-FFF2-40B4-BE49-F238E27FC236}">
-                <a16:creationId xmlns="" xmlns:a16="http://schemas.microsoft.com/office/drawing/2014/main" id="{E135EF83-5C94-4326-89C4-AF4839F4375B}"/>
+                <a16:creationId xmlns:a16="http://schemas.microsoft.com/office/drawing/2014/main" id="{E135EF83-5C94-4326-89C4-AF4839F4375B}"/>
               </a:ext>
             </a:extLst>
           </p:cNvPr>
@@ -28969,7 +31442,7 @@
           <p:cNvPr id="13" name="CaixaDeTexto 12">
             <a:extLst>
               <a:ext uri="{FF2B5EF4-FFF2-40B4-BE49-F238E27FC236}">
-                <a16:creationId xmlns="" xmlns:a16="http://schemas.microsoft.com/office/drawing/2014/main" id="{79DB4884-DFFB-4DCD-8DB0-C21A204B1739}"/>
+                <a16:creationId xmlns:a16="http://schemas.microsoft.com/office/drawing/2014/main" id="{79DB4884-DFFB-4DCD-8DB0-C21A204B1739}"/>
               </a:ext>
             </a:extLst>
           </p:cNvPr>
@@ -29022,7 +31495,7 @@
           <p:cNvPr id="14" name="CaixaDeTexto 13">
             <a:extLst>
               <a:ext uri="{FF2B5EF4-FFF2-40B4-BE49-F238E27FC236}">
-                <a16:creationId xmlns="" xmlns:a16="http://schemas.microsoft.com/office/drawing/2014/main" id="{34A79EAC-5F2C-4772-994B-014EBEDB0E87}"/>
+                <a16:creationId xmlns:a16="http://schemas.microsoft.com/office/drawing/2014/main" id="{34A79EAC-5F2C-4772-994B-014EBEDB0E87}"/>
               </a:ext>
             </a:extLst>
           </p:cNvPr>
@@ -29075,7 +31548,7 @@
           <p:cNvPr id="16" name="CaixaDeTexto 15">
             <a:extLst>
               <a:ext uri="{FF2B5EF4-FFF2-40B4-BE49-F238E27FC236}">
-                <a16:creationId xmlns="" xmlns:a16="http://schemas.microsoft.com/office/drawing/2014/main" id="{B32B7E93-6041-44AC-BAA7-59C9D3ED44C6}"/>
+                <a16:creationId xmlns:a16="http://schemas.microsoft.com/office/drawing/2014/main" id="{B32B7E93-6041-44AC-BAA7-59C9D3ED44C6}"/>
               </a:ext>
             </a:extLst>
           </p:cNvPr>
@@ -29183,7 +31656,7 @@
           <p:cNvPr id="6" name="Marcador de Posição de Conteúdo 5">
             <a:extLst>
               <a:ext uri="{FF2B5EF4-FFF2-40B4-BE49-F238E27FC236}">
-                <a16:creationId xmlns="" xmlns:a16="http://schemas.microsoft.com/office/drawing/2014/main" id="{8780E141-24CE-4156-916E-834FA83293C5}"/>
+                <a16:creationId xmlns:a16="http://schemas.microsoft.com/office/drawing/2014/main" id="{8780E141-24CE-4156-916E-834FA83293C5}"/>
               </a:ext>
             </a:extLst>
           </p:cNvPr>
@@ -29194,7 +31667,7 @@
             <p:ph idx="1"/>
             <p:extLst>
               <p:ext uri="{D42A27DB-BD31-4B8C-83A1-F6EECF244321}">
-                <p14:modId xmlns="" xmlns:p14="http://schemas.microsoft.com/office/powerpoint/2010/main" val="4266772448"/>
+                <p14:modId xmlns:p14="http://schemas.microsoft.com/office/powerpoint/2010/main" val="4266772448"/>
               </p:ext>
             </p:extLst>
           </p:nvPr>
@@ -29264,8 +31737,8 @@
           </a:p>
         </p:txBody>
       </p:sp>
-      <mc:AlternateContent xmlns:mc="http://schemas.openxmlformats.org/markup-compatibility/2006">
-        <mc:Choice xmlns="" xmlns:a14="http://schemas.microsoft.com/office/drawing/2010/main" Requires="a14">
+      <mc:AlternateContent xmlns:mc="http://schemas.openxmlformats.org/markup-compatibility/2006" xmlns:a14="http://schemas.microsoft.com/office/drawing/2010/main">
+        <mc:Choice Requires="a14">
           <p:sp>
             <p:nvSpPr>
               <p:cNvPr id="7" name="CaixaDeTexto 1">
@@ -29408,7 +31881,7 @@
             </p:txBody>
           </p:sp>
         </mc:Choice>
-        <mc:Fallback>
+        <mc:Fallback xmlns="">
           <p:sp>
             <p:nvSpPr>
               <p:cNvPr id="7" name="CaixaDeTexto 1">
@@ -29458,7 +31931,7 @@
           <p:cNvPr id="8" name="Marcador de Posição de Conteúdo 7">
             <a:extLst>
               <a:ext uri="{FF2B5EF4-FFF2-40B4-BE49-F238E27FC236}">
-                <a16:creationId xmlns="" xmlns:a16="http://schemas.microsoft.com/office/drawing/2014/main" id="{3251F279-45CA-49E0-8EBB-A3643B355BC6}"/>
+                <a16:creationId xmlns:a16="http://schemas.microsoft.com/office/drawing/2014/main" id="{3251F279-45CA-49E0-8EBB-A3643B355BC6}"/>
               </a:ext>
             </a:extLst>
           </p:cNvPr>
@@ -29469,7 +31942,7 @@
             <p:ph idx="1"/>
             <p:extLst>
               <p:ext uri="{D42A27DB-BD31-4B8C-83A1-F6EECF244321}">
-                <p14:modId xmlns="" xmlns:p14="http://schemas.microsoft.com/office/powerpoint/2010/main" val="176733401"/>
+                <p14:modId xmlns:p14="http://schemas.microsoft.com/office/powerpoint/2010/main" val="176733401"/>
               </p:ext>
             </p:extLst>
           </p:nvPr>
@@ -29544,7 +32017,7 @@
           <p:cNvPr id="7" name="Marcador de Posição de Conteúdo 6">
             <a:extLst>
               <a:ext uri="{FF2B5EF4-FFF2-40B4-BE49-F238E27FC236}">
-                <a16:creationId xmlns="" xmlns:a16="http://schemas.microsoft.com/office/drawing/2014/main" id="{5A9E22EA-D002-4787-9FD1-7A529670444E}"/>
+                <a16:creationId xmlns:a16="http://schemas.microsoft.com/office/drawing/2014/main" id="{5A9E22EA-D002-4787-9FD1-7A529670444E}"/>
               </a:ext>
             </a:extLst>
           </p:cNvPr>
@@ -29555,7 +32028,7 @@
             <p:ph idx="1"/>
             <p:extLst>
               <p:ext uri="{D42A27DB-BD31-4B8C-83A1-F6EECF244321}">
-                <p14:modId xmlns="" xmlns:p14="http://schemas.microsoft.com/office/powerpoint/2010/main" val="1127316651"/>
+                <p14:modId xmlns:p14="http://schemas.microsoft.com/office/powerpoint/2010/main" val="1127316651"/>
               </p:ext>
             </p:extLst>
           </p:nvPr>
